--- a/LectureSlides/09_GeneralizingTheLinearModel.pptx
+++ b/LectureSlides/09_GeneralizingTheLinearModel.pptx
@@ -22,14 +22,14 @@
     <p:sldId id="270" r:id="rId16"/>
     <p:sldId id="271" r:id="rId17"/>
     <p:sldId id="272" r:id="rId18"/>
-    <p:sldId id="273" r:id="rId19"/>
-    <p:sldId id="274" r:id="rId20"/>
-    <p:sldId id="275" r:id="rId21"/>
-    <p:sldId id="276" r:id="rId22"/>
-    <p:sldId id="277" r:id="rId23"/>
-    <p:sldId id="278" r:id="rId24"/>
-    <p:sldId id="279" r:id="rId25"/>
-    <p:sldId id="280" r:id="rId26"/>
+    <p:sldId id="274" r:id="rId19"/>
+    <p:sldId id="275" r:id="rId20"/>
+    <p:sldId id="276" r:id="rId21"/>
+    <p:sldId id="277" r:id="rId22"/>
+    <p:sldId id="278" r:id="rId23"/>
+    <p:sldId id="279" r:id="rId24"/>
+    <p:sldId id="280" r:id="rId25"/>
+    <p:sldId id="273" r:id="rId26"/>
     <p:sldId id="281" r:id="rId27"/>
     <p:sldId id="282" r:id="rId28"/>
     <p:sldId id="283" r:id="rId29"/>
@@ -353,7 +353,7 @@
           <a:p>
             <a:fld id="{241EB5C9-1307-BA42-ABA2-0BC069CD8E7F}" type="datetimeFigureOut">
               <a:rPr lang="en-US" smtClean="0"/>
-              <a:t>9/25/2024</a:t>
+              <a:t>9/26/2024</a:t>
             </a:fld>
             <a:endParaRPr lang="en-US"/>
           </a:p>
@@ -521,7 +521,7 @@
           <a:p>
             <a:fld id="{241EB5C9-1307-BA42-ABA2-0BC069CD8E7F}" type="datetimeFigureOut">
               <a:rPr lang="en-US" smtClean="0"/>
-              <a:t>9/25/2024</a:t>
+              <a:t>9/26/2024</a:t>
             </a:fld>
             <a:endParaRPr lang="en-US"/>
           </a:p>
@@ -699,7 +699,7 @@
           <a:p>
             <a:fld id="{241EB5C9-1307-BA42-ABA2-0BC069CD8E7F}" type="datetimeFigureOut">
               <a:rPr lang="en-US" smtClean="0"/>
-              <a:t>9/25/2024</a:t>
+              <a:t>9/26/2024</a:t>
             </a:fld>
             <a:endParaRPr lang="en-US"/>
           </a:p>
@@ -867,7 +867,7 @@
           <a:p>
             <a:fld id="{241EB5C9-1307-BA42-ABA2-0BC069CD8E7F}" type="datetimeFigureOut">
               <a:rPr lang="en-US" smtClean="0"/>
-              <a:t>9/25/2024</a:t>
+              <a:t>9/26/2024</a:t>
             </a:fld>
             <a:endParaRPr lang="en-US"/>
           </a:p>
@@ -1112,7 +1112,7 @@
           <a:p>
             <a:fld id="{241EB5C9-1307-BA42-ABA2-0BC069CD8E7F}" type="datetimeFigureOut">
               <a:rPr lang="en-US" smtClean="0"/>
-              <a:t>9/25/2024</a:t>
+              <a:t>9/26/2024</a:t>
             </a:fld>
             <a:endParaRPr lang="en-US"/>
           </a:p>
@@ -1397,7 +1397,7 @@
           <a:p>
             <a:fld id="{241EB5C9-1307-BA42-ABA2-0BC069CD8E7F}" type="datetimeFigureOut">
               <a:rPr lang="en-US" smtClean="0"/>
-              <a:t>9/25/2024</a:t>
+              <a:t>9/26/2024</a:t>
             </a:fld>
             <a:endParaRPr lang="en-US"/>
           </a:p>
@@ -1816,7 +1816,7 @@
           <a:p>
             <a:fld id="{241EB5C9-1307-BA42-ABA2-0BC069CD8E7F}" type="datetimeFigureOut">
               <a:rPr lang="en-US" smtClean="0"/>
-              <a:t>9/25/2024</a:t>
+              <a:t>9/26/2024</a:t>
             </a:fld>
             <a:endParaRPr lang="en-US"/>
           </a:p>
@@ -1933,7 +1933,7 @@
           <a:p>
             <a:fld id="{241EB5C9-1307-BA42-ABA2-0BC069CD8E7F}" type="datetimeFigureOut">
               <a:rPr lang="en-US" smtClean="0"/>
-              <a:t>9/25/2024</a:t>
+              <a:t>9/26/2024</a:t>
             </a:fld>
             <a:endParaRPr lang="en-US"/>
           </a:p>
@@ -2028,7 +2028,7 @@
           <a:p>
             <a:fld id="{241EB5C9-1307-BA42-ABA2-0BC069CD8E7F}" type="datetimeFigureOut">
               <a:rPr lang="en-US" smtClean="0"/>
-              <a:t>9/25/2024</a:t>
+              <a:t>9/26/2024</a:t>
             </a:fld>
             <a:endParaRPr lang="en-US"/>
           </a:p>
@@ -2303,7 +2303,7 @@
           <a:p>
             <a:fld id="{241EB5C9-1307-BA42-ABA2-0BC069CD8E7F}" type="datetimeFigureOut">
               <a:rPr lang="en-US" smtClean="0"/>
-              <a:t>9/25/2024</a:t>
+              <a:t>9/26/2024</a:t>
             </a:fld>
             <a:endParaRPr lang="en-US"/>
           </a:p>
@@ -2555,7 +2555,7 @@
           <a:p>
             <a:fld id="{241EB5C9-1307-BA42-ABA2-0BC069CD8E7F}" type="datetimeFigureOut">
               <a:rPr lang="en-US" smtClean="0"/>
-              <a:t>9/25/2024</a:t>
+              <a:t>9/26/2024</a:t>
             </a:fld>
             <a:endParaRPr lang="en-US"/>
           </a:p>
@@ -2766,7 +2766,7 @@
           <a:p>
             <a:fld id="{241EB5C9-1307-BA42-ABA2-0BC069CD8E7F}" type="datetimeFigureOut">
               <a:rPr lang="en-US" smtClean="0"/>
-              <a:t>9/25/2024</a:t>
+              <a:t>9/26/2024</a:t>
             </a:fld>
             <a:endParaRPr lang="en-US"/>
           </a:p>
@@ -4299,8 +4299,8 @@
           </a:p>
         </p:txBody>
       </p:sp>
-      <mc:AlternateContent xmlns:mc="http://schemas.openxmlformats.org/markup-compatibility/2006">
-        <mc:Choice xmlns:a14="http://schemas.microsoft.com/office/drawing/2010/main" Requires="a14">
+      <mc:AlternateContent xmlns:mc="http://schemas.openxmlformats.org/markup-compatibility/2006" xmlns:a14="http://schemas.microsoft.com/office/drawing/2010/main">
+        <mc:Choice Requires="a14">
           <p:sp>
             <p:nvSpPr>
               <p:cNvPr id="3" name="Content Placeholder 2"/>
@@ -4407,7 +4407,7 @@
                         <m:begChr m:val="["/>
                         <m:endChr m:val="]"/>
                         <m:ctrlPr>
-                          <a:rPr>
+                          <a:rPr i="1">
                             <a:latin typeface="Cambria Math" panose="02040503050406030204" pitchFamily="18" charset="0"/>
                           </a:rPr>
                         </m:ctrlPr>
@@ -4416,7 +4416,7 @@
                         <m:sSub>
                           <m:sSubPr>
                             <m:ctrlPr>
-                              <a:rPr>
+                              <a:rPr i="1">
                                 <a:latin typeface="Cambria Math" panose="02040503050406030204" pitchFamily="18" charset="0"/>
                               </a:rPr>
                             </m:ctrlPr>
@@ -4538,7 +4538,13 @@
                       <a:rPr>
                         <a:latin typeface="Cambria Math" panose="02040503050406030204" pitchFamily="18" charset="0"/>
                       </a:rPr>
-                      <m:t>−1</m:t>
+                      <m:t>−</m:t>
+                    </m:r>
+                    <m:r>
+                      <a:rPr>
+                        <a:latin typeface="Cambria Math" panose="02040503050406030204" pitchFamily="18" charset="0"/>
+                      </a:rPr>
+                      <m:t>1</m:t>
                     </m:r>
                   </m:oMath>
                 </a14:m>
@@ -4561,7 +4567,7 @@
                         <m:begChr m:val="["/>
                         <m:endChr m:val="]"/>
                         <m:ctrlPr>
-                          <a:rPr>
+                          <a:rPr i="1">
                             <a:latin typeface="Cambria Math" panose="02040503050406030204" pitchFamily="18" charset="0"/>
                           </a:rPr>
                         </m:ctrlPr>
@@ -4571,7 +4577,13 @@
                           <a:rPr>
                             <a:latin typeface="Cambria Math" panose="02040503050406030204" pitchFamily="18" charset="0"/>
                           </a:rPr>
-                          <m:t>1,</m:t>
+                          <m:t>1</m:t>
+                        </m:r>
+                        <m:r>
+                          <a:rPr>
+                            <a:latin typeface="Cambria Math" panose="02040503050406030204" pitchFamily="18" charset="0"/>
+                          </a:rPr>
+                          <m:t>,</m:t>
                         </m:r>
                         <m:sSub>
                           <m:sSubPr>
@@ -4631,7 +4643,13 @@
                               <a:rPr>
                                 <a:latin typeface="Cambria Math" panose="02040503050406030204" pitchFamily="18" charset="0"/>
                               </a:rPr>
-                              <m:t>−1</m:t>
+                              <m:t>−</m:t>
+                            </m:r>
+                            <m:r>
+                              <a:rPr>
+                                <a:latin typeface="Cambria Math" panose="02040503050406030204" pitchFamily="18" charset="0"/>
+                              </a:rPr>
+                              <m:t>1</m:t>
                             </m:r>
                           </m:sub>
                         </m:sSub>
@@ -4663,7 +4681,7 @@
                           <m:begChr m:val="["/>
                           <m:endChr m:val="]"/>
                           <m:ctrlPr>
-                            <a:rPr>
+                            <a:rPr i="1">
                               <a:latin typeface="Cambria Math" panose="02040503050406030204" pitchFamily="18" charset="0"/>
                             </a:rPr>
                           </m:ctrlPr>
@@ -4680,7 +4698,7 @@
                                 </m:mc>
                               </m:mcs>
                               <m:ctrlPr>
-                                <a:rPr>
+                                <a:rPr i="1">
                                   <a:latin typeface="Cambria Math" panose="02040503050406030204" pitchFamily="18" charset="0"/>
                                 </a:rPr>
                               </m:ctrlPr>
@@ -4969,7 +4987,7 @@
             </p:txBody>
           </p:sp>
         </mc:Choice>
-        <mc:Fallback>
+        <mc:Fallback xmlns="">
           <p:sp>
             <p:nvSpPr>
               <p:cNvPr id="3" name="Content Placeholder 2"/>
@@ -5056,8 +5074,8 @@
           </a:p>
         </p:txBody>
       </p:sp>
-      <mc:AlternateContent xmlns:mc="http://schemas.openxmlformats.org/markup-compatibility/2006">
-        <mc:Choice xmlns:a14="http://schemas.microsoft.com/office/drawing/2010/main" Requires="a14">
+      <mc:AlternateContent xmlns:mc="http://schemas.openxmlformats.org/markup-compatibility/2006" xmlns:a14="http://schemas.microsoft.com/office/drawing/2010/main">
+        <mc:Choice Requires="a14">
           <p:sp>
             <p:nvSpPr>
               <p:cNvPr id="3" name="Content Placeholder 2"/>
@@ -5115,7 +5133,7 @@
                         <m:begChr m:val="["/>
                         <m:endChr m:val="]"/>
                         <m:ctrlPr>
-                          <a:rPr>
+                          <a:rPr i="1">
                             <a:latin typeface="Cambria Math" panose="02040503050406030204" pitchFamily="18" charset="0"/>
                           </a:rPr>
                         </m:ctrlPr>
@@ -5124,7 +5142,7 @@
                         <m:sSub>
                           <m:sSubPr>
                             <m:ctrlPr>
-                              <a:rPr>
+                              <a:rPr i="1">
                                 <a:latin typeface="Cambria Math" panose="02040503050406030204" pitchFamily="18" charset="0"/>
                               </a:rPr>
                             </m:ctrlPr>
@@ -5223,7 +5241,7 @@
                         <m:begChr m:val="["/>
                         <m:endChr m:val="]"/>
                         <m:ctrlPr>
-                          <a:rPr>
+                          <a:rPr i="1">
                             <a:latin typeface="Cambria Math" panose="02040503050406030204" pitchFamily="18" charset="0"/>
                           </a:rPr>
                         </m:ctrlPr>
@@ -5232,7 +5250,7 @@
                         <m:sSub>
                           <m:sSubPr>
                             <m:ctrlPr>
-                              <a:rPr>
+                              <a:rPr i="1">
                                 <a:latin typeface="Cambria Math" panose="02040503050406030204" pitchFamily="18" charset="0"/>
                               </a:rPr>
                             </m:ctrlPr>
@@ -5352,7 +5370,7 @@
                           <m:begChr m:val="["/>
                           <m:endChr m:val="]"/>
                           <m:ctrlPr>
-                            <a:rPr>
+                            <a:rPr i="1">
                               <a:latin typeface="Cambria Math" panose="02040503050406030204" pitchFamily="18" charset="0"/>
                             </a:rPr>
                           </m:ctrlPr>
@@ -5369,7 +5387,7 @@
                                 </m:mc>
                               </m:mcs>
                               <m:ctrlPr>
-                                <a:rPr>
+                                <a:rPr i="1">
                                   <a:latin typeface="Cambria Math" panose="02040503050406030204" pitchFamily="18" charset="0"/>
                                 </a:rPr>
                               </m:ctrlPr>
@@ -5379,7 +5397,7 @@
                                 <m:sSub>
                                   <m:sSubPr>
                                     <m:ctrlPr>
-                                      <a:rPr>
+                                      <a:rPr i="1">
                                         <a:latin typeface="Cambria Math" panose="02040503050406030204" pitchFamily="18" charset="0"/>
                                       </a:rPr>
                                     </m:ctrlPr>
@@ -5625,7 +5643,7 @@
                         <m:begChr m:val="["/>
                         <m:endChr m:val="]"/>
                         <m:ctrlPr>
-                          <a:rPr>
+                          <a:rPr i="1">
                             <a:latin typeface="Cambria Math" panose="02040503050406030204" pitchFamily="18" charset="0"/>
                           </a:rPr>
                         </m:ctrlPr>
@@ -5635,7 +5653,13 @@
                           <a:rPr>
                             <a:latin typeface="Cambria Math" panose="02040503050406030204" pitchFamily="18" charset="0"/>
                           </a:rPr>
-                          <m:t>1,</m:t>
+                          <m:t>1</m:t>
+                        </m:r>
+                        <m:r>
+                          <a:rPr>
+                            <a:latin typeface="Cambria Math" panose="02040503050406030204" pitchFamily="18" charset="0"/>
+                          </a:rPr>
+                          <m:t>,</m:t>
                         </m:r>
                         <m:sSub>
                           <m:sSubPr>
@@ -5748,7 +5772,7 @@
                           <m:begChr m:val="["/>
                           <m:endChr m:val="]"/>
                           <m:ctrlPr>
-                            <a:rPr>
+                            <a:rPr i="1">
                               <a:latin typeface="Cambria Math" panose="02040503050406030204" pitchFamily="18" charset="0"/>
                             </a:rPr>
                           </m:ctrlPr>
@@ -5765,7 +5789,7 @@
                                 </m:mc>
                               </m:mcs>
                               <m:ctrlPr>
-                                <a:rPr>
+                                <a:rPr i="1">
                                   <a:latin typeface="Cambria Math" panose="02040503050406030204" pitchFamily="18" charset="0"/>
                                 </a:rPr>
                               </m:ctrlPr>
@@ -5775,7 +5799,7 @@
                                 <m:sSub>
                                   <m:sSubPr>
                                     <m:ctrlPr>
-                                      <a:rPr>
+                                      <a:rPr i="1">
                                         <a:latin typeface="Cambria Math" panose="02040503050406030204" pitchFamily="18" charset="0"/>
                                       </a:rPr>
                                     </m:ctrlPr>
@@ -6016,7 +6040,7 @@
             </p:txBody>
           </p:sp>
         </mc:Choice>
-        <mc:Fallback>
+        <mc:Fallback xmlns="">
           <p:sp>
             <p:nvSpPr>
               <p:cNvPr id="3" name="Content Placeholder 2"/>
@@ -6180,7 +6204,11 @@
             </a:r>
             <a:r>
               <a:rPr dirty="0"/>
-              <a:t> for other effects</a:t>
+              <a:t> </a:t>
+            </a:r>
+            <a:r>
+              <a:rPr b="1" dirty="0"/>
+              <a:t>for other effects</a:t>
             </a:r>
           </a:p>
           <a:p>
@@ -6219,12 +6247,16 @@
               <a:t>In other words </a:t>
             </a:r>
             <a:r>
+              <a:rPr lang="en-US" b="1" dirty="0"/>
+              <a:t>interpret</a:t>
+            </a:r>
+            <a:r>
+              <a:rPr dirty="0"/>
+              <a:t> </a:t>
+            </a:r>
+            <a:r>
               <a:rPr b="1" dirty="0"/>
-              <a:t>apply</a:t>
-            </a:r>
-            <a:r>
-              <a:rPr dirty="0"/>
-              <a:t> with care!</a:t>
+              <a:t>with care!</a:t>
             </a:r>
           </a:p>
           <a:p>
@@ -6332,7 +6364,7 @@
                         <m:begChr m:val="["/>
                         <m:endChr m:val="]"/>
                         <m:ctrlPr>
-                          <a:rPr>
+                          <a:rPr i="1">
                             <a:latin typeface="Cambria Math" panose="02040503050406030204" pitchFamily="18" charset="0"/>
                           </a:rPr>
                         </m:ctrlPr>
@@ -6475,8 +6507,20 @@
               <a:p>
                 <a:pPr lvl="1"/>
                 <a:r>
+                  <a:rPr lang="en-US" dirty="0"/>
+                  <a:t>P</a:t>
+                </a:r>
+                <a:r>
                   <a:rPr dirty="0"/>
-                  <a:t>Estimate the parameter </a:t>
+                  <a:t>arameter</a:t>
+                </a:r>
+                <a:r>
+                  <a:rPr lang="en-US" dirty="0"/>
+                  <a:t> is</a:t>
+                </a:r>
+                <a:r>
+                  <a:rPr dirty="0"/>
+                  <a:t> </a:t>
                 </a:r>
                 <a14:m>
                   <m:oMath xmlns:m="http://schemas.openxmlformats.org/officeDocument/2006/math">
@@ -6643,16 +6687,12 @@
               <a:p>
                 <a:pPr lvl="1"/>
                 <a:r>
+                  <a:rPr lang="en-US" dirty="0"/>
+                  <a:t>Parameter</a:t>
+                </a:r>
+                <a:r>
                   <a:rPr dirty="0"/>
-                  <a:t>Response is probability </a:t>
-                </a:r>
-                <a:r>
-                  <a:rPr dirty="0" err="1"/>
-                  <a:t>probability</a:t>
-                </a:r>
-                <a:r>
-                  <a:rPr dirty="0"/>
-                  <a:t> for each category, </a:t>
+                  <a:t> is probability for each category, </a:t>
                 </a:r>
                 <a14:m>
                   <m:oMath xmlns:m="http://schemas.openxmlformats.org/officeDocument/2006/math">
@@ -6871,7 +6911,7 @@
         <p:spPr/>
         <p:txBody>
           <a:bodyPr>
-            <a:normAutofit fontScale="92500" lnSpcReduction="20000"/>
+            <a:normAutofit fontScale="92500" lnSpcReduction="10000"/>
           </a:bodyPr>
           <a:lstStyle/>
           <a:p>
@@ -6894,15 +6934,19 @@
           <a:p>
             <a:pPr lvl="0"/>
             <a:r>
+              <a:rPr b="1" dirty="0"/>
+              <a:t>Nonlinear response is non-Normally distributed</a:t>
+            </a:r>
+          </a:p>
+          <a:p>
+            <a:pPr lvl="0"/>
+            <a:r>
+              <a:rPr lang="en-US" dirty="0"/>
+              <a:t>Us</a:t>
+            </a:r>
+            <a:r>
               <a:rPr dirty="0"/>
-              <a:t>Nonlinear response is non-Normally distributed</a:t>
-            </a:r>
-          </a:p>
-          <a:p>
-            <a:pPr lvl="0"/>
-            <a:r>
-              <a:rPr dirty="0"/>
-              <a:t>For each distribution use a </a:t>
+              <a:t>e a </a:t>
             </a:r>
             <a:r>
               <a:rPr b="1" dirty="0"/>
@@ -6931,7 +6975,11 @@
             <a:pPr lvl="0"/>
             <a:r>
               <a:rPr dirty="0"/>
-              <a:t>To compute the nonlinear response</a:t>
+              <a:t>To compute the </a:t>
+            </a:r>
+            <a:r>
+              <a:rPr b="1" dirty="0"/>
+              <a:t>nonlinear response</a:t>
             </a:r>
           </a:p>
           <a:p>
@@ -6949,11 +6997,7 @@
             </a:r>
             <a:r>
               <a:rPr b="1" dirty="0"/>
-              <a:t>inverse </a:t>
-            </a:r>
-            <a:r>
-              <a:rPr b="1"/>
-              <a:t>link function</a:t>
+              <a:t>inverse link function</a:t>
             </a:r>
             <a:endParaRPr dirty="0"/>
           </a:p>
@@ -7015,374 +7059,706 @@
           </a:p>
         </p:txBody>
       </p:sp>
-      <p:sp>
-        <p:nvSpPr>
-          <p:cNvPr id="3" name="Content Placeholder 2"/>
-          <p:cNvSpPr>
-            <a:spLocks noGrp="1"/>
-          </p:cNvSpPr>
-          <p:nvPr>
-            <p:ph idx="1"/>
-          </p:nvPr>
-        </p:nvSpPr>
-        <p:spPr/>
-        <p:txBody>
-          <a:bodyPr>
-            <a:normAutofit fontScale="55000" lnSpcReduction="20000"/>
-          </a:bodyPr>
-          <a:lstStyle/>
-          <a:p>
-            <a:pPr marL="0" lvl="0" indent="0">
-              <a:buNone/>
-            </a:pPr>
-            <a:r>
-              <a:t>Link functions are available for many distributions</a:t>
-            </a:r>
-          </a:p>
-          <a:p>
-            <a:pPr lvl="0"/>
-            <a:r>
-              <a:t>Supported in </a:t>
-            </a:r>
-            <a:r>
-              <a:rPr>
-                <a:hlinkClick r:id="rId2"/>
-              </a:rPr>
-              <a:t>statsmodels</a:t>
-            </a:r>
-          </a:p>
-          <a:p>
-            <a:pPr lvl="0"/>
-            <a:r>
-              <a:t>Supported in </a:t>
-            </a:r>
-            <a:r>
-              <a:rPr>
-                <a:hlinkClick r:id="rId3"/>
-              </a:rPr>
-              <a:t>Scikit-Learn</a:t>
-            </a:r>
-          </a:p>
-          <a:p>
-            <a:pPr lvl="0"/>
-            <a:r>
-              <a:t>Examples:</a:t>
-            </a:r>
-          </a:p>
-          <a:p>
-            <a:pPr lvl="1"/>
-            <a:r>
-              <a:t>Gaussian, identity function</a:t>
-            </a:r>
-            <a:br/>
-            <a:endParaRPr/>
-          </a:p>
-          <a:p>
-            <a:pPr lvl="1"/>
-            <a:r>
-              <a:t>Inverse Gaussian</a:t>
-            </a:r>
-            <a:br/>
-            <a:endParaRPr/>
-          </a:p>
-          <a:p>
-            <a:pPr lvl="1"/>
-            <a:r>
-              <a:t>Binomial, logit function</a:t>
-            </a:r>
-            <a:br/>
-            <a:endParaRPr/>
-          </a:p>
-          <a:p>
-            <a:pPr lvl="1"/>
-            <a:r>
-              <a:t>Multinomial</a:t>
-            </a:r>
-            <a:br/>
-            <a:endParaRPr/>
-          </a:p>
-          <a:p>
-            <a:pPr lvl="1"/>
-            <a:r>
-              <a:t>Poisson</a:t>
-            </a:r>
-            <a:br/>
-            <a:endParaRPr/>
-          </a:p>
-          <a:p>
-            <a:pPr lvl="1"/>
-            <a:r>
-              <a:t>Negative Binomial</a:t>
-            </a:r>
-            <a:br/>
-            <a:endParaRPr/>
-          </a:p>
-          <a:p>
-            <a:pPr lvl="1"/>
-            <a:r>
-              <a:t>Gamma</a:t>
-            </a:r>
-            <a:br/>
-            <a:endParaRPr/>
-          </a:p>
-          <a:p>
-            <a:pPr lvl="1"/>
-            <a:r>
-              <a:t>Tweedie</a:t>
-            </a:r>
-          </a:p>
-        </p:txBody>
-      </p:sp>
-    </p:spTree>
-  </p:cSld>
-  <p:clrMapOvr>
-    <a:masterClrMapping/>
-  </p:clrMapOvr>
-</p:sld>
-</file>
-
-<file path=ppt/slides/slide19.xml><?xml version="1.0" encoding="utf-8"?>
-<p:sld xmlns:a="http://schemas.openxmlformats.org/drawingml/2006/main" xmlns:r="http://schemas.openxmlformats.org/officeDocument/2006/relationships" xmlns:p="http://schemas.openxmlformats.org/presentationml/2006/main">
-  <p:cSld>
-    <p:spTree>
-      <p:nvGrpSpPr>
-        <p:cNvPr id="1" name=""/>
-        <p:cNvGrpSpPr/>
-        <p:nvPr/>
-      </p:nvGrpSpPr>
-      <p:grpSpPr>
-        <a:xfrm>
-          <a:off x="0" y="0"/>
-          <a:ext cx="0" cy="0"/>
-          <a:chOff x="0" y="0"/>
-          <a:chExt cx="0" cy="0"/>
-        </a:xfrm>
-      </p:grpSpPr>
-      <p:sp>
-        <p:nvSpPr>
-          <p:cNvPr id="2" name="Title 1"/>
-          <p:cNvSpPr>
-            <a:spLocks noGrp="1"/>
-          </p:cNvSpPr>
-          <p:nvPr>
-            <p:ph type="title"/>
-          </p:nvPr>
-        </p:nvSpPr>
-        <p:spPr/>
-        <p:txBody>
-          <a:bodyPr/>
-          <a:lstStyle/>
-          <a:p>
-            <a:pPr marL="0" lvl="0" indent="0">
-              <a:buNone/>
-            </a:pPr>
-            <a:r>
-              <a:t>The Generalized Linear Model</a:t>
-            </a:r>
-          </a:p>
-        </p:txBody>
-      </p:sp>
-      <p:sp>
-        <p:nvSpPr>
-          <p:cNvPr id="3" name="Content Placeholder 2"/>
-          <p:cNvSpPr>
-            <a:spLocks noGrp="1"/>
-          </p:cNvSpPr>
-          <p:nvPr>
-            <p:ph idx="1"/>
-          </p:nvPr>
-        </p:nvSpPr>
-        <p:spPr/>
-        <p:txBody>
-          <a:bodyPr/>
-          <a:lstStyle/>
-          <a:p>
-            <a:pPr marL="0" lvl="0" indent="0">
-              <a:buNone/>
-            </a:pPr>
-            <a:r>
-              <a:t>General form for link function, </a:t>
-            </a:r>
-            <a14:m xmlns:a14="http://schemas.microsoft.com/office/drawing/2010/main">
-              <m:oMath xmlns:m="http://schemas.openxmlformats.org/officeDocument/2006/math">
-                <m:r>
-                  <a:rPr>
-                    <a:latin typeface="Cambria Math" panose="02040503050406030204" pitchFamily="18" charset="0"/>
-                  </a:rPr>
-                  <m:t>𝑔</m:t>
-                </m:r>
-                <m:d>
-                  <m:dPr>
-                    <m:ctrlPr>
-                      <a:rPr i="1">
+      <mc:AlternateContent xmlns:mc="http://schemas.openxmlformats.org/markup-compatibility/2006">
+        <mc:Choice xmlns:a14="http://schemas.microsoft.com/office/drawing/2010/main" Requires="a14">
+          <p:sp>
+            <p:nvSpPr>
+              <p:cNvPr id="3" name="Content Placeholder 2"/>
+              <p:cNvSpPr>
+                <a:spLocks noGrp="1"/>
+              </p:cNvSpPr>
+              <p:nvPr>
+                <p:ph idx="1"/>
+              </p:nvPr>
+            </p:nvSpPr>
+            <p:spPr/>
+            <p:txBody>
+              <a:bodyPr>
+                <a:normAutofit fontScale="92500" lnSpcReduction="20000"/>
+              </a:bodyPr>
+              <a:lstStyle/>
+              <a:p>
+                <a:pPr marL="0" lvl="0" indent="0">
+                  <a:buNone/>
+                </a:pPr>
+                <a:r>
+                  <a:rPr dirty="0"/>
+                  <a:t>General form for link function</a:t>
+                </a:r>
+                <a:r>
+                  <a:rPr lang="en-US" dirty="0"/>
+                  <a:t> is </a:t>
+                </a:r>
+                <a14:m>
+                  <m:oMath xmlns:m="http://schemas.openxmlformats.org/officeDocument/2006/math">
+                    <m:r>
+                      <a:rPr lang="ar-AE">
                         <a:latin typeface="Cambria Math" panose="02040503050406030204" pitchFamily="18" charset="0"/>
                       </a:rPr>
-                    </m:ctrlPr>
-                  </m:dPr>
-                  <m:e/>
-                </m:d>
-              </m:oMath>
-            </a14:m>
-            <a:r>
-              <a:t>, mapping response variable, </a:t>
-            </a:r>
-            <a14:m xmlns:a14="http://schemas.microsoft.com/office/drawing/2010/main">
-              <m:oMath xmlns:m="http://schemas.openxmlformats.org/officeDocument/2006/math">
-                <m:r>
-                  <a:rPr>
-                    <a:latin typeface="Cambria Math" panose="02040503050406030204" pitchFamily="18" charset="0"/>
-                  </a:rPr>
-                  <m:t>𝑦</m:t>
-                </m:r>
-              </m:oMath>
-            </a14:m>
-            <a:r>
-              <a:t>, observation vector, </a:t>
-            </a:r>
-            <a14:m xmlns:a14="http://schemas.microsoft.com/office/drawing/2010/main">
-              <m:oMath xmlns:m="http://schemas.openxmlformats.org/officeDocument/2006/math">
-                <m:r>
-                  <a:rPr>
-                    <a:latin typeface="Cambria Math" panose="02040503050406030204" pitchFamily="18" charset="0"/>
-                  </a:rPr>
-                  <m:t>𝑥</m:t>
-                </m:r>
-              </m:oMath>
-            </a14:m>
-            <a:r>
-              <a:t>, to linear model</a:t>
-            </a:r>
-          </a:p>
-          <a:p>
-            <a:pPr lvl="0"/>
-            <a:r>
-              <a:t>Given linear model </a:t>
-            </a:r>
-            <a14:m xmlns:a14="http://schemas.microsoft.com/office/drawing/2010/main">
-              <m:oMath xmlns:m="http://schemas.openxmlformats.org/officeDocument/2006/math">
-                <m:acc>
-                  <m:accPr>
-                    <m:chr m:val="̂"/>
-                    <m:ctrlPr>
-                      <a:rPr>
+                      <m:t>𝑔</m:t>
+                    </m:r>
+                    <m:d>
+                      <m:dPr>
+                        <m:ctrlPr>
+                          <a:rPr lang="ar-AE" i="1">
+                            <a:latin typeface="Cambria Math" panose="02040503050406030204" pitchFamily="18" charset="0"/>
+                          </a:rPr>
+                        </m:ctrlPr>
+                      </m:dPr>
+                      <m:e>
+                        <m:r>
+                          <a:rPr lang="ar-AE">
+                            <a:latin typeface="Cambria Math" panose="02040503050406030204" pitchFamily="18" charset="0"/>
+                          </a:rPr>
+                          <m:t>𝙴</m:t>
+                        </m:r>
+                        <m:d>
+                          <m:dPr>
+                            <m:begChr m:val="["/>
+                            <m:endChr m:val="]"/>
+                            <m:ctrlPr>
+                              <a:rPr lang="ar-AE" i="1">
+                                <a:latin typeface="Cambria Math" panose="02040503050406030204" pitchFamily="18" charset="0"/>
+                              </a:rPr>
+                            </m:ctrlPr>
+                          </m:dPr>
+                          <m:e>
+                            <m:sSub>
+                              <m:sSubPr>
+                                <m:ctrlPr>
+                                  <a:rPr lang="ar-AE" i="1">
+                                    <a:latin typeface="Cambria Math" panose="02040503050406030204" pitchFamily="18" charset="0"/>
+                                  </a:rPr>
+                                </m:ctrlPr>
+                              </m:sSubPr>
+                              <m:e>
+                                <m:r>
+                                  <a:rPr lang="ar-AE">
+                                    <a:latin typeface="Cambria Math" panose="02040503050406030204" pitchFamily="18" charset="0"/>
+                                  </a:rPr>
+                                  <m:t>𝑦</m:t>
+                                </m:r>
+                              </m:e>
+                              <m:sub>
+                                <m:r>
+                                  <a:rPr lang="ar-AE">
+                                    <a:latin typeface="Cambria Math" panose="02040503050406030204" pitchFamily="18" charset="0"/>
+                                  </a:rPr>
+                                  <m:t>𝑖</m:t>
+                                </m:r>
+                              </m:sub>
+                            </m:sSub>
+                            <m:r>
+                              <a:rPr lang="ar-AE">
+                                <a:latin typeface="Cambria Math" panose="02040503050406030204" pitchFamily="18" charset="0"/>
+                              </a:rPr>
+                              <m:t>|</m:t>
+                            </m:r>
+                            <m:sSub>
+                              <m:sSubPr>
+                                <m:ctrlPr>
+                                  <a:rPr lang="ar-AE" i="1">
+                                    <a:latin typeface="Cambria Math" panose="02040503050406030204" pitchFamily="18" charset="0"/>
+                                  </a:rPr>
+                                </m:ctrlPr>
+                              </m:sSubPr>
+                              <m:e>
+                                <m:r>
+                                  <a:rPr lang="ar-AE">
+                                    <a:latin typeface="Cambria Math" panose="02040503050406030204" pitchFamily="18" charset="0"/>
+                                  </a:rPr>
+                                  <m:t>𝑥</m:t>
+                                </m:r>
+                              </m:e>
+                              <m:sub>
+                                <m:r>
+                                  <a:rPr lang="ar-AE">
+                                    <a:latin typeface="Cambria Math" panose="02040503050406030204" pitchFamily="18" charset="0"/>
+                                  </a:rPr>
+                                  <m:t>𝑖</m:t>
+                                </m:r>
+                              </m:sub>
+                            </m:sSub>
+                          </m:e>
+                        </m:d>
+                      </m:e>
+                    </m:d>
+                  </m:oMath>
+                </a14:m>
+                <a:r>
+                  <a:rPr dirty="0"/>
+                  <a:t> </a:t>
+                </a:r>
+                <a:endParaRPr lang="en-US" dirty="0"/>
+              </a:p>
+              <a:p>
+                <a:pPr marL="342900" lvl="1" indent="0">
+                  <a:buNone/>
+                </a:pPr>
+                <a:r>
+                  <a:rPr lang="en-US" dirty="0"/>
+                  <a:t>Where </a:t>
+                </a:r>
+                <a14:m>
+                  <m:oMath xmlns:m="http://schemas.openxmlformats.org/officeDocument/2006/math">
+                    <m:r>
+                      <a:rPr lang="ar-AE" smtClean="0">
                         <a:latin typeface="Cambria Math" panose="02040503050406030204" pitchFamily="18" charset="0"/>
                       </a:rPr>
-                    </m:ctrlPr>
-                  </m:accPr>
-                  <m:e>
+                      <m:t>𝙴</m:t>
+                    </m:r>
+                    <m:d>
+                      <m:dPr>
+                        <m:begChr m:val="["/>
+                        <m:endChr m:val="]"/>
+                        <m:ctrlPr>
+                          <a:rPr lang="ar-AE" i="1">
+                            <a:latin typeface="Cambria Math" panose="02040503050406030204" pitchFamily="18" charset="0"/>
+                          </a:rPr>
+                        </m:ctrlPr>
+                      </m:dPr>
+                      <m:e>
+                        <m:sSub>
+                          <m:sSubPr>
+                            <m:ctrlPr>
+                              <a:rPr lang="ar-AE" i="1">
+                                <a:latin typeface="Cambria Math" panose="02040503050406030204" pitchFamily="18" charset="0"/>
+                              </a:rPr>
+                            </m:ctrlPr>
+                          </m:sSubPr>
+                          <m:e>
+                            <m:r>
+                              <a:rPr lang="ar-AE">
+                                <a:latin typeface="Cambria Math" panose="02040503050406030204" pitchFamily="18" charset="0"/>
+                              </a:rPr>
+                              <m:t>𝑦</m:t>
+                            </m:r>
+                          </m:e>
+                          <m:sub>
+                            <m:r>
+                              <a:rPr lang="ar-AE">
+                                <a:latin typeface="Cambria Math" panose="02040503050406030204" pitchFamily="18" charset="0"/>
+                              </a:rPr>
+                              <m:t>𝑖</m:t>
+                            </m:r>
+                          </m:sub>
+                        </m:sSub>
+                        <m:r>
+                          <a:rPr lang="ar-AE">
+                            <a:latin typeface="Cambria Math" panose="02040503050406030204" pitchFamily="18" charset="0"/>
+                          </a:rPr>
+                          <m:t>|</m:t>
+                        </m:r>
+                        <m:sSub>
+                          <m:sSubPr>
+                            <m:ctrlPr>
+                              <a:rPr lang="ar-AE" i="1">
+                                <a:latin typeface="Cambria Math" panose="02040503050406030204" pitchFamily="18" charset="0"/>
+                              </a:rPr>
+                            </m:ctrlPr>
+                          </m:sSubPr>
+                          <m:e>
+                            <m:r>
+                              <a:rPr lang="ar-AE">
+                                <a:latin typeface="Cambria Math" panose="02040503050406030204" pitchFamily="18" charset="0"/>
+                              </a:rPr>
+                              <m:t>𝑥</m:t>
+                            </m:r>
+                          </m:e>
+                          <m:sub>
+                            <m:r>
+                              <a:rPr lang="ar-AE">
+                                <a:latin typeface="Cambria Math" panose="02040503050406030204" pitchFamily="18" charset="0"/>
+                              </a:rPr>
+                              <m:t>𝑖</m:t>
+                            </m:r>
+                          </m:sub>
+                        </m:sSub>
+                      </m:e>
+                    </m:d>
+                  </m:oMath>
+                </a14:m>
+                <a:r>
+                  <a:rPr lang="en-US" dirty="0"/>
+                  <a:t> is the expected value of the response, </a:t>
+                </a:r>
+                <a14:m>
+                  <m:oMath xmlns:m="http://schemas.openxmlformats.org/officeDocument/2006/math">
+                    <m:sSub>
+                      <m:sSubPr>
+                        <m:ctrlPr>
+                          <a:rPr lang="ar-AE" i="1">
+                            <a:latin typeface="Cambria Math" panose="02040503050406030204" pitchFamily="18" charset="0"/>
+                          </a:rPr>
+                        </m:ctrlPr>
+                      </m:sSubPr>
+                      <m:e>
+                        <m:r>
+                          <a:rPr lang="ar-AE">
+                            <a:latin typeface="Cambria Math" panose="02040503050406030204" pitchFamily="18" charset="0"/>
+                          </a:rPr>
+                          <m:t>𝑦</m:t>
+                        </m:r>
+                      </m:e>
+                      <m:sub>
+                        <m:r>
+                          <a:rPr lang="ar-AE">
+                            <a:latin typeface="Cambria Math" panose="02040503050406030204" pitchFamily="18" charset="0"/>
+                          </a:rPr>
+                          <m:t>𝑖</m:t>
+                        </m:r>
+                      </m:sub>
+                    </m:sSub>
+                  </m:oMath>
+                </a14:m>
+                <a:r>
+                  <a:rPr lang="en-US" dirty="0"/>
+                  <a:t>, given independent variables, </a:t>
+                </a:r>
+                <a14:m>
+                  <m:oMath xmlns:m="http://schemas.openxmlformats.org/officeDocument/2006/math">
+                    <m:sSub>
+                      <m:sSubPr>
+                        <m:ctrlPr>
+                          <a:rPr lang="ar-AE" i="1">
+                            <a:latin typeface="Cambria Math" panose="02040503050406030204" pitchFamily="18" charset="0"/>
+                          </a:rPr>
+                        </m:ctrlPr>
+                      </m:sSubPr>
+                      <m:e>
+                        <m:r>
+                          <a:rPr lang="ar-AE">
+                            <a:latin typeface="Cambria Math" panose="02040503050406030204" pitchFamily="18" charset="0"/>
+                          </a:rPr>
+                          <m:t>𝑥</m:t>
+                        </m:r>
+                      </m:e>
+                      <m:sub>
+                        <m:r>
+                          <a:rPr lang="ar-AE">
+                            <a:latin typeface="Cambria Math" panose="02040503050406030204" pitchFamily="18" charset="0"/>
+                          </a:rPr>
+                          <m:t>𝑖</m:t>
+                        </m:r>
+                      </m:sub>
+                    </m:sSub>
+                  </m:oMath>
+                </a14:m>
+                <a:endParaRPr lang="en-US" dirty="0"/>
+              </a:p>
+              <a:p>
+                <a:r>
+                  <a:rPr lang="en-US" dirty="0"/>
+                  <a:t>The link function </a:t>
+                </a:r>
+                <a:r>
+                  <a:rPr dirty="0"/>
+                  <a:t>map</a:t>
+                </a:r>
+                <a:r>
+                  <a:rPr lang="en-US" dirty="0"/>
+                  <a:t>s</a:t>
+                </a:r>
+                <a:r>
+                  <a:rPr dirty="0"/>
+                  <a:t> response variable, </a:t>
+                </a:r>
+                <a14:m>
+                  <m:oMath xmlns:m="http://schemas.openxmlformats.org/officeDocument/2006/math">
                     <m:r>
                       <a:rPr>
                         <a:latin typeface="Cambria Math" panose="02040503050406030204" pitchFamily="18" charset="0"/>
                       </a:rPr>
-                      <m:t>𝜆</m:t>
+                      <m:t>𝑦</m:t>
                     </m:r>
-                  </m:e>
-                </m:acc>
-                <m:r>
-                  <a:rPr>
-                    <a:latin typeface="Cambria Math" panose="02040503050406030204" pitchFamily="18" charset="0"/>
-                  </a:rPr>
-                  <m:t>=</m:t>
-                </m:r>
-                <m:sSub>
-                  <m:sSubPr>
-                    <m:ctrlPr>
-                      <a:rPr i="1">
-                        <a:latin typeface="Cambria Math" panose="02040503050406030204" pitchFamily="18" charset="0"/>
-                      </a:rPr>
-                    </m:ctrlPr>
-                  </m:sSubPr>
-                  <m:e>
+                  </m:oMath>
+                </a14:m>
+                <a:r>
+                  <a:rPr dirty="0"/>
+                  <a:t>, </a:t>
+                </a:r>
+                <a:r>
+                  <a:rPr lang="en-US" dirty="0"/>
+                  <a:t>to a model linear in the model coefficients </a:t>
+                </a:r>
+                <a:endParaRPr dirty="0"/>
+              </a:p>
+              <a:p>
+                <a:pPr lvl="0"/>
+                <a:r>
+                  <a:rPr lang="en-US" dirty="0"/>
+                  <a:t>We fit a</a:t>
+                </a:r>
+                <a:r>
+                  <a:rPr dirty="0"/>
+                  <a:t> linear </a:t>
+                </a:r>
+                <a:r>
+                  <a:rPr lang="en-US" dirty="0"/>
+                  <a:t>a </a:t>
+                </a:r>
+                <a:r>
+                  <a:rPr dirty="0"/>
+                  <a:t>model </a:t>
+                </a:r>
+                <a14:m>
+                  <m:oMath xmlns:m="http://schemas.openxmlformats.org/officeDocument/2006/math">
+                    <m:acc>
+                      <m:accPr>
+                        <m:chr m:val="̂"/>
+                        <m:ctrlPr>
+                          <a:rPr i="1">
+                            <a:latin typeface="Cambria Math" panose="02040503050406030204" pitchFamily="18" charset="0"/>
+                          </a:rPr>
+                        </m:ctrlPr>
+                      </m:accPr>
+                      <m:e>
+                        <m:r>
+                          <a:rPr>
+                            <a:latin typeface="Cambria Math" panose="02040503050406030204" pitchFamily="18" charset="0"/>
+                          </a:rPr>
+                          <m:t>𝜆</m:t>
+                        </m:r>
+                      </m:e>
+                    </m:acc>
                     <m:r>
                       <a:rPr>
                         <a:latin typeface="Cambria Math" panose="02040503050406030204" pitchFamily="18" charset="0"/>
                       </a:rPr>
-                      <m:t>𝛽</m:t>
+                      <m:t>=</m:t>
                     </m:r>
-                  </m:e>
-                  <m:sub>
+                    <m:sSub>
+                      <m:sSubPr>
+                        <m:ctrlPr>
+                          <a:rPr i="1">
+                            <a:latin typeface="Cambria Math" panose="02040503050406030204" pitchFamily="18" charset="0"/>
+                          </a:rPr>
+                        </m:ctrlPr>
+                      </m:sSubPr>
+                      <m:e>
+                        <m:r>
+                          <a:rPr>
+                            <a:latin typeface="Cambria Math" panose="02040503050406030204" pitchFamily="18" charset="0"/>
+                          </a:rPr>
+                          <m:t>𝛽</m:t>
+                        </m:r>
+                      </m:e>
+                      <m:sub>
+                        <m:r>
+                          <a:rPr>
+                            <a:latin typeface="Cambria Math" panose="02040503050406030204" pitchFamily="18" charset="0"/>
+                          </a:rPr>
+                          <m:t>0</m:t>
+                        </m:r>
+                      </m:sub>
+                    </m:sSub>
                     <m:r>
                       <a:rPr>
                         <a:latin typeface="Cambria Math" panose="02040503050406030204" pitchFamily="18" charset="0"/>
                       </a:rPr>
-                      <m:t>0</m:t>
+                      <m:t>+</m:t>
                     </m:r>
-                  </m:sub>
-                </m:sSub>
-                <m:r>
-                  <a:rPr>
-                    <a:latin typeface="Cambria Math" panose="02040503050406030204" pitchFamily="18" charset="0"/>
-                  </a:rPr>
-                  <m:t>+</m:t>
-                </m:r>
-                <m:sSub>
-                  <m:sSubPr>
-                    <m:ctrlPr>
-                      <a:rPr i="1">
-                        <a:latin typeface="Cambria Math" panose="02040503050406030204" pitchFamily="18" charset="0"/>
-                      </a:rPr>
-                    </m:ctrlPr>
-                  </m:sSubPr>
-                  <m:e>
-                    <m:r>
-                      <a:rPr>
-                        <a:latin typeface="Cambria Math" panose="02040503050406030204" pitchFamily="18" charset="0"/>
-                      </a:rPr>
-                      <m:t>𝛽</m:t>
-                    </m:r>
-                  </m:e>
-                  <m:sub>
-                    <m:r>
-                      <a:rPr>
-                        <a:latin typeface="Cambria Math" panose="02040503050406030204" pitchFamily="18" charset="0"/>
-                      </a:rPr>
-                      <m:t>1</m:t>
-                    </m:r>
-                  </m:sub>
-                </m:sSub>
-                <m:r>
-                  <a:rPr>
-                    <a:latin typeface="Cambria Math" panose="02040503050406030204" pitchFamily="18" charset="0"/>
-                  </a:rPr>
-                  <m:t> </m:t>
-                </m:r>
-                <m:r>
-                  <a:rPr>
-                    <a:latin typeface="Cambria Math" panose="02040503050406030204" pitchFamily="18" charset="0"/>
-                  </a:rPr>
-                  <m:t>𝑥</m:t>
-                </m:r>
-              </m:oMath>
-            </a14:m>
-            <a:r>
-              <a:t>:</a:t>
-            </a:r>
-          </a:p>
-          <a:p>
-            <a:pPr marL="0" lvl="0" indent="0">
-              <a:buNone/>
-            </a:pPr>
-            <a14:m xmlns:a14="http://schemas.microsoft.com/office/drawing/2010/main">
-              <m:oMathPara xmlns:m="http://schemas.openxmlformats.org/officeDocument/2006/math">
-                <m:oMathParaPr>
-                  <m:jc m:val="center"/>
-                </m:oMathParaPr>
-                <m:oMath xmlns:m="http://schemas.openxmlformats.org/officeDocument/2006/math">
-                  <m:r>
-                    <a:rPr>
-                      <a:latin typeface="Cambria Math" panose="02040503050406030204" pitchFamily="18" charset="0"/>
-                    </a:rPr>
-                    <m:t>𝑔</m:t>
-                  </m:r>
-                  <m:d>
-                    <m:dPr>
-                      <m:ctrlPr>
-                        <a:rPr i="1">
+                    <m:sSub>
+                      <m:sSubPr>
+                        <m:ctrlPr>
+                          <a:rPr i="1">
+                            <a:latin typeface="Cambria Math" panose="02040503050406030204" pitchFamily="18" charset="0"/>
+                          </a:rPr>
+                        </m:ctrlPr>
+                      </m:sSubPr>
+                      <m:e>
+                        <m:r>
+                          <a:rPr>
+                            <a:latin typeface="Cambria Math" panose="02040503050406030204" pitchFamily="18" charset="0"/>
+                          </a:rPr>
+                          <m:t>𝛽</m:t>
+                        </m:r>
+                      </m:e>
+                      <m:sub>
+                        <m:r>
+                          <a:rPr>
+                            <a:latin typeface="Cambria Math" panose="02040503050406030204" pitchFamily="18" charset="0"/>
+                          </a:rPr>
+                          <m:t>1</m:t>
+                        </m:r>
+                      </m:sub>
+                    </m:sSub>
+                    <m:sSub>
+                      <m:sSubPr>
+                        <m:ctrlPr>
+                          <a:rPr lang="ar-AE" i="1">
+                            <a:latin typeface="Cambria Math" panose="02040503050406030204" pitchFamily="18" charset="0"/>
+                          </a:rPr>
+                        </m:ctrlPr>
+                      </m:sSubPr>
+                      <m:e>
+                        <m:r>
+                          <a:rPr lang="ar-AE">
+                            <a:latin typeface="Cambria Math" panose="02040503050406030204" pitchFamily="18" charset="0"/>
+                          </a:rPr>
+                          <m:t>𝑥</m:t>
+                        </m:r>
+                      </m:e>
+                      <m:sub>
+                        <m:r>
+                          <a:rPr lang="ar-AE">
+                            <a:latin typeface="Cambria Math" panose="02040503050406030204" pitchFamily="18" charset="0"/>
+                          </a:rPr>
+                          <m:t>𝑖</m:t>
+                        </m:r>
+                      </m:sub>
+                    </m:sSub>
+                  </m:oMath>
+                </a14:m>
+                <a:r>
+                  <a:rPr lang="en-US" dirty="0"/>
+                  <a:t>using the link function</a:t>
+                </a:r>
+                <a:endParaRPr dirty="0"/>
+              </a:p>
+              <a:p>
+                <a:pPr marL="0" lvl="0" indent="0">
+                  <a:buNone/>
+                </a:pPr>
+                <a14:m>
+                  <m:oMathPara xmlns:m="http://schemas.openxmlformats.org/officeDocument/2006/math">
+                    <m:oMathParaPr>
+                      <m:jc m:val="center"/>
+                    </m:oMathParaPr>
+                    <m:oMath xmlns:m="http://schemas.openxmlformats.org/officeDocument/2006/math">
+                      <m:r>
+                        <a:rPr>
                           <a:latin typeface="Cambria Math" panose="02040503050406030204" pitchFamily="18" charset="0"/>
                         </a:rPr>
-                      </m:ctrlPr>
-                    </m:dPr>
-                    <m:e>
+                        <m:t>𝑔</m:t>
+                      </m:r>
+                      <m:d>
+                        <m:dPr>
+                          <m:ctrlPr>
+                            <a:rPr i="1">
+                              <a:latin typeface="Cambria Math" panose="02040503050406030204" pitchFamily="18" charset="0"/>
+                            </a:rPr>
+                          </m:ctrlPr>
+                        </m:dPr>
+                        <m:e>
+                          <m:r>
+                            <a:rPr>
+                              <a:latin typeface="Cambria Math" panose="02040503050406030204" pitchFamily="18" charset="0"/>
+                            </a:rPr>
+                            <m:t>𝙴</m:t>
+                          </m:r>
+                          <m:d>
+                            <m:dPr>
+                              <m:begChr m:val="["/>
+                              <m:endChr m:val="]"/>
+                              <m:ctrlPr>
+                                <a:rPr i="1">
+                                  <a:latin typeface="Cambria Math" panose="02040503050406030204" pitchFamily="18" charset="0"/>
+                                </a:rPr>
+                              </m:ctrlPr>
+                            </m:dPr>
+                            <m:e>
+                              <m:sSub>
+                                <m:sSubPr>
+                                  <m:ctrlPr>
+                                    <a:rPr i="1">
+                                      <a:latin typeface="Cambria Math" panose="02040503050406030204" pitchFamily="18" charset="0"/>
+                                    </a:rPr>
+                                  </m:ctrlPr>
+                                </m:sSubPr>
+                                <m:e>
+                                  <m:r>
+                                    <a:rPr>
+                                      <a:latin typeface="Cambria Math" panose="02040503050406030204" pitchFamily="18" charset="0"/>
+                                    </a:rPr>
+                                    <m:t>𝑦</m:t>
+                                  </m:r>
+                                </m:e>
+                                <m:sub>
+                                  <m:r>
+                                    <a:rPr>
+                                      <a:latin typeface="Cambria Math" panose="02040503050406030204" pitchFamily="18" charset="0"/>
+                                    </a:rPr>
+                                    <m:t>𝑖</m:t>
+                                  </m:r>
+                                </m:sub>
+                              </m:sSub>
+                              <m:r>
+                                <a:rPr>
+                                  <a:latin typeface="Cambria Math" panose="02040503050406030204" pitchFamily="18" charset="0"/>
+                                </a:rPr>
+                                <m:t>|</m:t>
+                              </m:r>
+                              <m:sSub>
+                                <m:sSubPr>
+                                  <m:ctrlPr>
+                                    <a:rPr i="1">
+                                      <a:latin typeface="Cambria Math" panose="02040503050406030204" pitchFamily="18" charset="0"/>
+                                    </a:rPr>
+                                  </m:ctrlPr>
+                                </m:sSubPr>
+                                <m:e>
+                                  <m:r>
+                                    <a:rPr>
+                                      <a:latin typeface="Cambria Math" panose="02040503050406030204" pitchFamily="18" charset="0"/>
+                                    </a:rPr>
+                                    <m:t>𝑥</m:t>
+                                  </m:r>
+                                </m:e>
+                                <m:sub>
+                                  <m:r>
+                                    <a:rPr>
+                                      <a:latin typeface="Cambria Math" panose="02040503050406030204" pitchFamily="18" charset="0"/>
+                                    </a:rPr>
+                                    <m:t>𝑖</m:t>
+                                  </m:r>
+                                </m:sub>
+                              </m:sSub>
+                            </m:e>
+                          </m:d>
+                        </m:e>
+                      </m:d>
+                      <m:r>
+                        <a:rPr>
+                          <a:latin typeface="Cambria Math" panose="02040503050406030204" pitchFamily="18" charset="0"/>
+                        </a:rPr>
+                        <m:t>=</m:t>
+                      </m:r>
+                      <m:acc>
+                        <m:accPr>
+                          <m:chr m:val="̂"/>
+                          <m:ctrlPr>
+                            <a:rPr i="1">
+                              <a:latin typeface="Cambria Math" panose="02040503050406030204" pitchFamily="18" charset="0"/>
+                            </a:rPr>
+                          </m:ctrlPr>
+                        </m:accPr>
+                        <m:e>
+                          <m:r>
+                            <a:rPr>
+                              <a:latin typeface="Cambria Math" panose="02040503050406030204" pitchFamily="18" charset="0"/>
+                            </a:rPr>
+                            <m:t>𝜆</m:t>
+                          </m:r>
+                        </m:e>
+                      </m:acc>
+                      <m:r>
+                        <a:rPr>
+                          <a:latin typeface="Cambria Math" panose="02040503050406030204" pitchFamily="18" charset="0"/>
+                        </a:rPr>
+                        <m:t>=</m:t>
+                      </m:r>
+                      <m:sSub>
+                        <m:sSubPr>
+                          <m:ctrlPr>
+                            <a:rPr i="1">
+                              <a:latin typeface="Cambria Math" panose="02040503050406030204" pitchFamily="18" charset="0"/>
+                            </a:rPr>
+                          </m:ctrlPr>
+                        </m:sSubPr>
+                        <m:e>
+                          <m:r>
+                            <a:rPr>
+                              <a:latin typeface="Cambria Math" panose="02040503050406030204" pitchFamily="18" charset="0"/>
+                            </a:rPr>
+                            <m:t>𝛽</m:t>
+                          </m:r>
+                        </m:e>
+                        <m:sub>
+                          <m:r>
+                            <a:rPr>
+                              <a:latin typeface="Cambria Math" panose="02040503050406030204" pitchFamily="18" charset="0"/>
+                            </a:rPr>
+                            <m:t>0</m:t>
+                          </m:r>
+                        </m:sub>
+                      </m:sSub>
+                      <m:r>
+                        <a:rPr>
+                          <a:latin typeface="Cambria Math" panose="02040503050406030204" pitchFamily="18" charset="0"/>
+                        </a:rPr>
+                        <m:t>+</m:t>
+                      </m:r>
+                      <m:sSub>
+                        <m:sSubPr>
+                          <m:ctrlPr>
+                            <a:rPr i="1">
+                              <a:latin typeface="Cambria Math" panose="02040503050406030204" pitchFamily="18" charset="0"/>
+                            </a:rPr>
+                          </m:ctrlPr>
+                        </m:sSubPr>
+                        <m:e>
+                          <m:r>
+                            <a:rPr>
+                              <a:latin typeface="Cambria Math" panose="02040503050406030204" pitchFamily="18" charset="0"/>
+                            </a:rPr>
+                            <m:t>𝛽</m:t>
+                          </m:r>
+                        </m:e>
+                        <m:sub>
+                          <m:r>
+                            <a:rPr>
+                              <a:latin typeface="Cambria Math" panose="02040503050406030204" pitchFamily="18" charset="0"/>
+                            </a:rPr>
+                            <m:t>1</m:t>
+                          </m:r>
+                        </m:sub>
+                      </m:sSub>
+                      <m:sSub>
+                        <m:sSubPr>
+                          <m:ctrlPr>
+                            <a:rPr lang="ar-AE" i="1">
+                              <a:latin typeface="Cambria Math" panose="02040503050406030204" pitchFamily="18" charset="0"/>
+                            </a:rPr>
+                          </m:ctrlPr>
+                        </m:sSubPr>
+                        <m:e>
+                          <m:r>
+                            <a:rPr lang="ar-AE">
+                              <a:latin typeface="Cambria Math" panose="02040503050406030204" pitchFamily="18" charset="0"/>
+                            </a:rPr>
+                            <m:t>𝑥</m:t>
+                          </m:r>
+                        </m:e>
+                        <m:sub>
+                          <m:r>
+                            <a:rPr lang="ar-AE">
+                              <a:latin typeface="Cambria Math" panose="02040503050406030204" pitchFamily="18" charset="0"/>
+                            </a:rPr>
+                            <m:t>𝑖</m:t>
+                          </m:r>
+                        </m:sub>
+                      </m:sSub>
+                    </m:oMath>
+                  </m:oMathPara>
+                </a14:m>
+                <a:endParaRPr dirty="0"/>
+              </a:p>
+              <a:p>
+                <a:pPr lvl="0"/>
+                <a:r>
+                  <a:rPr dirty="0"/>
+                  <a:t>To find the value of the response variable we apply the </a:t>
+                </a:r>
+                <a:r>
+                  <a:rPr b="1" dirty="0"/>
+                  <a:t>inverse link function</a:t>
+                </a:r>
+                <a:r>
+                  <a:rPr dirty="0"/>
+                  <a:t>:</a:t>
+                </a:r>
+              </a:p>
+              <a:p>
+                <a:pPr marL="0" lvl="0" indent="0">
+                  <a:buNone/>
+                </a:pPr>
+                <a14:m>
+                  <m:oMathPara xmlns:m="http://schemas.openxmlformats.org/officeDocument/2006/math">
+                    <m:oMathParaPr>
+                      <m:jc m:val="center"/>
+                    </m:oMathParaPr>
+                    <m:oMath xmlns:m="http://schemas.openxmlformats.org/officeDocument/2006/math">
                       <m:r>
                         <a:rPr>
                           <a:latin typeface="Cambria Math" panose="02040503050406030204" pitchFamily="18" charset="0"/>
@@ -7458,302 +7834,352 @@
                           </m:sSub>
                         </m:e>
                       </m:d>
-                    </m:e>
-                  </m:d>
-                  <m:r>
-                    <a:rPr>
-                      <a:latin typeface="Cambria Math" panose="02040503050406030204" pitchFamily="18" charset="0"/>
-                    </a:rPr>
-                    <m:t>=</m:t>
-                  </m:r>
-                  <m:acc>
-                    <m:accPr>
-                      <m:chr m:val="̂"/>
-                      <m:ctrlPr>
-                        <a:rPr i="1">
-                          <a:latin typeface="Cambria Math" panose="02040503050406030204" pitchFamily="18" charset="0"/>
-                        </a:rPr>
-                      </m:ctrlPr>
-                    </m:accPr>
-                    <m:e>
                       <m:r>
                         <a:rPr>
                           <a:latin typeface="Cambria Math" panose="02040503050406030204" pitchFamily="18" charset="0"/>
                         </a:rPr>
-                        <m:t>𝜆</m:t>
+                        <m:t>=</m:t>
                       </m:r>
-                    </m:e>
-                  </m:acc>
-                  <m:r>
-                    <a:rPr>
-                      <a:latin typeface="Cambria Math" panose="02040503050406030204" pitchFamily="18" charset="0"/>
-                    </a:rPr>
-                    <m:t>=</m:t>
-                  </m:r>
-                  <m:sSub>
-                    <m:sSubPr>
-                      <m:ctrlPr>
-                        <a:rPr i="1">
-                          <a:latin typeface="Cambria Math" panose="02040503050406030204" pitchFamily="18" charset="0"/>
-                        </a:rPr>
-                      </m:ctrlPr>
-                    </m:sSubPr>
-                    <m:e>
-                      <m:r>
-                        <a:rPr>
-                          <a:latin typeface="Cambria Math" panose="02040503050406030204" pitchFamily="18" charset="0"/>
-                        </a:rPr>
-                        <m:t>𝛽</m:t>
-                      </m:r>
-                    </m:e>
-                    <m:sub>
-                      <m:r>
-                        <a:rPr>
-                          <a:latin typeface="Cambria Math" panose="02040503050406030204" pitchFamily="18" charset="0"/>
-                        </a:rPr>
-                        <m:t>0</m:t>
-                      </m:r>
-                    </m:sub>
-                  </m:sSub>
-                  <m:r>
-                    <a:rPr>
-                      <a:latin typeface="Cambria Math" panose="02040503050406030204" pitchFamily="18" charset="0"/>
-                    </a:rPr>
-                    <m:t>+</m:t>
-                  </m:r>
-                  <m:sSub>
-                    <m:sSubPr>
-                      <m:ctrlPr>
-                        <a:rPr i="1">
-                          <a:latin typeface="Cambria Math" panose="02040503050406030204" pitchFamily="18" charset="0"/>
-                        </a:rPr>
-                      </m:ctrlPr>
-                    </m:sSubPr>
-                    <m:e>
-                      <m:r>
-                        <a:rPr>
-                          <a:latin typeface="Cambria Math" panose="02040503050406030204" pitchFamily="18" charset="0"/>
-                        </a:rPr>
-                        <m:t>𝛽</m:t>
-                      </m:r>
-                    </m:e>
-                    <m:sub>
-                      <m:r>
-                        <a:rPr>
-                          <a:latin typeface="Cambria Math" panose="02040503050406030204" pitchFamily="18" charset="0"/>
-                        </a:rPr>
-                        <m:t>1</m:t>
-                      </m:r>
-                    </m:sub>
-                  </m:sSub>
-                  <m:r>
-                    <a:rPr>
-                      <a:latin typeface="Cambria Math" panose="02040503050406030204" pitchFamily="18" charset="0"/>
-                    </a:rPr>
-                    <m:t> </m:t>
-                  </m:r>
-                  <m:r>
-                    <a:rPr>
-                      <a:latin typeface="Cambria Math" panose="02040503050406030204" pitchFamily="18" charset="0"/>
-                    </a:rPr>
-                    <m:t>𝑥</m:t>
-                  </m:r>
-                </m:oMath>
-              </m:oMathPara>
-            </a14:m>
-            <a:endParaRPr/>
-          </a:p>
-          <a:p>
-            <a:pPr lvl="0"/>
-            <a:r>
-              <a:t>To find the value of the response variable we apply the inverse link function:</a:t>
-            </a:r>
-          </a:p>
-          <a:p>
-            <a:pPr marL="0" lvl="0" indent="0">
-              <a:buNone/>
-            </a:pPr>
-            <a14:m xmlns:a14="http://schemas.microsoft.com/office/drawing/2010/main">
-              <m:oMathPara xmlns:m="http://schemas.openxmlformats.org/officeDocument/2006/math">
-                <m:oMathParaPr>
-                  <m:jc m:val="center"/>
-                </m:oMathParaPr>
-                <m:oMath xmlns:m="http://schemas.openxmlformats.org/officeDocument/2006/math">
-                  <m:r>
-                    <a:rPr>
-                      <a:latin typeface="Cambria Math" panose="02040503050406030204" pitchFamily="18" charset="0"/>
-                    </a:rPr>
-                    <m:t>𝙴</m:t>
-                  </m:r>
-                  <m:d>
-                    <m:dPr>
-                      <m:begChr m:val="["/>
-                      <m:endChr m:val="]"/>
-                      <m:ctrlPr>
-                        <a:rPr i="1">
-                          <a:latin typeface="Cambria Math" panose="02040503050406030204" pitchFamily="18" charset="0"/>
-                        </a:rPr>
-                      </m:ctrlPr>
-                    </m:dPr>
-                    <m:e>
-                      <m:sSub>
-                        <m:sSubPr>
+                      <m:sSup>
+                        <m:sSupPr>
                           <m:ctrlPr>
                             <a:rPr i="1">
                               <a:latin typeface="Cambria Math" panose="02040503050406030204" pitchFamily="18" charset="0"/>
                             </a:rPr>
                           </m:ctrlPr>
-                        </m:sSubPr>
+                        </m:sSupPr>
                         <m:e>
                           <m:r>
                             <a:rPr>
                               <a:latin typeface="Cambria Math" panose="02040503050406030204" pitchFamily="18" charset="0"/>
                             </a:rPr>
-                            <m:t>𝑦</m:t>
+                            <m:t>𝑔</m:t>
                           </m:r>
                         </m:e>
-                        <m:sub>
+                        <m:sup>
                           <m:r>
                             <a:rPr>
                               <a:latin typeface="Cambria Math" panose="02040503050406030204" pitchFamily="18" charset="0"/>
                             </a:rPr>
-                            <m:t>𝑖</m:t>
+                            <m:t>−</m:t>
                           </m:r>
-                        </m:sub>
-                      </m:sSub>
-                      <m:r>
-                        <a:rPr>
-                          <a:latin typeface="Cambria Math" panose="02040503050406030204" pitchFamily="18" charset="0"/>
-                        </a:rPr>
-                        <m:t>|</m:t>
-                      </m:r>
-                      <m:sSub>
-                        <m:sSubPr>
+                          <m:r>
+                            <a:rPr>
+                              <a:latin typeface="Cambria Math" panose="02040503050406030204" pitchFamily="18" charset="0"/>
+                            </a:rPr>
+                            <m:t>1</m:t>
+                          </m:r>
+                        </m:sup>
+                      </m:sSup>
+                      <m:d>
+                        <m:dPr>
                           <m:ctrlPr>
                             <a:rPr i="1">
                               <a:latin typeface="Cambria Math" panose="02040503050406030204" pitchFamily="18" charset="0"/>
                             </a:rPr>
                           </m:ctrlPr>
-                        </m:sSubPr>
+                        </m:dPr>
+                        <m:e>
+                          <m:acc>
+                            <m:accPr>
+                              <m:chr m:val="̂"/>
+                              <m:ctrlPr>
+                                <a:rPr i="1">
+                                  <a:latin typeface="Cambria Math" panose="02040503050406030204" pitchFamily="18" charset="0"/>
+                                </a:rPr>
+                              </m:ctrlPr>
+                            </m:accPr>
+                            <m:e>
+                              <m:r>
+                                <a:rPr>
+                                  <a:latin typeface="Cambria Math" panose="02040503050406030204" pitchFamily="18" charset="0"/>
+                                </a:rPr>
+                                <m:t>𝜆</m:t>
+                              </m:r>
+                            </m:e>
+                          </m:acc>
+                        </m:e>
+                      </m:d>
+                      <m:r>
+                        <a:rPr>
+                          <a:latin typeface="Cambria Math" panose="02040503050406030204" pitchFamily="18" charset="0"/>
+                        </a:rPr>
+                        <m:t>=</m:t>
+                      </m:r>
+                      <m:sSup>
+                        <m:sSupPr>
+                          <m:ctrlPr>
+                            <a:rPr i="1">
+                              <a:latin typeface="Cambria Math" panose="02040503050406030204" pitchFamily="18" charset="0"/>
+                            </a:rPr>
+                          </m:ctrlPr>
+                        </m:sSupPr>
                         <m:e>
                           <m:r>
                             <a:rPr>
                               <a:latin typeface="Cambria Math" panose="02040503050406030204" pitchFamily="18" charset="0"/>
                             </a:rPr>
-                            <m:t>𝑥</m:t>
+                            <m:t>𝑔</m:t>
                           </m:r>
                         </m:e>
-                        <m:sub>
+                        <m:sup>
                           <m:r>
                             <a:rPr>
                               <a:latin typeface="Cambria Math" panose="02040503050406030204" pitchFamily="18" charset="0"/>
                             </a:rPr>
-                            <m:t>𝑖</m:t>
+                            <m:t>−</m:t>
                           </m:r>
-                        </m:sub>
-                      </m:sSub>
-                    </m:e>
-                  </m:d>
-                  <m:r>
-                    <a:rPr>
-                      <a:latin typeface="Cambria Math" panose="02040503050406030204" pitchFamily="18" charset="0"/>
-                    </a:rPr>
-                    <m:t>=</m:t>
-                  </m:r>
-                  <m:sSup>
-                    <m:sSupPr>
-                      <m:ctrlPr>
-                        <a:rPr i="1">
-                          <a:latin typeface="Cambria Math" panose="02040503050406030204" pitchFamily="18" charset="0"/>
-                        </a:rPr>
-                      </m:ctrlPr>
-                    </m:sSupPr>
-                    <m:e>
-                      <m:r>
-                        <a:rPr>
-                          <a:latin typeface="Cambria Math" panose="02040503050406030204" pitchFamily="18" charset="0"/>
-                        </a:rPr>
-                        <m:t>𝑔</m:t>
-                      </m:r>
-                    </m:e>
-                    <m:sup>
-                      <m:r>
-                        <a:rPr>
-                          <a:latin typeface="Cambria Math" panose="02040503050406030204" pitchFamily="18" charset="0"/>
-                        </a:rPr>
-                        <m:t>−1</m:t>
-                      </m:r>
-                    </m:sup>
-                  </m:sSup>
-                  <m:d>
-                    <m:dPr>
-                      <m:ctrlPr>
-                        <a:rPr i="1">
-                          <a:latin typeface="Cambria Math" panose="02040503050406030204" pitchFamily="18" charset="0"/>
-                        </a:rPr>
-                      </m:ctrlPr>
-                    </m:dPr>
-                    <m:e>
-                      <m:acc>
-                        <m:accPr>
-                          <m:chr m:val="̂"/>
+                          <m:r>
+                            <a:rPr>
+                              <a:latin typeface="Cambria Math" panose="02040503050406030204" pitchFamily="18" charset="0"/>
+                            </a:rPr>
+                            <m:t>1</m:t>
+                          </m:r>
+                        </m:sup>
+                      </m:sSup>
+                      <m:d>
+                        <m:dPr>
                           <m:ctrlPr>
                             <a:rPr i="1">
                               <a:latin typeface="Cambria Math" panose="02040503050406030204" pitchFamily="18" charset="0"/>
                             </a:rPr>
                           </m:ctrlPr>
-                        </m:accPr>
+                        </m:dPr>
                         <m:e>
+                          <m:sSub>
+                            <m:sSubPr>
+                              <m:ctrlPr>
+                                <a:rPr i="1">
+                                  <a:latin typeface="Cambria Math" panose="02040503050406030204" pitchFamily="18" charset="0"/>
+                                </a:rPr>
+                              </m:ctrlPr>
+                            </m:sSubPr>
+                            <m:e>
+                              <m:r>
+                                <a:rPr>
+                                  <a:latin typeface="Cambria Math" panose="02040503050406030204" pitchFamily="18" charset="0"/>
+                                </a:rPr>
+                                <m:t>𝛽</m:t>
+                              </m:r>
+                            </m:e>
+                            <m:sub>
+                              <m:r>
+                                <a:rPr>
+                                  <a:latin typeface="Cambria Math" panose="02040503050406030204" pitchFamily="18" charset="0"/>
+                                </a:rPr>
+                                <m:t>0</m:t>
+                              </m:r>
+                            </m:sub>
+                          </m:sSub>
                           <m:r>
                             <a:rPr>
                               <a:latin typeface="Cambria Math" panose="02040503050406030204" pitchFamily="18" charset="0"/>
                             </a:rPr>
-                            <m:t>𝜆</m:t>
+                            <m:t>+</m:t>
                           </m:r>
+                          <m:sSub>
+                            <m:sSubPr>
+                              <m:ctrlPr>
+                                <a:rPr i="1">
+                                  <a:latin typeface="Cambria Math" panose="02040503050406030204" pitchFamily="18" charset="0"/>
+                                </a:rPr>
+                              </m:ctrlPr>
+                            </m:sSubPr>
+                            <m:e>
+                              <m:r>
+                                <a:rPr>
+                                  <a:latin typeface="Cambria Math" panose="02040503050406030204" pitchFamily="18" charset="0"/>
+                                </a:rPr>
+                                <m:t>𝛽</m:t>
+                              </m:r>
+                            </m:e>
+                            <m:sub>
+                              <m:r>
+                                <a:rPr>
+                                  <a:latin typeface="Cambria Math" panose="02040503050406030204" pitchFamily="18" charset="0"/>
+                                </a:rPr>
+                                <m:t>1</m:t>
+                              </m:r>
+                            </m:sub>
+                          </m:sSub>
+                          <m:sSub>
+                            <m:sSubPr>
+                              <m:ctrlPr>
+                                <a:rPr lang="ar-AE" i="1">
+                                  <a:latin typeface="Cambria Math" panose="02040503050406030204" pitchFamily="18" charset="0"/>
+                                </a:rPr>
+                              </m:ctrlPr>
+                            </m:sSubPr>
+                            <m:e>
+                              <m:r>
+                                <a:rPr lang="ar-AE">
+                                  <a:latin typeface="Cambria Math" panose="02040503050406030204" pitchFamily="18" charset="0"/>
+                                </a:rPr>
+                                <m:t>𝑥</m:t>
+                              </m:r>
+                            </m:e>
+                            <m:sub>
+                              <m:r>
+                                <a:rPr lang="ar-AE">
+                                  <a:latin typeface="Cambria Math" panose="02040503050406030204" pitchFamily="18" charset="0"/>
+                                </a:rPr>
+                                <m:t>𝑖</m:t>
+                              </m:r>
+                            </m:sub>
+                          </m:sSub>
                         </m:e>
-                      </m:acc>
-                    </m:e>
-                  </m:d>
-                  <m:r>
-                    <a:rPr>
-                      <a:latin typeface="Cambria Math" panose="02040503050406030204" pitchFamily="18" charset="0"/>
-                    </a:rPr>
-                    <m:t>=</m:t>
-                  </m:r>
-                  <m:sSup>
-                    <m:sSupPr>
-                      <m:ctrlPr>
-                        <a:rPr i="1">
-                          <a:latin typeface="Cambria Math" panose="02040503050406030204" pitchFamily="18" charset="0"/>
-                        </a:rPr>
-                      </m:ctrlPr>
-                    </m:sSupPr>
-                    <m:e>
-                      <m:r>
-                        <a:rPr>
-                          <a:latin typeface="Cambria Math" panose="02040503050406030204" pitchFamily="18" charset="0"/>
-                        </a:rPr>
-                        <m:t>𝑔</m:t>
-                      </m:r>
-                    </m:e>
-                    <m:sup>
-                      <m:r>
-                        <a:rPr>
-                          <a:latin typeface="Cambria Math" panose="02040503050406030204" pitchFamily="18" charset="0"/>
-                        </a:rPr>
-                        <m:t>−1</m:t>
-                      </m:r>
-                    </m:sup>
-                  </m:sSup>
-                  <m:d>
-                    <m:dPr>
-                      <m:ctrlPr>
-                        <a:rPr i="1">
-                          <a:latin typeface="Cambria Math" panose="02040503050406030204" pitchFamily="18" charset="0"/>
-                        </a:rPr>
-                      </m:ctrlPr>
-                    </m:dPr>
-                    <m:e>
+                      </m:d>
+                    </m:oMath>
+                  </m:oMathPara>
+                </a14:m>
+                <a:endParaRPr dirty="0"/>
+              </a:p>
+            </p:txBody>
+          </p:sp>
+        </mc:Choice>
+        <mc:Fallback>
+          <p:sp>
+            <p:nvSpPr>
+              <p:cNvPr id="3" name="Content Placeholder 2"/>
+              <p:cNvSpPr>
+                <a:spLocks noGrp="1" noRot="1" noChangeAspect="1" noMove="1" noResize="1" noEditPoints="1" noAdjustHandles="1" noChangeArrowheads="1" noChangeShapeType="1" noTextEdit="1"/>
+              </p:cNvSpPr>
+              <p:nvPr>
+                <p:ph idx="1"/>
+              </p:nvPr>
+            </p:nvSpPr>
+            <p:spPr>
+              <a:blipFill>
+                <a:blip r:embed="rId2"/>
+                <a:stretch>
+                  <a:fillRect l="-963" t="-3052" r="-1630"/>
+                </a:stretch>
+              </a:blipFill>
+            </p:spPr>
+            <p:txBody>
+              <a:bodyPr/>
+              <a:lstStyle/>
+              <a:p>
+                <a:r>
+                  <a:rPr lang="en-US">
+                    <a:noFill/>
+                  </a:rPr>
+                  <a:t> </a:t>
+                </a:r>
+              </a:p>
+            </p:txBody>
+          </p:sp>
+        </mc:Fallback>
+      </mc:AlternateContent>
+    </p:spTree>
+  </p:cSld>
+  <p:clrMapOvr>
+    <a:masterClrMapping/>
+  </p:clrMapOvr>
+</p:sld>
+</file>
+
+<file path=ppt/slides/slide19.xml><?xml version="1.0" encoding="utf-8"?>
+<p:sld xmlns:a="http://schemas.openxmlformats.org/drawingml/2006/main" xmlns:r="http://schemas.openxmlformats.org/officeDocument/2006/relationships" xmlns:p="http://schemas.openxmlformats.org/presentationml/2006/main">
+  <p:cSld>
+    <p:spTree>
+      <p:nvGrpSpPr>
+        <p:cNvPr id="1" name=""/>
+        <p:cNvGrpSpPr/>
+        <p:nvPr/>
+      </p:nvGrpSpPr>
+      <p:grpSpPr>
+        <a:xfrm>
+          <a:off x="0" y="0"/>
+          <a:ext cx="0" cy="0"/>
+          <a:chOff x="0" y="0"/>
+          <a:chExt cx="0" cy="0"/>
+        </a:xfrm>
+      </p:grpSpPr>
+      <p:sp>
+        <p:nvSpPr>
+          <p:cNvPr id="2" name="Title 1"/>
+          <p:cNvSpPr>
+            <a:spLocks noGrp="1"/>
+          </p:cNvSpPr>
+          <p:nvPr>
+            <p:ph type="title"/>
+          </p:nvPr>
+        </p:nvSpPr>
+        <p:spPr/>
+        <p:txBody>
+          <a:bodyPr/>
+          <a:lstStyle/>
+          <a:p>
+            <a:pPr marL="0" lvl="0" indent="0">
+              <a:buNone/>
+            </a:pPr>
+            <a:r>
+              <a:t>The Generalized Linear Model</a:t>
+            </a:r>
+          </a:p>
+        </p:txBody>
+      </p:sp>
+      <mc:AlternateContent xmlns:mc="http://schemas.openxmlformats.org/markup-compatibility/2006">
+        <mc:Choice xmlns:a14="http://schemas.microsoft.com/office/drawing/2010/main" Requires="a14">
+          <p:sp>
+            <p:nvSpPr>
+              <p:cNvPr id="3" name="Content Placeholder 2"/>
+              <p:cNvSpPr>
+                <a:spLocks noGrp="1"/>
+              </p:cNvSpPr>
+              <p:nvPr>
+                <p:ph idx="1"/>
+              </p:nvPr>
+            </p:nvSpPr>
+            <p:spPr/>
+            <p:txBody>
+              <a:bodyPr/>
+              <a:lstStyle/>
+              <a:p>
+                <a:pPr marL="0" lvl="0" indent="0">
+                  <a:buNone/>
+                </a:pPr>
+                <a:r>
+                  <a:rPr dirty="0"/>
+                  <a:t>OLS has Normal response</a:t>
+                </a:r>
+              </a:p>
+              <a:p>
+                <a:pPr lvl="0"/>
+                <a:r>
+                  <a:rPr dirty="0"/>
+                  <a:t>Link function for OLS is just unity, or </a:t>
+                </a:r>
+                <a14:m>
+                  <m:oMath xmlns:m="http://schemas.openxmlformats.org/officeDocument/2006/math">
+                    <m:r>
+                      <a:rPr>
+                        <a:latin typeface="Cambria Math" panose="02040503050406030204" pitchFamily="18" charset="0"/>
+                      </a:rPr>
+                      <m:t>1</m:t>
+                    </m:r>
+                  </m:oMath>
+                </a14:m>
+                <a:endParaRPr dirty="0"/>
+              </a:p>
+              <a:p>
+                <a:pPr lvl="0"/>
+                <a:r>
+                  <a:rPr dirty="0"/>
+                  <a:t>Output of linear model directly maps to Normally distributed response</a:t>
+                </a:r>
+              </a:p>
+              <a:p>
+                <a:pPr marL="0" lvl="0" indent="0">
+                  <a:buNone/>
+                </a:pPr>
+                <a14:m>
+                  <m:oMathPara xmlns:m="http://schemas.openxmlformats.org/officeDocument/2006/math">
+                    <m:oMathParaPr>
+                      <m:jc m:val="center"/>
+                    </m:oMathParaPr>
+                    <m:oMath xmlns:m="http://schemas.openxmlformats.org/officeDocument/2006/math">
                       <m:sSub>
                         <m:sSubPr>
                           <m:ctrlPr>
@@ -7814,23 +8240,153 @@
                         <a:rPr>
                           <a:latin typeface="Cambria Math" panose="02040503050406030204" pitchFamily="18" charset="0"/>
                         </a:rPr>
-                        <m:t> </m:t>
+                        <m:t>𝑥</m:t>
                       </m:r>
                       <m:r>
                         <a:rPr>
                           <a:latin typeface="Cambria Math" panose="02040503050406030204" pitchFamily="18" charset="0"/>
                         </a:rPr>
-                        <m:t>𝑥</m:t>
+                        <m:t>∼</m:t>
                       </m:r>
-                    </m:e>
-                  </m:d>
-                </m:oMath>
-              </m:oMathPara>
-            </a14:m>
-            <a:endParaRPr/>
-          </a:p>
-        </p:txBody>
-      </p:sp>
+                      <m:r>
+                        <a:rPr>
+                          <a:latin typeface="Cambria Math" panose="02040503050406030204" pitchFamily="18" charset="0"/>
+                        </a:rPr>
+                        <m:t>𝑁</m:t>
+                      </m:r>
+                      <m:d>
+                        <m:dPr>
+                          <m:ctrlPr>
+                            <a:rPr i="1">
+                              <a:latin typeface="Cambria Math" panose="02040503050406030204" pitchFamily="18" charset="0"/>
+                            </a:rPr>
+                          </m:ctrlPr>
+                        </m:dPr>
+                        <m:e>
+                          <m:sSub>
+                            <m:sSubPr>
+                              <m:ctrlPr>
+                                <a:rPr i="1">
+                                  <a:latin typeface="Cambria Math" panose="02040503050406030204" pitchFamily="18" charset="0"/>
+                                </a:rPr>
+                              </m:ctrlPr>
+                            </m:sSubPr>
+                            <m:e>
+                              <m:r>
+                                <a:rPr>
+                                  <a:latin typeface="Cambria Math" panose="02040503050406030204" pitchFamily="18" charset="0"/>
+                                </a:rPr>
+                                <m:t>𝛽</m:t>
+                              </m:r>
+                            </m:e>
+                            <m:sub>
+                              <m:r>
+                                <a:rPr>
+                                  <a:latin typeface="Cambria Math" panose="02040503050406030204" pitchFamily="18" charset="0"/>
+                                </a:rPr>
+                                <m:t>0</m:t>
+                              </m:r>
+                            </m:sub>
+                          </m:sSub>
+                          <m:r>
+                            <a:rPr>
+                              <a:latin typeface="Cambria Math" panose="02040503050406030204" pitchFamily="18" charset="0"/>
+                            </a:rPr>
+                            <m:t>+</m:t>
+                          </m:r>
+                          <m:sSub>
+                            <m:sSubPr>
+                              <m:ctrlPr>
+                                <a:rPr i="1">
+                                  <a:latin typeface="Cambria Math" panose="02040503050406030204" pitchFamily="18" charset="0"/>
+                                </a:rPr>
+                              </m:ctrlPr>
+                            </m:sSubPr>
+                            <m:e>
+                              <m:r>
+                                <a:rPr>
+                                  <a:latin typeface="Cambria Math" panose="02040503050406030204" pitchFamily="18" charset="0"/>
+                                </a:rPr>
+                                <m:t>𝛽</m:t>
+                              </m:r>
+                            </m:e>
+                            <m:sub>
+                              <m:r>
+                                <a:rPr>
+                                  <a:latin typeface="Cambria Math" panose="02040503050406030204" pitchFamily="18" charset="0"/>
+                                </a:rPr>
+                                <m:t>1</m:t>
+                              </m:r>
+                            </m:sub>
+                          </m:sSub>
+                          <m:r>
+                            <a:rPr>
+                              <a:latin typeface="Cambria Math" panose="02040503050406030204" pitchFamily="18" charset="0"/>
+                            </a:rPr>
+                            <m:t> </m:t>
+                          </m:r>
+                          <m:r>
+                            <a:rPr>
+                              <a:latin typeface="Cambria Math" panose="02040503050406030204" pitchFamily="18" charset="0"/>
+                            </a:rPr>
+                            <m:t>𝑥</m:t>
+                          </m:r>
+                          <m:r>
+                            <a:rPr>
+                              <a:latin typeface="Cambria Math" panose="02040503050406030204" pitchFamily="18" charset="0"/>
+                            </a:rPr>
+                            <m:t>,</m:t>
+                          </m:r>
+                          <m:r>
+                            <a:rPr>
+                              <a:latin typeface="Cambria Math" panose="02040503050406030204" pitchFamily="18" charset="0"/>
+                            </a:rPr>
+                            <m:t>𝜎</m:t>
+                          </m:r>
+                        </m:e>
+                      </m:d>
+                    </m:oMath>
+                  </m:oMathPara>
+                </a14:m>
+                <a:endParaRPr dirty="0"/>
+              </a:p>
+            </p:txBody>
+          </p:sp>
+        </mc:Choice>
+        <mc:Fallback>
+          <p:sp>
+            <p:nvSpPr>
+              <p:cNvPr id="3" name="Content Placeholder 2"/>
+              <p:cNvSpPr>
+                <a:spLocks noGrp="1" noRot="1" noChangeAspect="1" noMove="1" noResize="1" noEditPoints="1" noAdjustHandles="1" noChangeArrowheads="1" noChangeShapeType="1" noTextEdit="1"/>
+              </p:cNvSpPr>
+              <p:nvPr>
+                <p:ph idx="1"/>
+              </p:nvPr>
+            </p:nvSpPr>
+            <p:spPr>
+              <a:blipFill>
+                <a:blip r:embed="rId2"/>
+                <a:stretch>
+                  <a:fillRect l="-1111" t="-1436"/>
+                </a:stretch>
+              </a:blipFill>
+            </p:spPr>
+            <p:txBody>
+              <a:bodyPr/>
+              <a:lstStyle/>
+              <a:p>
+                <a:r>
+                  <a:rPr lang="en-US">
+                    <a:noFill/>
+                  </a:rPr>
+                  <a:t> </a:t>
+                </a:r>
+              </a:p>
+            </p:txBody>
+          </p:sp>
+        </mc:Fallback>
+      </mc:AlternateContent>
     </p:spTree>
   </p:cSld>
   <p:clrMapOvr>
@@ -8007,7 +8563,7 @@
               <a:buNone/>
             </a:pPr>
             <a:r>
-              <a:t>The Generalized Linear Model</a:t>
+              <a:t>The Logistic Regression Model</a:t>
             </a:r>
           </a:p>
         </p:txBody>
@@ -8022,232 +8578,100 @@
             <p:ph idx="1"/>
           </p:nvPr>
         </p:nvSpPr>
-        <p:spPr/>
+        <p:spPr>
+          <a:xfrm>
+            <a:off x="457200" y="1210833"/>
+            <a:ext cx="8229600" cy="3726688"/>
+          </a:xfrm>
+        </p:spPr>
         <p:txBody>
-          <a:bodyPr/>
+          <a:bodyPr>
+            <a:normAutofit fontScale="92500" lnSpcReduction="10000"/>
+          </a:bodyPr>
           <a:lstStyle/>
           <a:p>
             <a:pPr marL="0" lvl="0" indent="0">
               <a:buNone/>
             </a:pPr>
             <a:r>
-              <a:t>OLS has Normal response</a:t>
+              <a:rPr dirty="0"/>
+              <a:t>Construct a generalized linear model using a </a:t>
+            </a:r>
+            <a:r>
+              <a:rPr b="1" dirty="0"/>
+              <a:t>Binomial distribution</a:t>
             </a:r>
           </a:p>
           <a:p>
             <a:pPr lvl="0"/>
             <a:r>
-              <a:t>What is the link function</a:t>
+              <a:rPr dirty="0"/>
+              <a:t>Commonly known as </a:t>
+            </a:r>
+            <a:r>
+              <a:rPr b="1" dirty="0">
+                <a:hlinkClick r:id="rId2"/>
+              </a:rPr>
+              <a:t>logistic regression</a:t>
             </a:r>
           </a:p>
           <a:p>
             <a:pPr lvl="0"/>
             <a:r>
-              <a:t>Link function for OLS is just unity, or </a:t>
-            </a:r>
-            <a14:m xmlns:a14="http://schemas.microsoft.com/office/drawing/2010/main">
-              <m:oMath xmlns:m="http://schemas.openxmlformats.org/officeDocument/2006/math">
-                <m:r>
-                  <a:rPr>
-                    <a:latin typeface="Cambria Math" panose="02040503050406030204" pitchFamily="18" charset="0"/>
-                  </a:rPr>
-                  <m:t>1</m:t>
-                </m:r>
-              </m:oMath>
-            </a14:m>
-            <a:endParaRPr/>
+              <a:rPr dirty="0"/>
+              <a:t>Logistic regression widely used as a classification model</a:t>
+            </a:r>
           </a:p>
           <a:p>
             <a:pPr lvl="0"/>
             <a:r>
-              <a:t>Output of linear model directly maps to Normally distributed response</a:t>
-            </a:r>
-          </a:p>
-          <a:p>
-            <a:pPr marL="0" lvl="0" indent="0">
-              <a:buNone/>
-            </a:pPr>
-            <a14:m xmlns:a14="http://schemas.microsoft.com/office/drawing/2010/main">
-              <m:oMathPara xmlns:m="http://schemas.openxmlformats.org/officeDocument/2006/math">
-                <m:oMathParaPr>
-                  <m:jc m:val="center"/>
-                </m:oMathParaPr>
-                <m:oMath xmlns:m="http://schemas.openxmlformats.org/officeDocument/2006/math">
-                  <m:sSub>
-                    <m:sSubPr>
-                      <m:ctrlPr>
-                        <a:rPr>
-                          <a:latin typeface="Cambria Math" panose="02040503050406030204" pitchFamily="18" charset="0"/>
-                        </a:rPr>
-                      </m:ctrlPr>
-                    </m:sSubPr>
-                    <m:e>
-                      <m:r>
-                        <a:rPr>
-                          <a:latin typeface="Cambria Math" panose="02040503050406030204" pitchFamily="18" charset="0"/>
-                        </a:rPr>
-                        <m:t>𝛽</m:t>
-                      </m:r>
-                    </m:e>
-                    <m:sub>
-                      <m:r>
-                        <a:rPr>
-                          <a:latin typeface="Cambria Math" panose="02040503050406030204" pitchFamily="18" charset="0"/>
-                        </a:rPr>
-                        <m:t>0</m:t>
-                      </m:r>
-                    </m:sub>
-                  </m:sSub>
-                  <m:r>
-                    <a:rPr>
-                      <a:latin typeface="Cambria Math" panose="02040503050406030204" pitchFamily="18" charset="0"/>
-                    </a:rPr>
-                    <m:t>+</m:t>
-                  </m:r>
-                  <m:sSub>
-                    <m:sSubPr>
-                      <m:ctrlPr>
-                        <a:rPr i="1">
-                          <a:latin typeface="Cambria Math" panose="02040503050406030204" pitchFamily="18" charset="0"/>
-                        </a:rPr>
-                      </m:ctrlPr>
-                    </m:sSubPr>
-                    <m:e>
-                      <m:r>
-                        <a:rPr>
-                          <a:latin typeface="Cambria Math" panose="02040503050406030204" pitchFamily="18" charset="0"/>
-                        </a:rPr>
-                        <m:t>𝛽</m:t>
-                      </m:r>
-                    </m:e>
-                    <m:sub>
-                      <m:r>
-                        <a:rPr>
-                          <a:latin typeface="Cambria Math" panose="02040503050406030204" pitchFamily="18" charset="0"/>
-                        </a:rPr>
-                        <m:t>1</m:t>
-                      </m:r>
-                    </m:sub>
-                  </m:sSub>
-                  <m:r>
-                    <a:rPr>
-                      <a:latin typeface="Cambria Math" panose="02040503050406030204" pitchFamily="18" charset="0"/>
-                    </a:rPr>
-                    <m:t> </m:t>
-                  </m:r>
-                  <m:r>
-                    <a:rPr>
-                      <a:latin typeface="Cambria Math" panose="02040503050406030204" pitchFamily="18" charset="0"/>
-                    </a:rPr>
-                    <m:t>𝑥</m:t>
-                  </m:r>
-                  <m:r>
-                    <a:rPr>
-                      <a:latin typeface="Cambria Math" panose="02040503050406030204" pitchFamily="18" charset="0"/>
-                    </a:rPr>
-                    <m:t>∼</m:t>
-                  </m:r>
-                  <m:r>
-                    <a:rPr>
-                      <a:latin typeface="Cambria Math" panose="02040503050406030204" pitchFamily="18" charset="0"/>
-                    </a:rPr>
-                    <m:t>𝑁</m:t>
-                  </m:r>
-                  <m:d>
-                    <m:dPr>
-                      <m:ctrlPr>
-                        <a:rPr i="1">
-                          <a:latin typeface="Cambria Math" panose="02040503050406030204" pitchFamily="18" charset="0"/>
-                        </a:rPr>
-                      </m:ctrlPr>
-                    </m:dPr>
-                    <m:e>
-                      <m:sSub>
-                        <m:sSubPr>
-                          <m:ctrlPr>
-                            <a:rPr i="1">
-                              <a:latin typeface="Cambria Math" panose="02040503050406030204" pitchFamily="18" charset="0"/>
-                            </a:rPr>
-                          </m:ctrlPr>
-                        </m:sSubPr>
-                        <m:e>
-                          <m:r>
-                            <a:rPr>
-                              <a:latin typeface="Cambria Math" panose="02040503050406030204" pitchFamily="18" charset="0"/>
-                            </a:rPr>
-                            <m:t>𝛽</m:t>
-                          </m:r>
-                        </m:e>
-                        <m:sub>
-                          <m:r>
-                            <a:rPr>
-                              <a:latin typeface="Cambria Math" panose="02040503050406030204" pitchFamily="18" charset="0"/>
-                            </a:rPr>
-                            <m:t>0</m:t>
-                          </m:r>
-                        </m:sub>
-                      </m:sSub>
-                      <m:r>
-                        <a:rPr>
-                          <a:latin typeface="Cambria Math" panose="02040503050406030204" pitchFamily="18" charset="0"/>
-                        </a:rPr>
-                        <m:t>+</m:t>
-                      </m:r>
-                      <m:sSub>
-                        <m:sSubPr>
-                          <m:ctrlPr>
-                            <a:rPr i="1">
-                              <a:latin typeface="Cambria Math" panose="02040503050406030204" pitchFamily="18" charset="0"/>
-                            </a:rPr>
-                          </m:ctrlPr>
-                        </m:sSubPr>
-                        <m:e>
-                          <m:r>
-                            <a:rPr>
-                              <a:latin typeface="Cambria Math" panose="02040503050406030204" pitchFamily="18" charset="0"/>
-                            </a:rPr>
-                            <m:t>𝛽</m:t>
-                          </m:r>
-                        </m:e>
-                        <m:sub>
-                          <m:r>
-                            <a:rPr>
-                              <a:latin typeface="Cambria Math" panose="02040503050406030204" pitchFamily="18" charset="0"/>
-                            </a:rPr>
-                            <m:t>1</m:t>
-                          </m:r>
-                        </m:sub>
-                      </m:sSub>
-                      <m:r>
-                        <a:rPr>
-                          <a:latin typeface="Cambria Math" panose="02040503050406030204" pitchFamily="18" charset="0"/>
-                        </a:rPr>
-                        <m:t> </m:t>
-                      </m:r>
-                      <m:r>
-                        <a:rPr>
-                          <a:latin typeface="Cambria Math" panose="02040503050406030204" pitchFamily="18" charset="0"/>
-                        </a:rPr>
-                        <m:t>𝑥</m:t>
-                      </m:r>
-                      <m:r>
-                        <a:rPr>
-                          <a:latin typeface="Cambria Math" panose="02040503050406030204" pitchFamily="18" charset="0"/>
-                        </a:rPr>
-                        <m:t>,</m:t>
-                      </m:r>
-                      <m:r>
-                        <a:rPr>
-                          <a:latin typeface="Cambria Math" panose="02040503050406030204" pitchFamily="18" charset="0"/>
-                        </a:rPr>
-                        <m:t>𝜎</m:t>
-                      </m:r>
-                    </m:e>
-                  </m:d>
-                </m:oMath>
-              </m:oMathPara>
-            </a14:m>
-            <a:endParaRPr/>
+              <a:rPr dirty="0"/>
+              <a:t>Logistic regression is linear model, with a binary response or label values, </a:t>
+            </a:r>
+            <a:r>
+              <a:rPr dirty="0">
+                <a:latin typeface="Courier"/>
+              </a:rPr>
+              <a:t>{False, True}</a:t>
+            </a:r>
+            <a:r>
+              <a:rPr dirty="0"/>
+              <a:t> or </a:t>
+            </a:r>
+            <a:r>
+              <a:rPr dirty="0">
+                <a:latin typeface="Courier"/>
+              </a:rPr>
+              <a:t>{0, 1}</a:t>
+            </a:r>
+          </a:p>
+          <a:p>
+            <a:pPr lvl="0"/>
+            <a:r>
+              <a:rPr dirty="0"/>
+              <a:t>Response computed as a log likelihood, leading to a Binomial distributed response</a:t>
+            </a:r>
+          </a:p>
+          <a:p>
+            <a:pPr lvl="0"/>
+            <a:r>
+              <a:rPr dirty="0"/>
+              <a:t>Categorical response is simple extension to categorical distribution</a:t>
+            </a:r>
+          </a:p>
+          <a:p>
+            <a:pPr lvl="1"/>
+            <a:r>
+              <a:rPr dirty="0"/>
+              <a:t>One Binomial to many</a:t>
+            </a:r>
+          </a:p>
+          <a:p>
+            <a:pPr lvl="1"/>
+            <a:r>
+              <a:rPr dirty="0"/>
+              <a:t>Many Binomial to many</a:t>
+            </a:r>
           </a:p>
         </p:txBody>
       </p:sp>
@@ -8300,152 +8724,8 @@
           </a:p>
         </p:txBody>
       </p:sp>
-      <p:sp>
-        <p:nvSpPr>
-          <p:cNvPr id="3" name="Content Placeholder 2"/>
-          <p:cNvSpPr>
-            <a:spLocks noGrp="1"/>
-          </p:cNvSpPr>
-          <p:nvPr>
-            <p:ph idx="1"/>
-          </p:nvPr>
-        </p:nvSpPr>
-        <p:spPr/>
-        <p:txBody>
-          <a:bodyPr>
-            <a:normAutofit fontScale="92500" lnSpcReduction="20000"/>
-          </a:bodyPr>
-          <a:lstStyle/>
-          <a:p>
-            <a:pPr marL="0" lvl="0" indent="0">
-              <a:buNone/>
-            </a:pPr>
-            <a:r>
-              <a:t>Construct a generalized linear model using a </a:t>
-            </a:r>
-            <a:r>
-              <a:rPr b="1"/>
-              <a:t>Binomial distribution</a:t>
-            </a:r>
-          </a:p>
-          <a:p>
-            <a:pPr lvl="0"/>
-            <a:r>
-              <a:t>Commonly known as </a:t>
-            </a:r>
-            <a:r>
-              <a:rPr b="1">
-                <a:hlinkClick r:id="rId2"/>
-              </a:rPr>
-              <a:t>logistic regression</a:t>
-            </a:r>
-          </a:p>
-          <a:p>
-            <a:pPr lvl="0"/>
-            <a:r>
-              <a:t>Logistic regression widely used as a classification model</a:t>
-            </a:r>
-          </a:p>
-          <a:p>
-            <a:pPr lvl="0"/>
-            <a:r>
-              <a:t>Logistic regression is linear model, with a binary response or label values, </a:t>
-            </a:r>
-            <a:r>
-              <a:rPr>
-                <a:latin typeface="Courier"/>
-              </a:rPr>
-              <a:t>{False, True}</a:t>
-            </a:r>
-            <a:r>
-              <a:t> or </a:t>
-            </a:r>
-            <a:r>
-              <a:rPr>
-                <a:latin typeface="Courier"/>
-              </a:rPr>
-              <a:t>{0, 1}</a:t>
-            </a:r>
-          </a:p>
-          <a:p>
-            <a:pPr lvl="0"/>
-            <a:r>
-              <a:t>Response computed as a log likelihood, leading to a Binomial distributed response</a:t>
-            </a:r>
-          </a:p>
-          <a:p>
-            <a:pPr lvl="0"/>
-            <a:r>
-              <a:t>Categorical response is simple extension to categorical distribution</a:t>
-            </a:r>
-          </a:p>
-          <a:p>
-            <a:pPr lvl="1"/>
-            <a:r>
-              <a:t>One Binomial to many</a:t>
-            </a:r>
-            <a:br/>
-            <a:endParaRPr/>
-          </a:p>
-          <a:p>
-            <a:pPr lvl="1"/>
-            <a:r>
-              <a:t>Many Binomial to many</a:t>
-            </a:r>
-          </a:p>
-        </p:txBody>
-      </p:sp>
-    </p:spTree>
-  </p:cSld>
-  <p:clrMapOvr>
-    <a:masterClrMapping/>
-  </p:clrMapOvr>
-</p:sld>
-</file>
-
-<file path=ppt/slides/slide22.xml><?xml version="1.0" encoding="utf-8"?>
-<p:sld xmlns:a="http://schemas.openxmlformats.org/drawingml/2006/main" xmlns:r="http://schemas.openxmlformats.org/officeDocument/2006/relationships" xmlns:p="http://schemas.openxmlformats.org/presentationml/2006/main">
-  <p:cSld>
-    <p:spTree>
-      <p:nvGrpSpPr>
-        <p:cNvPr id="1" name=""/>
-        <p:cNvGrpSpPr/>
-        <p:nvPr/>
-      </p:nvGrpSpPr>
-      <p:grpSpPr>
-        <a:xfrm>
-          <a:off x="0" y="0"/>
-          <a:ext cx="0" cy="0"/>
-          <a:chOff x="0" y="0"/>
-          <a:chExt cx="0" cy="0"/>
-        </a:xfrm>
-      </p:grpSpPr>
-      <p:sp>
-        <p:nvSpPr>
-          <p:cNvPr id="2" name="Title 1"/>
-          <p:cNvSpPr>
-            <a:spLocks noGrp="1"/>
-          </p:cNvSpPr>
-          <p:nvPr>
-            <p:ph type="title"/>
-          </p:nvPr>
-        </p:nvSpPr>
-        <p:spPr/>
-        <p:txBody>
-          <a:bodyPr/>
-          <a:lstStyle/>
-          <a:p>
-            <a:pPr marL="0" lvl="0" indent="0">
-              <a:buNone/>
-            </a:pPr>
-            <a:r>
-              <a:t>The Logistic Regression Model</a:t>
-            </a:r>
-          </a:p>
-        </p:txBody>
-      </p:sp>
-      <mc:AlternateContent xmlns:mc="http://schemas.openxmlformats.org/markup-compatibility/2006">
-        <mc:Choice xmlns:a14="http://schemas.microsoft.com/office/drawing/2010/main" Requires="a14">
+      <mc:AlternateContent xmlns:mc="http://schemas.openxmlformats.org/markup-compatibility/2006" xmlns:a14="http://schemas.microsoft.com/office/drawing/2010/main">
+        <mc:Choice Requires="a14">
           <p:sp>
             <p:nvSpPr>
               <p:cNvPr id="3" name="Content Placeholder 2"/>
@@ -8510,7 +8790,7 @@
                     <m:sSub>
                       <m:sSubPr>
                         <m:ctrlPr>
-                          <a:rPr>
+                          <a:rPr i="1">
                             <a:latin typeface="Cambria Math" panose="02040503050406030204" pitchFamily="18" charset="0"/>
                           </a:rPr>
                         </m:ctrlPr>
@@ -8548,7 +8828,7 @@
                     <m:sSub>
                       <m:sSubPr>
                         <m:ctrlPr>
-                          <a:rPr>
+                          <a:rPr i="1">
                             <a:latin typeface="Cambria Math" panose="02040503050406030204" pitchFamily="18" charset="0"/>
                           </a:rPr>
                         </m:ctrlPr>
@@ -8585,7 +8865,7 @@
                     <m:sSub>
                       <m:sSubPr>
                         <m:ctrlPr>
-                          <a:rPr>
+                          <a:rPr i="1">
                             <a:latin typeface="Cambria Math" panose="02040503050406030204" pitchFamily="18" charset="0"/>
                           </a:rPr>
                         </m:ctrlPr>
@@ -8640,7 +8920,7 @@
                     <m:sSub>
                       <m:sSubPr>
                         <m:ctrlPr>
-                          <a:rPr>
+                          <a:rPr i="1">
                             <a:latin typeface="Cambria Math" panose="02040503050406030204" pitchFamily="18" charset="0"/>
                           </a:rPr>
                         </m:ctrlPr>
@@ -9178,6 +9458,266 @@
             </p:txBody>
           </p:sp>
         </mc:Choice>
+        <mc:Fallback xmlns="">
+          <p:sp>
+            <p:nvSpPr>
+              <p:cNvPr id="3" name="Content Placeholder 2"/>
+              <p:cNvSpPr>
+                <a:spLocks noGrp="1" noRot="1" noChangeAspect="1" noMove="1" noResize="1" noEditPoints="1" noAdjustHandles="1" noChangeArrowheads="1" noChangeShapeType="1" noTextEdit="1"/>
+              </p:cNvSpPr>
+              <p:nvPr>
+                <p:ph idx="1"/>
+              </p:nvPr>
+            </p:nvSpPr>
+            <p:spPr>
+              <a:blipFill>
+                <a:blip r:embed="rId2"/>
+                <a:stretch>
+                  <a:fillRect l="-741" t="-2693"/>
+                </a:stretch>
+              </a:blipFill>
+            </p:spPr>
+            <p:txBody>
+              <a:bodyPr/>
+              <a:lstStyle/>
+              <a:p>
+                <a:r>
+                  <a:rPr lang="en-US">
+                    <a:noFill/>
+                  </a:rPr>
+                  <a:t> </a:t>
+                </a:r>
+              </a:p>
+            </p:txBody>
+          </p:sp>
+        </mc:Fallback>
+      </mc:AlternateContent>
+    </p:spTree>
+  </p:cSld>
+  <p:clrMapOvr>
+    <a:masterClrMapping/>
+  </p:clrMapOvr>
+</p:sld>
+</file>
+
+<file path=ppt/slides/slide22.xml><?xml version="1.0" encoding="utf-8"?>
+<p:sld xmlns:a="http://schemas.openxmlformats.org/drawingml/2006/main" xmlns:r="http://schemas.openxmlformats.org/officeDocument/2006/relationships" xmlns:p="http://schemas.openxmlformats.org/presentationml/2006/main">
+  <p:cSld>
+    <p:spTree>
+      <p:nvGrpSpPr>
+        <p:cNvPr id="1" name=""/>
+        <p:cNvGrpSpPr/>
+        <p:nvPr/>
+      </p:nvGrpSpPr>
+      <p:grpSpPr>
+        <a:xfrm>
+          <a:off x="0" y="0"/>
+          <a:ext cx="0" cy="0"/>
+          <a:chOff x="0" y="0"/>
+          <a:chExt cx="0" cy="0"/>
+        </a:xfrm>
+      </p:grpSpPr>
+      <p:sp>
+        <p:nvSpPr>
+          <p:cNvPr id="2" name="Title 1"/>
+          <p:cNvSpPr>
+            <a:spLocks noGrp="1"/>
+          </p:cNvSpPr>
+          <p:nvPr>
+            <p:ph type="title"/>
+          </p:nvPr>
+        </p:nvSpPr>
+        <p:spPr/>
+        <p:txBody>
+          <a:bodyPr/>
+          <a:lstStyle/>
+          <a:p>
+            <a:pPr marL="0" lvl="0" indent="0">
+              <a:buNone/>
+            </a:pPr>
+            <a:r>
+              <a:t>The Logistic Regression Model</a:t>
+            </a:r>
+          </a:p>
+        </p:txBody>
+      </p:sp>
+      <mc:AlternateContent xmlns:mc="http://schemas.openxmlformats.org/markup-compatibility/2006">
+        <mc:Choice xmlns:a14="http://schemas.microsoft.com/office/drawing/2010/main" Requires="a14">
+          <p:sp>
+            <p:nvSpPr>
+              <p:cNvPr id="3" name="Content Placeholder 2"/>
+              <p:cNvSpPr>
+                <a:spLocks noGrp="1"/>
+              </p:cNvSpPr>
+              <p:nvPr>
+                <p:ph idx="1"/>
+              </p:nvPr>
+            </p:nvSpPr>
+            <p:spPr/>
+            <p:txBody>
+              <a:bodyPr/>
+              <a:lstStyle/>
+              <a:p>
+                <a:pPr marL="0" lvl="0" indent="0">
+                  <a:buNone/>
+                </a:pPr>
+                <a:r>
+                  <a:t>Response of linear model is transformed to the binomially distributed random variable through the </a:t>
+                </a:r>
+                <a:r>
+                  <a:rPr b="1"/>
+                  <a:t>inverse link function</a:t>
+                </a:r>
+              </a:p>
+              <a:p>
+                <a:pPr lvl="0"/>
+                <a:r>
+                  <a:t>Known as the </a:t>
+                </a:r>
+                <a:r>
+                  <a:rPr b="1"/>
+                  <a:t>inverse logit function</a:t>
+                </a:r>
+                <a:r>
+                  <a:t>, or </a:t>
+                </a:r>
+                <a:r>
+                  <a:rPr b="1"/>
+                  <a:t>logistic function</a:t>
+                </a:r>
+                <a:r>
+                  <a:t>, </a:t>
+                </a:r>
+                <a14:m>
+                  <m:oMath xmlns:m="http://schemas.openxmlformats.org/officeDocument/2006/math">
+                    <m:r>
+                      <a:rPr>
+                        <a:latin typeface="Cambria Math" panose="02040503050406030204" pitchFamily="18" charset="0"/>
+                      </a:rPr>
+                      <m:t>𝑓</m:t>
+                    </m:r>
+                    <m:d>
+                      <m:dPr>
+                        <m:ctrlPr>
+                          <a:rPr i="1">
+                            <a:latin typeface="Cambria Math" panose="02040503050406030204" pitchFamily="18" charset="0"/>
+                          </a:rPr>
+                        </m:ctrlPr>
+                      </m:dPr>
+                      <m:e>
+                        <m:sSub>
+                          <m:sSubPr>
+                            <m:ctrlPr>
+                              <a:rPr i="1">
+                                <a:latin typeface="Cambria Math" panose="02040503050406030204" pitchFamily="18" charset="0"/>
+                              </a:rPr>
+                            </m:ctrlPr>
+                          </m:sSubPr>
+                          <m:e>
+                            <m:r>
+                              <a:rPr>
+                                <a:latin typeface="Cambria Math" panose="02040503050406030204" pitchFamily="18" charset="0"/>
+                              </a:rPr>
+                              <m:t>𝑥</m:t>
+                            </m:r>
+                          </m:e>
+                          <m:sub>
+                            <m:r>
+                              <a:rPr>
+                                <a:latin typeface="Cambria Math" panose="02040503050406030204" pitchFamily="18" charset="0"/>
+                              </a:rPr>
+                              <m:t>𝑖</m:t>
+                            </m:r>
+                          </m:sub>
+                        </m:sSub>
+                      </m:e>
+                    </m:d>
+                    <m:r>
+                      <a:rPr>
+                        <a:latin typeface="Cambria Math" panose="02040503050406030204" pitchFamily="18" charset="0"/>
+                      </a:rPr>
+                      <m:t>=</m:t>
+                    </m:r>
+                    <m:sSup>
+                      <m:sSupPr>
+                        <m:ctrlPr>
+                          <a:rPr i="1">
+                            <a:latin typeface="Cambria Math" panose="02040503050406030204" pitchFamily="18" charset="0"/>
+                          </a:rPr>
+                        </m:ctrlPr>
+                      </m:sSupPr>
+                      <m:e>
+                        <m:r>
+                          <a:rPr>
+                            <a:latin typeface="Cambria Math" panose="02040503050406030204" pitchFamily="18" charset="0"/>
+                          </a:rPr>
+                          <m:t>𝑔</m:t>
+                        </m:r>
+                      </m:e>
+                      <m:sup>
+                        <m:r>
+                          <a:rPr>
+                            <a:latin typeface="Cambria Math" panose="02040503050406030204" pitchFamily="18" charset="0"/>
+                          </a:rPr>
+                          <m:t>−1</m:t>
+                        </m:r>
+                      </m:sup>
+                    </m:sSup>
+                    <m:d>
+                      <m:dPr>
+                        <m:ctrlPr>
+                          <a:rPr i="1">
+                            <a:latin typeface="Cambria Math" panose="02040503050406030204" pitchFamily="18" charset="0"/>
+                          </a:rPr>
+                        </m:ctrlPr>
+                      </m:dPr>
+                      <m:e>
+                        <m:sSub>
+                          <m:sSubPr>
+                            <m:ctrlPr>
+                              <a:rPr i="1">
+                                <a:latin typeface="Cambria Math" panose="02040503050406030204" pitchFamily="18" charset="0"/>
+                              </a:rPr>
+                            </m:ctrlPr>
+                          </m:sSubPr>
+                          <m:e>
+                            <m:r>
+                              <a:rPr>
+                                <a:latin typeface="Cambria Math" panose="02040503050406030204" pitchFamily="18" charset="0"/>
+                              </a:rPr>
+                              <m:t>𝑥</m:t>
+                            </m:r>
+                          </m:e>
+                          <m:sub>
+                            <m:r>
+                              <a:rPr>
+                                <a:latin typeface="Cambria Math" panose="02040503050406030204" pitchFamily="18" charset="0"/>
+                              </a:rPr>
+                              <m:t>𝑖</m:t>
+                            </m:r>
+                          </m:sub>
+                        </m:sSub>
+                      </m:e>
+                    </m:d>
+                  </m:oMath>
+                </a14:m>
+                <a:endParaRPr/>
+              </a:p>
+              <a:p>
+                <a:pPr lvl="0"/>
+                <a:r>
+                  <a:t>After some algebra we can arrive at:</a:t>
+                </a:r>
+              </a:p>
+              <a:p>
+                <a:pPr marL="0" lvl="0" indent="0">
+                  <a:buNone/>
+                </a:pPr>
+                <a:endParaRPr/>
+              </a:p>
+            </p:txBody>
+          </p:sp>
+        </mc:Choice>
         <mc:Fallback>
           <p:sp>
             <p:nvSpPr>
@@ -9193,7 +9733,7 @@
               <a:blipFill>
                 <a:blip r:embed="rId2"/>
                 <a:stretch>
-                  <a:fillRect l="-741" t="-2693"/>
+                  <a:fillRect l="-1111" t="-1436"/>
                 </a:stretch>
               </a:blipFill>
             </p:spPr>
@@ -9247,7 +9787,12 @@
             <p:ph type="title"/>
           </p:nvPr>
         </p:nvSpPr>
-        <p:spPr/>
+        <p:spPr>
+          <a:xfrm>
+            <a:off x="457201" y="204787"/>
+            <a:ext cx="3008313" cy="871538"/>
+          </a:xfrm>
+        </p:spPr>
         <p:txBody>
           <a:bodyPr/>
           <a:lstStyle/>
@@ -9256,185 +9801,229 @@
               <a:buNone/>
             </a:pPr>
             <a:r>
-              <a:t>The Logistic Regression Model</a:t>
+              <a:t>Logistic Regression Model</a:t>
             </a:r>
           </a:p>
         </p:txBody>
       </p:sp>
-      <p:sp>
-        <p:nvSpPr>
-          <p:cNvPr id="3" name="Content Placeholder 2"/>
-          <p:cNvSpPr>
-            <a:spLocks noGrp="1"/>
-          </p:cNvSpPr>
-          <p:nvPr>
-            <p:ph idx="1"/>
-          </p:nvPr>
-        </p:nvSpPr>
-        <p:spPr/>
-        <p:txBody>
-          <a:bodyPr/>
-          <a:lstStyle/>
-          <a:p>
-            <a:pPr marL="0" lvl="0" indent="0">
-              <a:buNone/>
-            </a:pPr>
-            <a:r>
-              <a:t>Response of linear model is transformed to the binomially distributed random variable through the </a:t>
-            </a:r>
-            <a:r>
-              <a:rPr b="1"/>
-              <a:t>inverse link function</a:t>
-            </a:r>
-          </a:p>
-          <a:p>
-            <a:pPr lvl="0"/>
-            <a:r>
-              <a:t>Known as the </a:t>
-            </a:r>
-            <a:r>
-              <a:rPr b="1"/>
-              <a:t>inverse logit function</a:t>
-            </a:r>
-            <a:r>
-              <a:t>, or </a:t>
-            </a:r>
-            <a:r>
-              <a:rPr b="1"/>
-              <a:t>logistic function</a:t>
-            </a:r>
-            <a:r>
-              <a:t>, </a:t>
-            </a:r>
-            <a14:m xmlns:a14="http://schemas.microsoft.com/office/drawing/2010/main">
-              <m:oMath xmlns:m="http://schemas.openxmlformats.org/officeDocument/2006/math">
-                <m:r>
-                  <a:rPr>
-                    <a:latin typeface="Cambria Math" panose="02040503050406030204" pitchFamily="18" charset="0"/>
+      <mc:AlternateContent xmlns:mc="http://schemas.openxmlformats.org/markup-compatibility/2006">
+        <mc:Choice xmlns:a14="http://schemas.microsoft.com/office/drawing/2010/main" Requires="a14">
+          <p:sp>
+            <p:nvSpPr>
+              <p:cNvPr id="4" name="Text Placeholder 3"/>
+              <p:cNvSpPr>
+                <a:spLocks noGrp="1"/>
+              </p:cNvSpPr>
+              <p:nvPr>
+                <p:ph type="body" sz="half" idx="2"/>
+              </p:nvPr>
+            </p:nvSpPr>
+            <p:spPr/>
+            <p:txBody>
+              <a:bodyPr/>
+              <a:lstStyle/>
+              <a:p>
+                <a:pPr marL="0" lvl="0" indent="0">
+                  <a:buNone/>
+                </a:pPr>
+                <a:r>
+                  <a:t>What does the transformation function look like?</a:t>
+                </a:r>
+              </a:p>
+              <a:p>
+                <a:pPr lvl="0"/>
+                <a:r>
+                  <a:t>Consider a simple 1-dimensional case</a:t>
+                </a:r>
+              </a:p>
+              <a:p>
+                <a:pPr marL="0" lvl="0" indent="0">
+                  <a:buNone/>
+                </a:pPr>
+                <a14:m>
+                  <m:oMathPara xmlns:m="http://schemas.openxmlformats.org/officeDocument/2006/math">
+                    <m:oMathParaPr>
+                      <m:jc m:val="center"/>
+                    </m:oMathParaPr>
+                    <m:oMath xmlns:m="http://schemas.openxmlformats.org/officeDocument/2006/math">
+                      <m:sSub>
+                        <m:sSubPr>
+                          <m:ctrlPr>
+                            <a:rPr i="1">
+                              <a:latin typeface="Cambria Math" panose="02040503050406030204" pitchFamily="18" charset="0"/>
+                            </a:rPr>
+                          </m:ctrlPr>
+                        </m:sSubPr>
+                        <m:e>
+                          <m:r>
+                            <a:rPr>
+                              <a:latin typeface="Cambria Math" panose="02040503050406030204" pitchFamily="18" charset="0"/>
+                            </a:rPr>
+                            <m:t>𝑦</m:t>
+                          </m:r>
+                        </m:e>
+                        <m:sub>
+                          <m:r>
+                            <a:rPr>
+                              <a:latin typeface="Cambria Math" panose="02040503050406030204" pitchFamily="18" charset="0"/>
+                            </a:rPr>
+                            <m:t>𝑖</m:t>
+                          </m:r>
+                        </m:sub>
+                      </m:sSub>
+                      <m:r>
+                        <a:rPr>
+                          <a:latin typeface="Cambria Math" panose="02040503050406030204" pitchFamily="18" charset="0"/>
+                        </a:rPr>
+                        <m:t>=</m:t>
+                      </m:r>
+                      <m:f>
+                        <m:fPr>
+                          <m:ctrlPr>
+                            <a:rPr i="1">
+                              <a:latin typeface="Cambria Math" panose="02040503050406030204" pitchFamily="18" charset="0"/>
+                            </a:rPr>
+                          </m:ctrlPr>
+                        </m:fPr>
+                        <m:num>
+                          <m:r>
+                            <a:rPr>
+                              <a:latin typeface="Cambria Math" panose="02040503050406030204" pitchFamily="18" charset="0"/>
+                            </a:rPr>
+                            <m:t>1</m:t>
+                          </m:r>
+                        </m:num>
+                        <m:den>
+                          <m:r>
+                            <a:rPr>
+                              <a:latin typeface="Cambria Math" panose="02040503050406030204" pitchFamily="18" charset="0"/>
+                            </a:rPr>
+                            <m:t>1+</m:t>
+                          </m:r>
+                          <m:sSup>
+                            <m:sSupPr>
+                              <m:ctrlPr>
+                                <a:rPr i="1">
+                                  <a:latin typeface="Cambria Math" panose="02040503050406030204" pitchFamily="18" charset="0"/>
+                                </a:rPr>
+                              </m:ctrlPr>
+                            </m:sSupPr>
+                            <m:e>
+                              <m:r>
+                                <a:rPr>
+                                  <a:latin typeface="Cambria Math" panose="02040503050406030204" pitchFamily="18" charset="0"/>
+                                </a:rPr>
+                                <m:t>𝑒</m:t>
+                              </m:r>
+                            </m:e>
+                            <m:sup>
+                              <m:r>
+                                <a:rPr>
+                                  <a:latin typeface="Cambria Math" panose="02040503050406030204" pitchFamily="18" charset="0"/>
+                                </a:rPr>
+                                <m:t>−</m:t>
+                              </m:r>
+                              <m:sSub>
+                                <m:sSubPr>
+                                  <m:ctrlPr>
+                                    <a:rPr i="1">
+                                      <a:latin typeface="Cambria Math" panose="02040503050406030204" pitchFamily="18" charset="0"/>
+                                    </a:rPr>
+                                  </m:ctrlPr>
+                                </m:sSubPr>
+                                <m:e>
+                                  <m:r>
+                                    <a:rPr>
+                                      <a:latin typeface="Cambria Math" panose="02040503050406030204" pitchFamily="18" charset="0"/>
+                                    </a:rPr>
+                                    <m:t>𝑥</m:t>
+                                  </m:r>
+                                </m:e>
+                                <m:sub>
+                                  <m:r>
+                                    <a:rPr>
+                                      <a:latin typeface="Cambria Math" panose="02040503050406030204" pitchFamily="18" charset="0"/>
+                                    </a:rPr>
+                                    <m:t>𝑖</m:t>
+                                  </m:r>
+                                </m:sub>
+                              </m:sSub>
+                            </m:sup>
+                          </m:sSup>
+                        </m:den>
+                      </m:f>
+                    </m:oMath>
+                  </m:oMathPara>
+                </a14:m>
+                <a:endParaRPr/>
+              </a:p>
+            </p:txBody>
+          </p:sp>
+        </mc:Choice>
+        <mc:Fallback>
+          <p:sp>
+            <p:nvSpPr>
+              <p:cNvPr id="4" name="Text Placeholder 3"/>
+              <p:cNvSpPr>
+                <a:spLocks noGrp="1" noRot="1" noChangeAspect="1" noMove="1" noResize="1" noEditPoints="1" noAdjustHandles="1" noChangeArrowheads="1" noChangeShapeType="1" noTextEdit="1"/>
+              </p:cNvSpPr>
+              <p:nvPr>
+                <p:ph type="body" sz="half" idx="2"/>
+              </p:nvPr>
+            </p:nvSpPr>
+            <p:spPr>
+              <a:blipFill>
+                <a:blip r:embed="rId2"/>
+                <a:stretch>
+                  <a:fillRect/>
+                </a:stretch>
+              </a:blipFill>
+            </p:spPr>
+            <p:txBody>
+              <a:bodyPr/>
+              <a:lstStyle/>
+              <a:p>
+                <a:r>
+                  <a:rPr lang="en-US">
+                    <a:noFill/>
                   </a:rPr>
-                  <m:t>𝑓</m:t>
-                </m:r>
-                <m:d>
-                  <m:dPr>
-                    <m:ctrlPr>
-                      <a:rPr i="1">
-                        <a:latin typeface="Cambria Math" panose="02040503050406030204" pitchFamily="18" charset="0"/>
-                      </a:rPr>
-                    </m:ctrlPr>
-                  </m:dPr>
-                  <m:e>
-                    <m:sSub>
-                      <m:sSubPr>
-                        <m:ctrlPr>
-                          <a:rPr i="1">
-                            <a:latin typeface="Cambria Math" panose="02040503050406030204" pitchFamily="18" charset="0"/>
-                          </a:rPr>
-                        </m:ctrlPr>
-                      </m:sSubPr>
-                      <m:e>
-                        <m:r>
-                          <a:rPr>
-                            <a:latin typeface="Cambria Math" panose="02040503050406030204" pitchFamily="18" charset="0"/>
-                          </a:rPr>
-                          <m:t>𝑥</m:t>
-                        </m:r>
-                      </m:e>
-                      <m:sub>
-                        <m:r>
-                          <a:rPr>
-                            <a:latin typeface="Cambria Math" panose="02040503050406030204" pitchFamily="18" charset="0"/>
-                          </a:rPr>
-                          <m:t>𝑖</m:t>
-                        </m:r>
-                      </m:sub>
-                    </m:sSub>
-                  </m:e>
-                </m:d>
-                <m:r>
-                  <a:rPr>
-                    <a:latin typeface="Cambria Math" panose="02040503050406030204" pitchFamily="18" charset="0"/>
-                  </a:rPr>
-                  <m:t>=</m:t>
-                </m:r>
-                <m:sSup>
-                  <m:sSupPr>
-                    <m:ctrlPr>
-                      <a:rPr i="1">
-                        <a:latin typeface="Cambria Math" panose="02040503050406030204" pitchFamily="18" charset="0"/>
-                      </a:rPr>
-                    </m:ctrlPr>
-                  </m:sSupPr>
-                  <m:e>
-                    <m:r>
-                      <a:rPr>
-                        <a:latin typeface="Cambria Math" panose="02040503050406030204" pitchFamily="18" charset="0"/>
-                      </a:rPr>
-                      <m:t>𝑔</m:t>
-                    </m:r>
-                  </m:e>
-                  <m:sup>
-                    <m:r>
-                      <a:rPr>
-                        <a:latin typeface="Cambria Math" panose="02040503050406030204" pitchFamily="18" charset="0"/>
-                      </a:rPr>
-                      <m:t>−1</m:t>
-                    </m:r>
-                  </m:sup>
-                </m:sSup>
-                <m:d>
-                  <m:dPr>
-                    <m:ctrlPr>
-                      <a:rPr i="1">
-                        <a:latin typeface="Cambria Math" panose="02040503050406030204" pitchFamily="18" charset="0"/>
-                      </a:rPr>
-                    </m:ctrlPr>
-                  </m:dPr>
-                  <m:e>
-                    <m:sSub>
-                      <m:sSubPr>
-                        <m:ctrlPr>
-                          <a:rPr i="1">
-                            <a:latin typeface="Cambria Math" panose="02040503050406030204" pitchFamily="18" charset="0"/>
-                          </a:rPr>
-                        </m:ctrlPr>
-                      </m:sSubPr>
-                      <m:e>
-                        <m:r>
-                          <a:rPr>
-                            <a:latin typeface="Cambria Math" panose="02040503050406030204" pitchFamily="18" charset="0"/>
-                          </a:rPr>
-                          <m:t>𝑥</m:t>
-                        </m:r>
-                      </m:e>
-                      <m:sub>
-                        <m:r>
-                          <a:rPr>
-                            <a:latin typeface="Cambria Math" panose="02040503050406030204" pitchFamily="18" charset="0"/>
-                          </a:rPr>
-                          <m:t>𝑖</m:t>
-                        </m:r>
-                      </m:sub>
-                    </m:sSub>
-                  </m:e>
-                </m:d>
-              </m:oMath>
-            </a14:m>
-            <a:endParaRPr/>
-          </a:p>
-          <a:p>
-            <a:pPr lvl="0"/>
-            <a:r>
-              <a:t>After some algebra we can arrive at:</a:t>
-            </a:r>
-          </a:p>
-          <a:p>
-            <a:pPr marL="0" lvl="0" indent="0">
-              <a:buNone/>
-            </a:pPr>
-            <a:endParaRPr/>
-          </a:p>
-        </p:txBody>
-      </p:sp>
+                  <a:t> </a:t>
+                </a:r>
+              </a:p>
+            </p:txBody>
+          </p:sp>
+        </mc:Fallback>
+      </mc:AlternateContent>
+      <p:pic>
+        <p:nvPicPr>
+          <p:cNvPr id="3" name="Picture 1" descr="09_GeneralizingTheLinearModel_files/figure-pptx/unnamed-chunk-6-1.png"/>
+          <p:cNvPicPr>
+            <a:picLocks noGrp="1" noChangeAspect="1"/>
+          </p:cNvPicPr>
+          <p:nvPr/>
+        </p:nvPicPr>
+        <p:blipFill>
+          <a:blip r:embed="rId3"/>
+          <a:stretch>
+            <a:fillRect/>
+          </a:stretch>
+        </p:blipFill>
+        <p:spPr bwMode="auto">
+          <a:xfrm>
+            <a:off x="3568700" y="685800"/>
+            <a:ext cx="5105400" cy="3403600"/>
+          </a:xfrm>
+          <a:prstGeom prst="rect">
+            <a:avLst/>
+          </a:prstGeom>
+          <a:noFill/>
+          <a:ln w="9525">
+            <a:noFill/>
+            <a:headEnd/>
+            <a:tailEnd/>
+          </a:ln>
+        </p:spPr>
+      </p:pic>
     </p:spTree>
   </p:cSld>
   <p:clrMapOvr>
@@ -9444,6 +10033,272 @@
 </file>
 
 <file path=ppt/slides/slide24.xml><?xml version="1.0" encoding="utf-8"?>
+<p:sld xmlns:a="http://schemas.openxmlformats.org/drawingml/2006/main" xmlns:r="http://schemas.openxmlformats.org/officeDocument/2006/relationships" xmlns:p="http://schemas.openxmlformats.org/presentationml/2006/main">
+  <p:cSld>
+    <p:spTree>
+      <p:nvGrpSpPr>
+        <p:cNvPr id="1" name=""/>
+        <p:cNvGrpSpPr/>
+        <p:nvPr/>
+      </p:nvGrpSpPr>
+      <p:grpSpPr>
+        <a:xfrm>
+          <a:off x="0" y="0"/>
+          <a:ext cx="0" cy="0"/>
+          <a:chOff x="0" y="0"/>
+          <a:chExt cx="0" cy="0"/>
+        </a:xfrm>
+      </p:grpSpPr>
+      <mc:AlternateContent xmlns:mc="http://schemas.openxmlformats.org/markup-compatibility/2006">
+        <mc:Choice xmlns:a14="http://schemas.microsoft.com/office/drawing/2010/main" Requires="a14">
+          <p:sp>
+            <p:nvSpPr>
+              <p:cNvPr id="3" name="Content Placeholder 2"/>
+              <p:cNvSpPr>
+                <a:spLocks noGrp="1"/>
+              </p:cNvSpPr>
+              <p:nvPr>
+                <p:ph idx="1"/>
+              </p:nvPr>
+            </p:nvSpPr>
+            <p:spPr/>
+            <p:txBody>
+              <a:bodyPr/>
+              <a:lstStyle/>
+              <a:p>
+                <a:pPr marL="0" lvl="0" indent="0">
+                  <a:buNone/>
+                </a:pPr>
+                <a:endParaRPr/>
+              </a:p>
+              <a:p>
+                <a:pPr lvl="0"/>
+                <a:r>
+                  <a:t>The response is bound in the range </a:t>
+                </a:r>
+                <a14:m>
+                  <m:oMath xmlns:m="http://schemas.openxmlformats.org/officeDocument/2006/math">
+                    <m:d>
+                      <m:dPr>
+                        <m:begChr m:val="["/>
+                        <m:endChr m:val="]"/>
+                        <m:ctrlPr>
+                          <a:rPr i="1">
+                            <a:latin typeface="Cambria Math" panose="02040503050406030204" pitchFamily="18" charset="0"/>
+                          </a:rPr>
+                        </m:ctrlPr>
+                      </m:dPr>
+                      <m:e>
+                        <m:r>
+                          <a:rPr>
+                            <a:latin typeface="Cambria Math" panose="02040503050406030204" pitchFamily="18" charset="0"/>
+                          </a:rPr>
+                          <m:t>0</m:t>
+                        </m:r>
+                        <m:r>
+                          <a:rPr>
+                            <a:latin typeface="Cambria Math" panose="02040503050406030204" pitchFamily="18" charset="0"/>
+                          </a:rPr>
+                          <m:t>,</m:t>
+                        </m:r>
+                        <m:r>
+                          <a:rPr>
+                            <a:latin typeface="Cambria Math" panose="02040503050406030204" pitchFamily="18" charset="0"/>
+                          </a:rPr>
+                          <m:t>1</m:t>
+                        </m:r>
+                      </m:e>
+                    </m:d>
+                  </m:oMath>
+                </a14:m>
+                <a:endParaRPr/>
+              </a:p>
+              <a:p>
+                <a:pPr lvl="0"/>
+                <a:r>
+                  <a:t>We say the logistic transformation </a:t>
+                </a:r>
+                <a:r>
+                  <a:rPr b="1"/>
+                  <a:t>squashes</a:t>
+                </a:r>
+                <a:r>
+                  <a:t> the linear response </a:t>
+                </a:r>
+                <a14:m>
+                  <m:oMath xmlns:m="http://schemas.openxmlformats.org/officeDocument/2006/math">
+                    <m:r>
+                      <a:rPr>
+                        <a:latin typeface="Cambria Math" panose="02040503050406030204" pitchFamily="18" charset="0"/>
+                      </a:rPr>
+                      <m:t>𝜆</m:t>
+                    </m:r>
+                    <m:r>
+                      <a:rPr>
+                        <a:latin typeface="Cambria Math" panose="02040503050406030204" pitchFamily="18" charset="0"/>
+                      </a:rPr>
+                      <m:t>=</m:t>
+                    </m:r>
+                    <m:r>
+                      <a:rPr>
+                        <a:latin typeface="Cambria Math" panose="02040503050406030204" pitchFamily="18" charset="0"/>
+                      </a:rPr>
+                      <m:t>𝐴</m:t>
+                    </m:r>
+                    <m:acc>
+                      <m:accPr>
+                        <m:chr m:val="⃗"/>
+                        <m:ctrlPr>
+                          <a:rPr i="1">
+                            <a:latin typeface="Cambria Math" panose="02040503050406030204" pitchFamily="18" charset="0"/>
+                          </a:rPr>
+                        </m:ctrlPr>
+                      </m:accPr>
+                      <m:e>
+                        <m:r>
+                          <a:rPr>
+                            <a:latin typeface="Cambria Math" panose="02040503050406030204" pitchFamily="18" charset="0"/>
+                          </a:rPr>
+                          <m:t>𝑏</m:t>
+                        </m:r>
+                      </m:e>
+                    </m:acc>
+                  </m:oMath>
+                </a14:m>
+                <a:r>
+                  <a:t> to binary, </a:t>
+                </a:r>
+                <a14:m>
+                  <m:oMath xmlns:m="http://schemas.openxmlformats.org/officeDocument/2006/math">
+                    <m:d>
+                      <m:dPr>
+                        <m:begChr m:val="["/>
+                        <m:endChr m:val="]"/>
+                        <m:ctrlPr>
+                          <a:rPr i="1">
+                            <a:latin typeface="Cambria Math" panose="02040503050406030204" pitchFamily="18" charset="0"/>
+                          </a:rPr>
+                        </m:ctrlPr>
+                      </m:dPr>
+                      <m:e>
+                        <m:r>
+                          <a:rPr>
+                            <a:latin typeface="Cambria Math" panose="02040503050406030204" pitchFamily="18" charset="0"/>
+                          </a:rPr>
+                          <m:t>0</m:t>
+                        </m:r>
+                        <m:r>
+                          <a:rPr>
+                            <a:latin typeface="Cambria Math" panose="02040503050406030204" pitchFamily="18" charset="0"/>
+                          </a:rPr>
+                          <m:t>,</m:t>
+                        </m:r>
+                        <m:r>
+                          <a:rPr>
+                            <a:latin typeface="Cambria Math" panose="02040503050406030204" pitchFamily="18" charset="0"/>
+                          </a:rPr>
+                          <m:t>1</m:t>
+                        </m:r>
+                      </m:e>
+                    </m:d>
+                  </m:oMath>
+                </a14:m>
+                <a:endParaRPr/>
+              </a:p>
+              <a:p>
+                <a:pPr lvl="0"/>
+                <a:r>
+                  <a:t>Can set a </a:t>
+                </a:r>
+                <a:r>
+                  <a:rPr b="1"/>
+                  <a:t>decision threshold</a:t>
+                </a:r>
+                <a:r>
+                  <a:t> for binary response</a:t>
+                </a:r>
+              </a:p>
+              <a:p>
+                <a:pPr lvl="1"/>
+                <a:r>
+                  <a:t>Default </a:t>
+                </a:r>
+                <a14:m>
+                  <m:oMath xmlns:m="http://schemas.openxmlformats.org/officeDocument/2006/math">
+                    <m:r>
+                      <a:rPr>
+                        <a:latin typeface="Cambria Math" panose="02040503050406030204" pitchFamily="18" charset="0"/>
+                      </a:rPr>
+                      <m:t>=</m:t>
+                    </m:r>
+                    <m:r>
+                      <a:rPr>
+                        <a:latin typeface="Cambria Math" panose="02040503050406030204" pitchFamily="18" charset="0"/>
+                      </a:rPr>
+                      <m:t>0</m:t>
+                    </m:r>
+                    <m:r>
+                      <a:rPr>
+                        <a:latin typeface="Cambria Math" panose="02040503050406030204" pitchFamily="18" charset="0"/>
+                      </a:rPr>
+                      <m:t>.</m:t>
+                    </m:r>
+                    <m:r>
+                      <a:rPr>
+                        <a:latin typeface="Cambria Math" panose="02040503050406030204" pitchFamily="18" charset="0"/>
+                      </a:rPr>
+                      <m:t>5</m:t>
+                    </m:r>
+                  </m:oMath>
+                </a14:m>
+                <a:endParaRPr/>
+              </a:p>
+            </p:txBody>
+          </p:sp>
+        </mc:Choice>
+        <mc:Fallback>
+          <p:sp>
+            <p:nvSpPr>
+              <p:cNvPr id="3" name="Content Placeholder 2"/>
+              <p:cNvSpPr>
+                <a:spLocks noGrp="1" noRot="1" noChangeAspect="1" noMove="1" noResize="1" noEditPoints="1" noAdjustHandles="1" noChangeArrowheads="1" noChangeShapeType="1" noTextEdit="1"/>
+              </p:cNvSpPr>
+              <p:nvPr>
+                <p:ph idx="1"/>
+              </p:nvPr>
+            </p:nvSpPr>
+            <p:spPr>
+              <a:blipFill>
+                <a:blip r:embed="rId2"/>
+                <a:stretch>
+                  <a:fillRect l="-963"/>
+                </a:stretch>
+              </a:blipFill>
+            </p:spPr>
+            <p:txBody>
+              <a:bodyPr/>
+              <a:lstStyle/>
+              <a:p>
+                <a:r>
+                  <a:rPr lang="en-US">
+                    <a:noFill/>
+                  </a:rPr>
+                  <a:t> </a:t>
+                </a:r>
+              </a:p>
+            </p:txBody>
+          </p:sp>
+        </mc:Fallback>
+      </mc:AlternateContent>
+    </p:spTree>
+  </p:cSld>
+  <p:clrMapOvr>
+    <a:masterClrMapping/>
+  </p:clrMapOvr>
+</p:sld>
+</file>
+
+<file path=ppt/slides/slide25.xml><?xml version="1.0" encoding="utf-8"?>
 <p:sld xmlns:a="http://schemas.openxmlformats.org/drawingml/2006/main" xmlns:r="http://schemas.openxmlformats.org/officeDocument/2006/relationships" xmlns:p="http://schemas.openxmlformats.org/presentationml/2006/main">
   <p:cSld>
     <p:spTree>
@@ -9472,388 +10327,2217 @@
         </p:nvSpPr>
         <p:spPr>
           <a:xfrm>
-            <a:off x="457201" y="204787"/>
-            <a:ext cx="3008313" cy="871538"/>
+            <a:off x="457200" y="105649"/>
+            <a:ext cx="8229600" cy="484901"/>
           </a:xfrm>
         </p:spPr>
         <p:txBody>
-          <a:bodyPr/>
+          <a:bodyPr>
+            <a:normAutofit fontScale="90000"/>
+          </a:bodyPr>
           <a:lstStyle/>
           <a:p>
             <a:pPr marL="0" lvl="0" indent="0">
               <a:buNone/>
             </a:pPr>
             <a:r>
-              <a:t>Logistic Regression Model</a:t>
+              <a:rPr dirty="0"/>
+              <a:t>The Generalized Linear Model</a:t>
             </a:r>
           </a:p>
         </p:txBody>
       </p:sp>
+      <mc:AlternateContent xmlns:mc="http://schemas.openxmlformats.org/markup-compatibility/2006">
+        <mc:Choice xmlns:a14="http://schemas.microsoft.com/office/drawing/2010/main" Requires="a14">
+          <p:graphicFrame>
+            <p:nvGraphicFramePr>
+              <p:cNvPr id="4" name="Table 3">
+                <a:extLst>
+                  <a:ext uri="{FF2B5EF4-FFF2-40B4-BE49-F238E27FC236}">
+                    <a16:creationId xmlns:a16="http://schemas.microsoft.com/office/drawing/2014/main" id="{C3541FB5-ED70-609C-000F-260C1FDFDAA5}"/>
+                  </a:ext>
+                </a:extLst>
+              </p:cNvPr>
+              <p:cNvGraphicFramePr>
+                <a:graphicFrameLocks noGrp="1"/>
+              </p:cNvGraphicFramePr>
+              <p:nvPr>
+                <p:extLst>
+                  <p:ext uri="{D42A27DB-BD31-4B8C-83A1-F6EECF244321}">
+                    <p14:modId xmlns:p14="http://schemas.microsoft.com/office/powerpoint/2010/main" val="1224660765"/>
+                  </p:ext>
+                </p:extLst>
+              </p:nvPr>
+            </p:nvGraphicFramePr>
+            <p:xfrm>
+              <a:off x="2856992" y="731520"/>
+              <a:ext cx="6287010" cy="4384356"/>
+            </p:xfrm>
+            <a:graphic>
+              <a:graphicData uri="http://schemas.openxmlformats.org/drawingml/2006/table">
+                <a:tbl>
+                  <a:tblPr firstRow="1" bandRow="1">
+                    <a:tableStyleId>{5C22544A-7EE6-4342-B048-85BDC9FD1C3A}</a:tableStyleId>
+                  </a:tblPr>
+                  <a:tblGrid>
+                    <a:gridCol w="2095670">
+                      <a:extLst>
+                        <a:ext uri="{9D8B030D-6E8A-4147-A177-3AD203B41FA5}">
+                          <a16:colId xmlns:a16="http://schemas.microsoft.com/office/drawing/2014/main" val="310204747"/>
+                        </a:ext>
+                      </a:extLst>
+                    </a:gridCol>
+                    <a:gridCol w="2095670">
+                      <a:extLst>
+                        <a:ext uri="{9D8B030D-6E8A-4147-A177-3AD203B41FA5}">
+                          <a16:colId xmlns:a16="http://schemas.microsoft.com/office/drawing/2014/main" val="540153062"/>
+                        </a:ext>
+                      </a:extLst>
+                    </a:gridCol>
+                    <a:gridCol w="2095670">
+                      <a:extLst>
+                        <a:ext uri="{9D8B030D-6E8A-4147-A177-3AD203B41FA5}">
+                          <a16:colId xmlns:a16="http://schemas.microsoft.com/office/drawing/2014/main" val="604041901"/>
+                        </a:ext>
+                      </a:extLst>
+                    </a:gridCol>
+                  </a:tblGrid>
+                  <a:tr h="436054">
+                    <a:tc>
+                      <a:txBody>
+                        <a:bodyPr/>
+                        <a:lstStyle/>
+                        <a:p>
+                          <a:pPr algn="ctr"/>
+                          <a:r>
+                            <a:rPr lang="en-US" sz="1600" b="1" dirty="0">
+                              <a:solidFill>
+                                <a:schemeClr val="tx1"/>
+                              </a:solidFill>
+                            </a:rPr>
+                            <a:t>Distribution</a:t>
+                          </a:r>
+                        </a:p>
+                      </a:txBody>
+                      <a:tcPr/>
+                    </a:tc>
+                    <a:tc>
+                      <a:txBody>
+                        <a:bodyPr/>
+                        <a:lstStyle/>
+                        <a:p>
+                          <a:pPr algn="ctr"/>
+                          <a:r>
+                            <a:rPr lang="en-US" sz="1600" b="1" dirty="0">
+                              <a:solidFill>
+                                <a:schemeClr val="tx1"/>
+                              </a:solidFill>
+                            </a:rPr>
+                            <a:t>Link Function</a:t>
+                          </a:r>
+                        </a:p>
+                      </a:txBody>
+                      <a:tcPr/>
+                    </a:tc>
+                    <a:tc>
+                      <a:txBody>
+                        <a:bodyPr/>
+                        <a:lstStyle/>
+                        <a:p>
+                          <a:pPr algn="ctr"/>
+                          <a:r>
+                            <a:rPr lang="en-US" sz="1600" b="1" dirty="0">
+                              <a:solidFill>
+                                <a:schemeClr val="tx1"/>
+                              </a:solidFill>
+                            </a:rPr>
+                            <a:t>Inverse Link Function</a:t>
+                          </a:r>
+                        </a:p>
+                      </a:txBody>
+                      <a:tcPr/>
+                    </a:tc>
+                    <a:extLst>
+                      <a:ext uri="{0D108BD9-81ED-4DB2-BD59-A6C34878D82A}">
+                        <a16:rowId xmlns:a16="http://schemas.microsoft.com/office/drawing/2014/main" val="2273534007"/>
+                      </a:ext>
+                    </a:extLst>
+                  </a:tr>
+                  <a:tr h="545728">
+                    <a:tc>
+                      <a:txBody>
+                        <a:bodyPr/>
+                        <a:lstStyle/>
+                        <a:p>
+                          <a:r>
+                            <a:rPr lang="en-US" sz="1600" dirty="0"/>
+                            <a:t>Gaussian</a:t>
+                          </a:r>
+                        </a:p>
+                      </a:txBody>
+                      <a:tcPr/>
+                    </a:tc>
+                    <a:tc>
+                      <a:txBody>
+                        <a:bodyPr/>
+                        <a:lstStyle/>
+                        <a:p>
+                          <a14:m>
+                            <m:oMathPara xmlns:m="http://schemas.openxmlformats.org/officeDocument/2006/math">
+                              <m:oMathParaPr>
+                                <m:jc m:val="centerGroup"/>
+                              </m:oMathParaPr>
+                              <m:oMath xmlns:m="http://schemas.openxmlformats.org/officeDocument/2006/math">
+                                <m:r>
+                                  <a:rPr lang="en-US" sz="1600" b="0" i="1" smtClean="0">
+                                    <a:latin typeface="Cambria Math" panose="02040503050406030204" pitchFamily="18" charset="0"/>
+                                    <a:ea typeface="Cambria Math" panose="02040503050406030204" pitchFamily="18" charset="0"/>
+                                  </a:rPr>
+                                  <m:t>𝑋</m:t>
+                                </m:r>
+                                <m:r>
+                                  <a:rPr lang="en-US" sz="1600" b="0" i="1" smtClean="0">
+                                    <a:latin typeface="Cambria Math" panose="02040503050406030204" pitchFamily="18" charset="0"/>
+                                    <a:ea typeface="Cambria Math" panose="02040503050406030204" pitchFamily="18" charset="0"/>
+                                  </a:rPr>
+                                  <m:t>𝛽</m:t>
+                                </m:r>
+                                <m:r>
+                                  <a:rPr lang="en-US" sz="1600" b="0" i="1" smtClean="0">
+                                    <a:latin typeface="Cambria Math" panose="02040503050406030204" pitchFamily="18" charset="0"/>
+                                    <a:ea typeface="Cambria Math" panose="02040503050406030204" pitchFamily="18" charset="0"/>
+                                  </a:rPr>
+                                  <m:t>=</m:t>
+                                </m:r>
+                                <m:r>
+                                  <a:rPr lang="en-US" sz="1600" i="1" smtClean="0">
+                                    <a:latin typeface="Cambria Math" panose="02040503050406030204" pitchFamily="18" charset="0"/>
+                                    <a:ea typeface="Cambria Math" panose="02040503050406030204" pitchFamily="18" charset="0"/>
+                                  </a:rPr>
+                                  <m:t>𝜇</m:t>
+                                </m:r>
+                              </m:oMath>
+                            </m:oMathPara>
+                          </a14:m>
+                          <a:endParaRPr lang="en-US" sz="1600" dirty="0"/>
+                        </a:p>
+                      </a:txBody>
+                      <a:tcPr/>
+                    </a:tc>
+                    <a:tc>
+                      <a:txBody>
+                        <a:bodyPr/>
+                        <a:lstStyle/>
+                        <a:p>
+                          <a:pPr marL="0" marR="0" lvl="0" indent="0" algn="l" defTabSz="342900" rtl="0" eaLnBrk="1" fontAlgn="auto" latinLnBrk="0" hangingPunct="1">
+                            <a:lnSpc>
+                              <a:spcPct val="100000"/>
+                            </a:lnSpc>
+                            <a:spcBef>
+                              <a:spcPts val="0"/>
+                            </a:spcBef>
+                            <a:spcAft>
+                              <a:spcPts val="0"/>
+                            </a:spcAft>
+                            <a:buClrTx/>
+                            <a:buSzTx/>
+                            <a:buFontTx/>
+                            <a:buNone/>
+                            <a:tabLst/>
+                            <a:defRPr/>
+                          </a:pPr>
+                          <a14:m>
+                            <m:oMathPara xmlns:m="http://schemas.openxmlformats.org/officeDocument/2006/math">
+                              <m:oMathParaPr>
+                                <m:jc m:val="centerGroup"/>
+                              </m:oMathParaPr>
+                              <m:oMath xmlns:m="http://schemas.openxmlformats.org/officeDocument/2006/math">
+                                <m:r>
+                                  <a:rPr lang="en-US" sz="1600" i="1" smtClean="0">
+                                    <a:latin typeface="Cambria Math" panose="02040503050406030204" pitchFamily="18" charset="0"/>
+                                    <a:ea typeface="Cambria Math" panose="02040503050406030204" pitchFamily="18" charset="0"/>
+                                  </a:rPr>
+                                  <m:t>𝜇</m:t>
+                                </m:r>
+                                <m:r>
+                                  <a:rPr lang="en-US" sz="1600" b="0" i="1" smtClean="0">
+                                    <a:latin typeface="Cambria Math" panose="02040503050406030204" pitchFamily="18" charset="0"/>
+                                    <a:ea typeface="Cambria Math" panose="02040503050406030204" pitchFamily="18" charset="0"/>
+                                  </a:rPr>
+                                  <m:t>=</m:t>
+                                </m:r>
+                                <m:r>
+                                  <a:rPr lang="en-US" sz="1600" b="0" i="1" smtClean="0">
+                                    <a:latin typeface="Cambria Math" panose="02040503050406030204" pitchFamily="18" charset="0"/>
+                                    <a:ea typeface="Cambria Math" panose="02040503050406030204" pitchFamily="18" charset="0"/>
+                                  </a:rPr>
+                                  <m:t>𝑋</m:t>
+                                </m:r>
+                                <m:r>
+                                  <a:rPr lang="en-US" sz="1600" b="0" i="1" smtClean="0">
+                                    <a:latin typeface="Cambria Math" panose="02040503050406030204" pitchFamily="18" charset="0"/>
+                                    <a:ea typeface="Cambria Math" panose="02040503050406030204" pitchFamily="18" charset="0"/>
+                                  </a:rPr>
+                                  <m:t>𝛽</m:t>
+                                </m:r>
+                              </m:oMath>
+                            </m:oMathPara>
+                          </a14:m>
+                          <a:endParaRPr lang="en-US" sz="1600" dirty="0"/>
+                        </a:p>
+                        <a:p>
+                          <a:endParaRPr lang="en-US" sz="1600" dirty="0"/>
+                        </a:p>
+                      </a:txBody>
+                      <a:tcPr/>
+                    </a:tc>
+                    <a:extLst>
+                      <a:ext uri="{0D108BD9-81ED-4DB2-BD59-A6C34878D82A}">
+                        <a16:rowId xmlns:a16="http://schemas.microsoft.com/office/drawing/2014/main" val="1543036880"/>
+                      </a:ext>
+                    </a:extLst>
+                  </a:tr>
+                  <a:tr h="436054">
+                    <a:tc>
+                      <a:txBody>
+                        <a:bodyPr/>
+                        <a:lstStyle/>
+                        <a:p>
+                          <a:r>
+                            <a:rPr lang="en-US" sz="1600" dirty="0"/>
+                            <a:t>Inverse Gaussian</a:t>
+                          </a:r>
+                        </a:p>
+                      </a:txBody>
+                      <a:tcPr/>
+                    </a:tc>
+                    <a:tc>
+                      <a:txBody>
+                        <a:bodyPr/>
+                        <a:lstStyle/>
+                        <a:p>
+                          <a:pPr marL="0" marR="0" lvl="0" indent="0" algn="l" defTabSz="342900" rtl="0" eaLnBrk="1" fontAlgn="auto" latinLnBrk="0" hangingPunct="1">
+                            <a:lnSpc>
+                              <a:spcPct val="100000"/>
+                            </a:lnSpc>
+                            <a:spcBef>
+                              <a:spcPts val="0"/>
+                            </a:spcBef>
+                            <a:spcAft>
+                              <a:spcPts val="0"/>
+                            </a:spcAft>
+                            <a:buClrTx/>
+                            <a:buSzTx/>
+                            <a:buFontTx/>
+                            <a:buNone/>
+                            <a:tabLst/>
+                            <a:defRPr/>
+                          </a:pPr>
+                          <a14:m>
+                            <m:oMathPara xmlns:m="http://schemas.openxmlformats.org/officeDocument/2006/math">
+                              <m:oMathParaPr>
+                                <m:jc m:val="centerGroup"/>
+                              </m:oMathParaPr>
+                              <m:oMath xmlns:m="http://schemas.openxmlformats.org/officeDocument/2006/math">
+                                <m:r>
+                                  <a:rPr lang="en-US" sz="1600" b="0" i="1" smtClean="0">
+                                    <a:latin typeface="Cambria Math" panose="02040503050406030204" pitchFamily="18" charset="0"/>
+                                    <a:ea typeface="Cambria Math" panose="02040503050406030204" pitchFamily="18" charset="0"/>
+                                  </a:rPr>
+                                  <m:t>𝑋</m:t>
+                                </m:r>
+                                <m:r>
+                                  <a:rPr lang="en-US" sz="1600" b="0" i="1" smtClean="0">
+                                    <a:latin typeface="Cambria Math" panose="02040503050406030204" pitchFamily="18" charset="0"/>
+                                    <a:ea typeface="Cambria Math" panose="02040503050406030204" pitchFamily="18" charset="0"/>
+                                  </a:rPr>
+                                  <m:t>𝛽</m:t>
+                                </m:r>
+                                <m:r>
+                                  <a:rPr lang="en-US" sz="1600" b="0" i="1" smtClean="0">
+                                    <a:latin typeface="Cambria Math" panose="02040503050406030204" pitchFamily="18" charset="0"/>
+                                    <a:ea typeface="Cambria Math" panose="02040503050406030204" pitchFamily="18" charset="0"/>
+                                  </a:rPr>
+                                  <m:t>=−</m:t>
+                                </m:r>
+                                <m:sSup>
+                                  <m:sSupPr>
+                                    <m:ctrlPr>
+                                      <a:rPr lang="en-US" sz="1600" b="0" i="1" smtClean="0">
+                                        <a:latin typeface="Cambria Math" panose="02040503050406030204" pitchFamily="18" charset="0"/>
+                                        <a:ea typeface="Cambria Math" panose="02040503050406030204" pitchFamily="18" charset="0"/>
+                                      </a:rPr>
+                                    </m:ctrlPr>
+                                  </m:sSupPr>
+                                  <m:e>
+                                    <m:r>
+                                      <a:rPr lang="en-US" sz="1600" b="0" i="1" smtClean="0">
+                                        <a:latin typeface="Cambria Math" panose="02040503050406030204" pitchFamily="18" charset="0"/>
+                                        <a:ea typeface="Cambria Math" panose="02040503050406030204" pitchFamily="18" charset="0"/>
+                                      </a:rPr>
+                                      <m:t>𝜇</m:t>
+                                    </m:r>
+                                  </m:e>
+                                  <m:sup>
+                                    <m:r>
+                                      <a:rPr lang="en-US" sz="1600" b="0" i="1" smtClean="0">
+                                        <a:latin typeface="Cambria Math" panose="02040503050406030204" pitchFamily="18" charset="0"/>
+                                        <a:ea typeface="Cambria Math" panose="02040503050406030204" pitchFamily="18" charset="0"/>
+                                      </a:rPr>
+                                      <m:t>−2</m:t>
+                                    </m:r>
+                                  </m:sup>
+                                </m:sSup>
+                              </m:oMath>
+                            </m:oMathPara>
+                          </a14:m>
+                          <a:endParaRPr lang="en-US" sz="1600" dirty="0"/>
+                        </a:p>
+                      </a:txBody>
+                      <a:tcPr/>
+                    </a:tc>
+                    <a:tc>
+                      <a:txBody>
+                        <a:bodyPr/>
+                        <a:lstStyle/>
+                        <a:p>
+                          <a14:m>
+                            <m:oMathPara xmlns:m="http://schemas.openxmlformats.org/officeDocument/2006/math">
+                              <m:oMathParaPr>
+                                <m:jc m:val="centerGroup"/>
+                              </m:oMathParaPr>
+                              <m:oMath xmlns:m="http://schemas.openxmlformats.org/officeDocument/2006/math">
+                                <m:r>
+                                  <a:rPr lang="en-US" sz="1600" i="1" smtClean="0">
+                                    <a:latin typeface="Cambria Math" panose="02040503050406030204" pitchFamily="18" charset="0"/>
+                                    <a:ea typeface="Cambria Math" panose="02040503050406030204" pitchFamily="18" charset="0"/>
+                                  </a:rPr>
+                                  <m:t>𝜇</m:t>
+                                </m:r>
+                                <m:r>
+                                  <a:rPr lang="en-US" sz="1600" b="0" i="1" smtClean="0">
+                                    <a:latin typeface="Cambria Math" panose="02040503050406030204" pitchFamily="18" charset="0"/>
+                                    <a:ea typeface="Cambria Math" panose="02040503050406030204" pitchFamily="18" charset="0"/>
+                                  </a:rPr>
+                                  <m:t>=</m:t>
+                                </m:r>
+                                <m:sSup>
+                                  <m:sSupPr>
+                                    <m:ctrlPr>
+                                      <a:rPr lang="en-US" sz="1600" b="0" i="1" smtClean="0">
+                                        <a:latin typeface="Cambria Math" panose="02040503050406030204" pitchFamily="18" charset="0"/>
+                                        <a:ea typeface="Cambria Math" panose="02040503050406030204" pitchFamily="18" charset="0"/>
+                                      </a:rPr>
+                                    </m:ctrlPr>
+                                  </m:sSupPr>
+                                  <m:e>
+                                    <m:r>
+                                      <a:rPr lang="en-US" sz="1600" b="0" i="1" smtClean="0">
+                                        <a:latin typeface="Cambria Math" panose="02040503050406030204" pitchFamily="18" charset="0"/>
+                                        <a:ea typeface="Cambria Math" panose="02040503050406030204" pitchFamily="18" charset="0"/>
+                                      </a:rPr>
+                                      <m:t>𝑋</m:t>
+                                    </m:r>
+                                    <m:r>
+                                      <a:rPr lang="en-US" sz="1600" b="0" i="1" smtClean="0">
+                                        <a:latin typeface="Cambria Math" panose="02040503050406030204" pitchFamily="18" charset="0"/>
+                                        <a:ea typeface="Cambria Math" panose="02040503050406030204" pitchFamily="18" charset="0"/>
+                                      </a:rPr>
+                                      <m:t>𝛽</m:t>
+                                    </m:r>
+                                  </m:e>
+                                  <m:sup>
+                                    <m:r>
+                                      <a:rPr lang="en-US" sz="1600" b="0" i="1" smtClean="0">
+                                        <a:latin typeface="Cambria Math" panose="02040503050406030204" pitchFamily="18" charset="0"/>
+                                        <a:ea typeface="Cambria Math" panose="02040503050406030204" pitchFamily="18" charset="0"/>
+                                      </a:rPr>
+                                      <m:t>−1/2</m:t>
+                                    </m:r>
+                                  </m:sup>
+                                </m:sSup>
+                              </m:oMath>
+                            </m:oMathPara>
+                          </a14:m>
+                          <a:endParaRPr lang="en-US" sz="1600" dirty="0"/>
+                        </a:p>
+                      </a:txBody>
+                      <a:tcPr/>
+                    </a:tc>
+                    <a:extLst>
+                      <a:ext uri="{0D108BD9-81ED-4DB2-BD59-A6C34878D82A}">
+                        <a16:rowId xmlns:a16="http://schemas.microsoft.com/office/drawing/2014/main" val="2623063124"/>
+                      </a:ext>
+                    </a:extLst>
+                  </a:tr>
+                  <a:tr h="600853">
+                    <a:tc>
+                      <a:txBody>
+                        <a:bodyPr/>
+                        <a:lstStyle/>
+                        <a:p>
+                          <a:pPr marL="0" marR="0" lvl="0" indent="0" algn="l" defTabSz="342900" rtl="0" eaLnBrk="1" fontAlgn="auto" latinLnBrk="0" hangingPunct="1">
+                            <a:lnSpc>
+                              <a:spcPct val="100000"/>
+                            </a:lnSpc>
+                            <a:spcBef>
+                              <a:spcPts val="0"/>
+                            </a:spcBef>
+                            <a:spcAft>
+                              <a:spcPts val="0"/>
+                            </a:spcAft>
+                            <a:buClrTx/>
+                            <a:buSzTx/>
+                            <a:buFontTx/>
+                            <a:buNone/>
+                            <a:tabLst/>
+                            <a:defRPr/>
+                          </a:pPr>
+                          <a:r>
+                            <a:rPr lang="en-US" sz="1600" dirty="0"/>
+                            <a:t>Bernoulli </a:t>
+                          </a:r>
+                        </a:p>
+                      </a:txBody>
+                      <a:tcPr/>
+                    </a:tc>
+                    <a:tc>
+                      <a:txBody>
+                        <a:bodyPr/>
+                        <a:lstStyle/>
+                        <a:p>
+                          <a14:m>
+                            <m:oMathPara xmlns:m="http://schemas.openxmlformats.org/officeDocument/2006/math">
+                              <m:oMathParaPr>
+                                <m:jc m:val="centerGroup"/>
+                              </m:oMathParaPr>
+                              <m:oMath xmlns:m="http://schemas.openxmlformats.org/officeDocument/2006/math">
+                                <m:r>
+                                  <a:rPr lang="en-US" sz="1600" b="0" i="1" smtClean="0">
+                                    <a:latin typeface="Cambria Math" panose="02040503050406030204" pitchFamily="18" charset="0"/>
+                                  </a:rPr>
+                                  <m:t>𝑋</m:t>
+                                </m:r>
+                                <m:r>
+                                  <a:rPr lang="en-US" sz="1600" b="0" i="1" smtClean="0">
+                                    <a:latin typeface="Cambria Math" panose="02040503050406030204" pitchFamily="18" charset="0"/>
+                                    <a:ea typeface="Cambria Math" panose="02040503050406030204" pitchFamily="18" charset="0"/>
+                                  </a:rPr>
+                                  <m:t>𝛽</m:t>
+                                </m:r>
+                                <m:r>
+                                  <a:rPr lang="en-US" sz="1600" b="0" i="1" smtClean="0">
+                                    <a:latin typeface="Cambria Math" panose="02040503050406030204" pitchFamily="18" charset="0"/>
+                                    <a:ea typeface="Cambria Math" panose="02040503050406030204" pitchFamily="18" charset="0"/>
+                                  </a:rPr>
+                                  <m:t>=</m:t>
+                                </m:r>
+                                <m:r>
+                                  <a:rPr lang="en-US" sz="1600" b="0" i="1" smtClean="0">
+                                    <a:latin typeface="Cambria Math" panose="02040503050406030204" pitchFamily="18" charset="0"/>
+                                    <a:ea typeface="Cambria Math" panose="02040503050406030204" pitchFamily="18" charset="0"/>
+                                  </a:rPr>
+                                  <m:t>𝑙𝑛</m:t>
+                                </m:r>
+                                <m:d>
+                                  <m:dPr>
+                                    <m:ctrlPr>
+                                      <a:rPr lang="en-US" sz="1600" b="0" i="1" smtClean="0">
+                                        <a:latin typeface="Cambria Math" panose="02040503050406030204" pitchFamily="18" charset="0"/>
+                                        <a:ea typeface="Cambria Math" panose="02040503050406030204" pitchFamily="18" charset="0"/>
+                                      </a:rPr>
+                                    </m:ctrlPr>
+                                  </m:dPr>
+                                  <m:e>
+                                    <m:f>
+                                      <m:fPr>
+                                        <m:ctrlPr>
+                                          <a:rPr lang="en-US" sz="1600" b="0" i="1" smtClean="0">
+                                            <a:latin typeface="Cambria Math" panose="02040503050406030204" pitchFamily="18" charset="0"/>
+                                            <a:ea typeface="Cambria Math" panose="02040503050406030204" pitchFamily="18" charset="0"/>
+                                          </a:rPr>
+                                        </m:ctrlPr>
+                                      </m:fPr>
+                                      <m:num>
+                                        <m:r>
+                                          <a:rPr lang="en-US" sz="1600" b="0" i="1" smtClean="0">
+                                            <a:latin typeface="Cambria Math" panose="02040503050406030204" pitchFamily="18" charset="0"/>
+                                            <a:ea typeface="Cambria Math" panose="02040503050406030204" pitchFamily="18" charset="0"/>
+                                          </a:rPr>
+                                          <m:t>𝑢</m:t>
+                                        </m:r>
+                                      </m:num>
+                                      <m:den>
+                                        <m:r>
+                                          <a:rPr lang="en-US" sz="1600" b="0" i="1" smtClean="0">
+                                            <a:latin typeface="Cambria Math" panose="02040503050406030204" pitchFamily="18" charset="0"/>
+                                            <a:ea typeface="Cambria Math" panose="02040503050406030204" pitchFamily="18" charset="0"/>
+                                          </a:rPr>
+                                          <m:t>1−</m:t>
+                                        </m:r>
+                                        <m:r>
+                                          <a:rPr lang="en-US" sz="1600" b="0" i="1" smtClean="0">
+                                            <a:latin typeface="Cambria Math" panose="02040503050406030204" pitchFamily="18" charset="0"/>
+                                            <a:ea typeface="Cambria Math" panose="02040503050406030204" pitchFamily="18" charset="0"/>
+                                          </a:rPr>
+                                          <m:t>𝜇</m:t>
+                                        </m:r>
+                                      </m:den>
+                                    </m:f>
+                                  </m:e>
+                                </m:d>
+                              </m:oMath>
+                            </m:oMathPara>
+                          </a14:m>
+                          <a:endParaRPr lang="en-US" sz="1600" dirty="0"/>
+                        </a:p>
+                      </a:txBody>
+                      <a:tcPr/>
+                    </a:tc>
+                    <a:tc>
+                      <a:txBody>
+                        <a:bodyPr/>
+                        <a:lstStyle/>
+                        <a:p>
+                          <a14:m>
+                            <m:oMathPara xmlns:m="http://schemas.openxmlformats.org/officeDocument/2006/math">
+                              <m:oMathParaPr>
+                                <m:jc m:val="centerGroup"/>
+                              </m:oMathParaPr>
+                              <m:oMath xmlns:m="http://schemas.openxmlformats.org/officeDocument/2006/math">
+                                <m:r>
+                                  <a:rPr lang="en-US" sz="1600" i="1" smtClean="0">
+                                    <a:latin typeface="Cambria Math" panose="02040503050406030204" pitchFamily="18" charset="0"/>
+                                    <a:ea typeface="Cambria Math" panose="02040503050406030204" pitchFamily="18" charset="0"/>
+                                  </a:rPr>
+                                  <m:t>𝜇</m:t>
+                                </m:r>
+                                <m:r>
+                                  <a:rPr lang="en-US" sz="1600" b="0" i="1" smtClean="0">
+                                    <a:latin typeface="Cambria Math" panose="02040503050406030204" pitchFamily="18" charset="0"/>
+                                    <a:ea typeface="Cambria Math" panose="02040503050406030204" pitchFamily="18" charset="0"/>
+                                  </a:rPr>
+                                  <m:t>=</m:t>
+                                </m:r>
+                                <m:f>
+                                  <m:fPr>
+                                    <m:ctrlPr>
+                                      <a:rPr lang="en-US" sz="1600" b="0" i="1" smtClean="0">
+                                        <a:latin typeface="Cambria Math" panose="02040503050406030204" pitchFamily="18" charset="0"/>
+                                        <a:ea typeface="Cambria Math" panose="02040503050406030204" pitchFamily="18" charset="0"/>
+                                      </a:rPr>
+                                    </m:ctrlPr>
+                                  </m:fPr>
+                                  <m:num>
+                                    <m:r>
+                                      <a:rPr lang="en-US" sz="1600" b="0" i="1" smtClean="0">
+                                        <a:latin typeface="Cambria Math" panose="02040503050406030204" pitchFamily="18" charset="0"/>
+                                        <a:ea typeface="Cambria Math" panose="02040503050406030204" pitchFamily="18" charset="0"/>
+                                      </a:rPr>
+                                      <m:t>1</m:t>
+                                    </m:r>
+                                  </m:num>
+                                  <m:den>
+                                    <m:r>
+                                      <a:rPr lang="en-US" sz="1600" b="0" i="1" smtClean="0">
+                                        <a:latin typeface="Cambria Math" panose="02040503050406030204" pitchFamily="18" charset="0"/>
+                                        <a:ea typeface="Cambria Math" panose="02040503050406030204" pitchFamily="18" charset="0"/>
+                                      </a:rPr>
+                                      <m:t>1+</m:t>
+                                    </m:r>
+                                    <m:r>
+                                      <a:rPr lang="en-US" sz="1600" b="0" i="1" smtClean="0">
+                                        <a:latin typeface="Cambria Math" panose="02040503050406030204" pitchFamily="18" charset="0"/>
+                                        <a:ea typeface="Cambria Math" panose="02040503050406030204" pitchFamily="18" charset="0"/>
+                                      </a:rPr>
+                                      <m:t>𝑒𝑥𝑝</m:t>
+                                    </m:r>
+                                    <m:d>
+                                      <m:dPr>
+                                        <m:ctrlPr>
+                                          <a:rPr lang="en-US" sz="1600" b="0" i="1" smtClean="0">
+                                            <a:latin typeface="Cambria Math" panose="02040503050406030204" pitchFamily="18" charset="0"/>
+                                            <a:ea typeface="Cambria Math" panose="02040503050406030204" pitchFamily="18" charset="0"/>
+                                          </a:rPr>
+                                        </m:ctrlPr>
+                                      </m:dPr>
+                                      <m:e>
+                                        <m:r>
+                                          <a:rPr lang="en-US" sz="1600" b="0" i="1" smtClean="0">
+                                            <a:latin typeface="Cambria Math" panose="02040503050406030204" pitchFamily="18" charset="0"/>
+                                            <a:ea typeface="Cambria Math" panose="02040503050406030204" pitchFamily="18" charset="0"/>
+                                          </a:rPr>
+                                          <m:t>−</m:t>
+                                        </m:r>
+                                        <m:r>
+                                          <a:rPr lang="en-US" sz="1600" b="0" i="1" smtClean="0">
+                                            <a:latin typeface="Cambria Math" panose="02040503050406030204" pitchFamily="18" charset="0"/>
+                                          </a:rPr>
+                                          <m:t>𝑋</m:t>
+                                        </m:r>
+                                        <m:r>
+                                          <a:rPr lang="en-US" sz="1600" b="0" i="1" smtClean="0">
+                                            <a:latin typeface="Cambria Math" panose="02040503050406030204" pitchFamily="18" charset="0"/>
+                                            <a:ea typeface="Cambria Math" panose="02040503050406030204" pitchFamily="18" charset="0"/>
+                                          </a:rPr>
+                                          <m:t>𝛽</m:t>
+                                        </m:r>
+                                      </m:e>
+                                    </m:d>
+                                  </m:den>
+                                </m:f>
+                              </m:oMath>
+                            </m:oMathPara>
+                          </a14:m>
+                          <a:endParaRPr lang="en-US" sz="1600" dirty="0"/>
+                        </a:p>
+                      </a:txBody>
+                      <a:tcPr/>
+                    </a:tc>
+                    <a:extLst>
+                      <a:ext uri="{0D108BD9-81ED-4DB2-BD59-A6C34878D82A}">
+                        <a16:rowId xmlns:a16="http://schemas.microsoft.com/office/drawing/2014/main" val="4067432238"/>
+                      </a:ext>
+                    </a:extLst>
+                  </a:tr>
+                  <a:tr h="600853">
+                    <a:tc>
+                      <a:txBody>
+                        <a:bodyPr/>
+                        <a:lstStyle/>
+                        <a:p>
+                          <a:pPr marL="0" marR="0" lvl="0" indent="0" algn="l" defTabSz="342900" rtl="0" eaLnBrk="1" fontAlgn="auto" latinLnBrk="0" hangingPunct="1">
+                            <a:lnSpc>
+                              <a:spcPct val="100000"/>
+                            </a:lnSpc>
+                            <a:spcBef>
+                              <a:spcPts val="0"/>
+                            </a:spcBef>
+                            <a:spcAft>
+                              <a:spcPts val="0"/>
+                            </a:spcAft>
+                            <a:buClrTx/>
+                            <a:buSzTx/>
+                            <a:buFontTx/>
+                            <a:buNone/>
+                            <a:tabLst/>
+                            <a:defRPr/>
+                          </a:pPr>
+                          <a:r>
+                            <a:rPr lang="en-US" sz="1600" dirty="0"/>
+                            <a:t>Binomial</a:t>
+                          </a:r>
+                        </a:p>
+                      </a:txBody>
+                      <a:tcPr/>
+                    </a:tc>
+                    <a:tc>
+                      <a:txBody>
+                        <a:bodyPr/>
+                        <a:lstStyle/>
+                        <a:p>
+                          <a:pPr/>
+                          <a14:m>
+                            <m:oMathPara xmlns:m="http://schemas.openxmlformats.org/officeDocument/2006/math">
+                              <m:oMathParaPr>
+                                <m:jc m:val="centerGroup"/>
+                              </m:oMathParaPr>
+                              <m:oMath xmlns:m="http://schemas.openxmlformats.org/officeDocument/2006/math">
+                                <m:r>
+                                  <a:rPr lang="en-US" sz="1600" b="0" i="1" smtClean="0">
+                                    <a:latin typeface="Cambria Math" panose="02040503050406030204" pitchFamily="18" charset="0"/>
+                                  </a:rPr>
+                                  <m:t>𝑋</m:t>
+                                </m:r>
+                                <m:r>
+                                  <a:rPr lang="en-US" sz="1600" b="0" i="1" smtClean="0">
+                                    <a:latin typeface="Cambria Math" panose="02040503050406030204" pitchFamily="18" charset="0"/>
+                                    <a:ea typeface="Cambria Math" panose="02040503050406030204" pitchFamily="18" charset="0"/>
+                                  </a:rPr>
+                                  <m:t>𝛽</m:t>
+                                </m:r>
+                                <m:r>
+                                  <a:rPr lang="en-US" sz="1600" b="0" i="1" smtClean="0">
+                                    <a:latin typeface="Cambria Math" panose="02040503050406030204" pitchFamily="18" charset="0"/>
+                                    <a:ea typeface="Cambria Math" panose="02040503050406030204" pitchFamily="18" charset="0"/>
+                                  </a:rPr>
+                                  <m:t>=</m:t>
+                                </m:r>
+                                <m:r>
+                                  <a:rPr lang="en-US" sz="1600" b="0" i="1" smtClean="0">
+                                    <a:latin typeface="Cambria Math" panose="02040503050406030204" pitchFamily="18" charset="0"/>
+                                    <a:ea typeface="Cambria Math" panose="02040503050406030204" pitchFamily="18" charset="0"/>
+                                  </a:rPr>
+                                  <m:t>𝑙𝑛</m:t>
+                                </m:r>
+                                <m:d>
+                                  <m:dPr>
+                                    <m:ctrlPr>
+                                      <a:rPr lang="en-US" sz="1600" b="0" i="1" smtClean="0">
+                                        <a:latin typeface="Cambria Math" panose="02040503050406030204" pitchFamily="18" charset="0"/>
+                                        <a:ea typeface="Cambria Math" panose="02040503050406030204" pitchFamily="18" charset="0"/>
+                                      </a:rPr>
+                                    </m:ctrlPr>
+                                  </m:dPr>
+                                  <m:e>
+                                    <m:f>
+                                      <m:fPr>
+                                        <m:ctrlPr>
+                                          <a:rPr lang="en-US" sz="1600" b="0" i="1" smtClean="0">
+                                            <a:latin typeface="Cambria Math" panose="02040503050406030204" pitchFamily="18" charset="0"/>
+                                            <a:ea typeface="Cambria Math" panose="02040503050406030204" pitchFamily="18" charset="0"/>
+                                          </a:rPr>
+                                        </m:ctrlPr>
+                                      </m:fPr>
+                                      <m:num>
+                                        <m:r>
+                                          <a:rPr lang="en-US" sz="1600" b="0" i="1" smtClean="0">
+                                            <a:latin typeface="Cambria Math" panose="02040503050406030204" pitchFamily="18" charset="0"/>
+                                            <a:ea typeface="Cambria Math" panose="02040503050406030204" pitchFamily="18" charset="0"/>
+                                          </a:rPr>
+                                          <m:t>𝑢</m:t>
+                                        </m:r>
+                                      </m:num>
+                                      <m:den>
+                                        <m:r>
+                                          <a:rPr lang="en-US" sz="1600" b="0" i="1" smtClean="0">
+                                            <a:latin typeface="Cambria Math" panose="02040503050406030204" pitchFamily="18" charset="0"/>
+                                            <a:ea typeface="Cambria Math" panose="02040503050406030204" pitchFamily="18" charset="0"/>
+                                          </a:rPr>
+                                          <m:t>𝑛</m:t>
+                                        </m:r>
+                                        <m:r>
+                                          <a:rPr lang="en-US" sz="1600" b="0" i="1" smtClean="0">
+                                            <a:latin typeface="Cambria Math" panose="02040503050406030204" pitchFamily="18" charset="0"/>
+                                            <a:ea typeface="Cambria Math" panose="02040503050406030204" pitchFamily="18" charset="0"/>
+                                          </a:rPr>
+                                          <m:t>−</m:t>
+                                        </m:r>
+                                        <m:r>
+                                          <a:rPr lang="en-US" sz="1600" b="0" i="1" smtClean="0">
+                                            <a:latin typeface="Cambria Math" panose="02040503050406030204" pitchFamily="18" charset="0"/>
+                                            <a:ea typeface="Cambria Math" panose="02040503050406030204" pitchFamily="18" charset="0"/>
+                                          </a:rPr>
+                                          <m:t>𝜇</m:t>
+                                        </m:r>
+                                      </m:den>
+                                    </m:f>
+                                  </m:e>
+                                </m:d>
+                              </m:oMath>
+                            </m:oMathPara>
+                          </a14:m>
+                          <a:endParaRPr lang="en-US" sz="1600" dirty="0"/>
+                        </a:p>
+                      </a:txBody>
+                      <a:tcPr/>
+                    </a:tc>
+                    <a:tc>
+                      <a:txBody>
+                        <a:bodyPr/>
+                        <a:lstStyle/>
+                        <a:p>
+                          <a:pPr/>
+                          <a14:m>
+                            <m:oMathPara xmlns:m="http://schemas.openxmlformats.org/officeDocument/2006/math">
+                              <m:oMathParaPr>
+                                <m:jc m:val="centerGroup"/>
+                              </m:oMathParaPr>
+                              <m:oMath xmlns:m="http://schemas.openxmlformats.org/officeDocument/2006/math">
+                                <m:r>
+                                  <a:rPr lang="en-US" sz="1600" i="1" smtClean="0">
+                                    <a:latin typeface="Cambria Math" panose="02040503050406030204" pitchFamily="18" charset="0"/>
+                                    <a:ea typeface="Cambria Math" panose="02040503050406030204" pitchFamily="18" charset="0"/>
+                                  </a:rPr>
+                                  <m:t>𝜇</m:t>
+                                </m:r>
+                                <m:r>
+                                  <a:rPr lang="en-US" sz="1600" b="0" i="1" smtClean="0">
+                                    <a:latin typeface="Cambria Math" panose="02040503050406030204" pitchFamily="18" charset="0"/>
+                                    <a:ea typeface="Cambria Math" panose="02040503050406030204" pitchFamily="18" charset="0"/>
+                                  </a:rPr>
+                                  <m:t>=</m:t>
+                                </m:r>
+                                <m:f>
+                                  <m:fPr>
+                                    <m:ctrlPr>
+                                      <a:rPr lang="en-US" sz="1600" b="0" i="1" smtClean="0">
+                                        <a:latin typeface="Cambria Math" panose="02040503050406030204" pitchFamily="18" charset="0"/>
+                                        <a:ea typeface="Cambria Math" panose="02040503050406030204" pitchFamily="18" charset="0"/>
+                                      </a:rPr>
+                                    </m:ctrlPr>
+                                  </m:fPr>
+                                  <m:num>
+                                    <m:r>
+                                      <a:rPr lang="en-US" sz="1600" b="0" i="1" smtClean="0">
+                                        <a:latin typeface="Cambria Math" panose="02040503050406030204" pitchFamily="18" charset="0"/>
+                                        <a:ea typeface="Cambria Math" panose="02040503050406030204" pitchFamily="18" charset="0"/>
+                                      </a:rPr>
+                                      <m:t>1</m:t>
+                                    </m:r>
+                                  </m:num>
+                                  <m:den>
+                                    <m:r>
+                                      <a:rPr lang="en-US" sz="1600" b="0" i="1" smtClean="0">
+                                        <a:latin typeface="Cambria Math" panose="02040503050406030204" pitchFamily="18" charset="0"/>
+                                        <a:ea typeface="Cambria Math" panose="02040503050406030204" pitchFamily="18" charset="0"/>
+                                      </a:rPr>
+                                      <m:t>1+</m:t>
+                                    </m:r>
+                                    <m:r>
+                                      <a:rPr lang="en-US" sz="1600" b="0" i="1" smtClean="0">
+                                        <a:latin typeface="Cambria Math" panose="02040503050406030204" pitchFamily="18" charset="0"/>
+                                        <a:ea typeface="Cambria Math" panose="02040503050406030204" pitchFamily="18" charset="0"/>
+                                      </a:rPr>
+                                      <m:t>𝑒𝑥𝑝</m:t>
+                                    </m:r>
+                                    <m:d>
+                                      <m:dPr>
+                                        <m:ctrlPr>
+                                          <a:rPr lang="en-US" sz="1600" b="0" i="1" smtClean="0">
+                                            <a:latin typeface="Cambria Math" panose="02040503050406030204" pitchFamily="18" charset="0"/>
+                                            <a:ea typeface="Cambria Math" panose="02040503050406030204" pitchFamily="18" charset="0"/>
+                                          </a:rPr>
+                                        </m:ctrlPr>
+                                      </m:dPr>
+                                      <m:e>
+                                        <m:r>
+                                          <a:rPr lang="en-US" sz="1600" b="0" i="1" smtClean="0">
+                                            <a:latin typeface="Cambria Math" panose="02040503050406030204" pitchFamily="18" charset="0"/>
+                                            <a:ea typeface="Cambria Math" panose="02040503050406030204" pitchFamily="18" charset="0"/>
+                                          </a:rPr>
+                                          <m:t>−</m:t>
+                                        </m:r>
+                                        <m:r>
+                                          <a:rPr lang="en-US" sz="1600" b="0" i="1" smtClean="0">
+                                            <a:latin typeface="Cambria Math" panose="02040503050406030204" pitchFamily="18" charset="0"/>
+                                          </a:rPr>
+                                          <m:t>𝑋</m:t>
+                                        </m:r>
+                                        <m:r>
+                                          <a:rPr lang="en-US" sz="1600" b="0" i="1" smtClean="0">
+                                            <a:latin typeface="Cambria Math" panose="02040503050406030204" pitchFamily="18" charset="0"/>
+                                            <a:ea typeface="Cambria Math" panose="02040503050406030204" pitchFamily="18" charset="0"/>
+                                          </a:rPr>
+                                          <m:t>𝛽</m:t>
+                                        </m:r>
+                                      </m:e>
+                                    </m:d>
+                                  </m:den>
+                                </m:f>
+                              </m:oMath>
+                            </m:oMathPara>
+                          </a14:m>
+                          <a:endParaRPr lang="en-US" sz="1600" dirty="0"/>
+                        </a:p>
+                      </a:txBody>
+                      <a:tcPr/>
+                    </a:tc>
+                    <a:extLst>
+                      <a:ext uri="{0D108BD9-81ED-4DB2-BD59-A6C34878D82A}">
+                        <a16:rowId xmlns:a16="http://schemas.microsoft.com/office/drawing/2014/main" val="1873166096"/>
+                      </a:ext>
+                    </a:extLst>
+                  </a:tr>
+                  <a:tr h="600853">
+                    <a:tc>
+                      <a:txBody>
+                        <a:bodyPr/>
+                        <a:lstStyle/>
+                        <a:p>
+                          <a:r>
+                            <a:rPr lang="en-US" sz="1600" dirty="0"/>
+                            <a:t>Categorical</a:t>
+                          </a:r>
+                        </a:p>
+                      </a:txBody>
+                      <a:tcPr/>
+                    </a:tc>
+                    <a:tc>
+                      <a:txBody>
+                        <a:bodyPr/>
+                        <a:lstStyle/>
+                        <a:p>
+                          <a:pPr/>
+                          <a14:m>
+                            <m:oMathPara xmlns:m="http://schemas.openxmlformats.org/officeDocument/2006/math">
+                              <m:oMathParaPr>
+                                <m:jc m:val="centerGroup"/>
+                              </m:oMathParaPr>
+                              <m:oMath xmlns:m="http://schemas.openxmlformats.org/officeDocument/2006/math">
+                                <m:r>
+                                  <a:rPr lang="en-US" sz="1600" b="0" i="1" smtClean="0">
+                                    <a:latin typeface="Cambria Math" panose="02040503050406030204" pitchFamily="18" charset="0"/>
+                                  </a:rPr>
+                                  <m:t>𝑋</m:t>
+                                </m:r>
+                                <m:r>
+                                  <a:rPr lang="en-US" sz="1600" b="0" i="1" smtClean="0">
+                                    <a:latin typeface="Cambria Math" panose="02040503050406030204" pitchFamily="18" charset="0"/>
+                                    <a:ea typeface="Cambria Math" panose="02040503050406030204" pitchFamily="18" charset="0"/>
+                                  </a:rPr>
+                                  <m:t>𝛽</m:t>
+                                </m:r>
+                                <m:r>
+                                  <a:rPr lang="en-US" sz="1600" b="0" i="1" smtClean="0">
+                                    <a:latin typeface="Cambria Math" panose="02040503050406030204" pitchFamily="18" charset="0"/>
+                                    <a:ea typeface="Cambria Math" panose="02040503050406030204" pitchFamily="18" charset="0"/>
+                                  </a:rPr>
+                                  <m:t>=</m:t>
+                                </m:r>
+                                <m:r>
+                                  <a:rPr lang="en-US" sz="1600" b="0" i="1" smtClean="0">
+                                    <a:latin typeface="Cambria Math" panose="02040503050406030204" pitchFamily="18" charset="0"/>
+                                    <a:ea typeface="Cambria Math" panose="02040503050406030204" pitchFamily="18" charset="0"/>
+                                  </a:rPr>
+                                  <m:t>𝑙𝑛</m:t>
+                                </m:r>
+                                <m:d>
+                                  <m:dPr>
+                                    <m:ctrlPr>
+                                      <a:rPr lang="en-US" sz="1600" b="0" i="1" smtClean="0">
+                                        <a:latin typeface="Cambria Math" panose="02040503050406030204" pitchFamily="18" charset="0"/>
+                                        <a:ea typeface="Cambria Math" panose="02040503050406030204" pitchFamily="18" charset="0"/>
+                                      </a:rPr>
+                                    </m:ctrlPr>
+                                  </m:dPr>
+                                  <m:e>
+                                    <m:f>
+                                      <m:fPr>
+                                        <m:ctrlPr>
+                                          <a:rPr lang="en-US" sz="1600" b="0" i="1" smtClean="0">
+                                            <a:latin typeface="Cambria Math" panose="02040503050406030204" pitchFamily="18" charset="0"/>
+                                            <a:ea typeface="Cambria Math" panose="02040503050406030204" pitchFamily="18" charset="0"/>
+                                          </a:rPr>
+                                        </m:ctrlPr>
+                                      </m:fPr>
+                                      <m:num>
+                                        <m:r>
+                                          <a:rPr lang="en-US" sz="1600" b="0" i="1" smtClean="0">
+                                            <a:latin typeface="Cambria Math" panose="02040503050406030204" pitchFamily="18" charset="0"/>
+                                            <a:ea typeface="Cambria Math" panose="02040503050406030204" pitchFamily="18" charset="0"/>
+                                          </a:rPr>
+                                          <m:t>𝑢</m:t>
+                                        </m:r>
+                                      </m:num>
+                                      <m:den>
+                                        <m:r>
+                                          <a:rPr lang="en-US" sz="1600" b="0" i="1" smtClean="0">
+                                            <a:latin typeface="Cambria Math" panose="02040503050406030204" pitchFamily="18" charset="0"/>
+                                            <a:ea typeface="Cambria Math" panose="02040503050406030204" pitchFamily="18" charset="0"/>
+                                          </a:rPr>
+                                          <m:t>𝑛</m:t>
+                                        </m:r>
+                                        <m:r>
+                                          <a:rPr lang="en-US" sz="1600" b="0" i="1" smtClean="0">
+                                            <a:latin typeface="Cambria Math" panose="02040503050406030204" pitchFamily="18" charset="0"/>
+                                            <a:ea typeface="Cambria Math" panose="02040503050406030204" pitchFamily="18" charset="0"/>
+                                          </a:rPr>
+                                          <m:t>−</m:t>
+                                        </m:r>
+                                        <m:r>
+                                          <a:rPr lang="en-US" sz="1600" b="0" i="1" smtClean="0">
+                                            <a:latin typeface="Cambria Math" panose="02040503050406030204" pitchFamily="18" charset="0"/>
+                                            <a:ea typeface="Cambria Math" panose="02040503050406030204" pitchFamily="18" charset="0"/>
+                                          </a:rPr>
+                                          <m:t>𝜇</m:t>
+                                        </m:r>
+                                      </m:den>
+                                    </m:f>
+                                  </m:e>
+                                </m:d>
+                              </m:oMath>
+                            </m:oMathPara>
+                          </a14:m>
+                          <a:endParaRPr lang="en-US" sz="1600" dirty="0"/>
+                        </a:p>
+                      </a:txBody>
+                      <a:tcPr/>
+                    </a:tc>
+                    <a:tc>
+                      <a:txBody>
+                        <a:bodyPr/>
+                        <a:lstStyle/>
+                        <a:p>
+                          <a:pPr/>
+                          <a14:m>
+                            <m:oMathPara xmlns:m="http://schemas.openxmlformats.org/officeDocument/2006/math">
+                              <m:oMathParaPr>
+                                <m:jc m:val="centerGroup"/>
+                              </m:oMathParaPr>
+                              <m:oMath xmlns:m="http://schemas.openxmlformats.org/officeDocument/2006/math">
+                                <m:r>
+                                  <a:rPr lang="en-US" sz="1600" i="1" smtClean="0">
+                                    <a:latin typeface="Cambria Math" panose="02040503050406030204" pitchFamily="18" charset="0"/>
+                                    <a:ea typeface="Cambria Math" panose="02040503050406030204" pitchFamily="18" charset="0"/>
+                                  </a:rPr>
+                                  <m:t>𝜇</m:t>
+                                </m:r>
+                                <m:r>
+                                  <a:rPr lang="en-US" sz="1600" b="0" i="1" smtClean="0">
+                                    <a:latin typeface="Cambria Math" panose="02040503050406030204" pitchFamily="18" charset="0"/>
+                                    <a:ea typeface="Cambria Math" panose="02040503050406030204" pitchFamily="18" charset="0"/>
+                                  </a:rPr>
+                                  <m:t>=</m:t>
+                                </m:r>
+                                <m:f>
+                                  <m:fPr>
+                                    <m:ctrlPr>
+                                      <a:rPr lang="en-US" sz="1600" b="0" i="1" smtClean="0">
+                                        <a:latin typeface="Cambria Math" panose="02040503050406030204" pitchFamily="18" charset="0"/>
+                                        <a:ea typeface="Cambria Math" panose="02040503050406030204" pitchFamily="18" charset="0"/>
+                                      </a:rPr>
+                                    </m:ctrlPr>
+                                  </m:fPr>
+                                  <m:num>
+                                    <m:r>
+                                      <a:rPr lang="en-US" sz="1600" b="0" i="1" smtClean="0">
+                                        <a:latin typeface="Cambria Math" panose="02040503050406030204" pitchFamily="18" charset="0"/>
+                                        <a:ea typeface="Cambria Math" panose="02040503050406030204" pitchFamily="18" charset="0"/>
+                                      </a:rPr>
+                                      <m:t>1</m:t>
+                                    </m:r>
+                                  </m:num>
+                                  <m:den>
+                                    <m:r>
+                                      <a:rPr lang="en-US" sz="1600" b="0" i="1" smtClean="0">
+                                        <a:latin typeface="Cambria Math" panose="02040503050406030204" pitchFamily="18" charset="0"/>
+                                        <a:ea typeface="Cambria Math" panose="02040503050406030204" pitchFamily="18" charset="0"/>
+                                      </a:rPr>
+                                      <m:t>1+</m:t>
+                                    </m:r>
+                                    <m:r>
+                                      <a:rPr lang="en-US" sz="1600" b="0" i="1" smtClean="0">
+                                        <a:latin typeface="Cambria Math" panose="02040503050406030204" pitchFamily="18" charset="0"/>
+                                        <a:ea typeface="Cambria Math" panose="02040503050406030204" pitchFamily="18" charset="0"/>
+                                      </a:rPr>
+                                      <m:t>𝑒𝑥𝑝</m:t>
+                                    </m:r>
+                                    <m:d>
+                                      <m:dPr>
+                                        <m:ctrlPr>
+                                          <a:rPr lang="en-US" sz="1600" b="0" i="1" smtClean="0">
+                                            <a:latin typeface="Cambria Math" panose="02040503050406030204" pitchFamily="18" charset="0"/>
+                                            <a:ea typeface="Cambria Math" panose="02040503050406030204" pitchFamily="18" charset="0"/>
+                                          </a:rPr>
+                                        </m:ctrlPr>
+                                      </m:dPr>
+                                      <m:e>
+                                        <m:r>
+                                          <a:rPr lang="en-US" sz="1600" b="0" i="1" smtClean="0">
+                                            <a:latin typeface="Cambria Math" panose="02040503050406030204" pitchFamily="18" charset="0"/>
+                                            <a:ea typeface="Cambria Math" panose="02040503050406030204" pitchFamily="18" charset="0"/>
+                                          </a:rPr>
+                                          <m:t>−</m:t>
+                                        </m:r>
+                                        <m:r>
+                                          <a:rPr lang="en-US" sz="1600" b="0" i="1" smtClean="0">
+                                            <a:latin typeface="Cambria Math" panose="02040503050406030204" pitchFamily="18" charset="0"/>
+                                          </a:rPr>
+                                          <m:t>𝑋</m:t>
+                                        </m:r>
+                                        <m:r>
+                                          <a:rPr lang="en-US" sz="1600" b="0" i="1" smtClean="0">
+                                            <a:latin typeface="Cambria Math" panose="02040503050406030204" pitchFamily="18" charset="0"/>
+                                            <a:ea typeface="Cambria Math" panose="02040503050406030204" pitchFamily="18" charset="0"/>
+                                          </a:rPr>
+                                          <m:t>𝛽</m:t>
+                                        </m:r>
+                                      </m:e>
+                                    </m:d>
+                                  </m:den>
+                                </m:f>
+                              </m:oMath>
+                            </m:oMathPara>
+                          </a14:m>
+                          <a:endParaRPr lang="en-US" sz="1600" dirty="0"/>
+                        </a:p>
+                      </a:txBody>
+                      <a:tcPr/>
+                    </a:tc>
+                    <a:extLst>
+                      <a:ext uri="{0D108BD9-81ED-4DB2-BD59-A6C34878D82A}">
+                        <a16:rowId xmlns:a16="http://schemas.microsoft.com/office/drawing/2014/main" val="82618877"/>
+                      </a:ext>
+                    </a:extLst>
+                  </a:tr>
+                  <a:tr h="436054">
+                    <a:tc>
+                      <a:txBody>
+                        <a:bodyPr/>
+                        <a:lstStyle/>
+                        <a:p>
+                          <a:r>
+                            <a:rPr lang="en-US" sz="1600" dirty="0"/>
+                            <a:t>Poisson</a:t>
+                          </a:r>
+                        </a:p>
+                      </a:txBody>
+                      <a:tcPr/>
+                    </a:tc>
+                    <a:tc>
+                      <a:txBody>
+                        <a:bodyPr/>
+                        <a:lstStyle/>
+                        <a:p>
+                          <a14:m>
+                            <m:oMathPara xmlns:m="http://schemas.openxmlformats.org/officeDocument/2006/math">
+                              <m:oMathParaPr>
+                                <m:jc m:val="centerGroup"/>
+                              </m:oMathParaPr>
+                              <m:oMath xmlns:m="http://schemas.openxmlformats.org/officeDocument/2006/math">
+                                <m:r>
+                                  <a:rPr lang="en-US" sz="1600" b="0" i="1" smtClean="0">
+                                    <a:latin typeface="Cambria Math" panose="02040503050406030204" pitchFamily="18" charset="0"/>
+                                  </a:rPr>
+                                  <m:t>𝑋</m:t>
+                                </m:r>
+                                <m:r>
+                                  <a:rPr lang="en-US" sz="1600" b="0" i="1" smtClean="0">
+                                    <a:latin typeface="Cambria Math" panose="02040503050406030204" pitchFamily="18" charset="0"/>
+                                    <a:ea typeface="Cambria Math" panose="02040503050406030204" pitchFamily="18" charset="0"/>
+                                  </a:rPr>
+                                  <m:t>𝛽</m:t>
+                                </m:r>
+                                <m:r>
+                                  <a:rPr lang="en-US" sz="1600" b="0" i="1" smtClean="0">
+                                    <a:latin typeface="Cambria Math" panose="02040503050406030204" pitchFamily="18" charset="0"/>
+                                    <a:ea typeface="Cambria Math" panose="02040503050406030204" pitchFamily="18" charset="0"/>
+                                  </a:rPr>
+                                  <m:t>=</m:t>
+                                </m:r>
+                                <m:r>
+                                  <a:rPr lang="en-US" sz="1600" b="0" i="1" smtClean="0">
+                                    <a:latin typeface="Cambria Math" panose="02040503050406030204" pitchFamily="18" charset="0"/>
+                                    <a:ea typeface="Cambria Math" panose="02040503050406030204" pitchFamily="18" charset="0"/>
+                                  </a:rPr>
+                                  <m:t>𝑙𝑛</m:t>
+                                </m:r>
+                                <m:d>
+                                  <m:dPr>
+                                    <m:ctrlPr>
+                                      <a:rPr lang="en-US" sz="1600" b="0" i="1" smtClean="0">
+                                        <a:latin typeface="Cambria Math" panose="02040503050406030204" pitchFamily="18" charset="0"/>
+                                        <a:ea typeface="Cambria Math" panose="02040503050406030204" pitchFamily="18" charset="0"/>
+                                      </a:rPr>
+                                    </m:ctrlPr>
+                                  </m:dPr>
+                                  <m:e>
+                                    <m:r>
+                                      <a:rPr lang="en-US" sz="1600" b="0" i="1" smtClean="0">
+                                        <a:latin typeface="Cambria Math" panose="02040503050406030204" pitchFamily="18" charset="0"/>
+                                        <a:ea typeface="Cambria Math" panose="02040503050406030204" pitchFamily="18" charset="0"/>
+                                      </a:rPr>
+                                      <m:t>𝑢</m:t>
+                                    </m:r>
+                                  </m:e>
+                                </m:d>
+                              </m:oMath>
+                            </m:oMathPara>
+                          </a14:m>
+                          <a:endParaRPr lang="en-US" sz="1600" dirty="0"/>
+                        </a:p>
+                      </a:txBody>
+                      <a:tcPr/>
+                    </a:tc>
+                    <a:tc>
+                      <a:txBody>
+                        <a:bodyPr/>
+                        <a:lstStyle/>
+                        <a:p>
+                          <a14:m>
+                            <m:oMathPara xmlns:m="http://schemas.openxmlformats.org/officeDocument/2006/math">
+                              <m:oMathParaPr>
+                                <m:jc m:val="centerGroup"/>
+                              </m:oMathParaPr>
+                              <m:oMath xmlns:m="http://schemas.openxmlformats.org/officeDocument/2006/math">
+                                <m:r>
+                                  <a:rPr lang="en-US" sz="1600" i="1" smtClean="0">
+                                    <a:latin typeface="Cambria Math" panose="02040503050406030204" pitchFamily="18" charset="0"/>
+                                    <a:ea typeface="Cambria Math" panose="02040503050406030204" pitchFamily="18" charset="0"/>
+                                  </a:rPr>
+                                  <m:t>𝜇</m:t>
+                                </m:r>
+                                <m:r>
+                                  <a:rPr lang="en-US" sz="1600" b="0" i="1" smtClean="0">
+                                    <a:latin typeface="Cambria Math" panose="02040503050406030204" pitchFamily="18" charset="0"/>
+                                    <a:ea typeface="Cambria Math" panose="02040503050406030204" pitchFamily="18" charset="0"/>
+                                  </a:rPr>
+                                  <m:t>=</m:t>
+                                </m:r>
+                                <m:r>
+                                  <a:rPr lang="en-US" sz="1600" b="0" i="1" smtClean="0">
+                                    <a:latin typeface="Cambria Math" panose="02040503050406030204" pitchFamily="18" charset="0"/>
+                                    <a:ea typeface="Cambria Math" panose="02040503050406030204" pitchFamily="18" charset="0"/>
+                                  </a:rPr>
+                                  <m:t>𝑒𝑥𝑝</m:t>
+                                </m:r>
+                                <m:d>
+                                  <m:dPr>
+                                    <m:ctrlPr>
+                                      <a:rPr lang="en-US" sz="1600" b="0" i="1" smtClean="0">
+                                        <a:latin typeface="Cambria Math" panose="02040503050406030204" pitchFamily="18" charset="0"/>
+                                        <a:ea typeface="Cambria Math" panose="02040503050406030204" pitchFamily="18" charset="0"/>
+                                      </a:rPr>
+                                    </m:ctrlPr>
+                                  </m:dPr>
+                                  <m:e>
+                                    <m:r>
+                                      <a:rPr lang="en-US" sz="1600" b="0" i="1" smtClean="0">
+                                        <a:latin typeface="Cambria Math" panose="02040503050406030204" pitchFamily="18" charset="0"/>
+                                      </a:rPr>
+                                      <m:t>𝑋</m:t>
+                                    </m:r>
+                                    <m:r>
+                                      <a:rPr lang="en-US" sz="1600" b="0" i="1" smtClean="0">
+                                        <a:latin typeface="Cambria Math" panose="02040503050406030204" pitchFamily="18" charset="0"/>
+                                        <a:ea typeface="Cambria Math" panose="02040503050406030204" pitchFamily="18" charset="0"/>
+                                      </a:rPr>
+                                      <m:t>𝛽</m:t>
+                                    </m:r>
+                                  </m:e>
+                                </m:d>
+                              </m:oMath>
+                            </m:oMathPara>
+                          </a14:m>
+                          <a:endParaRPr lang="en-US" sz="1600" dirty="0"/>
+                        </a:p>
+                      </a:txBody>
+                      <a:tcPr/>
+                    </a:tc>
+                    <a:extLst>
+                      <a:ext uri="{0D108BD9-81ED-4DB2-BD59-A6C34878D82A}">
+                        <a16:rowId xmlns:a16="http://schemas.microsoft.com/office/drawing/2014/main" val="2404821180"/>
+                      </a:ext>
+                    </a:extLst>
+                  </a:tr>
+                  <a:tr h="545728">
+                    <a:tc>
+                      <a:txBody>
+                        <a:bodyPr/>
+                        <a:lstStyle/>
+                        <a:p>
+                          <a:r>
+                            <a:rPr lang="en-US" sz="1600" dirty="0"/>
+                            <a:t>Exponential-Gamma</a:t>
+                          </a:r>
+                        </a:p>
+                      </a:txBody>
+                      <a:tcPr/>
+                    </a:tc>
+                    <a:tc>
+                      <a:txBody>
+                        <a:bodyPr/>
+                        <a:lstStyle/>
+                        <a:p>
+                          <a:pPr marL="0" marR="0" lvl="0" indent="0" algn="l" defTabSz="342900" rtl="0" eaLnBrk="1" fontAlgn="auto" latinLnBrk="0" hangingPunct="1">
+                            <a:lnSpc>
+                              <a:spcPct val="100000"/>
+                            </a:lnSpc>
+                            <a:spcBef>
+                              <a:spcPts val="0"/>
+                            </a:spcBef>
+                            <a:spcAft>
+                              <a:spcPts val="0"/>
+                            </a:spcAft>
+                            <a:buClrTx/>
+                            <a:buSzTx/>
+                            <a:buFontTx/>
+                            <a:buNone/>
+                            <a:tabLst/>
+                            <a:defRPr/>
+                          </a:pPr>
+                          <a14:m>
+                            <m:oMathPara xmlns:m="http://schemas.openxmlformats.org/officeDocument/2006/math">
+                              <m:oMathParaPr>
+                                <m:jc m:val="centerGroup"/>
+                              </m:oMathParaPr>
+                              <m:oMath xmlns:m="http://schemas.openxmlformats.org/officeDocument/2006/math">
+                                <m:r>
+                                  <a:rPr lang="en-US" sz="1600" b="0" i="1" smtClean="0">
+                                    <a:latin typeface="Cambria Math" panose="02040503050406030204" pitchFamily="18" charset="0"/>
+                                    <a:ea typeface="Cambria Math" panose="02040503050406030204" pitchFamily="18" charset="0"/>
+                                  </a:rPr>
+                                  <m:t>𝑋</m:t>
+                                </m:r>
+                                <m:r>
+                                  <a:rPr lang="en-US" sz="1600" b="0" i="1" smtClean="0">
+                                    <a:latin typeface="Cambria Math" panose="02040503050406030204" pitchFamily="18" charset="0"/>
+                                    <a:ea typeface="Cambria Math" panose="02040503050406030204" pitchFamily="18" charset="0"/>
+                                  </a:rPr>
+                                  <m:t>𝛽</m:t>
+                                </m:r>
+                                <m:r>
+                                  <a:rPr lang="en-US" sz="1600" b="0" i="1" smtClean="0">
+                                    <a:latin typeface="Cambria Math" panose="02040503050406030204" pitchFamily="18" charset="0"/>
+                                    <a:ea typeface="Cambria Math" panose="02040503050406030204" pitchFamily="18" charset="0"/>
+                                  </a:rPr>
+                                  <m:t>=−</m:t>
+                                </m:r>
+                                <m:sSup>
+                                  <m:sSupPr>
+                                    <m:ctrlPr>
+                                      <a:rPr lang="en-US" sz="1600" b="0" i="1" smtClean="0">
+                                        <a:latin typeface="Cambria Math" panose="02040503050406030204" pitchFamily="18" charset="0"/>
+                                        <a:ea typeface="Cambria Math" panose="02040503050406030204" pitchFamily="18" charset="0"/>
+                                      </a:rPr>
+                                    </m:ctrlPr>
+                                  </m:sSupPr>
+                                  <m:e>
+                                    <m:r>
+                                      <a:rPr lang="en-US" sz="1600" b="0" i="1" smtClean="0">
+                                        <a:latin typeface="Cambria Math" panose="02040503050406030204" pitchFamily="18" charset="0"/>
+                                        <a:ea typeface="Cambria Math" panose="02040503050406030204" pitchFamily="18" charset="0"/>
+                                      </a:rPr>
+                                      <m:t>𝜇</m:t>
+                                    </m:r>
+                                  </m:e>
+                                  <m:sup>
+                                    <m:r>
+                                      <a:rPr lang="en-US" sz="1600" b="0" i="1" smtClean="0">
+                                        <a:latin typeface="Cambria Math" panose="02040503050406030204" pitchFamily="18" charset="0"/>
+                                        <a:ea typeface="Cambria Math" panose="02040503050406030204" pitchFamily="18" charset="0"/>
+                                      </a:rPr>
+                                      <m:t>−1</m:t>
+                                    </m:r>
+                                  </m:sup>
+                                </m:sSup>
+                              </m:oMath>
+                            </m:oMathPara>
+                          </a14:m>
+                          <a:endParaRPr lang="en-US" sz="1600" dirty="0"/>
+                        </a:p>
+                        <a:p>
+                          <a:endParaRPr lang="en-US" sz="1600" dirty="0"/>
+                        </a:p>
+                      </a:txBody>
+                      <a:tcPr/>
+                    </a:tc>
+                    <a:tc>
+                      <a:txBody>
+                        <a:bodyPr/>
+                        <a:lstStyle/>
+                        <a:p>
+                          <a14:m>
+                            <m:oMathPara xmlns:m="http://schemas.openxmlformats.org/officeDocument/2006/math">
+                              <m:oMathParaPr>
+                                <m:jc m:val="centerGroup"/>
+                              </m:oMathParaPr>
+                              <m:oMath xmlns:m="http://schemas.openxmlformats.org/officeDocument/2006/math">
+                                <m:r>
+                                  <a:rPr lang="en-US" sz="1600" i="1" smtClean="0">
+                                    <a:latin typeface="Cambria Math" panose="02040503050406030204" pitchFamily="18" charset="0"/>
+                                    <a:ea typeface="Cambria Math" panose="02040503050406030204" pitchFamily="18" charset="0"/>
+                                  </a:rPr>
+                                  <m:t>𝜇</m:t>
+                                </m:r>
+                                <m:r>
+                                  <a:rPr lang="en-US" sz="1600" b="0" i="1" smtClean="0">
+                                    <a:latin typeface="Cambria Math" panose="02040503050406030204" pitchFamily="18" charset="0"/>
+                                    <a:ea typeface="Cambria Math" panose="02040503050406030204" pitchFamily="18" charset="0"/>
+                                  </a:rPr>
+                                  <m:t>=</m:t>
+                                </m:r>
+                                <m:sSup>
+                                  <m:sSupPr>
+                                    <m:ctrlPr>
+                                      <a:rPr lang="en-US" sz="1600" b="0" i="1" smtClean="0">
+                                        <a:latin typeface="Cambria Math" panose="02040503050406030204" pitchFamily="18" charset="0"/>
+                                        <a:ea typeface="Cambria Math" panose="02040503050406030204" pitchFamily="18" charset="0"/>
+                                      </a:rPr>
+                                    </m:ctrlPr>
+                                  </m:sSupPr>
+                                  <m:e>
+                                    <m:r>
+                                      <a:rPr lang="en-US" sz="1600" b="0" i="1" smtClean="0">
+                                        <a:latin typeface="Cambria Math" panose="02040503050406030204" pitchFamily="18" charset="0"/>
+                                        <a:ea typeface="Cambria Math" panose="02040503050406030204" pitchFamily="18" charset="0"/>
+                                      </a:rPr>
+                                      <m:t>𝑋</m:t>
+                                    </m:r>
+                                    <m:r>
+                                      <a:rPr lang="en-US" sz="1600" b="0" i="1" smtClean="0">
+                                        <a:latin typeface="Cambria Math" panose="02040503050406030204" pitchFamily="18" charset="0"/>
+                                        <a:ea typeface="Cambria Math" panose="02040503050406030204" pitchFamily="18" charset="0"/>
+                                      </a:rPr>
+                                      <m:t>𝛽</m:t>
+                                    </m:r>
+                                  </m:e>
+                                  <m:sup>
+                                    <m:r>
+                                      <a:rPr lang="en-US" sz="1600" b="0" i="1" smtClean="0">
+                                        <a:latin typeface="Cambria Math" panose="02040503050406030204" pitchFamily="18" charset="0"/>
+                                        <a:ea typeface="Cambria Math" panose="02040503050406030204" pitchFamily="18" charset="0"/>
+                                      </a:rPr>
+                                      <m:t>−1</m:t>
+                                    </m:r>
+                                  </m:sup>
+                                </m:sSup>
+                              </m:oMath>
+                            </m:oMathPara>
+                          </a14:m>
+                          <a:endParaRPr lang="en-US" sz="1600" dirty="0"/>
+                        </a:p>
+                      </a:txBody>
+                      <a:tcPr/>
+                    </a:tc>
+                    <a:extLst>
+                      <a:ext uri="{0D108BD9-81ED-4DB2-BD59-A6C34878D82A}">
+                        <a16:rowId xmlns:a16="http://schemas.microsoft.com/office/drawing/2014/main" val="786607252"/>
+                      </a:ext>
+                    </a:extLst>
+                  </a:tr>
+                </a:tbl>
+              </a:graphicData>
+            </a:graphic>
+          </p:graphicFrame>
+        </mc:Choice>
+        <mc:Fallback>
+          <p:graphicFrame>
+            <p:nvGraphicFramePr>
+              <p:cNvPr id="4" name="Table 3">
+                <a:extLst>
+                  <a:ext uri="{FF2B5EF4-FFF2-40B4-BE49-F238E27FC236}">
+                    <a16:creationId xmlns:a16="http://schemas.microsoft.com/office/drawing/2014/main" id="{C3541FB5-ED70-609C-000F-260C1FDFDAA5}"/>
+                  </a:ext>
+                </a:extLst>
+              </p:cNvPr>
+              <p:cNvGraphicFramePr>
+                <a:graphicFrameLocks noGrp="1"/>
+              </p:cNvGraphicFramePr>
+              <p:nvPr>
+                <p:extLst>
+                  <p:ext uri="{D42A27DB-BD31-4B8C-83A1-F6EECF244321}">
+                    <p14:modId xmlns:p14="http://schemas.microsoft.com/office/powerpoint/2010/main" val="1224660765"/>
+                  </p:ext>
+                </p:extLst>
+              </p:nvPr>
+            </p:nvGraphicFramePr>
+            <p:xfrm>
+              <a:off x="2856992" y="731520"/>
+              <a:ext cx="6287010" cy="4384356"/>
+            </p:xfrm>
+            <a:graphic>
+              <a:graphicData uri="http://schemas.openxmlformats.org/drawingml/2006/table">
+                <a:tbl>
+                  <a:tblPr firstRow="1" bandRow="1">
+                    <a:tableStyleId>{5C22544A-7EE6-4342-B048-85BDC9FD1C3A}</a:tableStyleId>
+                  </a:tblPr>
+                  <a:tblGrid>
+                    <a:gridCol w="2095670">
+                      <a:extLst>
+                        <a:ext uri="{9D8B030D-6E8A-4147-A177-3AD203B41FA5}">
+                          <a16:colId xmlns:a16="http://schemas.microsoft.com/office/drawing/2014/main" val="310204747"/>
+                        </a:ext>
+                      </a:extLst>
+                    </a:gridCol>
+                    <a:gridCol w="2095670">
+                      <a:extLst>
+                        <a:ext uri="{9D8B030D-6E8A-4147-A177-3AD203B41FA5}">
+                          <a16:colId xmlns:a16="http://schemas.microsoft.com/office/drawing/2014/main" val="540153062"/>
+                        </a:ext>
+                      </a:extLst>
+                    </a:gridCol>
+                    <a:gridCol w="2095670">
+                      <a:extLst>
+                        <a:ext uri="{9D8B030D-6E8A-4147-A177-3AD203B41FA5}">
+                          <a16:colId xmlns:a16="http://schemas.microsoft.com/office/drawing/2014/main" val="604041901"/>
+                        </a:ext>
+                      </a:extLst>
+                    </a:gridCol>
+                  </a:tblGrid>
+                  <a:tr h="436054">
+                    <a:tc>
+                      <a:txBody>
+                        <a:bodyPr/>
+                        <a:lstStyle/>
+                        <a:p>
+                          <a:pPr algn="ctr"/>
+                          <a:r>
+                            <a:rPr lang="en-US" sz="1600" b="1" dirty="0">
+                              <a:solidFill>
+                                <a:schemeClr val="tx1"/>
+                              </a:solidFill>
+                            </a:rPr>
+                            <a:t>Distribution</a:t>
+                          </a:r>
+                        </a:p>
+                      </a:txBody>
+                      <a:tcPr/>
+                    </a:tc>
+                    <a:tc>
+                      <a:txBody>
+                        <a:bodyPr/>
+                        <a:lstStyle/>
+                        <a:p>
+                          <a:pPr algn="ctr"/>
+                          <a:r>
+                            <a:rPr lang="en-US" sz="1600" b="1" dirty="0">
+                              <a:solidFill>
+                                <a:schemeClr val="tx1"/>
+                              </a:solidFill>
+                            </a:rPr>
+                            <a:t>Link Function</a:t>
+                          </a:r>
+                        </a:p>
+                      </a:txBody>
+                      <a:tcPr/>
+                    </a:tc>
+                    <a:tc>
+                      <a:txBody>
+                        <a:bodyPr/>
+                        <a:lstStyle/>
+                        <a:p>
+                          <a:pPr algn="ctr"/>
+                          <a:r>
+                            <a:rPr lang="en-US" sz="1600" b="1" dirty="0">
+                              <a:solidFill>
+                                <a:schemeClr val="tx1"/>
+                              </a:solidFill>
+                            </a:rPr>
+                            <a:t>Inverse Link Function</a:t>
+                          </a:r>
+                        </a:p>
+                      </a:txBody>
+                      <a:tcPr/>
+                    </a:tc>
+                    <a:extLst>
+                      <a:ext uri="{0D108BD9-81ED-4DB2-BD59-A6C34878D82A}">
+                        <a16:rowId xmlns:a16="http://schemas.microsoft.com/office/drawing/2014/main" val="2273534007"/>
+                      </a:ext>
+                    </a:extLst>
+                  </a:tr>
+                  <a:tr h="579120">
+                    <a:tc>
+                      <a:txBody>
+                        <a:bodyPr/>
+                        <a:lstStyle/>
+                        <a:p>
+                          <a:r>
+                            <a:rPr lang="en-US" sz="1600" dirty="0"/>
+                            <a:t>Gaussian</a:t>
+                          </a:r>
+                        </a:p>
+                      </a:txBody>
+                      <a:tcPr/>
+                    </a:tc>
+                    <a:tc>
+                      <a:txBody>
+                        <a:bodyPr/>
+                        <a:lstStyle/>
+                        <a:p>
+                          <a:endParaRPr lang="en-US"/>
+                        </a:p>
+                      </a:txBody>
+                      <a:tcPr>
+                        <a:blipFill>
+                          <a:blip r:embed="rId2"/>
+                          <a:stretch>
+                            <a:fillRect l="-100000" t="-78947" r="-100870" b="-584211"/>
+                          </a:stretch>
+                        </a:blipFill>
+                      </a:tcPr>
+                    </a:tc>
+                    <a:tc>
+                      <a:txBody>
+                        <a:bodyPr/>
+                        <a:lstStyle/>
+                        <a:p>
+                          <a:endParaRPr lang="en-US"/>
+                        </a:p>
+                      </a:txBody>
+                      <a:tcPr>
+                        <a:blipFill>
+                          <a:blip r:embed="rId2"/>
+                          <a:stretch>
+                            <a:fillRect l="-200581" t="-78947" r="-1163" b="-584211"/>
+                          </a:stretch>
+                        </a:blipFill>
+                      </a:tcPr>
+                    </a:tc>
+                    <a:extLst>
+                      <a:ext uri="{0D108BD9-81ED-4DB2-BD59-A6C34878D82A}">
+                        <a16:rowId xmlns:a16="http://schemas.microsoft.com/office/drawing/2014/main" val="1543036880"/>
+                      </a:ext>
+                    </a:extLst>
+                  </a:tr>
+                  <a:tr h="436054">
+                    <a:tc>
+                      <a:txBody>
+                        <a:bodyPr/>
+                        <a:lstStyle/>
+                        <a:p>
+                          <a:r>
+                            <a:rPr lang="en-US" sz="1600" dirty="0"/>
+                            <a:t>Inverse Gaussian</a:t>
+                          </a:r>
+                        </a:p>
+                      </a:txBody>
+                      <a:tcPr/>
+                    </a:tc>
+                    <a:tc>
+                      <a:txBody>
+                        <a:bodyPr/>
+                        <a:lstStyle/>
+                        <a:p>
+                          <a:endParaRPr lang="en-US"/>
+                        </a:p>
+                      </a:txBody>
+                      <a:tcPr>
+                        <a:blipFill>
+                          <a:blip r:embed="rId2"/>
+                          <a:stretch>
+                            <a:fillRect l="-100000" t="-239437" r="-100870" b="-681690"/>
+                          </a:stretch>
+                        </a:blipFill>
+                      </a:tcPr>
+                    </a:tc>
+                    <a:tc>
+                      <a:txBody>
+                        <a:bodyPr/>
+                        <a:lstStyle/>
+                        <a:p>
+                          <a:endParaRPr lang="en-US"/>
+                        </a:p>
+                      </a:txBody>
+                      <a:tcPr>
+                        <a:blipFill>
+                          <a:blip r:embed="rId2"/>
+                          <a:stretch>
+                            <a:fillRect l="-200581" t="-239437" r="-1163" b="-681690"/>
+                          </a:stretch>
+                        </a:blipFill>
+                      </a:tcPr>
+                    </a:tc>
+                    <a:extLst>
+                      <a:ext uri="{0D108BD9-81ED-4DB2-BD59-A6C34878D82A}">
+                        <a16:rowId xmlns:a16="http://schemas.microsoft.com/office/drawing/2014/main" val="2623063124"/>
+                      </a:ext>
+                    </a:extLst>
+                  </a:tr>
+                  <a:tr h="639318">
+                    <a:tc>
+                      <a:txBody>
+                        <a:bodyPr/>
+                        <a:lstStyle/>
+                        <a:p>
+                          <a:pPr marL="0" marR="0" lvl="0" indent="0" algn="l" defTabSz="342900" rtl="0" eaLnBrk="1" fontAlgn="auto" latinLnBrk="0" hangingPunct="1">
+                            <a:lnSpc>
+                              <a:spcPct val="100000"/>
+                            </a:lnSpc>
+                            <a:spcBef>
+                              <a:spcPts val="0"/>
+                            </a:spcBef>
+                            <a:spcAft>
+                              <a:spcPts val="0"/>
+                            </a:spcAft>
+                            <a:buClrTx/>
+                            <a:buSzTx/>
+                            <a:buFontTx/>
+                            <a:buNone/>
+                            <a:tabLst/>
+                            <a:defRPr/>
+                          </a:pPr>
+                          <a:r>
+                            <a:rPr lang="en-US" sz="1600" dirty="0"/>
+                            <a:t>Bernoulli </a:t>
+                          </a:r>
+                        </a:p>
+                      </a:txBody>
+                      <a:tcPr/>
+                    </a:tc>
+                    <a:tc>
+                      <a:txBody>
+                        <a:bodyPr/>
+                        <a:lstStyle/>
+                        <a:p>
+                          <a:endParaRPr lang="en-US"/>
+                        </a:p>
+                      </a:txBody>
+                      <a:tcPr>
+                        <a:blipFill>
+                          <a:blip r:embed="rId2"/>
+                          <a:stretch>
+                            <a:fillRect l="-100000" t="-229524" r="-100870" b="-360952"/>
+                          </a:stretch>
+                        </a:blipFill>
+                      </a:tcPr>
+                    </a:tc>
+                    <a:tc>
+                      <a:txBody>
+                        <a:bodyPr/>
+                        <a:lstStyle/>
+                        <a:p>
+                          <a:endParaRPr lang="en-US"/>
+                        </a:p>
+                      </a:txBody>
+                      <a:tcPr>
+                        <a:blipFill>
+                          <a:blip r:embed="rId2"/>
+                          <a:stretch>
+                            <a:fillRect l="-200581" t="-229524" r="-1163" b="-360952"/>
+                          </a:stretch>
+                        </a:blipFill>
+                      </a:tcPr>
+                    </a:tc>
+                    <a:extLst>
+                      <a:ext uri="{0D108BD9-81ED-4DB2-BD59-A6C34878D82A}">
+                        <a16:rowId xmlns:a16="http://schemas.microsoft.com/office/drawing/2014/main" val="4067432238"/>
+                      </a:ext>
+                    </a:extLst>
+                  </a:tr>
+                  <a:tr h="639318">
+                    <a:tc>
+                      <a:txBody>
+                        <a:bodyPr/>
+                        <a:lstStyle/>
+                        <a:p>
+                          <a:pPr marL="0" marR="0" lvl="0" indent="0" algn="l" defTabSz="342900" rtl="0" eaLnBrk="1" fontAlgn="auto" latinLnBrk="0" hangingPunct="1">
+                            <a:lnSpc>
+                              <a:spcPct val="100000"/>
+                            </a:lnSpc>
+                            <a:spcBef>
+                              <a:spcPts val="0"/>
+                            </a:spcBef>
+                            <a:spcAft>
+                              <a:spcPts val="0"/>
+                            </a:spcAft>
+                            <a:buClrTx/>
+                            <a:buSzTx/>
+                            <a:buFontTx/>
+                            <a:buNone/>
+                            <a:tabLst/>
+                            <a:defRPr/>
+                          </a:pPr>
+                          <a:r>
+                            <a:rPr lang="en-US" sz="1600" dirty="0"/>
+                            <a:t>Binomial</a:t>
+                          </a:r>
+                        </a:p>
+                      </a:txBody>
+                      <a:tcPr/>
+                    </a:tc>
+                    <a:tc>
+                      <a:txBody>
+                        <a:bodyPr/>
+                        <a:lstStyle/>
+                        <a:p>
+                          <a:endParaRPr lang="en-US"/>
+                        </a:p>
+                      </a:txBody>
+                      <a:tcPr>
+                        <a:blipFill>
+                          <a:blip r:embed="rId2"/>
+                          <a:stretch>
+                            <a:fillRect l="-100000" t="-329524" r="-100870" b="-260952"/>
+                          </a:stretch>
+                        </a:blipFill>
+                      </a:tcPr>
+                    </a:tc>
+                    <a:tc>
+                      <a:txBody>
+                        <a:bodyPr/>
+                        <a:lstStyle/>
+                        <a:p>
+                          <a:endParaRPr lang="en-US"/>
+                        </a:p>
+                      </a:txBody>
+                      <a:tcPr>
+                        <a:blipFill>
+                          <a:blip r:embed="rId2"/>
+                          <a:stretch>
+                            <a:fillRect l="-200581" t="-329524" r="-1163" b="-260952"/>
+                          </a:stretch>
+                        </a:blipFill>
+                      </a:tcPr>
+                    </a:tc>
+                    <a:extLst>
+                      <a:ext uri="{0D108BD9-81ED-4DB2-BD59-A6C34878D82A}">
+                        <a16:rowId xmlns:a16="http://schemas.microsoft.com/office/drawing/2014/main" val="1873166096"/>
+                      </a:ext>
+                    </a:extLst>
+                  </a:tr>
+                  <a:tr h="639318">
+                    <a:tc>
+                      <a:txBody>
+                        <a:bodyPr/>
+                        <a:lstStyle/>
+                        <a:p>
+                          <a:r>
+                            <a:rPr lang="en-US" sz="1600" dirty="0"/>
+                            <a:t>Categorical</a:t>
+                          </a:r>
+                        </a:p>
+                      </a:txBody>
+                      <a:tcPr/>
+                    </a:tc>
+                    <a:tc>
+                      <a:txBody>
+                        <a:bodyPr/>
+                        <a:lstStyle/>
+                        <a:p>
+                          <a:endParaRPr lang="en-US"/>
+                        </a:p>
+                      </a:txBody>
+                      <a:tcPr>
+                        <a:blipFill>
+                          <a:blip r:embed="rId2"/>
+                          <a:stretch>
+                            <a:fillRect l="-100000" t="-429524" r="-100870" b="-160952"/>
+                          </a:stretch>
+                        </a:blipFill>
+                      </a:tcPr>
+                    </a:tc>
+                    <a:tc>
+                      <a:txBody>
+                        <a:bodyPr/>
+                        <a:lstStyle/>
+                        <a:p>
+                          <a:endParaRPr lang="en-US"/>
+                        </a:p>
+                      </a:txBody>
+                      <a:tcPr>
+                        <a:blipFill>
+                          <a:blip r:embed="rId2"/>
+                          <a:stretch>
+                            <a:fillRect l="-200581" t="-429524" r="-1163" b="-160952"/>
+                          </a:stretch>
+                        </a:blipFill>
+                      </a:tcPr>
+                    </a:tc>
+                    <a:extLst>
+                      <a:ext uri="{0D108BD9-81ED-4DB2-BD59-A6C34878D82A}">
+                        <a16:rowId xmlns:a16="http://schemas.microsoft.com/office/drawing/2014/main" val="82618877"/>
+                      </a:ext>
+                    </a:extLst>
+                  </a:tr>
+                  <a:tr h="436054">
+                    <a:tc>
+                      <a:txBody>
+                        <a:bodyPr/>
+                        <a:lstStyle/>
+                        <a:p>
+                          <a:r>
+                            <a:rPr lang="en-US" sz="1600" dirty="0"/>
+                            <a:t>Poisson</a:t>
+                          </a:r>
+                        </a:p>
+                      </a:txBody>
+                      <a:tcPr/>
+                    </a:tc>
+                    <a:tc>
+                      <a:txBody>
+                        <a:bodyPr/>
+                        <a:lstStyle/>
+                        <a:p>
+                          <a:endParaRPr lang="en-US"/>
+                        </a:p>
+                      </a:txBody>
+                      <a:tcPr>
+                        <a:blipFill>
+                          <a:blip r:embed="rId2"/>
+                          <a:stretch>
+                            <a:fillRect l="-100000" t="-772222" r="-100870" b="-134722"/>
+                          </a:stretch>
+                        </a:blipFill>
+                      </a:tcPr>
+                    </a:tc>
+                    <a:tc>
+                      <a:txBody>
+                        <a:bodyPr/>
+                        <a:lstStyle/>
+                        <a:p>
+                          <a:endParaRPr lang="en-US"/>
+                        </a:p>
+                      </a:txBody>
+                      <a:tcPr>
+                        <a:blipFill>
+                          <a:blip r:embed="rId2"/>
+                          <a:stretch>
+                            <a:fillRect l="-200581" t="-772222" r="-1163" b="-134722"/>
+                          </a:stretch>
+                        </a:blipFill>
+                      </a:tcPr>
+                    </a:tc>
+                    <a:extLst>
+                      <a:ext uri="{0D108BD9-81ED-4DB2-BD59-A6C34878D82A}">
+                        <a16:rowId xmlns:a16="http://schemas.microsoft.com/office/drawing/2014/main" val="2404821180"/>
+                      </a:ext>
+                    </a:extLst>
+                  </a:tr>
+                  <a:tr h="579120">
+                    <a:tc>
+                      <a:txBody>
+                        <a:bodyPr/>
+                        <a:lstStyle/>
+                        <a:p>
+                          <a:r>
+                            <a:rPr lang="en-US" sz="1600" dirty="0"/>
+                            <a:t>Exponential-Gamma</a:t>
+                          </a:r>
+                        </a:p>
+                      </a:txBody>
+                      <a:tcPr/>
+                    </a:tc>
+                    <a:tc>
+                      <a:txBody>
+                        <a:bodyPr/>
+                        <a:lstStyle/>
+                        <a:p>
+                          <a:endParaRPr lang="en-US"/>
+                        </a:p>
+                      </a:txBody>
+                      <a:tcPr>
+                        <a:blipFill>
+                          <a:blip r:embed="rId2"/>
+                          <a:stretch>
+                            <a:fillRect l="-100000" t="-661053" r="-100870" b="-2105"/>
+                          </a:stretch>
+                        </a:blipFill>
+                      </a:tcPr>
+                    </a:tc>
+                    <a:tc>
+                      <a:txBody>
+                        <a:bodyPr/>
+                        <a:lstStyle/>
+                        <a:p>
+                          <a:endParaRPr lang="en-US"/>
+                        </a:p>
+                      </a:txBody>
+                      <a:tcPr>
+                        <a:blipFill>
+                          <a:blip r:embed="rId2"/>
+                          <a:stretch>
+                            <a:fillRect l="-200581" t="-661053" r="-1163" b="-2105"/>
+                          </a:stretch>
+                        </a:blipFill>
+                      </a:tcPr>
+                    </a:tc>
+                    <a:extLst>
+                      <a:ext uri="{0D108BD9-81ED-4DB2-BD59-A6C34878D82A}">
+                        <a16:rowId xmlns:a16="http://schemas.microsoft.com/office/drawing/2014/main" val="786607252"/>
+                      </a:ext>
+                    </a:extLst>
+                  </a:tr>
+                </a:tbl>
+              </a:graphicData>
+            </a:graphic>
+          </p:graphicFrame>
+        </mc:Fallback>
+      </mc:AlternateContent>
       <p:sp>
         <p:nvSpPr>
-          <p:cNvPr id="4" name="Text Placeholder 3"/>
-          <p:cNvSpPr>
-            <a:spLocks noGrp="1"/>
+          <p:cNvPr id="5" name="Content Placeholder 2">
+            <a:extLst>
+              <a:ext uri="{FF2B5EF4-FFF2-40B4-BE49-F238E27FC236}">
+                <a16:creationId xmlns:a16="http://schemas.microsoft.com/office/drawing/2014/main" id="{58E3A949-63F6-1B7E-6BF9-C1BD5DFDC718}"/>
+              </a:ext>
+            </a:extLst>
+          </p:cNvPr>
+          <p:cNvSpPr txBox="1">
+            <a:spLocks/>
           </p:cNvSpPr>
-          <p:nvPr>
-            <p:ph type="body" sz="half" idx="2"/>
-          </p:nvPr>
+          <p:nvPr/>
         </p:nvSpPr>
-        <p:spPr/>
-        <p:txBody>
-          <a:bodyPr/>
-          <a:lstStyle/>
-          <a:p>
-            <a:pPr marL="0" lvl="0" indent="0">
-              <a:buNone/>
-            </a:pPr>
-            <a:r>
-              <a:t>What does the transformation function look like?</a:t>
-            </a:r>
-          </a:p>
-          <a:p>
-            <a:pPr lvl="0"/>
-            <a:r>
-              <a:t>Consider a simple 1-dimensional case</a:t>
-            </a:r>
-          </a:p>
-          <a:p>
-            <a:pPr marL="0" lvl="0" indent="0">
-              <a:buNone/>
-            </a:pPr>
-            <a14:m xmlns:a14="http://schemas.microsoft.com/office/drawing/2010/main">
-              <m:oMathPara xmlns:m="http://schemas.openxmlformats.org/officeDocument/2006/math">
-                <m:oMathParaPr>
-                  <m:jc m:val="center"/>
-                </m:oMathParaPr>
-                <m:oMath xmlns:m="http://schemas.openxmlformats.org/officeDocument/2006/math">
-                  <m:sSub>
-                    <m:sSubPr>
-                      <m:ctrlPr>
-                        <a:rPr>
-                          <a:latin typeface="Cambria Math" panose="02040503050406030204" pitchFamily="18" charset="0"/>
-                        </a:rPr>
-                      </m:ctrlPr>
-                    </m:sSubPr>
-                    <m:e>
-                      <m:r>
-                        <a:rPr>
-                          <a:latin typeface="Cambria Math" panose="02040503050406030204" pitchFamily="18" charset="0"/>
-                        </a:rPr>
-                        <m:t>𝑦</m:t>
-                      </m:r>
-                    </m:e>
-                    <m:sub>
-                      <m:r>
-                        <a:rPr>
-                          <a:latin typeface="Cambria Math" panose="02040503050406030204" pitchFamily="18" charset="0"/>
-                        </a:rPr>
-                        <m:t>𝑖</m:t>
-                      </m:r>
-                    </m:sub>
-                  </m:sSub>
-                  <m:r>
-                    <a:rPr>
-                      <a:latin typeface="Cambria Math" panose="02040503050406030204" pitchFamily="18" charset="0"/>
-                    </a:rPr>
-                    <m:t>=</m:t>
-                  </m:r>
-                  <m:f>
-                    <m:fPr>
-                      <m:ctrlPr>
-                        <a:rPr i="1">
-                          <a:latin typeface="Cambria Math" panose="02040503050406030204" pitchFamily="18" charset="0"/>
-                        </a:rPr>
-                      </m:ctrlPr>
-                    </m:fPr>
-                    <m:num>
-                      <m:r>
-                        <a:rPr>
-                          <a:latin typeface="Cambria Math" panose="02040503050406030204" pitchFamily="18" charset="0"/>
-                        </a:rPr>
-                        <m:t>1</m:t>
-                      </m:r>
-                    </m:num>
-                    <m:den>
-                      <m:r>
-                        <a:rPr>
-                          <a:latin typeface="Cambria Math" panose="02040503050406030204" pitchFamily="18" charset="0"/>
-                        </a:rPr>
-                        <m:t>1+</m:t>
-                      </m:r>
-                      <m:sSup>
-                        <m:sSupPr>
-                          <m:ctrlPr>
-                            <a:rPr i="1">
-                              <a:latin typeface="Cambria Math" panose="02040503050406030204" pitchFamily="18" charset="0"/>
-                            </a:rPr>
-                          </m:ctrlPr>
-                        </m:sSupPr>
-                        <m:e>
-                          <m:r>
-                            <a:rPr>
-                              <a:latin typeface="Cambria Math" panose="02040503050406030204" pitchFamily="18" charset="0"/>
-                            </a:rPr>
-                            <m:t>𝑒</m:t>
-                          </m:r>
-                        </m:e>
-                        <m:sup>
-                          <m:r>
-                            <a:rPr>
-                              <a:latin typeface="Cambria Math" panose="02040503050406030204" pitchFamily="18" charset="0"/>
-                            </a:rPr>
-                            <m:t>−</m:t>
-                          </m:r>
-                          <m:sSub>
-                            <m:sSubPr>
-                              <m:ctrlPr>
-                                <a:rPr i="1">
-                                  <a:latin typeface="Cambria Math" panose="02040503050406030204" pitchFamily="18" charset="0"/>
-                                </a:rPr>
-                              </m:ctrlPr>
-                            </m:sSubPr>
-                            <m:e>
-                              <m:r>
-                                <a:rPr>
-                                  <a:latin typeface="Cambria Math" panose="02040503050406030204" pitchFamily="18" charset="0"/>
-                                </a:rPr>
-                                <m:t>𝑥</m:t>
-                              </m:r>
-                            </m:e>
-                            <m:sub>
-                              <m:r>
-                                <a:rPr>
-                                  <a:latin typeface="Cambria Math" panose="02040503050406030204" pitchFamily="18" charset="0"/>
-                                </a:rPr>
-                                <m:t>𝑖</m:t>
-                              </m:r>
-                            </m:sub>
-                          </m:sSub>
-                        </m:sup>
-                      </m:sSup>
-                    </m:den>
-                  </m:f>
-                </m:oMath>
-              </m:oMathPara>
-            </a14:m>
-            <a:endParaRPr/>
-          </a:p>
-        </p:txBody>
-      </p:sp>
-      <p:pic>
-        <p:nvPicPr>
-          <p:cNvPr id="3" name="Picture 1" descr="09_GeneralizingTheLinearModel_files/figure-pptx/unnamed-chunk-6-1.png"/>
-          <p:cNvPicPr>
-            <a:picLocks noGrp="1" noChangeAspect="1"/>
-          </p:cNvPicPr>
-          <p:nvPr/>
-        </p:nvPicPr>
-        <p:blipFill>
-          <a:blip r:embed="rId2"/>
-          <a:stretch>
-            <a:fillRect/>
-          </a:stretch>
-        </p:blipFill>
-        <p:spPr bwMode="auto">
+        <p:spPr>
           <a:xfrm>
-            <a:off x="3568700" y="685800"/>
-            <a:ext cx="5105400" cy="3403600"/>
+            <a:off x="333248" y="1093216"/>
+            <a:ext cx="2775712" cy="3974592"/>
           </a:xfrm>
           <a:prstGeom prst="rect">
             <a:avLst/>
           </a:prstGeom>
-          <a:noFill/>
-          <a:ln w="9525">
-            <a:noFill/>
-            <a:headEnd/>
-            <a:tailEnd/>
-          </a:ln>
         </p:spPr>
-      </p:pic>
-    </p:spTree>
-  </p:cSld>
-  <p:clrMapOvr>
-    <a:masterClrMapping/>
-  </p:clrMapOvr>
-</p:sld>
-</file>
-
-<file path=ppt/slides/slide25.xml><?xml version="1.0" encoding="utf-8"?>
-<p:sld xmlns:a="http://schemas.openxmlformats.org/drawingml/2006/main" xmlns:r="http://schemas.openxmlformats.org/officeDocument/2006/relationships" xmlns:p="http://schemas.openxmlformats.org/presentationml/2006/main">
-  <p:cSld>
-    <p:spTree>
-      <p:nvGrpSpPr>
-        <p:cNvPr id="1" name=""/>
-        <p:cNvGrpSpPr/>
-        <p:nvPr/>
-      </p:nvGrpSpPr>
-      <p:grpSpPr>
-        <a:xfrm>
-          <a:off x="0" y="0"/>
-          <a:ext cx="0" cy="0"/>
-          <a:chOff x="0" y="0"/>
-          <a:chExt cx="0" cy="0"/>
-        </a:xfrm>
-      </p:grpSpPr>
-      <p:sp>
-        <p:nvSpPr>
-          <p:cNvPr id="3" name="Content Placeholder 2"/>
-          <p:cNvSpPr>
-            <a:spLocks noGrp="1"/>
-          </p:cNvSpPr>
-          <p:nvPr>
-            <p:ph idx="1"/>
-          </p:nvPr>
-        </p:nvSpPr>
-        <p:spPr/>
         <p:txBody>
-          <a:bodyPr/>
-          <a:lstStyle/>
-          <a:p>
-            <a:pPr marL="0" lvl="0" indent="0">
+          <a:bodyPr vert="horz" lIns="91440" tIns="45720" rIns="91440" bIns="45720" rtlCol="0">
+            <a:normAutofit/>
+          </a:bodyPr>
+          <a:lstStyle>
+            <a:lvl1pPr marL="342900" indent="-342900" algn="l" defTabSz="342900" rtl="0" eaLnBrk="1" latinLnBrk="0" hangingPunct="1">
+              <a:spcBef>
+                <a:spcPct val="20000"/>
+              </a:spcBef>
+              <a:buFont typeface="Arial"/>
+              <a:buChar char="•"/>
+              <a:defRPr sz="2400" kern="1200">
+                <a:solidFill>
+                  <a:schemeClr val="tx1"/>
+                </a:solidFill>
+                <a:latin typeface="+mn-lt"/>
+                <a:ea typeface="+mn-ea"/>
+                <a:cs typeface="+mn-cs"/>
+              </a:defRPr>
+            </a:lvl1pPr>
+            <a:lvl2pPr marL="685800" indent="-342900" algn="l" defTabSz="342900" rtl="0" eaLnBrk="1" latinLnBrk="0" hangingPunct="1">
+              <a:spcBef>
+                <a:spcPct val="20000"/>
+              </a:spcBef>
+              <a:buFont typeface="Arial"/>
+              <a:buChar char="–"/>
+              <a:defRPr sz="2100" kern="1200">
+                <a:solidFill>
+                  <a:schemeClr val="tx1"/>
+                </a:solidFill>
+                <a:latin typeface="+mn-lt"/>
+                <a:ea typeface="+mn-ea"/>
+                <a:cs typeface="+mn-cs"/>
+              </a:defRPr>
+            </a:lvl2pPr>
+            <a:lvl3pPr marL="1028700" indent="-342900" algn="l" defTabSz="342900" rtl="0" eaLnBrk="1" latinLnBrk="0" hangingPunct="1">
+              <a:spcBef>
+                <a:spcPct val="20000"/>
+              </a:spcBef>
+              <a:buFont typeface="Arial"/>
+              <a:buChar char="•"/>
+              <a:defRPr sz="1800" kern="1200">
+                <a:solidFill>
+                  <a:schemeClr val="tx1"/>
+                </a:solidFill>
+                <a:latin typeface="+mn-lt"/>
+                <a:ea typeface="+mn-ea"/>
+                <a:cs typeface="+mn-cs"/>
+              </a:defRPr>
+            </a:lvl3pPr>
+            <a:lvl4pPr marL="1371600" indent="-342900" algn="l" defTabSz="342900" rtl="0" eaLnBrk="1" latinLnBrk="0" hangingPunct="1">
+              <a:spcBef>
+                <a:spcPct val="20000"/>
+              </a:spcBef>
+              <a:buFont typeface="Arial"/>
+              <a:buChar char="–"/>
+              <a:defRPr sz="1500" kern="1200">
+                <a:solidFill>
+                  <a:schemeClr val="tx1"/>
+                </a:solidFill>
+                <a:latin typeface="+mn-lt"/>
+                <a:ea typeface="+mn-ea"/>
+                <a:cs typeface="+mn-cs"/>
+              </a:defRPr>
+            </a:lvl4pPr>
+            <a:lvl5pPr marL="1714500" indent="-342900" algn="l" defTabSz="342900" rtl="0" eaLnBrk="1" latinLnBrk="0" hangingPunct="1">
+              <a:spcBef>
+                <a:spcPct val="20000"/>
+              </a:spcBef>
+              <a:buFont typeface="Arial"/>
+              <a:buChar char="»"/>
+              <a:defRPr sz="1500" kern="1200">
+                <a:solidFill>
+                  <a:schemeClr val="tx1"/>
+                </a:solidFill>
+                <a:latin typeface="+mn-lt"/>
+                <a:ea typeface="+mn-ea"/>
+                <a:cs typeface="+mn-cs"/>
+              </a:defRPr>
+            </a:lvl5pPr>
+            <a:lvl6pPr marL="2057400" indent="-342900" algn="l" defTabSz="342900" rtl="0" eaLnBrk="1" latinLnBrk="0" hangingPunct="1">
+              <a:spcBef>
+                <a:spcPct val="20000"/>
+              </a:spcBef>
+              <a:buFont typeface="Arial"/>
+              <a:buChar char="•"/>
+              <a:defRPr sz="1500" kern="1200">
+                <a:solidFill>
+                  <a:schemeClr val="tx1"/>
+                </a:solidFill>
+                <a:latin typeface="+mn-lt"/>
+                <a:ea typeface="+mn-ea"/>
+                <a:cs typeface="+mn-cs"/>
+              </a:defRPr>
+            </a:lvl6pPr>
+            <a:lvl7pPr marL="2400300" indent="-342900" algn="l" defTabSz="342900" rtl="0" eaLnBrk="1" latinLnBrk="0" hangingPunct="1">
+              <a:spcBef>
+                <a:spcPct val="20000"/>
+              </a:spcBef>
+              <a:buFont typeface="Arial"/>
+              <a:buChar char="•"/>
+              <a:defRPr sz="1500" kern="1200">
+                <a:solidFill>
+                  <a:schemeClr val="tx1"/>
+                </a:solidFill>
+                <a:latin typeface="+mn-lt"/>
+                <a:ea typeface="+mn-ea"/>
+                <a:cs typeface="+mn-cs"/>
+              </a:defRPr>
+            </a:lvl7pPr>
+            <a:lvl8pPr marL="2743200" indent="-342900" algn="l" defTabSz="342900" rtl="0" eaLnBrk="1" latinLnBrk="0" hangingPunct="1">
+              <a:spcBef>
+                <a:spcPct val="20000"/>
+              </a:spcBef>
+              <a:buFont typeface="Arial"/>
+              <a:buChar char="•"/>
+              <a:defRPr sz="1500" kern="1200">
+                <a:solidFill>
+                  <a:schemeClr val="tx1"/>
+                </a:solidFill>
+                <a:latin typeface="+mn-lt"/>
+                <a:ea typeface="+mn-ea"/>
+                <a:cs typeface="+mn-cs"/>
+              </a:defRPr>
+            </a:lvl8pPr>
+            <a:lvl9pPr marL="3086100" indent="-342900" algn="l" defTabSz="342900" rtl="0" eaLnBrk="1" latinLnBrk="0" hangingPunct="1">
+              <a:spcBef>
+                <a:spcPct val="20000"/>
+              </a:spcBef>
+              <a:buFont typeface="Arial"/>
+              <a:buChar char="•"/>
+              <a:defRPr sz="1500" kern="1200">
+                <a:solidFill>
+                  <a:schemeClr val="tx1"/>
+                </a:solidFill>
+                <a:latin typeface="+mn-lt"/>
+                <a:ea typeface="+mn-ea"/>
+                <a:cs typeface="+mn-cs"/>
+              </a:defRPr>
+            </a:lvl9pPr>
+          </a:lstStyle>
+          <a:p>
+            <a:pPr marL="0" indent="0">
               <a:buNone/>
             </a:pPr>
-            <a:endParaRPr/>
-          </a:p>
-          <a:p>
-            <a:pPr lvl="0"/>
-            <a:r>
-              <a:t>The response is bound in the range </a:t>
-            </a:r>
-            <a14:m xmlns:a14="http://schemas.microsoft.com/office/drawing/2010/main">
-              <m:oMath xmlns:m="http://schemas.openxmlformats.org/officeDocument/2006/math">
-                <m:d>
-                  <m:dPr>
-                    <m:begChr m:val="["/>
-                    <m:endChr m:val="]"/>
-                    <m:ctrlPr>
-                      <a:rPr>
-                        <a:latin typeface="Cambria Math" panose="02040503050406030204" pitchFamily="18" charset="0"/>
-                      </a:rPr>
-                    </m:ctrlPr>
-                  </m:dPr>
-                  <m:e>
-                    <m:r>
-                      <a:rPr>
-                        <a:latin typeface="Cambria Math" panose="02040503050406030204" pitchFamily="18" charset="0"/>
-                      </a:rPr>
-                      <m:t>0,1</m:t>
-                    </m:r>
-                  </m:e>
-                </m:d>
-              </m:oMath>
-            </a14:m>
-            <a:endParaRPr/>
-          </a:p>
-          <a:p>
-            <a:pPr lvl="0"/>
-            <a:r>
-              <a:t>We say the logistic transformation </a:t>
-            </a:r>
-            <a:r>
-              <a:rPr b="1"/>
-              <a:t>squashes</a:t>
-            </a:r>
-            <a:r>
-              <a:t> the linear response </a:t>
-            </a:r>
-            <a14:m xmlns:a14="http://schemas.microsoft.com/office/drawing/2010/main">
-              <m:oMath xmlns:m="http://schemas.openxmlformats.org/officeDocument/2006/math">
-                <m:r>
-                  <a:rPr>
-                    <a:latin typeface="Cambria Math" panose="02040503050406030204" pitchFamily="18" charset="0"/>
-                  </a:rPr>
-                  <m:t>𝜆</m:t>
-                </m:r>
-                <m:r>
-                  <a:rPr>
-                    <a:latin typeface="Cambria Math" panose="02040503050406030204" pitchFamily="18" charset="0"/>
-                  </a:rPr>
-                  <m:t>=</m:t>
-                </m:r>
-                <m:r>
-                  <a:rPr>
-                    <a:latin typeface="Cambria Math" panose="02040503050406030204" pitchFamily="18" charset="0"/>
-                  </a:rPr>
-                  <m:t>𝐴</m:t>
-                </m:r>
-                <m:acc>
-                  <m:accPr>
-                    <m:chr m:val="⃗"/>
-                    <m:ctrlPr>
-                      <a:rPr i="1">
-                        <a:latin typeface="Cambria Math" panose="02040503050406030204" pitchFamily="18" charset="0"/>
-                      </a:rPr>
-                    </m:ctrlPr>
-                  </m:accPr>
-                  <m:e>
-                    <m:r>
-                      <a:rPr>
-                        <a:latin typeface="Cambria Math" panose="02040503050406030204" pitchFamily="18" charset="0"/>
-                      </a:rPr>
-                      <m:t>𝑏</m:t>
-                    </m:r>
-                  </m:e>
-                </m:acc>
-              </m:oMath>
-            </a14:m>
-            <a:r>
-              <a:t> to binary, </a:t>
-            </a:r>
-            <a14:m xmlns:a14="http://schemas.microsoft.com/office/drawing/2010/main">
-              <m:oMath xmlns:m="http://schemas.openxmlformats.org/officeDocument/2006/math">
-                <m:d>
-                  <m:dPr>
-                    <m:begChr m:val="["/>
-                    <m:endChr m:val="]"/>
-                    <m:ctrlPr>
-                      <a:rPr>
-                        <a:latin typeface="Cambria Math" panose="02040503050406030204" pitchFamily="18" charset="0"/>
-                      </a:rPr>
-                    </m:ctrlPr>
-                  </m:dPr>
-                  <m:e>
-                    <m:r>
-                      <a:rPr>
-                        <a:latin typeface="Cambria Math" panose="02040503050406030204" pitchFamily="18" charset="0"/>
-                      </a:rPr>
-                      <m:t>0,1</m:t>
-                    </m:r>
-                  </m:e>
-                </m:d>
-              </m:oMath>
-            </a14:m>
-            <a:endParaRPr/>
-          </a:p>
-          <a:p>
-            <a:pPr lvl="0"/>
-            <a:r>
-              <a:t>Can set a </a:t>
-            </a:r>
-            <a:r>
-              <a:rPr b="1"/>
-              <a:t>decision threshold</a:t>
-            </a:r>
-            <a:r>
-              <a:t> for binary response</a:t>
-            </a:r>
-          </a:p>
-          <a:p>
-            <a:pPr lvl="1"/>
-            <a:r>
-              <a:t>Default </a:t>
-            </a:r>
-            <a14:m xmlns:a14="http://schemas.microsoft.com/office/drawing/2010/main">
-              <m:oMath xmlns:m="http://schemas.openxmlformats.org/officeDocument/2006/math">
-                <m:r>
-                  <a:rPr>
-                    <a:latin typeface="Cambria Math" panose="02040503050406030204" pitchFamily="18" charset="0"/>
-                  </a:rPr>
-                  <m:t>=0.5</m:t>
-                </m:r>
-              </m:oMath>
-            </a14:m>
-            <a:endParaRPr/>
+            <a:r>
+              <a:rPr lang="en-US" dirty="0"/>
+              <a:t>Example </a:t>
+            </a:r>
+            <a:r>
+              <a:rPr lang="en-US" dirty="0">
+                <a:hlinkClick r:id="rId3"/>
+              </a:rPr>
+              <a:t>Link functions </a:t>
+            </a:r>
+            <a:endParaRPr lang="en-US" dirty="0"/>
+          </a:p>
+          <a:p>
+            <a:r>
+              <a:rPr lang="en-US" dirty="0"/>
+              <a:t>Supported in </a:t>
+            </a:r>
+            <a:r>
+              <a:rPr lang="en-US" dirty="0" err="1">
+                <a:hlinkClick r:id="rId4"/>
+              </a:rPr>
+              <a:t>statsmodels</a:t>
+            </a:r>
+            <a:endParaRPr lang="en-US" dirty="0">
+              <a:hlinkClick r:id="rId4"/>
+            </a:endParaRPr>
+          </a:p>
+          <a:p>
+            <a:r>
+              <a:rPr lang="en-US" dirty="0"/>
+              <a:t>Supported in </a:t>
+            </a:r>
+            <a:r>
+              <a:rPr lang="en-US" dirty="0">
+                <a:hlinkClick r:id="rId5"/>
+              </a:rPr>
+              <a:t>Scikit-Learn</a:t>
+            </a:r>
+          </a:p>
+          <a:p>
+            <a:pPr marL="0" indent="0">
+              <a:buFont typeface="Arial"/>
+              <a:buNone/>
+            </a:pPr>
+            <a:endParaRPr lang="en-US" dirty="0"/>
           </a:p>
         </p:txBody>
       </p:sp>
@@ -10001,7 +12685,7 @@
         </p:nvGraphicFramePr>
         <p:xfrm>
           <a:off x="3568700" y="203200"/>
-          <a:ext cx="5105400" cy="4381500"/>
+          <a:ext cx="5105400" cy="891540"/>
         </p:xfrm>
         <a:graphic>
           <a:graphicData uri="http://schemas.openxmlformats.org/drawingml/2006/table">
@@ -10236,8 +12920,8 @@
           </a:p>
         </p:txBody>
       </p:sp>
-      <mc:AlternateContent xmlns:mc="http://schemas.openxmlformats.org/markup-compatibility/2006">
-        <mc:Choice xmlns:a14="http://schemas.microsoft.com/office/drawing/2010/main" Requires="a14">
+      <mc:AlternateContent xmlns:mc="http://schemas.openxmlformats.org/markup-compatibility/2006" xmlns:a14="http://schemas.microsoft.com/office/drawing/2010/main">
+        <mc:Choice Requires="a14">
           <p:sp>
             <p:nvSpPr>
               <p:cNvPr id="3" name="Content Placeholder 2"/>
@@ -10349,7 +13033,7 @@
             </p:txBody>
           </p:sp>
         </mc:Choice>
-        <mc:Fallback>
+        <mc:Fallback xmlns="">
           <p:sp>
             <p:nvSpPr>
               <p:cNvPr id="3" name="Content Placeholder 2"/>
@@ -11164,8 +13848,8 @@
           </a:p>
         </p:txBody>
       </p:sp>
-      <mc:AlternateContent xmlns:mc="http://schemas.openxmlformats.org/markup-compatibility/2006">
-        <mc:Choice xmlns:a14="http://schemas.microsoft.com/office/drawing/2010/main" Requires="a14">
+      <mc:AlternateContent xmlns:mc="http://schemas.openxmlformats.org/markup-compatibility/2006" xmlns:a14="http://schemas.microsoft.com/office/drawing/2010/main">
+        <mc:Choice Requires="a14">
           <p:sp>
             <p:nvSpPr>
               <p:cNvPr id="3" name="Content Placeholder 2"/>
@@ -11220,7 +13904,7 @@
                     <m:sSubSup>
                       <m:sSubSupPr>
                         <m:ctrlPr>
-                          <a:rPr>
+                          <a:rPr i="1">
                             <a:latin typeface="Cambria Math" panose="02040503050406030204" pitchFamily="18" charset="0"/>
                           </a:rPr>
                         </m:ctrlPr>
@@ -11312,7 +13996,7 @@
             </p:txBody>
           </p:sp>
         </mc:Choice>
-        <mc:Fallback>
+        <mc:Fallback xmlns="">
           <p:sp>
             <p:nvSpPr>
               <p:cNvPr id="3" name="Content Placeholder 2"/>
@@ -13004,8 +15688,8 @@
           </a:p>
         </p:txBody>
       </p:sp>
-      <mc:AlternateContent xmlns:mc="http://schemas.openxmlformats.org/markup-compatibility/2006">
-        <mc:Choice xmlns:a14="http://schemas.microsoft.com/office/drawing/2010/main" Requires="a14">
+      <mc:AlternateContent xmlns:mc="http://schemas.openxmlformats.org/markup-compatibility/2006" xmlns:a14="http://schemas.microsoft.com/office/drawing/2010/main">
+        <mc:Choice Requires="a14">
           <p:sp>
             <p:nvSpPr>
               <p:cNvPr id="3" name="Content Placeholder 2"/>
@@ -13056,7 +15740,7 @@
                     <m:sSup>
                       <m:sSupPr>
                         <m:ctrlPr>
-                          <a:rPr>
+                          <a:rPr i="1">
                             <a:latin typeface="Cambria Math" panose="02040503050406030204" pitchFamily="18" charset="0"/>
                           </a:rPr>
                         </m:ctrlPr>
@@ -13093,7 +15777,7 @@
             </p:txBody>
           </p:sp>
         </mc:Choice>
-        <mc:Fallback>
+        <mc:Fallback xmlns="">
           <p:sp>
             <p:nvSpPr>
               <p:cNvPr id="3" name="Content Placeholder 2"/>
@@ -13176,8 +15860,8 @@
           </a:p>
         </p:txBody>
       </p:sp>
-      <mc:AlternateContent xmlns:mc="http://schemas.openxmlformats.org/markup-compatibility/2006">
-        <mc:Choice xmlns:a14="http://schemas.microsoft.com/office/drawing/2010/main" Requires="a14">
+      <mc:AlternateContent xmlns:mc="http://schemas.openxmlformats.org/markup-compatibility/2006" xmlns:a14="http://schemas.microsoft.com/office/drawing/2010/main">
+        <mc:Choice Requires="a14">
           <p:sp>
             <p:nvSpPr>
               <p:cNvPr id="3" name="Content Placeholder 2"/>
@@ -13275,7 +15959,7 @@
                     <m:sSub>
                       <m:sSubPr>
                         <m:ctrlPr>
-                          <a:rPr>
+                          <a:rPr i="1">
                             <a:latin typeface="Cambria Math" panose="02040503050406030204" pitchFamily="18" charset="0"/>
                           </a:rPr>
                         </m:ctrlPr>
@@ -13418,7 +16102,19 @@
                         <a:rPr>
                           <a:latin typeface="Cambria Math" panose="02040503050406030204" pitchFamily="18" charset="0"/>
                         </a:rPr>
-                        <m:t>=2(</m:t>
+                        <m:t>=</m:t>
+                      </m:r>
+                      <m:r>
+                        <a:rPr>
+                          <a:latin typeface="Cambria Math" panose="02040503050406030204" pitchFamily="18" charset="0"/>
+                        </a:rPr>
+                        <m:t>2</m:t>
+                      </m:r>
+                      <m:r>
+                        <a:rPr>
+                          <a:latin typeface="Cambria Math" panose="02040503050406030204" pitchFamily="18" charset="0"/>
+                        </a:rPr>
+                        <m:t>(</m:t>
                       </m:r>
                       <m:r>
                         <a:rPr>
@@ -13661,7 +16357,7 @@
             </p:txBody>
           </p:sp>
         </mc:Choice>
-        <mc:Fallback>
+        <mc:Fallback xmlns="">
           <p:sp>
             <p:nvSpPr>
               <p:cNvPr id="3" name="Content Placeholder 2"/>
@@ -13744,8 +16440,8 @@
           </a:p>
         </p:txBody>
       </p:sp>
-      <mc:AlternateContent xmlns:mc="http://schemas.openxmlformats.org/markup-compatibility/2006">
-        <mc:Choice xmlns:a14="http://schemas.microsoft.com/office/drawing/2010/main" Requires="a14">
+      <mc:AlternateContent xmlns:mc="http://schemas.openxmlformats.org/markup-compatibility/2006" xmlns:a14="http://schemas.microsoft.com/office/drawing/2010/main">
+        <mc:Choice Requires="a14">
           <p:sp>
             <p:nvSpPr>
               <p:cNvPr id="3" name="Content Placeholder 2"/>
@@ -13867,7 +16563,7 @@
                         <m:begChr m:val="["/>
                         <m:endChr m:val="]"/>
                         <m:ctrlPr>
-                          <a:rPr>
+                          <a:rPr i="1">
                             <a:latin typeface="Cambria Math" panose="02040503050406030204" pitchFamily="18" charset="0"/>
                           </a:rPr>
                         </m:ctrlPr>
@@ -13890,7 +16586,7 @@
             </p:txBody>
           </p:sp>
         </mc:Choice>
-        <mc:Fallback>
+        <mc:Fallback xmlns="">
           <p:sp>
             <p:nvSpPr>
               <p:cNvPr id="3" name="Content Placeholder 2"/>
@@ -13973,8 +16669,8 @@
           </a:p>
         </p:txBody>
       </p:sp>
-      <mc:AlternateContent xmlns:mc="http://schemas.openxmlformats.org/markup-compatibility/2006">
-        <mc:Choice xmlns:a14="http://schemas.microsoft.com/office/drawing/2010/main" Requires="a14">
+      <mc:AlternateContent xmlns:mc="http://schemas.openxmlformats.org/markup-compatibility/2006" xmlns:a14="http://schemas.microsoft.com/office/drawing/2010/main">
+        <mc:Choice Requires="a14">
           <p:sp>
             <p:nvSpPr>
               <p:cNvPr id="3" name="Content Placeholder 2"/>
@@ -14003,7 +16699,7 @@
                     <m:sSup>
                       <m:sSupPr>
                         <m:ctrlPr>
-                          <a:rPr>
+                          <a:rPr i="1">
                             <a:latin typeface="Cambria Math" panose="02040503050406030204" pitchFamily="18" charset="0"/>
                           </a:rPr>
                         </m:ctrlPr>
@@ -14053,7 +16749,7 @@
                     <m:sSup>
                       <m:sSupPr>
                         <m:ctrlPr>
-                          <a:rPr>
+                          <a:rPr i="1">
                             <a:latin typeface="Cambria Math" panose="02040503050406030204" pitchFamily="18" charset="0"/>
                           </a:rPr>
                         </m:ctrlPr>
@@ -14091,7 +16787,7 @@
                     <m:sSup>
                       <m:sSupPr>
                         <m:ctrlPr>
-                          <a:rPr>
+                          <a:rPr i="1">
                             <a:latin typeface="Cambria Math" panose="02040503050406030204" pitchFamily="18" charset="0"/>
                           </a:rPr>
                         </m:ctrlPr>
@@ -14134,7 +16830,7 @@
             </p:txBody>
           </p:sp>
         </mc:Choice>
-        <mc:Fallback>
+        <mc:Fallback xmlns="">
           <p:sp>
             <p:nvSpPr>
               <p:cNvPr id="3" name="Content Placeholder 2"/>
@@ -14217,8 +16913,8 @@
           </a:p>
         </p:txBody>
       </p:sp>
-      <mc:AlternateContent xmlns:mc="http://schemas.openxmlformats.org/markup-compatibility/2006">
-        <mc:Choice xmlns:a14="http://schemas.microsoft.com/office/drawing/2010/main" Requires="a14">
+      <mc:AlternateContent xmlns:mc="http://schemas.openxmlformats.org/markup-compatibility/2006" xmlns:a14="http://schemas.microsoft.com/office/drawing/2010/main">
+        <mc:Choice Requires="a14">
           <p:sp>
             <p:nvSpPr>
               <p:cNvPr id="3" name="Content Placeholder 2"/>
@@ -14321,7 +17017,7 @@
                       <m:sSub>
                         <m:sSubPr>
                           <m:ctrlPr>
-                            <a:rPr>
+                            <a:rPr i="1">
                               <a:latin typeface="Cambria Math" panose="02040503050406030204" pitchFamily="18" charset="0"/>
                             </a:rPr>
                           </m:ctrlPr>
@@ -14654,7 +17350,7 @@
             </p:txBody>
           </p:sp>
         </mc:Choice>
-        <mc:Fallback>
+        <mc:Fallback xmlns="">
           <p:sp>
             <p:nvSpPr>
               <p:cNvPr id="3" name="Content Placeholder 2"/>
@@ -14737,8 +17433,8 @@
           </a:p>
         </p:txBody>
       </p:sp>
-      <mc:AlternateContent xmlns:mc="http://schemas.openxmlformats.org/markup-compatibility/2006">
-        <mc:Choice xmlns:a14="http://schemas.microsoft.com/office/drawing/2010/main" Requires="a14">
+      <mc:AlternateContent xmlns:mc="http://schemas.openxmlformats.org/markup-compatibility/2006" xmlns:a14="http://schemas.microsoft.com/office/drawing/2010/main">
+        <mc:Choice Requires="a14">
           <p:sp>
             <p:nvSpPr>
               <p:cNvPr id="3" name="Content Placeholder 2"/>
@@ -14776,7 +17472,7 @@
                     <m:sSub>
                       <m:sSubPr>
                         <m:ctrlPr>
-                          <a:rPr>
+                          <a:rPr i="1">
                             <a:latin typeface="Cambria Math" panose="02040503050406030204" pitchFamily="18" charset="0"/>
                           </a:rPr>
                         </m:ctrlPr>
@@ -14808,7 +17504,7 @@
                     <m:sSub>
                       <m:sSubPr>
                         <m:ctrlPr>
-                          <a:rPr>
+                          <a:rPr i="1">
                             <a:latin typeface="Cambria Math" panose="02040503050406030204" pitchFamily="18" charset="0"/>
                           </a:rPr>
                         </m:ctrlPr>
@@ -14851,7 +17547,7 @@
                           <m:begChr m:val="["/>
                           <m:endChr m:val="]"/>
                           <m:ctrlPr>
-                            <a:rPr>
+                            <a:rPr i="1">
                               <a:latin typeface="Cambria Math" panose="02040503050406030204" pitchFamily="18" charset="0"/>
                             </a:rPr>
                           </m:ctrlPr>
@@ -14868,7 +17564,7 @@
                                 </m:mc>
                               </m:mcs>
                               <m:ctrlPr>
-                                <a:rPr>
+                                <a:rPr i="1">
                                   <a:latin typeface="Cambria Math" panose="02040503050406030204" pitchFamily="18" charset="0"/>
                                 </a:rPr>
                               </m:ctrlPr>
@@ -14878,7 +17574,7 @@
                                 <m:sSub>
                                   <m:sSubPr>
                                     <m:ctrlPr>
-                                      <a:rPr>
+                                      <a:rPr i="1">
                                         <a:latin typeface="Cambria Math" panose="02040503050406030204" pitchFamily="18" charset="0"/>
                                       </a:rPr>
                                     </m:ctrlPr>
@@ -15613,7 +18309,7 @@
                     <m:sSub>
                       <m:sSubPr>
                         <m:ctrlPr>
-                          <a:rPr>
+                          <a:rPr i="1">
                             <a:latin typeface="Cambria Math" panose="02040503050406030204" pitchFamily="18" charset="0"/>
                           </a:rPr>
                         </m:ctrlPr>
@@ -15701,7 +18397,7 @@
             </p:txBody>
           </p:sp>
         </mc:Choice>
-        <mc:Fallback>
+        <mc:Fallback xmlns="">
           <p:sp>
             <p:nvSpPr>
               <p:cNvPr id="3" name="Content Placeholder 2"/>
@@ -15784,8 +18480,8 @@
           </a:p>
         </p:txBody>
       </p:sp>
-      <mc:AlternateContent xmlns:mc="http://schemas.openxmlformats.org/markup-compatibility/2006">
-        <mc:Choice xmlns:a14="http://schemas.microsoft.com/office/drawing/2010/main" Requires="a14">
+      <mc:AlternateContent xmlns:mc="http://schemas.openxmlformats.org/markup-compatibility/2006" xmlns:a14="http://schemas.microsoft.com/office/drawing/2010/main">
+        <mc:Choice Requires="a14">
           <p:sp>
             <p:nvSpPr>
               <p:cNvPr id="3" name="Content Placeholder 2"/>
@@ -15823,7 +18519,7 @@
                     <m:sSub>
                       <m:sSubPr>
                         <m:ctrlPr>
-                          <a:rPr>
+                          <a:rPr i="1">
                             <a:latin typeface="Cambria Math" panose="02040503050406030204" pitchFamily="18" charset="0"/>
                           </a:rPr>
                         </m:ctrlPr>
@@ -15864,7 +18560,7 @@
                       <m:sSub>
                         <m:sSubPr>
                           <m:ctrlPr>
-                            <a:rPr>
+                            <a:rPr i="1">
                               <a:latin typeface="Cambria Math" panose="02040503050406030204" pitchFamily="18" charset="0"/>
                             </a:rPr>
                           </m:ctrlPr>
@@ -16064,7 +18760,7 @@
                           <m:chr m:val="∏"/>
                           <m:limLoc m:val="undOvr"/>
                           <m:ctrlPr>
-                            <a:rPr>
+                            <a:rPr i="1">
                               <a:latin typeface="Cambria Math" panose="02040503050406030204" pitchFamily="18" charset="0"/>
                             </a:rPr>
                           </m:ctrlPr>
@@ -16345,7 +19041,7 @@
             </p:txBody>
           </p:sp>
         </mc:Choice>
-        <mc:Fallback>
+        <mc:Fallback xmlns="">
           <p:sp>
             <p:nvSpPr>
               <p:cNvPr id="3" name="Content Placeholder 2"/>
@@ -16428,8 +19124,8 @@
           </a:p>
         </p:txBody>
       </p:sp>
-      <mc:AlternateContent xmlns:mc="http://schemas.openxmlformats.org/markup-compatibility/2006">
-        <mc:Choice xmlns:a14="http://schemas.microsoft.com/office/drawing/2010/main" Requires="a14">
+      <mc:AlternateContent xmlns:mc="http://schemas.openxmlformats.org/markup-compatibility/2006" xmlns:a14="http://schemas.microsoft.com/office/drawing/2010/main">
+        <mc:Choice Requires="a14">
           <p:sp>
             <p:nvSpPr>
               <p:cNvPr id="3" name="Content Placeholder 2"/>
@@ -17067,7 +19763,7 @@
             </p:txBody>
           </p:sp>
         </mc:Choice>
-        <mc:Fallback>
+        <mc:Fallback xmlns="">
           <p:sp>
             <p:nvSpPr>
               <p:cNvPr id="3" name="Content Placeholder 2"/>
@@ -17243,8 +19939,8 @@
           </a:p>
         </p:txBody>
       </p:sp>
-      <mc:AlternateContent xmlns:mc="http://schemas.openxmlformats.org/markup-compatibility/2006">
-        <mc:Choice xmlns:a14="http://schemas.microsoft.com/office/drawing/2010/main" Requires="a14">
+      <mc:AlternateContent xmlns:mc="http://schemas.openxmlformats.org/markup-compatibility/2006" xmlns:a14="http://schemas.microsoft.com/office/drawing/2010/main">
+        <mc:Choice Requires="a14">
           <p:sp>
             <p:nvSpPr>
               <p:cNvPr id="3" name="Content Placeholder 2"/>
@@ -17283,7 +19979,7 @@
                         <m:accPr>
                           <m:chr m:val="̂"/>
                           <m:ctrlPr>
-                            <a:rPr>
+                            <a:rPr i="1">
                               <a:latin typeface="Cambria Math" panose="02040503050406030204" pitchFamily="18" charset="0"/>
                             </a:rPr>
                           </m:ctrlPr>
@@ -17488,7 +20184,13 @@
                             <a:rPr>
                               <a:latin typeface="Cambria Math" panose="02040503050406030204" pitchFamily="18" charset="0"/>
                             </a:rPr>
-                            <m:t>1−</m:t>
+                            <m:t>1</m:t>
+                          </m:r>
+                          <m:r>
+                            <a:rPr>
+                              <a:latin typeface="Cambria Math" panose="02040503050406030204" pitchFamily="18" charset="0"/>
+                            </a:rPr>
+                            <m:t>−</m:t>
                           </m:r>
                           <m:r>
                             <a:rPr>
@@ -17522,7 +20224,7 @@
                       <m:sSub>
                         <m:sSubPr>
                           <m:ctrlPr>
-                            <a:rPr>
+                            <a:rPr i="1">
                               <a:latin typeface="Cambria Math" panose="02040503050406030204" pitchFamily="18" charset="0"/>
                             </a:rPr>
                           </m:ctrlPr>
@@ -17616,7 +20318,7 @@
                     <m:sSub>
                       <m:sSubPr>
                         <m:ctrlPr>
-                          <a:rPr>
+                          <a:rPr i="1">
                             <a:latin typeface="Cambria Math" panose="02040503050406030204" pitchFamily="18" charset="0"/>
                           </a:rPr>
                         </m:ctrlPr>
@@ -17688,7 +20390,7 @@
                       <m:sSub>
                         <m:sSubPr>
                           <m:ctrlPr>
-                            <a:rPr>
+                            <a:rPr i="1">
                               <a:latin typeface="Cambria Math" panose="02040503050406030204" pitchFamily="18" charset="0"/>
                             </a:rPr>
                           </m:ctrlPr>
@@ -17766,7 +20468,13 @@
                             <a:rPr>
                               <a:latin typeface="Cambria Math" panose="02040503050406030204" pitchFamily="18" charset="0"/>
                             </a:rPr>
-                            <m:t>1+</m:t>
+                            <m:t>1</m:t>
+                          </m:r>
+                          <m:r>
+                            <a:rPr>
+                              <a:latin typeface="Cambria Math" panose="02040503050406030204" pitchFamily="18" charset="0"/>
+                            </a:rPr>
+                            <m:t>+</m:t>
                           </m:r>
                           <m:sSup>
                             <m:sSupPr>
@@ -17847,7 +20555,13 @@
                             <a:rPr>
                               <a:latin typeface="Cambria Math" panose="02040503050406030204" pitchFamily="18" charset="0"/>
                             </a:rPr>
-                            <m:t>1+</m:t>
+                            <m:t>1</m:t>
+                          </m:r>
+                          <m:r>
+                            <a:rPr>
+                              <a:latin typeface="Cambria Math" panose="02040503050406030204" pitchFamily="18" charset="0"/>
+                            </a:rPr>
+                            <m:t>+</m:t>
                           </m:r>
                           <m:sSup>
                             <m:sSupPr>
@@ -17927,7 +20641,7 @@
                       <m:sSub>
                         <m:sSubPr>
                           <m:ctrlPr>
-                            <a:rPr>
+                            <a:rPr i="1">
                               <a:latin typeface="Cambria Math" panose="02040503050406030204" pitchFamily="18" charset="0"/>
                             </a:rPr>
                           </m:ctrlPr>
@@ -17937,7 +20651,7 @@
                             <m:accPr>
                               <m:chr m:val="̂"/>
                               <m:ctrlPr>
-                                <a:rPr>
+                                <a:rPr i="1">
                                   <a:latin typeface="Cambria Math" panose="02040503050406030204" pitchFamily="18" charset="0"/>
                                 </a:rPr>
                               </m:ctrlPr>
@@ -17957,7 +20671,19 @@
                             <a:rPr>
                               <a:latin typeface="Cambria Math" panose="02040503050406030204" pitchFamily="18" charset="0"/>
                             </a:rPr>
-                            <m:t>𝑝h𝑖</m:t>
+                            <m:t>𝑝</m:t>
+                          </m:r>
+                          <m:r>
+                            <a:rPr>
+                              <a:latin typeface="Cambria Math" panose="02040503050406030204" pitchFamily="18" charset="0"/>
+                            </a:rPr>
+                            <m:t>h</m:t>
+                          </m:r>
+                          <m:r>
+                            <a:rPr>
+                              <a:latin typeface="Cambria Math" panose="02040503050406030204" pitchFamily="18" charset="0"/>
+                            </a:rPr>
+                            <m:t>𝑖</m:t>
                           </m:r>
                         </m:sub>
                       </m:sSub>
@@ -18190,7 +20916,13 @@
                             <a:rPr>
                               <a:latin typeface="Cambria Math" panose="02040503050406030204" pitchFamily="18" charset="0"/>
                             </a:rPr>
-                            <m:t>1−</m:t>
+                            <m:t>1</m:t>
+                          </m:r>
+                          <m:r>
+                            <a:rPr>
+                              <a:latin typeface="Cambria Math" panose="02040503050406030204" pitchFamily="18" charset="0"/>
+                            </a:rPr>
+                            <m:t>−</m:t>
                           </m:r>
                           <m:sSub>
                             <m:sSubPr>
@@ -18227,7 +20959,7 @@
             </p:txBody>
           </p:sp>
         </mc:Choice>
-        <mc:Fallback>
+        <mc:Fallback xmlns="">
           <p:sp>
             <p:nvSpPr>
               <p:cNvPr id="3" name="Content Placeholder 2"/>
@@ -18310,8 +21042,8 @@
           </a:p>
         </p:txBody>
       </p:sp>
-      <mc:AlternateContent xmlns:mc="http://schemas.openxmlformats.org/markup-compatibility/2006">
-        <mc:Choice xmlns:a14="http://schemas.microsoft.com/office/drawing/2010/main" Requires="a14">
+      <mc:AlternateContent xmlns:mc="http://schemas.openxmlformats.org/markup-compatibility/2006" xmlns:a14="http://schemas.microsoft.com/office/drawing/2010/main">
+        <mc:Choice Requires="a14">
           <p:sp>
             <p:nvSpPr>
               <p:cNvPr id="3" name="Content Placeholder 2"/>
@@ -18381,7 +21113,13 @@
                       <a:rPr>
                         <a:latin typeface="Cambria Math" panose="02040503050406030204" pitchFamily="18" charset="0"/>
                       </a:rPr>
-                      <m:t>/2</m:t>
+                      <m:t>/</m:t>
+                    </m:r>
+                    <m:r>
+                      <a:rPr>
+                        <a:latin typeface="Cambria Math" panose="02040503050406030204" pitchFamily="18" charset="0"/>
+                      </a:rPr>
+                      <m:t>2</m:t>
                     </m:r>
                   </m:oMath>
                 </a14:m>
@@ -18393,7 +21131,7 @@
                     <m:sSub>
                       <m:sSubPr>
                         <m:ctrlPr>
-                          <a:rPr>
+                          <a:rPr i="1">
                             <a:latin typeface="Cambria Math" panose="02040503050406030204" pitchFamily="18" charset="0"/>
                           </a:rPr>
                         </m:ctrlPr>
@@ -18431,7 +21169,37 @@
                       <a:rPr>
                         <a:latin typeface="Cambria Math" panose="02040503050406030204" pitchFamily="18" charset="0"/>
                       </a:rPr>
-                      <m:t>/2=0.5</m:t>
+                      <m:t>/</m:t>
+                    </m:r>
+                    <m:r>
+                      <a:rPr>
+                        <a:latin typeface="Cambria Math" panose="02040503050406030204" pitchFamily="18" charset="0"/>
+                      </a:rPr>
+                      <m:t>2</m:t>
+                    </m:r>
+                    <m:r>
+                      <a:rPr>
+                        <a:latin typeface="Cambria Math" panose="02040503050406030204" pitchFamily="18" charset="0"/>
+                      </a:rPr>
+                      <m:t>=</m:t>
+                    </m:r>
+                    <m:r>
+                      <a:rPr>
+                        <a:latin typeface="Cambria Math" panose="02040503050406030204" pitchFamily="18" charset="0"/>
+                      </a:rPr>
+                      <m:t>0</m:t>
+                    </m:r>
+                    <m:r>
+                      <a:rPr>
+                        <a:latin typeface="Cambria Math" panose="02040503050406030204" pitchFamily="18" charset="0"/>
+                      </a:rPr>
+                      <m:t>.</m:t>
+                    </m:r>
+                    <m:r>
+                      <a:rPr>
+                        <a:latin typeface="Cambria Math" panose="02040503050406030204" pitchFamily="18" charset="0"/>
+                      </a:rPr>
+                      <m:t>5</m:t>
                     </m:r>
                   </m:oMath>
                 </a14:m>
@@ -18447,7 +21215,7 @@
                     <m:sSub>
                       <m:sSubPr>
                         <m:ctrlPr>
-                          <a:rPr>
+                          <a:rPr i="1">
                             <a:latin typeface="Cambria Math" panose="02040503050406030204" pitchFamily="18" charset="0"/>
                           </a:rPr>
                         </m:ctrlPr>
@@ -18505,7 +21273,7 @@
             </p:txBody>
           </p:sp>
         </mc:Choice>
-        <mc:Fallback>
+        <mc:Fallback xmlns="">
           <p:sp>
             <p:nvSpPr>
               <p:cNvPr id="3" name="Content Placeholder 2"/>
@@ -18588,8 +21356,8 @@
           </a:p>
         </p:txBody>
       </p:sp>
-      <mc:AlternateContent xmlns:mc="http://schemas.openxmlformats.org/markup-compatibility/2006">
-        <mc:Choice xmlns:a14="http://schemas.microsoft.com/office/drawing/2010/main" Requires="a14">
+      <mc:AlternateContent xmlns:mc="http://schemas.openxmlformats.org/markup-compatibility/2006" xmlns:a14="http://schemas.microsoft.com/office/drawing/2010/main">
+        <mc:Choice Requires="a14">
           <p:sp>
             <p:nvSpPr>
               <p:cNvPr id="3" name="Content Placeholder 2"/>
@@ -18766,7 +21534,7 @@
                     <m:sSub>
                       <m:sSubPr>
                         <m:ctrlPr>
-                          <a:rPr>
+                          <a:rPr i="1">
                             <a:latin typeface="Cambria Math" panose="02040503050406030204" pitchFamily="18" charset="0"/>
                           </a:rPr>
                         </m:ctrlPr>
@@ -18776,7 +21544,7 @@
                           <m:accPr>
                             <m:chr m:val="̂"/>
                             <m:ctrlPr>
-                              <a:rPr>
+                              <a:rPr i="1">
                                 <a:latin typeface="Cambria Math" panose="02040503050406030204" pitchFamily="18" charset="0"/>
                               </a:rPr>
                             </m:ctrlPr>
@@ -18819,7 +21587,7 @@
                       <m:accPr>
                         <m:chr m:val="̂"/>
                         <m:ctrlPr>
-                          <a:rPr>
+                          <a:rPr i="1">
                             <a:latin typeface="Cambria Math" panose="02040503050406030204" pitchFamily="18" charset="0"/>
                           </a:rPr>
                         </m:ctrlPr>
@@ -18844,7 +21612,7 @@
                     <m:sSup>
                       <m:sSupPr>
                         <m:ctrlPr>
-                          <a:rPr>
+                          <a:rPr i="1">
                             <a:latin typeface="Cambria Math" panose="02040503050406030204" pitchFamily="18" charset="0"/>
                           </a:rPr>
                         </m:ctrlPr>
@@ -18877,7 +21645,7 @@
                     <m:sSup>
                       <m:sSupPr>
                         <m:ctrlPr>
-                          <a:rPr>
+                          <a:rPr i="1">
                             <a:latin typeface="Cambria Math" panose="02040503050406030204" pitchFamily="18" charset="0"/>
                           </a:rPr>
                         </m:ctrlPr>
@@ -18908,7 +21676,7 @@
             </p:txBody>
           </p:sp>
         </mc:Choice>
-        <mc:Fallback>
+        <mc:Fallback xmlns="">
           <p:sp>
             <p:nvSpPr>
               <p:cNvPr id="3" name="Content Placeholder 2"/>
@@ -18991,8 +21759,8 @@
           </a:p>
         </p:txBody>
       </p:sp>
-      <mc:AlternateContent xmlns:mc="http://schemas.openxmlformats.org/markup-compatibility/2006">
-        <mc:Choice xmlns:a14="http://schemas.microsoft.com/office/drawing/2010/main" Requires="a14">
+      <mc:AlternateContent xmlns:mc="http://schemas.openxmlformats.org/markup-compatibility/2006" xmlns:a14="http://schemas.microsoft.com/office/drawing/2010/main">
+        <mc:Choice Requires="a14">
           <p:sp>
             <p:nvSpPr>
               <p:cNvPr id="3" name="Content Placeholder 2"/>
@@ -19066,7 +21834,7 @@
                     <m:sSub>
                       <m:sSubPr>
                         <m:ctrlPr>
-                          <a:rPr>
+                          <a:rPr i="1">
                             <a:latin typeface="Cambria Math" panose="02040503050406030204" pitchFamily="18" charset="0"/>
                           </a:rPr>
                         </m:ctrlPr>
@@ -19211,7 +21979,7 @@
             </p:txBody>
           </p:sp>
         </mc:Choice>
-        <mc:Fallback>
+        <mc:Fallback xmlns="">
           <p:sp>
             <p:nvSpPr>
               <p:cNvPr id="3" name="Content Placeholder 2"/>
@@ -19482,8 +22250,8 @@
           </a:p>
         </p:txBody>
       </p:sp>
-      <mc:AlternateContent xmlns:mc="http://schemas.openxmlformats.org/markup-compatibility/2006">
-        <mc:Choice xmlns:a14="http://schemas.microsoft.com/office/drawing/2010/main" Requires="a14">
+      <mc:AlternateContent xmlns:mc="http://schemas.openxmlformats.org/markup-compatibility/2006" xmlns:a14="http://schemas.microsoft.com/office/drawing/2010/main">
+        <mc:Choice Requires="a14">
           <p:sp>
             <p:nvSpPr>
               <p:cNvPr id="3" name="Content Placeholder 2"/>
@@ -19560,7 +22328,7 @@
                     <m:sSub>
                       <m:sSubPr>
                         <m:ctrlPr>
-                          <a:rPr>
+                          <a:rPr i="1">
                             <a:latin typeface="Cambria Math" panose="02040503050406030204" pitchFamily="18" charset="0"/>
                           </a:rPr>
                         </m:ctrlPr>
@@ -19592,7 +22360,7 @@
                     <m:sSub>
                       <m:sSubPr>
                         <m:ctrlPr>
-                          <a:rPr>
+                          <a:rPr i="1">
                             <a:latin typeface="Cambria Math" panose="02040503050406030204" pitchFamily="18" charset="0"/>
                           </a:rPr>
                         </m:ctrlPr>
@@ -19624,7 +22392,7 @@
                     <m:sSub>
                       <m:sSubPr>
                         <m:ctrlPr>
-                          <a:rPr>
+                          <a:rPr i="1">
                             <a:latin typeface="Cambria Math" panose="02040503050406030204" pitchFamily="18" charset="0"/>
                           </a:rPr>
                         </m:ctrlPr>
@@ -19989,7 +22757,7 @@
             </p:txBody>
           </p:sp>
         </mc:Choice>
-        <mc:Fallback>
+        <mc:Fallback xmlns="">
           <p:sp>
             <p:nvSpPr>
               <p:cNvPr id="3" name="Content Placeholder 2"/>
@@ -20072,229 +22840,344 @@
           </a:p>
         </p:txBody>
       </p:sp>
-      <p:sp>
-        <p:nvSpPr>
-          <p:cNvPr id="3" name="Content Placeholder 2"/>
-          <p:cNvSpPr>
-            <a:spLocks noGrp="1"/>
-          </p:cNvSpPr>
-          <p:nvPr>
-            <p:ph idx="1"/>
-          </p:nvPr>
-        </p:nvSpPr>
-        <p:spPr/>
-        <p:txBody>
-          <a:bodyPr/>
-          <a:lstStyle/>
-          <a:p>
-            <a:pPr marL="0" lvl="0" indent="0">
-              <a:buNone/>
-            </a:pPr>
-            <a:r>
-              <a:t>Extend relationship using a linear model for </a:t>
-            </a:r>
-            <a14:m xmlns:a14="http://schemas.microsoft.com/office/drawing/2010/main">
-              <m:oMath xmlns:m="http://schemas.openxmlformats.org/officeDocument/2006/math">
-                <m:r>
-                  <a:rPr>
-                    <a:latin typeface="Cambria Math" panose="02040503050406030204" pitchFamily="18" charset="0"/>
-                  </a:rPr>
-                  <m:t>𝜆</m:t>
-                </m:r>
-              </m:oMath>
-            </a14:m>
-            <a:endParaRPr/>
-          </a:p>
-          <a:p>
-            <a:pPr lvl="0"/>
-            <a:r>
-              <a:t>Expected arrival rate changes with the independent variable</a:t>
-            </a:r>
-          </a:p>
-          <a:p>
-            <a:pPr lvl="0"/>
-            <a:r>
-              <a:t>Example, linear model with intercept</a:t>
-            </a:r>
-          </a:p>
-          <a:p>
-            <a:pPr lvl="1"/>
-            <a14:m xmlns:a14="http://schemas.microsoft.com/office/drawing/2010/main">
-              <m:oMath xmlns:m="http://schemas.openxmlformats.org/officeDocument/2006/math">
-                <m:sSub>
-                  <m:sSubPr>
-                    <m:ctrlPr>
-                      <a:rPr>
-                        <a:latin typeface="Cambria Math" panose="02040503050406030204" pitchFamily="18" charset="0"/>
-                      </a:rPr>
-                    </m:ctrlPr>
-                  </m:sSubPr>
-                  <m:e>
-                    <m:r>
-                      <a:rPr>
-                        <a:latin typeface="Cambria Math" panose="02040503050406030204" pitchFamily="18" charset="0"/>
-                      </a:rPr>
-                      <m:t>𝛽</m:t>
-                    </m:r>
-                  </m:e>
-                  <m:sub>
-                    <m:r>
-                      <a:rPr>
-                        <a:latin typeface="Cambria Math" panose="02040503050406030204" pitchFamily="18" charset="0"/>
-                      </a:rPr>
-                      <m:t>0</m:t>
-                    </m:r>
-                  </m:sub>
-                </m:sSub>
-              </m:oMath>
-            </a14:m>
-            <a:r>
-              <a:t>, and </a:t>
-            </a:r>
-            <a14:m xmlns:a14="http://schemas.microsoft.com/office/drawing/2010/main">
-              <m:oMath xmlns:m="http://schemas.openxmlformats.org/officeDocument/2006/math">
-                <m:r>
-                  <a:rPr>
-                    <a:latin typeface="Cambria Math" panose="02040503050406030204" pitchFamily="18" charset="0"/>
-                  </a:rPr>
-                  <m:t>𝑝</m:t>
-                </m:r>
-              </m:oMath>
-            </a14:m>
-            <a:r>
-              <a:t> dimensional slope parameter vector, </a:t>
-            </a:r>
-            <a14:m xmlns:a14="http://schemas.microsoft.com/office/drawing/2010/main">
-              <m:oMath xmlns:m="http://schemas.openxmlformats.org/officeDocument/2006/math">
-                <m:acc>
-                  <m:accPr>
-                    <m:chr m:val="⃗"/>
-                    <m:ctrlPr>
-                      <a:rPr>
-                        <a:latin typeface="Cambria Math" panose="02040503050406030204" pitchFamily="18" charset="0"/>
-                      </a:rPr>
-                    </m:ctrlPr>
-                  </m:accPr>
-                  <m:e>
-                    <m:r>
-                      <a:rPr>
-                        <a:latin typeface="Cambria Math" panose="02040503050406030204" pitchFamily="18" charset="0"/>
-                      </a:rPr>
-                      <m:t>𝛽</m:t>
-                    </m:r>
-                  </m:e>
-                </m:acc>
-              </m:oMath>
-            </a14:m>
-            <a:br/>
-            <a:endParaRPr/>
-          </a:p>
-          <a:p>
-            <a:pPr lvl="1"/>
-            <a:r>
-              <a:t>Estimate of </a:t>
-            </a:r>
-            <a14:m xmlns:a14="http://schemas.microsoft.com/office/drawing/2010/main">
-              <m:oMath xmlns:m="http://schemas.openxmlformats.org/officeDocument/2006/math">
-                <m:sSub>
-                  <m:sSubPr>
-                    <m:ctrlPr>
-                      <a:rPr>
-                        <a:latin typeface="Cambria Math" panose="02040503050406030204" pitchFamily="18" charset="0"/>
-                      </a:rPr>
-                    </m:ctrlPr>
-                  </m:sSubPr>
-                  <m:e>
+      <mc:AlternateContent xmlns:mc="http://schemas.openxmlformats.org/markup-compatibility/2006">
+        <mc:Choice xmlns:a14="http://schemas.microsoft.com/office/drawing/2010/main" Requires="a14">
+          <p:sp>
+            <p:nvSpPr>
+              <p:cNvPr id="3" name="Content Placeholder 2"/>
+              <p:cNvSpPr>
+                <a:spLocks noGrp="1"/>
+              </p:cNvSpPr>
+              <p:nvPr>
+                <p:ph idx="1"/>
+              </p:nvPr>
+            </p:nvSpPr>
+            <p:spPr/>
+            <p:txBody>
+              <a:bodyPr/>
+              <a:lstStyle/>
+              <a:p>
+                <a:pPr marL="0" lvl="0" indent="0">
+                  <a:buNone/>
+                </a:pPr>
+                <a:r>
+                  <a:t>Extend relationship using a linear model for </a:t>
+                </a:r>
+                <a14:m>
+                  <m:oMath xmlns:m="http://schemas.openxmlformats.org/officeDocument/2006/math">
                     <m:r>
                       <a:rPr>
                         <a:latin typeface="Cambria Math" panose="02040503050406030204" pitchFamily="18" charset="0"/>
                       </a:rPr>
                       <m:t>𝜆</m:t>
                     </m:r>
-                  </m:e>
-                  <m:sub>
+                  </m:oMath>
+                </a14:m>
+                <a:endParaRPr/>
+              </a:p>
+              <a:p>
+                <a:pPr lvl="0"/>
+                <a:r>
+                  <a:t>Expected arrival rate changes with the independent variable</a:t>
+                </a:r>
+              </a:p>
+              <a:p>
+                <a:pPr lvl="0"/>
+                <a:r>
+                  <a:t>Example, linear model with intercept</a:t>
+                </a:r>
+              </a:p>
+              <a:p>
+                <a:pPr lvl="1"/>
+                <a14:m>
+                  <m:oMath xmlns:m="http://schemas.openxmlformats.org/officeDocument/2006/math">
+                    <m:sSub>
+                      <m:sSubPr>
+                        <m:ctrlPr>
+                          <a:rPr i="1">
+                            <a:latin typeface="Cambria Math" panose="02040503050406030204" pitchFamily="18" charset="0"/>
+                          </a:rPr>
+                        </m:ctrlPr>
+                      </m:sSubPr>
+                      <m:e>
+                        <m:r>
+                          <a:rPr>
+                            <a:latin typeface="Cambria Math" panose="02040503050406030204" pitchFamily="18" charset="0"/>
+                          </a:rPr>
+                          <m:t>𝛽</m:t>
+                        </m:r>
+                      </m:e>
+                      <m:sub>
+                        <m:r>
+                          <a:rPr>
+                            <a:latin typeface="Cambria Math" panose="02040503050406030204" pitchFamily="18" charset="0"/>
+                          </a:rPr>
+                          <m:t>0</m:t>
+                        </m:r>
+                      </m:sub>
+                    </m:sSub>
+                  </m:oMath>
+                </a14:m>
+                <a:r>
+                  <a:t>, and </a:t>
+                </a:r>
+                <a14:m>
+                  <m:oMath xmlns:m="http://schemas.openxmlformats.org/officeDocument/2006/math">
                     <m:r>
                       <a:rPr>
                         <a:latin typeface="Cambria Math" panose="02040503050406030204" pitchFamily="18" charset="0"/>
                       </a:rPr>
-                      <m:t>𝑖</m:t>
+                      <m:t>𝑝</m:t>
                     </m:r>
-                  </m:sub>
-                </m:sSub>
-              </m:oMath>
-            </a14:m>
-            <a:r>
-              <a:t>, for a </a:t>
-            </a:r>
-            <a14:m xmlns:a14="http://schemas.microsoft.com/office/drawing/2010/main">
-              <m:oMath xmlns:m="http://schemas.openxmlformats.org/officeDocument/2006/math">
-                <m:r>
-                  <a:rPr>
-                    <a:latin typeface="Cambria Math" panose="02040503050406030204" pitchFamily="18" charset="0"/>
-                  </a:rPr>
-                  <m:t>𝑝</m:t>
-                </m:r>
-              </m:oMath>
-            </a14:m>
-            <a:r>
-              <a:t> dimensional observation vector </a:t>
-            </a:r>
-            <a14:m xmlns:a14="http://schemas.microsoft.com/office/drawing/2010/main">
-              <m:oMath xmlns:m="http://schemas.openxmlformats.org/officeDocument/2006/math">
-                <m:sSub>
-                  <m:sSubPr>
-                    <m:ctrlPr>
-                      <a:rPr>
-                        <a:latin typeface="Cambria Math" panose="02040503050406030204" pitchFamily="18" charset="0"/>
-                      </a:rPr>
-                    </m:ctrlPr>
-                  </m:sSubPr>
-                  <m:e>
+                  </m:oMath>
+                </a14:m>
+                <a:r>
+                  <a:t> dimensional slope parameter vector, </a:t>
+                </a:r>
+                <a14:m>
+                  <m:oMath xmlns:m="http://schemas.openxmlformats.org/officeDocument/2006/math">
+                    <m:acc>
+                      <m:accPr>
+                        <m:chr m:val="⃗"/>
+                        <m:ctrlPr>
+                          <a:rPr i="1">
+                            <a:latin typeface="Cambria Math" panose="02040503050406030204" pitchFamily="18" charset="0"/>
+                          </a:rPr>
+                        </m:ctrlPr>
+                      </m:accPr>
+                      <m:e>
+                        <m:r>
+                          <a:rPr>
+                            <a:latin typeface="Cambria Math" panose="02040503050406030204" pitchFamily="18" charset="0"/>
+                          </a:rPr>
+                          <m:t>𝛽</m:t>
+                        </m:r>
+                      </m:e>
+                    </m:acc>
+                  </m:oMath>
+                </a14:m>
+                <a:br/>
+                <a:endParaRPr/>
+              </a:p>
+              <a:p>
+                <a:pPr lvl="1"/>
+                <a:r>
+                  <a:t>Estimate of </a:t>
+                </a:r>
+                <a14:m>
+                  <m:oMath xmlns:m="http://schemas.openxmlformats.org/officeDocument/2006/math">
+                    <m:sSub>
+                      <m:sSubPr>
+                        <m:ctrlPr>
+                          <a:rPr i="1">
+                            <a:latin typeface="Cambria Math" panose="02040503050406030204" pitchFamily="18" charset="0"/>
+                          </a:rPr>
+                        </m:ctrlPr>
+                      </m:sSubPr>
+                      <m:e>
+                        <m:r>
+                          <a:rPr>
+                            <a:latin typeface="Cambria Math" panose="02040503050406030204" pitchFamily="18" charset="0"/>
+                          </a:rPr>
+                          <m:t>𝜆</m:t>
+                        </m:r>
+                      </m:e>
+                      <m:sub>
+                        <m:r>
+                          <a:rPr>
+                            <a:latin typeface="Cambria Math" panose="02040503050406030204" pitchFamily="18" charset="0"/>
+                          </a:rPr>
+                          <m:t>𝑖</m:t>
+                        </m:r>
+                      </m:sub>
+                    </m:sSub>
+                  </m:oMath>
+                </a14:m>
+                <a:r>
+                  <a:t>, for a </a:t>
+                </a:r>
+                <a14:m>
+                  <m:oMath xmlns:m="http://schemas.openxmlformats.org/officeDocument/2006/math">
                     <m:r>
                       <a:rPr>
                         <a:latin typeface="Cambria Math" panose="02040503050406030204" pitchFamily="18" charset="0"/>
                       </a:rPr>
-                      <m:t>𝐱</m:t>
+                      <m:t>𝑝</m:t>
                     </m:r>
-                  </m:e>
-                  <m:sub>
-                    <m:r>
-                      <a:rPr>
-                        <a:latin typeface="Cambria Math" panose="02040503050406030204" pitchFamily="18" charset="0"/>
-                      </a:rPr>
-                      <m:t>𝑖</m:t>
-                    </m:r>
-                  </m:sub>
-                </m:sSub>
-              </m:oMath>
-            </a14:m>
-            <a:endParaRPr/>
-          </a:p>
-          <a:p>
-            <a:pPr marL="0" lvl="0" indent="0">
-              <a:buNone/>
-            </a:pPr>
-            <a14:m xmlns:a14="http://schemas.microsoft.com/office/drawing/2010/main">
-              <m:oMathPara xmlns:m="http://schemas.openxmlformats.org/officeDocument/2006/math">
-                <m:oMathParaPr>
-                  <m:jc m:val="center"/>
-                </m:oMathParaPr>
-                <m:oMath xmlns:m="http://schemas.openxmlformats.org/officeDocument/2006/math">
-                  <m:r>
-                    <a:rPr>
-                      <a:latin typeface="Cambria Math" panose="02040503050406030204" pitchFamily="18" charset="0"/>
-                    </a:rPr>
-                    <m:t>𝑙𝑜𝑔</m:t>
-                  </m:r>
-                  <m:d>
-                    <m:dPr>
-                      <m:ctrlPr>
-                        <a:rPr i="1">
+                  </m:oMath>
+                </a14:m>
+                <a:r>
+                  <a:t> dimensional observation vector </a:t>
+                </a:r>
+                <a14:m>
+                  <m:oMath xmlns:m="http://schemas.openxmlformats.org/officeDocument/2006/math">
+                    <m:sSub>
+                      <m:sSubPr>
+                        <m:ctrlPr>
+                          <a:rPr i="1">
+                            <a:latin typeface="Cambria Math" panose="02040503050406030204" pitchFamily="18" charset="0"/>
+                          </a:rPr>
+                        </m:ctrlPr>
+                      </m:sSubPr>
+                      <m:e>
+                        <m:r>
+                          <a:rPr>
+                            <a:latin typeface="Cambria Math" panose="02040503050406030204" pitchFamily="18" charset="0"/>
+                          </a:rPr>
+                          <m:t>𝐱</m:t>
+                        </m:r>
+                      </m:e>
+                      <m:sub>
+                        <m:r>
+                          <a:rPr>
+                            <a:latin typeface="Cambria Math" panose="02040503050406030204" pitchFamily="18" charset="0"/>
+                          </a:rPr>
+                          <m:t>𝑖</m:t>
+                        </m:r>
+                      </m:sub>
+                    </m:sSub>
+                  </m:oMath>
+                </a14:m>
+                <a:endParaRPr/>
+              </a:p>
+              <a:p>
+                <a:pPr marL="0" lvl="0" indent="0">
+                  <a:buNone/>
+                </a:pPr>
+                <a14:m>
+                  <m:oMathPara xmlns:m="http://schemas.openxmlformats.org/officeDocument/2006/math">
+                    <m:oMathParaPr>
+                      <m:jc m:val="center"/>
+                    </m:oMathParaPr>
+                    <m:oMath xmlns:m="http://schemas.openxmlformats.org/officeDocument/2006/math">
+                      <m:r>
+                        <a:rPr>
                           <a:latin typeface="Cambria Math" panose="02040503050406030204" pitchFamily="18" charset="0"/>
                         </a:rPr>
-                      </m:ctrlPr>
-                    </m:dPr>
-                    <m:e>
+                        <m:t>𝑙𝑜𝑔</m:t>
+                      </m:r>
+                      <m:d>
+                        <m:dPr>
+                          <m:ctrlPr>
+                            <a:rPr i="1">
+                              <a:latin typeface="Cambria Math" panose="02040503050406030204" pitchFamily="18" charset="0"/>
+                            </a:rPr>
+                          </m:ctrlPr>
+                        </m:dPr>
+                        <m:e>
+                          <m:sSub>
+                            <m:sSubPr>
+                              <m:ctrlPr>
+                                <a:rPr i="1">
+                                  <a:latin typeface="Cambria Math" panose="02040503050406030204" pitchFamily="18" charset="0"/>
+                                </a:rPr>
+                              </m:ctrlPr>
+                            </m:sSubPr>
+                            <m:e>
+                              <m:r>
+                                <a:rPr>
+                                  <a:latin typeface="Cambria Math" panose="02040503050406030204" pitchFamily="18" charset="0"/>
+                                </a:rPr>
+                                <m:t>𝜆</m:t>
+                              </m:r>
+                            </m:e>
+                            <m:sub>
+                              <m:r>
+                                <a:rPr>
+                                  <a:latin typeface="Cambria Math" panose="02040503050406030204" pitchFamily="18" charset="0"/>
+                                </a:rPr>
+                                <m:t>𝑖</m:t>
+                              </m:r>
+                            </m:sub>
+                          </m:sSub>
+                        </m:e>
+                      </m:d>
+                      <m:r>
+                        <a:rPr>
+                          <a:latin typeface="Cambria Math" panose="02040503050406030204" pitchFamily="18" charset="0"/>
+                        </a:rPr>
+                        <m:t>=</m:t>
+                      </m:r>
+                      <m:sSub>
+                        <m:sSubPr>
+                          <m:ctrlPr>
+                            <a:rPr i="1">
+                              <a:latin typeface="Cambria Math" panose="02040503050406030204" pitchFamily="18" charset="0"/>
+                            </a:rPr>
+                          </m:ctrlPr>
+                        </m:sSubPr>
+                        <m:e>
+                          <m:r>
+                            <a:rPr>
+                              <a:latin typeface="Cambria Math" panose="02040503050406030204" pitchFamily="18" charset="0"/>
+                            </a:rPr>
+                            <m:t>𝛽</m:t>
+                          </m:r>
+                        </m:e>
+                        <m:sub>
+                          <m:r>
+                            <a:rPr>
+                              <a:latin typeface="Cambria Math" panose="02040503050406030204" pitchFamily="18" charset="0"/>
+                            </a:rPr>
+                            <m:t>0</m:t>
+                          </m:r>
+                        </m:sub>
+                      </m:sSub>
+                      <m:r>
+                        <a:rPr>
+                          <a:latin typeface="Cambria Math" panose="02040503050406030204" pitchFamily="18" charset="0"/>
+                        </a:rPr>
+                        <m:t>+</m:t>
+                      </m:r>
+                      <m:sSub>
+                        <m:sSubPr>
+                          <m:ctrlPr>
+                            <a:rPr i="1">
+                              <a:latin typeface="Cambria Math" panose="02040503050406030204" pitchFamily="18" charset="0"/>
+                            </a:rPr>
+                          </m:ctrlPr>
+                        </m:sSubPr>
+                        <m:e>
+                          <m:r>
+                            <a:rPr>
+                              <a:latin typeface="Cambria Math" panose="02040503050406030204" pitchFamily="18" charset="0"/>
+                            </a:rPr>
+                            <m:t>𝐱</m:t>
+                          </m:r>
+                        </m:e>
+                        <m:sub>
+                          <m:r>
+                            <a:rPr>
+                              <a:latin typeface="Cambria Math" panose="02040503050406030204" pitchFamily="18" charset="0"/>
+                            </a:rPr>
+                            <m:t>𝑖</m:t>
+                          </m:r>
+                        </m:sub>
+                      </m:sSub>
+                      <m:acc>
+                        <m:accPr>
+                          <m:chr m:val="⃗"/>
+                          <m:ctrlPr>
+                            <a:rPr i="1">
+                              <a:latin typeface="Cambria Math" panose="02040503050406030204" pitchFamily="18" charset="0"/>
+                            </a:rPr>
+                          </m:ctrlPr>
+                        </m:accPr>
+                        <m:e>
+                          <m:r>
+                            <a:rPr>
+                              <a:latin typeface="Cambria Math" panose="02040503050406030204" pitchFamily="18" charset="0"/>
+                            </a:rPr>
+                            <m:t>𝛽</m:t>
+                          </m:r>
+                        </m:e>
+                      </m:acc>
+                      <m:r>
+                        <a:rPr>
+                          <a:latin typeface="Cambria Math" panose="02040503050406030204" pitchFamily="18" charset="0"/>
+                        </a:rPr>
+                        <m:t>⇔</m:t>
+                      </m:r>
                       <m:sSub>
                         <m:sSubPr>
                           <m:ctrlPr>
@@ -20320,236 +23203,158 @@
                           </m:r>
                         </m:sub>
                       </m:sSub>
-                    </m:e>
-                  </m:d>
-                  <m:r>
-                    <a:rPr>
-                      <a:latin typeface="Cambria Math" panose="02040503050406030204" pitchFamily="18" charset="0"/>
-                    </a:rPr>
-                    <m:t>=</m:t>
-                  </m:r>
-                  <m:sSub>
-                    <m:sSubPr>
-                      <m:ctrlPr>
-                        <a:rPr i="1">
-                          <a:latin typeface="Cambria Math" panose="02040503050406030204" pitchFamily="18" charset="0"/>
-                        </a:rPr>
-                      </m:ctrlPr>
-                    </m:sSubPr>
-                    <m:e>
                       <m:r>
                         <a:rPr>
                           <a:latin typeface="Cambria Math" panose="02040503050406030204" pitchFamily="18" charset="0"/>
                         </a:rPr>
-                        <m:t>𝛽</m:t>
+                        <m:t>=</m:t>
                       </m:r>
-                    </m:e>
-                    <m:sub>
-                      <m:r>
-                        <a:rPr>
-                          <a:latin typeface="Cambria Math" panose="02040503050406030204" pitchFamily="18" charset="0"/>
-                        </a:rPr>
-                        <m:t>0</m:t>
-                      </m:r>
-                    </m:sub>
-                  </m:sSub>
-                  <m:r>
-                    <a:rPr>
-                      <a:latin typeface="Cambria Math" panose="02040503050406030204" pitchFamily="18" charset="0"/>
-                    </a:rPr>
-                    <m:t>+</m:t>
-                  </m:r>
-                  <m:sSub>
-                    <m:sSubPr>
-                      <m:ctrlPr>
-                        <a:rPr i="1">
-                          <a:latin typeface="Cambria Math" panose="02040503050406030204" pitchFamily="18" charset="0"/>
-                        </a:rPr>
-                      </m:ctrlPr>
-                    </m:sSubPr>
-                    <m:e>
-                      <m:r>
-                        <a:rPr>
-                          <a:latin typeface="Cambria Math" panose="02040503050406030204" pitchFamily="18" charset="0"/>
-                        </a:rPr>
-                        <m:t>𝐱</m:t>
-                      </m:r>
-                    </m:e>
-                    <m:sub>
-                      <m:r>
-                        <a:rPr>
-                          <a:latin typeface="Cambria Math" panose="02040503050406030204" pitchFamily="18" charset="0"/>
-                        </a:rPr>
-                        <m:t>𝑖</m:t>
-                      </m:r>
-                    </m:sub>
-                  </m:sSub>
-                  <m:acc>
-                    <m:accPr>
-                      <m:chr m:val="⃗"/>
-                      <m:ctrlPr>
-                        <a:rPr i="1">
-                          <a:latin typeface="Cambria Math" panose="02040503050406030204" pitchFamily="18" charset="0"/>
-                        </a:rPr>
-                      </m:ctrlPr>
-                    </m:accPr>
-                    <m:e>
-                      <m:r>
-                        <a:rPr>
-                          <a:latin typeface="Cambria Math" panose="02040503050406030204" pitchFamily="18" charset="0"/>
-                        </a:rPr>
-                        <m:t>𝛽</m:t>
-                      </m:r>
-                    </m:e>
-                  </m:acc>
-                  <m:r>
-                    <a:rPr>
-                      <a:latin typeface="Cambria Math" panose="02040503050406030204" pitchFamily="18" charset="0"/>
-                    </a:rPr>
-                    <m:t>⇔</m:t>
-                  </m:r>
-                  <m:sSub>
-                    <m:sSubPr>
-                      <m:ctrlPr>
-                        <a:rPr i="1">
-                          <a:latin typeface="Cambria Math" panose="02040503050406030204" pitchFamily="18" charset="0"/>
-                        </a:rPr>
-                      </m:ctrlPr>
-                    </m:sSubPr>
-                    <m:e>
-                      <m:r>
-                        <a:rPr>
-                          <a:latin typeface="Cambria Math" panose="02040503050406030204" pitchFamily="18" charset="0"/>
-                        </a:rPr>
-                        <m:t>𝜆</m:t>
-                      </m:r>
-                    </m:e>
-                    <m:sub>
-                      <m:r>
-                        <a:rPr>
-                          <a:latin typeface="Cambria Math" panose="02040503050406030204" pitchFamily="18" charset="0"/>
-                        </a:rPr>
-                        <m:t>𝑖</m:t>
-                      </m:r>
-                    </m:sub>
-                  </m:sSub>
-                  <m:r>
-                    <a:rPr>
-                      <a:latin typeface="Cambria Math" panose="02040503050406030204" pitchFamily="18" charset="0"/>
-                    </a:rPr>
-                    <m:t>=</m:t>
-                  </m:r>
-                  <m:sSup>
-                    <m:sSupPr>
-                      <m:ctrlPr>
-                        <a:rPr i="1">
-                          <a:latin typeface="Cambria Math" panose="02040503050406030204" pitchFamily="18" charset="0"/>
-                        </a:rPr>
-                      </m:ctrlPr>
-                    </m:sSupPr>
-                    <m:e>
-                      <m:r>
-                        <a:rPr>
-                          <a:latin typeface="Cambria Math" panose="02040503050406030204" pitchFamily="18" charset="0"/>
-                        </a:rPr>
-                        <m:t>𝑒</m:t>
-                      </m:r>
-                    </m:e>
-                    <m:sup>
-                      <m:d>
-                        <m:dPr>
+                      <m:sSup>
+                        <m:sSupPr>
                           <m:ctrlPr>
                             <a:rPr i="1">
                               <a:latin typeface="Cambria Math" panose="02040503050406030204" pitchFamily="18" charset="0"/>
                             </a:rPr>
                           </m:ctrlPr>
-                        </m:dPr>
+                        </m:sSupPr>
                         <m:e>
-                          <m:sSub>
-                            <m:sSubPr>
+                          <m:r>
+                            <a:rPr>
+                              <a:latin typeface="Cambria Math" panose="02040503050406030204" pitchFamily="18" charset="0"/>
+                            </a:rPr>
+                            <m:t>𝑒</m:t>
+                          </m:r>
+                        </m:e>
+                        <m:sup>
+                          <m:d>
+                            <m:dPr>
                               <m:ctrlPr>
                                 <a:rPr i="1">
                                   <a:latin typeface="Cambria Math" panose="02040503050406030204" pitchFamily="18" charset="0"/>
                                 </a:rPr>
                               </m:ctrlPr>
-                            </m:sSubPr>
+                            </m:dPr>
                             <m:e>
+                              <m:sSub>
+                                <m:sSubPr>
+                                  <m:ctrlPr>
+                                    <a:rPr i="1">
+                                      <a:latin typeface="Cambria Math" panose="02040503050406030204" pitchFamily="18" charset="0"/>
+                                    </a:rPr>
+                                  </m:ctrlPr>
+                                </m:sSubPr>
+                                <m:e>
+                                  <m:r>
+                                    <a:rPr>
+                                      <a:latin typeface="Cambria Math" panose="02040503050406030204" pitchFamily="18" charset="0"/>
+                                    </a:rPr>
+                                    <m:t>𝛽</m:t>
+                                  </m:r>
+                                </m:e>
+                                <m:sub>
+                                  <m:r>
+                                    <a:rPr>
+                                      <a:latin typeface="Cambria Math" panose="02040503050406030204" pitchFamily="18" charset="0"/>
+                                    </a:rPr>
+                                    <m:t>0</m:t>
+                                  </m:r>
+                                </m:sub>
+                              </m:sSub>
                               <m:r>
                                 <a:rPr>
                                   <a:latin typeface="Cambria Math" panose="02040503050406030204" pitchFamily="18" charset="0"/>
                                 </a:rPr>
-                                <m:t>𝛽</m:t>
+                                <m:t>+</m:t>
                               </m:r>
+                              <m:sSub>
+                                <m:sSubPr>
+                                  <m:ctrlPr>
+                                    <a:rPr i="1">
+                                      <a:latin typeface="Cambria Math" panose="02040503050406030204" pitchFamily="18" charset="0"/>
+                                    </a:rPr>
+                                  </m:ctrlPr>
+                                </m:sSubPr>
+                                <m:e>
+                                  <m:r>
+                                    <a:rPr>
+                                      <a:latin typeface="Cambria Math" panose="02040503050406030204" pitchFamily="18" charset="0"/>
+                                    </a:rPr>
+                                    <m:t>𝐱</m:t>
+                                  </m:r>
+                                </m:e>
+                                <m:sub>
+                                  <m:r>
+                                    <a:rPr>
+                                      <a:latin typeface="Cambria Math" panose="02040503050406030204" pitchFamily="18" charset="0"/>
+                                    </a:rPr>
+                                    <m:t>𝑖</m:t>
+                                  </m:r>
+                                </m:sub>
+                              </m:sSub>
+                              <m:acc>
+                                <m:accPr>
+                                  <m:chr m:val="⃗"/>
+                                  <m:ctrlPr>
+                                    <a:rPr i="1">
+                                      <a:latin typeface="Cambria Math" panose="02040503050406030204" pitchFamily="18" charset="0"/>
+                                    </a:rPr>
+                                  </m:ctrlPr>
+                                </m:accPr>
+                                <m:e>
+                                  <m:r>
+                                    <a:rPr>
+                                      <a:latin typeface="Cambria Math" panose="02040503050406030204" pitchFamily="18" charset="0"/>
+                                    </a:rPr>
+                                    <m:t>𝛽</m:t>
+                                  </m:r>
+                                </m:e>
+                              </m:acc>
                             </m:e>
-                            <m:sub>
-                              <m:r>
-                                <a:rPr>
-                                  <a:latin typeface="Cambria Math" panose="02040503050406030204" pitchFamily="18" charset="0"/>
-                                </a:rPr>
-                                <m:t>0</m:t>
-                              </m:r>
-                            </m:sub>
-                          </m:sSub>
-                          <m:r>
-                            <a:rPr>
-                              <a:latin typeface="Cambria Math" panose="02040503050406030204" pitchFamily="18" charset="0"/>
-                            </a:rPr>
-                            <m:t>+</m:t>
-                          </m:r>
-                          <m:sSub>
-                            <m:sSubPr>
-                              <m:ctrlPr>
-                                <a:rPr i="1">
-                                  <a:latin typeface="Cambria Math" panose="02040503050406030204" pitchFamily="18" charset="0"/>
-                                </a:rPr>
-                              </m:ctrlPr>
-                            </m:sSubPr>
-                            <m:e>
-                              <m:r>
-                                <a:rPr>
-                                  <a:latin typeface="Cambria Math" panose="02040503050406030204" pitchFamily="18" charset="0"/>
-                                </a:rPr>
-                                <m:t>𝐱</m:t>
-                              </m:r>
-                            </m:e>
-                            <m:sub>
-                              <m:r>
-                                <a:rPr>
-                                  <a:latin typeface="Cambria Math" panose="02040503050406030204" pitchFamily="18" charset="0"/>
-                                </a:rPr>
-                                <m:t>𝑖</m:t>
-                              </m:r>
-                            </m:sub>
-                          </m:sSub>
-                          <m:acc>
-                            <m:accPr>
-                              <m:chr m:val="⃗"/>
-                              <m:ctrlPr>
-                                <a:rPr i="1">
-                                  <a:latin typeface="Cambria Math" panose="02040503050406030204" pitchFamily="18" charset="0"/>
-                                </a:rPr>
-                              </m:ctrlPr>
-                            </m:accPr>
-                            <m:e>
-                              <m:r>
-                                <a:rPr>
-                                  <a:latin typeface="Cambria Math" panose="02040503050406030204" pitchFamily="18" charset="0"/>
-                                </a:rPr>
-                                <m:t>𝛽</m:t>
-                              </m:r>
-                            </m:e>
-                          </m:acc>
-                        </m:e>
-                      </m:d>
-                    </m:sup>
-                  </m:sSup>
-                </m:oMath>
-              </m:oMathPara>
-            </a14:m>
-            <a:endParaRPr/>
-          </a:p>
-        </p:txBody>
-      </p:sp>
+                          </m:d>
+                        </m:sup>
+                      </m:sSup>
+                    </m:oMath>
+                  </m:oMathPara>
+                </a14:m>
+                <a:endParaRPr/>
+              </a:p>
+            </p:txBody>
+          </p:sp>
+        </mc:Choice>
+        <mc:Fallback>
+          <p:sp>
+            <p:nvSpPr>
+              <p:cNvPr id="3" name="Content Placeholder 2"/>
+              <p:cNvSpPr>
+                <a:spLocks noGrp="1" noRot="1" noChangeAspect="1" noMove="1" noResize="1" noEditPoints="1" noAdjustHandles="1" noChangeArrowheads="1" noChangeShapeType="1" noTextEdit="1"/>
+              </p:cNvSpPr>
+              <p:nvPr>
+                <p:ph idx="1"/>
+              </p:nvPr>
+            </p:nvSpPr>
+            <p:spPr>
+              <a:blipFill>
+                <a:blip r:embed="rId2"/>
+                <a:stretch>
+                  <a:fillRect l="-1111" t="-1436"/>
+                </a:stretch>
+              </a:blipFill>
+            </p:spPr>
+            <p:txBody>
+              <a:bodyPr/>
+              <a:lstStyle/>
+              <a:p>
+                <a:r>
+                  <a:rPr lang="en-US">
+                    <a:noFill/>
+                  </a:rPr>
+                  <a:t> </a:t>
+                </a:r>
+              </a:p>
+            </p:txBody>
+          </p:sp>
+        </mc:Fallback>
+      </mc:AlternateContent>
     </p:spTree>
   </p:cSld>
   <p:clrMapOvr>
@@ -21319,8 +24124,8 @@
           </a:p>
         </p:txBody>
       </p:sp>
-      <mc:AlternateContent xmlns:mc="http://schemas.openxmlformats.org/markup-compatibility/2006">
-        <mc:Choice xmlns:a14="http://schemas.microsoft.com/office/drawing/2010/main" Requires="a14">
+      <mc:AlternateContent xmlns:mc="http://schemas.openxmlformats.org/markup-compatibility/2006" xmlns:a14="http://schemas.microsoft.com/office/drawing/2010/main">
+        <mc:Choice Requires="a14">
           <p:sp>
             <p:nvSpPr>
               <p:cNvPr id="3" name="Content Placeholder 2"/>
@@ -21473,7 +24278,7 @@
             </p:txBody>
           </p:sp>
         </mc:Choice>
-        <mc:Fallback>
+        <mc:Fallback xmlns="">
           <p:sp>
             <p:nvSpPr>
               <p:cNvPr id="3" name="Content Placeholder 2"/>

--- a/LectureSlides/09_GeneralizingTheLinearModel.pptx
+++ b/LectureSlides/09_GeneralizingTheLinearModel.pptx
@@ -5,7 +5,7 @@
     <p:sldMasterId id="2147483648" r:id="rId1"/>
   </p:sldMasterIdLst>
   <p:notesMasterIdLst>
-    <p:notesMasterId r:id="rId56"/>
+    <p:notesMasterId r:id="rId57"/>
   </p:notesMasterIdLst>
   <p:sldIdLst>
     <p:sldId id="308" r:id="rId2"/>
@@ -18,8 +18,8 @@
     <p:sldId id="316" r:id="rId9"/>
     <p:sldId id="263" r:id="rId10"/>
     <p:sldId id="310" r:id="rId11"/>
-    <p:sldId id="309" r:id="rId12"/>
-    <p:sldId id="268" r:id="rId13"/>
+    <p:sldId id="268" r:id="rId12"/>
+    <p:sldId id="309" r:id="rId13"/>
     <p:sldId id="269" r:id="rId14"/>
     <p:sldId id="311" r:id="rId15"/>
     <p:sldId id="312" r:id="rId16"/>
@@ -61,7 +61,8 @@
     <p:sldId id="304" r:id="rId52"/>
     <p:sldId id="305" r:id="rId53"/>
     <p:sldId id="306" r:id="rId54"/>
-    <p:sldId id="307" r:id="rId55"/>
+    <p:sldId id="327" r:id="rId55"/>
+    <p:sldId id="307" r:id="rId56"/>
   </p:sldIdLst>
   <p:sldSz cx="9144000" cy="5143500" type="screen16x9"/>
   <p:notesSz cx="6858000" cy="9144000"/>
@@ -261,7 +262,7 @@
           <a:p>
             <a:fld id="{35BCC803-D91A-40A8-8BFC-49FB40BF6589}" type="datetimeFigureOut">
               <a:rPr lang="en-US" smtClean="0"/>
-              <a:t>9/30/2024</a:t>
+              <a:t>10/14/2024</a:t>
             </a:fld>
             <a:endParaRPr lang="en-US"/>
           </a:p>
@@ -533,6 +534,114 @@
   <p:cSld>
     <p:spTree>
       <p:nvGrpSpPr>
+        <p:cNvPr id="1" name="">
+          <a:extLst>
+            <a:ext uri="{FF2B5EF4-FFF2-40B4-BE49-F238E27FC236}">
+              <a16:creationId xmlns:a16="http://schemas.microsoft.com/office/drawing/2014/main" id="{B73B7169-E60F-930B-6A0C-55E8CD261333}"/>
+            </a:ext>
+          </a:extLst>
+        </p:cNvPr>
+        <p:cNvGrpSpPr/>
+        <p:nvPr/>
+      </p:nvGrpSpPr>
+      <p:grpSpPr>
+        <a:xfrm>
+          <a:off x="0" y="0"/>
+          <a:ext cx="0" cy="0"/>
+          <a:chOff x="0" y="0"/>
+          <a:chExt cx="0" cy="0"/>
+        </a:xfrm>
+      </p:grpSpPr>
+      <p:sp>
+        <p:nvSpPr>
+          <p:cNvPr id="2" name="Slide Image Placeholder 1">
+            <a:extLst>
+              <a:ext uri="{FF2B5EF4-FFF2-40B4-BE49-F238E27FC236}">
+                <a16:creationId xmlns:a16="http://schemas.microsoft.com/office/drawing/2014/main" id="{5B8183DB-E2EE-CC1D-04EF-C374A527EE86}"/>
+              </a:ext>
+            </a:extLst>
+          </p:cNvPr>
+          <p:cNvSpPr>
+            <a:spLocks noGrp="1" noRot="1" noChangeAspect="1"/>
+          </p:cNvSpPr>
+          <p:nvPr>
+            <p:ph type="sldImg"/>
+          </p:nvPr>
+        </p:nvSpPr>
+        <p:spPr/>
+      </p:sp>
+      <p:sp>
+        <p:nvSpPr>
+          <p:cNvPr id="3" name="Notes Placeholder 2">
+            <a:extLst>
+              <a:ext uri="{FF2B5EF4-FFF2-40B4-BE49-F238E27FC236}">
+                <a16:creationId xmlns:a16="http://schemas.microsoft.com/office/drawing/2014/main" id="{532BFB3D-B3D9-2BC3-5D34-CE5CAB41BD99}"/>
+              </a:ext>
+            </a:extLst>
+          </p:cNvPr>
+          <p:cNvSpPr>
+            <a:spLocks noGrp="1"/>
+          </p:cNvSpPr>
+          <p:nvPr>
+            <p:ph type="body" idx="1"/>
+          </p:nvPr>
+        </p:nvSpPr>
+        <p:spPr/>
+        <p:txBody>
+          <a:bodyPr/>
+          <a:lstStyle/>
+          <a:p>
+            <a:endParaRPr lang="en-US" dirty="0"/>
+          </a:p>
+        </p:txBody>
+      </p:sp>
+      <p:sp>
+        <p:nvSpPr>
+          <p:cNvPr id="4" name="Slide Number Placeholder 3">
+            <a:extLst>
+              <a:ext uri="{FF2B5EF4-FFF2-40B4-BE49-F238E27FC236}">
+                <a16:creationId xmlns:a16="http://schemas.microsoft.com/office/drawing/2014/main" id="{83950127-2018-926A-87DD-BC8E86BAFF33}"/>
+              </a:ext>
+            </a:extLst>
+          </p:cNvPr>
+          <p:cNvSpPr>
+            <a:spLocks noGrp="1"/>
+          </p:cNvSpPr>
+          <p:nvPr>
+            <p:ph type="sldNum" sz="quarter" idx="5"/>
+          </p:nvPr>
+        </p:nvSpPr>
+        <p:spPr/>
+        <p:txBody>
+          <a:bodyPr/>
+          <a:lstStyle/>
+          <a:p>
+            <a:fld id="{979D3DEE-884F-4AC4-B40C-E4221C7984B1}" type="slidenum">
+              <a:rPr lang="en-US" smtClean="0"/>
+              <a:t>54</a:t>
+            </a:fld>
+            <a:endParaRPr lang="en-US"/>
+          </a:p>
+        </p:txBody>
+      </p:sp>
+    </p:spTree>
+    <p:extLst>
+      <p:ext uri="{BB962C8B-B14F-4D97-AF65-F5344CB8AC3E}">
+        <p14:creationId xmlns:p14="http://schemas.microsoft.com/office/powerpoint/2010/main" val="4095388253"/>
+      </p:ext>
+    </p:extLst>
+  </p:cSld>
+  <p:clrMapOvr>
+    <a:masterClrMapping/>
+  </p:clrMapOvr>
+</p:notes>
+</file>
+
+<file path=ppt/notesSlides/notesSlide2.xml><?xml version="1.0" encoding="utf-8"?>
+<p:notes xmlns:a="http://schemas.openxmlformats.org/drawingml/2006/main" xmlns:r="http://schemas.openxmlformats.org/officeDocument/2006/relationships" xmlns:p="http://schemas.openxmlformats.org/presentationml/2006/main">
+  <p:cSld>
+    <p:spTree>
+      <p:nvGrpSpPr>
         <p:cNvPr id="1" name=""/>
         <p:cNvGrpSpPr/>
         <p:nvPr/>
@@ -593,7 +702,7 @@
           <a:p>
             <a:fld id="{979D3DEE-884F-4AC4-B40C-E4221C7984B1}" type="slidenum">
               <a:rPr lang="en-US" smtClean="0"/>
-              <a:t>54</a:t>
+              <a:t>55</a:t>
             </a:fld>
             <a:endParaRPr lang="en-US"/>
           </a:p>
@@ -791,7 +900,7 @@
           <a:p>
             <a:fld id="{241EB5C9-1307-BA42-ABA2-0BC069CD8E7F}" type="datetimeFigureOut">
               <a:rPr lang="en-US" smtClean="0"/>
-              <a:t>9/29/2024</a:t>
+              <a:t>10/14/2024</a:t>
             </a:fld>
             <a:endParaRPr lang="en-US"/>
           </a:p>
@@ -959,7 +1068,7 @@
           <a:p>
             <a:fld id="{241EB5C9-1307-BA42-ABA2-0BC069CD8E7F}" type="datetimeFigureOut">
               <a:rPr lang="en-US" smtClean="0"/>
-              <a:t>9/29/2024</a:t>
+              <a:t>10/14/2024</a:t>
             </a:fld>
             <a:endParaRPr lang="en-US"/>
           </a:p>
@@ -1137,7 +1246,7 @@
           <a:p>
             <a:fld id="{241EB5C9-1307-BA42-ABA2-0BC069CD8E7F}" type="datetimeFigureOut">
               <a:rPr lang="en-US" smtClean="0"/>
-              <a:t>9/29/2024</a:t>
+              <a:t>10/14/2024</a:t>
             </a:fld>
             <a:endParaRPr lang="en-US"/>
           </a:p>
@@ -1305,7 +1414,7 @@
           <a:p>
             <a:fld id="{241EB5C9-1307-BA42-ABA2-0BC069CD8E7F}" type="datetimeFigureOut">
               <a:rPr lang="en-US" smtClean="0"/>
-              <a:t>9/29/2024</a:t>
+              <a:t>10/14/2024</a:t>
             </a:fld>
             <a:endParaRPr lang="en-US"/>
           </a:p>
@@ -1550,7 +1659,7 @@
           <a:p>
             <a:fld id="{241EB5C9-1307-BA42-ABA2-0BC069CD8E7F}" type="datetimeFigureOut">
               <a:rPr lang="en-US" smtClean="0"/>
-              <a:t>9/29/2024</a:t>
+              <a:t>10/14/2024</a:t>
             </a:fld>
             <a:endParaRPr lang="en-US"/>
           </a:p>
@@ -1835,7 +1944,7 @@
           <a:p>
             <a:fld id="{241EB5C9-1307-BA42-ABA2-0BC069CD8E7F}" type="datetimeFigureOut">
               <a:rPr lang="en-US" smtClean="0"/>
-              <a:t>9/29/2024</a:t>
+              <a:t>10/14/2024</a:t>
             </a:fld>
             <a:endParaRPr lang="en-US"/>
           </a:p>
@@ -2254,7 +2363,7 @@
           <a:p>
             <a:fld id="{241EB5C9-1307-BA42-ABA2-0BC069CD8E7F}" type="datetimeFigureOut">
               <a:rPr lang="en-US" smtClean="0"/>
-              <a:t>9/29/2024</a:t>
+              <a:t>10/14/2024</a:t>
             </a:fld>
             <a:endParaRPr lang="en-US"/>
           </a:p>
@@ -2371,7 +2480,7 @@
           <a:p>
             <a:fld id="{241EB5C9-1307-BA42-ABA2-0BC069CD8E7F}" type="datetimeFigureOut">
               <a:rPr lang="en-US" smtClean="0"/>
-              <a:t>9/29/2024</a:t>
+              <a:t>10/14/2024</a:t>
             </a:fld>
             <a:endParaRPr lang="en-US"/>
           </a:p>
@@ -2466,7 +2575,7 @@
           <a:p>
             <a:fld id="{241EB5C9-1307-BA42-ABA2-0BC069CD8E7F}" type="datetimeFigureOut">
               <a:rPr lang="en-US" smtClean="0"/>
-              <a:t>9/29/2024</a:t>
+              <a:t>10/14/2024</a:t>
             </a:fld>
             <a:endParaRPr lang="en-US"/>
           </a:p>
@@ -2741,7 +2850,7 @@
           <a:p>
             <a:fld id="{241EB5C9-1307-BA42-ABA2-0BC069CD8E7F}" type="datetimeFigureOut">
               <a:rPr lang="en-US" smtClean="0"/>
-              <a:t>9/29/2024</a:t>
+              <a:t>10/14/2024</a:t>
             </a:fld>
             <a:endParaRPr lang="en-US"/>
           </a:p>
@@ -2993,7 +3102,7 @@
           <a:p>
             <a:fld id="{241EB5C9-1307-BA42-ABA2-0BC069CD8E7F}" type="datetimeFigureOut">
               <a:rPr lang="en-US" smtClean="0"/>
-              <a:t>9/29/2024</a:t>
+              <a:t>10/14/2024</a:t>
             </a:fld>
             <a:endParaRPr lang="en-US"/>
           </a:p>
@@ -3204,7 +3313,7 @@
           <a:p>
             <a:fld id="{241EB5C9-1307-BA42-ABA2-0BC069CD8E7F}" type="datetimeFigureOut">
               <a:rPr lang="en-US" smtClean="0"/>
-              <a:t>9/29/2024</a:t>
+              <a:t>10/14/2024</a:t>
             </a:fld>
             <a:endParaRPr lang="en-US"/>
           </a:p>
@@ -3863,15 +3972,11 @@
             </a:pPr>
             <a:r>
               <a:rPr lang="en-US" sz="2000" dirty="0"/>
-              <a:t>Create design matrix with </a:t>
-            </a:r>
-            <a:r>
-              <a:rPr lang="en-US" sz="2000" b="1" dirty="0" err="1"/>
-              <a:t>with</a:t>
+              <a:t>Create design matrix </a:t>
             </a:r>
             <a:r>
               <a:rPr lang="en-US" sz="2000" b="1" dirty="0"/>
-              <a:t> an intercept term</a:t>
+              <a:t>with an intercept term</a:t>
             </a:r>
             <a:endParaRPr sz="2000" b="1" dirty="0"/>
           </a:p>
@@ -4853,1061 +4958,6 @@
             <p:ph type="title"/>
           </p:nvPr>
         </p:nvSpPr>
-        <p:spPr>
-          <a:xfrm>
-            <a:off x="457200" y="205979"/>
-            <a:ext cx="8229600" cy="590565"/>
-          </a:xfrm>
-        </p:spPr>
-        <p:txBody>
-          <a:bodyPr>
-            <a:normAutofit fontScale="90000"/>
-          </a:bodyPr>
-          <a:lstStyle/>
-          <a:p>
-            <a:pPr marL="0" lvl="0" indent="0">
-              <a:buNone/>
-            </a:pPr>
-            <a:r>
-              <a:rPr dirty="0"/>
-              <a:t>Working with Categorical Variables</a:t>
-            </a:r>
-          </a:p>
-        </p:txBody>
-      </p:sp>
-      <p:sp>
-        <p:nvSpPr>
-          <p:cNvPr id="3" name="Content Placeholder 2"/>
-          <p:cNvSpPr>
-            <a:spLocks noGrp="1"/>
-          </p:cNvSpPr>
-          <p:nvPr>
-            <p:ph idx="1"/>
-          </p:nvPr>
-        </p:nvSpPr>
-        <p:spPr>
-          <a:xfrm>
-            <a:off x="428752" y="841247"/>
-            <a:ext cx="8229600" cy="1849257"/>
-          </a:xfrm>
-        </p:spPr>
-        <p:txBody>
-          <a:bodyPr>
-            <a:noAutofit/>
-          </a:bodyPr>
-          <a:lstStyle/>
-          <a:p>
-            <a:pPr marL="0" lvl="0" indent="0">
-              <a:buNone/>
-            </a:pPr>
-            <a:r>
-              <a:rPr sz="2000" dirty="0"/>
-              <a:t>Example: </a:t>
-            </a:r>
-            <a:r>
-              <a:rPr lang="en-US" sz="2000" dirty="0"/>
-              <a:t>We can construct the model matrices for the auto data using the </a:t>
-            </a:r>
-            <a:r>
-              <a:rPr lang="en-US" sz="2000" dirty="0">
-                <a:hlinkClick r:id="rId2"/>
-              </a:rPr>
-              <a:t>patsy package</a:t>
-            </a:r>
-            <a:endParaRPr lang="en-US" sz="2000" dirty="0"/>
-          </a:p>
-          <a:p>
-            <a:pPr marL="0" lvl="0" indent="0">
-              <a:buNone/>
-            </a:pPr>
-            <a:r>
-              <a:rPr lang="en-US" sz="2000" dirty="0"/>
-              <a:t>Design matrix with </a:t>
-            </a:r>
-            <a:r>
-              <a:rPr lang="en-US" sz="2000" b="1" dirty="0"/>
-              <a:t>no intercept term</a:t>
-            </a:r>
-            <a:endParaRPr sz="2000" b="1" dirty="0"/>
-          </a:p>
-          <a:p>
-            <a:pPr lvl="0" indent="0">
-              <a:buNone/>
-            </a:pPr>
-            <a:r>
-              <a:rPr sz="1600" b="1" dirty="0">
-                <a:solidFill>
-                  <a:srgbClr val="008000"/>
-                </a:solidFill>
-                <a:latin typeface="Courier"/>
-              </a:rPr>
-              <a:t>from</a:t>
-            </a:r>
-            <a:r>
-              <a:rPr sz="1600" dirty="0">
-                <a:latin typeface="Courier"/>
-              </a:rPr>
-              <a:t> patsy </a:t>
-            </a:r>
-            <a:r>
-              <a:rPr sz="1600" b="1" dirty="0">
-                <a:solidFill>
-                  <a:srgbClr val="008000"/>
-                </a:solidFill>
-                <a:latin typeface="Courier"/>
-              </a:rPr>
-              <a:t>import</a:t>
-            </a:r>
-            <a:r>
-              <a:rPr sz="1600" dirty="0">
-                <a:latin typeface="Courier"/>
-              </a:rPr>
-              <a:t> </a:t>
-            </a:r>
-            <a:r>
-              <a:rPr sz="1600" dirty="0" err="1">
-                <a:latin typeface="Courier"/>
-              </a:rPr>
-              <a:t>dmatrices</a:t>
-            </a:r>
-            <a:br>
-              <a:rPr sz="1600" dirty="0"/>
-            </a:br>
-            <a:r>
-              <a:rPr lang="en-US" sz="1600" dirty="0">
-                <a:latin typeface="Courier"/>
-              </a:rPr>
-              <a:t>Y, X = </a:t>
-            </a:r>
-            <a:r>
-              <a:rPr lang="en-US" sz="1600" dirty="0" err="1">
-                <a:latin typeface="Courier"/>
-              </a:rPr>
-              <a:t>dmatrices</a:t>
-            </a:r>
-            <a:r>
-              <a:rPr lang="en-US" sz="1600" dirty="0">
-                <a:latin typeface="Courier"/>
-              </a:rPr>
-              <a:t>('</a:t>
-            </a:r>
-            <a:r>
-              <a:rPr lang="en-US" sz="1600" dirty="0" err="1">
-                <a:latin typeface="Courier"/>
-              </a:rPr>
-              <a:t>city_mpg</a:t>
-            </a:r>
-            <a:r>
-              <a:rPr lang="en-US" sz="1600" dirty="0">
-                <a:latin typeface="Courier"/>
-              </a:rPr>
-              <a:t> ~ -1 + C(</a:t>
-            </a:r>
-            <a:r>
-              <a:rPr lang="en-US" sz="1600" dirty="0" err="1">
-                <a:latin typeface="Courier"/>
-              </a:rPr>
-              <a:t>body_style</a:t>
-            </a:r>
-            <a:r>
-              <a:rPr lang="en-US" sz="1600" dirty="0">
-                <a:latin typeface="Courier"/>
-              </a:rPr>
-              <a:t>) + </a:t>
-            </a:r>
-            <a:r>
-              <a:rPr lang="en-US" sz="1600" dirty="0" err="1">
-                <a:latin typeface="Courier"/>
-              </a:rPr>
-              <a:t>curb_weight</a:t>
-            </a:r>
-            <a:r>
-              <a:rPr lang="en-US" sz="1600" dirty="0">
-                <a:latin typeface="Courier"/>
-              </a:rPr>
-              <a:t> + </a:t>
-            </a:r>
-            <a:r>
-              <a:rPr lang="en-US" sz="1600" dirty="0" err="1">
-                <a:latin typeface="Courier"/>
-              </a:rPr>
-              <a:t>engine_size</a:t>
-            </a:r>
-            <a:r>
-              <a:rPr lang="en-US" sz="1600" dirty="0">
-                <a:latin typeface="Courier"/>
-              </a:rPr>
-              <a:t>', data=</a:t>
-            </a:r>
-            <a:r>
-              <a:rPr lang="en-US" sz="1600" dirty="0" err="1">
-                <a:latin typeface="Courier"/>
-              </a:rPr>
-              <a:t>auto_data</a:t>
-            </a:r>
-            <a:r>
-              <a:rPr lang="en-US" sz="1600" dirty="0">
-                <a:latin typeface="Courier"/>
-              </a:rPr>
-              <a:t>) </a:t>
-            </a:r>
-            <a:r>
-              <a:rPr sz="1600" dirty="0">
-                <a:solidFill>
-                  <a:srgbClr val="008000"/>
-                </a:solidFill>
-                <a:latin typeface="Courier"/>
-              </a:rPr>
-              <a:t>print</a:t>
-            </a:r>
-            <a:r>
-              <a:rPr sz="1600" dirty="0">
-                <a:latin typeface="Courier"/>
-              </a:rPr>
-              <a:t>(X[:</a:t>
-            </a:r>
-            <a:r>
-              <a:rPr sz="1600" dirty="0">
-                <a:solidFill>
-                  <a:srgbClr val="40A070"/>
-                </a:solidFill>
-                <a:latin typeface="Courier"/>
-              </a:rPr>
-              <a:t>5</a:t>
-            </a:r>
-            <a:r>
-              <a:rPr sz="1600" dirty="0">
-                <a:latin typeface="Courier"/>
-              </a:rPr>
-              <a:t>])</a:t>
-            </a:r>
-            <a:endParaRPr lang="en-US" sz="1600" dirty="0">
-              <a:latin typeface="Courier"/>
-            </a:endParaRPr>
-          </a:p>
-        </p:txBody>
-      </p:sp>
-      <mc:AlternateContent xmlns:mc="http://schemas.openxmlformats.org/markup-compatibility/2006" xmlns:a14="http://schemas.microsoft.com/office/drawing/2010/main">
-        <mc:Choice Requires="a14">
-          <p:sp>
-            <p:nvSpPr>
-              <p:cNvPr id="4" name="Content Placeholder 2">
-                <a:extLst>
-                  <a:ext uri="{FF2B5EF4-FFF2-40B4-BE49-F238E27FC236}">
-                    <a16:creationId xmlns:a16="http://schemas.microsoft.com/office/drawing/2014/main" id="{99D81FAE-16F7-3DF6-36F5-F84B1F6CED50}"/>
-                  </a:ext>
-                </a:extLst>
-              </p:cNvPr>
-              <p:cNvSpPr txBox="1">
-                <a:spLocks/>
-              </p:cNvSpPr>
-              <p:nvPr/>
-            </p:nvSpPr>
-            <p:spPr>
-              <a:xfrm>
-                <a:off x="422656" y="2580894"/>
-                <a:ext cx="6325616" cy="475488"/>
-              </a:xfrm>
-              <a:prstGeom prst="rect">
-                <a:avLst/>
-              </a:prstGeom>
-            </p:spPr>
-            <p:txBody>
-              <a:bodyPr vert="horz" lIns="91440" tIns="45720" rIns="91440" bIns="45720" rtlCol="0">
-                <a:noAutofit/>
-              </a:bodyPr>
-              <a:lstStyle>
-                <a:lvl1pPr marL="342900" indent="-342900" algn="l" defTabSz="342900" rtl="0" eaLnBrk="1" latinLnBrk="0" hangingPunct="1">
-                  <a:spcBef>
-                    <a:spcPct val="20000"/>
-                  </a:spcBef>
-                  <a:buFont typeface="Arial"/>
-                  <a:buChar char="•"/>
-                  <a:defRPr sz="2400" kern="1200">
-                    <a:solidFill>
-                      <a:schemeClr val="tx1"/>
-                    </a:solidFill>
-                    <a:latin typeface="+mn-lt"/>
-                    <a:ea typeface="+mn-ea"/>
-                    <a:cs typeface="+mn-cs"/>
-                  </a:defRPr>
-                </a:lvl1pPr>
-                <a:lvl2pPr marL="685800" indent="-342900" algn="l" defTabSz="342900" rtl="0" eaLnBrk="1" latinLnBrk="0" hangingPunct="1">
-                  <a:spcBef>
-                    <a:spcPct val="20000"/>
-                  </a:spcBef>
-                  <a:buFont typeface="Arial"/>
-                  <a:buChar char="–"/>
-                  <a:defRPr sz="2100" kern="1200">
-                    <a:solidFill>
-                      <a:schemeClr val="tx1"/>
-                    </a:solidFill>
-                    <a:latin typeface="+mn-lt"/>
-                    <a:ea typeface="+mn-ea"/>
-                    <a:cs typeface="+mn-cs"/>
-                  </a:defRPr>
-                </a:lvl2pPr>
-                <a:lvl3pPr marL="1028700" indent="-342900" algn="l" defTabSz="342900" rtl="0" eaLnBrk="1" latinLnBrk="0" hangingPunct="1">
-                  <a:spcBef>
-                    <a:spcPct val="20000"/>
-                  </a:spcBef>
-                  <a:buFont typeface="Arial"/>
-                  <a:buChar char="•"/>
-                  <a:defRPr sz="1800" kern="1200">
-                    <a:solidFill>
-                      <a:schemeClr val="tx1"/>
-                    </a:solidFill>
-                    <a:latin typeface="+mn-lt"/>
-                    <a:ea typeface="+mn-ea"/>
-                    <a:cs typeface="+mn-cs"/>
-                  </a:defRPr>
-                </a:lvl3pPr>
-                <a:lvl4pPr marL="1371600" indent="-342900" algn="l" defTabSz="342900" rtl="0" eaLnBrk="1" latinLnBrk="0" hangingPunct="1">
-                  <a:spcBef>
-                    <a:spcPct val="20000"/>
-                  </a:spcBef>
-                  <a:buFont typeface="Arial"/>
-                  <a:buChar char="–"/>
-                  <a:defRPr sz="1500" kern="1200">
-                    <a:solidFill>
-                      <a:schemeClr val="tx1"/>
-                    </a:solidFill>
-                    <a:latin typeface="+mn-lt"/>
-                    <a:ea typeface="+mn-ea"/>
-                    <a:cs typeface="+mn-cs"/>
-                  </a:defRPr>
-                </a:lvl4pPr>
-                <a:lvl5pPr marL="1714500" indent="-342900" algn="l" defTabSz="342900" rtl="0" eaLnBrk="1" latinLnBrk="0" hangingPunct="1">
-                  <a:spcBef>
-                    <a:spcPct val="20000"/>
-                  </a:spcBef>
-                  <a:buFont typeface="Arial"/>
-                  <a:buChar char="»"/>
-                  <a:defRPr sz="1500" kern="1200">
-                    <a:solidFill>
-                      <a:schemeClr val="tx1"/>
-                    </a:solidFill>
-                    <a:latin typeface="+mn-lt"/>
-                    <a:ea typeface="+mn-ea"/>
-                    <a:cs typeface="+mn-cs"/>
-                  </a:defRPr>
-                </a:lvl5pPr>
-                <a:lvl6pPr marL="2057400" indent="-342900" algn="l" defTabSz="342900" rtl="0" eaLnBrk="1" latinLnBrk="0" hangingPunct="1">
-                  <a:spcBef>
-                    <a:spcPct val="20000"/>
-                  </a:spcBef>
-                  <a:buFont typeface="Arial"/>
-                  <a:buChar char="•"/>
-                  <a:defRPr sz="1500" kern="1200">
-                    <a:solidFill>
-                      <a:schemeClr val="tx1"/>
-                    </a:solidFill>
-                    <a:latin typeface="+mn-lt"/>
-                    <a:ea typeface="+mn-ea"/>
-                    <a:cs typeface="+mn-cs"/>
-                  </a:defRPr>
-                </a:lvl6pPr>
-                <a:lvl7pPr marL="2400300" indent="-342900" algn="l" defTabSz="342900" rtl="0" eaLnBrk="1" latinLnBrk="0" hangingPunct="1">
-                  <a:spcBef>
-                    <a:spcPct val="20000"/>
-                  </a:spcBef>
-                  <a:buFont typeface="Arial"/>
-                  <a:buChar char="•"/>
-                  <a:defRPr sz="1500" kern="1200">
-                    <a:solidFill>
-                      <a:schemeClr val="tx1"/>
-                    </a:solidFill>
-                    <a:latin typeface="+mn-lt"/>
-                    <a:ea typeface="+mn-ea"/>
-                    <a:cs typeface="+mn-cs"/>
-                  </a:defRPr>
-                </a:lvl7pPr>
-                <a:lvl8pPr marL="2743200" indent="-342900" algn="l" defTabSz="342900" rtl="0" eaLnBrk="1" latinLnBrk="0" hangingPunct="1">
-                  <a:spcBef>
-                    <a:spcPct val="20000"/>
-                  </a:spcBef>
-                  <a:buFont typeface="Arial"/>
-                  <a:buChar char="•"/>
-                  <a:defRPr sz="1500" kern="1200">
-                    <a:solidFill>
-                      <a:schemeClr val="tx1"/>
-                    </a:solidFill>
-                    <a:latin typeface="+mn-lt"/>
-                    <a:ea typeface="+mn-ea"/>
-                    <a:cs typeface="+mn-cs"/>
-                  </a:defRPr>
-                </a:lvl8pPr>
-                <a:lvl9pPr marL="3086100" indent="-342900" algn="l" defTabSz="342900" rtl="0" eaLnBrk="1" latinLnBrk="0" hangingPunct="1">
-                  <a:spcBef>
-                    <a:spcPct val="20000"/>
-                  </a:spcBef>
-                  <a:buFont typeface="Arial"/>
-                  <a:buChar char="•"/>
-                  <a:defRPr sz="1500" kern="1200">
-                    <a:solidFill>
-                      <a:schemeClr val="tx1"/>
-                    </a:solidFill>
-                    <a:latin typeface="+mn-lt"/>
-                    <a:ea typeface="+mn-ea"/>
-                    <a:cs typeface="+mn-cs"/>
-                  </a:defRPr>
-                </a:lvl9pPr>
-              </a:lstStyle>
-              <a:p>
-                <a:pPr marL="0" indent="0">
-                  <a:buFont typeface="Arial"/>
-                  <a:buNone/>
-                </a:pPr>
-                <a:r>
-                  <a:rPr lang="en-US" sz="2000" dirty="0"/>
-                  <a:t>The design matrix, </a:t>
-                </a:r>
-                <a14:m>
-                  <m:oMath xmlns:m="http://schemas.openxmlformats.org/officeDocument/2006/math">
-                    <m:r>
-                      <a:rPr lang="en-US" sz="2000" b="0" i="1" smtClean="0">
-                        <a:latin typeface="Cambria Math" panose="02040503050406030204" pitchFamily="18" charset="0"/>
-                      </a:rPr>
-                      <m:t>𝑋</m:t>
-                    </m:r>
-                  </m:oMath>
-                </a14:m>
-                <a:r>
-                  <a:rPr lang="en-US" sz="2000" dirty="0"/>
-                  <a:t>:</a:t>
-                </a:r>
-              </a:p>
-              <a:p>
-                <a:pPr marL="0" indent="0">
-                  <a:buFont typeface="Arial"/>
-                  <a:buNone/>
-                </a:pPr>
-                <a:endParaRPr lang="en-US" sz="2000" dirty="0"/>
-              </a:p>
-              <a:p>
-                <a:pPr marL="0" indent="0">
-                  <a:buFont typeface="Arial"/>
-                  <a:buNone/>
-                </a:pPr>
-                <a:endParaRPr lang="en-US" sz="2000" dirty="0"/>
-              </a:p>
-            </p:txBody>
-          </p:sp>
-        </mc:Choice>
-        <mc:Fallback xmlns="">
-          <p:sp>
-            <p:nvSpPr>
-              <p:cNvPr id="4" name="Content Placeholder 2">
-                <a:extLst>
-                  <a:ext uri="{FF2B5EF4-FFF2-40B4-BE49-F238E27FC236}">
-                    <a16:creationId xmlns:a16="http://schemas.microsoft.com/office/drawing/2014/main" id="{99D81FAE-16F7-3DF6-36F5-F84B1F6CED50}"/>
-                  </a:ext>
-                </a:extLst>
-              </p:cNvPr>
-              <p:cNvSpPr txBox="1">
-                <a:spLocks noRot="1" noChangeAspect="1" noMove="1" noResize="1" noEditPoints="1" noAdjustHandles="1" noChangeArrowheads="1" noChangeShapeType="1" noTextEdit="1"/>
-              </p:cNvSpPr>
-              <p:nvPr/>
-            </p:nvSpPr>
-            <p:spPr>
-              <a:xfrm>
-                <a:off x="422656" y="2580894"/>
-                <a:ext cx="6325616" cy="475488"/>
-              </a:xfrm>
-              <a:prstGeom prst="rect">
-                <a:avLst/>
-              </a:prstGeom>
-              <a:blipFill>
-                <a:blip r:embed="rId3"/>
-                <a:stretch>
-                  <a:fillRect l="-963" t="-6410" b="-6410"/>
-                </a:stretch>
-              </a:blipFill>
-            </p:spPr>
-            <p:txBody>
-              <a:bodyPr/>
-              <a:lstStyle/>
-              <a:p>
-                <a:r>
-                  <a:rPr lang="en-US">
-                    <a:noFill/>
-                  </a:rPr>
-                  <a:t> </a:t>
-                </a:r>
-              </a:p>
-            </p:txBody>
-          </p:sp>
-        </mc:Fallback>
-      </mc:AlternateContent>
-      <mc:AlternateContent xmlns:mc="http://schemas.openxmlformats.org/markup-compatibility/2006" xmlns:a14="http://schemas.microsoft.com/office/drawing/2010/main">
-        <mc:Choice Requires="a14">
-          <p:sp>
-            <p:nvSpPr>
-              <p:cNvPr id="5" name="Content Placeholder 2">
-                <a:extLst>
-                  <a:ext uri="{FF2B5EF4-FFF2-40B4-BE49-F238E27FC236}">
-                    <a16:creationId xmlns:a16="http://schemas.microsoft.com/office/drawing/2014/main" id="{768A33E4-DCE0-64DF-03B6-801A28AE3D15}"/>
-                  </a:ext>
-                </a:extLst>
-              </p:cNvPr>
-              <p:cNvSpPr txBox="1">
-                <a:spLocks/>
-              </p:cNvSpPr>
-              <p:nvPr/>
-            </p:nvSpPr>
-            <p:spPr>
-              <a:xfrm>
-                <a:off x="6748272" y="2568702"/>
-                <a:ext cx="2082800" cy="368429"/>
-              </a:xfrm>
-              <a:prstGeom prst="rect">
-                <a:avLst/>
-              </a:prstGeom>
-            </p:spPr>
-            <p:txBody>
-              <a:bodyPr vert="horz" lIns="91440" tIns="45720" rIns="91440" bIns="45720" rtlCol="0">
-                <a:noAutofit/>
-              </a:bodyPr>
-              <a:lstStyle>
-                <a:lvl1pPr marL="342900" indent="-342900" algn="l" defTabSz="342900" rtl="0" eaLnBrk="1" latinLnBrk="0" hangingPunct="1">
-                  <a:spcBef>
-                    <a:spcPct val="20000"/>
-                  </a:spcBef>
-                  <a:buFont typeface="Arial"/>
-                  <a:buChar char="•"/>
-                  <a:defRPr sz="2400" kern="1200">
-                    <a:solidFill>
-                      <a:schemeClr val="tx1"/>
-                    </a:solidFill>
-                    <a:latin typeface="+mn-lt"/>
-                    <a:ea typeface="+mn-ea"/>
-                    <a:cs typeface="+mn-cs"/>
-                  </a:defRPr>
-                </a:lvl1pPr>
-                <a:lvl2pPr marL="685800" indent="-342900" algn="l" defTabSz="342900" rtl="0" eaLnBrk="1" latinLnBrk="0" hangingPunct="1">
-                  <a:spcBef>
-                    <a:spcPct val="20000"/>
-                  </a:spcBef>
-                  <a:buFont typeface="Arial"/>
-                  <a:buChar char="–"/>
-                  <a:defRPr sz="2100" kern="1200">
-                    <a:solidFill>
-                      <a:schemeClr val="tx1"/>
-                    </a:solidFill>
-                    <a:latin typeface="+mn-lt"/>
-                    <a:ea typeface="+mn-ea"/>
-                    <a:cs typeface="+mn-cs"/>
-                  </a:defRPr>
-                </a:lvl2pPr>
-                <a:lvl3pPr marL="1028700" indent="-342900" algn="l" defTabSz="342900" rtl="0" eaLnBrk="1" latinLnBrk="0" hangingPunct="1">
-                  <a:spcBef>
-                    <a:spcPct val="20000"/>
-                  </a:spcBef>
-                  <a:buFont typeface="Arial"/>
-                  <a:buChar char="•"/>
-                  <a:defRPr sz="1800" kern="1200">
-                    <a:solidFill>
-                      <a:schemeClr val="tx1"/>
-                    </a:solidFill>
-                    <a:latin typeface="+mn-lt"/>
-                    <a:ea typeface="+mn-ea"/>
-                    <a:cs typeface="+mn-cs"/>
-                  </a:defRPr>
-                </a:lvl3pPr>
-                <a:lvl4pPr marL="1371600" indent="-342900" algn="l" defTabSz="342900" rtl="0" eaLnBrk="1" latinLnBrk="0" hangingPunct="1">
-                  <a:spcBef>
-                    <a:spcPct val="20000"/>
-                  </a:spcBef>
-                  <a:buFont typeface="Arial"/>
-                  <a:buChar char="–"/>
-                  <a:defRPr sz="1500" kern="1200">
-                    <a:solidFill>
-                      <a:schemeClr val="tx1"/>
-                    </a:solidFill>
-                    <a:latin typeface="+mn-lt"/>
-                    <a:ea typeface="+mn-ea"/>
-                    <a:cs typeface="+mn-cs"/>
-                  </a:defRPr>
-                </a:lvl4pPr>
-                <a:lvl5pPr marL="1714500" indent="-342900" algn="l" defTabSz="342900" rtl="0" eaLnBrk="1" latinLnBrk="0" hangingPunct="1">
-                  <a:spcBef>
-                    <a:spcPct val="20000"/>
-                  </a:spcBef>
-                  <a:buFont typeface="Arial"/>
-                  <a:buChar char="»"/>
-                  <a:defRPr sz="1500" kern="1200">
-                    <a:solidFill>
-                      <a:schemeClr val="tx1"/>
-                    </a:solidFill>
-                    <a:latin typeface="+mn-lt"/>
-                    <a:ea typeface="+mn-ea"/>
-                    <a:cs typeface="+mn-cs"/>
-                  </a:defRPr>
-                </a:lvl5pPr>
-                <a:lvl6pPr marL="2057400" indent="-342900" algn="l" defTabSz="342900" rtl="0" eaLnBrk="1" latinLnBrk="0" hangingPunct="1">
-                  <a:spcBef>
-                    <a:spcPct val="20000"/>
-                  </a:spcBef>
-                  <a:buFont typeface="Arial"/>
-                  <a:buChar char="•"/>
-                  <a:defRPr sz="1500" kern="1200">
-                    <a:solidFill>
-                      <a:schemeClr val="tx1"/>
-                    </a:solidFill>
-                    <a:latin typeface="+mn-lt"/>
-                    <a:ea typeface="+mn-ea"/>
-                    <a:cs typeface="+mn-cs"/>
-                  </a:defRPr>
-                </a:lvl6pPr>
-                <a:lvl7pPr marL="2400300" indent="-342900" algn="l" defTabSz="342900" rtl="0" eaLnBrk="1" latinLnBrk="0" hangingPunct="1">
-                  <a:spcBef>
-                    <a:spcPct val="20000"/>
-                  </a:spcBef>
-                  <a:buFont typeface="Arial"/>
-                  <a:buChar char="•"/>
-                  <a:defRPr sz="1500" kern="1200">
-                    <a:solidFill>
-                      <a:schemeClr val="tx1"/>
-                    </a:solidFill>
-                    <a:latin typeface="+mn-lt"/>
-                    <a:ea typeface="+mn-ea"/>
-                    <a:cs typeface="+mn-cs"/>
-                  </a:defRPr>
-                </a:lvl7pPr>
-                <a:lvl8pPr marL="2743200" indent="-342900" algn="l" defTabSz="342900" rtl="0" eaLnBrk="1" latinLnBrk="0" hangingPunct="1">
-                  <a:spcBef>
-                    <a:spcPct val="20000"/>
-                  </a:spcBef>
-                  <a:buFont typeface="Arial"/>
-                  <a:buChar char="•"/>
-                  <a:defRPr sz="1500" kern="1200">
-                    <a:solidFill>
-                      <a:schemeClr val="tx1"/>
-                    </a:solidFill>
-                    <a:latin typeface="+mn-lt"/>
-                    <a:ea typeface="+mn-ea"/>
-                    <a:cs typeface="+mn-cs"/>
-                  </a:defRPr>
-                </a:lvl8pPr>
-                <a:lvl9pPr marL="3086100" indent="-342900" algn="l" defTabSz="342900" rtl="0" eaLnBrk="1" latinLnBrk="0" hangingPunct="1">
-                  <a:spcBef>
-                    <a:spcPct val="20000"/>
-                  </a:spcBef>
-                  <a:buFont typeface="Arial"/>
-                  <a:buChar char="•"/>
-                  <a:defRPr sz="1500" kern="1200">
-                    <a:solidFill>
-                      <a:schemeClr val="tx1"/>
-                    </a:solidFill>
-                    <a:latin typeface="+mn-lt"/>
-                    <a:ea typeface="+mn-ea"/>
-                    <a:cs typeface="+mn-cs"/>
-                  </a:defRPr>
-                </a:lvl9pPr>
-              </a:lstStyle>
-              <a:p>
-                <a:pPr marL="0" indent="0">
-                  <a:buFont typeface="Arial"/>
-                  <a:buNone/>
-                </a:pPr>
-                <a:r>
-                  <a:rPr lang="en-US" sz="2000" dirty="0"/>
-                  <a:t>Repones array, </a:t>
-                </a:r>
-                <a14:m>
-                  <m:oMath xmlns:m="http://schemas.openxmlformats.org/officeDocument/2006/math">
-                    <m:r>
-                      <a:rPr lang="en-US" sz="2000" b="0" i="1" smtClean="0">
-                        <a:latin typeface="Cambria Math" panose="02040503050406030204" pitchFamily="18" charset="0"/>
-                      </a:rPr>
-                      <m:t>𝑌</m:t>
-                    </m:r>
-                  </m:oMath>
-                </a14:m>
-                <a:r>
-                  <a:rPr lang="en-US" sz="2000" dirty="0"/>
-                  <a:t>:</a:t>
-                </a:r>
-              </a:p>
-            </p:txBody>
-          </p:sp>
-        </mc:Choice>
-        <mc:Fallback xmlns="">
-          <p:sp>
-            <p:nvSpPr>
-              <p:cNvPr id="5" name="Content Placeholder 2">
-                <a:extLst>
-                  <a:ext uri="{FF2B5EF4-FFF2-40B4-BE49-F238E27FC236}">
-                    <a16:creationId xmlns:a16="http://schemas.microsoft.com/office/drawing/2014/main" id="{768A33E4-DCE0-64DF-03B6-801A28AE3D15}"/>
-                  </a:ext>
-                </a:extLst>
-              </p:cNvPr>
-              <p:cNvSpPr txBox="1">
-                <a:spLocks noRot="1" noChangeAspect="1" noMove="1" noResize="1" noEditPoints="1" noAdjustHandles="1" noChangeArrowheads="1" noChangeShapeType="1" noTextEdit="1"/>
-              </p:cNvSpPr>
-              <p:nvPr/>
-            </p:nvSpPr>
-            <p:spPr>
-              <a:xfrm>
-                <a:off x="6748272" y="2568702"/>
-                <a:ext cx="2082800" cy="368429"/>
-              </a:xfrm>
-              <a:prstGeom prst="rect">
-                <a:avLst/>
-              </a:prstGeom>
-              <a:blipFill>
-                <a:blip r:embed="rId4"/>
-                <a:stretch>
-                  <a:fillRect l="-2924" t="-8197" b="-36066"/>
-                </a:stretch>
-              </a:blipFill>
-            </p:spPr>
-            <p:txBody>
-              <a:bodyPr/>
-              <a:lstStyle/>
-              <a:p>
-                <a:r>
-                  <a:rPr lang="en-US">
-                    <a:noFill/>
-                  </a:rPr>
-                  <a:t> </a:t>
-                </a:r>
-              </a:p>
-            </p:txBody>
-          </p:sp>
-        </mc:Fallback>
-      </mc:AlternateContent>
-      <p:pic>
-        <p:nvPicPr>
-          <p:cNvPr id="11" name="Picture 10">
-            <a:extLst>
-              <a:ext uri="{FF2B5EF4-FFF2-40B4-BE49-F238E27FC236}">
-                <a16:creationId xmlns:a16="http://schemas.microsoft.com/office/drawing/2014/main" id="{25C9995F-03B5-0A28-6028-D7C629D0A13B}"/>
-              </a:ext>
-            </a:extLst>
-          </p:cNvPr>
-          <p:cNvPicPr>
-            <a:picLocks noChangeAspect="1"/>
-          </p:cNvPicPr>
-          <p:nvPr/>
-        </p:nvPicPr>
-        <p:blipFill>
-          <a:blip r:embed="rId5"/>
-          <a:stretch>
-            <a:fillRect/>
-          </a:stretch>
-        </p:blipFill>
-        <p:spPr>
-          <a:xfrm>
-            <a:off x="428752" y="2937131"/>
-            <a:ext cx="5949696" cy="1226915"/>
-          </a:xfrm>
-          <a:prstGeom prst="rect">
-            <a:avLst/>
-          </a:prstGeom>
-        </p:spPr>
-      </p:pic>
-      <p:pic>
-        <p:nvPicPr>
-          <p:cNvPr id="13" name="Picture 12">
-            <a:extLst>
-              <a:ext uri="{FF2B5EF4-FFF2-40B4-BE49-F238E27FC236}">
-                <a16:creationId xmlns:a16="http://schemas.microsoft.com/office/drawing/2014/main" id="{22BB4F01-7E7C-C3FD-B9A1-43827B10A1E2}"/>
-              </a:ext>
-            </a:extLst>
-          </p:cNvPr>
-          <p:cNvPicPr>
-            <a:picLocks noChangeAspect="1"/>
-          </p:cNvPicPr>
-          <p:nvPr/>
-        </p:nvPicPr>
-        <p:blipFill>
-          <a:blip r:embed="rId6"/>
-          <a:stretch>
-            <a:fillRect/>
-          </a:stretch>
-        </p:blipFill>
-        <p:spPr>
-          <a:xfrm>
-            <a:off x="7074268" y="2937131"/>
-            <a:ext cx="663650" cy="1258050"/>
-          </a:xfrm>
-          <a:prstGeom prst="rect">
-            <a:avLst/>
-          </a:prstGeom>
-        </p:spPr>
-      </p:pic>
-      <p:sp>
-        <p:nvSpPr>
-          <p:cNvPr id="14" name="Left Brace 13">
-            <a:extLst>
-              <a:ext uri="{FF2B5EF4-FFF2-40B4-BE49-F238E27FC236}">
-                <a16:creationId xmlns:a16="http://schemas.microsoft.com/office/drawing/2014/main" id="{4F06B619-4D57-F002-E436-82429BABFF3A}"/>
-              </a:ext>
-            </a:extLst>
-          </p:cNvPr>
-          <p:cNvSpPr/>
-          <p:nvPr/>
-        </p:nvSpPr>
-        <p:spPr>
-          <a:xfrm rot="16200000">
-            <a:off x="2371583" y="2390016"/>
-            <a:ext cx="239298" cy="3872992"/>
-          </a:xfrm>
-          <a:prstGeom prst="leftBrace">
-            <a:avLst/>
-          </a:prstGeom>
-        </p:spPr>
-        <p:style>
-          <a:lnRef idx="2">
-            <a:schemeClr val="accent1"/>
-          </a:lnRef>
-          <a:fillRef idx="0">
-            <a:schemeClr val="accent1"/>
-          </a:fillRef>
-          <a:effectRef idx="1">
-            <a:schemeClr val="accent1"/>
-          </a:effectRef>
-          <a:fontRef idx="minor">
-            <a:schemeClr val="tx1"/>
-          </a:fontRef>
-        </p:style>
-        <p:txBody>
-          <a:bodyPr rtlCol="0" anchor="ctr"/>
-          <a:lstStyle/>
-          <a:p>
-            <a:pPr algn="ctr"/>
-            <a:endParaRPr lang="en-US"/>
-          </a:p>
-        </p:txBody>
-      </p:sp>
-      <p:sp>
-        <p:nvSpPr>
-          <p:cNvPr id="15" name="Content Placeholder 2">
-            <a:extLst>
-              <a:ext uri="{FF2B5EF4-FFF2-40B4-BE49-F238E27FC236}">
-                <a16:creationId xmlns:a16="http://schemas.microsoft.com/office/drawing/2014/main" id="{86ED3BF5-A872-A8EF-DEBC-A2509C67058B}"/>
-              </a:ext>
-            </a:extLst>
-          </p:cNvPr>
-          <p:cNvSpPr txBox="1">
-            <a:spLocks/>
-          </p:cNvSpPr>
-          <p:nvPr/>
-        </p:nvSpPr>
-        <p:spPr>
-          <a:xfrm>
-            <a:off x="554735" y="4410673"/>
-            <a:ext cx="4494784" cy="516100"/>
-          </a:xfrm>
-          <a:prstGeom prst="rect">
-            <a:avLst/>
-          </a:prstGeom>
-        </p:spPr>
-        <p:txBody>
-          <a:bodyPr vert="horz" lIns="91440" tIns="45720" rIns="91440" bIns="45720" rtlCol="0">
-            <a:noAutofit/>
-          </a:bodyPr>
-          <a:lstStyle>
-            <a:lvl1pPr marL="342900" indent="-342900" algn="l" defTabSz="342900" rtl="0" eaLnBrk="1" latinLnBrk="0" hangingPunct="1">
-              <a:spcBef>
-                <a:spcPct val="20000"/>
-              </a:spcBef>
-              <a:buFont typeface="Arial"/>
-              <a:buChar char="•"/>
-              <a:defRPr sz="2400" kern="1200">
-                <a:solidFill>
-                  <a:schemeClr val="tx1"/>
-                </a:solidFill>
-                <a:latin typeface="+mn-lt"/>
-                <a:ea typeface="+mn-ea"/>
-                <a:cs typeface="+mn-cs"/>
-              </a:defRPr>
-            </a:lvl1pPr>
-            <a:lvl2pPr marL="685800" indent="-342900" algn="l" defTabSz="342900" rtl="0" eaLnBrk="1" latinLnBrk="0" hangingPunct="1">
-              <a:spcBef>
-                <a:spcPct val="20000"/>
-              </a:spcBef>
-              <a:buFont typeface="Arial"/>
-              <a:buChar char="–"/>
-              <a:defRPr sz="2100" kern="1200">
-                <a:solidFill>
-                  <a:schemeClr val="tx1"/>
-                </a:solidFill>
-                <a:latin typeface="+mn-lt"/>
-                <a:ea typeface="+mn-ea"/>
-                <a:cs typeface="+mn-cs"/>
-              </a:defRPr>
-            </a:lvl2pPr>
-            <a:lvl3pPr marL="1028700" indent="-342900" algn="l" defTabSz="342900" rtl="0" eaLnBrk="1" latinLnBrk="0" hangingPunct="1">
-              <a:spcBef>
-                <a:spcPct val="20000"/>
-              </a:spcBef>
-              <a:buFont typeface="Arial"/>
-              <a:buChar char="•"/>
-              <a:defRPr sz="1800" kern="1200">
-                <a:solidFill>
-                  <a:schemeClr val="tx1"/>
-                </a:solidFill>
-                <a:latin typeface="+mn-lt"/>
-                <a:ea typeface="+mn-ea"/>
-                <a:cs typeface="+mn-cs"/>
-              </a:defRPr>
-            </a:lvl3pPr>
-            <a:lvl4pPr marL="1371600" indent="-342900" algn="l" defTabSz="342900" rtl="0" eaLnBrk="1" latinLnBrk="0" hangingPunct="1">
-              <a:spcBef>
-                <a:spcPct val="20000"/>
-              </a:spcBef>
-              <a:buFont typeface="Arial"/>
-              <a:buChar char="–"/>
-              <a:defRPr sz="1500" kern="1200">
-                <a:solidFill>
-                  <a:schemeClr val="tx1"/>
-                </a:solidFill>
-                <a:latin typeface="+mn-lt"/>
-                <a:ea typeface="+mn-ea"/>
-                <a:cs typeface="+mn-cs"/>
-              </a:defRPr>
-            </a:lvl4pPr>
-            <a:lvl5pPr marL="1714500" indent="-342900" algn="l" defTabSz="342900" rtl="0" eaLnBrk="1" latinLnBrk="0" hangingPunct="1">
-              <a:spcBef>
-                <a:spcPct val="20000"/>
-              </a:spcBef>
-              <a:buFont typeface="Arial"/>
-              <a:buChar char="»"/>
-              <a:defRPr sz="1500" kern="1200">
-                <a:solidFill>
-                  <a:schemeClr val="tx1"/>
-                </a:solidFill>
-                <a:latin typeface="+mn-lt"/>
-                <a:ea typeface="+mn-ea"/>
-                <a:cs typeface="+mn-cs"/>
-              </a:defRPr>
-            </a:lvl5pPr>
-            <a:lvl6pPr marL="2057400" indent="-342900" algn="l" defTabSz="342900" rtl="0" eaLnBrk="1" latinLnBrk="0" hangingPunct="1">
-              <a:spcBef>
-                <a:spcPct val="20000"/>
-              </a:spcBef>
-              <a:buFont typeface="Arial"/>
-              <a:buChar char="•"/>
-              <a:defRPr sz="1500" kern="1200">
-                <a:solidFill>
-                  <a:schemeClr val="tx1"/>
-                </a:solidFill>
-                <a:latin typeface="+mn-lt"/>
-                <a:ea typeface="+mn-ea"/>
-                <a:cs typeface="+mn-cs"/>
-              </a:defRPr>
-            </a:lvl6pPr>
-            <a:lvl7pPr marL="2400300" indent="-342900" algn="l" defTabSz="342900" rtl="0" eaLnBrk="1" latinLnBrk="0" hangingPunct="1">
-              <a:spcBef>
-                <a:spcPct val="20000"/>
-              </a:spcBef>
-              <a:buFont typeface="Arial"/>
-              <a:buChar char="•"/>
-              <a:defRPr sz="1500" kern="1200">
-                <a:solidFill>
-                  <a:schemeClr val="tx1"/>
-                </a:solidFill>
-                <a:latin typeface="+mn-lt"/>
-                <a:ea typeface="+mn-ea"/>
-                <a:cs typeface="+mn-cs"/>
-              </a:defRPr>
-            </a:lvl7pPr>
-            <a:lvl8pPr marL="2743200" indent="-342900" algn="l" defTabSz="342900" rtl="0" eaLnBrk="1" latinLnBrk="0" hangingPunct="1">
-              <a:spcBef>
-                <a:spcPct val="20000"/>
-              </a:spcBef>
-              <a:buFont typeface="Arial"/>
-              <a:buChar char="•"/>
-              <a:defRPr sz="1500" kern="1200">
-                <a:solidFill>
-                  <a:schemeClr val="tx1"/>
-                </a:solidFill>
-                <a:latin typeface="+mn-lt"/>
-                <a:ea typeface="+mn-ea"/>
-                <a:cs typeface="+mn-cs"/>
-              </a:defRPr>
-            </a:lvl8pPr>
-            <a:lvl9pPr marL="3086100" indent="-342900" algn="l" defTabSz="342900" rtl="0" eaLnBrk="1" latinLnBrk="0" hangingPunct="1">
-              <a:spcBef>
-                <a:spcPct val="20000"/>
-              </a:spcBef>
-              <a:buFont typeface="Arial"/>
-              <a:buChar char="•"/>
-              <a:defRPr sz="1500" kern="1200">
-                <a:solidFill>
-                  <a:schemeClr val="tx1"/>
-                </a:solidFill>
-                <a:latin typeface="+mn-lt"/>
-                <a:ea typeface="+mn-ea"/>
-                <a:cs typeface="+mn-cs"/>
-              </a:defRPr>
-            </a:lvl9pPr>
-          </a:lstStyle>
-          <a:p>
-            <a:pPr marL="0" indent="0">
-              <a:buFont typeface="Arial"/>
-              <a:buNone/>
-            </a:pPr>
-            <a:r>
-              <a:rPr lang="en-US" sz="2000" dirty="0"/>
-              <a:t>Notice there are now 5 dummy variables for 5 levels of the `</a:t>
-            </a:r>
-            <a:r>
-              <a:rPr lang="en-US" sz="2000" dirty="0" err="1"/>
-              <a:t>body_style</a:t>
-            </a:r>
-            <a:r>
-              <a:rPr lang="en-US" sz="2000" dirty="0"/>
-              <a:t>`</a:t>
-            </a:r>
-            <a:endParaRPr lang="en-US" sz="1600" dirty="0">
-              <a:latin typeface="Courier"/>
-            </a:endParaRPr>
-          </a:p>
-        </p:txBody>
-      </p:sp>
-    </p:spTree>
-    <p:extLst>
-      <p:ext uri="{BB962C8B-B14F-4D97-AF65-F5344CB8AC3E}">
-        <p14:creationId xmlns:p14="http://schemas.microsoft.com/office/powerpoint/2010/main" val="1485807228"/>
-      </p:ext>
-    </p:extLst>
-  </p:cSld>
-  <p:clrMapOvr>
-    <a:masterClrMapping/>
-  </p:clrMapOvr>
-</p:sld>
-</file>
-
-<file path=ppt/slides/slide12.xml><?xml version="1.0" encoding="utf-8"?>
-<p:sld xmlns:a="http://schemas.openxmlformats.org/drawingml/2006/main" xmlns:r="http://schemas.openxmlformats.org/officeDocument/2006/relationships" xmlns:p="http://schemas.openxmlformats.org/presentationml/2006/main">
-  <p:cSld>
-    <p:spTree>
-      <p:nvGrpSpPr>
-        <p:cNvPr id="1" name=""/>
-        <p:cNvGrpSpPr/>
-        <p:nvPr/>
-      </p:nvGrpSpPr>
-      <p:grpSpPr>
-        <a:xfrm>
-          <a:off x="0" y="0"/>
-          <a:ext cx="0" cy="0"/>
-          <a:chOff x="0" y="0"/>
-          <a:chExt cx="0" cy="0"/>
-        </a:xfrm>
-      </p:grpSpPr>
-      <p:sp>
-        <p:nvSpPr>
-          <p:cNvPr id="2" name="Title 1"/>
-          <p:cNvSpPr>
-            <a:spLocks noGrp="1"/>
-          </p:cNvSpPr>
-          <p:nvPr>
-            <p:ph type="title"/>
-          </p:nvPr>
-        </p:nvSpPr>
         <p:spPr/>
         <p:txBody>
           <a:bodyPr/>
@@ -5922,8 +4972,8 @@
           </a:p>
         </p:txBody>
       </p:sp>
-      <mc:AlternateContent xmlns:mc="http://schemas.openxmlformats.org/markup-compatibility/2006" xmlns:a14="http://schemas.microsoft.com/office/drawing/2010/main">
-        <mc:Choice Requires="a14">
+      <mc:AlternateContent xmlns:mc="http://schemas.openxmlformats.org/markup-compatibility/2006">
+        <mc:Choice xmlns:a14="http://schemas.microsoft.com/office/drawing/2010/main" Requires="a14">
           <p:sp>
             <p:nvSpPr>
               <p:cNvPr id="3" name="Content Placeholder 2"/>
@@ -6013,10 +5063,6 @@
               </a:p>
               <a:p>
                 <a:pPr lvl="1"/>
-                <a:r>
-                  <a:rPr dirty="0"/>
-                  <a:t>For </a:t>
-                </a:r>
                 <a14:m>
                   <m:oMath xmlns:m="http://schemas.openxmlformats.org/officeDocument/2006/math">
                     <m:r>
@@ -6029,7 +5075,15 @@
                 </a14:m>
                 <a:r>
                   <a:rPr dirty="0"/>
-                  <a:t> treatments, there are mean responses </a:t>
+                  <a:t> treatments</a:t>
+                </a:r>
+                <a:r>
+                  <a:rPr lang="en-US" dirty="0"/>
+                  <a:t> have </a:t>
+                </a:r>
+                <a:r>
+                  <a:rPr dirty="0"/>
+                  <a:t>mean responses </a:t>
                 </a:r>
                 <a14:m>
                   <m:oMath xmlns:m="http://schemas.openxmlformats.org/officeDocument/2006/math">
@@ -6140,8 +5194,12 @@
               <a:p>
                 <a:pPr lvl="1"/>
                 <a:r>
+                  <a:rPr lang="en-US" dirty="0"/>
+                  <a:t>A</a:t>
+                </a:r>
+                <a:r>
                   <a:rPr dirty="0"/>
-                  <a:t>The alternative encoding is a treatment with intercept, </a:t>
+                  <a:t>lternative encoding is a treatment with intercept, </a:t>
                 </a:r>
                 <a14:m>
                   <m:oMath xmlns:m="http://schemas.openxmlformats.org/officeDocument/2006/math">
@@ -6169,7 +5227,13 @@
                       <a:rPr>
                         <a:latin typeface="Cambria Math" panose="02040503050406030204" pitchFamily="18" charset="0"/>
                       </a:rPr>
-                      <m:t>−1</m:t>
+                      <m:t>−</m:t>
+                    </m:r>
+                    <m:r>
+                      <a:rPr>
+                        <a:latin typeface="Cambria Math" panose="02040503050406030204" pitchFamily="18" charset="0"/>
+                      </a:rPr>
+                      <m:t>1</m:t>
                     </m:r>
                   </m:oMath>
                 </a14:m>
@@ -6202,7 +5266,13 @@
                           <a:rPr>
                             <a:latin typeface="Cambria Math" panose="02040503050406030204" pitchFamily="18" charset="0"/>
                           </a:rPr>
-                          <m:t>1,</m:t>
+                          <m:t>1</m:t>
+                        </m:r>
+                        <m:r>
+                          <a:rPr>
+                            <a:latin typeface="Cambria Math" panose="02040503050406030204" pitchFamily="18" charset="0"/>
+                          </a:rPr>
+                          <m:t>,</m:t>
                         </m:r>
                         <m:sSub>
                           <m:sSubPr>
@@ -6262,7 +5332,13 @@
                               <a:rPr>
                                 <a:latin typeface="Cambria Math" panose="02040503050406030204" pitchFamily="18" charset="0"/>
                               </a:rPr>
-                              <m:t>−1</m:t>
+                              <m:t>−</m:t>
+                            </m:r>
+                            <m:r>
+                              <a:rPr>
+                                <a:latin typeface="Cambria Math" panose="02040503050406030204" pitchFamily="18" charset="0"/>
+                              </a:rPr>
+                              <m:t>1</m:t>
                             </m:r>
                           </m:sub>
                         </m:sSub>
@@ -6600,7 +5676,7 @@
             </p:txBody>
           </p:sp>
         </mc:Choice>
-        <mc:Fallback xmlns="">
+        <mc:Fallback>
           <p:sp>
             <p:nvSpPr>
               <p:cNvPr id="3" name="Content Placeholder 2"/>
@@ -6639,6 +5715,1061 @@
         </mc:Fallback>
       </mc:AlternateContent>
     </p:spTree>
+  </p:cSld>
+  <p:clrMapOvr>
+    <a:masterClrMapping/>
+  </p:clrMapOvr>
+</p:sld>
+</file>
+
+<file path=ppt/slides/slide12.xml><?xml version="1.0" encoding="utf-8"?>
+<p:sld xmlns:a="http://schemas.openxmlformats.org/drawingml/2006/main" xmlns:r="http://schemas.openxmlformats.org/officeDocument/2006/relationships" xmlns:p="http://schemas.openxmlformats.org/presentationml/2006/main">
+  <p:cSld>
+    <p:spTree>
+      <p:nvGrpSpPr>
+        <p:cNvPr id="1" name=""/>
+        <p:cNvGrpSpPr/>
+        <p:nvPr/>
+      </p:nvGrpSpPr>
+      <p:grpSpPr>
+        <a:xfrm>
+          <a:off x="0" y="0"/>
+          <a:ext cx="0" cy="0"/>
+          <a:chOff x="0" y="0"/>
+          <a:chExt cx="0" cy="0"/>
+        </a:xfrm>
+      </p:grpSpPr>
+      <p:sp>
+        <p:nvSpPr>
+          <p:cNvPr id="2" name="Title 1"/>
+          <p:cNvSpPr>
+            <a:spLocks noGrp="1"/>
+          </p:cNvSpPr>
+          <p:nvPr>
+            <p:ph type="title"/>
+          </p:nvPr>
+        </p:nvSpPr>
+        <p:spPr>
+          <a:xfrm>
+            <a:off x="457200" y="205979"/>
+            <a:ext cx="8229600" cy="590565"/>
+          </a:xfrm>
+        </p:spPr>
+        <p:txBody>
+          <a:bodyPr>
+            <a:normAutofit fontScale="90000"/>
+          </a:bodyPr>
+          <a:lstStyle/>
+          <a:p>
+            <a:pPr marL="0" lvl="0" indent="0">
+              <a:buNone/>
+            </a:pPr>
+            <a:r>
+              <a:rPr dirty="0"/>
+              <a:t>Working with Categorical Variables</a:t>
+            </a:r>
+          </a:p>
+        </p:txBody>
+      </p:sp>
+      <p:sp>
+        <p:nvSpPr>
+          <p:cNvPr id="3" name="Content Placeholder 2"/>
+          <p:cNvSpPr>
+            <a:spLocks noGrp="1"/>
+          </p:cNvSpPr>
+          <p:nvPr>
+            <p:ph idx="1"/>
+          </p:nvPr>
+        </p:nvSpPr>
+        <p:spPr>
+          <a:xfrm>
+            <a:off x="428752" y="841247"/>
+            <a:ext cx="8229600" cy="1849257"/>
+          </a:xfrm>
+        </p:spPr>
+        <p:txBody>
+          <a:bodyPr>
+            <a:noAutofit/>
+          </a:bodyPr>
+          <a:lstStyle/>
+          <a:p>
+            <a:pPr marL="0" lvl="0" indent="0">
+              <a:buNone/>
+            </a:pPr>
+            <a:r>
+              <a:rPr sz="2000" dirty="0"/>
+              <a:t>Example: </a:t>
+            </a:r>
+            <a:r>
+              <a:rPr lang="en-US" sz="2000" dirty="0"/>
+              <a:t>We can construct the model matrices for the auto data using the </a:t>
+            </a:r>
+            <a:r>
+              <a:rPr lang="en-US" sz="2000" dirty="0">
+                <a:hlinkClick r:id="rId2"/>
+              </a:rPr>
+              <a:t>patsy package</a:t>
+            </a:r>
+            <a:endParaRPr lang="en-US" sz="2000" dirty="0"/>
+          </a:p>
+          <a:p>
+            <a:pPr marL="0" lvl="0" indent="0">
+              <a:buNone/>
+            </a:pPr>
+            <a:r>
+              <a:rPr lang="en-US" sz="2000" dirty="0"/>
+              <a:t>Design matrix with </a:t>
+            </a:r>
+            <a:r>
+              <a:rPr lang="en-US" sz="2000" b="1" dirty="0"/>
+              <a:t>no intercept term</a:t>
+            </a:r>
+            <a:endParaRPr sz="2000" b="1" dirty="0"/>
+          </a:p>
+          <a:p>
+            <a:pPr lvl="0" indent="0">
+              <a:buNone/>
+            </a:pPr>
+            <a:r>
+              <a:rPr sz="1600" b="1" dirty="0">
+                <a:solidFill>
+                  <a:srgbClr val="008000"/>
+                </a:solidFill>
+                <a:latin typeface="Courier"/>
+              </a:rPr>
+              <a:t>from</a:t>
+            </a:r>
+            <a:r>
+              <a:rPr sz="1600" dirty="0">
+                <a:latin typeface="Courier"/>
+              </a:rPr>
+              <a:t> patsy </a:t>
+            </a:r>
+            <a:r>
+              <a:rPr sz="1600" b="1" dirty="0">
+                <a:solidFill>
+                  <a:srgbClr val="008000"/>
+                </a:solidFill>
+                <a:latin typeface="Courier"/>
+              </a:rPr>
+              <a:t>import</a:t>
+            </a:r>
+            <a:r>
+              <a:rPr sz="1600" dirty="0">
+                <a:latin typeface="Courier"/>
+              </a:rPr>
+              <a:t> </a:t>
+            </a:r>
+            <a:r>
+              <a:rPr sz="1600" dirty="0" err="1">
+                <a:latin typeface="Courier"/>
+              </a:rPr>
+              <a:t>dmatrices</a:t>
+            </a:r>
+            <a:br>
+              <a:rPr sz="1600" dirty="0"/>
+            </a:br>
+            <a:r>
+              <a:rPr lang="en-US" sz="1600" dirty="0">
+                <a:latin typeface="Courier"/>
+              </a:rPr>
+              <a:t>Y, X = </a:t>
+            </a:r>
+            <a:r>
+              <a:rPr lang="en-US" sz="1600" dirty="0" err="1">
+                <a:latin typeface="Courier"/>
+              </a:rPr>
+              <a:t>dmatrices</a:t>
+            </a:r>
+            <a:r>
+              <a:rPr lang="en-US" sz="1600" dirty="0">
+                <a:latin typeface="Courier"/>
+              </a:rPr>
+              <a:t>('</a:t>
+            </a:r>
+            <a:r>
+              <a:rPr lang="en-US" sz="1600" dirty="0" err="1">
+                <a:latin typeface="Courier"/>
+              </a:rPr>
+              <a:t>city_mpg</a:t>
+            </a:r>
+            <a:r>
+              <a:rPr lang="en-US" sz="1600" dirty="0">
+                <a:latin typeface="Courier"/>
+              </a:rPr>
+              <a:t> ~ -1 + C(</a:t>
+            </a:r>
+            <a:r>
+              <a:rPr lang="en-US" sz="1600" dirty="0" err="1">
+                <a:latin typeface="Courier"/>
+              </a:rPr>
+              <a:t>body_style</a:t>
+            </a:r>
+            <a:r>
+              <a:rPr lang="en-US" sz="1600" dirty="0">
+                <a:latin typeface="Courier"/>
+              </a:rPr>
+              <a:t>) + </a:t>
+            </a:r>
+            <a:r>
+              <a:rPr lang="en-US" sz="1600" dirty="0" err="1">
+                <a:latin typeface="Courier"/>
+              </a:rPr>
+              <a:t>curb_weight</a:t>
+            </a:r>
+            <a:r>
+              <a:rPr lang="en-US" sz="1600" dirty="0">
+                <a:latin typeface="Courier"/>
+              </a:rPr>
+              <a:t> + </a:t>
+            </a:r>
+            <a:r>
+              <a:rPr lang="en-US" sz="1600" dirty="0" err="1">
+                <a:latin typeface="Courier"/>
+              </a:rPr>
+              <a:t>engine_size</a:t>
+            </a:r>
+            <a:r>
+              <a:rPr lang="en-US" sz="1600" dirty="0">
+                <a:latin typeface="Courier"/>
+              </a:rPr>
+              <a:t>', data=</a:t>
+            </a:r>
+            <a:r>
+              <a:rPr lang="en-US" sz="1600" dirty="0" err="1">
+                <a:latin typeface="Courier"/>
+              </a:rPr>
+              <a:t>auto_data</a:t>
+            </a:r>
+            <a:r>
+              <a:rPr lang="en-US" sz="1600" dirty="0">
+                <a:latin typeface="Courier"/>
+              </a:rPr>
+              <a:t>) </a:t>
+            </a:r>
+            <a:r>
+              <a:rPr sz="1600" dirty="0">
+                <a:solidFill>
+                  <a:srgbClr val="008000"/>
+                </a:solidFill>
+                <a:latin typeface="Courier"/>
+              </a:rPr>
+              <a:t>print</a:t>
+            </a:r>
+            <a:r>
+              <a:rPr sz="1600" dirty="0">
+                <a:latin typeface="Courier"/>
+              </a:rPr>
+              <a:t>(X[:</a:t>
+            </a:r>
+            <a:r>
+              <a:rPr sz="1600" dirty="0">
+                <a:solidFill>
+                  <a:srgbClr val="40A070"/>
+                </a:solidFill>
+                <a:latin typeface="Courier"/>
+              </a:rPr>
+              <a:t>5</a:t>
+            </a:r>
+            <a:r>
+              <a:rPr sz="1600" dirty="0">
+                <a:latin typeface="Courier"/>
+              </a:rPr>
+              <a:t>])</a:t>
+            </a:r>
+            <a:endParaRPr lang="en-US" sz="1600" dirty="0">
+              <a:latin typeface="Courier"/>
+            </a:endParaRPr>
+          </a:p>
+        </p:txBody>
+      </p:sp>
+      <mc:AlternateContent xmlns:mc="http://schemas.openxmlformats.org/markup-compatibility/2006" xmlns:a14="http://schemas.microsoft.com/office/drawing/2010/main">
+        <mc:Choice Requires="a14">
+          <p:sp>
+            <p:nvSpPr>
+              <p:cNvPr id="4" name="Content Placeholder 2">
+                <a:extLst>
+                  <a:ext uri="{FF2B5EF4-FFF2-40B4-BE49-F238E27FC236}">
+                    <a16:creationId xmlns:a16="http://schemas.microsoft.com/office/drawing/2014/main" id="{99D81FAE-16F7-3DF6-36F5-F84B1F6CED50}"/>
+                  </a:ext>
+                </a:extLst>
+              </p:cNvPr>
+              <p:cNvSpPr txBox="1">
+                <a:spLocks/>
+              </p:cNvSpPr>
+              <p:nvPr/>
+            </p:nvSpPr>
+            <p:spPr>
+              <a:xfrm>
+                <a:off x="422656" y="2580894"/>
+                <a:ext cx="6325616" cy="475488"/>
+              </a:xfrm>
+              <a:prstGeom prst="rect">
+                <a:avLst/>
+              </a:prstGeom>
+            </p:spPr>
+            <p:txBody>
+              <a:bodyPr vert="horz" lIns="91440" tIns="45720" rIns="91440" bIns="45720" rtlCol="0">
+                <a:noAutofit/>
+              </a:bodyPr>
+              <a:lstStyle>
+                <a:lvl1pPr marL="342900" indent="-342900" algn="l" defTabSz="342900" rtl="0" eaLnBrk="1" latinLnBrk="0" hangingPunct="1">
+                  <a:spcBef>
+                    <a:spcPct val="20000"/>
+                  </a:spcBef>
+                  <a:buFont typeface="Arial"/>
+                  <a:buChar char="•"/>
+                  <a:defRPr sz="2400" kern="1200">
+                    <a:solidFill>
+                      <a:schemeClr val="tx1"/>
+                    </a:solidFill>
+                    <a:latin typeface="+mn-lt"/>
+                    <a:ea typeface="+mn-ea"/>
+                    <a:cs typeface="+mn-cs"/>
+                  </a:defRPr>
+                </a:lvl1pPr>
+                <a:lvl2pPr marL="685800" indent="-342900" algn="l" defTabSz="342900" rtl="0" eaLnBrk="1" latinLnBrk="0" hangingPunct="1">
+                  <a:spcBef>
+                    <a:spcPct val="20000"/>
+                  </a:spcBef>
+                  <a:buFont typeface="Arial"/>
+                  <a:buChar char="–"/>
+                  <a:defRPr sz="2100" kern="1200">
+                    <a:solidFill>
+                      <a:schemeClr val="tx1"/>
+                    </a:solidFill>
+                    <a:latin typeface="+mn-lt"/>
+                    <a:ea typeface="+mn-ea"/>
+                    <a:cs typeface="+mn-cs"/>
+                  </a:defRPr>
+                </a:lvl2pPr>
+                <a:lvl3pPr marL="1028700" indent="-342900" algn="l" defTabSz="342900" rtl="0" eaLnBrk="1" latinLnBrk="0" hangingPunct="1">
+                  <a:spcBef>
+                    <a:spcPct val="20000"/>
+                  </a:spcBef>
+                  <a:buFont typeface="Arial"/>
+                  <a:buChar char="•"/>
+                  <a:defRPr sz="1800" kern="1200">
+                    <a:solidFill>
+                      <a:schemeClr val="tx1"/>
+                    </a:solidFill>
+                    <a:latin typeface="+mn-lt"/>
+                    <a:ea typeface="+mn-ea"/>
+                    <a:cs typeface="+mn-cs"/>
+                  </a:defRPr>
+                </a:lvl3pPr>
+                <a:lvl4pPr marL="1371600" indent="-342900" algn="l" defTabSz="342900" rtl="0" eaLnBrk="1" latinLnBrk="0" hangingPunct="1">
+                  <a:spcBef>
+                    <a:spcPct val="20000"/>
+                  </a:spcBef>
+                  <a:buFont typeface="Arial"/>
+                  <a:buChar char="–"/>
+                  <a:defRPr sz="1500" kern="1200">
+                    <a:solidFill>
+                      <a:schemeClr val="tx1"/>
+                    </a:solidFill>
+                    <a:latin typeface="+mn-lt"/>
+                    <a:ea typeface="+mn-ea"/>
+                    <a:cs typeface="+mn-cs"/>
+                  </a:defRPr>
+                </a:lvl4pPr>
+                <a:lvl5pPr marL="1714500" indent="-342900" algn="l" defTabSz="342900" rtl="0" eaLnBrk="1" latinLnBrk="0" hangingPunct="1">
+                  <a:spcBef>
+                    <a:spcPct val="20000"/>
+                  </a:spcBef>
+                  <a:buFont typeface="Arial"/>
+                  <a:buChar char="»"/>
+                  <a:defRPr sz="1500" kern="1200">
+                    <a:solidFill>
+                      <a:schemeClr val="tx1"/>
+                    </a:solidFill>
+                    <a:latin typeface="+mn-lt"/>
+                    <a:ea typeface="+mn-ea"/>
+                    <a:cs typeface="+mn-cs"/>
+                  </a:defRPr>
+                </a:lvl5pPr>
+                <a:lvl6pPr marL="2057400" indent="-342900" algn="l" defTabSz="342900" rtl="0" eaLnBrk="1" latinLnBrk="0" hangingPunct="1">
+                  <a:spcBef>
+                    <a:spcPct val="20000"/>
+                  </a:spcBef>
+                  <a:buFont typeface="Arial"/>
+                  <a:buChar char="•"/>
+                  <a:defRPr sz="1500" kern="1200">
+                    <a:solidFill>
+                      <a:schemeClr val="tx1"/>
+                    </a:solidFill>
+                    <a:latin typeface="+mn-lt"/>
+                    <a:ea typeface="+mn-ea"/>
+                    <a:cs typeface="+mn-cs"/>
+                  </a:defRPr>
+                </a:lvl6pPr>
+                <a:lvl7pPr marL="2400300" indent="-342900" algn="l" defTabSz="342900" rtl="0" eaLnBrk="1" latinLnBrk="0" hangingPunct="1">
+                  <a:spcBef>
+                    <a:spcPct val="20000"/>
+                  </a:spcBef>
+                  <a:buFont typeface="Arial"/>
+                  <a:buChar char="•"/>
+                  <a:defRPr sz="1500" kern="1200">
+                    <a:solidFill>
+                      <a:schemeClr val="tx1"/>
+                    </a:solidFill>
+                    <a:latin typeface="+mn-lt"/>
+                    <a:ea typeface="+mn-ea"/>
+                    <a:cs typeface="+mn-cs"/>
+                  </a:defRPr>
+                </a:lvl7pPr>
+                <a:lvl8pPr marL="2743200" indent="-342900" algn="l" defTabSz="342900" rtl="0" eaLnBrk="1" latinLnBrk="0" hangingPunct="1">
+                  <a:spcBef>
+                    <a:spcPct val="20000"/>
+                  </a:spcBef>
+                  <a:buFont typeface="Arial"/>
+                  <a:buChar char="•"/>
+                  <a:defRPr sz="1500" kern="1200">
+                    <a:solidFill>
+                      <a:schemeClr val="tx1"/>
+                    </a:solidFill>
+                    <a:latin typeface="+mn-lt"/>
+                    <a:ea typeface="+mn-ea"/>
+                    <a:cs typeface="+mn-cs"/>
+                  </a:defRPr>
+                </a:lvl8pPr>
+                <a:lvl9pPr marL="3086100" indent="-342900" algn="l" defTabSz="342900" rtl="0" eaLnBrk="1" latinLnBrk="0" hangingPunct="1">
+                  <a:spcBef>
+                    <a:spcPct val="20000"/>
+                  </a:spcBef>
+                  <a:buFont typeface="Arial"/>
+                  <a:buChar char="•"/>
+                  <a:defRPr sz="1500" kern="1200">
+                    <a:solidFill>
+                      <a:schemeClr val="tx1"/>
+                    </a:solidFill>
+                    <a:latin typeface="+mn-lt"/>
+                    <a:ea typeface="+mn-ea"/>
+                    <a:cs typeface="+mn-cs"/>
+                  </a:defRPr>
+                </a:lvl9pPr>
+              </a:lstStyle>
+              <a:p>
+                <a:pPr marL="0" indent="0">
+                  <a:buFont typeface="Arial"/>
+                  <a:buNone/>
+                </a:pPr>
+                <a:r>
+                  <a:rPr lang="en-US" sz="2000" dirty="0"/>
+                  <a:t>The design matrix, </a:t>
+                </a:r>
+                <a14:m>
+                  <m:oMath xmlns:m="http://schemas.openxmlformats.org/officeDocument/2006/math">
+                    <m:r>
+                      <a:rPr lang="en-US" sz="2000" b="0" i="1" smtClean="0">
+                        <a:latin typeface="Cambria Math" panose="02040503050406030204" pitchFamily="18" charset="0"/>
+                      </a:rPr>
+                      <m:t>𝑋</m:t>
+                    </m:r>
+                  </m:oMath>
+                </a14:m>
+                <a:r>
+                  <a:rPr lang="en-US" sz="2000" dirty="0"/>
+                  <a:t>:</a:t>
+                </a:r>
+              </a:p>
+              <a:p>
+                <a:pPr marL="0" indent="0">
+                  <a:buFont typeface="Arial"/>
+                  <a:buNone/>
+                </a:pPr>
+                <a:endParaRPr lang="en-US" sz="2000" dirty="0"/>
+              </a:p>
+              <a:p>
+                <a:pPr marL="0" indent="0">
+                  <a:buFont typeface="Arial"/>
+                  <a:buNone/>
+                </a:pPr>
+                <a:endParaRPr lang="en-US" sz="2000" dirty="0"/>
+              </a:p>
+            </p:txBody>
+          </p:sp>
+        </mc:Choice>
+        <mc:Fallback xmlns="">
+          <p:sp>
+            <p:nvSpPr>
+              <p:cNvPr id="4" name="Content Placeholder 2">
+                <a:extLst>
+                  <a:ext uri="{FF2B5EF4-FFF2-40B4-BE49-F238E27FC236}">
+                    <a16:creationId xmlns:a16="http://schemas.microsoft.com/office/drawing/2014/main" id="{99D81FAE-16F7-3DF6-36F5-F84B1F6CED50}"/>
+                  </a:ext>
+                </a:extLst>
+              </p:cNvPr>
+              <p:cNvSpPr txBox="1">
+                <a:spLocks noRot="1" noChangeAspect="1" noMove="1" noResize="1" noEditPoints="1" noAdjustHandles="1" noChangeArrowheads="1" noChangeShapeType="1" noTextEdit="1"/>
+              </p:cNvSpPr>
+              <p:nvPr/>
+            </p:nvSpPr>
+            <p:spPr>
+              <a:xfrm>
+                <a:off x="422656" y="2580894"/>
+                <a:ext cx="6325616" cy="475488"/>
+              </a:xfrm>
+              <a:prstGeom prst="rect">
+                <a:avLst/>
+              </a:prstGeom>
+              <a:blipFill>
+                <a:blip r:embed="rId3"/>
+                <a:stretch>
+                  <a:fillRect l="-963" t="-6410" b="-6410"/>
+                </a:stretch>
+              </a:blipFill>
+            </p:spPr>
+            <p:txBody>
+              <a:bodyPr/>
+              <a:lstStyle/>
+              <a:p>
+                <a:r>
+                  <a:rPr lang="en-US">
+                    <a:noFill/>
+                  </a:rPr>
+                  <a:t> </a:t>
+                </a:r>
+              </a:p>
+            </p:txBody>
+          </p:sp>
+        </mc:Fallback>
+      </mc:AlternateContent>
+      <mc:AlternateContent xmlns:mc="http://schemas.openxmlformats.org/markup-compatibility/2006" xmlns:a14="http://schemas.microsoft.com/office/drawing/2010/main">
+        <mc:Choice Requires="a14">
+          <p:sp>
+            <p:nvSpPr>
+              <p:cNvPr id="5" name="Content Placeholder 2">
+                <a:extLst>
+                  <a:ext uri="{FF2B5EF4-FFF2-40B4-BE49-F238E27FC236}">
+                    <a16:creationId xmlns:a16="http://schemas.microsoft.com/office/drawing/2014/main" id="{768A33E4-DCE0-64DF-03B6-801A28AE3D15}"/>
+                  </a:ext>
+                </a:extLst>
+              </p:cNvPr>
+              <p:cNvSpPr txBox="1">
+                <a:spLocks/>
+              </p:cNvSpPr>
+              <p:nvPr/>
+            </p:nvSpPr>
+            <p:spPr>
+              <a:xfrm>
+                <a:off x="6748272" y="2568702"/>
+                <a:ext cx="2082800" cy="368429"/>
+              </a:xfrm>
+              <a:prstGeom prst="rect">
+                <a:avLst/>
+              </a:prstGeom>
+            </p:spPr>
+            <p:txBody>
+              <a:bodyPr vert="horz" lIns="91440" tIns="45720" rIns="91440" bIns="45720" rtlCol="0">
+                <a:noAutofit/>
+              </a:bodyPr>
+              <a:lstStyle>
+                <a:lvl1pPr marL="342900" indent="-342900" algn="l" defTabSz="342900" rtl="0" eaLnBrk="1" latinLnBrk="0" hangingPunct="1">
+                  <a:spcBef>
+                    <a:spcPct val="20000"/>
+                  </a:spcBef>
+                  <a:buFont typeface="Arial"/>
+                  <a:buChar char="•"/>
+                  <a:defRPr sz="2400" kern="1200">
+                    <a:solidFill>
+                      <a:schemeClr val="tx1"/>
+                    </a:solidFill>
+                    <a:latin typeface="+mn-lt"/>
+                    <a:ea typeface="+mn-ea"/>
+                    <a:cs typeface="+mn-cs"/>
+                  </a:defRPr>
+                </a:lvl1pPr>
+                <a:lvl2pPr marL="685800" indent="-342900" algn="l" defTabSz="342900" rtl="0" eaLnBrk="1" latinLnBrk="0" hangingPunct="1">
+                  <a:spcBef>
+                    <a:spcPct val="20000"/>
+                  </a:spcBef>
+                  <a:buFont typeface="Arial"/>
+                  <a:buChar char="–"/>
+                  <a:defRPr sz="2100" kern="1200">
+                    <a:solidFill>
+                      <a:schemeClr val="tx1"/>
+                    </a:solidFill>
+                    <a:latin typeface="+mn-lt"/>
+                    <a:ea typeface="+mn-ea"/>
+                    <a:cs typeface="+mn-cs"/>
+                  </a:defRPr>
+                </a:lvl2pPr>
+                <a:lvl3pPr marL="1028700" indent="-342900" algn="l" defTabSz="342900" rtl="0" eaLnBrk="1" latinLnBrk="0" hangingPunct="1">
+                  <a:spcBef>
+                    <a:spcPct val="20000"/>
+                  </a:spcBef>
+                  <a:buFont typeface="Arial"/>
+                  <a:buChar char="•"/>
+                  <a:defRPr sz="1800" kern="1200">
+                    <a:solidFill>
+                      <a:schemeClr val="tx1"/>
+                    </a:solidFill>
+                    <a:latin typeface="+mn-lt"/>
+                    <a:ea typeface="+mn-ea"/>
+                    <a:cs typeface="+mn-cs"/>
+                  </a:defRPr>
+                </a:lvl3pPr>
+                <a:lvl4pPr marL="1371600" indent="-342900" algn="l" defTabSz="342900" rtl="0" eaLnBrk="1" latinLnBrk="0" hangingPunct="1">
+                  <a:spcBef>
+                    <a:spcPct val="20000"/>
+                  </a:spcBef>
+                  <a:buFont typeface="Arial"/>
+                  <a:buChar char="–"/>
+                  <a:defRPr sz="1500" kern="1200">
+                    <a:solidFill>
+                      <a:schemeClr val="tx1"/>
+                    </a:solidFill>
+                    <a:latin typeface="+mn-lt"/>
+                    <a:ea typeface="+mn-ea"/>
+                    <a:cs typeface="+mn-cs"/>
+                  </a:defRPr>
+                </a:lvl4pPr>
+                <a:lvl5pPr marL="1714500" indent="-342900" algn="l" defTabSz="342900" rtl="0" eaLnBrk="1" latinLnBrk="0" hangingPunct="1">
+                  <a:spcBef>
+                    <a:spcPct val="20000"/>
+                  </a:spcBef>
+                  <a:buFont typeface="Arial"/>
+                  <a:buChar char="»"/>
+                  <a:defRPr sz="1500" kern="1200">
+                    <a:solidFill>
+                      <a:schemeClr val="tx1"/>
+                    </a:solidFill>
+                    <a:latin typeface="+mn-lt"/>
+                    <a:ea typeface="+mn-ea"/>
+                    <a:cs typeface="+mn-cs"/>
+                  </a:defRPr>
+                </a:lvl5pPr>
+                <a:lvl6pPr marL="2057400" indent="-342900" algn="l" defTabSz="342900" rtl="0" eaLnBrk="1" latinLnBrk="0" hangingPunct="1">
+                  <a:spcBef>
+                    <a:spcPct val="20000"/>
+                  </a:spcBef>
+                  <a:buFont typeface="Arial"/>
+                  <a:buChar char="•"/>
+                  <a:defRPr sz="1500" kern="1200">
+                    <a:solidFill>
+                      <a:schemeClr val="tx1"/>
+                    </a:solidFill>
+                    <a:latin typeface="+mn-lt"/>
+                    <a:ea typeface="+mn-ea"/>
+                    <a:cs typeface="+mn-cs"/>
+                  </a:defRPr>
+                </a:lvl6pPr>
+                <a:lvl7pPr marL="2400300" indent="-342900" algn="l" defTabSz="342900" rtl="0" eaLnBrk="1" latinLnBrk="0" hangingPunct="1">
+                  <a:spcBef>
+                    <a:spcPct val="20000"/>
+                  </a:spcBef>
+                  <a:buFont typeface="Arial"/>
+                  <a:buChar char="•"/>
+                  <a:defRPr sz="1500" kern="1200">
+                    <a:solidFill>
+                      <a:schemeClr val="tx1"/>
+                    </a:solidFill>
+                    <a:latin typeface="+mn-lt"/>
+                    <a:ea typeface="+mn-ea"/>
+                    <a:cs typeface="+mn-cs"/>
+                  </a:defRPr>
+                </a:lvl7pPr>
+                <a:lvl8pPr marL="2743200" indent="-342900" algn="l" defTabSz="342900" rtl="0" eaLnBrk="1" latinLnBrk="0" hangingPunct="1">
+                  <a:spcBef>
+                    <a:spcPct val="20000"/>
+                  </a:spcBef>
+                  <a:buFont typeface="Arial"/>
+                  <a:buChar char="•"/>
+                  <a:defRPr sz="1500" kern="1200">
+                    <a:solidFill>
+                      <a:schemeClr val="tx1"/>
+                    </a:solidFill>
+                    <a:latin typeface="+mn-lt"/>
+                    <a:ea typeface="+mn-ea"/>
+                    <a:cs typeface="+mn-cs"/>
+                  </a:defRPr>
+                </a:lvl8pPr>
+                <a:lvl9pPr marL="3086100" indent="-342900" algn="l" defTabSz="342900" rtl="0" eaLnBrk="1" latinLnBrk="0" hangingPunct="1">
+                  <a:spcBef>
+                    <a:spcPct val="20000"/>
+                  </a:spcBef>
+                  <a:buFont typeface="Arial"/>
+                  <a:buChar char="•"/>
+                  <a:defRPr sz="1500" kern="1200">
+                    <a:solidFill>
+                      <a:schemeClr val="tx1"/>
+                    </a:solidFill>
+                    <a:latin typeface="+mn-lt"/>
+                    <a:ea typeface="+mn-ea"/>
+                    <a:cs typeface="+mn-cs"/>
+                  </a:defRPr>
+                </a:lvl9pPr>
+              </a:lstStyle>
+              <a:p>
+                <a:pPr marL="0" indent="0">
+                  <a:buFont typeface="Arial"/>
+                  <a:buNone/>
+                </a:pPr>
+                <a:r>
+                  <a:rPr lang="en-US" sz="2000" dirty="0"/>
+                  <a:t>Repones array, </a:t>
+                </a:r>
+                <a14:m>
+                  <m:oMath xmlns:m="http://schemas.openxmlformats.org/officeDocument/2006/math">
+                    <m:r>
+                      <a:rPr lang="en-US" sz="2000" b="0" i="1" smtClean="0">
+                        <a:latin typeface="Cambria Math" panose="02040503050406030204" pitchFamily="18" charset="0"/>
+                      </a:rPr>
+                      <m:t>𝑌</m:t>
+                    </m:r>
+                  </m:oMath>
+                </a14:m>
+                <a:r>
+                  <a:rPr lang="en-US" sz="2000" dirty="0"/>
+                  <a:t>:</a:t>
+                </a:r>
+              </a:p>
+            </p:txBody>
+          </p:sp>
+        </mc:Choice>
+        <mc:Fallback xmlns="">
+          <p:sp>
+            <p:nvSpPr>
+              <p:cNvPr id="5" name="Content Placeholder 2">
+                <a:extLst>
+                  <a:ext uri="{FF2B5EF4-FFF2-40B4-BE49-F238E27FC236}">
+                    <a16:creationId xmlns:a16="http://schemas.microsoft.com/office/drawing/2014/main" id="{768A33E4-DCE0-64DF-03B6-801A28AE3D15}"/>
+                  </a:ext>
+                </a:extLst>
+              </p:cNvPr>
+              <p:cNvSpPr txBox="1">
+                <a:spLocks noRot="1" noChangeAspect="1" noMove="1" noResize="1" noEditPoints="1" noAdjustHandles="1" noChangeArrowheads="1" noChangeShapeType="1" noTextEdit="1"/>
+              </p:cNvSpPr>
+              <p:nvPr/>
+            </p:nvSpPr>
+            <p:spPr>
+              <a:xfrm>
+                <a:off x="6748272" y="2568702"/>
+                <a:ext cx="2082800" cy="368429"/>
+              </a:xfrm>
+              <a:prstGeom prst="rect">
+                <a:avLst/>
+              </a:prstGeom>
+              <a:blipFill>
+                <a:blip r:embed="rId4"/>
+                <a:stretch>
+                  <a:fillRect l="-2924" t="-8197" b="-36066"/>
+                </a:stretch>
+              </a:blipFill>
+            </p:spPr>
+            <p:txBody>
+              <a:bodyPr/>
+              <a:lstStyle/>
+              <a:p>
+                <a:r>
+                  <a:rPr lang="en-US">
+                    <a:noFill/>
+                  </a:rPr>
+                  <a:t> </a:t>
+                </a:r>
+              </a:p>
+            </p:txBody>
+          </p:sp>
+        </mc:Fallback>
+      </mc:AlternateContent>
+      <p:pic>
+        <p:nvPicPr>
+          <p:cNvPr id="11" name="Picture 10">
+            <a:extLst>
+              <a:ext uri="{FF2B5EF4-FFF2-40B4-BE49-F238E27FC236}">
+                <a16:creationId xmlns:a16="http://schemas.microsoft.com/office/drawing/2014/main" id="{25C9995F-03B5-0A28-6028-D7C629D0A13B}"/>
+              </a:ext>
+            </a:extLst>
+          </p:cNvPr>
+          <p:cNvPicPr>
+            <a:picLocks noChangeAspect="1"/>
+          </p:cNvPicPr>
+          <p:nvPr/>
+        </p:nvPicPr>
+        <p:blipFill>
+          <a:blip r:embed="rId5"/>
+          <a:stretch>
+            <a:fillRect/>
+          </a:stretch>
+        </p:blipFill>
+        <p:spPr>
+          <a:xfrm>
+            <a:off x="428752" y="2937131"/>
+            <a:ext cx="5949696" cy="1226915"/>
+          </a:xfrm>
+          <a:prstGeom prst="rect">
+            <a:avLst/>
+          </a:prstGeom>
+        </p:spPr>
+      </p:pic>
+      <p:pic>
+        <p:nvPicPr>
+          <p:cNvPr id="13" name="Picture 12">
+            <a:extLst>
+              <a:ext uri="{FF2B5EF4-FFF2-40B4-BE49-F238E27FC236}">
+                <a16:creationId xmlns:a16="http://schemas.microsoft.com/office/drawing/2014/main" id="{22BB4F01-7E7C-C3FD-B9A1-43827B10A1E2}"/>
+              </a:ext>
+            </a:extLst>
+          </p:cNvPr>
+          <p:cNvPicPr>
+            <a:picLocks noChangeAspect="1"/>
+          </p:cNvPicPr>
+          <p:nvPr/>
+        </p:nvPicPr>
+        <p:blipFill>
+          <a:blip r:embed="rId6"/>
+          <a:stretch>
+            <a:fillRect/>
+          </a:stretch>
+        </p:blipFill>
+        <p:spPr>
+          <a:xfrm>
+            <a:off x="7074268" y="2937131"/>
+            <a:ext cx="663650" cy="1258050"/>
+          </a:xfrm>
+          <a:prstGeom prst="rect">
+            <a:avLst/>
+          </a:prstGeom>
+        </p:spPr>
+      </p:pic>
+      <p:sp>
+        <p:nvSpPr>
+          <p:cNvPr id="14" name="Left Brace 13">
+            <a:extLst>
+              <a:ext uri="{FF2B5EF4-FFF2-40B4-BE49-F238E27FC236}">
+                <a16:creationId xmlns:a16="http://schemas.microsoft.com/office/drawing/2014/main" id="{4F06B619-4D57-F002-E436-82429BABFF3A}"/>
+              </a:ext>
+            </a:extLst>
+          </p:cNvPr>
+          <p:cNvSpPr/>
+          <p:nvPr/>
+        </p:nvSpPr>
+        <p:spPr>
+          <a:xfrm rot="16200000">
+            <a:off x="2371583" y="2390016"/>
+            <a:ext cx="239298" cy="3872992"/>
+          </a:xfrm>
+          <a:prstGeom prst="leftBrace">
+            <a:avLst/>
+          </a:prstGeom>
+        </p:spPr>
+        <p:style>
+          <a:lnRef idx="2">
+            <a:schemeClr val="accent1"/>
+          </a:lnRef>
+          <a:fillRef idx="0">
+            <a:schemeClr val="accent1"/>
+          </a:fillRef>
+          <a:effectRef idx="1">
+            <a:schemeClr val="accent1"/>
+          </a:effectRef>
+          <a:fontRef idx="minor">
+            <a:schemeClr val="tx1"/>
+          </a:fontRef>
+        </p:style>
+        <p:txBody>
+          <a:bodyPr rtlCol="0" anchor="ctr"/>
+          <a:lstStyle/>
+          <a:p>
+            <a:pPr algn="ctr"/>
+            <a:endParaRPr lang="en-US"/>
+          </a:p>
+        </p:txBody>
+      </p:sp>
+      <p:sp>
+        <p:nvSpPr>
+          <p:cNvPr id="15" name="Content Placeholder 2">
+            <a:extLst>
+              <a:ext uri="{FF2B5EF4-FFF2-40B4-BE49-F238E27FC236}">
+                <a16:creationId xmlns:a16="http://schemas.microsoft.com/office/drawing/2014/main" id="{86ED3BF5-A872-A8EF-DEBC-A2509C67058B}"/>
+              </a:ext>
+            </a:extLst>
+          </p:cNvPr>
+          <p:cNvSpPr txBox="1">
+            <a:spLocks/>
+          </p:cNvSpPr>
+          <p:nvPr/>
+        </p:nvSpPr>
+        <p:spPr>
+          <a:xfrm>
+            <a:off x="554735" y="4410673"/>
+            <a:ext cx="4494784" cy="516100"/>
+          </a:xfrm>
+          <a:prstGeom prst="rect">
+            <a:avLst/>
+          </a:prstGeom>
+        </p:spPr>
+        <p:txBody>
+          <a:bodyPr vert="horz" lIns="91440" tIns="45720" rIns="91440" bIns="45720" rtlCol="0">
+            <a:noAutofit/>
+          </a:bodyPr>
+          <a:lstStyle>
+            <a:lvl1pPr marL="342900" indent="-342900" algn="l" defTabSz="342900" rtl="0" eaLnBrk="1" latinLnBrk="0" hangingPunct="1">
+              <a:spcBef>
+                <a:spcPct val="20000"/>
+              </a:spcBef>
+              <a:buFont typeface="Arial"/>
+              <a:buChar char="•"/>
+              <a:defRPr sz="2400" kern="1200">
+                <a:solidFill>
+                  <a:schemeClr val="tx1"/>
+                </a:solidFill>
+                <a:latin typeface="+mn-lt"/>
+                <a:ea typeface="+mn-ea"/>
+                <a:cs typeface="+mn-cs"/>
+              </a:defRPr>
+            </a:lvl1pPr>
+            <a:lvl2pPr marL="685800" indent="-342900" algn="l" defTabSz="342900" rtl="0" eaLnBrk="1" latinLnBrk="0" hangingPunct="1">
+              <a:spcBef>
+                <a:spcPct val="20000"/>
+              </a:spcBef>
+              <a:buFont typeface="Arial"/>
+              <a:buChar char="–"/>
+              <a:defRPr sz="2100" kern="1200">
+                <a:solidFill>
+                  <a:schemeClr val="tx1"/>
+                </a:solidFill>
+                <a:latin typeface="+mn-lt"/>
+                <a:ea typeface="+mn-ea"/>
+                <a:cs typeface="+mn-cs"/>
+              </a:defRPr>
+            </a:lvl2pPr>
+            <a:lvl3pPr marL="1028700" indent="-342900" algn="l" defTabSz="342900" rtl="0" eaLnBrk="1" latinLnBrk="0" hangingPunct="1">
+              <a:spcBef>
+                <a:spcPct val="20000"/>
+              </a:spcBef>
+              <a:buFont typeface="Arial"/>
+              <a:buChar char="•"/>
+              <a:defRPr sz="1800" kern="1200">
+                <a:solidFill>
+                  <a:schemeClr val="tx1"/>
+                </a:solidFill>
+                <a:latin typeface="+mn-lt"/>
+                <a:ea typeface="+mn-ea"/>
+                <a:cs typeface="+mn-cs"/>
+              </a:defRPr>
+            </a:lvl3pPr>
+            <a:lvl4pPr marL="1371600" indent="-342900" algn="l" defTabSz="342900" rtl="0" eaLnBrk="1" latinLnBrk="0" hangingPunct="1">
+              <a:spcBef>
+                <a:spcPct val="20000"/>
+              </a:spcBef>
+              <a:buFont typeface="Arial"/>
+              <a:buChar char="–"/>
+              <a:defRPr sz="1500" kern="1200">
+                <a:solidFill>
+                  <a:schemeClr val="tx1"/>
+                </a:solidFill>
+                <a:latin typeface="+mn-lt"/>
+                <a:ea typeface="+mn-ea"/>
+                <a:cs typeface="+mn-cs"/>
+              </a:defRPr>
+            </a:lvl4pPr>
+            <a:lvl5pPr marL="1714500" indent="-342900" algn="l" defTabSz="342900" rtl="0" eaLnBrk="1" latinLnBrk="0" hangingPunct="1">
+              <a:spcBef>
+                <a:spcPct val="20000"/>
+              </a:spcBef>
+              <a:buFont typeface="Arial"/>
+              <a:buChar char="»"/>
+              <a:defRPr sz="1500" kern="1200">
+                <a:solidFill>
+                  <a:schemeClr val="tx1"/>
+                </a:solidFill>
+                <a:latin typeface="+mn-lt"/>
+                <a:ea typeface="+mn-ea"/>
+                <a:cs typeface="+mn-cs"/>
+              </a:defRPr>
+            </a:lvl5pPr>
+            <a:lvl6pPr marL="2057400" indent="-342900" algn="l" defTabSz="342900" rtl="0" eaLnBrk="1" latinLnBrk="0" hangingPunct="1">
+              <a:spcBef>
+                <a:spcPct val="20000"/>
+              </a:spcBef>
+              <a:buFont typeface="Arial"/>
+              <a:buChar char="•"/>
+              <a:defRPr sz="1500" kern="1200">
+                <a:solidFill>
+                  <a:schemeClr val="tx1"/>
+                </a:solidFill>
+                <a:latin typeface="+mn-lt"/>
+                <a:ea typeface="+mn-ea"/>
+                <a:cs typeface="+mn-cs"/>
+              </a:defRPr>
+            </a:lvl6pPr>
+            <a:lvl7pPr marL="2400300" indent="-342900" algn="l" defTabSz="342900" rtl="0" eaLnBrk="1" latinLnBrk="0" hangingPunct="1">
+              <a:spcBef>
+                <a:spcPct val="20000"/>
+              </a:spcBef>
+              <a:buFont typeface="Arial"/>
+              <a:buChar char="•"/>
+              <a:defRPr sz="1500" kern="1200">
+                <a:solidFill>
+                  <a:schemeClr val="tx1"/>
+                </a:solidFill>
+                <a:latin typeface="+mn-lt"/>
+                <a:ea typeface="+mn-ea"/>
+                <a:cs typeface="+mn-cs"/>
+              </a:defRPr>
+            </a:lvl7pPr>
+            <a:lvl8pPr marL="2743200" indent="-342900" algn="l" defTabSz="342900" rtl="0" eaLnBrk="1" latinLnBrk="0" hangingPunct="1">
+              <a:spcBef>
+                <a:spcPct val="20000"/>
+              </a:spcBef>
+              <a:buFont typeface="Arial"/>
+              <a:buChar char="•"/>
+              <a:defRPr sz="1500" kern="1200">
+                <a:solidFill>
+                  <a:schemeClr val="tx1"/>
+                </a:solidFill>
+                <a:latin typeface="+mn-lt"/>
+                <a:ea typeface="+mn-ea"/>
+                <a:cs typeface="+mn-cs"/>
+              </a:defRPr>
+            </a:lvl8pPr>
+            <a:lvl9pPr marL="3086100" indent="-342900" algn="l" defTabSz="342900" rtl="0" eaLnBrk="1" latinLnBrk="0" hangingPunct="1">
+              <a:spcBef>
+                <a:spcPct val="20000"/>
+              </a:spcBef>
+              <a:buFont typeface="Arial"/>
+              <a:buChar char="•"/>
+              <a:defRPr sz="1500" kern="1200">
+                <a:solidFill>
+                  <a:schemeClr val="tx1"/>
+                </a:solidFill>
+                <a:latin typeface="+mn-lt"/>
+                <a:ea typeface="+mn-ea"/>
+                <a:cs typeface="+mn-cs"/>
+              </a:defRPr>
+            </a:lvl9pPr>
+          </a:lstStyle>
+          <a:p>
+            <a:pPr marL="0" indent="0">
+              <a:buFont typeface="Arial"/>
+              <a:buNone/>
+            </a:pPr>
+            <a:r>
+              <a:rPr lang="en-US" sz="2000" dirty="0"/>
+              <a:t>Notice there are now 5 dummy variables for 5 levels of the `</a:t>
+            </a:r>
+            <a:r>
+              <a:rPr lang="en-US" sz="2000" dirty="0" err="1"/>
+              <a:t>body_style</a:t>
+            </a:r>
+            <a:r>
+              <a:rPr lang="en-US" sz="2000" dirty="0"/>
+              <a:t>`</a:t>
+            </a:r>
+            <a:endParaRPr lang="en-US" sz="1600" dirty="0">
+              <a:latin typeface="Courier"/>
+            </a:endParaRPr>
+          </a:p>
+        </p:txBody>
+      </p:sp>
+    </p:spTree>
+    <p:extLst>
+      <p:ext uri="{BB962C8B-B14F-4D97-AF65-F5344CB8AC3E}">
+        <p14:creationId xmlns:p14="http://schemas.microsoft.com/office/powerpoint/2010/main" val="1485807228"/>
+      </p:ext>
+    </p:extLst>
   </p:cSld>
   <p:clrMapOvr>
     <a:masterClrMapping/>
@@ -7266,13 +7397,7 @@
                           <a:rPr>
                             <a:latin typeface="Cambria Math" panose="02040503050406030204" pitchFamily="18" charset="0"/>
                           </a:rPr>
-                          <m:t>1</m:t>
-                        </m:r>
-                        <m:r>
-                          <a:rPr>
-                            <a:latin typeface="Cambria Math" panose="02040503050406030204" pitchFamily="18" charset="0"/>
-                          </a:rPr>
-                          <m:t>,</m:t>
+                          <m:t>1,</m:t>
                         </m:r>
                         <m:sSub>
                           <m:sSubPr>
@@ -7918,7 +8043,7 @@
           <a:p>
             <a:r>
               <a:rPr lang="en-US" sz="1800" dirty="0"/>
-              <a:t>Constant coefficients for centered </a:t>
+              <a:t>Coefficients for centered </a:t>
             </a:r>
             <a:r>
               <a:rPr lang="en-US" sz="1800" dirty="0" err="1"/>
@@ -8116,8 +8241,8 @@
         </p:nvCxnSpPr>
         <p:spPr>
           <a:xfrm flipV="1">
-            <a:off x="6118167" y="4168833"/>
-            <a:ext cx="457200" cy="644236"/>
+            <a:off x="5299456" y="4168833"/>
+            <a:ext cx="1275911" cy="675455"/>
           </a:xfrm>
           <a:prstGeom prst="straightConnector1">
             <a:avLst/>
@@ -8273,7 +8398,7 @@
             </a:r>
             <a:r>
               <a:rPr lang="en-US" sz="2000" b="1" dirty="0"/>
-              <a:t>with intercept </a:t>
+              <a:t>without intercept </a:t>
             </a:r>
             <a:r>
               <a:rPr lang="en-US" sz="2000" dirty="0"/>
@@ -8304,7 +8429,7 @@
                 </a:solidFill>
                 <a:latin typeface="Courier"/>
               </a:rPr>
-              <a:t> ~ C(</a:t>
+              <a:t> ~ -1 + C(</a:t>
             </a:r>
             <a:r>
               <a:rPr lang="en-US" sz="1600" b="1" dirty="0" err="1">
@@ -8376,13 +8501,13 @@
           <a:p>
             <a:r>
               <a:rPr lang="en-US" sz="1800" dirty="0"/>
-              <a:t>The coefficients for diesel and gas cars are the averages for each fuel type </a:t>
+              <a:t>The coefficients for diesel and gas cars are the means for each fuel type </a:t>
             </a:r>
           </a:p>
           <a:p>
             <a:r>
               <a:rPr lang="en-US" sz="1800" dirty="0"/>
-              <a:t>Constant coefficients for centered </a:t>
+              <a:t>Coefficients for centered </a:t>
             </a:r>
             <a:r>
               <a:rPr lang="en-US" sz="1800" dirty="0" err="1"/>
@@ -8390,7 +8515,7 @@
             </a:r>
             <a:r>
               <a:rPr lang="en-US" sz="1800" dirty="0"/>
-              <a:t> variables  </a:t>
+              <a:t> variables are the same as model with contrasts</a:t>
             </a:r>
           </a:p>
           <a:p>
@@ -8550,8 +8675,8 @@
         </p:nvCxnSpPr>
         <p:spPr>
           <a:xfrm flipV="1">
-            <a:off x="6118167" y="4002578"/>
-            <a:ext cx="536171" cy="220287"/>
+            <a:off x="6030976" y="4002578"/>
+            <a:ext cx="623362" cy="220287"/>
           </a:xfrm>
           <a:prstGeom prst="straightConnector1">
             <a:avLst/>
@@ -10135,7 +10260,15 @@
             <a:pPr lvl="0"/>
             <a:r>
               <a:rPr dirty="0"/>
-              <a:t>Often need to </a:t>
+              <a:t>Often </a:t>
+            </a:r>
+            <a:r>
+              <a:rPr lang="en-US" dirty="0"/>
+              <a:t>want</a:t>
+            </a:r>
+            <a:r>
+              <a:rPr dirty="0"/>
+              <a:t> to </a:t>
             </a:r>
             <a:r>
               <a:rPr b="1" dirty="0"/>
@@ -10147,7 +10280,15 @@
             </a:r>
             <a:r>
               <a:rPr b="1" dirty="0"/>
-              <a:t>for other effects</a:t>
+              <a:t>for </a:t>
+            </a:r>
+            <a:r>
+              <a:rPr lang="en-US" b="1" dirty="0"/>
+              <a:t>some</a:t>
+            </a:r>
+            <a:r>
+              <a:rPr b="1" dirty="0"/>
+              <a:t> effects</a:t>
             </a:r>
           </a:p>
           <a:p>
@@ -10182,12 +10323,12 @@
           <a:p>
             <a:pPr lvl="0"/>
             <a:r>
-              <a:rPr dirty="0"/>
-              <a:t>In other words </a:t>
+              <a:rPr b="1" dirty="0"/>
+              <a:t>I</a:t>
             </a:r>
             <a:r>
               <a:rPr lang="en-US" b="1" dirty="0"/>
-              <a:t>interpret</a:t>
+              <a:t>nterpret</a:t>
             </a:r>
             <a:r>
               <a:rPr dirty="0"/>
@@ -10496,9 +10637,23 @@
             </a:r>
           </a:p>
           <a:p>
+            <a:pPr lvl="1"/>
+            <a:r>
+              <a:rPr lang="en-US" sz="1700" dirty="0"/>
+              <a:t>Adjust observations </a:t>
+            </a:r>
+          </a:p>
+          <a:p>
+            <a:pPr lvl="1"/>
+            <a:r>
+              <a:rPr lang="en-US" sz="1700" dirty="0"/>
+              <a:t>Adjust model response</a:t>
+            </a:r>
+          </a:p>
+          <a:p>
             <a:r>
               <a:rPr lang="en-US" sz="2000" dirty="0"/>
-              <a:t>The predictions for the two fuel types are now the same!</a:t>
+              <a:t>Model response for the two fuel types are now the same!</a:t>
             </a:r>
           </a:p>
           <a:p>
@@ -10784,8 +10939,8 @@
           </a:p>
         </p:txBody>
       </p:sp>
-      <mc:AlternateContent xmlns:mc="http://schemas.openxmlformats.org/markup-compatibility/2006" xmlns:a14="http://schemas.microsoft.com/office/drawing/2010/main">
-        <mc:Choice Requires="a14">
+      <mc:AlternateContent xmlns:mc="http://schemas.openxmlformats.org/markup-compatibility/2006">
+        <mc:Choice xmlns:a14="http://schemas.microsoft.com/office/drawing/2010/main" Requires="a14">
           <p:sp>
             <p:nvSpPr>
               <p:cNvPr id="3" name="Content Placeholder 2"/>
@@ -10807,14 +10962,14 @@
                   <a:buNone/>
                 </a:pPr>
                 <a:r>
-                  <a:rPr dirty="0"/>
+                  <a:rPr lang="en-US" dirty="0"/>
                   <a:t>How do we deal with models that do not have nonlinear response variables?</a:t>
                 </a:r>
               </a:p>
               <a:p>
                 <a:pPr lvl="0"/>
                 <a:r>
-                  <a:rPr dirty="0"/>
+                  <a:rPr lang="en-US" dirty="0"/>
                   <a:t>Example: binary response variable, </a:t>
                 </a:r>
                 <a14:m>
@@ -10824,26 +10979,26 @@
                         <m:begChr m:val="["/>
                         <m:endChr m:val="]"/>
                         <m:ctrlPr>
-                          <a:rPr i="1">
+                          <a:rPr lang="ar-AE" i="1">
                             <a:latin typeface="Cambria Math" panose="02040503050406030204" pitchFamily="18" charset="0"/>
                           </a:rPr>
                         </m:ctrlPr>
                       </m:dPr>
                       <m:e>
                         <m:r>
-                          <a:rPr>
+                          <a:rPr lang="ar-AE">
                             <a:latin typeface="Cambria Math" panose="02040503050406030204" pitchFamily="18" charset="0"/>
                           </a:rPr>
                           <m:t>0</m:t>
                         </m:r>
                         <m:r>
-                          <a:rPr>
+                          <a:rPr lang="ar-AE">
                             <a:latin typeface="Cambria Math" panose="02040503050406030204" pitchFamily="18" charset="0"/>
                           </a:rPr>
                           <m:t>,</m:t>
                         </m:r>
                         <m:r>
-                          <a:rPr>
+                          <a:rPr lang="ar-AE">
                             <a:latin typeface="Cambria Math" panose="02040503050406030204" pitchFamily="18" charset="0"/>
                           </a:rPr>
                           <m:t>1</m:t>
@@ -10853,7 +11008,7 @@
                   </m:oMath>
                 </a14:m>
                 <a:r>
-                  <a:rPr dirty="0"/>
+                  <a:rPr lang="ar-AE" dirty="0"/>
                   <a:t>, </a:t>
                 </a:r>
                 <a:r>
@@ -10863,7 +11018,7 @@
                 <a14:m>
                   <m:oMath xmlns:m="http://schemas.openxmlformats.org/officeDocument/2006/math">
                     <m:r>
-                      <a:rPr>
+                      <a:rPr lang="en-US">
                         <a:latin typeface="Cambria Math" panose="02040503050406030204" pitchFamily="18" charset="0"/>
                       </a:rPr>
                       <m:t>𝐵𝑖𝑛</m:t>
@@ -10871,14 +11026,14 @@
                     <m:d>
                       <m:dPr>
                         <m:ctrlPr>
-                          <a:rPr i="1">
+                          <a:rPr lang="ar-AE" i="1">
                             <a:latin typeface="Cambria Math" panose="02040503050406030204" pitchFamily="18" charset="0"/>
                           </a:rPr>
                         </m:ctrlPr>
                       </m:dPr>
                       <m:e>
                         <m:r>
-                          <a:rPr>
+                          <a:rPr lang="ar-AE">
                             <a:latin typeface="Cambria Math" panose="02040503050406030204" pitchFamily="18" charset="0"/>
                           </a:rPr>
                           <m:t>𝜃</m:t>
@@ -10888,58 +11043,49 @@
                   </m:oMath>
                 </a14:m>
                 <a:r>
-                  <a:rPr dirty="0"/>
-                  <a:t> distributed</a:t>
+                  <a:rPr lang="ar-AE" dirty="0"/>
+                  <a:t> </a:t>
                 </a:r>
                 <a:r>
                   <a:rPr lang="en-US" dirty="0"/>
-                  <a:t> response</a:t>
-                </a:r>
-                <a:endParaRPr dirty="0"/>
+                  <a:t>distributed response</a:t>
+                </a:r>
               </a:p>
               <a:p>
                 <a:pPr lvl="1"/>
                 <a:r>
-                  <a:rPr dirty="0"/>
+                  <a:rPr lang="en-US" dirty="0"/>
                   <a:t>Probability parameter </a:t>
                 </a:r>
                 <a14:m>
                   <m:oMath xmlns:m="http://schemas.openxmlformats.org/officeDocument/2006/math">
                     <m:r>
-                      <a:rPr>
+                      <a:rPr lang="en-US">
                         <a:latin typeface="Cambria Math" panose="02040503050406030204" pitchFamily="18" charset="0"/>
                       </a:rPr>
                       <m:t>𝜃</m:t>
                     </m:r>
                   </m:oMath>
                 </a14:m>
-                <a:endParaRPr dirty="0"/>
+                <a:endParaRPr lang="en-US" dirty="0"/>
               </a:p>
               <a:p>
                 <a:pPr lvl="1"/>
                 <a:r>
-                  <a:rPr dirty="0"/>
+                  <a:rPr lang="en-US" dirty="0"/>
                   <a:t>A binary classifier</a:t>
                 </a:r>
               </a:p>
               <a:p>
                 <a:pPr lvl="0"/>
                 <a:r>
-                  <a:rPr dirty="0"/>
-                  <a:t>Example: Intensity of an arrival process,</a:t>
-                </a:r>
-                <a:r>
                   <a:rPr lang="en-US" dirty="0"/>
-                  <a:t> with</a:t>
-                </a:r>
-                <a:r>
-                  <a:rPr dirty="0"/>
-                  <a:t> </a:t>
+                  <a:t>Example: Intensity of an arrival process, with </a:t>
                 </a:r>
                 <a14:m>
                   <m:oMath xmlns:m="http://schemas.openxmlformats.org/officeDocument/2006/math">
                     <m:r>
-                      <a:rPr>
+                      <a:rPr lang="en-US">
                         <a:latin typeface="Cambria Math" panose="02040503050406030204" pitchFamily="18" charset="0"/>
                       </a:rPr>
                       <m:t>𝑝𝑜𝑖𝑠𝑠𝑜𝑛</m:t>
@@ -10947,14 +11093,14 @@
                     <m:d>
                       <m:dPr>
                         <m:ctrlPr>
-                          <a:rPr i="1">
+                          <a:rPr lang="ar-AE" i="1">
                             <a:latin typeface="Cambria Math" panose="02040503050406030204" pitchFamily="18" charset="0"/>
                           </a:rPr>
                         </m:ctrlPr>
                       </m:dPr>
                       <m:e>
                         <m:r>
-                          <a:rPr>
+                          <a:rPr lang="ar-AE">
                             <a:latin typeface="Cambria Math" panose="02040503050406030204" pitchFamily="18" charset="0"/>
                           </a:rPr>
                           <m:t>𝜆</m:t>
@@ -10964,8 +11110,12 @@
                   </m:oMath>
                 </a14:m>
                 <a:r>
-                  <a:rPr dirty="0"/>
-                  <a:t> response</a:t>
+                  <a:rPr lang="ar-AE" dirty="0"/>
+                  <a:t> </a:t>
+                </a:r>
+                <a:r>
+                  <a:rPr lang="en-US" dirty="0"/>
+                  <a:t>response</a:t>
                 </a:r>
               </a:p>
               <a:p>
@@ -10973,7 +11123,7 @@
                 <a14:m>
                   <m:oMath xmlns:m="http://schemas.openxmlformats.org/officeDocument/2006/math">
                     <m:r>
-                      <a:rPr>
+                      <a:rPr lang="en-US">
                         <a:latin typeface="Cambria Math" panose="02040503050406030204" pitchFamily="18" charset="0"/>
                       </a:rPr>
                       <m:t>𝜆</m:t>
@@ -10981,15 +11131,15 @@
                   </m:oMath>
                 </a14:m>
                 <a:r>
-                  <a:rPr dirty="0"/>
+                  <a:rPr lang="en-US" dirty="0"/>
                   <a:t> is the average rate or </a:t>
                 </a:r>
                 <a:r>
-                  <a:rPr b="1" dirty="0"/>
+                  <a:rPr lang="en-US" b="1" dirty="0"/>
                   <a:t>intensity</a:t>
                 </a:r>
                 <a:r>
-                  <a:rPr dirty="0"/>
+                  <a:rPr lang="en-US" dirty="0"/>
                   <a:t> of a point process</a:t>
                 </a:r>
               </a:p>
@@ -10997,42 +11147,30 @@
                 <a:pPr lvl="1"/>
                 <a:r>
                   <a:rPr lang="en-US" dirty="0"/>
-                  <a:t>P</a:t>
-                </a:r>
-                <a:r>
-                  <a:rPr dirty="0"/>
-                  <a:t>arameter</a:t>
-                </a:r>
-                <a:r>
-                  <a:rPr lang="en-US" dirty="0"/>
-                  <a:t> is</a:t>
-                </a:r>
-                <a:r>
-                  <a:rPr dirty="0"/>
-                  <a:t> </a:t>
+                  <a:t>Parameter is </a:t>
                 </a:r>
                 <a14:m>
                   <m:oMath xmlns:m="http://schemas.openxmlformats.org/officeDocument/2006/math">
                     <m:r>
-                      <a:rPr>
+                      <a:rPr lang="en-US">
                         <a:latin typeface="Cambria Math" panose="02040503050406030204" pitchFamily="18" charset="0"/>
                       </a:rPr>
                       <m:t>𝜆</m:t>
                     </m:r>
                   </m:oMath>
                 </a14:m>
-                <a:endParaRPr dirty="0"/>
+                <a:endParaRPr lang="en-US" dirty="0"/>
               </a:p>
               <a:p>
                 <a:pPr lvl="0"/>
                 <a:r>
-                  <a:rPr dirty="0"/>
+                  <a:rPr lang="en-US" dirty="0"/>
                   <a:t>Example: Categorical response variable for </a:t>
                 </a:r>
                 <a14:m>
                   <m:oMath xmlns:m="http://schemas.openxmlformats.org/officeDocument/2006/math">
                     <m:r>
-                      <a:rPr>
+                      <a:rPr lang="en-US">
                         <a:latin typeface="Cambria Math" panose="02040503050406030204" pitchFamily="18" charset="0"/>
                       </a:rPr>
                       <m:t>𝑛</m:t>
@@ -11040,29 +11178,24 @@
                   </m:oMath>
                 </a14:m>
                 <a:r>
-                  <a:rPr dirty="0"/>
-                  <a:t> categories,</a:t>
-                </a:r>
-                <a:r>
                   <a:rPr lang="en-US" dirty="0"/>
-                  <a:t> with</a:t>
-                </a:r>
-                <a:r>
-                  <a:rPr dirty="0"/>
-                  <a:t> </a:t>
+                  <a:t> categories, with </a:t>
                 </a:r>
                 <a14:m>
                   <m:oMath xmlns:m="http://schemas.openxmlformats.org/officeDocument/2006/math">
                     <m:r>
-                      <a:rPr>
+                      <m:rPr>
+                        <m:sty m:val="p"/>
+                      </m:rPr>
+                      <a:rPr lang="en-US" b="0" i="0" smtClean="0">
                         <a:latin typeface="Cambria Math" panose="02040503050406030204" pitchFamily="18" charset="0"/>
                       </a:rPr>
-                      <m:t>𝑀𝑢𝑙𝑡𝑖</m:t>
+                      <m:t>Cat</m:t>
                     </m:r>
                     <m:d>
                       <m:dPr>
                         <m:ctrlPr>
-                          <a:rPr i="1">
+                          <a:rPr lang="ar-AE" i="1">
                             <a:latin typeface="Cambria Math" panose="02040503050406030204" pitchFamily="18" charset="0"/>
                           </a:rPr>
                         </m:ctrlPr>
@@ -11071,14 +11204,14 @@
                         <m:sSub>
                           <m:sSubPr>
                             <m:ctrlPr>
-                              <a:rPr i="1">
+                              <a:rPr lang="ar-AE" i="1">
                                 <a:latin typeface="Cambria Math" panose="02040503050406030204" pitchFamily="18" charset="0"/>
                               </a:rPr>
                             </m:ctrlPr>
                           </m:sSubPr>
                           <m:e>
                             <m:r>
-                              <a:rPr>
+                              <a:rPr lang="ar-AE">
                                 <a:latin typeface="Cambria Math" panose="02040503050406030204" pitchFamily="18" charset="0"/>
                               </a:rPr>
                               <m:t>𝜋</m:t>
@@ -11086,7 +11219,7 @@
                           </m:e>
                           <m:sub>
                             <m:r>
-                              <a:rPr>
+                              <a:rPr lang="ar-AE">
                                 <a:latin typeface="Cambria Math" panose="02040503050406030204" pitchFamily="18" charset="0"/>
                               </a:rPr>
                               <m:t>1</m:t>
@@ -11094,7 +11227,7 @@
                           </m:sub>
                         </m:sSub>
                         <m:r>
-                          <a:rPr>
+                          <a:rPr lang="ar-AE">
                             <a:latin typeface="Cambria Math" panose="02040503050406030204" pitchFamily="18" charset="0"/>
                           </a:rPr>
                           <m:t>,</m:t>
@@ -11102,14 +11235,14 @@
                         <m:sSub>
                           <m:sSubPr>
                             <m:ctrlPr>
-                              <a:rPr i="1">
+                              <a:rPr lang="ar-AE" i="1">
                                 <a:latin typeface="Cambria Math" panose="02040503050406030204" pitchFamily="18" charset="0"/>
                               </a:rPr>
                             </m:ctrlPr>
                           </m:sSubPr>
                           <m:e>
                             <m:r>
-                              <a:rPr>
+                              <a:rPr lang="ar-AE">
                                 <a:latin typeface="Cambria Math" panose="02040503050406030204" pitchFamily="18" charset="0"/>
                               </a:rPr>
                               <m:t>𝜋</m:t>
@@ -11117,7 +11250,7 @@
                           </m:e>
                           <m:sub>
                             <m:r>
-                              <a:rPr>
+                              <a:rPr lang="ar-AE">
                                 <a:latin typeface="Cambria Math" panose="02040503050406030204" pitchFamily="18" charset="0"/>
                               </a:rPr>
                               <m:t>2</m:t>
@@ -11125,7 +11258,7 @@
                           </m:sub>
                         </m:sSub>
                         <m:r>
-                          <a:rPr>
+                          <a:rPr lang="ar-AE">
                             <a:latin typeface="Cambria Math" panose="02040503050406030204" pitchFamily="18" charset="0"/>
                           </a:rPr>
                           <m:t>,…,</m:t>
@@ -11133,14 +11266,14 @@
                         <m:sSub>
                           <m:sSubPr>
                             <m:ctrlPr>
-                              <a:rPr i="1">
+                              <a:rPr lang="ar-AE" i="1">
                                 <a:latin typeface="Cambria Math" panose="02040503050406030204" pitchFamily="18" charset="0"/>
                               </a:rPr>
                             </m:ctrlPr>
                           </m:sSubPr>
                           <m:e>
                             <m:r>
-                              <a:rPr>
+                              <a:rPr lang="ar-AE">
                                 <a:latin typeface="Cambria Math" panose="02040503050406030204" pitchFamily="18" charset="0"/>
                               </a:rPr>
                               <m:t>𝜋</m:t>
@@ -11148,7 +11281,7 @@
                           </m:e>
                           <m:sub>
                             <m:r>
-                              <a:rPr>
+                              <a:rPr lang="ar-AE">
                                 <a:latin typeface="Cambria Math" panose="02040503050406030204" pitchFamily="18" charset="0"/>
                               </a:rPr>
                               <m:t>𝑛</m:t>
@@ -11160,12 +11293,12 @@
                   </m:oMath>
                 </a14:m>
                 <a:r>
+                  <a:rPr lang="ar-AE" dirty="0"/>
+                  <a:t> </a:t>
+                </a:r>
+                <a:r>
                   <a:rPr lang="en-US" dirty="0"/>
-                  <a:t> response</a:t>
-                </a:r>
-                <a:r>
-                  <a:rPr dirty="0"/>
-                  <a:t>:</a:t>
+                  <a:t>response:</a:t>
                 </a:r>
               </a:p>
               <a:p>
@@ -11173,7 +11306,7 @@
                 <a14:m>
                   <m:oMath xmlns:m="http://schemas.openxmlformats.org/officeDocument/2006/math">
                     <m:r>
-                      <a:rPr>
+                      <a:rPr lang="en-US">
                         <a:latin typeface="Cambria Math" panose="02040503050406030204" pitchFamily="18" charset="0"/>
                       </a:rPr>
                       <m:t>𝑛</m:t>
@@ -11181,7 +11314,7 @@
                   </m:oMath>
                 </a14:m>
                 <a:r>
-                  <a:rPr dirty="0"/>
+                  <a:rPr lang="en-US" dirty="0"/>
                   <a:t> category classifier</a:t>
                 </a:r>
               </a:p>
@@ -11189,22 +11322,18 @@
                 <a:pPr lvl="1"/>
                 <a:r>
                   <a:rPr lang="en-US" dirty="0"/>
-                  <a:t>Parameter</a:t>
-                </a:r>
-                <a:r>
-                  <a:rPr dirty="0"/>
-                  <a:t> is probability for each category, </a:t>
+                  <a:t>Parameter is probability for each category, </a:t>
                 </a:r>
                 <a14:m>
                   <m:oMath xmlns:m="http://schemas.openxmlformats.org/officeDocument/2006/math">
                     <m:r>
-                      <a:rPr>
+                      <a:rPr lang="en-US">
                         <a:latin typeface="Cambria Math" panose="02040503050406030204" pitchFamily="18" charset="0"/>
                       </a:rPr>
                       <m:t>𝛱</m:t>
                     </m:r>
                     <m:r>
-                      <a:rPr>
+                      <a:rPr lang="en-US">
                         <a:latin typeface="Cambria Math" panose="02040503050406030204" pitchFamily="18" charset="0"/>
                       </a:rPr>
                       <m:t>=</m:t>
@@ -11214,7 +11343,7 @@
                         <m:begChr m:val="["/>
                         <m:endChr m:val="]"/>
                         <m:ctrlPr>
-                          <a:rPr i="1">
+                          <a:rPr lang="ar-AE" i="1">
                             <a:latin typeface="Cambria Math" panose="02040503050406030204" pitchFamily="18" charset="0"/>
                           </a:rPr>
                         </m:ctrlPr>
@@ -11223,14 +11352,14 @@
                         <m:sSub>
                           <m:sSubPr>
                             <m:ctrlPr>
-                              <a:rPr i="1">
+                              <a:rPr lang="ar-AE" i="1">
                                 <a:latin typeface="Cambria Math" panose="02040503050406030204" pitchFamily="18" charset="0"/>
                               </a:rPr>
                             </m:ctrlPr>
                           </m:sSubPr>
                           <m:e>
                             <m:r>
-                              <a:rPr>
+                              <a:rPr lang="ar-AE">
                                 <a:latin typeface="Cambria Math" panose="02040503050406030204" pitchFamily="18" charset="0"/>
                               </a:rPr>
                               <m:t>𝜋</m:t>
@@ -11238,7 +11367,7 @@
                           </m:e>
                           <m:sub>
                             <m:r>
-                              <a:rPr>
+                              <a:rPr lang="ar-AE">
                                 <a:latin typeface="Cambria Math" panose="02040503050406030204" pitchFamily="18" charset="0"/>
                               </a:rPr>
                               <m:t>1</m:t>
@@ -11246,7 +11375,7 @@
                           </m:sub>
                         </m:sSub>
                         <m:r>
-                          <a:rPr>
+                          <a:rPr lang="ar-AE">
                             <a:latin typeface="Cambria Math" panose="02040503050406030204" pitchFamily="18" charset="0"/>
                           </a:rPr>
                           <m:t>,</m:t>
@@ -11254,14 +11383,14 @@
                         <m:sSub>
                           <m:sSubPr>
                             <m:ctrlPr>
-                              <a:rPr i="1">
+                              <a:rPr lang="ar-AE" i="1">
                                 <a:latin typeface="Cambria Math" panose="02040503050406030204" pitchFamily="18" charset="0"/>
                               </a:rPr>
                             </m:ctrlPr>
                           </m:sSubPr>
                           <m:e>
                             <m:r>
-                              <a:rPr>
+                              <a:rPr lang="ar-AE">
                                 <a:latin typeface="Cambria Math" panose="02040503050406030204" pitchFamily="18" charset="0"/>
                               </a:rPr>
                               <m:t>𝜋</m:t>
@@ -11269,7 +11398,7 @@
                           </m:e>
                           <m:sub>
                             <m:r>
-                              <a:rPr>
+                              <a:rPr lang="ar-AE">
                                 <a:latin typeface="Cambria Math" panose="02040503050406030204" pitchFamily="18" charset="0"/>
                               </a:rPr>
                               <m:t>2</m:t>
@@ -11277,7 +11406,7 @@
                           </m:sub>
                         </m:sSub>
                         <m:r>
-                          <a:rPr>
+                          <a:rPr lang="ar-AE">
                             <a:latin typeface="Cambria Math" panose="02040503050406030204" pitchFamily="18" charset="0"/>
                           </a:rPr>
                           <m:t>,…,</m:t>
@@ -11285,14 +11414,14 @@
                         <m:sSub>
                           <m:sSubPr>
                             <m:ctrlPr>
-                              <a:rPr i="1">
+                              <a:rPr lang="ar-AE" i="1">
                                 <a:latin typeface="Cambria Math" panose="02040503050406030204" pitchFamily="18" charset="0"/>
                               </a:rPr>
                             </m:ctrlPr>
                           </m:sSubPr>
                           <m:e>
                             <m:r>
-                              <a:rPr>
+                              <a:rPr lang="ar-AE">
                                 <a:latin typeface="Cambria Math" panose="02040503050406030204" pitchFamily="18" charset="0"/>
                               </a:rPr>
                               <m:t>𝜋</m:t>
@@ -11300,7 +11429,7 @@
                           </m:e>
                           <m:sub>
                             <m:r>
-                              <a:rPr>
+                              <a:rPr lang="ar-AE">
                                 <a:latin typeface="Cambria Math" panose="02040503050406030204" pitchFamily="18" charset="0"/>
                               </a:rPr>
                               <m:t>𝑛</m:t>
@@ -11316,7 +11445,7 @@
             </p:txBody>
           </p:sp>
         </mc:Choice>
-        <mc:Fallback xmlns="">
+        <mc:Fallback>
           <p:sp>
             <p:nvSpPr>
               <p:cNvPr id="3" name="Content Placeholder 2"/>
@@ -11436,7 +11565,15 @@
             <a:pPr lvl="0"/>
             <a:r>
               <a:rPr b="1" dirty="0"/>
-              <a:t>Nonlinear response is non-Normally distributed</a:t>
+              <a:t>Nonlinear response is n</a:t>
+            </a:r>
+            <a:r>
+              <a:rPr lang="en-US" b="1" dirty="0"/>
+              <a:t>ot </a:t>
+            </a:r>
+            <a:r>
+              <a:rPr b="1" dirty="0"/>
+              <a:t>Normally distributed</a:t>
             </a:r>
           </a:p>
           <a:p>
@@ -11461,7 +11598,7 @@
           <a:p>
             <a:pPr lvl="1"/>
             <a:r>
-              <a:rPr dirty="0"/>
+              <a:rPr b="1" dirty="0"/>
               <a:t>Linear model has Normally distributed response</a:t>
             </a:r>
           </a:p>
@@ -11560,8 +11697,8 @@
           </a:p>
         </p:txBody>
       </p:sp>
-      <mc:AlternateContent xmlns:mc="http://schemas.openxmlformats.org/markup-compatibility/2006" xmlns:a14="http://schemas.microsoft.com/office/drawing/2010/main">
-        <mc:Choice Requires="a14">
+      <mc:AlternateContent xmlns:mc="http://schemas.openxmlformats.org/markup-compatibility/2006">
+        <mc:Choice xmlns:a14="http://schemas.microsoft.com/office/drawing/2010/main" Requires="a14">
           <p:sp>
             <p:nvSpPr>
               <p:cNvPr id="3" name="Content Placeholder 2"/>
@@ -11575,7 +11712,7 @@
             <p:spPr/>
             <p:txBody>
               <a:bodyPr>
-                <a:normAutofit fontScale="92500" lnSpcReduction="10000"/>
+                <a:normAutofit fontScale="92500" lnSpcReduction="20000"/>
               </a:bodyPr>
               <a:lstStyle/>
               <a:p>
@@ -11584,11 +11721,19 @@
                 </a:pPr>
                 <a:r>
                   <a:rPr dirty="0"/>
-                  <a:t>General form for link function</a:t>
+                  <a:t>General form for </a:t>
+                </a:r>
+                <a:r>
+                  <a:rPr b="1" dirty="0"/>
+                  <a:t>link function</a:t>
+                </a:r>
+                <a:r>
+                  <a:rPr lang="en-US" b="1" dirty="0"/>
+                  <a:t> </a:t>
                 </a:r>
                 <a:r>
                   <a:rPr lang="en-US" dirty="0"/>
-                  <a:t> is </a:t>
+                  <a:t>is </a:t>
                 </a:r>
                 <a14:m>
                   <m:oMath xmlns:m="http://schemas.openxmlformats.org/officeDocument/2006/math">
@@ -11888,7 +12033,7 @@
                 <a:pPr lvl="0"/>
                 <a:r>
                   <a:rPr lang="en-US" dirty="0"/>
-                  <a:t>We fit a</a:t>
+                  <a:t>Example: we fit a</a:t>
                 </a:r>
                 <a:r>
                   <a:rPr dirty="0"/>
@@ -12236,7 +12381,7 @@
                 <a:endParaRPr dirty="0"/>
               </a:p>
               <a:p>
-                <a:pPr lvl="0"/>
+                <a:pPr lvl="1"/>
                 <a:r>
                   <a:rPr dirty="0"/>
                   <a:t>To find the value of the response variable we apply the </a:t>
@@ -12538,7 +12683,7 @@
             </p:txBody>
           </p:sp>
         </mc:Choice>
-        <mc:Fallback xmlns="">
+        <mc:Fallback>
           <p:sp>
             <p:nvSpPr>
               <p:cNvPr id="3" name="Content Placeholder 2"/>
@@ -12553,7 +12698,7 @@
               <a:blipFill>
                 <a:blip r:embed="rId2"/>
                 <a:stretch>
-                  <a:fillRect l="-963" t="-2154" r="-1630" b="-1077"/>
+                  <a:fillRect l="-963" t="-3052" r="-1630"/>
                 </a:stretch>
               </a:blipFill>
             </p:spPr>
@@ -15250,7 +15395,11 @@
             <a:pPr lvl="0"/>
             <a:r>
               <a:rPr dirty="0"/>
-              <a:t>Logistic regression widely used as a classification model</a:t>
+              <a:t>Logistic regression widely used as a classif</a:t>
+            </a:r>
+            <a:r>
+              <a:rPr lang="en-US" dirty="0"/>
+              <a:t>ier</a:t>
             </a:r>
           </a:p>
           <a:p>
@@ -15475,8 +15624,12 @@
                   </m:oMath>
                 </a14:m>
                 <a:r>
+                  <a:rPr lang="en-US" dirty="0"/>
+                  <a:t>,</a:t>
+                </a:r>
+                <a:r>
                   <a:rPr lang="ar-AE" dirty="0"/>
-                  <a:t>, </a:t>
+                  <a:t> </a:t>
                 </a:r>
                 <a14:m>
                   <m:oMath xmlns:m="http://schemas.openxmlformats.org/officeDocument/2006/math">
@@ -15513,7 +15666,7 @@
                 <a:pPr lvl="1"/>
                 <a:r>
                   <a:rPr lang="en-US" dirty="0"/>
-                  <a:t>Independent variable vector </a:t>
+                  <a:t>Independent variable vector, </a:t>
                 </a:r>
                 <a14:m>
                   <m:oMath xmlns:m="http://schemas.openxmlformats.org/officeDocument/2006/math">
@@ -16063,8 +16216,8 @@
           </a:p>
         </p:txBody>
       </p:sp>
-      <mc:AlternateContent xmlns:mc="http://schemas.openxmlformats.org/markup-compatibility/2006">
-        <mc:Choice xmlns:a14="http://schemas.microsoft.com/office/drawing/2010/main" Requires="a14">
+      <mc:AlternateContent xmlns:mc="http://schemas.openxmlformats.org/markup-compatibility/2006" xmlns:a14="http://schemas.microsoft.com/office/drawing/2010/main">
+        <mc:Choice Requires="a14">
           <p:sp>
             <p:nvSpPr>
               <p:cNvPr id="3" name="Content Placeholder 2"/>
@@ -16841,7 +16994,7 @@
             </p:txBody>
           </p:sp>
         </mc:Choice>
-        <mc:Fallback>
+        <mc:Fallback xmlns="">
           <p:sp>
             <p:nvSpPr>
               <p:cNvPr id="3" name="Content Placeholder 2"/>
@@ -16933,8 +17086,8 @@
           </a:p>
         </p:txBody>
       </p:sp>
-      <mc:AlternateContent xmlns:mc="http://schemas.openxmlformats.org/markup-compatibility/2006">
-        <mc:Choice xmlns:a14="http://schemas.microsoft.com/office/drawing/2010/main" Requires="a14">
+      <mc:AlternateContent xmlns:mc="http://schemas.openxmlformats.org/markup-compatibility/2006" xmlns:a14="http://schemas.microsoft.com/office/drawing/2010/main">
+        <mc:Choice Requires="a14">
           <p:sp>
             <p:nvSpPr>
               <p:cNvPr id="3" name="Content Placeholder 2"/>
@@ -17280,7 +17433,7 @@
             </p:txBody>
           </p:sp>
         </mc:Choice>
-        <mc:Fallback>
+        <mc:Fallback xmlns="">
           <p:sp>
             <p:nvSpPr>
               <p:cNvPr id="3" name="Content Placeholder 2"/>
@@ -17631,7 +17784,7 @@
                 </a:pPr>
                 <a:r>
                   <a:rPr lang="en-US" sz="1800" dirty="0"/>
-                  <a:t>What does the logistic function look like</a:t>
+                  <a:t>Plot of the logistic function</a:t>
                 </a:r>
               </a:p>
               <a:p>
@@ -18139,7 +18292,7 @@
             </p:spPr>
             <p:txBody>
               <a:bodyPr>
-                <a:normAutofit fontScale="92500" lnSpcReduction="10000"/>
+                <a:normAutofit lnSpcReduction="10000"/>
               </a:bodyPr>
               <a:lstStyle/>
               <a:p>
@@ -18148,7 +18301,7 @@
                 </a:pPr>
                 <a:r>
                   <a:rPr lang="en-US" sz="1800" dirty="0"/>
-                  <a:t>What does the logistic function look like</a:t>
+                  <a:t>Plot of the logistic function</a:t>
                 </a:r>
               </a:p>
               <a:p>
@@ -18781,7 +18934,7 @@
                 </a:pPr>
                 <a:r>
                   <a:rPr lang="en-US" sz="1800" dirty="0"/>
-                  <a:t>Typically threshold = 0.5</a:t>
+                  <a:t>Default threshold = 0.5</a:t>
                 </a:r>
                 <a:endParaRPr sz="1800" dirty="0"/>
               </a:p>
@@ -18807,7 +18960,7 @@
               <a:blipFill>
                 <a:blip r:embed="rId2"/>
                 <a:stretch>
-                  <a:fillRect l="-1152" t="-1278" b="-160"/>
+                  <a:fillRect l="-1536" t="-1597"/>
                 </a:stretch>
               </a:blipFill>
             </p:spPr>
@@ -19397,14 +19550,31 @@
                 <a:pPr lvl="1"/>
                 <a:r>
                   <a:rPr dirty="0"/>
-                  <a:t>Recall is the fraction of the relevant class were we able to predict</a:t>
-                </a:r>
+                  <a:t>Recall is the fraction of the relevant class </a:t>
+                </a:r>
+                <a:r>
+                  <a:rPr lang="en-US" dirty="0"/>
+                  <a:t>correctly </a:t>
+                </a:r>
+                <a:r>
+                  <a:rPr dirty="0"/>
+                  <a:t>predict</a:t>
+                </a:r>
+                <a:r>
+                  <a:rPr lang="en-US" dirty="0"/>
+                  <a:t>ed</a:t>
+                </a:r>
+                <a:endParaRPr dirty="0"/>
               </a:p>
               <a:p>
                 <a:pPr lvl="0"/>
                 <a:r>
+                  <a:rPr lang="en-US" dirty="0"/>
+                  <a:t>T</a:t>
+                </a:r>
+                <a:r>
                   <a:rPr dirty="0"/>
-                  <a:t>Is a trade-off between precision and recall</a:t>
+                  <a:t>rade-off between precision and recall</a:t>
                 </a:r>
               </a:p>
               <a:p>
@@ -19546,8 +19716,8 @@
           </a:p>
         </p:txBody>
       </p:sp>
-      <mc:AlternateContent xmlns:mc="http://schemas.openxmlformats.org/markup-compatibility/2006">
-        <mc:Choice xmlns:a14="http://schemas.microsoft.com/office/drawing/2010/main" Requires="a14">
+      <mc:AlternateContent xmlns:mc="http://schemas.openxmlformats.org/markup-compatibility/2006" xmlns:a14="http://schemas.microsoft.com/office/drawing/2010/main">
+        <mc:Choice Requires="a14">
           <p:sp>
             <p:nvSpPr>
               <p:cNvPr id="6" name="Content Placeholder 2">
@@ -19659,7 +19829,7 @@
             </p:txBody>
           </p:sp>
         </mc:Choice>
-        <mc:Fallback>
+        <mc:Fallback xmlns="">
           <p:sp>
             <p:nvSpPr>
               <p:cNvPr id="6" name="Content Placeholder 2">
@@ -19782,8 +19952,8 @@
           </a:p>
         </p:txBody>
       </p:sp>
-      <mc:AlternateContent xmlns:mc="http://schemas.openxmlformats.org/markup-compatibility/2006">
-        <mc:Choice xmlns:a14="http://schemas.microsoft.com/office/drawing/2010/main" Requires="a14">
+      <mc:AlternateContent xmlns:mc="http://schemas.openxmlformats.org/markup-compatibility/2006" xmlns:a14="http://schemas.microsoft.com/office/drawing/2010/main">
+        <mc:Choice Requires="a14">
           <p:sp>
             <p:nvSpPr>
               <p:cNvPr id="6" name="Content Placeholder 2">
@@ -20029,7 +20199,7 @@
             </p:txBody>
           </p:sp>
         </mc:Choice>
-        <mc:Fallback>
+        <mc:Fallback xmlns="">
           <p:sp>
             <p:nvSpPr>
               <p:cNvPr id="6" name="Content Placeholder 2">
@@ -21156,7 +21326,15 @@
                 <a:pPr lvl="0"/>
                 <a:r>
                   <a:rPr lang="en-US" dirty="0"/>
-                  <a:t>Must use another metric, deviance, for GLM given a nonlinear mapping</a:t>
+                  <a:t>Must use another metric, </a:t>
+                </a:r>
+                <a:r>
+                  <a:rPr lang="en-US" b="1" dirty="0"/>
+                  <a:t>deviance</a:t>
+                </a:r>
+                <a:r>
+                  <a:rPr lang="en-US" dirty="0"/>
+                  <a:t>, for GLM given a nonlinear mapping</a:t>
                 </a:r>
               </a:p>
               <a:p>
@@ -22157,11 +22335,11 @@
                   <a:buNone/>
                 </a:pPr>
                 <a:r>
-                  <a:rPr dirty="0"/>
+                  <a:rPr lang="en-US" dirty="0"/>
                   <a:t>The significance of the GLM is expressed in terms of a statistic called </a:t>
                 </a:r>
                 <a:r>
-                  <a:rPr b="1" dirty="0"/>
+                  <a:rPr lang="en-US" b="1" dirty="0"/>
                   <a:t>deviance</a:t>
                 </a:r>
               </a:p>
@@ -22169,15 +22347,7 @@
                 <a:pPr lvl="0"/>
                 <a:r>
                   <a:rPr lang="en-US" dirty="0"/>
-                  <a:t>Wrapping </a:t>
-                </a:r>
-                <a:r>
-                  <a:rPr dirty="0"/>
-                  <a:t>your head around deviance </a:t>
-                </a:r>
-                <a:r>
-                  <a:rPr lang="en-US" dirty="0"/>
-                  <a:t>takes some work</a:t>
+                  <a:t>Wrapping your head around deviance takes some work</a:t>
                 </a:r>
               </a:p>
               <a:p>
@@ -22198,7 +22368,6 @@
                   <a:rPr lang="en-US" b="1" dirty="0"/>
                   <a:t>a reference model</a:t>
                 </a:r>
-                <a:endParaRPr b="1" dirty="0"/>
               </a:p>
               <a:p>
                 <a:pPr lvl="0"/>
@@ -22206,22 +22375,17 @@
                   <a:rPr lang="en-US" dirty="0"/>
                   <a:t>Let’s start with by defining some notation</a:t>
                 </a:r>
-                <a:endParaRPr dirty="0"/>
               </a:p>
               <a:p>
                 <a:pPr lvl="1"/>
                 <a:r>
                   <a:rPr lang="en-US" dirty="0"/>
-                  <a:t>The model is written</a:t>
-                </a:r>
-                <a:r>
-                  <a:rPr dirty="0"/>
-                  <a:t> </a:t>
+                  <a:t>The model is written </a:t>
                 </a:r>
                 <a14:m>
                   <m:oMath xmlns:m="http://schemas.openxmlformats.org/officeDocument/2006/math">
                     <m:r>
-                      <a:rPr>
+                      <a:rPr lang="en-US">
                         <a:latin typeface="Cambria Math" panose="02040503050406030204" pitchFamily="18" charset="0"/>
                       </a:rPr>
                       <m:t>𝑓</m:t>
@@ -22229,14 +22393,14 @@
                     <m:d>
                       <m:dPr>
                         <m:ctrlPr>
-                          <a:rPr i="1">
+                          <a:rPr lang="ar-AE" i="1">
                             <a:latin typeface="Cambria Math" panose="02040503050406030204" pitchFamily="18" charset="0"/>
                           </a:rPr>
                         </m:ctrlPr>
                       </m:dPr>
                       <m:e>
                         <m:r>
-                          <a:rPr>
+                          <a:rPr lang="ar-AE">
                             <a:latin typeface="Cambria Math" panose="02040503050406030204" pitchFamily="18" charset="0"/>
                           </a:rPr>
                           <m:t>𝜙</m:t>
@@ -22246,8 +22410,12 @@
                   </m:oMath>
                 </a14:m>
                 <a:r>
+                  <a:rPr lang="ar-AE" dirty="0"/>
+                  <a:t>, </a:t>
+                </a:r>
+                <a:r>
                   <a:rPr lang="en-US" dirty="0"/>
-                  <a:t>, with parameters </a:t>
+                  <a:t>with parameters </a:t>
                 </a:r>
                 <a14:m>
                   <m:oMath xmlns:m="http://schemas.openxmlformats.org/officeDocument/2006/math">
@@ -22259,30 +22427,18 @@
                     </m:r>
                   </m:oMath>
                 </a14:m>
-                <a:endParaRPr dirty="0"/>
+                <a:endParaRPr lang="en-US" dirty="0"/>
               </a:p>
               <a:p>
                 <a:pPr lvl="1"/>
                 <a:r>
                   <a:rPr lang="en-US" dirty="0"/>
-                  <a:t>The r</a:t>
-                </a:r>
-                <a:r>
-                  <a:rPr dirty="0"/>
-                  <a:t>eference mode</a:t>
-                </a:r>
-                <a:r>
-                  <a:rPr lang="en-US" dirty="0"/>
-                  <a:t>l is written</a:t>
-                </a:r>
-                <a:r>
-                  <a:rPr dirty="0"/>
-                  <a:t> </a:t>
+                  <a:t>The reference model is written </a:t>
                 </a:r>
                 <a14:m>
                   <m:oMath xmlns:m="http://schemas.openxmlformats.org/officeDocument/2006/math">
                     <m:r>
-                      <a:rPr>
+                      <a:rPr lang="en-US">
                         <a:latin typeface="Cambria Math" panose="02040503050406030204" pitchFamily="18" charset="0"/>
                       </a:rPr>
                       <m:t>𝑓</m:t>
@@ -22290,7 +22446,7 @@
                     <m:d>
                       <m:dPr>
                         <m:ctrlPr>
-                          <a:rPr i="1">
+                          <a:rPr lang="ar-AE" i="1">
                             <a:latin typeface="Cambria Math" panose="02040503050406030204" pitchFamily="18" charset="0"/>
                           </a:rPr>
                         </m:ctrlPr>
@@ -22299,14 +22455,14 @@
                         <m:sSub>
                           <m:sSubPr>
                             <m:ctrlPr>
-                              <a:rPr i="1">
+                              <a:rPr lang="ar-AE" i="1">
                                 <a:latin typeface="Cambria Math" panose="02040503050406030204" pitchFamily="18" charset="0"/>
                               </a:rPr>
                             </m:ctrlPr>
                           </m:sSubPr>
                           <m:e>
                             <m:r>
-                              <a:rPr>
+                              <a:rPr lang="ar-AE">
                                 <a:latin typeface="Cambria Math" panose="02040503050406030204" pitchFamily="18" charset="0"/>
                               </a:rPr>
                               <m:t>𝜙</m:t>
@@ -22314,7 +22470,7 @@
                           </m:e>
                           <m:sub>
                             <m:r>
-                              <a:rPr>
+                              <a:rPr lang="ar-AE">
                                 <a:latin typeface="Cambria Math" panose="02040503050406030204" pitchFamily="18" charset="0"/>
                               </a:rPr>
                               <m:t>𝑅</m:t>
@@ -22326,12 +22482,12 @@
                   </m:oMath>
                 </a14:m>
                 <a:r>
-                  <a:rPr dirty="0"/>
-                  <a:t>,</a:t>
+                  <a:rPr lang="ar-AE" dirty="0"/>
+                  <a:t>, </a:t>
                 </a:r>
                 <a:r>
                   <a:rPr lang="en-US" dirty="0"/>
-                  <a:t> with parameters </a:t>
+                  <a:t>with parameters </a:t>
                 </a:r>
                 <a14:m>
                   <m:oMath xmlns:m="http://schemas.openxmlformats.org/officeDocument/2006/math">
@@ -22362,20 +22518,74 @@
                     </m:sSub>
                   </m:oMath>
                 </a14:m>
-                <a:endParaRPr dirty="0"/>
+                <a:r>
+                  <a:rPr lang="ar-AE" dirty="0"/>
+                  <a:t>: </a:t>
+                </a:r>
+                <a:r>
+                  <a:rPr lang="en-US" dirty="0"/>
+                  <a:t>Some sources use notation </a:t>
+                </a:r>
+                <a14:m>
+                  <m:oMath xmlns:m="http://schemas.openxmlformats.org/officeDocument/2006/math">
+                    <m:r>
+                      <a:rPr lang="en-US">
+                        <a:latin typeface="Cambria Math" panose="02040503050406030204" pitchFamily="18" charset="0"/>
+                      </a:rPr>
+                      <m:t>𝑓</m:t>
+                    </m:r>
+                    <m:d>
+                      <m:dPr>
+                        <m:ctrlPr>
+                          <a:rPr lang="ar-AE" i="1">
+                            <a:latin typeface="Cambria Math" panose="02040503050406030204" pitchFamily="18" charset="0"/>
+                          </a:rPr>
+                        </m:ctrlPr>
+                      </m:dPr>
+                      <m:e>
+                        <m:sSub>
+                          <m:sSubPr>
+                            <m:ctrlPr>
+                              <a:rPr lang="ar-AE" i="1">
+                                <a:latin typeface="Cambria Math" panose="02040503050406030204" pitchFamily="18" charset="0"/>
+                              </a:rPr>
+                            </m:ctrlPr>
+                          </m:sSubPr>
+                          <m:e>
+                            <m:r>
+                              <a:rPr lang="ar-AE">
+                                <a:latin typeface="Cambria Math" panose="02040503050406030204" pitchFamily="18" charset="0"/>
+                              </a:rPr>
+                              <m:t>𝜙</m:t>
+                            </m:r>
+                          </m:e>
+                          <m:sub>
+                            <m:r>
+                              <a:rPr lang="ar-AE" b="0" i="1" smtClean="0">
+                                <a:latin typeface="Cambria Math" panose="02040503050406030204" pitchFamily="18" charset="0"/>
+                              </a:rPr>
+                              <m:t>0</m:t>
+                            </m:r>
+                          </m:sub>
+                        </m:sSub>
+                      </m:e>
+                    </m:d>
+                  </m:oMath>
+                </a14:m>
+                <a:endParaRPr lang="ar-AE" dirty="0"/>
               </a:p>
               <a:p>
                 <a:pPr lvl="1"/>
                 <a14:m>
                   <m:oMath xmlns:m="http://schemas.openxmlformats.org/officeDocument/2006/math">
                     <m:r>
-                      <a:rPr>
+                      <a:rPr lang="ar-AE">
                         <a:latin typeface="Cambria Math" panose="02040503050406030204" pitchFamily="18" charset="0"/>
                       </a:rPr>
                       <m:t>𝐗</m:t>
                     </m:r>
                     <m:r>
-                      <a:rPr>
+                      <a:rPr lang="ar-AE">
                         <a:latin typeface="Cambria Math" panose="02040503050406030204" pitchFamily="18" charset="0"/>
                       </a:rPr>
                       <m:t>=</m:t>
@@ -22383,21 +22593,20 @@
                   </m:oMath>
                 </a14:m>
                 <a:r>
-                  <a:rPr dirty="0"/>
-                  <a:t> the array of observations</a:t>
+                  <a:rPr lang="ar-AE" dirty="0"/>
+                  <a:t> </a:t>
                 </a:r>
                 <a:r>
                   <a:rPr lang="en-US" dirty="0"/>
-                  <a:t> or model matrix</a:t>
-                </a:r>
-                <a:endParaRPr dirty="0"/>
+                  <a:t>the array of observations or model matrix</a:t>
+                </a:r>
               </a:p>
               <a:p>
                 <a:pPr lvl="1"/>
                 <a14:m>
                   <m:oMath xmlns:m="http://schemas.openxmlformats.org/officeDocument/2006/math">
                     <m:r>
-                      <a:rPr>
+                      <a:rPr lang="en-US">
                         <a:latin typeface="Cambria Math" panose="02040503050406030204" pitchFamily="18" charset="0"/>
                       </a:rPr>
                       <m:t>𝑙</m:t>
@@ -22405,14 +22614,14 @@
                     <m:d>
                       <m:dPr>
                         <m:ctrlPr>
-                          <a:rPr i="1">
+                          <a:rPr lang="ar-AE" i="1">
                             <a:latin typeface="Cambria Math" panose="02040503050406030204" pitchFamily="18" charset="0"/>
                           </a:rPr>
                         </m:ctrlPr>
                       </m:dPr>
                       <m:e>
                         <m:r>
-                          <a:rPr>
+                          <a:rPr lang="ar-AE">
                             <a:latin typeface="Cambria Math" panose="02040503050406030204" pitchFamily="18" charset="0"/>
                           </a:rPr>
                           <m:t>𝑓</m:t>
@@ -22420,26 +22629,26 @@
                         <m:d>
                           <m:dPr>
                             <m:ctrlPr>
-                              <a:rPr i="1">
+                              <a:rPr lang="ar-AE" i="1">
                                 <a:latin typeface="Cambria Math" panose="02040503050406030204" pitchFamily="18" charset="0"/>
                               </a:rPr>
                             </m:ctrlPr>
                           </m:dPr>
                           <m:e>
                             <m:r>
-                              <a:rPr>
+                              <a:rPr lang="ar-AE">
                                 <a:latin typeface="Cambria Math" panose="02040503050406030204" pitchFamily="18" charset="0"/>
                               </a:rPr>
                               <m:t>𝐗</m:t>
                             </m:r>
                             <m:r>
-                              <a:rPr>
+                              <a:rPr lang="ar-AE">
                                 <a:latin typeface="Cambria Math" panose="02040503050406030204" pitchFamily="18" charset="0"/>
                               </a:rPr>
                               <m:t>,</m:t>
                             </m:r>
                             <m:r>
-                              <a:rPr>
+                              <a:rPr lang="ar-AE">
                                 <a:latin typeface="Cambria Math" panose="02040503050406030204" pitchFamily="18" charset="0"/>
                               </a:rPr>
                               <m:t>𝜙</m:t>
@@ -22449,7 +22658,7 @@
                       </m:e>
                     </m:d>
                     <m:r>
-                      <a:rPr>
+                      <a:rPr lang="ar-AE">
                         <a:latin typeface="Cambria Math" panose="02040503050406030204" pitchFamily="18" charset="0"/>
                       </a:rPr>
                       <m:t>=</m:t>
@@ -22457,9 +22666,14 @@
                   </m:oMath>
                 </a14:m>
                 <a:r>
-                  <a:rPr dirty="0"/>
-                  <a:t> the log-likelihood of the model</a:t>
-                </a:r>
+                  <a:rPr lang="ar-AE" dirty="0"/>
+                  <a:t> </a:t>
+                </a:r>
+                <a:r>
+                  <a:rPr lang="en-US" dirty="0"/>
+                  <a:t>the log-likelihood of the model</a:t>
+                </a:r>
+                <a:endParaRPr dirty="0"/>
               </a:p>
             </p:txBody>
           </p:sp>
@@ -22479,7 +22693,7 @@
               <a:blipFill>
                 <a:blip r:embed="rId2"/>
                 <a:stretch>
-                  <a:fillRect l="-963" t="-3052"/>
+                  <a:fillRect l="-963" t="-3052" r="-370" b="-1077"/>
                 </a:stretch>
               </a:blipFill>
             </p:spPr>
@@ -22737,10 +22951,10 @@
                                         </m:e>
                                         <m:sub>
                                           <m:r>
-                                            <a:rPr lang="ar-AE">
+                                            <a:rPr lang="en-US" i="1">
                                               <a:latin typeface="Cambria Math" panose="02040503050406030204" pitchFamily="18" charset="0"/>
                                             </a:rPr>
-                                            <m:t>𝑅</m:t>
+                                            <m:t> </m:t>
                                           </m:r>
                                         </m:sub>
                                       </m:sSub>
@@ -22792,6 +23006,12 @@
                                         </a:rPr>
                                         <m:t>,</m:t>
                                       </m:r>
+                                      <m:r>
+                                        <a:rPr lang="ar-AE" i="1" smtClean="0">
+                                          <a:latin typeface="Cambria Math" panose="02040503050406030204" pitchFamily="18" charset="0"/>
+                                        </a:rPr>
+                                        <m:t> </m:t>
+                                      </m:r>
                                       <m:sSub>
                                         <m:sSubPr>
                                           <m:ctrlPr>
@@ -22810,10 +23030,10 @@
                                         </m:e>
                                         <m:sub>
                                           <m:r>
-                                            <a:rPr lang="en-US" b="0" i="1" smtClean="0">
+                                            <a:rPr lang="ar-AE">
                                               <a:latin typeface="Cambria Math" panose="02040503050406030204" pitchFamily="18" charset="0"/>
                                             </a:rPr>
-                                            <m:t> </m:t>
+                                            <m:t>𝑅</m:t>
                                           </m:r>
                                         </m:sub>
                                       </m:sSub>
@@ -23426,8 +23646,13 @@
                 </a14:m>
                 <a:r>
                   <a:rPr lang="en-US" dirty="0"/>
-                  <a:t> distributed</a:t>
-                </a:r>
+                  <a:t> distributed with 1 </a:t>
+                </a:r>
+                <a:r>
+                  <a:rPr lang="en-US" dirty="0" err="1"/>
+                  <a:t>DoF</a:t>
+                </a:r>
+                <a:endParaRPr lang="en-US" dirty="0"/>
               </a:p>
               <a:p>
                 <a:pPr lvl="1"/>
@@ -23593,6 +23818,7 @@
               <a:buNone/>
             </a:pPr>
             <a:r>
+              <a:rPr dirty="0"/>
               <a:t>What is Deviance?</a:t>
             </a:r>
           </a:p>
@@ -23673,6 +23899,15 @@
                   <a:rPr dirty="0"/>
                   <a:t> distributed</a:t>
                 </a:r>
+                <a:r>
+                  <a:rPr lang="en-US" dirty="0"/>
+                  <a:t> with 1 </a:t>
+                </a:r>
+                <a:r>
+                  <a:rPr lang="en-US" dirty="0" err="1"/>
+                  <a:t>DoF</a:t>
+                </a:r>
+                <a:endParaRPr dirty="0"/>
               </a:p>
               <a:p>
                 <a:pPr lvl="0"/>
@@ -23888,8 +24123,8 @@
           </a:p>
         </p:txBody>
       </p:sp>
-      <mc:AlternateContent xmlns:mc="http://schemas.openxmlformats.org/markup-compatibility/2006">
-        <mc:Choice xmlns:a14="http://schemas.microsoft.com/office/drawing/2010/main" Requires="a14">
+      <mc:AlternateContent xmlns:mc="http://schemas.openxmlformats.org/markup-compatibility/2006" xmlns:a14="http://schemas.microsoft.com/office/drawing/2010/main">
+        <mc:Choice Requires="a14">
           <p:sp>
             <p:nvSpPr>
               <p:cNvPr id="3" name="Content Placeholder 2"/>
@@ -24347,7 +24582,7 @@
             </p:txBody>
           </p:sp>
         </mc:Choice>
-        <mc:Fallback>
+        <mc:Fallback xmlns="">
           <p:sp>
             <p:nvSpPr>
               <p:cNvPr id="3" name="Content Placeholder 2"/>
@@ -24430,8 +24665,8 @@
           </a:p>
         </p:txBody>
       </p:sp>
-      <mc:AlternateContent xmlns:mc="http://schemas.openxmlformats.org/markup-compatibility/2006">
-        <mc:Choice xmlns:a14="http://schemas.microsoft.com/office/drawing/2010/main" Requires="a14">
+      <mc:AlternateContent xmlns:mc="http://schemas.openxmlformats.org/markup-compatibility/2006" xmlns:a14="http://schemas.microsoft.com/office/drawing/2010/main">
+        <mc:Choice Requires="a14">
           <p:sp>
             <p:nvSpPr>
               <p:cNvPr id="3" name="Content Placeholder 2"/>
@@ -25587,7 +25822,7 @@
             </p:txBody>
           </p:sp>
         </mc:Choice>
-        <mc:Fallback>
+        <mc:Fallback xmlns="">
           <p:sp>
             <p:nvSpPr>
               <p:cNvPr id="3" name="Content Placeholder 2"/>
@@ -26398,7 +26633,15 @@
                 <a:pPr lvl="0"/>
                 <a:r>
                   <a:rPr dirty="0"/>
-                  <a:t>Recall that log-likelihood is a negative number</a:t>
+                  <a:t>Recall that log-likelihood is </a:t>
+                </a:r>
+                <a:r>
+                  <a:rPr lang="en-US" dirty="0"/>
+                  <a:t>usually </a:t>
+                </a:r>
+                <a:r>
+                  <a:rPr dirty="0"/>
+                  <a:t>a negative number</a:t>
                 </a:r>
               </a:p>
               <a:p>
@@ -26412,7 +26655,15 @@
                 <a:pPr lvl="1"/>
                 <a:r>
                   <a:rPr dirty="0"/>
-                  <a:t>Log-likelihood of reference model has large negative magnitude</a:t>
+                  <a:t>Log-likelihood of reference model has large </a:t>
+                </a:r>
+                <a:r>
+                  <a:rPr lang="en-US" dirty="0"/>
+                  <a:t>n</a:t>
+                </a:r>
+                <a:r>
+                  <a:rPr dirty="0"/>
+                  <a:t>egative magnitude</a:t>
                 </a:r>
               </a:p>
               <a:p>
@@ -26693,99 +26944,182 @@
           </a:p>
         </p:txBody>
       </p:sp>
-      <p:sp>
-        <p:nvSpPr>
-          <p:cNvPr id="6" name="Content Placeholder 2">
-            <a:extLst>
-              <a:ext uri="{FF2B5EF4-FFF2-40B4-BE49-F238E27FC236}">
-                <a16:creationId xmlns:a16="http://schemas.microsoft.com/office/drawing/2014/main" id="{BA88ADC1-5DA7-6472-EFB5-1F13B141F9A2}"/>
-              </a:ext>
-            </a:extLst>
-          </p:cNvPr>
-          <p:cNvSpPr>
-            <a:spLocks noGrp="1"/>
-          </p:cNvSpPr>
-          <p:nvPr>
-            <p:ph idx="1"/>
-          </p:nvPr>
-        </p:nvSpPr>
-        <p:spPr>
-          <a:xfrm>
-            <a:off x="457200" y="1200151"/>
-            <a:ext cx="4663440" cy="3664457"/>
-          </a:xfrm>
-        </p:spPr>
-        <p:txBody>
-          <a:bodyPr>
-            <a:normAutofit/>
-          </a:bodyPr>
-          <a:lstStyle/>
-          <a:p>
-            <a:pPr marL="0" lvl="0" indent="0">
-              <a:buNone/>
-            </a:pPr>
-            <a:r>
-              <a:rPr lang="en-US" dirty="0"/>
-              <a:t>Example: fit model</a:t>
-            </a:r>
-          </a:p>
-          <a:p>
-            <a:pPr marL="0" lvl="0" indent="0">
-              <a:buNone/>
-            </a:pPr>
-            <a:r>
-              <a:rPr lang="en-US" sz="1800" dirty="0"/>
-              <a:t>left ~ </a:t>
-            </a:r>
-            <a:r>
-              <a:rPr lang="en-US" sz="1800" dirty="0" err="1"/>
-              <a:t>satisfaction_level</a:t>
-            </a:r>
-            <a:r>
-              <a:rPr lang="en-US" sz="1800" dirty="0"/>
-              <a:t> + </a:t>
-            </a:r>
-            <a:r>
-              <a:rPr lang="en-US" sz="1800" dirty="0" err="1"/>
-              <a:t>average_montly_hours</a:t>
-            </a:r>
-            <a:r>
-              <a:rPr lang="en-US" sz="1800" dirty="0"/>
-              <a:t> + </a:t>
-            </a:r>
-            <a:r>
-              <a:rPr lang="en-US" sz="1800" dirty="0" err="1"/>
-              <a:t>last_evaluation</a:t>
-            </a:r>
-            <a:r>
-              <a:rPr lang="en-US" sz="1800" dirty="0"/>
-              <a:t> + C(salary) + C(promotion_last_5years)</a:t>
-            </a:r>
-          </a:p>
-          <a:p>
-            <a:r>
-              <a:rPr lang="en-US" dirty="0"/>
-              <a:t>Deviance shows the model is statistically significant compared to the saturated model </a:t>
-            </a:r>
-            <a:endParaRPr lang="en-US" sz="1800" dirty="0"/>
-          </a:p>
-          <a:p>
-            <a:endParaRPr lang="en-US" dirty="0"/>
-          </a:p>
-          <a:p>
-            <a:pPr marL="0" indent="0">
-              <a:buNone/>
-            </a:pPr>
-            <a:endParaRPr lang="en-US" b="0" dirty="0"/>
-          </a:p>
-          <a:p>
-            <a:endParaRPr lang="en-US" b="0" dirty="0"/>
-          </a:p>
-          <a:p>
-            <a:endParaRPr dirty="0"/>
-          </a:p>
-        </p:txBody>
-      </p:sp>
+      <mc:AlternateContent xmlns:mc="http://schemas.openxmlformats.org/markup-compatibility/2006">
+        <mc:Choice xmlns:a14="http://schemas.microsoft.com/office/drawing/2010/main" Requires="a14">
+          <p:sp>
+            <p:nvSpPr>
+              <p:cNvPr id="6" name="Content Placeholder 2">
+                <a:extLst>
+                  <a:ext uri="{FF2B5EF4-FFF2-40B4-BE49-F238E27FC236}">
+                    <a16:creationId xmlns:a16="http://schemas.microsoft.com/office/drawing/2014/main" id="{BA88ADC1-5DA7-6472-EFB5-1F13B141F9A2}"/>
+                  </a:ext>
+                </a:extLst>
+              </p:cNvPr>
+              <p:cNvSpPr>
+                <a:spLocks noGrp="1"/>
+              </p:cNvSpPr>
+              <p:nvPr>
+                <p:ph idx="1"/>
+              </p:nvPr>
+            </p:nvSpPr>
+            <p:spPr>
+              <a:xfrm>
+                <a:off x="457200" y="1200151"/>
+                <a:ext cx="4663440" cy="3664457"/>
+              </a:xfrm>
+            </p:spPr>
+            <p:txBody>
+              <a:bodyPr>
+                <a:normAutofit/>
+              </a:bodyPr>
+              <a:lstStyle/>
+              <a:p>
+                <a:pPr marL="0" lvl="0" indent="0">
+                  <a:buNone/>
+                </a:pPr>
+                <a:r>
+                  <a:rPr lang="en-US" dirty="0"/>
+                  <a:t>Example: fit model</a:t>
+                </a:r>
+              </a:p>
+              <a:p>
+                <a:pPr marL="0" lvl="0" indent="0">
+                  <a:buNone/>
+                </a:pPr>
+                <a:r>
+                  <a:rPr lang="en-US" sz="1800" dirty="0"/>
+                  <a:t>left ~ </a:t>
+                </a:r>
+                <a:r>
+                  <a:rPr lang="en-US" sz="1800" dirty="0" err="1"/>
+                  <a:t>satisfaction_level</a:t>
+                </a:r>
+                <a:r>
+                  <a:rPr lang="en-US" sz="1800" dirty="0"/>
+                  <a:t> + </a:t>
+                </a:r>
+                <a:r>
+                  <a:rPr lang="en-US" sz="1800" dirty="0" err="1"/>
+                  <a:t>average_montly_hours</a:t>
+                </a:r>
+                <a:r>
+                  <a:rPr lang="en-US" sz="1800" dirty="0"/>
+                  <a:t> + </a:t>
+                </a:r>
+                <a:r>
+                  <a:rPr lang="en-US" sz="1800" dirty="0" err="1"/>
+                  <a:t>last_evaluation</a:t>
+                </a:r>
+                <a:r>
+                  <a:rPr lang="en-US" sz="1800" dirty="0"/>
+                  <a:t> + C(salary) + C(promotion_last_5years)</a:t>
+                </a:r>
+              </a:p>
+              <a:p>
+                <a:r>
+                  <a:rPr lang="en-US" dirty="0"/>
+                  <a:t>Deviance by itself is hard to interpret</a:t>
+                </a:r>
+              </a:p>
+              <a:p>
+                <a14:m>
+                  <m:oMath xmlns:m="http://schemas.openxmlformats.org/officeDocument/2006/math">
+                    <m:sSup>
+                      <m:sSupPr>
+                        <m:ctrlPr>
+                          <a:rPr lang="en-US" i="1" smtClean="0">
+                            <a:latin typeface="Cambria Math" panose="02040503050406030204" pitchFamily="18" charset="0"/>
+                          </a:rPr>
+                        </m:ctrlPr>
+                      </m:sSupPr>
+                      <m:e>
+                        <m:r>
+                          <a:rPr lang="en-US" i="1" smtClean="0">
+                            <a:latin typeface="Cambria Math" panose="02040503050406030204" pitchFamily="18" charset="0"/>
+                            <a:ea typeface="Cambria Math" panose="02040503050406030204" pitchFamily="18" charset="0"/>
+                          </a:rPr>
+                          <m:t>𝜒</m:t>
+                        </m:r>
+                      </m:e>
+                      <m:sup>
+                        <m:r>
+                          <a:rPr lang="en-US" b="0" i="1" smtClean="0">
+                            <a:latin typeface="Cambria Math" panose="02040503050406030204" pitchFamily="18" charset="0"/>
+                          </a:rPr>
+                          <m:t>2</m:t>
+                        </m:r>
+                      </m:sup>
+                    </m:sSup>
+                  </m:oMath>
+                </a14:m>
+                <a:r>
+                  <a:rPr lang="en-US" dirty="0"/>
+                  <a:t> p-value shows model is statistically significant compared to the saturated model </a:t>
+                </a:r>
+                <a:endParaRPr lang="en-US" sz="1800" dirty="0"/>
+              </a:p>
+              <a:p>
+                <a:endParaRPr lang="en-US" dirty="0"/>
+              </a:p>
+              <a:p>
+                <a:pPr marL="0" indent="0">
+                  <a:buNone/>
+                </a:pPr>
+                <a:endParaRPr lang="en-US" b="0" dirty="0"/>
+              </a:p>
+              <a:p>
+                <a:endParaRPr lang="en-US" b="0" dirty="0"/>
+              </a:p>
+              <a:p>
+                <a:endParaRPr dirty="0"/>
+              </a:p>
+            </p:txBody>
+          </p:sp>
+        </mc:Choice>
+        <mc:Fallback>
+          <p:sp>
+            <p:nvSpPr>
+              <p:cNvPr id="6" name="Content Placeholder 2">
+                <a:extLst>
+                  <a:ext uri="{FF2B5EF4-FFF2-40B4-BE49-F238E27FC236}">
+                    <a16:creationId xmlns:a16="http://schemas.microsoft.com/office/drawing/2014/main" id="{BA88ADC1-5DA7-6472-EFB5-1F13B141F9A2}"/>
+                  </a:ext>
+                </a:extLst>
+              </p:cNvPr>
+              <p:cNvSpPr>
+                <a:spLocks noGrp="1" noRot="1" noChangeAspect="1" noMove="1" noResize="1" noEditPoints="1" noAdjustHandles="1" noChangeArrowheads="1" noChangeShapeType="1" noTextEdit="1"/>
+              </p:cNvSpPr>
+              <p:nvPr>
+                <p:ph idx="1"/>
+              </p:nvPr>
+            </p:nvSpPr>
+            <p:spPr>
+              <a:xfrm>
+                <a:off x="457200" y="1200151"/>
+                <a:ext cx="4663440" cy="3664457"/>
+              </a:xfrm>
+              <a:blipFill>
+                <a:blip r:embed="rId2"/>
+                <a:stretch>
+                  <a:fillRect l="-1961" t="-1331" r="-654"/>
+                </a:stretch>
+              </a:blipFill>
+            </p:spPr>
+            <p:txBody>
+              <a:bodyPr/>
+              <a:lstStyle/>
+              <a:p>
+                <a:r>
+                  <a:rPr lang="en-US">
+                    <a:noFill/>
+                  </a:rPr>
+                  <a:t> </a:t>
+                </a:r>
+              </a:p>
+            </p:txBody>
+          </p:sp>
+        </mc:Fallback>
+      </mc:AlternateContent>
       <p:pic>
         <p:nvPicPr>
           <p:cNvPr id="4" name="Picture 3">
@@ -26801,7 +27135,7 @@
           <p:nvPr/>
         </p:nvPicPr>
         <p:blipFill>
-          <a:blip r:embed="rId2"/>
+          <a:blip r:embed="rId3"/>
           <a:stretch>
             <a:fillRect/>
           </a:stretch>
@@ -26832,8 +27166,8 @@
         </p:nvCxnSpPr>
         <p:spPr>
           <a:xfrm flipV="1">
-            <a:off x="4915267" y="2281844"/>
-            <a:ext cx="2553718" cy="850730"/>
+            <a:off x="4315968" y="2312416"/>
+            <a:ext cx="3153017" cy="508000"/>
           </a:xfrm>
           <a:prstGeom prst="straightConnector1">
             <a:avLst/>
@@ -26877,7 +27211,7 @@
         <p:spPr>
           <a:xfrm flipV="1">
             <a:off x="4915267" y="2527808"/>
-            <a:ext cx="2354213" cy="604766"/>
+            <a:ext cx="2354213" cy="1296416"/>
           </a:xfrm>
           <a:prstGeom prst="straightConnector1">
             <a:avLst/>
@@ -26973,7 +27307,7 @@
             <p:spPr/>
             <p:txBody>
               <a:bodyPr>
-                <a:normAutofit fontScale="92500" lnSpcReduction="10000"/>
+                <a:normAutofit fontScale="92500" lnSpcReduction="20000"/>
               </a:bodyPr>
               <a:lstStyle/>
               <a:p>
@@ -26981,57 +27315,57 @@
                   <a:buNone/>
                 </a:pPr>
                 <a:r>
-                  <a:rPr b="1" dirty="0"/>
+                  <a:rPr lang="en-US" b="1" dirty="0"/>
                   <a:t>Poisson regression </a:t>
                 </a:r>
                 <a:r>
-                  <a:rPr dirty="0"/>
+                  <a:rPr lang="en-US" dirty="0"/>
                   <a:t>is example of a GLM</a:t>
                 </a:r>
               </a:p>
               <a:p>
                 <a:pPr lvl="0"/>
                 <a:r>
-                  <a:rPr dirty="0"/>
-                  <a:t>Poisson regression is example of nonlinear response model</a:t>
+                  <a:rPr lang="en-US" dirty="0"/>
+                  <a:t>Poisson regression is an example of nonlinear response model</a:t>
                 </a:r>
               </a:p>
               <a:p>
                 <a:pPr lvl="0"/>
                 <a:r>
-                  <a:rPr dirty="0"/>
+                  <a:rPr lang="en-US" dirty="0"/>
                   <a:t>Recall, the Poisson distribution has an </a:t>
                 </a:r>
                 <a:r>
-                  <a:rPr b="1" dirty="0"/>
+                  <a:rPr lang="en-US" b="1" dirty="0"/>
                   <a:t>exponential form </a:t>
                 </a:r>
                 <a:r>
-                  <a:rPr dirty="0"/>
+                  <a:rPr lang="en-US" dirty="0"/>
                   <a:t>with a single parameter, </a:t>
                 </a:r>
                 <a14:m>
                   <m:oMath xmlns:m="http://schemas.openxmlformats.org/officeDocument/2006/math">
                     <m:r>
-                      <a:rPr>
+                      <a:rPr lang="en-US">
                         <a:latin typeface="Cambria Math" panose="02040503050406030204" pitchFamily="18" charset="0"/>
                       </a:rPr>
                       <m:t>𝜆</m:t>
                     </m:r>
                   </m:oMath>
                 </a14:m>
-                <a:endParaRPr dirty="0"/>
+                <a:endParaRPr lang="en-US" dirty="0"/>
               </a:p>
               <a:p>
                 <a:pPr lvl="0"/>
                 <a:r>
-                  <a:rPr dirty="0"/>
+                  <a:rPr lang="en-US" dirty="0"/>
                   <a:t>Parameter, </a:t>
                 </a:r>
                 <a14:m>
                   <m:oMath xmlns:m="http://schemas.openxmlformats.org/officeDocument/2006/math">
                     <m:r>
-                      <a:rPr>
+                      <a:rPr lang="en-US">
                         <a:latin typeface="Cambria Math" panose="02040503050406030204" pitchFamily="18" charset="0"/>
                       </a:rPr>
                       <m:t>𝜆</m:t>
@@ -27039,45 +27373,97 @@
                   </m:oMath>
                 </a14:m>
                 <a:r>
-                  <a:rPr dirty="0"/>
+                  <a:rPr lang="en-US" dirty="0"/>
                   <a:t>, is the </a:t>
                 </a:r>
                 <a:r>
-                  <a:rPr b="1" dirty="0"/>
+                  <a:rPr lang="en-US" b="1" dirty="0"/>
                   <a:t>expected arrival rate </a:t>
                 </a:r>
                 <a:r>
-                  <a:rPr dirty="0"/>
+                  <a:rPr lang="en-US" dirty="0"/>
                   <a:t>of the process</a:t>
+                </a:r>
+              </a:p>
+              <a:p>
+                <a:pPr lvl="1"/>
+                <a:r>
+                  <a:rPr lang="en-US" dirty="0"/>
+                  <a:t>For an infinite sample period </a:t>
+                </a:r>
+                <a14:m>
+                  <m:oMath xmlns:m="http://schemas.openxmlformats.org/officeDocument/2006/math">
+                    <m:r>
+                      <m:rPr>
+                        <m:sty m:val="p"/>
+                      </m:rPr>
+                      <a:rPr lang="en-US" b="0" i="0" smtClean="0">
+                        <a:latin typeface="Cambria Math" panose="02040503050406030204" pitchFamily="18" charset="0"/>
+                        <a:ea typeface="Cambria Math" panose="02040503050406030204" pitchFamily="18" charset="0"/>
+                      </a:rPr>
+                      <m:t>E</m:t>
+                    </m:r>
+                    <m:r>
+                      <a:rPr lang="en-US" b="0" i="0" smtClean="0">
+                        <a:latin typeface="Cambria Math" panose="02040503050406030204" pitchFamily="18" charset="0"/>
+                        <a:ea typeface="Cambria Math" panose="02040503050406030204" pitchFamily="18" charset="0"/>
+                      </a:rPr>
+                      <m:t>[</m:t>
+                    </m:r>
+                    <m:r>
+                      <a:rPr lang="en-US" i="1" smtClean="0">
+                        <a:latin typeface="Cambria Math" panose="02040503050406030204" pitchFamily="18" charset="0"/>
+                        <a:ea typeface="Cambria Math" panose="02040503050406030204" pitchFamily="18" charset="0"/>
+                      </a:rPr>
+                      <m:t>𝜆</m:t>
+                    </m:r>
+                    <m:r>
+                      <a:rPr lang="en-US" b="0" i="1" smtClean="0">
+                        <a:latin typeface="Cambria Math" panose="02040503050406030204" pitchFamily="18" charset="0"/>
+                        <a:ea typeface="Cambria Math" panose="02040503050406030204" pitchFamily="18" charset="0"/>
+                      </a:rPr>
+                      <m:t>]</m:t>
+                    </m:r>
+                    <m:r>
+                      <a:rPr lang="en-US" i="1" smtClean="0">
+                        <a:latin typeface="Cambria Math" panose="02040503050406030204" pitchFamily="18" charset="0"/>
+                        <a:ea typeface="Cambria Math" panose="02040503050406030204" pitchFamily="18" charset="0"/>
+                      </a:rPr>
+                      <m:t>⟶</m:t>
+                    </m:r>
+                    <m:r>
+                      <a:rPr lang="en-US" i="1" smtClean="0">
+                        <a:latin typeface="Cambria Math" panose="02040503050406030204" pitchFamily="18" charset="0"/>
+                        <a:ea typeface="Cambria Math" panose="02040503050406030204" pitchFamily="18" charset="0"/>
+                      </a:rPr>
+                      <m:t>𝜇</m:t>
+                    </m:r>
+                  </m:oMath>
+                </a14:m>
+                <a:r>
+                  <a:rPr lang="en-US" dirty="0"/>
+                  <a:t> the mean arrival rate</a:t>
                 </a:r>
               </a:p>
               <a:p>
                 <a:pPr lvl="0"/>
                 <a:r>
-                  <a:rPr dirty="0"/>
-                  <a:t>Predictions</a:t>
-                </a:r>
-                <a:r>
                   <a:rPr lang="en-US" dirty="0"/>
-                  <a:t> of response</a:t>
-                </a:r>
-                <a:r>
-                  <a:rPr dirty="0"/>
-                  <a:t>, </a:t>
+                  <a:t>Predictions of response, </a:t>
                 </a:r>
                 <a14:m>
                   <m:oMath xmlns:m="http://schemas.openxmlformats.org/officeDocument/2006/math">
                     <m:sSub>
                       <m:sSubPr>
                         <m:ctrlPr>
-                          <a:rPr i="1">
+                          <a:rPr lang="ar-AE" i="1">
                             <a:latin typeface="Cambria Math" panose="02040503050406030204" pitchFamily="18" charset="0"/>
                           </a:rPr>
                         </m:ctrlPr>
                       </m:sSubPr>
                       <m:e>
                         <m:r>
-                          <a:rPr>
+                          <a:rPr lang="ar-AE">
                             <a:latin typeface="Cambria Math" panose="02040503050406030204" pitchFamily="18" charset="0"/>
                           </a:rPr>
                           <m:t>𝑦</m:t>
@@ -27085,7 +27471,7 @@
                       </m:e>
                       <m:sub>
                         <m:r>
-                          <a:rPr>
+                          <a:rPr lang="ar-AE">
                             <a:latin typeface="Cambria Math" panose="02040503050406030204" pitchFamily="18" charset="0"/>
                           </a:rPr>
                           <m:t>𝑖</m:t>
@@ -27095,30 +27481,26 @@
                   </m:oMath>
                 </a14:m>
                 <a:r>
-                  <a:rPr dirty="0"/>
+                  <a:rPr lang="ar-AE" dirty="0"/>
                   <a:t>, </a:t>
                 </a:r>
                 <a:r>
                   <a:rPr lang="en-US" dirty="0"/>
-                  <a:t>computed from </a:t>
-                </a:r>
-                <a:r>
-                  <a:rPr dirty="0"/>
-                  <a:t>observations, </a:t>
+                  <a:t>computed from observations, </a:t>
                 </a:r>
                 <a14:m>
                   <m:oMath xmlns:m="http://schemas.openxmlformats.org/officeDocument/2006/math">
                     <m:sSub>
                       <m:sSubPr>
                         <m:ctrlPr>
-                          <a:rPr i="1">
+                          <a:rPr lang="ar-AE" i="1">
                             <a:latin typeface="Cambria Math" panose="02040503050406030204" pitchFamily="18" charset="0"/>
                           </a:rPr>
                         </m:ctrlPr>
                       </m:sSubPr>
                       <m:e>
                         <m:r>
-                          <a:rPr>
+                          <a:rPr lang="ar-AE">
                             <a:latin typeface="Cambria Math" panose="02040503050406030204" pitchFamily="18" charset="0"/>
                           </a:rPr>
                           <m:t>𝑥</m:t>
@@ -27126,7 +27508,7 @@
                       </m:e>
                       <m:sub>
                         <m:r>
-                          <a:rPr>
+                          <a:rPr lang="ar-AE">
                             <a:latin typeface="Cambria Math" panose="02040503050406030204" pitchFamily="18" charset="0"/>
                           </a:rPr>
                           <m:t>𝑖</m:t>
@@ -27136,22 +27518,26 @@
                   </m:oMath>
                 </a14:m>
                 <a:r>
-                  <a:rPr dirty="0"/>
-                  <a:t> and model parameter, </a:t>
+                  <a:rPr lang="ar-AE" dirty="0"/>
+                  <a:t> </a:t>
+                </a:r>
+                <a:r>
+                  <a:rPr lang="en-US" dirty="0"/>
+                  <a:t>and model parameter, </a:t>
                 </a:r>
                 <a14:m>
                   <m:oMath xmlns:m="http://schemas.openxmlformats.org/officeDocument/2006/math">
                     <m:sSub>
                       <m:sSubPr>
                         <m:ctrlPr>
-                          <a:rPr i="1">
+                          <a:rPr lang="ar-AE" i="1">
                             <a:latin typeface="Cambria Math" panose="02040503050406030204" pitchFamily="18" charset="0"/>
                           </a:rPr>
                         </m:ctrlPr>
                       </m:sSubPr>
                       <m:e>
                         <m:r>
-                          <a:rPr>
+                          <a:rPr lang="ar-AE">
                             <a:latin typeface="Cambria Math" panose="02040503050406030204" pitchFamily="18" charset="0"/>
                           </a:rPr>
                           <m:t>𝜆</m:t>
@@ -27159,7 +27545,7 @@
                       </m:e>
                       <m:sub>
                         <m:r>
-                          <a:rPr>
+                          <a:rPr lang="ar-AE">
                             <a:latin typeface="Cambria Math" panose="02040503050406030204" pitchFamily="18" charset="0"/>
                           </a:rPr>
                           <m:t>𝑖</m:t>
@@ -27168,18 +27554,18 @@
                     </m:sSub>
                   </m:oMath>
                 </a14:m>
-                <a:endParaRPr dirty="0"/>
+                <a:endParaRPr lang="ar-AE" dirty="0"/>
               </a:p>
               <a:p>
                 <a:pPr lvl="0"/>
                 <a:r>
-                  <a:rPr dirty="0"/>
+                  <a:rPr lang="en-US" dirty="0"/>
                   <a:t>Link function </a:t>
                 </a:r>
                 <a14:m>
                   <m:oMath xmlns:m="http://schemas.openxmlformats.org/officeDocument/2006/math">
                     <m:r>
-                      <a:rPr>
+                      <a:rPr lang="en-US">
                         <a:latin typeface="Cambria Math" panose="02040503050406030204" pitchFamily="18" charset="0"/>
                       </a:rPr>
                       <m:t>⇔</m:t>
@@ -27187,7 +27573,7 @@
                   </m:oMath>
                 </a14:m>
                 <a:r>
-                  <a:rPr dirty="0"/>
+                  <a:rPr lang="en-US" dirty="0"/>
                   <a:t> Inverse link function:</a:t>
                 </a:r>
               </a:p>
@@ -27202,7 +27588,7 @@
                     </m:oMathParaPr>
                     <m:oMath xmlns:m="http://schemas.openxmlformats.org/officeDocument/2006/math">
                       <m:r>
-                        <a:rPr>
+                        <a:rPr lang="en-US">
                           <a:latin typeface="Cambria Math" panose="02040503050406030204" pitchFamily="18" charset="0"/>
                         </a:rPr>
                         <m:t>𝑙𝑜𝑔</m:t>
@@ -27212,14 +27598,14 @@
                           <m:begChr m:val="["/>
                           <m:endChr m:val="]"/>
                           <m:ctrlPr>
-                            <a:rPr i="1">
+                            <a:rPr lang="ar-AE" i="1">
                               <a:latin typeface="Cambria Math" panose="02040503050406030204" pitchFamily="18" charset="0"/>
                             </a:rPr>
                           </m:ctrlPr>
                         </m:dPr>
                         <m:e>
                           <m:r>
-                            <a:rPr>
+                            <a:rPr lang="ar-AE">
                               <a:latin typeface="Cambria Math" panose="02040503050406030204" pitchFamily="18" charset="0"/>
                             </a:rPr>
                             <m:t>𝙴</m:t>
@@ -27227,7 +27613,7 @@
                           <m:d>
                             <m:dPr>
                               <m:ctrlPr>
-                                <a:rPr i="1">
+                                <a:rPr lang="ar-AE" i="1">
                                   <a:latin typeface="Cambria Math" panose="02040503050406030204" pitchFamily="18" charset="0"/>
                                 </a:rPr>
                               </m:ctrlPr>
@@ -27236,14 +27622,14 @@
                               <m:sSub>
                                 <m:sSubPr>
                                   <m:ctrlPr>
-                                    <a:rPr i="1">
+                                    <a:rPr lang="ar-AE" i="1">
                                       <a:latin typeface="Cambria Math" panose="02040503050406030204" pitchFamily="18" charset="0"/>
                                     </a:rPr>
                                   </m:ctrlPr>
                                 </m:sSubPr>
                                 <m:e>
                                   <m:r>
-                                    <a:rPr>
+                                    <a:rPr lang="ar-AE">
                                       <a:latin typeface="Cambria Math" panose="02040503050406030204" pitchFamily="18" charset="0"/>
                                     </a:rPr>
                                     <m:t>𝑦</m:t>
@@ -27251,7 +27637,7 @@
                                 </m:e>
                                 <m:sub>
                                   <m:r>
-                                    <a:rPr>
+                                    <a:rPr lang="ar-AE">
                                       <a:latin typeface="Cambria Math" panose="02040503050406030204" pitchFamily="18" charset="0"/>
                                     </a:rPr>
                                     <m:t>𝑖</m:t>
@@ -27259,7 +27645,7 @@
                                 </m:sub>
                               </m:sSub>
                               <m:r>
-                                <a:rPr>
+                                <a:rPr lang="ar-AE">
                                   <a:latin typeface="Cambria Math" panose="02040503050406030204" pitchFamily="18" charset="0"/>
                                 </a:rPr>
                                 <m:t>|</m:t>
@@ -27267,14 +27653,14 @@
                               <m:sSub>
                                 <m:sSubPr>
                                   <m:ctrlPr>
-                                    <a:rPr i="1">
+                                    <a:rPr lang="ar-AE" i="1">
                                       <a:latin typeface="Cambria Math" panose="02040503050406030204" pitchFamily="18" charset="0"/>
                                     </a:rPr>
                                   </m:ctrlPr>
                                 </m:sSubPr>
                                 <m:e>
                                   <m:r>
-                                    <a:rPr>
+                                    <a:rPr lang="ar-AE">
                                       <a:latin typeface="Cambria Math" panose="02040503050406030204" pitchFamily="18" charset="0"/>
                                     </a:rPr>
                                     <m:t>𝑥</m:t>
@@ -27282,7 +27668,7 @@
                                 </m:e>
                                 <m:sub>
                                   <m:r>
-                                    <a:rPr>
+                                    <a:rPr lang="ar-AE">
                                       <a:latin typeface="Cambria Math" panose="02040503050406030204" pitchFamily="18" charset="0"/>
                                     </a:rPr>
                                     <m:t>𝑖</m:t>
@@ -27294,7 +27680,7 @@
                         </m:e>
                       </m:d>
                       <m:r>
-                        <a:rPr>
+                        <a:rPr lang="ar-AE">
                           <a:latin typeface="Cambria Math" panose="02040503050406030204" pitchFamily="18" charset="0"/>
                         </a:rPr>
                         <m:t>=</m:t>
@@ -27302,14 +27688,14 @@
                       <m:sSub>
                         <m:sSubPr>
                           <m:ctrlPr>
-                            <a:rPr i="1">
+                            <a:rPr lang="ar-AE" i="1">
                               <a:latin typeface="Cambria Math" panose="02040503050406030204" pitchFamily="18" charset="0"/>
                             </a:rPr>
                           </m:ctrlPr>
                         </m:sSubPr>
                         <m:e>
                           <m:r>
-                            <a:rPr>
+                            <a:rPr lang="ar-AE">
                               <a:latin typeface="Cambria Math" panose="02040503050406030204" pitchFamily="18" charset="0"/>
                             </a:rPr>
                             <m:t>𝑥</m:t>
@@ -27317,7 +27703,7 @@
                         </m:e>
                         <m:sub>
                           <m:r>
-                            <a:rPr>
+                            <a:rPr lang="ar-AE">
                               <a:latin typeface="Cambria Math" panose="02040503050406030204" pitchFamily="18" charset="0"/>
                             </a:rPr>
                             <m:t>𝑖</m:t>
@@ -27327,14 +27713,14 @@
                       <m:sSub>
                         <m:sSubPr>
                           <m:ctrlPr>
-                            <a:rPr i="1">
+                            <a:rPr lang="ar-AE" i="1">
                               <a:latin typeface="Cambria Math" panose="02040503050406030204" pitchFamily="18" charset="0"/>
                             </a:rPr>
                           </m:ctrlPr>
                         </m:sSubPr>
                         <m:e>
                           <m:r>
-                            <a:rPr>
+                            <a:rPr lang="ar-AE">
                               <a:latin typeface="Cambria Math" panose="02040503050406030204" pitchFamily="18" charset="0"/>
                             </a:rPr>
                             <m:t>𝜆</m:t>
@@ -27342,7 +27728,7 @@
                         </m:e>
                         <m:sub>
                           <m:r>
-                            <a:rPr>
+                            <a:rPr lang="ar-AE">
                               <a:latin typeface="Cambria Math" panose="02040503050406030204" pitchFamily="18" charset="0"/>
                             </a:rPr>
                             <m:t>𝑖</m:t>
@@ -27350,13 +27736,13 @@
                         </m:sub>
                       </m:sSub>
                       <m:r>
-                        <a:rPr>
+                        <a:rPr lang="ar-AE">
                           <a:latin typeface="Cambria Math" panose="02040503050406030204" pitchFamily="18" charset="0"/>
                         </a:rPr>
                         <m:t>⇔</m:t>
                       </m:r>
                       <m:r>
-                        <a:rPr>
+                        <a:rPr lang="ar-AE">
                           <a:latin typeface="Cambria Math" panose="02040503050406030204" pitchFamily="18" charset="0"/>
                         </a:rPr>
                         <m:t>𝙴</m:t>
@@ -27364,7 +27750,7 @@
                       <m:d>
                         <m:dPr>
                           <m:ctrlPr>
-                            <a:rPr i="1">
+                            <a:rPr lang="ar-AE" i="1">
                               <a:latin typeface="Cambria Math" panose="02040503050406030204" pitchFamily="18" charset="0"/>
                             </a:rPr>
                           </m:ctrlPr>
@@ -27373,14 +27759,14 @@
                           <m:sSub>
                             <m:sSubPr>
                               <m:ctrlPr>
-                                <a:rPr i="1">
+                                <a:rPr lang="ar-AE" i="1">
                                   <a:latin typeface="Cambria Math" panose="02040503050406030204" pitchFamily="18" charset="0"/>
                                 </a:rPr>
                               </m:ctrlPr>
                             </m:sSubPr>
                             <m:e>
                               <m:r>
-                                <a:rPr>
+                                <a:rPr lang="ar-AE">
                                   <a:latin typeface="Cambria Math" panose="02040503050406030204" pitchFamily="18" charset="0"/>
                                 </a:rPr>
                                 <m:t>𝑦</m:t>
@@ -27388,7 +27774,7 @@
                             </m:e>
                             <m:sub>
                               <m:r>
-                                <a:rPr>
+                                <a:rPr lang="ar-AE">
                                   <a:latin typeface="Cambria Math" panose="02040503050406030204" pitchFamily="18" charset="0"/>
                                 </a:rPr>
                                 <m:t>𝑖</m:t>
@@ -27396,7 +27782,7 @@
                             </m:sub>
                           </m:sSub>
                           <m:r>
-                            <a:rPr>
+                            <a:rPr lang="ar-AE">
                               <a:latin typeface="Cambria Math" panose="02040503050406030204" pitchFamily="18" charset="0"/>
                             </a:rPr>
                             <m:t>|</m:t>
@@ -27404,14 +27790,14 @@
                           <m:sSub>
                             <m:sSubPr>
                               <m:ctrlPr>
-                                <a:rPr i="1">
+                                <a:rPr lang="ar-AE" i="1">
                                   <a:latin typeface="Cambria Math" panose="02040503050406030204" pitchFamily="18" charset="0"/>
                                 </a:rPr>
                               </m:ctrlPr>
                             </m:sSubPr>
                             <m:e>
                               <m:r>
-                                <a:rPr>
+                                <a:rPr lang="ar-AE">
                                   <a:latin typeface="Cambria Math" panose="02040503050406030204" pitchFamily="18" charset="0"/>
                                 </a:rPr>
                                 <m:t>𝑥</m:t>
@@ -27419,7 +27805,7 @@
                             </m:e>
                             <m:sub>
                               <m:r>
-                                <a:rPr>
+                                <a:rPr lang="ar-AE">
                                   <a:latin typeface="Cambria Math" panose="02040503050406030204" pitchFamily="18" charset="0"/>
                                 </a:rPr>
                                 <m:t>𝑖</m:t>
@@ -27429,7 +27815,7 @@
                         </m:e>
                       </m:d>
                       <m:r>
-                        <a:rPr>
+                        <a:rPr lang="ar-AE">
                           <a:latin typeface="Cambria Math" panose="02040503050406030204" pitchFamily="18" charset="0"/>
                         </a:rPr>
                         <m:t>=</m:t>
@@ -27437,14 +27823,14 @@
                       <m:sSup>
                         <m:sSupPr>
                           <m:ctrlPr>
-                            <a:rPr i="1">
+                            <a:rPr lang="ar-AE" i="1">
                               <a:latin typeface="Cambria Math" panose="02040503050406030204" pitchFamily="18" charset="0"/>
                             </a:rPr>
                           </m:ctrlPr>
                         </m:sSupPr>
                         <m:e>
                           <m:r>
-                            <a:rPr>
+                            <a:rPr lang="ar-AE">
                               <a:latin typeface="Cambria Math" panose="02040503050406030204" pitchFamily="18" charset="0"/>
                             </a:rPr>
                             <m:t>𝑒</m:t>
@@ -27454,14 +27840,14 @@
                           <m:sSub>
                             <m:sSubPr>
                               <m:ctrlPr>
-                                <a:rPr i="1">
+                                <a:rPr lang="ar-AE" i="1">
                                   <a:latin typeface="Cambria Math" panose="02040503050406030204" pitchFamily="18" charset="0"/>
                                 </a:rPr>
                               </m:ctrlPr>
                             </m:sSubPr>
                             <m:e>
                               <m:r>
-                                <a:rPr>
+                                <a:rPr lang="ar-AE">
                                   <a:latin typeface="Cambria Math" panose="02040503050406030204" pitchFamily="18" charset="0"/>
                                 </a:rPr>
                                 <m:t>𝑥</m:t>
@@ -27469,7 +27855,7 @@
                             </m:e>
                             <m:sub>
                               <m:r>
-                                <a:rPr>
+                                <a:rPr lang="ar-AE">
                                   <a:latin typeface="Cambria Math" panose="02040503050406030204" pitchFamily="18" charset="0"/>
                                 </a:rPr>
                                 <m:t>𝑖</m:t>
@@ -27479,14 +27865,14 @@
                           <m:sSub>
                             <m:sSubPr>
                               <m:ctrlPr>
-                                <a:rPr i="1">
+                                <a:rPr lang="ar-AE" i="1">
                                   <a:latin typeface="Cambria Math" panose="02040503050406030204" pitchFamily="18" charset="0"/>
                                 </a:rPr>
                               </m:ctrlPr>
                             </m:sSubPr>
                             <m:e>
                               <m:r>
-                                <a:rPr>
+                                <a:rPr lang="ar-AE">
                                   <a:latin typeface="Cambria Math" panose="02040503050406030204" pitchFamily="18" charset="0"/>
                                 </a:rPr>
                                 <m:t>𝜆</m:t>
@@ -27494,7 +27880,7 @@
                             </m:e>
                             <m:sub>
                               <m:r>
-                                <a:rPr>
+                                <a:rPr lang="ar-AE">
                                   <a:latin typeface="Cambria Math" panose="02040503050406030204" pitchFamily="18" charset="0"/>
                                 </a:rPr>
                                 <m:t>𝑖</m:t>
@@ -27526,7 +27912,7 @@
               <a:blipFill>
                 <a:blip r:embed="rId2"/>
                 <a:stretch>
-                  <a:fillRect l="-963" t="-2334"/>
+                  <a:fillRect l="-963" t="-3052"/>
                 </a:stretch>
               </a:blipFill>
             </p:spPr>
@@ -27897,6 +28283,11 @@
                   <a:rPr dirty="0"/>
                   <a:t>the independent variable</a:t>
                 </a:r>
+                <a:r>
+                  <a:rPr lang="en-US" dirty="0"/>
+                  <a:t>(s)</a:t>
+                </a:r>
+                <a:endParaRPr dirty="0"/>
               </a:p>
               <a:p>
                 <a:pPr lvl="0"/>
@@ -28464,7 +28855,7 @@
             </p:spPr>
             <p:txBody>
               <a:bodyPr>
-                <a:normAutofit/>
+                <a:normAutofit lnSpcReduction="10000"/>
               </a:bodyPr>
               <a:lstStyle/>
               <a:p>
@@ -28473,7 +28864,7 @@
                 </a:pPr>
                 <a:r>
                   <a:rPr lang="en-US" sz="2000" dirty="0"/>
-                  <a:t>Data for number of awards for students </a:t>
+                  <a:t>Example:  number of awards for students</a:t>
                 </a:r>
               </a:p>
               <a:p>
@@ -28590,7 +28981,7 @@
               <a:blipFill>
                 <a:blip r:embed="rId2"/>
                 <a:stretch>
-                  <a:fillRect l="-1429" t="-1132" r="-2571"/>
+                  <a:fillRect l="-1429" t="-2075" r="-2143"/>
                 </a:stretch>
               </a:blipFill>
             </p:spPr>
@@ -28728,8 +29119,8 @@
           </a:prstGeom>
         </p:spPr>
       </p:pic>
-      <mc:AlternateContent xmlns:mc="http://schemas.openxmlformats.org/markup-compatibility/2006">
-        <mc:Choice xmlns:a14="http://schemas.microsoft.com/office/drawing/2010/main" Requires="a14">
+      <mc:AlternateContent xmlns:mc="http://schemas.openxmlformats.org/markup-compatibility/2006" xmlns:a14="http://schemas.microsoft.com/office/drawing/2010/main">
+        <mc:Choice Requires="a14">
           <p:sp>
             <p:nvSpPr>
               <p:cNvPr id="8" name="Content Placeholder 2">
@@ -28877,7 +29268,7 @@
             </p:txBody>
           </p:sp>
         </mc:Choice>
-        <mc:Fallback>
+        <mc:Fallback xmlns="">
           <p:sp>
             <p:nvSpPr>
               <p:cNvPr id="8" name="Content Placeholder 2">
@@ -29288,8 +29679,8 @@
           </a:p>
         </p:txBody>
       </p:sp>
-      <mc:AlternateContent xmlns:mc="http://schemas.openxmlformats.org/markup-compatibility/2006">
-        <mc:Choice xmlns:a14="http://schemas.microsoft.com/office/drawing/2010/main" Requires="a14">
+      <mc:AlternateContent xmlns:mc="http://schemas.openxmlformats.org/markup-compatibility/2006" xmlns:a14="http://schemas.microsoft.com/office/drawing/2010/main">
+        <mc:Choice Requires="a14">
           <p:sp>
             <p:nvSpPr>
               <p:cNvPr id="4" name="Text Placeholder 3"/>
@@ -29391,7 +29782,7 @@
             </p:txBody>
           </p:sp>
         </mc:Choice>
-        <mc:Fallback>
+        <mc:Fallback xmlns="">
           <p:sp>
             <p:nvSpPr>
               <p:cNvPr id="4" name="Text Placeholder 3"/>
@@ -29472,6 +29863,161 @@
   <p:cSld>
     <p:spTree>
       <p:nvGrpSpPr>
+        <p:cNvPr id="1" name="">
+          <a:extLst>
+            <a:ext uri="{FF2B5EF4-FFF2-40B4-BE49-F238E27FC236}">
+              <a16:creationId xmlns:a16="http://schemas.microsoft.com/office/drawing/2014/main" id="{E5403FAB-44AB-D252-6A94-8C4F7285DFCC}"/>
+            </a:ext>
+          </a:extLst>
+        </p:cNvPr>
+        <p:cNvGrpSpPr/>
+        <p:nvPr/>
+      </p:nvGrpSpPr>
+      <p:grpSpPr>
+        <a:xfrm>
+          <a:off x="0" y="0"/>
+          <a:ext cx="0" cy="0"/>
+          <a:chOff x="0" y="0"/>
+          <a:chExt cx="0" cy="0"/>
+        </a:xfrm>
+      </p:grpSpPr>
+      <p:sp>
+        <p:nvSpPr>
+          <p:cNvPr id="2" name="Title 1">
+            <a:extLst>
+              <a:ext uri="{FF2B5EF4-FFF2-40B4-BE49-F238E27FC236}">
+                <a16:creationId xmlns:a16="http://schemas.microsoft.com/office/drawing/2014/main" id="{FF250A9F-F6F3-9762-176A-FB2AD81C540C}"/>
+              </a:ext>
+            </a:extLst>
+          </p:cNvPr>
+          <p:cNvSpPr>
+            <a:spLocks noGrp="1"/>
+          </p:cNvSpPr>
+          <p:nvPr>
+            <p:ph type="title"/>
+          </p:nvPr>
+        </p:nvSpPr>
+        <p:spPr/>
+        <p:txBody>
+          <a:bodyPr/>
+          <a:lstStyle/>
+          <a:p>
+            <a:pPr marL="0" lvl="0" indent="0">
+              <a:buNone/>
+            </a:pPr>
+            <a:r>
+              <a:t>Summary</a:t>
+            </a:r>
+          </a:p>
+        </p:txBody>
+      </p:sp>
+      <p:sp>
+        <p:nvSpPr>
+          <p:cNvPr id="3" name="Content Placeholder 2">
+            <a:extLst>
+              <a:ext uri="{FF2B5EF4-FFF2-40B4-BE49-F238E27FC236}">
+                <a16:creationId xmlns:a16="http://schemas.microsoft.com/office/drawing/2014/main" id="{97D6220E-459F-6E38-4F30-8217CD3688DB}"/>
+              </a:ext>
+            </a:extLst>
+          </p:cNvPr>
+          <p:cNvSpPr>
+            <a:spLocks noGrp="1"/>
+          </p:cNvSpPr>
+          <p:nvPr>
+            <p:ph idx="1"/>
+          </p:nvPr>
+        </p:nvSpPr>
+        <p:spPr/>
+        <p:txBody>
+          <a:bodyPr>
+            <a:normAutofit/>
+          </a:bodyPr>
+          <a:lstStyle/>
+          <a:p>
+            <a:pPr marL="0" lvl="0" indent="0">
+              <a:buNone/>
+            </a:pPr>
+            <a:r>
+              <a:rPr lang="en-US" dirty="0"/>
+              <a:t>Categorical variables are encoded in </a:t>
+            </a:r>
+            <a:r>
+              <a:rPr lang="en-US"/>
+              <a:t>model matrix</a:t>
+            </a:r>
+          </a:p>
+          <a:p>
+            <a:pPr lvl="0"/>
+            <a:r>
+              <a:rPr lang="en-US" dirty="0"/>
+              <a:t>Categorical variables encoded with </a:t>
+            </a:r>
+            <a:r>
+              <a:rPr lang="en-US" b="1" dirty="0"/>
+              <a:t>one hot encoding   </a:t>
+            </a:r>
+          </a:p>
+          <a:p>
+            <a:pPr lvl="1"/>
+            <a:r>
+              <a:rPr lang="en-US" dirty="0"/>
+              <a:t>n dummy variables with no intercept</a:t>
+            </a:r>
+          </a:p>
+          <a:p>
+            <a:pPr lvl="1"/>
+            <a:r>
+              <a:rPr lang="en-US" dirty="0"/>
+              <a:t>n-1 dummy variables encode </a:t>
+            </a:r>
+            <a:r>
+              <a:rPr lang="en-US" b="1" dirty="0"/>
+              <a:t>contrasts</a:t>
+            </a:r>
+            <a:r>
+              <a:rPr lang="en-US" dirty="0"/>
+              <a:t> to intercept variable </a:t>
+            </a:r>
+          </a:p>
+          <a:p>
+            <a:pPr lvl="1"/>
+            <a:r>
+              <a:rPr lang="en-US" dirty="0"/>
+              <a:t>Either encoding gives same model results </a:t>
+            </a:r>
+          </a:p>
+          <a:p>
+            <a:pPr lvl="0"/>
+            <a:r>
+              <a:rPr lang="en-US" dirty="0"/>
+              <a:t>Can adjust observations and response for </a:t>
+            </a:r>
+            <a:r>
+              <a:rPr lang="en-US" b="1" dirty="0"/>
+              <a:t>effects</a:t>
+            </a:r>
+            <a:endParaRPr b="1" dirty="0"/>
+          </a:p>
+        </p:txBody>
+      </p:sp>
+    </p:spTree>
+    <p:extLst>
+      <p:ext uri="{BB962C8B-B14F-4D97-AF65-F5344CB8AC3E}">
+        <p14:creationId xmlns:p14="http://schemas.microsoft.com/office/powerpoint/2010/main" val="758538384"/>
+      </p:ext>
+    </p:extLst>
+  </p:cSld>
+  <p:clrMapOvr>
+    <a:masterClrMapping/>
+  </p:clrMapOvr>
+</p:sld>
+</file>
+
+<file path=ppt/slides/slide55.xml><?xml version="1.0" encoding="utf-8"?>
+<p:sld xmlns:a="http://schemas.openxmlformats.org/drawingml/2006/main" xmlns:r="http://schemas.openxmlformats.org/officeDocument/2006/relationships" xmlns:p="http://schemas.openxmlformats.org/presentationml/2006/main">
+  <p:cSld>
+    <p:spTree>
+      <p:nvGrpSpPr>
         <p:cNvPr id="1" name=""/>
         <p:cNvGrpSpPr/>
         <p:nvPr/>
@@ -29525,57 +30071,92 @@
           </a:bodyPr>
           <a:lstStyle/>
           <a:p>
+            <a:pPr marL="0" lvl="0" indent="0">
+              <a:buNone/>
+            </a:pPr>
+            <a:r>
+              <a:rPr dirty="0"/>
+              <a:t>Models with nonlinear response have non-Normal distributions</a:t>
+            </a:r>
+          </a:p>
+          <a:p>
             <a:pPr lvl="0"/>
             <a:r>
-              <a:t>Models with nonlinear response have non-Normal distributions</a:t>
+              <a:rPr dirty="0"/>
+              <a:t>The </a:t>
+            </a:r>
+            <a:r>
+              <a:rPr b="1" dirty="0"/>
+              <a:t>generalized linear model</a:t>
+            </a:r>
+            <a:r>
+              <a:rPr lang="en-US" b="1" dirty="0"/>
+              <a:t> (GLM)</a:t>
+            </a:r>
+            <a:r>
+              <a:rPr dirty="0"/>
+              <a:t> accommodates nonlinear response distributions</a:t>
             </a:r>
           </a:p>
           <a:p>
             <a:pPr lvl="0"/>
             <a:r>
-              <a:t>The generalized linear model accommodates nonlinear response distributions</a:t>
+              <a:rPr b="1" dirty="0"/>
+              <a:t>Link function</a:t>
+            </a:r>
+            <a:r>
+              <a:rPr dirty="0"/>
+              <a:t> transforms to linear model</a:t>
+            </a:r>
+          </a:p>
+          <a:p>
+            <a:pPr lvl="1"/>
+            <a:r>
+              <a:rPr b="1" dirty="0"/>
+              <a:t>Inverse link function </a:t>
+            </a:r>
+            <a:r>
+              <a:rPr dirty="0"/>
+              <a:t>transforms from Normal distribution to response distribution</a:t>
             </a:r>
           </a:p>
           <a:p>
             <a:pPr lvl="0"/>
             <a:r>
-              <a:t>Link function transforms to linear model</a:t>
+              <a:rPr dirty="0"/>
+              <a:t>Evaluating Binomial response models</a:t>
             </a:r>
           </a:p>
           <a:p>
             <a:pPr lvl="1"/>
             <a:r>
-              <a:t>Inverse link function transforms from Normal distribution to response distribution</a:t>
+              <a:rPr dirty="0"/>
+              <a:t>Confusion matrix organizes</a:t>
+            </a:r>
+          </a:p>
+          <a:p>
+            <a:pPr lvl="1"/>
+            <a:r>
+              <a:rPr dirty="0"/>
+              <a:t>Compute metrics from elements of confusion matrix</a:t>
+            </a:r>
+          </a:p>
+          <a:p>
+            <a:pPr lvl="1"/>
+            <a:r>
+              <a:rPr dirty="0"/>
+              <a:t>Use multiple evaluation criteria</a:t>
             </a:r>
           </a:p>
           <a:p>
             <a:pPr lvl="0"/>
             <a:r>
-              <a:t>Evaluating Binomial response models</a:t>
-            </a:r>
-          </a:p>
-          <a:p>
-            <a:pPr lvl="1"/>
-            <a:r>
-              <a:t>Confusion matrix organizes</a:t>
-            </a:r>
-          </a:p>
-          <a:p>
-            <a:pPr lvl="1"/>
-            <a:r>
-              <a:t>Compute metrics from elements of confusion matrix</a:t>
-            </a:r>
-          </a:p>
-          <a:p>
-            <a:pPr lvl="1"/>
-            <a:r>
-              <a:t>Use multiple evaluation criteria</a:t>
-            </a:r>
-          </a:p>
-          <a:p>
-            <a:pPr lvl="0"/>
-            <a:r>
-              <a:t>Compare model performance with deviance</a:t>
+              <a:rPr dirty="0"/>
+              <a:t>Compare model performance with </a:t>
+            </a:r>
+            <a:r>
+              <a:rPr b="1" dirty="0"/>
+              <a:t>deviance</a:t>
             </a:r>
           </a:p>
         </p:txBody>
@@ -29931,7 +30512,7 @@
         <p:spPr/>
         <p:txBody>
           <a:bodyPr>
-            <a:normAutofit fontScale="92500" lnSpcReduction="10000"/>
+            <a:normAutofit fontScale="92500" lnSpcReduction="20000"/>
           </a:bodyPr>
           <a:lstStyle/>
           <a:p>
@@ -29947,6 +30528,10 @@
               <a:rPr b="1" dirty="0"/>
               <a:t>One-hot encoding</a:t>
             </a:r>
+            <a:r>
+              <a:rPr lang="en-US" dirty="0"/>
+              <a:t> of categorical variables</a:t>
+            </a:r>
             <a:endParaRPr dirty="0"/>
           </a:p>
           <a:p>
@@ -29964,23 +30549,55 @@
           <a:p>
             <a:pPr lvl="1"/>
             <a:r>
+              <a:rPr lang="en-US" dirty="0"/>
+              <a:t>Interpreting </a:t>
+            </a:r>
+            <a:r>
+              <a:rPr lang="en-US" b="1" dirty="0"/>
+              <a:t>e</a:t>
+            </a:r>
+            <a:r>
               <a:rPr b="1" dirty="0"/>
-              <a:t>Effects</a:t>
+              <a:t>ffect </a:t>
+            </a:r>
+            <a:r>
+              <a:rPr lang="en-US" b="1" dirty="0"/>
+              <a:t>sizes</a:t>
             </a:r>
             <a:r>
               <a:rPr dirty="0"/>
-              <a:t> and </a:t>
+              <a:t> </a:t>
+            </a:r>
+            <a:endParaRPr lang="en-US" dirty="0"/>
+          </a:p>
+          <a:p>
+            <a:pPr lvl="1"/>
+            <a:r>
+              <a:rPr lang="en-US" dirty="0"/>
+              <a:t>Applying </a:t>
+            </a:r>
+            <a:r>
+              <a:rPr lang="en-US" b="1" dirty="0"/>
+              <a:t>effect a</a:t>
             </a:r>
             <a:r>
               <a:rPr b="1" dirty="0"/>
-              <a:t>adjustments</a:t>
+              <a:t>djustments</a:t>
             </a:r>
           </a:p>
           <a:p>
             <a:pPr lvl="0"/>
             <a:r>
               <a:rPr dirty="0"/>
-              <a:t>Building models with nonlinear or non-Normal response</a:t>
+              <a:t>Building models with nonlinear </a:t>
+            </a:r>
+            <a:r>
+              <a:rPr lang="en-US" dirty="0"/>
+              <a:t>and</a:t>
+            </a:r>
+            <a:r>
+              <a:rPr dirty="0"/>
+              <a:t> non-Normal response</a:t>
             </a:r>
           </a:p>
           <a:p>
@@ -30162,7 +30779,7 @@
         </p:spPr>
         <p:txBody>
           <a:bodyPr>
-            <a:normAutofit fontScale="92500"/>
+            <a:normAutofit/>
           </a:bodyPr>
           <a:lstStyle/>
           <a:p>
@@ -30219,28 +30836,23 @@
             <a:pPr lvl="1"/>
             <a:r>
               <a:rPr dirty="0"/>
-              <a:t>Only one dummy variable has nonzero value - encodes the category</a:t>
-            </a:r>
-          </a:p>
-          <a:p>
-            <a:pPr lvl="1"/>
+              <a:t>Only one dummy variable has nonzero value</a:t>
+            </a:r>
+            <a:r>
+              <a:rPr lang="en-US" dirty="0"/>
+              <a:t>,</a:t>
+            </a:r>
             <a:r>
               <a:rPr dirty="0"/>
-              <a:t>n categories represented by n-1 dummy variables; all 0s encodes one level</a:t>
-            </a:r>
-          </a:p>
-          <a:p>
-            <a:pPr lvl="0"/>
+              <a:t> encod</a:t>
+            </a:r>
+            <a:r>
+              <a:rPr lang="en-US" dirty="0"/>
+              <a:t>ing</a:t>
+            </a:r>
             <a:r>
               <a:rPr dirty="0"/>
-              <a:t>Binary variables are an exception</a:t>
-            </a:r>
-          </a:p>
-          <a:p>
-            <a:pPr lvl="1"/>
-            <a:r>
-              <a:rPr dirty="0"/>
-              <a:t>Represent with a single binary variable. [0,1] values</a:t>
+              <a:t> the category</a:t>
             </a:r>
           </a:p>
         </p:txBody>

--- a/LectureSlides/09_GeneralizingTheLinearModel.pptx
+++ b/LectureSlides/09_GeneralizingTheLinearModel.pptx
@@ -4387,8 +4387,8 @@
           </p:sp>
         </mc:Fallback>
       </mc:AlternateContent>
-      <mc:AlternateContent xmlns:mc="http://schemas.openxmlformats.org/markup-compatibility/2006">
-        <mc:Choice xmlns:a14="http://schemas.microsoft.com/office/drawing/2010/main" Requires="a14">
+      <mc:AlternateContent xmlns:mc="http://schemas.openxmlformats.org/markup-compatibility/2006" xmlns:a14="http://schemas.microsoft.com/office/drawing/2010/main">
+        <mc:Choice Requires="a14">
           <p:sp>
             <p:nvSpPr>
               <p:cNvPr id="5" name="Content Placeholder 2">
@@ -4580,7 +4580,7 @@
             </p:txBody>
           </p:sp>
         </mc:Choice>
-        <mc:Fallback>
+        <mc:Fallback xmlns="">
           <p:sp>
             <p:nvSpPr>
               <p:cNvPr id="5" name="Content Placeholder 2">
@@ -4970,8 +4970,8 @@
           </a:p>
         </p:txBody>
       </p:sp>
-      <mc:AlternateContent xmlns:mc="http://schemas.openxmlformats.org/markup-compatibility/2006">
-        <mc:Choice xmlns:a14="http://schemas.microsoft.com/office/drawing/2010/main" Requires="a14">
+      <mc:AlternateContent xmlns:mc="http://schemas.openxmlformats.org/markup-compatibility/2006" xmlns:a14="http://schemas.microsoft.com/office/drawing/2010/main">
+        <mc:Choice Requires="a14">
           <p:sp>
             <p:nvSpPr>
               <p:cNvPr id="3" name="Content Placeholder 2"/>
@@ -5940,7 +5940,7 @@
             </p:txBody>
           </p:sp>
         </mc:Choice>
-        <mc:Fallback>
+        <mc:Fallback xmlns="">
           <p:sp>
             <p:nvSpPr>
               <p:cNvPr id="3" name="Content Placeholder 2"/>
@@ -9469,6 +9469,89 @@
                         </m:sSub>
                       </m:e>
                     </m:d>
+                    <m:r>
+                      <a:rPr lang="en-US" b="0" i="1" smtClean="0">
+                        <a:latin typeface="Cambria Math" panose="02040503050406030204" pitchFamily="18" charset="0"/>
+                      </a:rPr>
+                      <m:t>,   </m:t>
+                    </m:r>
+                    <m:nary>
+                      <m:naryPr>
+                        <m:chr m:val="∑"/>
+                        <m:supHide m:val="on"/>
+                        <m:ctrlPr>
+                          <a:rPr lang="en-US" b="0" i="1" smtClean="0">
+                            <a:latin typeface="Cambria Math" panose="02040503050406030204" pitchFamily="18" charset="0"/>
+                          </a:rPr>
+                        </m:ctrlPr>
+                      </m:naryPr>
+                      <m:sub>
+                        <m:r>
+                          <m:rPr>
+                            <m:brk m:alnAt="7"/>
+                          </m:rPr>
+                          <a:rPr lang="en-US" b="0" i="1" smtClean="0">
+                            <a:latin typeface="Cambria Math" panose="02040503050406030204" pitchFamily="18" charset="0"/>
+                          </a:rPr>
+                          <m:t>𝑖</m:t>
+                        </m:r>
+                      </m:sub>
+                      <m:sup/>
+                      <m:e>
+                        <m:sSub>
+                          <m:sSubPr>
+                            <m:ctrlPr>
+                              <a:rPr lang="ar-AE" i="1">
+                                <a:latin typeface="Cambria Math" panose="02040503050406030204" pitchFamily="18" charset="0"/>
+                              </a:rPr>
+                            </m:ctrlPr>
+                          </m:sSubPr>
+                          <m:e>
+                            <m:r>
+                              <a:rPr lang="ar-AE">
+                                <a:latin typeface="Cambria Math" panose="02040503050406030204" pitchFamily="18" charset="0"/>
+                              </a:rPr>
+                              <m:t>𝜋</m:t>
+                            </m:r>
+                          </m:e>
+                          <m:sub>
+                            <m:r>
+                              <m:rPr>
+                                <m:sty m:val="p"/>
+                              </m:rPr>
+                              <a:rPr lang="en-US" b="0" i="0" smtClean="0">
+                                <a:latin typeface="Cambria Math" panose="02040503050406030204" pitchFamily="18" charset="0"/>
+                              </a:rPr>
+                              <m:t>i</m:t>
+                            </m:r>
+                          </m:sub>
+                        </m:sSub>
+                        <m:r>
+                          <a:rPr lang="en-US" b="0" i="1" smtClean="0">
+                            <a:latin typeface="Cambria Math" panose="02040503050406030204" pitchFamily="18" charset="0"/>
+                          </a:rPr>
+                          <m:t>=</m:t>
+                        </m:r>
+                        <m:r>
+                          <a:rPr lang="en-US" b="0" i="1" smtClean="0">
+                            <a:latin typeface="Cambria Math" panose="02040503050406030204" pitchFamily="18" charset="0"/>
+                          </a:rPr>
+                          <m:t>1</m:t>
+                        </m:r>
+                        <m:r>
+                          <a:rPr lang="en-US" b="0" i="1" smtClean="0">
+                            <a:latin typeface="Cambria Math" panose="02040503050406030204" pitchFamily="18" charset="0"/>
+                          </a:rPr>
+                          <m:t>.</m:t>
+                        </m:r>
+                        <m:r>
+                          <a:rPr lang="en-US" b="0" i="1" smtClean="0">
+                            <a:latin typeface="Cambria Math" panose="02040503050406030204" pitchFamily="18" charset="0"/>
+                          </a:rPr>
+                          <m:t>0</m:t>
+                        </m:r>
+                      </m:e>
+                    </m:nary>
                   </m:oMath>
                 </a14:m>
                 <a:endParaRPr dirty="0"/>
@@ -9491,7 +9574,7 @@
               <a:blipFill>
                 <a:blip r:embed="rId2"/>
                 <a:stretch>
-                  <a:fillRect l="-741" t="-2693"/>
+                  <a:fillRect l="-741" t="-2693" b="-12029"/>
                 </a:stretch>
               </a:blipFill>
             </p:spPr>
@@ -9559,8 +9642,8 @@
           </a:p>
         </p:txBody>
       </p:sp>
-      <mc:AlternateContent xmlns:mc="http://schemas.openxmlformats.org/markup-compatibility/2006">
-        <mc:Choice xmlns:a14="http://schemas.microsoft.com/office/drawing/2010/main" Requires="a14">
+      <mc:AlternateContent xmlns:mc="http://schemas.openxmlformats.org/markup-compatibility/2006" xmlns:a14="http://schemas.microsoft.com/office/drawing/2010/main">
+        <mc:Choice Requires="a14">
           <p:sp>
             <p:nvSpPr>
               <p:cNvPr id="3" name="Content Placeholder 2"/>
@@ -9699,7 +9782,7 @@
             </p:txBody>
           </p:sp>
         </mc:Choice>
-        <mc:Fallback>
+        <mc:Fallback xmlns="">
           <p:sp>
             <p:nvSpPr>
               <p:cNvPr id="3" name="Content Placeholder 2"/>
@@ -9962,8 +10045,8 @@
           </a:p>
         </p:txBody>
       </p:sp>
-      <mc:AlternateContent xmlns:mc="http://schemas.openxmlformats.org/markup-compatibility/2006">
-        <mc:Choice xmlns:a14="http://schemas.microsoft.com/office/drawing/2010/main" Requires="a14">
+      <mc:AlternateContent xmlns:mc="http://schemas.openxmlformats.org/markup-compatibility/2006" xmlns:a14="http://schemas.microsoft.com/office/drawing/2010/main">
+        <mc:Choice Requires="a14">
           <p:sp>
             <p:nvSpPr>
               <p:cNvPr id="3" name="Content Placeholder 2"/>
@@ -10965,7 +11048,7 @@
             </p:txBody>
           </p:sp>
         </mc:Choice>
-        <mc:Fallback>
+        <mc:Fallback xmlns="">
           <p:sp>
             <p:nvSpPr>
               <p:cNvPr id="3" name="Content Placeholder 2"/>
@@ -11048,8 +11131,8 @@
           </a:p>
         </p:txBody>
       </p:sp>
-      <mc:AlternateContent xmlns:mc="http://schemas.openxmlformats.org/markup-compatibility/2006">
-        <mc:Choice xmlns:a14="http://schemas.microsoft.com/office/drawing/2010/main" Requires="a14">
+      <mc:AlternateContent xmlns:mc="http://schemas.openxmlformats.org/markup-compatibility/2006" xmlns:a14="http://schemas.microsoft.com/office/drawing/2010/main">
+        <mc:Choice Requires="a14">
           <p:sp>
             <p:nvSpPr>
               <p:cNvPr id="3" name="Content Placeholder 2"/>
@@ -11267,7 +11350,7 @@
             </p:txBody>
           </p:sp>
         </mc:Choice>
-        <mc:Fallback>
+        <mc:Fallback xmlns="">
           <p:sp>
             <p:nvSpPr>
               <p:cNvPr id="3" name="Content Placeholder 2"/>
@@ -13768,8 +13851,8 @@
           </a:p>
         </p:txBody>
       </p:sp>
-      <mc:AlternateContent xmlns:mc="http://schemas.openxmlformats.org/markup-compatibility/2006">
-        <mc:Choice xmlns:a14="http://schemas.microsoft.com/office/drawing/2010/main" Requires="a14">
+      <mc:AlternateContent xmlns:mc="http://schemas.openxmlformats.org/markup-compatibility/2006" xmlns:a14="http://schemas.microsoft.com/office/drawing/2010/main">
+        <mc:Choice Requires="a14">
           <p:sp>
             <p:nvSpPr>
               <p:cNvPr id="3" name="Content Placeholder 2"/>
@@ -14424,7 +14507,7 @@
             </p:txBody>
           </p:sp>
         </mc:Choice>
-        <mc:Fallback>
+        <mc:Fallback xmlns="">
           <p:sp>
             <p:nvSpPr>
               <p:cNvPr id="3" name="Content Placeholder 2"/>
@@ -14511,8 +14594,8 @@
           </a:p>
         </p:txBody>
       </p:sp>
-      <mc:AlternateContent xmlns:mc="http://schemas.openxmlformats.org/markup-compatibility/2006">
-        <mc:Choice xmlns:a14="http://schemas.microsoft.com/office/drawing/2010/main" Requires="a14">
+      <mc:AlternateContent xmlns:mc="http://schemas.openxmlformats.org/markup-compatibility/2006" xmlns:a14="http://schemas.microsoft.com/office/drawing/2010/main">
+        <mc:Choice Requires="a14">
           <p:sp>
             <p:nvSpPr>
               <p:cNvPr id="3" name="Content Placeholder 2"/>
@@ -15336,7 +15419,7 @@
             </p:txBody>
           </p:sp>
         </mc:Choice>
-        <mc:Fallback>
+        <mc:Fallback xmlns="">
           <p:sp>
             <p:nvSpPr>
               <p:cNvPr id="3" name="Content Placeholder 2"/>
@@ -15428,8 +15511,8 @@
           </a:p>
         </p:txBody>
       </p:sp>
-      <mc:AlternateContent xmlns:mc="http://schemas.openxmlformats.org/markup-compatibility/2006">
-        <mc:Choice xmlns:a14="http://schemas.microsoft.com/office/drawing/2010/main" Requires="a14">
+      <mc:AlternateContent xmlns:mc="http://schemas.openxmlformats.org/markup-compatibility/2006" xmlns:a14="http://schemas.microsoft.com/office/drawing/2010/main">
+        <mc:Choice Requires="a14">
           <p:sp>
             <p:nvSpPr>
               <p:cNvPr id="3" name="Content Placeholder 2"/>
@@ -15960,7 +16043,7 @@
             </p:txBody>
           </p:sp>
         </mc:Choice>
-        <mc:Fallback>
+        <mc:Fallback xmlns="">
           <p:sp>
             <p:nvSpPr>
               <p:cNvPr id="3" name="Content Placeholder 2"/>
@@ -16092,7 +16175,7 @@
                     </m:oMathParaPr>
                     <m:oMath xmlns:m="http://schemas.openxmlformats.org/officeDocument/2006/math">
                       <m:r>
-                        <a:rPr lang="en-US" sz="1800">
+                        <a:rPr lang="en-US" sz="1600">
                           <a:latin typeface="Cambria Math" panose="02040503050406030204" pitchFamily="18" charset="0"/>
                         </a:rPr>
                         <m:t>𝙴</m:t>
@@ -16102,7 +16185,7 @@
                           <m:begChr m:val="["/>
                           <m:endChr m:val="]"/>
                           <m:ctrlPr>
-                            <a:rPr lang="ar-AE" sz="1800" i="1">
+                            <a:rPr lang="ar-AE" sz="1600" i="1">
                               <a:latin typeface="Cambria Math" panose="02040503050406030204" pitchFamily="18" charset="0"/>
                             </a:rPr>
                           </m:ctrlPr>
@@ -16111,14 +16194,14 @@
                           <m:sSub>
                             <m:sSubPr>
                               <m:ctrlPr>
-                                <a:rPr lang="ar-AE" sz="1800" i="1">
+                                <a:rPr lang="ar-AE" sz="1600" i="1">
                                   <a:latin typeface="Cambria Math" panose="02040503050406030204" pitchFamily="18" charset="0"/>
                                 </a:rPr>
                               </m:ctrlPr>
                             </m:sSubPr>
                             <m:e>
                               <m:r>
-                                <a:rPr lang="ar-AE" sz="1800">
+                                <a:rPr lang="ar-AE" sz="1600">
                                   <a:latin typeface="Cambria Math" panose="02040503050406030204" pitchFamily="18" charset="0"/>
                                 </a:rPr>
                                 <m:t>𝑦</m:t>
@@ -16126,7 +16209,7 @@
                             </m:e>
                             <m:sub>
                               <m:r>
-                                <a:rPr lang="ar-AE" sz="1800">
+                                <a:rPr lang="ar-AE" sz="1600">
                                   <a:latin typeface="Cambria Math" panose="02040503050406030204" pitchFamily="18" charset="0"/>
                                 </a:rPr>
                                 <m:t>𝑖</m:t>
@@ -16134,7 +16217,7 @@
                             </m:sub>
                           </m:sSub>
                           <m:r>
-                            <a:rPr lang="ar-AE" sz="1800">
+                            <a:rPr lang="ar-AE" sz="1600">
                               <a:latin typeface="Cambria Math" panose="02040503050406030204" pitchFamily="18" charset="0"/>
                             </a:rPr>
                             <m:t>|</m:t>
@@ -16142,14 +16225,14 @@
                           <m:sSub>
                             <m:sSubPr>
                               <m:ctrlPr>
-                                <a:rPr lang="ar-AE" sz="1800" i="1">
+                                <a:rPr lang="ar-AE" sz="1600" i="1">
                                   <a:latin typeface="Cambria Math" panose="02040503050406030204" pitchFamily="18" charset="0"/>
                                 </a:rPr>
                               </m:ctrlPr>
                             </m:sSubPr>
                             <m:e>
                               <m:r>
-                                <a:rPr lang="ar-AE" sz="1800">
+                                <a:rPr lang="ar-AE" sz="1600">
                                   <a:latin typeface="Cambria Math" panose="02040503050406030204" pitchFamily="18" charset="0"/>
                                 </a:rPr>
                                 <m:t>𝑥</m:t>
@@ -16157,7 +16240,7 @@
                             </m:e>
                             <m:sub>
                               <m:r>
-                                <a:rPr lang="ar-AE" sz="1800">
+                                <a:rPr lang="ar-AE" sz="1600">
                                   <a:latin typeface="Cambria Math" panose="02040503050406030204" pitchFamily="18" charset="0"/>
                                 </a:rPr>
                                 <m:t>𝑖</m:t>
@@ -16167,7 +16250,7 @@
                         </m:e>
                       </m:d>
                       <m:r>
-                        <a:rPr lang="ar-AE" sz="1800" i="1">
+                        <a:rPr lang="ar-AE" sz="1600" i="1">
                           <a:latin typeface="Cambria Math" panose="02040503050406030204" pitchFamily="18" charset="0"/>
                           <a:ea typeface="Cambria Math" panose="02040503050406030204" pitchFamily="18" charset="0"/>
                         </a:rPr>
@@ -16176,7 +16259,7 @@
                       <m:f>
                         <m:fPr>
                           <m:ctrlPr>
-                            <a:rPr lang="ar-AE" sz="1800" i="1">
+                            <a:rPr lang="ar-AE" sz="1600" i="1">
                               <a:latin typeface="Cambria Math" panose="02040503050406030204" pitchFamily="18" charset="0"/>
                               <a:ea typeface="Cambria Math" panose="02040503050406030204" pitchFamily="18" charset="0"/>
                             </a:rPr>
@@ -16184,7 +16267,7 @@
                         </m:fPr>
                         <m:num>
                           <m:r>
-                            <a:rPr lang="ar-AE" sz="1800" i="1">
+                            <a:rPr lang="ar-AE" sz="1600" i="1">
                               <a:latin typeface="Cambria Math" panose="02040503050406030204" pitchFamily="18" charset="0"/>
                               <a:ea typeface="Cambria Math" panose="02040503050406030204" pitchFamily="18" charset="0"/>
                             </a:rPr>
@@ -16193,28 +16276,28 @@
                         </m:num>
                         <m:den>
                           <m:r>
-                            <a:rPr lang="ar-AE" sz="1800" i="1">
+                            <a:rPr lang="ar-AE" sz="1600" i="1">
                               <a:latin typeface="Cambria Math" panose="02040503050406030204" pitchFamily="18" charset="0"/>
                               <a:ea typeface="Cambria Math" panose="02040503050406030204" pitchFamily="18" charset="0"/>
                             </a:rPr>
                             <m:t>1</m:t>
                           </m:r>
                           <m:r>
-                            <a:rPr lang="ar-AE" sz="1800" i="1">
+                            <a:rPr lang="ar-AE" sz="1600" i="1">
                               <a:latin typeface="Cambria Math" panose="02040503050406030204" pitchFamily="18" charset="0"/>
                               <a:ea typeface="Cambria Math" panose="02040503050406030204" pitchFamily="18" charset="0"/>
                             </a:rPr>
                             <m:t>+</m:t>
                           </m:r>
                           <m:r>
-                            <a:rPr lang="ar-AE" sz="1800" i="1">
+                            <a:rPr lang="ar-AE" sz="1600" i="1">
                               <a:latin typeface="Cambria Math" panose="02040503050406030204" pitchFamily="18" charset="0"/>
                               <a:ea typeface="Cambria Math" panose="02040503050406030204" pitchFamily="18" charset="0"/>
                             </a:rPr>
                             <m:t>𝑒𝑥𝑝</m:t>
                           </m:r>
                           <m:r>
-                            <a:rPr lang="en-US" sz="1800" b="0" i="1" smtClean="0">
+                            <a:rPr lang="en-US" sz="1600" b="0" i="1" smtClean="0">
                               <a:latin typeface="Cambria Math" panose="02040503050406030204" pitchFamily="18" charset="0"/>
                               <a:ea typeface="Cambria Math" panose="02040503050406030204" pitchFamily="18" charset="0"/>
                             </a:rPr>
@@ -16223,7 +16306,7 @@
                           <m:d>
                             <m:dPr>
                               <m:ctrlPr>
-                                <a:rPr lang="ar-AE" sz="1800" i="1">
+                                <a:rPr lang="ar-AE" sz="1600" i="1">
                                   <a:latin typeface="Cambria Math" panose="02040503050406030204" pitchFamily="18" charset="0"/>
                                   <a:ea typeface="Cambria Math" panose="02040503050406030204" pitchFamily="18" charset="0"/>
                                 </a:rPr>
@@ -16233,14 +16316,14 @@
                               <m:sSub>
                                 <m:sSubPr>
                                   <m:ctrlPr>
-                                    <a:rPr lang="ar-AE" sz="1800" i="1">
+                                    <a:rPr lang="ar-AE" sz="1600" i="1">
                                       <a:latin typeface="Cambria Math" panose="02040503050406030204" pitchFamily="18" charset="0"/>
                                     </a:rPr>
                                   </m:ctrlPr>
                                 </m:sSubPr>
                                 <m:e>
                                   <m:r>
-                                    <a:rPr lang="ar-AE" sz="1800">
+                                    <a:rPr lang="ar-AE" sz="1600">
                                       <a:latin typeface="Cambria Math" panose="02040503050406030204" pitchFamily="18" charset="0"/>
                                     </a:rPr>
                                     <m:t>𝛽</m:t>
@@ -16248,7 +16331,7 @@
                                 </m:e>
                                 <m:sub>
                                   <m:r>
-                                    <a:rPr lang="ar-AE" sz="1800">
+                                    <a:rPr lang="ar-AE" sz="1600">
                                       <a:latin typeface="Cambria Math" panose="02040503050406030204" pitchFamily="18" charset="0"/>
                                     </a:rPr>
                                     <m:t>0</m:t>
@@ -16256,7 +16339,7 @@
                                 </m:sub>
                               </m:sSub>
                               <m:r>
-                                <a:rPr lang="en-US" sz="1800" b="0" i="0" smtClean="0">
+                                <a:rPr lang="en-US" sz="1600" b="0" i="0" smtClean="0">
                                   <a:latin typeface="Cambria Math" panose="02040503050406030204" pitchFamily="18" charset="0"/>
                                 </a:rPr>
                                 <m:t>+</m:t>
@@ -16265,14 +16348,14 @@
                                 <m:accPr>
                                   <m:chr m:val="⃗"/>
                                   <m:ctrlPr>
-                                    <a:rPr lang="ar-AE" sz="1800" i="1">
+                                    <a:rPr lang="ar-AE" sz="1600" i="1">
                                       <a:latin typeface="Cambria Math" panose="02040503050406030204" pitchFamily="18" charset="0"/>
                                     </a:rPr>
                                   </m:ctrlPr>
                                 </m:accPr>
                                 <m:e>
                                   <m:r>
-                                    <a:rPr lang="ar-AE" sz="1800" i="1">
+                                    <a:rPr lang="ar-AE" sz="1600" i="1">
                                       <a:latin typeface="Cambria Math" panose="02040503050406030204" pitchFamily="18" charset="0"/>
                                       <a:ea typeface="Cambria Math" panose="02040503050406030204" pitchFamily="18" charset="0"/>
                                     </a:rPr>
@@ -16283,7 +16366,7 @@
                               <m:sSub>
                                 <m:sSubPr>
                                   <m:ctrlPr>
-                                    <a:rPr lang="ar-AE" sz="1800" i="1">
+                                    <a:rPr lang="ar-AE" sz="1600" i="1">
                                       <a:latin typeface="Cambria Math" panose="02040503050406030204" pitchFamily="18" charset="0"/>
                                       <a:ea typeface="Cambria Math" panose="02040503050406030204" pitchFamily="18" charset="0"/>
                                     </a:rPr>
@@ -16291,7 +16374,7 @@
                                 </m:sSubPr>
                                 <m:e>
                                   <m:r>
-                                    <a:rPr lang="en-US" sz="1800" i="1">
+                                    <a:rPr lang="en-US" sz="1600" i="1">
                                       <a:latin typeface="Cambria Math" panose="02040503050406030204" pitchFamily="18" charset="0"/>
                                       <a:ea typeface="Cambria Math" panose="02040503050406030204" pitchFamily="18" charset="0"/>
                                     </a:rPr>
@@ -16300,7 +16383,7 @@
                                 </m:e>
                                 <m:sub>
                                   <m:r>
-                                    <a:rPr lang="en-US" sz="1800" i="1">
+                                    <a:rPr lang="en-US" sz="1600" i="1">
                                       <a:latin typeface="Cambria Math" panose="02040503050406030204" pitchFamily="18" charset="0"/>
                                       <a:ea typeface="Cambria Math" panose="02040503050406030204" pitchFamily="18" charset="0"/>
                                     </a:rPr>
@@ -16315,7 +16398,7 @@
                     </m:oMath>
                   </m:oMathPara>
                 </a14:m>
-                <a:endParaRPr lang="ar-AE" sz="1800" dirty="0"/>
+                <a:endParaRPr lang="ar-AE" sz="1600" dirty="0"/>
               </a:p>
               <a:p>
                 <a:pPr marL="285750" lvl="0" indent="-285750">
@@ -16527,7 +16610,7 @@
               <a:blipFill>
                 <a:blip r:embed="rId2"/>
                 <a:stretch>
-                  <a:fillRect l="-1533" t="-1040" b="-173"/>
+                  <a:fillRect l="-1533" t="-1040"/>
                 </a:stretch>
               </a:blipFill>
             </p:spPr>
@@ -16576,6 +16659,121 @@
           </a:prstGeom>
         </p:spPr>
       </p:pic>
+      <mc:AlternateContent xmlns:mc="http://schemas.openxmlformats.org/markup-compatibility/2006">
+        <mc:Choice xmlns:a14="http://schemas.microsoft.com/office/drawing/2010/main" Requires="a14">
+          <p:sp>
+            <p:nvSpPr>
+              <p:cNvPr id="5" name="TextBox 4">
+                <a:extLst>
+                  <a:ext uri="{FF2B5EF4-FFF2-40B4-BE49-F238E27FC236}">
+                    <a16:creationId xmlns:a16="http://schemas.microsoft.com/office/drawing/2014/main" id="{66D81C72-1BBF-15D5-F903-E12234066EEA}"/>
+                  </a:ext>
+                </a:extLst>
+              </p:cNvPr>
+              <p:cNvSpPr txBox="1"/>
+              <p:nvPr/>
+            </p:nvSpPr>
+            <p:spPr>
+              <a:xfrm rot="16200000">
+                <a:off x="3437513" y="2828780"/>
+                <a:ext cx="578979" cy="307777"/>
+              </a:xfrm>
+              <a:prstGeom prst="rect">
+                <a:avLst/>
+              </a:prstGeom>
+              <a:solidFill>
+                <a:schemeClr val="bg1"/>
+              </a:solidFill>
+            </p:spPr>
+            <p:txBody>
+              <a:bodyPr wrap="square" rtlCol="0">
+                <a:spAutoFit/>
+              </a:bodyPr>
+              <a:lstStyle/>
+              <a:p>
+                <a14:m>
+                  <m:oMathPara xmlns:m="http://schemas.openxmlformats.org/officeDocument/2006/math">
+                    <m:oMathParaPr>
+                      <m:jc m:val="centerGroup"/>
+                    </m:oMathParaPr>
+                    <m:oMath xmlns:m="http://schemas.openxmlformats.org/officeDocument/2006/math">
+                      <m:r>
+                        <a:rPr lang="en-US" sz="1400" b="0" i="1" smtClean="0">
+                          <a:latin typeface="Cambria Math" panose="02040503050406030204" pitchFamily="18" charset="0"/>
+                        </a:rPr>
+                        <m:t>𝑝</m:t>
+                      </m:r>
+                      <m:r>
+                        <a:rPr lang="en-US" sz="1400" b="0" i="1" smtClean="0">
+                          <a:latin typeface="Cambria Math" panose="02040503050406030204" pitchFamily="18" charset="0"/>
+                        </a:rPr>
+                        <m:t>(</m:t>
+                      </m:r>
+                      <m:r>
+                        <a:rPr lang="en-US" sz="1400" b="0" i="1" smtClean="0">
+                          <a:latin typeface="Cambria Math" panose="02040503050406030204" pitchFamily="18" charset="0"/>
+                        </a:rPr>
+                        <m:t>𝑦</m:t>
+                      </m:r>
+                      <m:r>
+                        <a:rPr lang="en-US" sz="1400" b="0" i="1" smtClean="0">
+                          <a:latin typeface="Cambria Math" panose="02040503050406030204" pitchFamily="18" charset="0"/>
+                        </a:rPr>
+                        <m:t>)</m:t>
+                      </m:r>
+                    </m:oMath>
+                  </m:oMathPara>
+                </a14:m>
+                <a:endParaRPr lang="en-US" sz="1400" dirty="0"/>
+              </a:p>
+            </p:txBody>
+          </p:sp>
+        </mc:Choice>
+        <mc:Fallback>
+          <p:sp>
+            <p:nvSpPr>
+              <p:cNvPr id="5" name="TextBox 4">
+                <a:extLst>
+                  <a:ext uri="{FF2B5EF4-FFF2-40B4-BE49-F238E27FC236}">
+                    <a16:creationId xmlns:a16="http://schemas.microsoft.com/office/drawing/2014/main" id="{66D81C72-1BBF-15D5-F903-E12234066EEA}"/>
+                  </a:ext>
+                </a:extLst>
+              </p:cNvPr>
+              <p:cNvSpPr txBox="1">
+                <a:spLocks noRot="1" noChangeAspect="1" noMove="1" noResize="1" noEditPoints="1" noAdjustHandles="1" noChangeArrowheads="1" noChangeShapeType="1" noTextEdit="1"/>
+              </p:cNvSpPr>
+              <p:nvPr/>
+            </p:nvSpPr>
+            <p:spPr>
+              <a:xfrm rot="16200000">
+                <a:off x="3437513" y="2828780"/>
+                <a:ext cx="578979" cy="307777"/>
+              </a:xfrm>
+              <a:prstGeom prst="rect">
+                <a:avLst/>
+              </a:prstGeom>
+              <a:blipFill>
+                <a:blip r:embed="rId4"/>
+                <a:stretch>
+                  <a:fillRect r="-5882"/>
+                </a:stretch>
+              </a:blipFill>
+            </p:spPr>
+            <p:txBody>
+              <a:bodyPr/>
+              <a:lstStyle/>
+              <a:p>
+                <a:r>
+                  <a:rPr lang="en-US">
+                    <a:noFill/>
+                  </a:rPr>
+                  <a:t> </a:t>
+                </a:r>
+              </a:p>
+            </p:txBody>
+          </p:sp>
+        </mc:Fallback>
+      </mc:AlternateContent>
     </p:spTree>
   </p:cSld>
   <p:clrMapOvr>
@@ -16633,8 +16831,8 @@
           </a:p>
         </p:txBody>
       </p:sp>
-      <mc:AlternateContent xmlns:mc="http://schemas.openxmlformats.org/markup-compatibility/2006">
-        <mc:Choice xmlns:a14="http://schemas.microsoft.com/office/drawing/2010/main" Requires="a14">
+      <mc:AlternateContent xmlns:mc="http://schemas.openxmlformats.org/markup-compatibility/2006" xmlns:a14="http://schemas.microsoft.com/office/drawing/2010/main">
+        <mc:Choice Requires="a14">
           <p:sp>
             <p:nvSpPr>
               <p:cNvPr id="4" name="Text Placeholder 3"/>
@@ -17367,7 +17565,7 @@
             </p:txBody>
           </p:sp>
         </mc:Choice>
-        <mc:Fallback>
+        <mc:Fallback xmlns="">
           <p:sp>
             <p:nvSpPr>
               <p:cNvPr id="4" name="Text Placeholder 3"/>
@@ -17435,6 +17633,121 @@
           </a:prstGeom>
         </p:spPr>
       </p:pic>
+      <mc:AlternateContent xmlns:mc="http://schemas.openxmlformats.org/markup-compatibility/2006">
+        <mc:Choice xmlns:a14="http://schemas.microsoft.com/office/drawing/2010/main" Requires="a14">
+          <p:sp>
+            <p:nvSpPr>
+              <p:cNvPr id="3" name="TextBox 2">
+                <a:extLst>
+                  <a:ext uri="{FF2B5EF4-FFF2-40B4-BE49-F238E27FC236}">
+                    <a16:creationId xmlns:a16="http://schemas.microsoft.com/office/drawing/2014/main" id="{74C2839B-941F-0DD9-FEE9-9855B4B5A03A}"/>
+                  </a:ext>
+                </a:extLst>
+              </p:cNvPr>
+              <p:cNvSpPr txBox="1"/>
+              <p:nvPr/>
+            </p:nvSpPr>
+            <p:spPr>
+              <a:xfrm rot="16200000">
+                <a:off x="3437513" y="2828780"/>
+                <a:ext cx="578979" cy="307777"/>
+              </a:xfrm>
+              <a:prstGeom prst="rect">
+                <a:avLst/>
+              </a:prstGeom>
+              <a:solidFill>
+                <a:schemeClr val="bg1"/>
+              </a:solidFill>
+            </p:spPr>
+            <p:txBody>
+              <a:bodyPr wrap="square" rtlCol="0">
+                <a:spAutoFit/>
+              </a:bodyPr>
+              <a:lstStyle/>
+              <a:p>
+                <a14:m>
+                  <m:oMathPara xmlns:m="http://schemas.openxmlformats.org/officeDocument/2006/math">
+                    <m:oMathParaPr>
+                      <m:jc m:val="centerGroup"/>
+                    </m:oMathParaPr>
+                    <m:oMath xmlns:m="http://schemas.openxmlformats.org/officeDocument/2006/math">
+                      <m:r>
+                        <a:rPr lang="en-US" sz="1400" b="0" i="1" smtClean="0">
+                          <a:latin typeface="Cambria Math" panose="02040503050406030204" pitchFamily="18" charset="0"/>
+                        </a:rPr>
+                        <m:t>𝑝</m:t>
+                      </m:r>
+                      <m:r>
+                        <a:rPr lang="en-US" sz="1400" b="0" i="1" smtClean="0">
+                          <a:latin typeface="Cambria Math" panose="02040503050406030204" pitchFamily="18" charset="0"/>
+                        </a:rPr>
+                        <m:t>(</m:t>
+                      </m:r>
+                      <m:r>
+                        <a:rPr lang="en-US" sz="1400" b="0" i="1" smtClean="0">
+                          <a:latin typeface="Cambria Math" panose="02040503050406030204" pitchFamily="18" charset="0"/>
+                        </a:rPr>
+                        <m:t>𝑦</m:t>
+                      </m:r>
+                      <m:r>
+                        <a:rPr lang="en-US" sz="1400" b="0" i="1" smtClean="0">
+                          <a:latin typeface="Cambria Math" panose="02040503050406030204" pitchFamily="18" charset="0"/>
+                        </a:rPr>
+                        <m:t>)</m:t>
+                      </m:r>
+                    </m:oMath>
+                  </m:oMathPara>
+                </a14:m>
+                <a:endParaRPr lang="en-US" sz="1400" dirty="0"/>
+              </a:p>
+            </p:txBody>
+          </p:sp>
+        </mc:Choice>
+        <mc:Fallback>
+          <p:sp>
+            <p:nvSpPr>
+              <p:cNvPr id="3" name="TextBox 2">
+                <a:extLst>
+                  <a:ext uri="{FF2B5EF4-FFF2-40B4-BE49-F238E27FC236}">
+                    <a16:creationId xmlns:a16="http://schemas.microsoft.com/office/drawing/2014/main" id="{74C2839B-941F-0DD9-FEE9-9855B4B5A03A}"/>
+                  </a:ext>
+                </a:extLst>
+              </p:cNvPr>
+              <p:cNvSpPr txBox="1">
+                <a:spLocks noRot="1" noChangeAspect="1" noMove="1" noResize="1" noEditPoints="1" noAdjustHandles="1" noChangeArrowheads="1" noChangeShapeType="1" noTextEdit="1"/>
+              </p:cNvSpPr>
+              <p:nvPr/>
+            </p:nvSpPr>
+            <p:spPr>
+              <a:xfrm rot="16200000">
+                <a:off x="3437513" y="2828780"/>
+                <a:ext cx="578979" cy="307777"/>
+              </a:xfrm>
+              <a:prstGeom prst="rect">
+                <a:avLst/>
+              </a:prstGeom>
+              <a:blipFill>
+                <a:blip r:embed="rId2"/>
+                <a:stretch>
+                  <a:fillRect r="-5882"/>
+                </a:stretch>
+              </a:blipFill>
+            </p:spPr>
+            <p:txBody>
+              <a:bodyPr/>
+              <a:lstStyle/>
+              <a:p>
+                <a:r>
+                  <a:rPr lang="en-US">
+                    <a:noFill/>
+                  </a:rPr>
+                  <a:t> </a:t>
+                </a:r>
+              </a:p>
+            </p:txBody>
+          </p:sp>
+        </mc:Fallback>
+      </mc:AlternateContent>
     </p:spTree>
     <p:extLst>
       <p:ext uri="{BB962C8B-B14F-4D97-AF65-F5344CB8AC3E}">
@@ -17489,8 +17802,8 @@
           </a:p>
         </p:txBody>
       </p:sp>
-      <mc:AlternateContent xmlns:mc="http://schemas.openxmlformats.org/markup-compatibility/2006">
-        <mc:Choice xmlns:a14="http://schemas.microsoft.com/office/drawing/2010/main" Requires="a14">
+      <mc:AlternateContent xmlns:mc="http://schemas.openxmlformats.org/markup-compatibility/2006" xmlns:a14="http://schemas.microsoft.com/office/drawing/2010/main">
+        <mc:Choice Requires="a14">
           <p:sp>
             <p:nvSpPr>
               <p:cNvPr id="3" name="Content Placeholder 2"/>
@@ -17670,7 +17983,7 @@
             </p:txBody>
           </p:sp>
         </mc:Choice>
-        <mc:Fallback>
+        <mc:Fallback xmlns="">
           <p:sp>
             <p:nvSpPr>
               <p:cNvPr id="3" name="Content Placeholder 2"/>
@@ -18161,8 +18474,8 @@
           </a:p>
         </p:txBody>
       </p:sp>
-      <mc:AlternateContent xmlns:mc="http://schemas.openxmlformats.org/markup-compatibility/2006" xmlns:a14="http://schemas.microsoft.com/office/drawing/2010/main">
-        <mc:Choice Requires="a14">
+      <mc:AlternateContent xmlns:mc="http://schemas.openxmlformats.org/markup-compatibility/2006">
+        <mc:Choice xmlns:a14="http://schemas.microsoft.com/office/drawing/2010/main" Requires="a14">
           <p:sp>
             <p:nvSpPr>
               <p:cNvPr id="3" name="Content Placeholder 2"/>
@@ -18295,9 +18608,10 @@
                   </m:oMath>
                 </a14:m>
                 <a:r>
-                  <a:rPr dirty="0"/>
+                  <a:rPr lang="en-US" dirty="0"/>
                   <a:t> lower recall, more false negative</a:t>
                 </a:r>
+                <a:endParaRPr dirty="0"/>
               </a:p>
               <a:p>
                 <a:pPr lvl="1"/>
@@ -18317,13 +18631,18 @@
                 </a14:m>
                 <a:r>
                   <a:rPr dirty="0"/>
-                  <a:t> lower precision, more false positives</a:t>
-                </a:r>
+                  <a:t> </a:t>
+                </a:r>
+                <a:r>
+                  <a:rPr lang="en-US" dirty="0"/>
+                  <a:t>lower precision, more false positives</a:t>
+                </a:r>
+                <a:endParaRPr dirty="0"/>
               </a:p>
             </p:txBody>
           </p:sp>
         </mc:Choice>
-        <mc:Fallback xmlns="">
+        <mc:Fallback>
           <p:sp>
             <p:nvSpPr>
               <p:cNvPr id="3" name="Content Placeholder 2"/>
@@ -18642,8 +18961,8 @@
           </a:p>
         </p:txBody>
       </p:sp>
-      <mc:AlternateContent xmlns:mc="http://schemas.openxmlformats.org/markup-compatibility/2006" xmlns:a14="http://schemas.microsoft.com/office/drawing/2010/main">
-        <mc:Choice Requires="a14">
+      <mc:AlternateContent xmlns:mc="http://schemas.openxmlformats.org/markup-compatibility/2006">
+        <mc:Choice xmlns:a14="http://schemas.microsoft.com/office/drawing/2010/main" Requires="a14">
           <p:sp>
             <p:nvSpPr>
               <p:cNvPr id="6" name="Content Placeholder 2">
@@ -18761,7 +19080,7 @@
                           <a:latin typeface="Cambria Math" panose="02040503050406030204" pitchFamily="18" charset="0"/>
                           <a:ea typeface="Cambria Math" panose="02040503050406030204" pitchFamily="18" charset="0"/>
                         </a:rPr>
-                        <m:t>≺</m:t>
+                        <m:t>≻</m:t>
                       </m:r>
                       <m:r>
                         <a:rPr lang="en-US" b="0" i="1" smtClean="0">
@@ -18771,11 +19090,11 @@
                         <m:t>𝑚𝑒𝑑𝑖𝑢𝑚</m:t>
                       </m:r>
                       <m:r>
-                        <a:rPr lang="en-US" b="0" i="1" smtClean="0">
+                        <a:rPr lang="en-US" i="1">
                           <a:latin typeface="Cambria Math" panose="02040503050406030204" pitchFamily="18" charset="0"/>
                           <a:ea typeface="Cambria Math" panose="02040503050406030204" pitchFamily="18" charset="0"/>
                         </a:rPr>
-                        <m:t>≺</m:t>
+                        <m:t>≻</m:t>
                       </m:r>
                       <m:r>
                         <a:rPr lang="en-US" b="0" i="1" smtClean="0">
@@ -18812,11 +19131,11 @@
                         <m:t>𝑝𝑟𝑜𝑚𝑜𝑡𝑖𝑜𝑛</m:t>
                       </m:r>
                       <m:r>
-                        <a:rPr lang="en-US" b="0" i="1" smtClean="0">
+                        <a:rPr lang="en-US" i="1">
                           <a:latin typeface="Cambria Math" panose="02040503050406030204" pitchFamily="18" charset="0"/>
                           <a:ea typeface="Cambria Math" panose="02040503050406030204" pitchFamily="18" charset="0"/>
                         </a:rPr>
-                        <m:t>≺</m:t>
+                        <m:t>≻</m:t>
                       </m:r>
                       <m:r>
                         <a:rPr lang="en-US" b="0" i="1" smtClean="0">
@@ -18889,7 +19208,7 @@
             </p:txBody>
           </p:sp>
         </mc:Choice>
-        <mc:Fallback xmlns="">
+        <mc:Fallback>
           <p:sp>
             <p:nvSpPr>
               <p:cNvPr id="6" name="Content Placeholder 2">
@@ -20739,7 +21058,7 @@
                                 <a:rPr lang="ar-AE">
                                   <a:latin typeface="Cambria Math" panose="02040503050406030204" pitchFamily="18" charset="0"/>
                                 </a:rPr>
-                                <m:t>𝑙</m:t>
+                                <m:t>𝑓</m:t>
                               </m:r>
                               <m:d>
                                 <m:dPr>
@@ -20754,56 +21073,39 @@
                                     <a:rPr lang="ar-AE">
                                       <a:latin typeface="Cambria Math" panose="02040503050406030204" pitchFamily="18" charset="0"/>
                                     </a:rPr>
-                                    <m:t>𝑓</m:t>
+                                    <m:t>𝐗</m:t>
                                   </m:r>
-                                  <m:d>
-                                    <m:dPr>
+                                  <m:r>
+                                    <a:rPr lang="ar-AE">
+                                      <a:latin typeface="Cambria Math" panose="02040503050406030204" pitchFamily="18" charset="0"/>
+                                    </a:rPr>
+                                    <m:t>,</m:t>
+                                  </m:r>
+                                  <m:sSub>
+                                    <m:sSubPr>
                                       <m:ctrlPr>
                                         <a:rPr lang="ar-AE" i="1">
                                           <a:latin typeface="Cambria Math" panose="02040503050406030204" pitchFamily="18" charset="0"/>
                                         </a:rPr>
                                       </m:ctrlPr>
-                                    </m:dPr>
+                                    </m:sSubPr>
                                     <m:e>
                                       <m:r>
                                         <a:rPr lang="ar-AE">
                                           <a:latin typeface="Cambria Math" panose="02040503050406030204" pitchFamily="18" charset="0"/>
                                         </a:rPr>
-                                        <m:t>𝐗</m:t>
+                                        <m:t>𝜙</m:t>
                                       </m:r>
+                                    </m:e>
+                                    <m:sub>
                                       <m:r>
-                                        <a:rPr lang="ar-AE">
+                                        <a:rPr lang="en-US" i="1">
                                           <a:latin typeface="Cambria Math" panose="02040503050406030204" pitchFamily="18" charset="0"/>
                                         </a:rPr>
-                                        <m:t>,</m:t>
+                                        <m:t> </m:t>
                                       </m:r>
-                                      <m:sSub>
-                                        <m:sSubPr>
-                                          <m:ctrlPr>
-                                            <a:rPr lang="ar-AE" i="1">
-                                              <a:latin typeface="Cambria Math" panose="02040503050406030204" pitchFamily="18" charset="0"/>
-                                            </a:rPr>
-                                          </m:ctrlPr>
-                                        </m:sSubPr>
-                                        <m:e>
-                                          <m:r>
-                                            <a:rPr lang="ar-AE">
-                                              <a:latin typeface="Cambria Math" panose="02040503050406030204" pitchFamily="18" charset="0"/>
-                                            </a:rPr>
-                                            <m:t>𝜙</m:t>
-                                          </m:r>
-                                        </m:e>
-                                        <m:sub>
-                                          <m:r>
-                                            <a:rPr lang="en-US" i="1">
-                                              <a:latin typeface="Cambria Math" panose="02040503050406030204" pitchFamily="18" charset="0"/>
-                                            </a:rPr>
-                                            <m:t> </m:t>
-                                          </m:r>
-                                        </m:sub>
-                                      </m:sSub>
-                                    </m:e>
-                                  </m:d>
+                                    </m:sub>
+                                  </m:sSub>
                                 </m:e>
                               </m:d>
                             </m:num>
@@ -20812,7 +21114,7 @@
                                 <a:rPr lang="ar-AE">
                                   <a:latin typeface="Cambria Math" panose="02040503050406030204" pitchFamily="18" charset="0"/>
                                 </a:rPr>
-                                <m:t>𝑙</m:t>
+                                <m:t>𝑓</m:t>
                               </m:r>
                               <m:d>
                                 <m:dPr>
@@ -20827,62 +21129,45 @@
                                     <a:rPr lang="ar-AE">
                                       <a:latin typeface="Cambria Math" panose="02040503050406030204" pitchFamily="18" charset="0"/>
                                     </a:rPr>
-                                    <m:t>𝑓</m:t>
+                                    <m:t>𝐗</m:t>
                                   </m:r>
-                                  <m:d>
-                                    <m:dPr>
+                                  <m:r>
+                                    <a:rPr lang="ar-AE">
+                                      <a:latin typeface="Cambria Math" panose="02040503050406030204" pitchFamily="18" charset="0"/>
+                                    </a:rPr>
+                                    <m:t>,</m:t>
+                                  </m:r>
+                                  <m:r>
+                                    <a:rPr lang="ar-AE" i="1">
+                                      <a:latin typeface="Cambria Math" panose="02040503050406030204" pitchFamily="18" charset="0"/>
+                                    </a:rPr>
+                                    <m:t> </m:t>
+                                  </m:r>
+                                  <m:sSub>
+                                    <m:sSubPr>
                                       <m:ctrlPr>
                                         <a:rPr lang="ar-AE" i="1">
                                           <a:latin typeface="Cambria Math" panose="02040503050406030204" pitchFamily="18" charset="0"/>
                                         </a:rPr>
                                       </m:ctrlPr>
-                                    </m:dPr>
+                                    </m:sSubPr>
                                     <m:e>
                                       <m:r>
                                         <a:rPr lang="ar-AE">
                                           <a:latin typeface="Cambria Math" panose="02040503050406030204" pitchFamily="18" charset="0"/>
                                         </a:rPr>
-                                        <m:t>𝐗</m:t>
+                                        <m:t>𝜙</m:t>
                                       </m:r>
+                                    </m:e>
+                                    <m:sub>
                                       <m:r>
                                         <a:rPr lang="ar-AE">
                                           <a:latin typeface="Cambria Math" panose="02040503050406030204" pitchFamily="18" charset="0"/>
                                         </a:rPr>
-                                        <m:t>,</m:t>
+                                        <m:t>𝑅</m:t>
                                       </m:r>
-                                      <m:r>
-                                        <a:rPr lang="ar-AE" i="1" smtClean="0">
-                                          <a:latin typeface="Cambria Math" panose="02040503050406030204" pitchFamily="18" charset="0"/>
-                                        </a:rPr>
-                                        <m:t> </m:t>
-                                      </m:r>
-                                      <m:sSub>
-                                        <m:sSubPr>
-                                          <m:ctrlPr>
-                                            <a:rPr lang="ar-AE" i="1">
-                                              <a:latin typeface="Cambria Math" panose="02040503050406030204" pitchFamily="18" charset="0"/>
-                                            </a:rPr>
-                                          </m:ctrlPr>
-                                        </m:sSubPr>
-                                        <m:e>
-                                          <m:r>
-                                            <a:rPr lang="ar-AE">
-                                              <a:latin typeface="Cambria Math" panose="02040503050406030204" pitchFamily="18" charset="0"/>
-                                            </a:rPr>
-                                            <m:t>𝜙</m:t>
-                                          </m:r>
-                                        </m:e>
-                                        <m:sub>
-                                          <m:r>
-                                            <a:rPr lang="ar-AE">
-                                              <a:latin typeface="Cambria Math" panose="02040503050406030204" pitchFamily="18" charset="0"/>
-                                            </a:rPr>
-                                            <m:t>𝑅</m:t>
-                                          </m:r>
-                                        </m:sub>
-                                      </m:sSub>
-                                    </m:e>
-                                  </m:d>
+                                    </m:sub>
+                                  </m:sSub>
                                 </m:e>
                               </m:d>
                             </m:den>
@@ -22618,6 +22903,12 @@
                 </a:r>
                 <a14:m>
                   <m:oMath xmlns:m="http://schemas.openxmlformats.org/officeDocument/2006/math">
+                    <m:r>
+                      <a:rPr lang="en-US" b="0" i="0" smtClean="0">
+                        <a:latin typeface="Cambria Math" panose="02040503050406030204" pitchFamily="18" charset="0"/>
+                      </a:rPr>
+                      <m:t>−</m:t>
+                    </m:r>
                     <m:r>
                       <a:rPr lang="en-US">
                         <a:latin typeface="Cambria Math" panose="02040503050406030204" pitchFamily="18" charset="0"/>
@@ -24740,7 +25031,7 @@
                   <a:buNone/>
                 </a:pPr>
                 <a:r>
-                  <a:rPr dirty="0"/>
+                  <a:rPr lang="en-US" dirty="0"/>
                   <a:t>What are some key properties of deviance?</a:t>
                 </a:r>
               </a:p>
@@ -24754,22 +25045,14 @@
               <a:p>
                 <a:pPr lvl="0"/>
                 <a:r>
-                  <a:rPr dirty="0"/>
-                  <a:t>Recall that log-likelihood is </a:t>
-                </a:r>
-                <a:r>
                   <a:rPr lang="en-US" dirty="0"/>
-                  <a:t>usually </a:t>
-                </a:r>
-                <a:r>
-                  <a:rPr dirty="0"/>
-                  <a:t>a negative number</a:t>
+                  <a:t>Recall that log-likelihood is usually a negative number</a:t>
                 </a:r>
               </a:p>
               <a:p>
                 <a:pPr lvl="1"/>
                 <a:r>
-                  <a:rPr dirty="0"/>
+                  <a:rPr lang="en-US" dirty="0"/>
                   <a:t>Higher log-likelihood has smaller negative magnitude</a:t>
                 </a:r>
               </a:p>
@@ -24777,22 +25060,18 @@
                 <a:pPr lvl="0"/>
                 <a:r>
                   <a:rPr lang="en-US" dirty="0"/>
-                  <a:t>Sign of ratio chosen to ensure d</a:t>
-                </a:r>
-                <a:r>
-                  <a:rPr dirty="0"/>
-                  <a:t>eviance </a:t>
+                  <a:t>Sign of ratio chosen to ensure deviance </a:t>
                 </a:r>
                 <a14:m>
                   <m:oMath xmlns:m="http://schemas.openxmlformats.org/officeDocument/2006/math">
                     <m:r>
-                      <a:rPr>
+                      <a:rPr lang="en-US">
                         <a:latin typeface="Cambria Math" panose="02040503050406030204" pitchFamily="18" charset="0"/>
                       </a:rPr>
                       <m:t>≥</m:t>
                     </m:r>
                     <m:r>
-                      <a:rPr>
+                      <a:rPr lang="en-US">
                         <a:latin typeface="Cambria Math" panose="02040503050406030204" pitchFamily="18" charset="0"/>
                       </a:rPr>
                       <m:t>0</m:t>
@@ -24800,14 +25079,14 @@
                   </m:oMath>
                 </a14:m>
                 <a:r>
-                  <a:rPr dirty="0"/>
+                  <a:rPr lang="en-US" dirty="0"/>
                   <a:t> always</a:t>
                 </a:r>
               </a:p>
               <a:p>
                 <a:pPr lvl="1"/>
                 <a:r>
-                  <a:rPr dirty="0"/>
+                  <a:rPr lang="en-US" dirty="0"/>
                   <a:t>If model is no better than the reference model, </a:t>
                 </a:r>
                 <a14:m>
@@ -24815,14 +25094,14 @@
                     <m:sSub>
                       <m:sSubPr>
                         <m:ctrlPr>
-                          <a:rPr i="1">
+                          <a:rPr lang="ar-AE" i="1">
                             <a:latin typeface="Cambria Math" panose="02040503050406030204" pitchFamily="18" charset="0"/>
                           </a:rPr>
                         </m:ctrlPr>
                       </m:sSubPr>
                       <m:e>
                         <m:r>
-                          <a:rPr>
+                          <a:rPr lang="ar-AE">
                             <a:latin typeface="Cambria Math" panose="02040503050406030204" pitchFamily="18" charset="0"/>
                           </a:rPr>
                           <m:t>𝓁</m:t>
@@ -24830,7 +25109,7 @@
                       </m:e>
                       <m:sub>
                         <m:r>
-                          <a:rPr>
+                          <a:rPr lang="ar-AE">
                             <a:latin typeface="Cambria Math" panose="02040503050406030204" pitchFamily="18" charset="0"/>
                           </a:rPr>
                           <m:t>𝑅</m:t>
@@ -24838,7 +25117,7 @@
                       </m:sub>
                     </m:sSub>
                     <m:r>
-                      <a:rPr>
+                      <a:rPr lang="ar-AE">
                         <a:latin typeface="Cambria Math" panose="02040503050406030204" pitchFamily="18" charset="0"/>
                       </a:rPr>
                       <m:t>=</m:t>
@@ -24846,14 +25125,14 @@
                     <m:sSub>
                       <m:sSubPr>
                         <m:ctrlPr>
-                          <a:rPr i="1">
+                          <a:rPr lang="ar-AE" i="1">
                             <a:latin typeface="Cambria Math" panose="02040503050406030204" pitchFamily="18" charset="0"/>
                           </a:rPr>
                         </m:ctrlPr>
                       </m:sSubPr>
                       <m:e>
                         <m:r>
-                          <a:rPr>
+                          <a:rPr lang="ar-AE">
                             <a:latin typeface="Cambria Math" panose="02040503050406030204" pitchFamily="18" charset="0"/>
                           </a:rPr>
                           <m:t>𝓁</m:t>
@@ -24861,7 +25140,7 @@
                       </m:e>
                       <m:sub>
                         <m:r>
-                          <a:rPr>
+                          <a:rPr lang="ar-AE">
                             <a:latin typeface="Cambria Math" panose="02040503050406030204" pitchFamily="18" charset="0"/>
                           </a:rPr>
                           <m:t>𝜙</m:t>
@@ -24869,49 +25148,68 @@
                       </m:sub>
                     </m:sSub>
                     <m:r>
-                      <a:rPr>
+                      <a:rPr lang="ar-AE">
                         <a:latin typeface="Cambria Math" panose="02040503050406030204" pitchFamily="18" charset="0"/>
                       </a:rPr>
                       <m:t>→</m:t>
                     </m:r>
                     <m:r>
-                      <a:rPr>
+                      <a:rPr lang="ar-AE">
                         <a:latin typeface="Cambria Math" panose="02040503050406030204" pitchFamily="18" charset="0"/>
                       </a:rPr>
                       <m:t>𝐷</m:t>
                     </m:r>
                     <m:r>
-                      <a:rPr>
+                      <a:rPr lang="ar-AE">
                         <a:latin typeface="Cambria Math" panose="02040503050406030204" pitchFamily="18" charset="0"/>
                       </a:rPr>
                       <m:t>=</m:t>
                     </m:r>
                     <m:r>
-                      <a:rPr>
+                      <a:rPr lang="ar-AE">
                         <a:latin typeface="Cambria Math" panose="02040503050406030204" pitchFamily="18" charset="0"/>
                       </a:rPr>
                       <m:t>0</m:t>
                     </m:r>
                   </m:oMath>
                 </a14:m>
-                <a:endParaRPr dirty="0"/>
+                <a:endParaRPr lang="ar-AE" dirty="0"/>
               </a:p>
               <a:p>
                 <a:pPr lvl="1"/>
                 <a:r>
-                  <a:rPr dirty="0"/>
+                  <a:rPr lang="en-US" dirty="0"/>
                   <a:t>For model with greater predictive power, </a:t>
                 </a:r>
                 <a14:m>
                   <m:oMath xmlns:m="http://schemas.openxmlformats.org/officeDocument/2006/math">
+                    <m:sSub>
+                      <m:sSubPr>
+                        <m:ctrlPr>
+                          <a:rPr lang="ar-AE" i="1">
+                            <a:latin typeface="Cambria Math" panose="02040503050406030204" pitchFamily="18" charset="0"/>
+                          </a:rPr>
+                        </m:ctrlPr>
+                      </m:sSubPr>
+                      <m:e>
+                        <m:r>
+                          <a:rPr lang="ar-AE">
+                            <a:latin typeface="Cambria Math" panose="02040503050406030204" pitchFamily="18" charset="0"/>
+                          </a:rPr>
+                          <m:t>𝓁</m:t>
+                        </m:r>
+                      </m:e>
+                      <m:sub>
+                        <m:r>
+                          <a:rPr lang="ar-AE">
+                            <a:latin typeface="Cambria Math" panose="02040503050406030204" pitchFamily="18" charset="0"/>
+                          </a:rPr>
+                          <m:t>𝜙</m:t>
+                        </m:r>
+                      </m:sub>
+                    </m:sSub>
                     <m:r>
-                      <a:rPr>
-                        <a:latin typeface="Cambria Math" panose="02040503050406030204" pitchFamily="18" charset="0"/>
-                      </a:rPr>
-                      <m:t>𝓁</m:t>
-                    </m:r>
-                    <m:r>
-                      <a:rPr>
+                      <a:rPr lang="ar-AE">
                         <a:latin typeface="Cambria Math" panose="02040503050406030204" pitchFamily="18" charset="0"/>
                       </a:rPr>
                       <m:t>&gt;</m:t>
@@ -24919,14 +25217,14 @@
                     <m:sSub>
                       <m:sSubPr>
                         <m:ctrlPr>
-                          <a:rPr i="1">
+                          <a:rPr lang="ar-AE" i="1">
                             <a:latin typeface="Cambria Math" panose="02040503050406030204" pitchFamily="18" charset="0"/>
                           </a:rPr>
                         </m:ctrlPr>
                       </m:sSubPr>
                       <m:e>
                         <m:r>
-                          <a:rPr>
+                          <a:rPr lang="ar-AE">
                             <a:latin typeface="Cambria Math" panose="02040503050406030204" pitchFamily="18" charset="0"/>
                           </a:rPr>
                           <m:t>𝓁</m:t>
@@ -24934,33 +25232,33 @@
                       </m:e>
                       <m:sub>
                         <m:r>
-                          <a:rPr>
+                          <a:rPr lang="ar-AE">
                             <a:latin typeface="Cambria Math" panose="02040503050406030204" pitchFamily="18" charset="0"/>
                           </a:rPr>
-                          <m:t>𝜙</m:t>
+                          <m:t>𝑅</m:t>
                         </m:r>
                       </m:sub>
                     </m:sSub>
                     <m:r>
-                      <a:rPr>
+                      <a:rPr lang="en-US">
                         <a:latin typeface="Cambria Math" panose="02040503050406030204" pitchFamily="18" charset="0"/>
                       </a:rPr>
-                      <m:t>, </m:t>
+                      <m:t>→</m:t>
                     </m:r>
                     <m:r>
-                      <a:rPr>
+                      <a:rPr lang="ar-AE">
                         <a:latin typeface="Cambria Math" panose="02040503050406030204" pitchFamily="18" charset="0"/>
                       </a:rPr>
                       <m:t>𝐷</m:t>
                     </m:r>
                     <m:r>
-                      <a:rPr>
+                      <a:rPr lang="ar-AE">
                         <a:latin typeface="Cambria Math" panose="02040503050406030204" pitchFamily="18" charset="0"/>
                       </a:rPr>
                       <m:t>&gt;</m:t>
                     </m:r>
                     <m:r>
-                      <a:rPr>
+                      <a:rPr lang="ar-AE">
                         <a:latin typeface="Cambria Math" panose="02040503050406030204" pitchFamily="18" charset="0"/>
                       </a:rPr>
                       <m:t>0</m:t>
@@ -27185,8 +27483,8 @@
           </a:prstGeom>
         </p:spPr>
       </p:pic>
-      <mc:AlternateContent xmlns:mc="http://schemas.openxmlformats.org/markup-compatibility/2006">
-        <mc:Choice xmlns:a14="http://schemas.microsoft.com/office/drawing/2010/main" Requires="a14">
+      <mc:AlternateContent xmlns:mc="http://schemas.openxmlformats.org/markup-compatibility/2006" xmlns:a14="http://schemas.microsoft.com/office/drawing/2010/main">
+        <mc:Choice Requires="a14">
           <p:sp>
             <p:nvSpPr>
               <p:cNvPr id="8" name="Content Placeholder 2">
@@ -27334,7 +27632,7 @@
             </p:txBody>
           </p:sp>
         </mc:Choice>
-        <mc:Fallback>
+        <mc:Fallback xmlns="">
           <p:sp>
             <p:nvSpPr>
               <p:cNvPr id="8" name="Content Placeholder 2">
@@ -28951,8 +29249,8 @@
           </p:sp>
         </mc:Fallback>
       </mc:AlternateContent>
-      <mc:AlternateContent xmlns:mc="http://schemas.openxmlformats.org/markup-compatibility/2006">
-        <mc:Choice xmlns:a14="http://schemas.microsoft.com/office/drawing/2010/main" Requires="a14">
+      <mc:AlternateContent xmlns:mc="http://schemas.openxmlformats.org/markup-compatibility/2006" xmlns:a14="http://schemas.microsoft.com/office/drawing/2010/main">
+        <mc:Choice Requires="a14">
           <p:sp>
             <p:nvSpPr>
               <p:cNvPr id="5" name="Content Placeholder 2">
@@ -29144,7 +29442,7 @@
             </p:txBody>
           </p:sp>
         </mc:Choice>
-        <mc:Fallback>
+        <mc:Fallback xmlns="">
           <p:sp>
             <p:nvSpPr>
               <p:cNvPr id="5" name="Content Placeholder 2">
@@ -29534,8 +29832,8 @@
           </a:p>
         </p:txBody>
       </p:sp>
-      <mc:AlternateContent xmlns:mc="http://schemas.openxmlformats.org/markup-compatibility/2006">
-        <mc:Choice xmlns:a14="http://schemas.microsoft.com/office/drawing/2010/main" Requires="a14">
+      <mc:AlternateContent xmlns:mc="http://schemas.openxmlformats.org/markup-compatibility/2006" xmlns:a14="http://schemas.microsoft.com/office/drawing/2010/main">
+        <mc:Choice Requires="a14">
           <p:sp>
             <p:nvSpPr>
               <p:cNvPr id="3" name="Content Placeholder 2"/>
@@ -30226,7 +30524,7 @@
             </p:txBody>
           </p:sp>
         </mc:Choice>
-        <mc:Fallback>
+        <mc:Fallback xmlns="">
           <p:sp>
             <p:nvSpPr>
               <p:cNvPr id="3" name="Content Placeholder 2"/>

--- a/LectureSlides/09_GeneralizingTheLinearModel.pptx
+++ b/LectureSlides/09_GeneralizingTheLinearModel.pptx
@@ -5,7 +5,7 @@
     <p:sldMasterId id="2147483648" r:id="rId1"/>
   </p:sldMasterIdLst>
   <p:notesMasterIdLst>
-    <p:notesMasterId r:id="rId58"/>
+    <p:notesMasterId r:id="rId60"/>
   </p:notesMasterIdLst>
   <p:sldIdLst>
     <p:sldId id="308" r:id="rId2"/>
@@ -19,51 +19,53 @@
     <p:sldId id="263" r:id="rId10"/>
     <p:sldId id="310" r:id="rId11"/>
     <p:sldId id="268" r:id="rId12"/>
-    <p:sldId id="309" r:id="rId13"/>
-    <p:sldId id="269" r:id="rId14"/>
-    <p:sldId id="311" r:id="rId15"/>
-    <p:sldId id="312" r:id="rId16"/>
-    <p:sldId id="313" r:id="rId17"/>
-    <p:sldId id="314" r:id="rId18"/>
-    <p:sldId id="270" r:id="rId19"/>
-    <p:sldId id="330" r:id="rId20"/>
-    <p:sldId id="315" r:id="rId21"/>
-    <p:sldId id="317" r:id="rId22"/>
-    <p:sldId id="271" r:id="rId23"/>
-    <p:sldId id="272" r:id="rId24"/>
-    <p:sldId id="274" r:id="rId25"/>
-    <p:sldId id="275" r:id="rId26"/>
-    <p:sldId id="273" r:id="rId27"/>
-    <p:sldId id="276" r:id="rId28"/>
-    <p:sldId id="277" r:id="rId29"/>
-    <p:sldId id="318" r:id="rId30"/>
-    <p:sldId id="278" r:id="rId31"/>
-    <p:sldId id="279" r:id="rId32"/>
-    <p:sldId id="319" r:id="rId33"/>
-    <p:sldId id="281" r:id="rId34"/>
-    <p:sldId id="282" r:id="rId35"/>
-    <p:sldId id="283" r:id="rId36"/>
-    <p:sldId id="321" r:id="rId37"/>
-    <p:sldId id="323" r:id="rId38"/>
-    <p:sldId id="324" r:id="rId39"/>
-    <p:sldId id="322" r:id="rId40"/>
-    <p:sldId id="288" r:id="rId41"/>
-    <p:sldId id="289" r:id="rId42"/>
-    <p:sldId id="325" r:id="rId43"/>
-    <p:sldId id="290" r:id="rId44"/>
-    <p:sldId id="291" r:id="rId45"/>
-    <p:sldId id="292" r:id="rId46"/>
-    <p:sldId id="293" r:id="rId47"/>
-    <p:sldId id="294" r:id="rId48"/>
-    <p:sldId id="299" r:id="rId49"/>
-    <p:sldId id="326" r:id="rId50"/>
-    <p:sldId id="302" r:id="rId51"/>
-    <p:sldId id="303" r:id="rId52"/>
-    <p:sldId id="304" r:id="rId53"/>
-    <p:sldId id="305" r:id="rId54"/>
-    <p:sldId id="306" r:id="rId55"/>
-    <p:sldId id="327" r:id="rId56"/>
-    <p:sldId id="307" r:id="rId57"/>
+    <p:sldId id="332" r:id="rId13"/>
+    <p:sldId id="309" r:id="rId14"/>
+    <p:sldId id="269" r:id="rId15"/>
+    <p:sldId id="311" r:id="rId16"/>
+    <p:sldId id="312" r:id="rId17"/>
+    <p:sldId id="313" r:id="rId18"/>
+    <p:sldId id="314" r:id="rId19"/>
+    <p:sldId id="270" r:id="rId20"/>
+    <p:sldId id="330" r:id="rId21"/>
+    <p:sldId id="315" r:id="rId22"/>
+    <p:sldId id="317" r:id="rId23"/>
+    <p:sldId id="271" r:id="rId24"/>
+    <p:sldId id="272" r:id="rId25"/>
+    <p:sldId id="274" r:id="rId26"/>
+    <p:sldId id="275" r:id="rId27"/>
+    <p:sldId id="273" r:id="rId28"/>
+    <p:sldId id="276" r:id="rId29"/>
+    <p:sldId id="277" r:id="rId30"/>
+    <p:sldId id="318" r:id="rId31"/>
+    <p:sldId id="278" r:id="rId32"/>
+    <p:sldId id="279" r:id="rId33"/>
+    <p:sldId id="319" r:id="rId34"/>
+    <p:sldId id="281" r:id="rId35"/>
+    <p:sldId id="282" r:id="rId36"/>
+    <p:sldId id="283" r:id="rId37"/>
+    <p:sldId id="321" r:id="rId38"/>
+    <p:sldId id="323" r:id="rId39"/>
+    <p:sldId id="324" r:id="rId40"/>
+    <p:sldId id="322" r:id="rId41"/>
+    <p:sldId id="288" r:id="rId42"/>
+    <p:sldId id="289" r:id="rId43"/>
+    <p:sldId id="325" r:id="rId44"/>
+    <p:sldId id="290" r:id="rId45"/>
+    <p:sldId id="291" r:id="rId46"/>
+    <p:sldId id="292" r:id="rId47"/>
+    <p:sldId id="293" r:id="rId48"/>
+    <p:sldId id="294" r:id="rId49"/>
+    <p:sldId id="299" r:id="rId50"/>
+    <p:sldId id="326" r:id="rId51"/>
+    <p:sldId id="302" r:id="rId52"/>
+    <p:sldId id="331" r:id="rId53"/>
+    <p:sldId id="303" r:id="rId54"/>
+    <p:sldId id="304" r:id="rId55"/>
+    <p:sldId id="305" r:id="rId56"/>
+    <p:sldId id="306" r:id="rId57"/>
+    <p:sldId id="327" r:id="rId58"/>
+    <p:sldId id="307" r:id="rId59"/>
   </p:sldIdLst>
   <p:sldSz cx="9144000" cy="5143500" type="screen16x9"/>
   <p:notesSz cx="6858000" cy="9144000"/>
@@ -263,7 +265,7 @@
           <a:p>
             <a:fld id="{35BCC803-D91A-40A8-8BFC-49FB40BF6589}" type="datetimeFigureOut">
               <a:rPr lang="en-US" smtClean="0"/>
-              <a:t>9/30/2025</a:t>
+              <a:t>10/2/2025</a:t>
             </a:fld>
             <a:endParaRPr lang="en-US"/>
           </a:p>
@@ -619,7 +621,7 @@
           <a:p>
             <a:fld id="{979D3DEE-884F-4AC4-B40C-E4221C7984B1}" type="slidenum">
               <a:rPr lang="en-US" smtClean="0"/>
-              <a:t>55</a:t>
+              <a:t>57</a:t>
             </a:fld>
             <a:endParaRPr lang="en-US"/>
           </a:p>
@@ -703,7 +705,7 @@
           <a:p>
             <a:fld id="{979D3DEE-884F-4AC4-B40C-E4221C7984B1}" type="slidenum">
               <a:rPr lang="en-US" smtClean="0"/>
-              <a:t>56</a:t>
+              <a:t>58</a:t>
             </a:fld>
             <a:endParaRPr lang="en-US"/>
           </a:p>
@@ -901,7 +903,7 @@
           <a:p>
             <a:fld id="{241EB5C9-1307-BA42-ABA2-0BC069CD8E7F}" type="datetimeFigureOut">
               <a:rPr lang="en-US" smtClean="0"/>
-              <a:t>9/30/2025</a:t>
+              <a:t>10/2/2025</a:t>
             </a:fld>
             <a:endParaRPr lang="en-US"/>
           </a:p>
@@ -1069,7 +1071,7 @@
           <a:p>
             <a:fld id="{241EB5C9-1307-BA42-ABA2-0BC069CD8E7F}" type="datetimeFigureOut">
               <a:rPr lang="en-US" smtClean="0"/>
-              <a:t>9/30/2025</a:t>
+              <a:t>10/2/2025</a:t>
             </a:fld>
             <a:endParaRPr lang="en-US"/>
           </a:p>
@@ -1247,7 +1249,7 @@
           <a:p>
             <a:fld id="{241EB5C9-1307-BA42-ABA2-0BC069CD8E7F}" type="datetimeFigureOut">
               <a:rPr lang="en-US" smtClean="0"/>
-              <a:t>9/30/2025</a:t>
+              <a:t>10/2/2025</a:t>
             </a:fld>
             <a:endParaRPr lang="en-US"/>
           </a:p>
@@ -1415,7 +1417,7 @@
           <a:p>
             <a:fld id="{241EB5C9-1307-BA42-ABA2-0BC069CD8E7F}" type="datetimeFigureOut">
               <a:rPr lang="en-US" smtClean="0"/>
-              <a:t>9/30/2025</a:t>
+              <a:t>10/2/2025</a:t>
             </a:fld>
             <a:endParaRPr lang="en-US"/>
           </a:p>
@@ -1660,7 +1662,7 @@
           <a:p>
             <a:fld id="{241EB5C9-1307-BA42-ABA2-0BC069CD8E7F}" type="datetimeFigureOut">
               <a:rPr lang="en-US" smtClean="0"/>
-              <a:t>9/30/2025</a:t>
+              <a:t>10/2/2025</a:t>
             </a:fld>
             <a:endParaRPr lang="en-US"/>
           </a:p>
@@ -1945,7 +1947,7 @@
           <a:p>
             <a:fld id="{241EB5C9-1307-BA42-ABA2-0BC069CD8E7F}" type="datetimeFigureOut">
               <a:rPr lang="en-US" smtClean="0"/>
-              <a:t>9/30/2025</a:t>
+              <a:t>10/2/2025</a:t>
             </a:fld>
             <a:endParaRPr lang="en-US"/>
           </a:p>
@@ -2364,7 +2366,7 @@
           <a:p>
             <a:fld id="{241EB5C9-1307-BA42-ABA2-0BC069CD8E7F}" type="datetimeFigureOut">
               <a:rPr lang="en-US" smtClean="0"/>
-              <a:t>9/30/2025</a:t>
+              <a:t>10/2/2025</a:t>
             </a:fld>
             <a:endParaRPr lang="en-US"/>
           </a:p>
@@ -2481,7 +2483,7 @@
           <a:p>
             <a:fld id="{241EB5C9-1307-BA42-ABA2-0BC069CD8E7F}" type="datetimeFigureOut">
               <a:rPr lang="en-US" smtClean="0"/>
-              <a:t>9/30/2025</a:t>
+              <a:t>10/2/2025</a:t>
             </a:fld>
             <a:endParaRPr lang="en-US"/>
           </a:p>
@@ -2576,7 +2578,7 @@
           <a:p>
             <a:fld id="{241EB5C9-1307-BA42-ABA2-0BC069CD8E7F}" type="datetimeFigureOut">
               <a:rPr lang="en-US" smtClean="0"/>
-              <a:t>9/30/2025</a:t>
+              <a:t>10/2/2025</a:t>
             </a:fld>
             <a:endParaRPr lang="en-US"/>
           </a:p>
@@ -2851,7 +2853,7 @@
           <a:p>
             <a:fld id="{241EB5C9-1307-BA42-ABA2-0BC069CD8E7F}" type="datetimeFigureOut">
               <a:rPr lang="en-US" smtClean="0"/>
-              <a:t>9/30/2025</a:t>
+              <a:t>10/2/2025</a:t>
             </a:fld>
             <a:endParaRPr lang="en-US"/>
           </a:p>
@@ -3103,7 +3105,7 @@
           <a:p>
             <a:fld id="{241EB5C9-1307-BA42-ABA2-0BC069CD8E7F}" type="datetimeFigureOut">
               <a:rPr lang="en-US" smtClean="0"/>
-              <a:t>9/30/2025</a:t>
+              <a:t>10/2/2025</a:t>
             </a:fld>
             <a:endParaRPr lang="en-US"/>
           </a:p>
@@ -3314,7 +3316,7 @@
           <a:p>
             <a:fld id="{241EB5C9-1307-BA42-ABA2-0BC069CD8E7F}" type="datetimeFigureOut">
               <a:rPr lang="en-US" smtClean="0"/>
-              <a:t>9/30/2025</a:t>
+              <a:t>10/2/2025</a:t>
             </a:fld>
             <a:endParaRPr lang="en-US"/>
           </a:p>
@@ -5231,7 +5233,7 @@
             </p:spPr>
             <p:txBody>
               <a:bodyPr>
-                <a:normAutofit fontScale="85000" lnSpcReduction="20000"/>
+                <a:normAutofit lnSpcReduction="10000"/>
               </a:bodyPr>
               <a:lstStyle/>
               <a:p>
@@ -5239,12 +5241,8 @@
                   <a:buNone/>
                 </a:pPr>
                 <a:r>
-                  <a:rPr dirty="0"/>
-                  <a:t>What happened to the coefficient for the first level of </a:t>
-                </a:r>
-                <a:r>
                   <a:rPr lang="en-US" dirty="0"/>
-                  <a:t>`</a:t>
+                  <a:t>What happened to the coefficient for the first level of `</a:t>
                 </a:r>
                 <a:r>
                   <a:rPr lang="en-US" dirty="0" err="1"/>
@@ -5252,77 +5250,22 @@
                 </a:r>
                 <a:r>
                   <a:rPr lang="en-US" dirty="0"/>
-                  <a:t>`</a:t>
-                </a:r>
-                <a:r>
-                  <a:rPr dirty="0"/>
-                  <a:t>?</a:t>
+                  <a:t>`?</a:t>
                 </a:r>
               </a:p>
               <a:p>
                 <a:pPr lvl="0"/>
                 <a:r>
-                  <a:rPr dirty="0"/>
-                  <a:t>The intercept is the </a:t>
+                  <a:rPr lang="en-US" dirty="0"/>
+                  <a:t>Consider the following possible ways we can encode responses to a categorical variable - often called </a:t>
                 </a:r>
                 <a:r>
-                  <a:rPr b="1" dirty="0"/>
-                  <a:t>mean response</a:t>
-                </a:r>
-                <a:r>
-                  <a:rPr dirty="0"/>
-                  <a:t> of the first level</a:t>
-                </a:r>
-              </a:p>
-              <a:p>
-                <a:pPr lvl="0"/>
-                <a:r>
-                  <a:rPr dirty="0"/>
-                  <a:t>The other coefficients are </a:t>
-                </a:r>
-                <a:r>
-                  <a:rPr b="1" dirty="0"/>
-                  <a:t>contrasts</a:t>
-                </a:r>
-                <a:r>
-                  <a:rPr dirty="0"/>
-                  <a:t> with respect to the mean of the first level.</a:t>
-                </a:r>
-              </a:p>
-              <a:p>
-                <a:pPr lvl="0"/>
-                <a:r>
-                  <a:rPr dirty="0"/>
-                  <a:t>Consider the following possible ways we can encode responses to a categorical variable - often called a </a:t>
-                </a:r>
-                <a:r>
-                  <a:rPr b="1" dirty="0"/>
-                  <a:t>treatment</a:t>
-                </a:r>
-              </a:p>
-              <a:p>
-                <a:pPr lvl="1"/>
-                <a14:m>
-                  <m:oMath xmlns:m="http://schemas.openxmlformats.org/officeDocument/2006/math">
-                    <m:r>
-                      <a:rPr>
-                        <a:latin typeface="Cambria Math" panose="02040503050406030204" pitchFamily="18" charset="0"/>
-                      </a:rPr>
-                      <m:t>𝑛</m:t>
-                    </m:r>
-                  </m:oMath>
-                </a14:m>
-                <a:r>
-                  <a:rPr dirty="0"/>
-                  <a:t> treatments</a:t>
+                  <a:rPr lang="en-US" b="1" dirty="0"/>
+                  <a:t>treatments</a:t>
                 </a:r>
                 <a:r>
                   <a:rPr lang="en-US" dirty="0"/>
-                  <a:t> have </a:t>
-                </a:r>
-                <a:r>
-                  <a:rPr dirty="0"/>
-                  <a:t>mean responses </a:t>
+                  <a:t>, </a:t>
                 </a:r>
                 <a14:m>
                   <m:oMath xmlns:m="http://schemas.openxmlformats.org/officeDocument/2006/math">
@@ -5331,7 +5274,7 @@
                         <m:begChr m:val="["/>
                         <m:endChr m:val="]"/>
                         <m:ctrlPr>
-                          <a:rPr i="1">
+                          <a:rPr lang="ar-AE" i="1">
                             <a:latin typeface="Cambria Math" panose="02040503050406030204" pitchFamily="18" charset="0"/>
                           </a:rPr>
                         </m:ctrlPr>
@@ -5340,22 +5283,22 @@
                         <m:sSub>
                           <m:sSubPr>
                             <m:ctrlPr>
-                              <a:rPr i="1">
+                              <a:rPr lang="ar-AE" i="1">
                                 <a:latin typeface="Cambria Math" panose="02040503050406030204" pitchFamily="18" charset="0"/>
                               </a:rPr>
                             </m:ctrlPr>
                           </m:sSubPr>
                           <m:e>
                             <m:r>
-                              <a:rPr>
+                              <a:rPr lang="ar-AE">
                                 <a:latin typeface="Cambria Math" panose="02040503050406030204" pitchFamily="18" charset="0"/>
                               </a:rPr>
-                              <m:t>𝜇</m:t>
+                              <m:t>𝑡</m:t>
                             </m:r>
                           </m:e>
                           <m:sub>
                             <m:r>
-                              <a:rPr>
+                              <a:rPr lang="ar-AE">
                                 <a:latin typeface="Cambria Math" panose="02040503050406030204" pitchFamily="18" charset="0"/>
                               </a:rPr>
                               <m:t>1</m:t>
@@ -5363,7 +5306,7 @@
                           </m:sub>
                         </m:sSub>
                         <m:r>
-                          <a:rPr>
+                          <a:rPr lang="ar-AE">
                             <a:latin typeface="Cambria Math" panose="02040503050406030204" pitchFamily="18" charset="0"/>
                           </a:rPr>
                           <m:t>,</m:t>
@@ -5371,22 +5314,22 @@
                         <m:sSub>
                           <m:sSubPr>
                             <m:ctrlPr>
-                              <a:rPr i="1">
+                              <a:rPr lang="ar-AE" i="1">
                                 <a:latin typeface="Cambria Math" panose="02040503050406030204" pitchFamily="18" charset="0"/>
                               </a:rPr>
                             </m:ctrlPr>
                           </m:sSubPr>
                           <m:e>
                             <m:r>
-                              <a:rPr>
+                              <a:rPr lang="ar-AE">
                                 <a:latin typeface="Cambria Math" panose="02040503050406030204" pitchFamily="18" charset="0"/>
                               </a:rPr>
-                              <m:t>𝜇</m:t>
+                              <m:t>𝑡</m:t>
                             </m:r>
                           </m:e>
                           <m:sub>
                             <m:r>
-                              <a:rPr>
+                              <a:rPr lang="ar-AE">
                                 <a:latin typeface="Cambria Math" panose="02040503050406030204" pitchFamily="18" charset="0"/>
                               </a:rPr>
                               <m:t>2</m:t>
@@ -5394,7 +5337,7 @@
                           </m:sub>
                         </m:sSub>
                         <m:r>
-                          <a:rPr>
+                          <a:rPr lang="ar-AE">
                             <a:latin typeface="Cambria Math" panose="02040503050406030204" pitchFamily="18" charset="0"/>
                           </a:rPr>
                           <m:t>,…,</m:t>
@@ -5402,22 +5345,22 @@
                         <m:sSub>
                           <m:sSubPr>
                             <m:ctrlPr>
-                              <a:rPr i="1">
+                              <a:rPr lang="ar-AE" i="1">
                                 <a:latin typeface="Cambria Math" panose="02040503050406030204" pitchFamily="18" charset="0"/>
                               </a:rPr>
                             </m:ctrlPr>
                           </m:sSubPr>
                           <m:e>
                             <m:r>
-                              <a:rPr>
+                              <a:rPr lang="ar-AE">
                                 <a:latin typeface="Cambria Math" panose="02040503050406030204" pitchFamily="18" charset="0"/>
                               </a:rPr>
-                              <m:t>𝜇</m:t>
+                              <m:t>𝑡</m:t>
                             </m:r>
                           </m:e>
                           <m:sub>
                             <m:r>
-                              <a:rPr>
+                              <a:rPr lang="ar-AE">
                                 <a:latin typeface="Cambria Math" panose="02040503050406030204" pitchFamily="18" charset="0"/>
                               </a:rPr>
                               <m:t>𝑛</m:t>
@@ -5428,22 +5371,326 @@
                     </m:d>
                   </m:oMath>
                 </a14:m>
-                <a:endParaRPr dirty="0"/>
+                <a:endParaRPr lang="en-US" b="1" dirty="0"/>
               </a:p>
               <a:p>
-                <a:pPr lvl="1"/>
+                <a14:m>
+                  <m:oMath xmlns:m="http://schemas.openxmlformats.org/officeDocument/2006/math">
+                    <m:r>
+                      <a:rPr lang="en-US">
+                        <a:latin typeface="Cambria Math" panose="02040503050406030204" pitchFamily="18" charset="0"/>
+                      </a:rPr>
+                      <m:t>𝑛</m:t>
+                    </m:r>
+                  </m:oMath>
+                </a14:m>
                 <a:r>
                   <a:rPr lang="en-US" dirty="0"/>
-                  <a:t>A</a:t>
+                  <a:t> treatments have effect sizes, </a:t>
                 </a:r>
+                <a14:m>
+                  <m:oMath xmlns:m="http://schemas.openxmlformats.org/officeDocument/2006/math">
+                    <m:sSub>
+                      <m:sSubPr>
+                        <m:ctrlPr>
+                          <a:rPr lang="ar-AE" i="1">
+                            <a:latin typeface="Cambria Math" panose="02040503050406030204" pitchFamily="18" charset="0"/>
+                          </a:rPr>
+                        </m:ctrlPr>
+                      </m:sSubPr>
+                      <m:e>
+                        <m:r>
+                          <a:rPr lang="ar-AE" i="1">
+                            <a:latin typeface="Cambria Math" panose="02040503050406030204" pitchFamily="18" charset="0"/>
+                          </a:rPr>
+                          <m:t>𝑒</m:t>
+                        </m:r>
+                      </m:e>
+                      <m:sub>
+                        <m:r>
+                          <m:rPr>
+                            <m:sty m:val="p"/>
+                          </m:rPr>
+                          <a:rPr lang="en-US" b="0" i="0" smtClean="0">
+                            <a:latin typeface="Cambria Math" panose="02040503050406030204" pitchFamily="18" charset="0"/>
+                          </a:rPr>
+                          <m:t>i</m:t>
+                        </m:r>
+                      </m:sub>
+                    </m:sSub>
+                  </m:oMath>
+                </a14:m>
                 <a:r>
-                  <a:rPr dirty="0"/>
-                  <a:t>lternative encoding is a treatment with intercept, </a:t>
+                  <a:rPr lang="en-US" dirty="0"/>
+                  <a:t>, and parameter are the mean response estimates, </a:t>
+                </a:r>
+                <a14:m>
+                  <m:oMath xmlns:m="http://schemas.openxmlformats.org/officeDocument/2006/math">
+                    <m:sSub>
+                      <m:sSubPr>
+                        <m:ctrlPr>
+                          <a:rPr lang="ar-AE" i="1">
+                            <a:latin typeface="Cambria Math" panose="02040503050406030204" pitchFamily="18" charset="0"/>
+                          </a:rPr>
+                        </m:ctrlPr>
+                      </m:sSubPr>
+                      <m:e>
+                        <m:r>
+                          <a:rPr lang="ar-AE">
+                            <a:latin typeface="Cambria Math" panose="02040503050406030204" pitchFamily="18" charset="0"/>
+                          </a:rPr>
+                          <m:t>𝜇</m:t>
+                        </m:r>
+                      </m:e>
+                      <m:sub>
+                        <m:r>
+                          <m:rPr>
+                            <m:sty m:val="p"/>
+                          </m:rPr>
+                          <a:rPr lang="en-US" b="0" i="0" smtClean="0">
+                            <a:latin typeface="Cambria Math" panose="02040503050406030204" pitchFamily="18" charset="0"/>
+                          </a:rPr>
+                          <m:t>i</m:t>
+                        </m:r>
+                      </m:sub>
+                    </m:sSub>
+                  </m:oMath>
+                </a14:m>
+                <a:r>
+                  <a:rPr lang="en-US" dirty="0"/>
+                  <a:t>: </a:t>
+                </a:r>
+              </a:p>
+              <a:p>
+                <a:pPr marL="0" indent="0">
+                  <a:buNone/>
+                </a:pPr>
+                <a14:m>
+                  <m:oMathPara xmlns:m="http://schemas.openxmlformats.org/officeDocument/2006/math">
+                    <m:oMathParaPr>
+                      <m:jc m:val="centerGroup"/>
+                    </m:oMathParaPr>
+                    <m:oMath xmlns:m="http://schemas.openxmlformats.org/officeDocument/2006/math">
+                      <m:d>
+                        <m:dPr>
+                          <m:begChr m:val="["/>
+                          <m:endChr m:val="]"/>
+                          <m:ctrlPr>
+                            <a:rPr lang="ar-AE" i="1">
+                              <a:latin typeface="Cambria Math" panose="02040503050406030204" pitchFamily="18" charset="0"/>
+                            </a:rPr>
+                          </m:ctrlPr>
+                        </m:dPr>
+                        <m:e>
+                          <m:sSub>
+                            <m:sSubPr>
+                              <m:ctrlPr>
+                                <a:rPr lang="ar-AE" i="1">
+                                  <a:latin typeface="Cambria Math" panose="02040503050406030204" pitchFamily="18" charset="0"/>
+                                </a:rPr>
+                              </m:ctrlPr>
+                            </m:sSubPr>
+                            <m:e>
+                              <m:r>
+                                <a:rPr lang="ar-AE" b="0" i="1" smtClean="0">
+                                  <a:latin typeface="Cambria Math" panose="02040503050406030204" pitchFamily="18" charset="0"/>
+                                </a:rPr>
+                                <m:t>𝑒</m:t>
+                              </m:r>
+                            </m:e>
+                            <m:sub>
+                              <m:r>
+                                <a:rPr lang="ar-AE">
+                                  <a:latin typeface="Cambria Math" panose="02040503050406030204" pitchFamily="18" charset="0"/>
+                                </a:rPr>
+                                <m:t>1</m:t>
+                              </m:r>
+                            </m:sub>
+                          </m:sSub>
+                          <m:r>
+                            <a:rPr lang="ar-AE">
+                              <a:latin typeface="Cambria Math" panose="02040503050406030204" pitchFamily="18" charset="0"/>
+                            </a:rPr>
+                            <m:t>,</m:t>
+                          </m:r>
+                          <m:sSub>
+                            <m:sSubPr>
+                              <m:ctrlPr>
+                                <a:rPr lang="ar-AE" i="1">
+                                  <a:latin typeface="Cambria Math" panose="02040503050406030204" pitchFamily="18" charset="0"/>
+                                </a:rPr>
+                              </m:ctrlPr>
+                            </m:sSubPr>
+                            <m:e>
+                              <m:r>
+                                <a:rPr lang="en-US" b="0" i="1" smtClean="0">
+                                  <a:latin typeface="Cambria Math" panose="02040503050406030204" pitchFamily="18" charset="0"/>
+                                </a:rPr>
+                                <m:t>𝑒</m:t>
+                              </m:r>
+                            </m:e>
+                            <m:sub>
+                              <m:r>
+                                <a:rPr lang="ar-AE">
+                                  <a:latin typeface="Cambria Math" panose="02040503050406030204" pitchFamily="18" charset="0"/>
+                                </a:rPr>
+                                <m:t>2</m:t>
+                              </m:r>
+                            </m:sub>
+                          </m:sSub>
+                          <m:r>
+                            <a:rPr lang="ar-AE">
+                              <a:latin typeface="Cambria Math" panose="02040503050406030204" pitchFamily="18" charset="0"/>
+                            </a:rPr>
+                            <m:t>,…,</m:t>
+                          </m:r>
+                          <m:sSub>
+                            <m:sSubPr>
+                              <m:ctrlPr>
+                                <a:rPr lang="ar-AE" i="1">
+                                  <a:latin typeface="Cambria Math" panose="02040503050406030204" pitchFamily="18" charset="0"/>
+                                </a:rPr>
+                              </m:ctrlPr>
+                            </m:sSubPr>
+                            <m:e>
+                              <m:r>
+                                <a:rPr lang="en-US" b="0" i="1" smtClean="0">
+                                  <a:latin typeface="Cambria Math" panose="02040503050406030204" pitchFamily="18" charset="0"/>
+                                </a:rPr>
+                                <m:t>𝑒</m:t>
+                              </m:r>
+                            </m:e>
+                            <m:sub>
+                              <m:r>
+                                <a:rPr lang="ar-AE">
+                                  <a:latin typeface="Cambria Math" panose="02040503050406030204" pitchFamily="18" charset="0"/>
+                                </a:rPr>
+                                <m:t>𝑛</m:t>
+                              </m:r>
+                            </m:sub>
+                          </m:sSub>
+                        </m:e>
+                      </m:d>
+                      <m:r>
+                        <a:rPr lang="en-US" b="0" i="1" smtClean="0">
+                          <a:latin typeface="Cambria Math" panose="02040503050406030204" pitchFamily="18" charset="0"/>
+                        </a:rPr>
+                        <m:t>=</m:t>
+                      </m:r>
+                      <m:d>
+                        <m:dPr>
+                          <m:begChr m:val="["/>
+                          <m:endChr m:val="]"/>
+                          <m:ctrlPr>
+                            <a:rPr lang="ar-AE" i="1">
+                              <a:latin typeface="Cambria Math" panose="02040503050406030204" pitchFamily="18" charset="0"/>
+                            </a:rPr>
+                          </m:ctrlPr>
+                        </m:dPr>
+                        <m:e>
+                          <m:sSub>
+                            <m:sSubPr>
+                              <m:ctrlPr>
+                                <a:rPr lang="ar-AE" i="1">
+                                  <a:latin typeface="Cambria Math" panose="02040503050406030204" pitchFamily="18" charset="0"/>
+                                </a:rPr>
+                              </m:ctrlPr>
+                            </m:sSubPr>
+                            <m:e>
+                              <m:r>
+                                <a:rPr lang="ar-AE">
+                                  <a:latin typeface="Cambria Math" panose="02040503050406030204" pitchFamily="18" charset="0"/>
+                                </a:rPr>
+                                <m:t>𝜇</m:t>
+                              </m:r>
+                            </m:e>
+                            <m:sub>
+                              <m:r>
+                                <a:rPr lang="ar-AE">
+                                  <a:latin typeface="Cambria Math" panose="02040503050406030204" pitchFamily="18" charset="0"/>
+                                </a:rPr>
+                                <m:t>1</m:t>
+                              </m:r>
+                            </m:sub>
+                          </m:sSub>
+                          <m:r>
+                            <a:rPr lang="ar-AE">
+                              <a:latin typeface="Cambria Math" panose="02040503050406030204" pitchFamily="18" charset="0"/>
+                            </a:rPr>
+                            <m:t>,</m:t>
+                          </m:r>
+                          <m:sSub>
+                            <m:sSubPr>
+                              <m:ctrlPr>
+                                <a:rPr lang="ar-AE" i="1">
+                                  <a:latin typeface="Cambria Math" panose="02040503050406030204" pitchFamily="18" charset="0"/>
+                                </a:rPr>
+                              </m:ctrlPr>
+                            </m:sSubPr>
+                            <m:e>
+                              <m:r>
+                                <a:rPr lang="ar-AE">
+                                  <a:latin typeface="Cambria Math" panose="02040503050406030204" pitchFamily="18" charset="0"/>
+                                </a:rPr>
+                                <m:t>𝜇</m:t>
+                              </m:r>
+                            </m:e>
+                            <m:sub>
+                              <m:r>
+                                <a:rPr lang="ar-AE">
+                                  <a:latin typeface="Cambria Math" panose="02040503050406030204" pitchFamily="18" charset="0"/>
+                                </a:rPr>
+                                <m:t>2</m:t>
+                              </m:r>
+                            </m:sub>
+                          </m:sSub>
+                          <m:r>
+                            <a:rPr lang="ar-AE">
+                              <a:latin typeface="Cambria Math" panose="02040503050406030204" pitchFamily="18" charset="0"/>
+                            </a:rPr>
+                            <m:t>,…,</m:t>
+                          </m:r>
+                          <m:sSub>
+                            <m:sSubPr>
+                              <m:ctrlPr>
+                                <a:rPr lang="ar-AE" i="1">
+                                  <a:latin typeface="Cambria Math" panose="02040503050406030204" pitchFamily="18" charset="0"/>
+                                </a:rPr>
+                              </m:ctrlPr>
+                            </m:sSubPr>
+                            <m:e>
+                              <m:r>
+                                <a:rPr lang="ar-AE">
+                                  <a:latin typeface="Cambria Math" panose="02040503050406030204" pitchFamily="18" charset="0"/>
+                                </a:rPr>
+                                <m:t>𝜇</m:t>
+                              </m:r>
+                            </m:e>
+                            <m:sub>
+                              <m:r>
+                                <a:rPr lang="ar-AE">
+                                  <a:latin typeface="Cambria Math" panose="02040503050406030204" pitchFamily="18" charset="0"/>
+                                </a:rPr>
+                                <m:t>𝑛</m:t>
+                              </m:r>
+                            </m:sub>
+                          </m:sSub>
+                        </m:e>
+                      </m:d>
+                    </m:oMath>
+                  </m:oMathPara>
+                </a14:m>
+                <a:endParaRPr lang="ar-AE" dirty="0"/>
+              </a:p>
+              <a:p>
+                <a:r>
+                  <a:rPr lang="en-US" dirty="0"/>
+                  <a:t>Alternative encoding is a treatment with intercept, </a:t>
                 </a:r>
                 <a14:m>
                   <m:oMath xmlns:m="http://schemas.openxmlformats.org/officeDocument/2006/math">
                     <m:r>
-                      <a:rPr>
+                      <a:rPr lang="en-US">
                         <a:latin typeface="Cambria Math" panose="02040503050406030204" pitchFamily="18" charset="0"/>
                       </a:rPr>
                       <m:t>𝐼</m:t>
@@ -5451,35 +5698,41 @@
                   </m:oMath>
                 </a14:m>
                 <a:r>
-                  <a:rPr dirty="0"/>
+                  <a:rPr lang="en-US" dirty="0"/>
                   <a:t>, and </a:t>
                 </a:r>
                 <a14:m>
                   <m:oMath xmlns:m="http://schemas.openxmlformats.org/officeDocument/2006/math">
                     <m:r>
-                      <a:rPr>
+                      <a:rPr lang="en-US">
                         <a:latin typeface="Cambria Math" panose="02040503050406030204" pitchFamily="18" charset="0"/>
                       </a:rPr>
                       <m:t>𝑛</m:t>
                     </m:r>
                     <m:r>
-                      <a:rPr>
+                      <a:rPr lang="en-US">
                         <a:latin typeface="Cambria Math" panose="02040503050406030204" pitchFamily="18" charset="0"/>
                       </a:rPr>
-                      <m:t>−1</m:t>
+                      <m:t>−</m:t>
+                    </m:r>
+                    <m:r>
+                      <a:rPr lang="en-US">
+                        <a:latin typeface="Cambria Math" panose="02040503050406030204" pitchFamily="18" charset="0"/>
+                      </a:rPr>
+                      <m:t>1</m:t>
                     </m:r>
                   </m:oMath>
                 </a14:m>
                 <a:r>
-                  <a:rPr dirty="0"/>
+                  <a:rPr lang="en-US" dirty="0"/>
                   <a:t> </a:t>
                 </a:r>
                 <a:r>
-                  <a:rPr b="1" dirty="0"/>
+                  <a:rPr lang="en-US" b="1" dirty="0"/>
                   <a:t>contrasts</a:t>
                 </a:r>
                 <a:r>
-                  <a:rPr dirty="0"/>
+                  <a:rPr lang="en-US" dirty="0"/>
                   <a:t>, </a:t>
                 </a:r>
                 <a14:m>
@@ -5489,29 +5742,35 @@
                         <m:begChr m:val="["/>
                         <m:endChr m:val="]"/>
                         <m:ctrlPr>
-                          <a:rPr i="1">
+                          <a:rPr lang="ar-AE" i="1">
                             <a:latin typeface="Cambria Math" panose="02040503050406030204" pitchFamily="18" charset="0"/>
                           </a:rPr>
                         </m:ctrlPr>
                       </m:dPr>
                       <m:e>
                         <m:r>
-                          <a:rPr>
+                          <a:rPr lang="en-US" b="0" i="0" smtClean="0">
                             <a:latin typeface="Cambria Math" panose="02040503050406030204" pitchFamily="18" charset="0"/>
                           </a:rPr>
-                          <m:t>1,</m:t>
+                          <m:t>0</m:t>
+                        </m:r>
+                        <m:r>
+                          <a:rPr lang="ar-AE">
+                            <a:latin typeface="Cambria Math" panose="02040503050406030204" pitchFamily="18" charset="0"/>
+                          </a:rPr>
+                          <m:t>,</m:t>
                         </m:r>
                         <m:sSub>
                           <m:sSubPr>
                             <m:ctrlPr>
-                              <a:rPr i="1">
+                              <a:rPr lang="ar-AE" i="1">
                                 <a:latin typeface="Cambria Math" panose="02040503050406030204" pitchFamily="18" charset="0"/>
                               </a:rPr>
                             </m:ctrlPr>
                           </m:sSubPr>
                           <m:e>
                             <m:r>
-                              <a:rPr>
+                              <a:rPr lang="ar-AE">
                                 <a:latin typeface="Cambria Math" panose="02040503050406030204" pitchFamily="18" charset="0"/>
                               </a:rPr>
                               <m:t>𝑐</m:t>
@@ -5519,7 +5778,7 @@
                           </m:e>
                           <m:sub>
                             <m:r>
-                              <a:rPr>
+                              <a:rPr lang="ar-AE">
                                 <a:latin typeface="Cambria Math" panose="02040503050406030204" pitchFamily="18" charset="0"/>
                               </a:rPr>
                               <m:t>2</m:t>
@@ -5527,7 +5786,7 @@
                           </m:sub>
                         </m:sSub>
                         <m:r>
-                          <a:rPr>
+                          <a:rPr lang="ar-AE">
                             <a:latin typeface="Cambria Math" panose="02040503050406030204" pitchFamily="18" charset="0"/>
                           </a:rPr>
                           <m:t>,…,</m:t>
@@ -5535,14 +5794,14 @@
                         <m:sSub>
                           <m:sSubPr>
                             <m:ctrlPr>
-                              <a:rPr i="1">
+                              <a:rPr lang="ar-AE" i="1">
                                 <a:latin typeface="Cambria Math" panose="02040503050406030204" pitchFamily="18" charset="0"/>
                               </a:rPr>
                             </m:ctrlPr>
                           </m:sSubPr>
                           <m:e>
                             <m:r>
-                              <a:rPr>
+                              <a:rPr lang="ar-AE">
                                 <a:latin typeface="Cambria Math" panose="02040503050406030204" pitchFamily="18" charset="0"/>
                               </a:rPr>
                               <m:t>𝑐</m:t>
@@ -5550,7 +5809,7 @@
                           </m:e>
                           <m:sub>
                             <m:r>
-                              <a:rPr>
+                              <a:rPr lang="ar-AE">
                                 <a:latin typeface="Cambria Math" panose="02040503050406030204" pitchFamily="18" charset="0"/>
                               </a:rPr>
                               <m:t>𝑛</m:t>
@@ -5561,331 +5820,55 @@
                     </m:d>
                   </m:oMath>
                 </a14:m>
-                <a:endParaRPr dirty="0"/>
+                <a:endParaRPr lang="ar-AE" dirty="0"/>
               </a:p>
               <a:p>
                 <a:pPr lvl="0"/>
                 <a:r>
-                  <a:rPr dirty="0"/>
-                  <a:t>The means and contrasts are related:</a:t>
+                  <a:rPr lang="en-US" dirty="0"/>
+                  <a:t>The intercept is the </a:t>
                 </a:r>
+                <a:r>
+                  <a:rPr lang="en-US" b="1" dirty="0"/>
+                  <a:t>mean response</a:t>
+                </a:r>
+                <a:r>
+                  <a:rPr lang="en-US" dirty="0"/>
+                  <a:t> of the first level, </a:t>
+                </a:r>
+                <a14:m>
+                  <m:oMath xmlns:m="http://schemas.openxmlformats.org/officeDocument/2006/math">
+                    <m:sSub>
+                      <m:sSubPr>
+                        <m:ctrlPr>
+                          <a:rPr lang="ar-AE" i="1">
+                            <a:latin typeface="Cambria Math" panose="02040503050406030204" pitchFamily="18" charset="0"/>
+                          </a:rPr>
+                        </m:ctrlPr>
+                      </m:sSubPr>
+                      <m:e>
+                        <m:r>
+                          <a:rPr lang="ar-AE">
+                            <a:latin typeface="Cambria Math" panose="02040503050406030204" pitchFamily="18" charset="0"/>
+                          </a:rPr>
+                          <m:t>𝜇</m:t>
+                        </m:r>
+                      </m:e>
+                      <m:sub>
+                        <m:r>
+                          <a:rPr lang="ar-AE">
+                            <a:latin typeface="Cambria Math" panose="02040503050406030204" pitchFamily="18" charset="0"/>
+                          </a:rPr>
+                          <m:t>1</m:t>
+                        </m:r>
+                      </m:sub>
+                    </m:sSub>
+                  </m:oMath>
+                </a14:m>
+                <a:endParaRPr lang="en-US" dirty="0"/>
               </a:p>
               <a:p>
-                <a:pPr marL="0" lvl="0" indent="0">
-                  <a:buNone/>
-                </a:pPr>
-                <a14:m>
-                  <m:oMathPara xmlns:m="http://schemas.openxmlformats.org/officeDocument/2006/math">
-                    <m:oMathParaPr>
-                      <m:jc m:val="center"/>
-                    </m:oMathParaPr>
-                    <m:oMath xmlns:m="http://schemas.openxmlformats.org/officeDocument/2006/math">
-                      <m:d>
-                        <m:dPr>
-                          <m:begChr m:val="["/>
-                          <m:endChr m:val="]"/>
-                          <m:ctrlPr>
-                            <a:rPr i="1">
-                              <a:latin typeface="Cambria Math" panose="02040503050406030204" pitchFamily="18" charset="0"/>
-                            </a:rPr>
-                          </m:ctrlPr>
-                        </m:dPr>
-                        <m:e>
-                          <m:m>
-                            <m:mPr>
-                              <m:mcs>
-                                <m:mc>
-                                  <m:mcPr>
-                                    <m:count m:val="1"/>
-                                    <m:mcJc m:val="center"/>
-                                  </m:mcPr>
-                                </m:mc>
-                              </m:mcs>
-                              <m:ctrlPr>
-                                <a:rPr i="1">
-                                  <a:latin typeface="Cambria Math" panose="02040503050406030204" pitchFamily="18" charset="0"/>
-                                </a:rPr>
-                              </m:ctrlPr>
-                            </m:mPr>
-                            <m:mr>
-                              <m:e>
-                                <m:r>
-                                  <a:rPr>
-                                    <a:latin typeface="Cambria Math" panose="02040503050406030204" pitchFamily="18" charset="0"/>
-                                  </a:rPr>
-                                  <m:t>𝐼</m:t>
-                                </m:r>
-                              </m:e>
-                            </m:mr>
-                            <m:mr>
-                              <m:e>
-                                <m:sSub>
-                                  <m:sSubPr>
-                                    <m:ctrlPr>
-                                      <a:rPr i="1">
-                                        <a:latin typeface="Cambria Math" panose="02040503050406030204" pitchFamily="18" charset="0"/>
-                                      </a:rPr>
-                                    </m:ctrlPr>
-                                  </m:sSubPr>
-                                  <m:e>
-                                    <m:r>
-                                      <a:rPr>
-                                        <a:latin typeface="Cambria Math" panose="02040503050406030204" pitchFamily="18" charset="0"/>
-                                      </a:rPr>
-                                      <m:t>𝑐</m:t>
-                                    </m:r>
-                                  </m:e>
-                                  <m:sub>
-                                    <m:r>
-                                      <a:rPr>
-                                        <a:latin typeface="Cambria Math" panose="02040503050406030204" pitchFamily="18" charset="0"/>
-                                      </a:rPr>
-                                      <m:t>2</m:t>
-                                    </m:r>
-                                  </m:sub>
-                                </m:sSub>
-                              </m:e>
-                            </m:mr>
-                            <m:mr>
-                              <m:e>
-                                <m:r>
-                                  <a:rPr>
-                                    <a:latin typeface="Cambria Math" panose="02040503050406030204" pitchFamily="18" charset="0"/>
-                                  </a:rPr>
-                                  <m:t>⋮</m:t>
-                                </m:r>
-                              </m:e>
-                            </m:mr>
-                            <m:mr>
-                              <m:e>
-                                <m:sSub>
-                                  <m:sSubPr>
-                                    <m:ctrlPr>
-                                      <a:rPr i="1">
-                                        <a:latin typeface="Cambria Math" panose="02040503050406030204" pitchFamily="18" charset="0"/>
-                                      </a:rPr>
-                                    </m:ctrlPr>
-                                  </m:sSubPr>
-                                  <m:e>
-                                    <m:r>
-                                      <a:rPr>
-                                        <a:latin typeface="Cambria Math" panose="02040503050406030204" pitchFamily="18" charset="0"/>
-                                      </a:rPr>
-                                      <m:t>𝑐</m:t>
-                                    </m:r>
-                                  </m:e>
-                                  <m:sub>
-                                    <m:r>
-                                      <a:rPr>
-                                        <a:latin typeface="Cambria Math" panose="02040503050406030204" pitchFamily="18" charset="0"/>
-                                      </a:rPr>
-                                      <m:t>𝑛</m:t>
-                                    </m:r>
-                                  </m:sub>
-                                </m:sSub>
-                              </m:e>
-                            </m:mr>
-                          </m:m>
-                        </m:e>
-                      </m:d>
-                      <m:r>
-                        <a:rPr>
-                          <a:latin typeface="Cambria Math" panose="02040503050406030204" pitchFamily="18" charset="0"/>
-                        </a:rPr>
-                        <m:t>=</m:t>
-                      </m:r>
-                      <m:d>
-                        <m:dPr>
-                          <m:begChr m:val="["/>
-                          <m:endChr m:val="]"/>
-                          <m:ctrlPr>
-                            <a:rPr i="1">
-                              <a:latin typeface="Cambria Math" panose="02040503050406030204" pitchFamily="18" charset="0"/>
-                            </a:rPr>
-                          </m:ctrlPr>
-                        </m:dPr>
-                        <m:e>
-                          <m:m>
-                            <m:mPr>
-                              <m:mcs>
-                                <m:mc>
-                                  <m:mcPr>
-                                    <m:count m:val="1"/>
-                                    <m:mcJc m:val="center"/>
-                                  </m:mcPr>
-                                </m:mc>
-                              </m:mcs>
-                              <m:ctrlPr>
-                                <a:rPr i="1">
-                                  <a:latin typeface="Cambria Math" panose="02040503050406030204" pitchFamily="18" charset="0"/>
-                                </a:rPr>
-                              </m:ctrlPr>
-                            </m:mPr>
-                            <m:mr>
-                              <m:e>
-                                <m:sSub>
-                                  <m:sSubPr>
-                                    <m:ctrlPr>
-                                      <a:rPr i="1">
-                                        <a:latin typeface="Cambria Math" panose="02040503050406030204" pitchFamily="18" charset="0"/>
-                                      </a:rPr>
-                                    </m:ctrlPr>
-                                  </m:sSubPr>
-                                  <m:e>
-                                    <m:r>
-                                      <a:rPr>
-                                        <a:latin typeface="Cambria Math" panose="02040503050406030204" pitchFamily="18" charset="0"/>
-                                      </a:rPr>
-                                      <m:t>𝜇</m:t>
-                                    </m:r>
-                                  </m:e>
-                                  <m:sub>
-                                    <m:r>
-                                      <a:rPr>
-                                        <a:latin typeface="Cambria Math" panose="02040503050406030204" pitchFamily="18" charset="0"/>
-                                      </a:rPr>
-                                      <m:t>1</m:t>
-                                    </m:r>
-                                  </m:sub>
-                                </m:sSub>
-                              </m:e>
-                            </m:mr>
-                            <m:mr>
-                              <m:e>
-                                <m:sSub>
-                                  <m:sSubPr>
-                                    <m:ctrlPr>
-                                      <a:rPr i="1">
-                                        <a:latin typeface="Cambria Math" panose="02040503050406030204" pitchFamily="18" charset="0"/>
-                                      </a:rPr>
-                                    </m:ctrlPr>
-                                  </m:sSubPr>
-                                  <m:e>
-                                    <m:r>
-                                      <a:rPr>
-                                        <a:latin typeface="Cambria Math" panose="02040503050406030204" pitchFamily="18" charset="0"/>
-                                      </a:rPr>
-                                      <m:t>𝜇</m:t>
-                                    </m:r>
-                                  </m:e>
-                                  <m:sub>
-                                    <m:r>
-                                      <a:rPr>
-                                        <a:latin typeface="Cambria Math" panose="02040503050406030204" pitchFamily="18" charset="0"/>
-                                      </a:rPr>
-                                      <m:t>2</m:t>
-                                    </m:r>
-                                  </m:sub>
-                                </m:sSub>
-                                <m:r>
-                                  <a:rPr>
-                                    <a:latin typeface="Cambria Math" panose="02040503050406030204" pitchFamily="18" charset="0"/>
-                                  </a:rPr>
-                                  <m:t>−</m:t>
-                                </m:r>
-                                <m:sSub>
-                                  <m:sSubPr>
-                                    <m:ctrlPr>
-                                      <a:rPr i="1">
-                                        <a:latin typeface="Cambria Math" panose="02040503050406030204" pitchFamily="18" charset="0"/>
-                                      </a:rPr>
-                                    </m:ctrlPr>
-                                  </m:sSubPr>
-                                  <m:e>
-                                    <m:r>
-                                      <a:rPr>
-                                        <a:latin typeface="Cambria Math" panose="02040503050406030204" pitchFamily="18" charset="0"/>
-                                      </a:rPr>
-                                      <m:t>𝜇</m:t>
-                                    </m:r>
-                                  </m:e>
-                                  <m:sub>
-                                    <m:r>
-                                      <a:rPr>
-                                        <a:latin typeface="Cambria Math" panose="02040503050406030204" pitchFamily="18" charset="0"/>
-                                      </a:rPr>
-                                      <m:t>1</m:t>
-                                    </m:r>
-                                  </m:sub>
-                                </m:sSub>
-                              </m:e>
-                            </m:mr>
-                            <m:mr>
-                              <m:e>
-                                <m:r>
-                                  <a:rPr>
-                                    <a:latin typeface="Cambria Math" panose="02040503050406030204" pitchFamily="18" charset="0"/>
-                                  </a:rPr>
-                                  <m:t>⋮</m:t>
-                                </m:r>
-                              </m:e>
-                            </m:mr>
-                            <m:mr>
-                              <m:e>
-                                <m:sSub>
-                                  <m:sSubPr>
-                                    <m:ctrlPr>
-                                      <a:rPr i="1">
-                                        <a:latin typeface="Cambria Math" panose="02040503050406030204" pitchFamily="18" charset="0"/>
-                                      </a:rPr>
-                                    </m:ctrlPr>
-                                  </m:sSubPr>
-                                  <m:e>
-                                    <m:r>
-                                      <a:rPr>
-                                        <a:latin typeface="Cambria Math" panose="02040503050406030204" pitchFamily="18" charset="0"/>
-                                      </a:rPr>
-                                      <m:t>𝜇</m:t>
-                                    </m:r>
-                                  </m:e>
-                                  <m:sub>
-                                    <m:r>
-                                      <a:rPr>
-                                        <a:latin typeface="Cambria Math" panose="02040503050406030204" pitchFamily="18" charset="0"/>
-                                      </a:rPr>
-                                      <m:t>𝑛</m:t>
-                                    </m:r>
-                                  </m:sub>
-                                </m:sSub>
-                                <m:r>
-                                  <a:rPr>
-                                    <a:latin typeface="Cambria Math" panose="02040503050406030204" pitchFamily="18" charset="0"/>
-                                  </a:rPr>
-                                  <m:t>−</m:t>
-                                </m:r>
-                                <m:sSub>
-                                  <m:sSubPr>
-                                    <m:ctrlPr>
-                                      <a:rPr i="1">
-                                        <a:latin typeface="Cambria Math" panose="02040503050406030204" pitchFamily="18" charset="0"/>
-                                      </a:rPr>
-                                    </m:ctrlPr>
-                                  </m:sSubPr>
-                                  <m:e>
-                                    <m:r>
-                                      <a:rPr>
-                                        <a:latin typeface="Cambria Math" panose="02040503050406030204" pitchFamily="18" charset="0"/>
-                                      </a:rPr>
-                                      <m:t>𝜇</m:t>
-                                    </m:r>
-                                  </m:e>
-                                  <m:sub>
-                                    <m:r>
-                                      <a:rPr>
-                                        <a:latin typeface="Cambria Math" panose="02040503050406030204" pitchFamily="18" charset="0"/>
-                                      </a:rPr>
-                                      <m:t>1</m:t>
-                                    </m:r>
-                                  </m:sub>
-                                </m:sSub>
-                              </m:e>
-                            </m:mr>
-                          </m:m>
-                        </m:e>
-                      </m:d>
-                    </m:oMath>
-                  </m:oMathPara>
-                </a14:m>
+                <a:pPr lvl="0"/>
                 <a:endParaRPr dirty="0"/>
               </a:p>
             </p:txBody>
@@ -5910,7 +5893,7 @@
               <a:blipFill>
                 <a:blip r:embed="rId2"/>
                 <a:stretch>
-                  <a:fillRect l="-741" t="-2226"/>
+                  <a:fillRect l="-1111" t="-2077" b="-1780"/>
                 </a:stretch>
               </a:blipFill>
             </p:spPr>
@@ -6034,33 +6017,15 @@
                                   </p:childTnLst>
                                 </p:cTn>
                               </p:par>
-                            </p:childTnLst>
-                          </p:cTn>
-                        </p:par>
-                      </p:childTnLst>
-                    </p:cTn>
-                  </p:par>
-                  <p:par>
-                    <p:cTn id="11" fill="hold">
-                      <p:stCondLst>
-                        <p:cond delay="indefinite"/>
-                      </p:stCondLst>
-                      <p:childTnLst>
-                        <p:par>
-                          <p:cTn id="12" fill="hold">
-                            <p:stCondLst>
-                              <p:cond delay="0"/>
-                            </p:stCondLst>
-                            <p:childTnLst>
                               <p:par>
-                                <p:cTn id="13" presetID="1" presetClass="entr" presetSubtype="0" fill="hold" nodeType="clickEffect">
+                                <p:cTn id="11" presetID="1" presetClass="entr" presetSubtype="0" fill="hold" nodeType="withEffect">
                                   <p:stCondLst>
                                     <p:cond delay="0"/>
                                   </p:stCondLst>
                                   <p:childTnLst>
                                     <p:set>
                                       <p:cBhvr>
-                                        <p:cTn id="14" dur="1" fill="hold">
+                                        <p:cTn id="12" dur="1" fill="hold">
                                           <p:stCondLst>
                                             <p:cond delay="0"/>
                                           </p:stCondLst>
@@ -6083,8 +6048,26 @@
                                   </p:childTnLst>
                                 </p:cTn>
                               </p:par>
+                            </p:childTnLst>
+                          </p:cTn>
+                        </p:par>
+                      </p:childTnLst>
+                    </p:cTn>
+                  </p:par>
+                  <p:par>
+                    <p:cTn id="13" fill="hold">
+                      <p:stCondLst>
+                        <p:cond delay="indefinite"/>
+                      </p:stCondLst>
+                      <p:childTnLst>
+                        <p:par>
+                          <p:cTn id="14" fill="hold">
+                            <p:stCondLst>
+                              <p:cond delay="0"/>
+                            </p:stCondLst>
+                            <p:childTnLst>
                               <p:par>
-                                <p:cTn id="15" presetID="1" presetClass="entr" presetSubtype="0" fill="hold" nodeType="withEffect">
+                                <p:cTn id="15" presetID="1" presetClass="entr" presetSubtype="0" fill="hold" nodeType="clickEffect">
                                   <p:stCondLst>
                                     <p:cond delay="0"/>
                                   </p:stCondLst>
@@ -6114,15 +6097,33 @@
                                   </p:childTnLst>
                                 </p:cTn>
                               </p:par>
+                            </p:childTnLst>
+                          </p:cTn>
+                        </p:par>
+                      </p:childTnLst>
+                    </p:cTn>
+                  </p:par>
+                  <p:par>
+                    <p:cTn id="17" fill="hold">
+                      <p:stCondLst>
+                        <p:cond delay="indefinite"/>
+                      </p:stCondLst>
+                      <p:childTnLst>
+                        <p:par>
+                          <p:cTn id="18" fill="hold">
+                            <p:stCondLst>
+                              <p:cond delay="0"/>
+                            </p:stCondLst>
+                            <p:childTnLst>
                               <p:par>
-                                <p:cTn id="17" presetID="1" presetClass="entr" presetSubtype="0" fill="hold" nodeType="withEffect">
+                                <p:cTn id="19" presetID="1" presetClass="entr" presetSubtype="0" fill="hold" nodeType="clickEffect">
                                   <p:stCondLst>
                                     <p:cond delay="0"/>
                                   </p:stCondLst>
                                   <p:childTnLst>
                                     <p:set>
                                       <p:cBhvr>
-                                        <p:cTn id="18" dur="1" fill="hold">
+                                        <p:cTn id="20" dur="1" fill="hold">
                                           <p:stCondLst>
                                             <p:cond delay="0"/>
                                           </p:stCondLst>
@@ -6131,86 +6132,6 @@
                                           <p:spTgt spid="3">
                                             <p:txEl>
                                               <p:pRg st="5" end="5"/>
-                                            </p:txEl>
-                                          </p:spTgt>
-                                        </p:tgtEl>
-                                        <p:attrNameLst>
-                                          <p:attrName>style.visibility</p:attrName>
-                                        </p:attrNameLst>
-                                      </p:cBhvr>
-                                      <p:to>
-                                        <p:strVal val="visible"/>
-                                      </p:to>
-                                    </p:set>
-                                  </p:childTnLst>
-                                </p:cTn>
-                              </p:par>
-                            </p:childTnLst>
-                          </p:cTn>
-                        </p:par>
-                      </p:childTnLst>
-                    </p:cTn>
-                  </p:par>
-                  <p:par>
-                    <p:cTn id="19" fill="hold">
-                      <p:stCondLst>
-                        <p:cond delay="indefinite"/>
-                      </p:stCondLst>
-                      <p:childTnLst>
-                        <p:par>
-                          <p:cTn id="20" fill="hold">
-                            <p:stCondLst>
-                              <p:cond delay="0"/>
-                            </p:stCondLst>
-                            <p:childTnLst>
-                              <p:par>
-                                <p:cTn id="21" presetID="1" presetClass="entr" presetSubtype="0" fill="hold" nodeType="clickEffect">
-                                  <p:stCondLst>
-                                    <p:cond delay="0"/>
-                                  </p:stCondLst>
-                                  <p:childTnLst>
-                                    <p:set>
-                                      <p:cBhvr>
-                                        <p:cTn id="22" dur="1" fill="hold">
-                                          <p:stCondLst>
-                                            <p:cond delay="0"/>
-                                          </p:stCondLst>
-                                        </p:cTn>
-                                        <p:tgtEl>
-                                          <p:spTgt spid="3">
-                                            <p:txEl>
-                                              <p:pRg st="6" end="6"/>
-                                            </p:txEl>
-                                          </p:spTgt>
-                                        </p:tgtEl>
-                                        <p:attrNameLst>
-                                          <p:attrName>style.visibility</p:attrName>
-                                        </p:attrNameLst>
-                                      </p:cBhvr>
-                                      <p:to>
-                                        <p:strVal val="visible"/>
-                                      </p:to>
-                                    </p:set>
-                                  </p:childTnLst>
-                                </p:cTn>
-                              </p:par>
-                              <p:par>
-                                <p:cTn id="23" presetID="1" presetClass="entr" presetSubtype="0" fill="hold" nodeType="withEffect">
-                                  <p:stCondLst>
-                                    <p:cond delay="0"/>
-                                  </p:stCondLst>
-                                  <p:childTnLst>
-                                    <p:set>
-                                      <p:cBhvr>
-                                        <p:cTn id="24" dur="1" fill="hold">
-                                          <p:stCondLst>
-                                            <p:cond delay="0"/>
-                                          </p:stCondLst>
-                                        </p:cTn>
-                                        <p:tgtEl>
-                                          <p:spTgt spid="3">
-                                            <p:txEl>
-                                              <p:pRg st="7" end="7"/>
                                             </p:txEl>
                                           </p:spTgt>
                                         </p:tgtEl>
@@ -6257,6 +6178,843 @@
 </file>
 
 <file path=ppt/slides/slide12.xml><?xml version="1.0" encoding="utf-8"?>
+<p:sld xmlns:a="http://schemas.openxmlformats.org/drawingml/2006/main" xmlns:r="http://schemas.openxmlformats.org/officeDocument/2006/relationships" xmlns:p="http://schemas.openxmlformats.org/presentationml/2006/main">
+  <p:cSld>
+    <p:spTree>
+      <p:nvGrpSpPr>
+        <p:cNvPr id="1" name="">
+          <a:extLst>
+            <a:ext uri="{FF2B5EF4-FFF2-40B4-BE49-F238E27FC236}">
+              <a16:creationId xmlns:a16="http://schemas.microsoft.com/office/drawing/2014/main" id="{2E590417-B8CA-AC0D-609B-8076AF89AFC5}"/>
+            </a:ext>
+          </a:extLst>
+        </p:cNvPr>
+        <p:cNvGrpSpPr/>
+        <p:nvPr/>
+      </p:nvGrpSpPr>
+      <p:grpSpPr>
+        <a:xfrm>
+          <a:off x="0" y="0"/>
+          <a:ext cx="0" cy="0"/>
+          <a:chOff x="0" y="0"/>
+          <a:chExt cx="0" cy="0"/>
+        </a:xfrm>
+      </p:grpSpPr>
+      <p:sp>
+        <p:nvSpPr>
+          <p:cNvPr id="2" name="Title 1">
+            <a:extLst>
+              <a:ext uri="{FF2B5EF4-FFF2-40B4-BE49-F238E27FC236}">
+                <a16:creationId xmlns:a16="http://schemas.microsoft.com/office/drawing/2014/main" id="{676510A9-F83C-9E4E-5C37-44644CB0A73C}"/>
+              </a:ext>
+            </a:extLst>
+          </p:cNvPr>
+          <p:cNvSpPr>
+            <a:spLocks noGrp="1"/>
+          </p:cNvSpPr>
+          <p:nvPr>
+            <p:ph type="title"/>
+          </p:nvPr>
+        </p:nvSpPr>
+        <p:spPr/>
+        <p:txBody>
+          <a:bodyPr/>
+          <a:lstStyle/>
+          <a:p>
+            <a:pPr marL="0" lvl="0" indent="0">
+              <a:buNone/>
+            </a:pPr>
+            <a:r>
+              <a:t>Working with Categorical Variables</a:t>
+            </a:r>
+          </a:p>
+        </p:txBody>
+      </p:sp>
+      <mc:AlternateContent xmlns:mc="http://schemas.openxmlformats.org/markup-compatibility/2006">
+        <mc:Choice xmlns:a14="http://schemas.microsoft.com/office/drawing/2010/main" Requires="a14">
+          <p:sp>
+            <p:nvSpPr>
+              <p:cNvPr id="3" name="Content Placeholder 2">
+                <a:extLst>
+                  <a:ext uri="{FF2B5EF4-FFF2-40B4-BE49-F238E27FC236}">
+                    <a16:creationId xmlns:a16="http://schemas.microsoft.com/office/drawing/2014/main" id="{6B15595F-95D8-476F-D36C-48DFB9593902}"/>
+                  </a:ext>
+                </a:extLst>
+              </p:cNvPr>
+              <p:cNvSpPr>
+                <a:spLocks noGrp="1"/>
+              </p:cNvSpPr>
+              <p:nvPr>
+                <p:ph idx="1"/>
+              </p:nvPr>
+            </p:nvSpPr>
+            <p:spPr>
+              <a:xfrm>
+                <a:off x="457200" y="906087"/>
+                <a:ext cx="8229600" cy="4110644"/>
+              </a:xfrm>
+            </p:spPr>
+            <p:txBody>
+              <a:bodyPr>
+                <a:normAutofit/>
+              </a:bodyPr>
+              <a:lstStyle/>
+              <a:p>
+                <a:pPr marL="0" lvl="0" indent="0">
+                  <a:buNone/>
+                </a:pPr>
+                <a:r>
+                  <a:rPr lang="en-US" dirty="0"/>
+                  <a:t>What happened to the coefficient for the first level of `</a:t>
+                </a:r>
+                <a:r>
+                  <a:rPr lang="en-US" dirty="0" err="1"/>
+                  <a:t>body_style</a:t>
+                </a:r>
+                <a:r>
+                  <a:rPr lang="en-US" dirty="0"/>
+                  <a:t>`?</a:t>
+                </a:r>
+                <a:endParaRPr lang="ar-AE" dirty="0"/>
+              </a:p>
+              <a:p>
+                <a:pPr lvl="0"/>
+                <a:r>
+                  <a:rPr lang="en-US" dirty="0"/>
+                  <a:t>The intercept is the </a:t>
+                </a:r>
+                <a:r>
+                  <a:rPr lang="en-US" b="1" dirty="0"/>
+                  <a:t>mean response</a:t>
+                </a:r>
+                <a:r>
+                  <a:rPr lang="en-US" dirty="0"/>
+                  <a:t> of the first level, </a:t>
+                </a:r>
+                <a14:m>
+                  <m:oMath xmlns:m="http://schemas.openxmlformats.org/officeDocument/2006/math">
+                    <m:sSub>
+                      <m:sSubPr>
+                        <m:ctrlPr>
+                          <a:rPr lang="ar-AE" i="1">
+                            <a:latin typeface="Cambria Math" panose="02040503050406030204" pitchFamily="18" charset="0"/>
+                          </a:rPr>
+                        </m:ctrlPr>
+                      </m:sSubPr>
+                      <m:e>
+                        <m:r>
+                          <a:rPr lang="ar-AE">
+                            <a:latin typeface="Cambria Math" panose="02040503050406030204" pitchFamily="18" charset="0"/>
+                          </a:rPr>
+                          <m:t>𝜇</m:t>
+                        </m:r>
+                      </m:e>
+                      <m:sub>
+                        <m:r>
+                          <a:rPr lang="ar-AE">
+                            <a:latin typeface="Cambria Math" panose="02040503050406030204" pitchFamily="18" charset="0"/>
+                          </a:rPr>
+                          <m:t>1</m:t>
+                        </m:r>
+                      </m:sub>
+                    </m:sSub>
+                  </m:oMath>
+                </a14:m>
+                <a:endParaRPr lang="en-US" dirty="0"/>
+              </a:p>
+              <a:p>
+                <a:pPr lvl="0"/>
+                <a:r>
+                  <a:rPr lang="en-US" dirty="0"/>
+                  <a:t>The other coefficients are </a:t>
+                </a:r>
+                <a:r>
+                  <a:rPr lang="en-US" b="1" dirty="0"/>
+                  <a:t>contrasts</a:t>
+                </a:r>
+                <a:r>
+                  <a:rPr lang="en-US" dirty="0"/>
+                  <a:t> with respect to the mean of the first level.</a:t>
+                </a:r>
+              </a:p>
+              <a:p>
+                <a:pPr lvl="0"/>
+                <a:r>
+                  <a:rPr lang="en-US" dirty="0"/>
+                  <a:t>The effect sizes and contrasts are related:</a:t>
+                </a:r>
+              </a:p>
+              <a:p>
+                <a:pPr marL="0" lvl="0" indent="0">
+                  <a:buNone/>
+                </a:pPr>
+                <a14:m>
+                  <m:oMathPara xmlns:m="http://schemas.openxmlformats.org/officeDocument/2006/math">
+                    <m:oMathParaPr>
+                      <m:jc m:val="center"/>
+                    </m:oMathParaPr>
+                    <m:oMath xmlns:m="http://schemas.openxmlformats.org/officeDocument/2006/math">
+                      <m:d>
+                        <m:dPr>
+                          <m:begChr m:val="["/>
+                          <m:endChr m:val="]"/>
+                          <m:ctrlPr>
+                            <a:rPr lang="ar-AE" i="1">
+                              <a:latin typeface="Cambria Math" panose="02040503050406030204" pitchFamily="18" charset="0"/>
+                            </a:rPr>
+                          </m:ctrlPr>
+                        </m:dPr>
+                        <m:e>
+                          <m:m>
+                            <m:mPr>
+                              <m:mcs>
+                                <m:mc>
+                                  <m:mcPr>
+                                    <m:count m:val="1"/>
+                                    <m:mcJc m:val="center"/>
+                                  </m:mcPr>
+                                </m:mc>
+                              </m:mcs>
+                              <m:ctrlPr>
+                                <a:rPr lang="ar-AE" i="1">
+                                  <a:latin typeface="Cambria Math" panose="02040503050406030204" pitchFamily="18" charset="0"/>
+                                </a:rPr>
+                              </m:ctrlPr>
+                            </m:mPr>
+                            <m:mr>
+                              <m:e>
+                                <m:r>
+                                  <a:rPr lang="ar-AE">
+                                    <a:latin typeface="Cambria Math" panose="02040503050406030204" pitchFamily="18" charset="0"/>
+                                  </a:rPr>
+                                  <m:t>𝐼</m:t>
+                                </m:r>
+                              </m:e>
+                            </m:mr>
+                            <m:mr>
+                              <m:e>
+                                <m:sSub>
+                                  <m:sSubPr>
+                                    <m:ctrlPr>
+                                      <a:rPr lang="ar-AE" i="1">
+                                        <a:latin typeface="Cambria Math" panose="02040503050406030204" pitchFamily="18" charset="0"/>
+                                      </a:rPr>
+                                    </m:ctrlPr>
+                                  </m:sSubPr>
+                                  <m:e>
+                                    <m:r>
+                                      <a:rPr lang="ar-AE">
+                                        <a:latin typeface="Cambria Math" panose="02040503050406030204" pitchFamily="18" charset="0"/>
+                                      </a:rPr>
+                                      <m:t>𝑐</m:t>
+                                    </m:r>
+                                  </m:e>
+                                  <m:sub>
+                                    <m:r>
+                                      <a:rPr lang="ar-AE">
+                                        <a:latin typeface="Cambria Math" panose="02040503050406030204" pitchFamily="18" charset="0"/>
+                                      </a:rPr>
+                                      <m:t>2</m:t>
+                                    </m:r>
+                                  </m:sub>
+                                </m:sSub>
+                              </m:e>
+                            </m:mr>
+                            <m:mr>
+                              <m:e>
+                                <m:r>
+                                  <a:rPr lang="ar-AE">
+                                    <a:latin typeface="Cambria Math" panose="02040503050406030204" pitchFamily="18" charset="0"/>
+                                  </a:rPr>
+                                  <m:t>⋮</m:t>
+                                </m:r>
+                              </m:e>
+                            </m:mr>
+                            <m:mr>
+                              <m:e>
+                                <m:sSub>
+                                  <m:sSubPr>
+                                    <m:ctrlPr>
+                                      <a:rPr lang="ar-AE" i="1">
+                                        <a:latin typeface="Cambria Math" panose="02040503050406030204" pitchFamily="18" charset="0"/>
+                                      </a:rPr>
+                                    </m:ctrlPr>
+                                  </m:sSubPr>
+                                  <m:e>
+                                    <m:r>
+                                      <a:rPr lang="ar-AE">
+                                        <a:latin typeface="Cambria Math" panose="02040503050406030204" pitchFamily="18" charset="0"/>
+                                      </a:rPr>
+                                      <m:t>𝑐</m:t>
+                                    </m:r>
+                                  </m:e>
+                                  <m:sub>
+                                    <m:r>
+                                      <a:rPr lang="ar-AE">
+                                        <a:latin typeface="Cambria Math" panose="02040503050406030204" pitchFamily="18" charset="0"/>
+                                      </a:rPr>
+                                      <m:t>𝑛</m:t>
+                                    </m:r>
+                                  </m:sub>
+                                </m:sSub>
+                              </m:e>
+                            </m:mr>
+                          </m:m>
+                        </m:e>
+                      </m:d>
+                      <m:r>
+                        <a:rPr lang="ar-AE">
+                          <a:latin typeface="Cambria Math" panose="02040503050406030204" pitchFamily="18" charset="0"/>
+                        </a:rPr>
+                        <m:t>=</m:t>
+                      </m:r>
+                      <m:d>
+                        <m:dPr>
+                          <m:begChr m:val="["/>
+                          <m:endChr m:val="]"/>
+                          <m:ctrlPr>
+                            <a:rPr lang="ar-AE" i="1">
+                              <a:latin typeface="Cambria Math" panose="02040503050406030204" pitchFamily="18" charset="0"/>
+                            </a:rPr>
+                          </m:ctrlPr>
+                        </m:dPr>
+                        <m:e>
+                          <m:m>
+                            <m:mPr>
+                              <m:mcs>
+                                <m:mc>
+                                  <m:mcPr>
+                                    <m:count m:val="1"/>
+                                    <m:mcJc m:val="center"/>
+                                  </m:mcPr>
+                                </m:mc>
+                              </m:mcs>
+                              <m:ctrlPr>
+                                <a:rPr lang="ar-AE" i="1">
+                                  <a:latin typeface="Cambria Math" panose="02040503050406030204" pitchFamily="18" charset="0"/>
+                                </a:rPr>
+                              </m:ctrlPr>
+                            </m:mPr>
+                            <m:mr>
+                              <m:e>
+                                <m:sSub>
+                                  <m:sSubPr>
+                                    <m:ctrlPr>
+                                      <a:rPr lang="ar-AE" i="1" smtClean="0">
+                                        <a:latin typeface="Cambria Math" panose="02040503050406030204" pitchFamily="18" charset="0"/>
+                                      </a:rPr>
+                                    </m:ctrlPr>
+                                  </m:sSubPr>
+                                  <m:e>
+                                    <m:r>
+                                      <a:rPr lang="en-US" b="0" i="1" smtClean="0">
+                                        <a:latin typeface="Cambria Math" panose="02040503050406030204" pitchFamily="18" charset="0"/>
+                                      </a:rPr>
+                                      <m:t>𝑒</m:t>
+                                    </m:r>
+                                  </m:e>
+                                  <m:sub>
+                                    <m:r>
+                                      <a:rPr lang="ar-AE">
+                                        <a:latin typeface="Cambria Math" panose="02040503050406030204" pitchFamily="18" charset="0"/>
+                                      </a:rPr>
+                                      <m:t>1</m:t>
+                                    </m:r>
+                                  </m:sub>
+                                </m:sSub>
+                              </m:e>
+                            </m:mr>
+                            <m:mr>
+                              <m:e>
+                                <m:sSub>
+                                  <m:sSubPr>
+                                    <m:ctrlPr>
+                                      <a:rPr lang="ar-AE" i="1" smtClean="0">
+                                        <a:latin typeface="Cambria Math" panose="02040503050406030204" pitchFamily="18" charset="0"/>
+                                      </a:rPr>
+                                    </m:ctrlPr>
+                                  </m:sSubPr>
+                                  <m:e>
+                                    <m:r>
+                                      <a:rPr lang="en-US" b="0" i="1" smtClean="0">
+                                        <a:latin typeface="Cambria Math" panose="02040503050406030204" pitchFamily="18" charset="0"/>
+                                      </a:rPr>
+                                      <m:t>𝑒</m:t>
+                                    </m:r>
+                                  </m:e>
+                                  <m:sub>
+                                    <m:r>
+                                      <a:rPr lang="ar-AE">
+                                        <a:latin typeface="Cambria Math" panose="02040503050406030204" pitchFamily="18" charset="0"/>
+                                      </a:rPr>
+                                      <m:t>2</m:t>
+                                    </m:r>
+                                  </m:sub>
+                                </m:sSub>
+                                <m:r>
+                                  <a:rPr lang="ar-AE">
+                                    <a:latin typeface="Cambria Math" panose="02040503050406030204" pitchFamily="18" charset="0"/>
+                                  </a:rPr>
+                                  <m:t>−</m:t>
+                                </m:r>
+                                <m:sSub>
+                                  <m:sSubPr>
+                                    <m:ctrlPr>
+                                      <a:rPr lang="ar-AE" i="1">
+                                        <a:latin typeface="Cambria Math" panose="02040503050406030204" pitchFamily="18" charset="0"/>
+                                      </a:rPr>
+                                    </m:ctrlPr>
+                                  </m:sSubPr>
+                                  <m:e>
+                                    <m:r>
+                                      <a:rPr lang="en-US" b="0" i="1" smtClean="0">
+                                        <a:latin typeface="Cambria Math" panose="02040503050406030204" pitchFamily="18" charset="0"/>
+                                      </a:rPr>
+                                      <m:t>𝑒</m:t>
+                                    </m:r>
+                                  </m:e>
+                                  <m:sub>
+                                    <m:r>
+                                      <a:rPr lang="ar-AE">
+                                        <a:latin typeface="Cambria Math" panose="02040503050406030204" pitchFamily="18" charset="0"/>
+                                      </a:rPr>
+                                      <m:t>1</m:t>
+                                    </m:r>
+                                  </m:sub>
+                                </m:sSub>
+                              </m:e>
+                            </m:mr>
+                            <m:mr>
+                              <m:e>
+                                <m:r>
+                                  <a:rPr lang="ar-AE">
+                                    <a:latin typeface="Cambria Math" panose="02040503050406030204" pitchFamily="18" charset="0"/>
+                                  </a:rPr>
+                                  <m:t>⋮</m:t>
+                                </m:r>
+                              </m:e>
+                            </m:mr>
+                            <m:mr>
+                              <m:e>
+                                <m:sSub>
+                                  <m:sSubPr>
+                                    <m:ctrlPr>
+                                      <a:rPr lang="ar-AE" i="1" smtClean="0">
+                                        <a:latin typeface="Cambria Math" panose="02040503050406030204" pitchFamily="18" charset="0"/>
+                                      </a:rPr>
+                                    </m:ctrlPr>
+                                  </m:sSubPr>
+                                  <m:e>
+                                    <m:r>
+                                      <a:rPr lang="en-US" b="0" i="1" smtClean="0">
+                                        <a:latin typeface="Cambria Math" panose="02040503050406030204" pitchFamily="18" charset="0"/>
+                                      </a:rPr>
+                                      <m:t>𝑒</m:t>
+                                    </m:r>
+                                  </m:e>
+                                  <m:sub>
+                                    <m:r>
+                                      <a:rPr lang="ar-AE">
+                                        <a:latin typeface="Cambria Math" panose="02040503050406030204" pitchFamily="18" charset="0"/>
+                                      </a:rPr>
+                                      <m:t>𝑛</m:t>
+                                    </m:r>
+                                  </m:sub>
+                                </m:sSub>
+                                <m:r>
+                                  <a:rPr lang="ar-AE">
+                                    <a:latin typeface="Cambria Math" panose="02040503050406030204" pitchFamily="18" charset="0"/>
+                                  </a:rPr>
+                                  <m:t>−</m:t>
+                                </m:r>
+                                <m:sSub>
+                                  <m:sSubPr>
+                                    <m:ctrlPr>
+                                      <a:rPr lang="ar-AE" i="1">
+                                        <a:latin typeface="Cambria Math" panose="02040503050406030204" pitchFamily="18" charset="0"/>
+                                      </a:rPr>
+                                    </m:ctrlPr>
+                                  </m:sSubPr>
+                                  <m:e>
+                                    <m:r>
+                                      <a:rPr lang="en-US" b="0" i="1" smtClean="0">
+                                        <a:latin typeface="Cambria Math" panose="02040503050406030204" pitchFamily="18" charset="0"/>
+                                      </a:rPr>
+                                      <m:t>𝑒</m:t>
+                                    </m:r>
+                                  </m:e>
+                                  <m:sub>
+                                    <m:r>
+                                      <a:rPr lang="ar-AE">
+                                        <a:latin typeface="Cambria Math" panose="02040503050406030204" pitchFamily="18" charset="0"/>
+                                      </a:rPr>
+                                      <m:t>1</m:t>
+                                    </m:r>
+                                  </m:sub>
+                                </m:sSub>
+                              </m:e>
+                            </m:mr>
+                          </m:m>
+                        </m:e>
+                      </m:d>
+                      <m:r>
+                        <a:rPr lang="ar-AE">
+                          <a:latin typeface="Cambria Math" panose="02040503050406030204" pitchFamily="18" charset="0"/>
+                        </a:rPr>
+                        <m:t>=</m:t>
+                      </m:r>
+                      <m:d>
+                        <m:dPr>
+                          <m:begChr m:val="["/>
+                          <m:endChr m:val="]"/>
+                          <m:ctrlPr>
+                            <a:rPr lang="ar-AE" i="1">
+                              <a:latin typeface="Cambria Math" panose="02040503050406030204" pitchFamily="18" charset="0"/>
+                            </a:rPr>
+                          </m:ctrlPr>
+                        </m:dPr>
+                        <m:e>
+                          <m:m>
+                            <m:mPr>
+                              <m:mcs>
+                                <m:mc>
+                                  <m:mcPr>
+                                    <m:count m:val="1"/>
+                                    <m:mcJc m:val="center"/>
+                                  </m:mcPr>
+                                </m:mc>
+                              </m:mcs>
+                              <m:ctrlPr>
+                                <a:rPr lang="ar-AE" i="1">
+                                  <a:latin typeface="Cambria Math" panose="02040503050406030204" pitchFamily="18" charset="0"/>
+                                </a:rPr>
+                              </m:ctrlPr>
+                            </m:mPr>
+                            <m:mr>
+                              <m:e>
+                                <m:sSub>
+                                  <m:sSubPr>
+                                    <m:ctrlPr>
+                                      <a:rPr lang="ar-AE" i="1">
+                                        <a:latin typeface="Cambria Math" panose="02040503050406030204" pitchFamily="18" charset="0"/>
+                                      </a:rPr>
+                                    </m:ctrlPr>
+                                  </m:sSubPr>
+                                  <m:e>
+                                    <m:r>
+                                      <a:rPr lang="ar-AE">
+                                        <a:latin typeface="Cambria Math" panose="02040503050406030204" pitchFamily="18" charset="0"/>
+                                      </a:rPr>
+                                      <m:t>𝜇</m:t>
+                                    </m:r>
+                                  </m:e>
+                                  <m:sub>
+                                    <m:r>
+                                      <a:rPr lang="ar-AE">
+                                        <a:latin typeface="Cambria Math" panose="02040503050406030204" pitchFamily="18" charset="0"/>
+                                      </a:rPr>
+                                      <m:t>1</m:t>
+                                    </m:r>
+                                  </m:sub>
+                                </m:sSub>
+                              </m:e>
+                            </m:mr>
+                            <m:mr>
+                              <m:e>
+                                <m:sSub>
+                                  <m:sSubPr>
+                                    <m:ctrlPr>
+                                      <a:rPr lang="ar-AE" i="1">
+                                        <a:latin typeface="Cambria Math" panose="02040503050406030204" pitchFamily="18" charset="0"/>
+                                      </a:rPr>
+                                    </m:ctrlPr>
+                                  </m:sSubPr>
+                                  <m:e>
+                                    <m:r>
+                                      <a:rPr lang="ar-AE">
+                                        <a:latin typeface="Cambria Math" panose="02040503050406030204" pitchFamily="18" charset="0"/>
+                                      </a:rPr>
+                                      <m:t>𝜇</m:t>
+                                    </m:r>
+                                  </m:e>
+                                  <m:sub>
+                                    <m:r>
+                                      <a:rPr lang="ar-AE">
+                                        <a:latin typeface="Cambria Math" panose="02040503050406030204" pitchFamily="18" charset="0"/>
+                                      </a:rPr>
+                                      <m:t>2</m:t>
+                                    </m:r>
+                                  </m:sub>
+                                </m:sSub>
+                              </m:e>
+                            </m:mr>
+                            <m:mr>
+                              <m:e>
+                                <m:r>
+                                  <a:rPr lang="ar-AE">
+                                    <a:latin typeface="Cambria Math" panose="02040503050406030204" pitchFamily="18" charset="0"/>
+                                  </a:rPr>
+                                  <m:t>⋮</m:t>
+                                </m:r>
+                              </m:e>
+                            </m:mr>
+                            <m:mr>
+                              <m:e>
+                                <m:sSub>
+                                  <m:sSubPr>
+                                    <m:ctrlPr>
+                                      <a:rPr lang="ar-AE" i="1">
+                                        <a:latin typeface="Cambria Math" panose="02040503050406030204" pitchFamily="18" charset="0"/>
+                                      </a:rPr>
+                                    </m:ctrlPr>
+                                  </m:sSubPr>
+                                  <m:e>
+                                    <m:r>
+                                      <a:rPr lang="ar-AE">
+                                        <a:latin typeface="Cambria Math" panose="02040503050406030204" pitchFamily="18" charset="0"/>
+                                      </a:rPr>
+                                      <m:t>𝜇</m:t>
+                                    </m:r>
+                                  </m:e>
+                                  <m:sub>
+                                    <m:r>
+                                      <a:rPr lang="ar-AE">
+                                        <a:latin typeface="Cambria Math" panose="02040503050406030204" pitchFamily="18" charset="0"/>
+                                      </a:rPr>
+                                      <m:t>𝑛</m:t>
+                                    </m:r>
+                                  </m:sub>
+                                </m:sSub>
+                              </m:e>
+                            </m:mr>
+                          </m:m>
+                        </m:e>
+                      </m:d>
+                    </m:oMath>
+                  </m:oMathPara>
+                </a14:m>
+                <a:endParaRPr dirty="0"/>
+              </a:p>
+            </p:txBody>
+          </p:sp>
+        </mc:Choice>
+        <mc:Fallback>
+          <p:sp>
+            <p:nvSpPr>
+              <p:cNvPr id="3" name="Content Placeholder 2">
+                <a:extLst>
+                  <a:ext uri="{FF2B5EF4-FFF2-40B4-BE49-F238E27FC236}">
+                    <a16:creationId xmlns:a16="http://schemas.microsoft.com/office/drawing/2014/main" id="{6B15595F-95D8-476F-D36C-48DFB9593902}"/>
+                  </a:ext>
+                </a:extLst>
+              </p:cNvPr>
+              <p:cNvSpPr>
+                <a:spLocks noGrp="1" noRot="1" noChangeAspect="1" noMove="1" noResize="1" noEditPoints="1" noAdjustHandles="1" noChangeArrowheads="1" noChangeShapeType="1" noTextEdit="1"/>
+              </p:cNvSpPr>
+              <p:nvPr>
+                <p:ph idx="1"/>
+              </p:nvPr>
+            </p:nvSpPr>
+            <p:spPr>
+              <a:xfrm>
+                <a:off x="457200" y="906087"/>
+                <a:ext cx="8229600" cy="4110644"/>
+              </a:xfrm>
+              <a:blipFill>
+                <a:blip r:embed="rId2"/>
+                <a:stretch>
+                  <a:fillRect l="-1111" t="-1187" r="-370"/>
+                </a:stretch>
+              </a:blipFill>
+            </p:spPr>
+            <p:txBody>
+              <a:bodyPr/>
+              <a:lstStyle/>
+              <a:p>
+                <a:r>
+                  <a:rPr lang="en-US">
+                    <a:noFill/>
+                  </a:rPr>
+                  <a:t> </a:t>
+                </a:r>
+              </a:p>
+            </p:txBody>
+          </p:sp>
+        </mc:Fallback>
+      </mc:AlternateContent>
+    </p:spTree>
+    <p:extLst>
+      <p:ext uri="{BB962C8B-B14F-4D97-AF65-F5344CB8AC3E}">
+        <p14:creationId xmlns:p14="http://schemas.microsoft.com/office/powerpoint/2010/main" val="1460376272"/>
+      </p:ext>
+    </p:extLst>
+  </p:cSld>
+  <p:clrMapOvr>
+    <a:masterClrMapping/>
+  </p:clrMapOvr>
+  <p:timing>
+    <p:tnLst>
+      <p:par>
+        <p:cTn id="1" dur="indefinite" restart="never" nodeType="tmRoot">
+          <p:childTnLst>
+            <p:seq concurrent="1" nextAc="seek">
+              <p:cTn id="2" dur="indefinite" nodeType="mainSeq">
+                <p:childTnLst>
+                  <p:par>
+                    <p:cTn id="3" fill="hold">
+                      <p:stCondLst>
+                        <p:cond delay="indefinite"/>
+                      </p:stCondLst>
+                      <p:childTnLst>
+                        <p:par>
+                          <p:cTn id="4" fill="hold">
+                            <p:stCondLst>
+                              <p:cond delay="0"/>
+                            </p:stCondLst>
+                            <p:childTnLst>
+                              <p:par>
+                                <p:cTn id="5" presetID="1" presetClass="entr" presetSubtype="0" fill="hold" nodeType="clickEffect">
+                                  <p:stCondLst>
+                                    <p:cond delay="0"/>
+                                  </p:stCondLst>
+                                  <p:childTnLst>
+                                    <p:set>
+                                      <p:cBhvr>
+                                        <p:cTn id="6" dur="1" fill="hold">
+                                          <p:stCondLst>
+                                            <p:cond delay="0"/>
+                                          </p:stCondLst>
+                                        </p:cTn>
+                                        <p:tgtEl>
+                                          <p:spTgt spid="3">
+                                            <p:txEl>
+                                              <p:pRg st="2" end="2"/>
+                                            </p:txEl>
+                                          </p:spTgt>
+                                        </p:tgtEl>
+                                        <p:attrNameLst>
+                                          <p:attrName>style.visibility</p:attrName>
+                                        </p:attrNameLst>
+                                      </p:cBhvr>
+                                      <p:to>
+                                        <p:strVal val="visible"/>
+                                      </p:to>
+                                    </p:set>
+                                  </p:childTnLst>
+                                </p:cTn>
+                              </p:par>
+                            </p:childTnLst>
+                          </p:cTn>
+                        </p:par>
+                      </p:childTnLst>
+                    </p:cTn>
+                  </p:par>
+                  <p:par>
+                    <p:cTn id="7" fill="hold">
+                      <p:stCondLst>
+                        <p:cond delay="indefinite"/>
+                      </p:stCondLst>
+                      <p:childTnLst>
+                        <p:par>
+                          <p:cTn id="8" fill="hold">
+                            <p:stCondLst>
+                              <p:cond delay="0"/>
+                            </p:stCondLst>
+                            <p:childTnLst>
+                              <p:par>
+                                <p:cTn id="9" presetID="1" presetClass="entr" presetSubtype="0" fill="hold" nodeType="clickEffect">
+                                  <p:stCondLst>
+                                    <p:cond delay="0"/>
+                                  </p:stCondLst>
+                                  <p:childTnLst>
+                                    <p:set>
+                                      <p:cBhvr>
+                                        <p:cTn id="10" dur="1" fill="hold">
+                                          <p:stCondLst>
+                                            <p:cond delay="0"/>
+                                          </p:stCondLst>
+                                        </p:cTn>
+                                        <p:tgtEl>
+                                          <p:spTgt spid="3">
+                                            <p:txEl>
+                                              <p:pRg st="3" end="3"/>
+                                            </p:txEl>
+                                          </p:spTgt>
+                                        </p:tgtEl>
+                                        <p:attrNameLst>
+                                          <p:attrName>style.visibility</p:attrName>
+                                        </p:attrNameLst>
+                                      </p:cBhvr>
+                                      <p:to>
+                                        <p:strVal val="visible"/>
+                                      </p:to>
+                                    </p:set>
+                                  </p:childTnLst>
+                                </p:cTn>
+                              </p:par>
+                              <p:par>
+                                <p:cTn id="11" presetID="1" presetClass="entr" presetSubtype="0" fill="hold" nodeType="withEffect">
+                                  <p:stCondLst>
+                                    <p:cond delay="0"/>
+                                  </p:stCondLst>
+                                  <p:childTnLst>
+                                    <p:set>
+                                      <p:cBhvr>
+                                        <p:cTn id="12" dur="1" fill="hold">
+                                          <p:stCondLst>
+                                            <p:cond delay="0"/>
+                                          </p:stCondLst>
+                                        </p:cTn>
+                                        <p:tgtEl>
+                                          <p:spTgt spid="3">
+                                            <p:txEl>
+                                              <p:pRg st="4" end="4"/>
+                                            </p:txEl>
+                                          </p:spTgt>
+                                        </p:tgtEl>
+                                        <p:attrNameLst>
+                                          <p:attrName>style.visibility</p:attrName>
+                                        </p:attrNameLst>
+                                      </p:cBhvr>
+                                      <p:to>
+                                        <p:strVal val="visible"/>
+                                      </p:to>
+                                    </p:set>
+                                  </p:childTnLst>
+                                </p:cTn>
+                              </p:par>
+                            </p:childTnLst>
+                          </p:cTn>
+                        </p:par>
+                      </p:childTnLst>
+                    </p:cTn>
+                  </p:par>
+                </p:childTnLst>
+              </p:cTn>
+              <p:prevCondLst>
+                <p:cond evt="onPrev" delay="0">
+                  <p:tgtEl>
+                    <p:sldTgt/>
+                  </p:tgtEl>
+                </p:cond>
+              </p:prevCondLst>
+              <p:nextCondLst>
+                <p:cond evt="onNext" delay="0">
+                  <p:tgtEl>
+                    <p:sldTgt/>
+                  </p:tgtEl>
+                </p:cond>
+              </p:nextCondLst>
+            </p:seq>
+          </p:childTnLst>
+        </p:cTn>
+      </p:par>
+    </p:tnLst>
+  </p:timing>
+</p:sld>
+</file>
+
+<file path=ppt/slides/slide13.xml><?xml version="1.0" encoding="utf-8"?>
 <p:sld xmlns:a="http://schemas.openxmlformats.org/drawingml/2006/main" xmlns:r="http://schemas.openxmlformats.org/officeDocument/2006/relationships" xmlns:p="http://schemas.openxmlformats.org/presentationml/2006/main">
   <p:cSld>
     <p:spTree>
@@ -7560,7 +8318,7 @@
 </p:sld>
 </file>
 
-<file path=ppt/slides/slide13.xml><?xml version="1.0" encoding="utf-8"?>
+<file path=ppt/slides/slide14.xml><?xml version="1.0" encoding="utf-8"?>
 <p:sld xmlns:a="http://schemas.openxmlformats.org/drawingml/2006/main" xmlns:r="http://schemas.openxmlformats.org/officeDocument/2006/relationships" xmlns:p="http://schemas.openxmlformats.org/presentationml/2006/main">
   <p:cSld>
     <p:spTree>
@@ -7601,8 +8359,8 @@
           </a:p>
         </p:txBody>
       </p:sp>
-      <mc:AlternateContent xmlns:mc="http://schemas.openxmlformats.org/markup-compatibility/2006" xmlns:a14="http://schemas.microsoft.com/office/drawing/2010/main">
-        <mc:Choice Requires="a14">
+      <mc:AlternateContent xmlns:mc="http://schemas.openxmlformats.org/markup-compatibility/2006">
+        <mc:Choice xmlns:a14="http://schemas.microsoft.com/office/drawing/2010/main" Requires="a14">
           <p:sp>
             <p:nvSpPr>
               <p:cNvPr id="3" name="Content Placeholder 2"/>
@@ -7629,20 +8387,20 @@
                   <a:buNone/>
                 </a:pPr>
                 <a:r>
-                  <a:rPr dirty="0"/>
+                  <a:rPr lang="en-US" dirty="0"/>
                   <a:t>In a linear model we can sometimes relate the coefficient values to an effect size</a:t>
                 </a:r>
               </a:p>
               <a:p>
                 <a:pPr lvl="0"/>
                 <a:r>
-                  <a:rPr dirty="0"/>
+                  <a:rPr lang="en-US" dirty="0"/>
                   <a:t>Start with </a:t>
                 </a:r>
                 <a14:m>
                   <m:oMath xmlns:m="http://schemas.openxmlformats.org/officeDocument/2006/math">
                     <m:r>
-                      <a:rPr>
+                      <a:rPr lang="en-US">
                         <a:latin typeface="Cambria Math" panose="02040503050406030204" pitchFamily="18" charset="0"/>
                       </a:rPr>
                       <m:t>𝑛</m:t>
@@ -7650,7 +8408,7 @@
                   </m:oMath>
                 </a14:m>
                 <a:r>
-                  <a:rPr dirty="0"/>
+                  <a:rPr lang="en-US" dirty="0"/>
                   <a:t> treatments </a:t>
                 </a:r>
                 <a14:m>
@@ -7660,7 +8418,7 @@
                         <m:begChr m:val="["/>
                         <m:endChr m:val="]"/>
                         <m:ctrlPr>
-                          <a:rPr i="1">
+                          <a:rPr lang="ar-AE" i="1">
                             <a:latin typeface="Cambria Math" panose="02040503050406030204" pitchFamily="18" charset="0"/>
                           </a:rPr>
                         </m:ctrlPr>
@@ -7669,14 +8427,14 @@
                         <m:sSub>
                           <m:sSubPr>
                             <m:ctrlPr>
-                              <a:rPr i="1">
+                              <a:rPr lang="ar-AE" i="1">
                                 <a:latin typeface="Cambria Math" panose="02040503050406030204" pitchFamily="18" charset="0"/>
                               </a:rPr>
                             </m:ctrlPr>
                           </m:sSubPr>
                           <m:e>
                             <m:r>
-                              <a:rPr>
+                              <a:rPr lang="ar-AE">
                                 <a:latin typeface="Cambria Math" panose="02040503050406030204" pitchFamily="18" charset="0"/>
                               </a:rPr>
                               <m:t>𝑡</m:t>
@@ -7684,7 +8442,7 @@
                           </m:e>
                           <m:sub>
                             <m:r>
-                              <a:rPr>
+                              <a:rPr lang="ar-AE">
                                 <a:latin typeface="Cambria Math" panose="02040503050406030204" pitchFamily="18" charset="0"/>
                               </a:rPr>
                               <m:t>1</m:t>
@@ -7692,7 +8450,7 @@
                           </m:sub>
                         </m:sSub>
                         <m:r>
-                          <a:rPr>
+                          <a:rPr lang="ar-AE">
                             <a:latin typeface="Cambria Math" panose="02040503050406030204" pitchFamily="18" charset="0"/>
                           </a:rPr>
                           <m:t>,</m:t>
@@ -7700,14 +8458,14 @@
                         <m:sSub>
                           <m:sSubPr>
                             <m:ctrlPr>
-                              <a:rPr i="1">
+                              <a:rPr lang="ar-AE" i="1">
                                 <a:latin typeface="Cambria Math" panose="02040503050406030204" pitchFamily="18" charset="0"/>
                               </a:rPr>
                             </m:ctrlPr>
                           </m:sSubPr>
                           <m:e>
                             <m:r>
-                              <a:rPr>
+                              <a:rPr lang="ar-AE">
                                 <a:latin typeface="Cambria Math" panose="02040503050406030204" pitchFamily="18" charset="0"/>
                               </a:rPr>
                               <m:t>𝑡</m:t>
@@ -7715,7 +8473,7 @@
                           </m:e>
                           <m:sub>
                             <m:r>
-                              <a:rPr>
+                              <a:rPr lang="ar-AE">
                                 <a:latin typeface="Cambria Math" panose="02040503050406030204" pitchFamily="18" charset="0"/>
                               </a:rPr>
                               <m:t>2</m:t>
@@ -7723,7 +8481,7 @@
                           </m:sub>
                         </m:sSub>
                         <m:r>
-                          <a:rPr>
+                          <a:rPr lang="ar-AE">
                             <a:latin typeface="Cambria Math" panose="02040503050406030204" pitchFamily="18" charset="0"/>
                           </a:rPr>
                           <m:t>,…,</m:t>
@@ -7731,14 +8489,14 @@
                         <m:sSub>
                           <m:sSubPr>
                             <m:ctrlPr>
-                              <a:rPr i="1">
+                              <a:rPr lang="ar-AE" i="1">
                                 <a:latin typeface="Cambria Math" panose="02040503050406030204" pitchFamily="18" charset="0"/>
                               </a:rPr>
                             </m:ctrlPr>
                           </m:sSubPr>
                           <m:e>
                             <m:r>
-                              <a:rPr>
+                              <a:rPr lang="ar-AE">
                                 <a:latin typeface="Cambria Math" panose="02040503050406030204" pitchFamily="18" charset="0"/>
                               </a:rPr>
                               <m:t>𝑡</m:t>
@@ -7746,7 +8504,7 @@
                           </m:e>
                           <m:sub>
                             <m:r>
-                              <a:rPr>
+                              <a:rPr lang="ar-AE">
                                 <a:latin typeface="Cambria Math" panose="02040503050406030204" pitchFamily="18" charset="0"/>
                               </a:rPr>
                               <m:t>𝑛</m:t>
@@ -7758,8 +8516,12 @@
                   </m:oMath>
                 </a14:m>
                 <a:r>
-                  <a:rPr dirty="0"/>
-                  <a:t> with effect sizes, </a:t>
+                  <a:rPr lang="ar-AE" dirty="0"/>
+                  <a:t> </a:t>
+                </a:r>
+                <a:r>
+                  <a:rPr lang="en-US" dirty="0"/>
+                  <a:t>with effect sizes, </a:t>
                 </a:r>
                 <a14:m>
                   <m:oMath xmlns:m="http://schemas.openxmlformats.org/officeDocument/2006/math">
@@ -7768,7 +8530,7 @@
                         <m:begChr m:val="["/>
                         <m:endChr m:val="]"/>
                         <m:ctrlPr>
-                          <a:rPr i="1">
+                          <a:rPr lang="ar-AE" i="1">
                             <a:latin typeface="Cambria Math" panose="02040503050406030204" pitchFamily="18" charset="0"/>
                           </a:rPr>
                         </m:ctrlPr>
@@ -7777,14 +8539,14 @@
                         <m:sSub>
                           <m:sSubPr>
                             <m:ctrlPr>
-                              <a:rPr i="1">
+                              <a:rPr lang="ar-AE" i="1">
                                 <a:latin typeface="Cambria Math" panose="02040503050406030204" pitchFamily="18" charset="0"/>
                               </a:rPr>
                             </m:ctrlPr>
                           </m:sSubPr>
                           <m:e>
                             <m:r>
-                              <a:rPr>
+                              <a:rPr lang="ar-AE">
                                 <a:latin typeface="Cambria Math" panose="02040503050406030204" pitchFamily="18" charset="0"/>
                               </a:rPr>
                               <m:t>𝑒</m:t>
@@ -7792,7 +8554,7 @@
                           </m:e>
                           <m:sub>
                             <m:r>
-                              <a:rPr>
+                              <a:rPr lang="ar-AE">
                                 <a:latin typeface="Cambria Math" panose="02040503050406030204" pitchFamily="18" charset="0"/>
                               </a:rPr>
                               <m:t>1</m:t>
@@ -7800,7 +8562,7 @@
                           </m:sub>
                         </m:sSub>
                         <m:r>
-                          <a:rPr>
+                          <a:rPr lang="ar-AE">
                             <a:latin typeface="Cambria Math" panose="02040503050406030204" pitchFamily="18" charset="0"/>
                           </a:rPr>
                           <m:t>,</m:t>
@@ -7808,14 +8570,14 @@
                         <m:sSub>
                           <m:sSubPr>
                             <m:ctrlPr>
-                              <a:rPr i="1">
+                              <a:rPr lang="ar-AE" i="1">
                                 <a:latin typeface="Cambria Math" panose="02040503050406030204" pitchFamily="18" charset="0"/>
                               </a:rPr>
                             </m:ctrlPr>
                           </m:sSubPr>
                           <m:e>
                             <m:r>
-                              <a:rPr>
+                              <a:rPr lang="ar-AE">
                                 <a:latin typeface="Cambria Math" panose="02040503050406030204" pitchFamily="18" charset="0"/>
                               </a:rPr>
                               <m:t>𝑒</m:t>
@@ -7823,7 +8585,7 @@
                           </m:e>
                           <m:sub>
                             <m:r>
-                              <a:rPr>
+                              <a:rPr lang="ar-AE">
                                 <a:latin typeface="Cambria Math" panose="02040503050406030204" pitchFamily="18" charset="0"/>
                               </a:rPr>
                               <m:t>2</m:t>
@@ -7831,7 +8593,7 @@
                           </m:sub>
                         </m:sSub>
                         <m:r>
-                          <a:rPr>
+                          <a:rPr lang="ar-AE">
                             <a:latin typeface="Cambria Math" panose="02040503050406030204" pitchFamily="18" charset="0"/>
                           </a:rPr>
                           <m:t>,…,</m:t>
@@ -7839,14 +8601,14 @@
                         <m:sSub>
                           <m:sSubPr>
                             <m:ctrlPr>
-                              <a:rPr i="1">
+                              <a:rPr lang="ar-AE" i="1">
                                 <a:latin typeface="Cambria Math" panose="02040503050406030204" pitchFamily="18" charset="0"/>
                               </a:rPr>
                             </m:ctrlPr>
                           </m:sSubPr>
                           <m:e>
                             <m:r>
-                              <a:rPr>
+                              <a:rPr lang="ar-AE">
                                 <a:latin typeface="Cambria Math" panose="02040503050406030204" pitchFamily="18" charset="0"/>
                               </a:rPr>
                               <m:t>𝑒</m:t>
@@ -7854,7 +8616,7 @@
                           </m:e>
                           <m:sub>
                             <m:r>
-                              <a:rPr>
+                              <a:rPr lang="ar-AE">
                                 <a:latin typeface="Cambria Math" panose="02040503050406030204" pitchFamily="18" charset="0"/>
                               </a:rPr>
                               <m:t>𝑛</m:t>
@@ -7865,21 +8627,21 @@
                     </m:d>
                   </m:oMath>
                 </a14:m>
-                <a:endParaRPr dirty="0"/>
+                <a:endParaRPr lang="ar-AE" dirty="0"/>
               </a:p>
               <a:p>
                 <a:pPr lvl="0"/>
                 <a:r>
-                  <a:rPr dirty="0"/>
+                  <a:rPr lang="en-US" dirty="0"/>
                   <a:t>With </a:t>
                 </a:r>
                 <a:r>
-                  <a:rPr b="1" dirty="0"/>
+                  <a:rPr lang="en-US" b="1" dirty="0"/>
                   <a:t>no intercept term</a:t>
                 </a:r>
                 <a:r>
-                  <a:rPr dirty="0"/>
-                  <a:t> the means represent the effect sizes:</a:t>
+                  <a:rPr lang="en-US" dirty="0"/>
+                  <a:t> the means represent the effect sizes and parameter values:</a:t>
                 </a:r>
               </a:p>
               <a:p>
@@ -7897,7 +8659,7 @@
                           <m:begChr m:val="["/>
                           <m:endChr m:val="]"/>
                           <m:ctrlPr>
-                            <a:rPr i="1">
+                            <a:rPr lang="ar-AE" i="1">
                               <a:latin typeface="Cambria Math" panose="02040503050406030204" pitchFamily="18" charset="0"/>
                             </a:rPr>
                           </m:ctrlPr>
@@ -7914,7 +8676,7 @@
                                 </m:mc>
                               </m:mcs>
                               <m:ctrlPr>
-                                <a:rPr i="1">
+                                <a:rPr lang="ar-AE" i="1">
                                   <a:latin typeface="Cambria Math" panose="02040503050406030204" pitchFamily="18" charset="0"/>
                                 </a:rPr>
                               </m:ctrlPr>
@@ -7924,14 +8686,14 @@
                                 <m:sSub>
                                   <m:sSubPr>
                                     <m:ctrlPr>
-                                      <a:rPr i="1">
+                                      <a:rPr lang="ar-AE" i="1">
                                         <a:latin typeface="Cambria Math" panose="02040503050406030204" pitchFamily="18" charset="0"/>
                                       </a:rPr>
                                     </m:ctrlPr>
                                   </m:sSubPr>
                                   <m:e>
                                     <m:r>
-                                      <a:rPr>
+                                      <a:rPr lang="ar-AE">
                                         <a:latin typeface="Cambria Math" panose="02040503050406030204" pitchFamily="18" charset="0"/>
                                       </a:rPr>
                                       <m:t>𝑒</m:t>
@@ -7939,7 +8701,7 @@
                                   </m:e>
                                   <m:sub>
                                     <m:r>
-                                      <a:rPr>
+                                      <a:rPr lang="ar-AE">
                                         <a:latin typeface="Cambria Math" panose="02040503050406030204" pitchFamily="18" charset="0"/>
                                       </a:rPr>
                                       <m:t>1</m:t>
@@ -7953,14 +8715,14 @@
                                 <m:sSub>
                                   <m:sSubPr>
                                     <m:ctrlPr>
-                                      <a:rPr i="1">
+                                      <a:rPr lang="ar-AE" i="1">
                                         <a:latin typeface="Cambria Math" panose="02040503050406030204" pitchFamily="18" charset="0"/>
                                       </a:rPr>
                                     </m:ctrlPr>
                                   </m:sSubPr>
                                   <m:e>
                                     <m:r>
-                                      <a:rPr>
+                                      <a:rPr lang="ar-AE">
                                         <a:latin typeface="Cambria Math" panose="02040503050406030204" pitchFamily="18" charset="0"/>
                                       </a:rPr>
                                       <m:t>𝑒</m:t>
@@ -7968,7 +8730,7 @@
                                   </m:e>
                                   <m:sub>
                                     <m:r>
-                                      <a:rPr>
+                                      <a:rPr lang="ar-AE">
                                         <a:latin typeface="Cambria Math" panose="02040503050406030204" pitchFamily="18" charset="0"/>
                                       </a:rPr>
                                       <m:t>2</m:t>
@@ -7980,7 +8742,7 @@
                             <m:mr>
                               <m:e>
                                 <m:r>
-                                  <a:rPr>
+                                  <a:rPr lang="ar-AE">
                                     <a:latin typeface="Cambria Math" panose="02040503050406030204" pitchFamily="18" charset="0"/>
                                   </a:rPr>
                                   <m:t>⋮</m:t>
@@ -7992,14 +8754,14 @@
                                 <m:sSub>
                                   <m:sSubPr>
                                     <m:ctrlPr>
-                                      <a:rPr i="1">
+                                      <a:rPr lang="ar-AE" i="1">
                                         <a:latin typeface="Cambria Math" panose="02040503050406030204" pitchFamily="18" charset="0"/>
                                       </a:rPr>
                                     </m:ctrlPr>
                                   </m:sSubPr>
                                   <m:e>
                                     <m:r>
-                                      <a:rPr>
+                                      <a:rPr lang="ar-AE">
                                         <a:latin typeface="Cambria Math" panose="02040503050406030204" pitchFamily="18" charset="0"/>
                                       </a:rPr>
                                       <m:t>𝑒</m:t>
@@ -8007,7 +8769,7 @@
                                   </m:e>
                                   <m:sub>
                                     <m:r>
-                                      <a:rPr>
+                                      <a:rPr lang="ar-AE">
                                         <a:latin typeface="Cambria Math" panose="02040503050406030204" pitchFamily="18" charset="0"/>
                                       </a:rPr>
                                       <m:t>𝑛</m:t>
@@ -8020,7 +8782,7 @@
                         </m:e>
                       </m:d>
                       <m:r>
-                        <a:rPr>
+                        <a:rPr lang="ar-AE">
                           <a:latin typeface="Cambria Math" panose="02040503050406030204" pitchFamily="18" charset="0"/>
                         </a:rPr>
                         <m:t>=</m:t>
@@ -8030,7 +8792,7 @@
                           <m:begChr m:val="["/>
                           <m:endChr m:val="]"/>
                           <m:ctrlPr>
-                            <a:rPr i="1">
+                            <a:rPr lang="ar-AE" i="1">
                               <a:latin typeface="Cambria Math" panose="02040503050406030204" pitchFamily="18" charset="0"/>
                             </a:rPr>
                           </m:ctrlPr>
@@ -8047,7 +8809,7 @@
                                 </m:mc>
                               </m:mcs>
                               <m:ctrlPr>
-                                <a:rPr i="1">
+                                <a:rPr lang="ar-AE" i="1">
                                   <a:latin typeface="Cambria Math" panose="02040503050406030204" pitchFamily="18" charset="0"/>
                                 </a:rPr>
                               </m:ctrlPr>
@@ -8057,14 +8819,14 @@
                                 <m:sSub>
                                   <m:sSubPr>
                                     <m:ctrlPr>
-                                      <a:rPr i="1">
+                                      <a:rPr lang="ar-AE" i="1">
                                         <a:latin typeface="Cambria Math" panose="02040503050406030204" pitchFamily="18" charset="0"/>
                                       </a:rPr>
                                     </m:ctrlPr>
                                   </m:sSubPr>
                                   <m:e>
                                     <m:r>
-                                      <a:rPr>
+                                      <a:rPr lang="ar-AE">
                                         <a:latin typeface="Cambria Math" panose="02040503050406030204" pitchFamily="18" charset="0"/>
                                       </a:rPr>
                                       <m:t>𝜇</m:t>
@@ -8072,7 +8834,7 @@
                                   </m:e>
                                   <m:sub>
                                     <m:r>
-                                      <a:rPr>
+                                      <a:rPr lang="ar-AE">
                                         <a:latin typeface="Cambria Math" panose="02040503050406030204" pitchFamily="18" charset="0"/>
                                       </a:rPr>
                                       <m:t>1</m:t>
@@ -8086,14 +8848,14 @@
                                 <m:sSub>
                                   <m:sSubPr>
                                     <m:ctrlPr>
-                                      <a:rPr i="1">
+                                      <a:rPr lang="ar-AE" i="1">
                                         <a:latin typeface="Cambria Math" panose="02040503050406030204" pitchFamily="18" charset="0"/>
                                       </a:rPr>
                                     </m:ctrlPr>
                                   </m:sSubPr>
                                   <m:e>
                                     <m:r>
-                                      <a:rPr>
+                                      <a:rPr lang="ar-AE">
                                         <a:latin typeface="Cambria Math" panose="02040503050406030204" pitchFamily="18" charset="0"/>
                                       </a:rPr>
                                       <m:t>𝜇</m:t>
@@ -8101,7 +8863,7 @@
                                   </m:e>
                                   <m:sub>
                                     <m:r>
-                                      <a:rPr>
+                                      <a:rPr lang="ar-AE">
                                         <a:latin typeface="Cambria Math" panose="02040503050406030204" pitchFamily="18" charset="0"/>
                                       </a:rPr>
                                       <m:t>2</m:t>
@@ -8113,7 +8875,7 @@
                             <m:mr>
                               <m:e>
                                 <m:r>
-                                  <a:rPr>
+                                  <a:rPr lang="ar-AE">
                                     <a:latin typeface="Cambria Math" panose="02040503050406030204" pitchFamily="18" charset="0"/>
                                   </a:rPr>
                                   <m:t>⋮</m:t>
@@ -8125,14 +8887,14 @@
                                 <m:sSub>
                                   <m:sSubPr>
                                     <m:ctrlPr>
-                                      <a:rPr i="1">
+                                      <a:rPr lang="ar-AE" i="1">
                                         <a:latin typeface="Cambria Math" panose="02040503050406030204" pitchFamily="18" charset="0"/>
                                       </a:rPr>
                                     </m:ctrlPr>
                                   </m:sSubPr>
                                   <m:e>
                                     <m:r>
-                                      <a:rPr>
+                                      <a:rPr lang="ar-AE">
                                         <a:latin typeface="Cambria Math" panose="02040503050406030204" pitchFamily="18" charset="0"/>
                                       </a:rPr>
                                       <m:t>𝜇</m:t>
@@ -8140,7 +8902,7 @@
                                   </m:e>
                                   <m:sub>
                                     <m:r>
-                                      <a:rPr>
+                                      <a:rPr lang="ar-AE">
                                         <a:latin typeface="Cambria Math" panose="02040503050406030204" pitchFamily="18" charset="0"/>
                                       </a:rPr>
                                       <m:t>𝑛</m:t>
@@ -8155,16 +8917,16 @@
                     </m:oMath>
                   </m:oMathPara>
                 </a14:m>
-                <a:endParaRPr dirty="0"/>
+                <a:endParaRPr lang="ar-AE" dirty="0"/>
               </a:p>
               <a:p>
                 <a:pPr lvl="0"/>
                 <a:r>
-                  <a:rPr b="1" dirty="0"/>
+                  <a:rPr lang="en-US" b="1" dirty="0"/>
                   <a:t>With intercept term </a:t>
                 </a:r>
                 <a:r>
-                  <a:rPr dirty="0"/>
+                  <a:rPr lang="en-US" dirty="0"/>
                   <a:t>compute effect sizes using contrasts, </a:t>
                 </a:r>
                 <a14:m>
@@ -8174,29 +8936,35 @@
                         <m:begChr m:val="["/>
                         <m:endChr m:val="]"/>
                         <m:ctrlPr>
-                          <a:rPr i="1">
+                          <a:rPr lang="ar-AE" i="1">
                             <a:latin typeface="Cambria Math" panose="02040503050406030204" pitchFamily="18" charset="0"/>
                           </a:rPr>
                         </m:ctrlPr>
                       </m:dPr>
                       <m:e>
                         <m:r>
-                          <a:rPr>
+                          <a:rPr lang="en-US" b="0" i="0" smtClean="0">
                             <a:latin typeface="Cambria Math" panose="02040503050406030204" pitchFamily="18" charset="0"/>
                           </a:rPr>
-                          <m:t>1,</m:t>
+                          <m:t>0</m:t>
+                        </m:r>
+                        <m:r>
+                          <a:rPr lang="ar-AE">
+                            <a:latin typeface="Cambria Math" panose="02040503050406030204" pitchFamily="18" charset="0"/>
+                          </a:rPr>
+                          <m:t>,</m:t>
                         </m:r>
                         <m:sSub>
                           <m:sSubPr>
                             <m:ctrlPr>
-                              <a:rPr i="1">
+                              <a:rPr lang="ar-AE" i="1">
                                 <a:latin typeface="Cambria Math" panose="02040503050406030204" pitchFamily="18" charset="0"/>
                               </a:rPr>
                             </m:ctrlPr>
                           </m:sSubPr>
                           <m:e>
                             <m:r>
-                              <a:rPr>
+                              <a:rPr lang="ar-AE">
                                 <a:latin typeface="Cambria Math" panose="02040503050406030204" pitchFamily="18" charset="0"/>
                               </a:rPr>
                               <m:t>𝑐</m:t>
@@ -8204,7 +8972,7 @@
                           </m:e>
                           <m:sub>
                             <m:r>
-                              <a:rPr>
+                              <a:rPr lang="ar-AE">
                                 <a:latin typeface="Cambria Math" panose="02040503050406030204" pitchFamily="18" charset="0"/>
                               </a:rPr>
                               <m:t>2</m:t>
@@ -8212,7 +8980,7 @@
                           </m:sub>
                         </m:sSub>
                         <m:r>
-                          <a:rPr>
+                          <a:rPr lang="ar-AE">
                             <a:latin typeface="Cambria Math" panose="02040503050406030204" pitchFamily="18" charset="0"/>
                           </a:rPr>
                           <m:t>,</m:t>
@@ -8220,14 +8988,14 @@
                         <m:sSub>
                           <m:sSubPr>
                             <m:ctrlPr>
-                              <a:rPr i="1">
+                              <a:rPr lang="ar-AE" i="1">
                                 <a:latin typeface="Cambria Math" panose="02040503050406030204" pitchFamily="18" charset="0"/>
                               </a:rPr>
                             </m:ctrlPr>
                           </m:sSubPr>
                           <m:e>
                             <m:r>
-                              <a:rPr>
+                              <a:rPr lang="ar-AE">
                                 <a:latin typeface="Cambria Math" panose="02040503050406030204" pitchFamily="18" charset="0"/>
                               </a:rPr>
                               <m:t>𝑐</m:t>
@@ -8235,7 +9003,7 @@
                           </m:e>
                           <m:sub>
                             <m:r>
-                              <a:rPr>
+                              <a:rPr lang="ar-AE">
                                 <a:latin typeface="Cambria Math" panose="02040503050406030204" pitchFamily="18" charset="0"/>
                               </a:rPr>
                               <m:t>3</m:t>
@@ -8243,7 +9011,7 @@
                           </m:sub>
                         </m:sSub>
                         <m:r>
-                          <a:rPr>
+                          <a:rPr lang="ar-AE">
                             <a:latin typeface="Cambria Math" panose="02040503050406030204" pitchFamily="18" charset="0"/>
                           </a:rPr>
                           <m:t>,…,</m:t>
@@ -8251,14 +9019,14 @@
                         <m:sSub>
                           <m:sSubPr>
                             <m:ctrlPr>
-                              <a:rPr i="1">
+                              <a:rPr lang="ar-AE" i="1">
                                 <a:latin typeface="Cambria Math" panose="02040503050406030204" pitchFamily="18" charset="0"/>
                               </a:rPr>
                             </m:ctrlPr>
                           </m:sSubPr>
                           <m:e>
                             <m:r>
-                              <a:rPr>
+                              <a:rPr lang="ar-AE">
                                 <a:latin typeface="Cambria Math" panose="02040503050406030204" pitchFamily="18" charset="0"/>
                               </a:rPr>
                               <m:t>𝑐</m:t>
@@ -8266,7 +9034,7 @@
                           </m:e>
                           <m:sub>
                             <m:r>
-                              <a:rPr>
+                              <a:rPr lang="ar-AE">
                                 <a:latin typeface="Cambria Math" panose="02040503050406030204" pitchFamily="18" charset="0"/>
                               </a:rPr>
                               <m:t>𝑛</m:t>
@@ -8278,7 +9046,7 @@
                   </m:oMath>
                 </a14:m>
                 <a:r>
-                  <a:rPr dirty="0"/>
+                  <a:rPr lang="ar-AE" dirty="0"/>
                   <a:t>:</a:t>
                 </a:r>
               </a:p>
@@ -8297,7 +9065,7 @@
                           <m:begChr m:val="["/>
                           <m:endChr m:val="]"/>
                           <m:ctrlPr>
-                            <a:rPr i="1">
+                            <a:rPr lang="ar-AE" i="1">
                               <a:latin typeface="Cambria Math" panose="02040503050406030204" pitchFamily="18" charset="0"/>
                             </a:rPr>
                           </m:ctrlPr>
@@ -8314,7 +9082,7 @@
                                 </m:mc>
                               </m:mcs>
                               <m:ctrlPr>
-                                <a:rPr i="1">
+                                <a:rPr lang="ar-AE" i="1">
                                   <a:latin typeface="Cambria Math" panose="02040503050406030204" pitchFamily="18" charset="0"/>
                                 </a:rPr>
                               </m:ctrlPr>
@@ -8324,14 +9092,14 @@
                                 <m:sSub>
                                   <m:sSubPr>
                                     <m:ctrlPr>
-                                      <a:rPr i="1">
+                                      <a:rPr lang="ar-AE" i="1">
                                         <a:latin typeface="Cambria Math" panose="02040503050406030204" pitchFamily="18" charset="0"/>
                                       </a:rPr>
                                     </m:ctrlPr>
                                   </m:sSubPr>
                                   <m:e>
                                     <m:r>
-                                      <a:rPr>
+                                      <a:rPr lang="ar-AE">
                                         <a:latin typeface="Cambria Math" panose="02040503050406030204" pitchFamily="18" charset="0"/>
                                       </a:rPr>
                                       <m:t>𝑒</m:t>
@@ -8339,7 +9107,7 @@
                                   </m:e>
                                   <m:sub>
                                     <m:r>
-                                      <a:rPr>
+                                      <a:rPr lang="ar-AE">
                                         <a:latin typeface="Cambria Math" panose="02040503050406030204" pitchFamily="18" charset="0"/>
                                       </a:rPr>
                                       <m:t>1</m:t>
@@ -8353,14 +9121,14 @@
                                 <m:sSub>
                                   <m:sSubPr>
                                     <m:ctrlPr>
-                                      <a:rPr i="1">
+                                      <a:rPr lang="ar-AE" i="1">
                                         <a:latin typeface="Cambria Math" panose="02040503050406030204" pitchFamily="18" charset="0"/>
                                       </a:rPr>
                                     </m:ctrlPr>
                                   </m:sSubPr>
                                   <m:e>
                                     <m:r>
-                                      <a:rPr>
+                                      <a:rPr lang="ar-AE">
                                         <a:latin typeface="Cambria Math" panose="02040503050406030204" pitchFamily="18" charset="0"/>
                                       </a:rPr>
                                       <m:t>𝑒</m:t>
@@ -8368,7 +9136,7 @@
                                   </m:e>
                                   <m:sub>
                                     <m:r>
-                                      <a:rPr>
+                                      <a:rPr lang="ar-AE">
                                         <a:latin typeface="Cambria Math" panose="02040503050406030204" pitchFamily="18" charset="0"/>
                                       </a:rPr>
                                       <m:t>2</m:t>
@@ -8380,7 +9148,7 @@
                             <m:mr>
                               <m:e>
                                 <m:r>
-                                  <a:rPr>
+                                  <a:rPr lang="ar-AE">
                                     <a:latin typeface="Cambria Math" panose="02040503050406030204" pitchFamily="18" charset="0"/>
                                   </a:rPr>
                                   <m:t>⋮</m:t>
@@ -8392,14 +9160,14 @@
                                 <m:sSub>
                                   <m:sSubPr>
                                     <m:ctrlPr>
-                                      <a:rPr i="1">
+                                      <a:rPr lang="ar-AE" i="1">
                                         <a:latin typeface="Cambria Math" panose="02040503050406030204" pitchFamily="18" charset="0"/>
                                       </a:rPr>
                                     </m:ctrlPr>
                                   </m:sSubPr>
                                   <m:e>
                                     <m:r>
-                                      <a:rPr>
+                                      <a:rPr lang="ar-AE">
                                         <a:latin typeface="Cambria Math" panose="02040503050406030204" pitchFamily="18" charset="0"/>
                                       </a:rPr>
                                       <m:t>𝑒</m:t>
@@ -8407,7 +9175,7 @@
                                   </m:e>
                                   <m:sub>
                                     <m:r>
-                                      <a:rPr>
+                                      <a:rPr lang="ar-AE">
                                         <a:latin typeface="Cambria Math" panose="02040503050406030204" pitchFamily="18" charset="0"/>
                                       </a:rPr>
                                       <m:t>𝑛</m:t>
@@ -8420,7 +9188,7 @@
                         </m:e>
                       </m:d>
                       <m:r>
-                        <a:rPr>
+                        <a:rPr lang="ar-AE">
                           <a:latin typeface="Cambria Math" panose="02040503050406030204" pitchFamily="18" charset="0"/>
                         </a:rPr>
                         <m:t>=</m:t>
@@ -8430,7 +9198,7 @@
                           <m:begChr m:val="["/>
                           <m:endChr m:val="]"/>
                           <m:ctrlPr>
-                            <a:rPr i="1">
+                            <a:rPr lang="ar-AE" i="1">
                               <a:latin typeface="Cambria Math" panose="02040503050406030204" pitchFamily="18" charset="0"/>
                             </a:rPr>
                           </m:ctrlPr>
@@ -8447,31 +9215,69 @@
                                 </m:mc>
                               </m:mcs>
                               <m:ctrlPr>
-                                <a:rPr i="1">
+                                <a:rPr lang="ar-AE" i="1">
                                   <a:latin typeface="Cambria Math" panose="02040503050406030204" pitchFamily="18" charset="0"/>
                                 </a:rPr>
                               </m:ctrlPr>
                             </m:mPr>
                             <m:mr>
                               <m:e>
-                                <m:r>
-                                  <a:rPr>
-                                    <a:latin typeface="Cambria Math" panose="02040503050406030204" pitchFamily="18" charset="0"/>
-                                  </a:rPr>
-                                  <m:t>𝐼</m:t>
-                                </m:r>
+                                <m:sSub>
+                                  <m:sSubPr>
+                                    <m:ctrlPr>
+                                      <a:rPr lang="ar-AE" i="1">
+                                        <a:latin typeface="Cambria Math" panose="02040503050406030204" pitchFamily="18" charset="0"/>
+                                      </a:rPr>
+                                    </m:ctrlPr>
+                                  </m:sSubPr>
+                                  <m:e>
+                                    <m:r>
+                                      <a:rPr lang="ar-AE">
+                                        <a:latin typeface="Cambria Math" panose="02040503050406030204" pitchFamily="18" charset="0"/>
+                                      </a:rPr>
+                                      <m:t>𝜇</m:t>
+                                    </m:r>
+                                  </m:e>
+                                  <m:sub>
+                                    <m:r>
+                                      <a:rPr lang="ar-AE">
+                                        <a:latin typeface="Cambria Math" panose="02040503050406030204" pitchFamily="18" charset="0"/>
+                                      </a:rPr>
+                                      <m:t>1</m:t>
+                                    </m:r>
+                                  </m:sub>
+                                </m:sSub>
                               </m:e>
                             </m:mr>
                             <m:mr>
                               <m:e>
+                                <m:sSub>
+                                  <m:sSubPr>
+                                    <m:ctrlPr>
+                                      <a:rPr lang="ar-AE" i="1">
+                                        <a:latin typeface="Cambria Math" panose="02040503050406030204" pitchFamily="18" charset="0"/>
+                                      </a:rPr>
+                                    </m:ctrlPr>
+                                  </m:sSubPr>
+                                  <m:e>
+                                    <m:r>
+                                      <a:rPr lang="ar-AE">
+                                        <a:latin typeface="Cambria Math" panose="02040503050406030204" pitchFamily="18" charset="0"/>
+                                      </a:rPr>
+                                      <m:t>𝜇</m:t>
+                                    </m:r>
+                                  </m:e>
+                                  <m:sub>
+                                    <m:r>
+                                      <a:rPr lang="ar-AE">
+                                        <a:latin typeface="Cambria Math" panose="02040503050406030204" pitchFamily="18" charset="0"/>
+                                      </a:rPr>
+                                      <m:t>1</m:t>
+                                    </m:r>
+                                  </m:sub>
+                                </m:sSub>
                                 <m:r>
-                                  <a:rPr>
-                                    <a:latin typeface="Cambria Math" panose="02040503050406030204" pitchFamily="18" charset="0"/>
-                                  </a:rPr>
-                                  <m:t>𝐼</m:t>
-                                </m:r>
-                                <m:r>
-                                  <a:rPr>
+                                  <a:rPr lang="ar-AE">
                                     <a:latin typeface="Cambria Math" panose="02040503050406030204" pitchFamily="18" charset="0"/>
                                   </a:rPr>
                                   <m:t>+</m:t>
@@ -8479,14 +9285,14 @@
                                 <m:sSub>
                                   <m:sSubPr>
                                     <m:ctrlPr>
-                                      <a:rPr i="1">
+                                      <a:rPr lang="ar-AE" i="1">
                                         <a:latin typeface="Cambria Math" panose="02040503050406030204" pitchFamily="18" charset="0"/>
                                       </a:rPr>
                                     </m:ctrlPr>
                                   </m:sSubPr>
                                   <m:e>
                                     <m:r>
-                                      <a:rPr>
+                                      <a:rPr lang="ar-AE">
                                         <a:latin typeface="Cambria Math" panose="02040503050406030204" pitchFamily="18" charset="0"/>
                                       </a:rPr>
                                       <m:t>𝑐</m:t>
@@ -8494,7 +9300,7 @@
                                   </m:e>
                                   <m:sub>
                                     <m:r>
-                                      <a:rPr>
+                                      <a:rPr lang="ar-AE">
                                         <a:latin typeface="Cambria Math" panose="02040503050406030204" pitchFamily="18" charset="0"/>
                                       </a:rPr>
                                       <m:t>2</m:t>
@@ -8506,7 +9312,7 @@
                             <m:mr>
                               <m:e>
                                 <m:r>
-                                  <a:rPr>
+                                  <a:rPr lang="ar-AE">
                                     <a:latin typeface="Cambria Math" panose="02040503050406030204" pitchFamily="18" charset="0"/>
                                   </a:rPr>
                                   <m:t>⋮</m:t>
@@ -8515,14 +9321,33 @@
                             </m:mr>
                             <m:mr>
                               <m:e>
+                                <m:sSub>
+                                  <m:sSubPr>
+                                    <m:ctrlPr>
+                                      <a:rPr lang="ar-AE" i="1">
+                                        <a:latin typeface="Cambria Math" panose="02040503050406030204" pitchFamily="18" charset="0"/>
+                                      </a:rPr>
+                                    </m:ctrlPr>
+                                  </m:sSubPr>
+                                  <m:e>
+                                    <m:r>
+                                      <a:rPr lang="ar-AE">
+                                        <a:latin typeface="Cambria Math" panose="02040503050406030204" pitchFamily="18" charset="0"/>
+                                      </a:rPr>
+                                      <m:t>𝜇</m:t>
+                                    </m:r>
+                                  </m:e>
+                                  <m:sub>
+                                    <m:r>
+                                      <a:rPr lang="ar-AE">
+                                        <a:latin typeface="Cambria Math" panose="02040503050406030204" pitchFamily="18" charset="0"/>
+                                      </a:rPr>
+                                      <m:t>1</m:t>
+                                    </m:r>
+                                  </m:sub>
+                                </m:sSub>
                                 <m:r>
-                                  <a:rPr>
-                                    <a:latin typeface="Cambria Math" panose="02040503050406030204" pitchFamily="18" charset="0"/>
-                                  </a:rPr>
-                                  <m:t>𝐼</m:t>
-                                </m:r>
-                                <m:r>
-                                  <a:rPr>
+                                  <a:rPr lang="ar-AE">
                                     <a:latin typeface="Cambria Math" panose="02040503050406030204" pitchFamily="18" charset="0"/>
                                   </a:rPr>
                                   <m:t>+</m:t>
@@ -8530,14 +9355,14 @@
                                 <m:sSub>
                                   <m:sSubPr>
                                     <m:ctrlPr>
-                                      <a:rPr i="1">
+                                      <a:rPr lang="ar-AE" i="1">
                                         <a:latin typeface="Cambria Math" panose="02040503050406030204" pitchFamily="18" charset="0"/>
                                       </a:rPr>
                                     </m:ctrlPr>
                                   </m:sSubPr>
                                   <m:e>
                                     <m:r>
-                                      <a:rPr>
+                                      <a:rPr lang="ar-AE">
                                         <a:latin typeface="Cambria Math" panose="02040503050406030204" pitchFamily="18" charset="0"/>
                                       </a:rPr>
                                       <m:t>𝑐</m:t>
@@ -8545,7 +9370,7 @@
                                   </m:e>
                                   <m:sub>
                                     <m:r>
-                                      <a:rPr>
+                                      <a:rPr lang="ar-AE">
                                         <a:latin typeface="Cambria Math" panose="02040503050406030204" pitchFamily="18" charset="0"/>
                                       </a:rPr>
                                       <m:t>𝑛</m:t>
@@ -8565,7 +9390,7 @@
             </p:txBody>
           </p:sp>
         </mc:Choice>
-        <mc:Fallback xmlns="">
+        <mc:Fallback>
           <p:sp>
             <p:nvSpPr>
               <p:cNvPr id="3" name="Content Placeholder 2"/>
@@ -8850,7 +9675,7 @@
 </p:sld>
 </file>
 
-<file path=ppt/slides/slide14.xml><?xml version="1.0" encoding="utf-8"?>
+<file path=ppt/slides/slide15.xml><?xml version="1.0" encoding="utf-8"?>
 <p:sld xmlns:a="http://schemas.openxmlformats.org/drawingml/2006/main" xmlns:r="http://schemas.openxmlformats.org/officeDocument/2006/relationships" xmlns:p="http://schemas.openxmlformats.org/presentationml/2006/main">
   <p:cSld>
     <p:spTree>
@@ -9715,7 +10540,7 @@
 </p:sld>
 </file>
 
-<file path=ppt/slides/slide15.xml><?xml version="1.0" encoding="utf-8"?>
+<file path=ppt/slides/slide16.xml><?xml version="1.0" encoding="utf-8"?>
 <p:sld xmlns:a="http://schemas.openxmlformats.org/drawingml/2006/main" xmlns:r="http://schemas.openxmlformats.org/officeDocument/2006/relationships" xmlns:p="http://schemas.openxmlformats.org/presentationml/2006/main">
   <p:cSld>
     <p:spTree>
@@ -10507,7 +11332,7 @@
 </p:sld>
 </file>
 
-<file path=ppt/slides/slide16.xml><?xml version="1.0" encoding="utf-8"?>
+<file path=ppt/slides/slide17.xml><?xml version="1.0" encoding="utf-8"?>
 <p:sld xmlns:a="http://schemas.openxmlformats.org/drawingml/2006/main" xmlns:r="http://schemas.openxmlformats.org/officeDocument/2006/relationships" xmlns:p="http://schemas.openxmlformats.org/presentationml/2006/main">
   <p:cSld>
     <p:spTree>
@@ -10795,8 +11620,8 @@
           </a:fontRef>
         </p:style>
       </p:cxnSp>
-      <mc:AlternateContent xmlns:mc="http://schemas.openxmlformats.org/markup-compatibility/2006">
-        <mc:Choice xmlns:a14="http://schemas.microsoft.com/office/drawing/2010/main" Requires="a14">
+      <mc:AlternateContent xmlns:mc="http://schemas.openxmlformats.org/markup-compatibility/2006" xmlns:a14="http://schemas.microsoft.com/office/drawing/2010/main">
+        <mc:Choice Requires="a14">
           <p:sp>
             <p:nvSpPr>
               <p:cNvPr id="14" name="Content Placeholder 2">
@@ -11053,7 +11878,7 @@
             </p:txBody>
           </p:sp>
         </mc:Choice>
-        <mc:Fallback>
+        <mc:Fallback xmlns="">
           <p:sp>
             <p:nvSpPr>
               <p:cNvPr id="14" name="Content Placeholder 2">
@@ -11948,7 +12773,7 @@
 </p:sld>
 </file>
 
-<file path=ppt/slides/slide17.xml><?xml version="1.0" encoding="utf-8"?>
+<file path=ppt/slides/slide18.xml><?xml version="1.0" encoding="utf-8"?>
 <p:sld xmlns:a="http://schemas.openxmlformats.org/drawingml/2006/main" xmlns:r="http://schemas.openxmlformats.org/officeDocument/2006/relationships" xmlns:p="http://schemas.openxmlformats.org/presentationml/2006/main">
   <p:cSld>
     <p:spTree>
@@ -12279,7 +13104,7 @@
 </p:sld>
 </file>
 
-<file path=ppt/slides/slide18.xml><?xml version="1.0" encoding="utf-8"?>
+<file path=ppt/slides/slide19.xml><?xml version="1.0" encoding="utf-8"?>
 <p:sld xmlns:a="http://schemas.openxmlformats.org/drawingml/2006/main" xmlns:r="http://schemas.openxmlformats.org/officeDocument/2006/relationships" xmlns:p="http://schemas.openxmlformats.org/presentationml/2006/main">
   <p:cSld>
     <p:spTree>
@@ -12776,7 +13601,494 @@
 </p:sld>
 </file>
 
-<file path=ppt/slides/slide19.xml><?xml version="1.0" encoding="utf-8"?>
+<file path=ppt/slides/slide2.xml><?xml version="1.0" encoding="utf-8"?>
+<p:sld xmlns:a="http://schemas.openxmlformats.org/drawingml/2006/main" xmlns:r="http://schemas.openxmlformats.org/officeDocument/2006/relationships" xmlns:p="http://schemas.openxmlformats.org/presentationml/2006/main">
+  <p:cSld>
+    <p:spTree>
+      <p:nvGrpSpPr>
+        <p:cNvPr id="1" name=""/>
+        <p:cNvGrpSpPr/>
+        <p:nvPr/>
+      </p:nvGrpSpPr>
+      <p:grpSpPr>
+        <a:xfrm>
+          <a:off x="0" y="0"/>
+          <a:ext cx="0" cy="0"/>
+          <a:chOff x="0" y="0"/>
+          <a:chExt cx="0" cy="0"/>
+        </a:xfrm>
+      </p:grpSpPr>
+      <p:sp>
+        <p:nvSpPr>
+          <p:cNvPr id="2" name="Title 1"/>
+          <p:cNvSpPr>
+            <a:spLocks noGrp="1"/>
+          </p:cNvSpPr>
+          <p:nvPr>
+            <p:ph type="title"/>
+          </p:nvPr>
+        </p:nvSpPr>
+        <p:spPr/>
+        <p:txBody>
+          <a:bodyPr/>
+          <a:lstStyle/>
+          <a:p>
+            <a:pPr marL="0" lvl="0" indent="0">
+              <a:buNone/>
+            </a:pPr>
+            <a:r>
+              <a:t>Review</a:t>
+            </a:r>
+          </a:p>
+        </p:txBody>
+      </p:sp>
+      <p:sp>
+        <p:nvSpPr>
+          <p:cNvPr id="3" name="Content Placeholder 2"/>
+          <p:cNvSpPr>
+            <a:spLocks noGrp="1"/>
+          </p:cNvSpPr>
+          <p:nvPr>
+            <p:ph idx="1"/>
+          </p:nvPr>
+        </p:nvSpPr>
+        <p:spPr>
+          <a:xfrm>
+            <a:off x="457200" y="1063230"/>
+            <a:ext cx="8229600" cy="3945188"/>
+          </a:xfrm>
+        </p:spPr>
+        <p:txBody>
+          <a:bodyPr>
+            <a:normAutofit fontScale="92500"/>
+          </a:bodyPr>
+          <a:lstStyle/>
+          <a:p>
+            <a:pPr marL="0" lvl="0" indent="0">
+              <a:buNone/>
+            </a:pPr>
+            <a:r>
+              <a:rPr lang="en-US" dirty="0"/>
+              <a:t>Linear models are a flexible and widely used class of models</a:t>
+            </a:r>
+          </a:p>
+          <a:p>
+            <a:pPr lvl="0"/>
+            <a:r>
+              <a:rPr lang="en-US" dirty="0"/>
+              <a:t>Fit model coefficients by </a:t>
+            </a:r>
+            <a:r>
+              <a:rPr lang="en-US" b="1" dirty="0"/>
+              <a:t>least squares</a:t>
+            </a:r>
+            <a:r>
+              <a:rPr lang="en-US" dirty="0"/>
+              <a:t> estimation</a:t>
+            </a:r>
+          </a:p>
+          <a:p>
+            <a:pPr lvl="1"/>
+            <a:r>
+              <a:rPr lang="en-US" dirty="0"/>
+              <a:t>Least squares computes maximum likelihood </a:t>
+            </a:r>
+            <a:r>
+              <a:rPr lang="en-US" b="1" dirty="0"/>
+              <a:t>point estimate </a:t>
+            </a:r>
+          </a:p>
+          <a:p>
+            <a:pPr lvl="1"/>
+            <a:r>
+              <a:rPr lang="en-US" dirty="0"/>
+              <a:t>Produces Normally distributed residuals</a:t>
+            </a:r>
+          </a:p>
+          <a:p>
+            <a:pPr lvl="0"/>
+            <a:r>
+              <a:rPr lang="en-US" dirty="0"/>
+              <a:t>Can use many types of predictor variables, linear and nonlinear</a:t>
+            </a:r>
+          </a:p>
+          <a:p>
+            <a:pPr lvl="1"/>
+            <a:r>
+              <a:rPr lang="en-US" b="1" dirty="0"/>
+              <a:t>Model is linear in parameters</a:t>
+            </a:r>
+            <a:endParaRPr lang="ar-AE" b="1" dirty="0"/>
+          </a:p>
+          <a:p>
+            <a:pPr lvl="0"/>
+            <a:r>
+              <a:rPr lang="en-US" dirty="0"/>
+              <a:t>We prefer the simplest model that does the job</a:t>
+            </a:r>
+          </a:p>
+          <a:p>
+            <a:pPr lvl="1"/>
+            <a:r>
+              <a:rPr lang="en-US" dirty="0"/>
+              <a:t>Parsimonious model has the fewest parameters required to explain the data</a:t>
+            </a:r>
+          </a:p>
+          <a:p>
+            <a:pPr lvl="1"/>
+            <a:r>
+              <a:rPr lang="en-US" dirty="0"/>
+              <a:t>The principle of </a:t>
+            </a:r>
+            <a:r>
+              <a:rPr lang="en-US" b="1" dirty="0"/>
+              <a:t>Occam’s razor</a:t>
+            </a:r>
+            <a:endParaRPr b="1" dirty="0"/>
+          </a:p>
+        </p:txBody>
+      </p:sp>
+    </p:spTree>
+  </p:cSld>
+  <p:clrMapOvr>
+    <a:masterClrMapping/>
+  </p:clrMapOvr>
+  <p:timing>
+    <p:tnLst>
+      <p:par>
+        <p:cTn id="1" dur="indefinite" restart="never" nodeType="tmRoot">
+          <p:childTnLst>
+            <p:seq concurrent="1" nextAc="seek">
+              <p:cTn id="2" dur="indefinite" nodeType="mainSeq">
+                <p:childTnLst>
+                  <p:par>
+                    <p:cTn id="3" fill="hold">
+                      <p:stCondLst>
+                        <p:cond delay="indefinite"/>
+                      </p:stCondLst>
+                      <p:childTnLst>
+                        <p:par>
+                          <p:cTn id="4" fill="hold">
+                            <p:stCondLst>
+                              <p:cond delay="0"/>
+                            </p:stCondLst>
+                            <p:childTnLst>
+                              <p:par>
+                                <p:cTn id="5" presetID="1" presetClass="entr" presetSubtype="0" fill="hold" nodeType="clickEffect">
+                                  <p:stCondLst>
+                                    <p:cond delay="0"/>
+                                  </p:stCondLst>
+                                  <p:childTnLst>
+                                    <p:set>
+                                      <p:cBhvr>
+                                        <p:cTn id="6" dur="1" fill="hold">
+                                          <p:stCondLst>
+                                            <p:cond delay="0"/>
+                                          </p:stCondLst>
+                                        </p:cTn>
+                                        <p:tgtEl>
+                                          <p:spTgt spid="3">
+                                            <p:txEl>
+                                              <p:pRg st="1" end="1"/>
+                                            </p:txEl>
+                                          </p:spTgt>
+                                        </p:tgtEl>
+                                        <p:attrNameLst>
+                                          <p:attrName>style.visibility</p:attrName>
+                                        </p:attrNameLst>
+                                      </p:cBhvr>
+                                      <p:to>
+                                        <p:strVal val="visible"/>
+                                      </p:to>
+                                    </p:set>
+                                  </p:childTnLst>
+                                </p:cTn>
+                              </p:par>
+                              <p:par>
+                                <p:cTn id="7" presetID="1" presetClass="entr" presetSubtype="0" fill="hold" nodeType="withEffect">
+                                  <p:stCondLst>
+                                    <p:cond delay="0"/>
+                                  </p:stCondLst>
+                                  <p:childTnLst>
+                                    <p:set>
+                                      <p:cBhvr>
+                                        <p:cTn id="8" dur="1" fill="hold">
+                                          <p:stCondLst>
+                                            <p:cond delay="0"/>
+                                          </p:stCondLst>
+                                        </p:cTn>
+                                        <p:tgtEl>
+                                          <p:spTgt spid="3">
+                                            <p:txEl>
+                                              <p:pRg st="2" end="2"/>
+                                            </p:txEl>
+                                          </p:spTgt>
+                                        </p:tgtEl>
+                                        <p:attrNameLst>
+                                          <p:attrName>style.visibility</p:attrName>
+                                        </p:attrNameLst>
+                                      </p:cBhvr>
+                                      <p:to>
+                                        <p:strVal val="visible"/>
+                                      </p:to>
+                                    </p:set>
+                                  </p:childTnLst>
+                                </p:cTn>
+                              </p:par>
+                              <p:par>
+                                <p:cTn id="9" presetID="1" presetClass="entr" presetSubtype="0" fill="hold" nodeType="withEffect">
+                                  <p:stCondLst>
+                                    <p:cond delay="0"/>
+                                  </p:stCondLst>
+                                  <p:childTnLst>
+                                    <p:set>
+                                      <p:cBhvr>
+                                        <p:cTn id="10" dur="1" fill="hold">
+                                          <p:stCondLst>
+                                            <p:cond delay="0"/>
+                                          </p:stCondLst>
+                                        </p:cTn>
+                                        <p:tgtEl>
+                                          <p:spTgt spid="3">
+                                            <p:txEl>
+                                              <p:pRg st="3" end="3"/>
+                                            </p:txEl>
+                                          </p:spTgt>
+                                        </p:tgtEl>
+                                        <p:attrNameLst>
+                                          <p:attrName>style.visibility</p:attrName>
+                                        </p:attrNameLst>
+                                      </p:cBhvr>
+                                      <p:to>
+                                        <p:strVal val="visible"/>
+                                      </p:to>
+                                    </p:set>
+                                  </p:childTnLst>
+                                </p:cTn>
+                              </p:par>
+                            </p:childTnLst>
+                          </p:cTn>
+                        </p:par>
+                      </p:childTnLst>
+                    </p:cTn>
+                  </p:par>
+                  <p:par>
+                    <p:cTn id="11" fill="hold">
+                      <p:stCondLst>
+                        <p:cond delay="indefinite"/>
+                      </p:stCondLst>
+                      <p:childTnLst>
+                        <p:par>
+                          <p:cTn id="12" fill="hold">
+                            <p:stCondLst>
+                              <p:cond delay="0"/>
+                            </p:stCondLst>
+                            <p:childTnLst>
+                              <p:par>
+                                <p:cTn id="13" presetID="1" presetClass="entr" presetSubtype="0" fill="hold" nodeType="clickEffect">
+                                  <p:stCondLst>
+                                    <p:cond delay="0"/>
+                                  </p:stCondLst>
+                                  <p:childTnLst>
+                                    <p:set>
+                                      <p:cBhvr>
+                                        <p:cTn id="14" dur="1" fill="hold">
+                                          <p:stCondLst>
+                                            <p:cond delay="0"/>
+                                          </p:stCondLst>
+                                        </p:cTn>
+                                        <p:tgtEl>
+                                          <p:spTgt spid="3">
+                                            <p:txEl>
+                                              <p:pRg st="4" end="4"/>
+                                            </p:txEl>
+                                          </p:spTgt>
+                                        </p:tgtEl>
+                                        <p:attrNameLst>
+                                          <p:attrName>style.visibility</p:attrName>
+                                        </p:attrNameLst>
+                                      </p:cBhvr>
+                                      <p:to>
+                                        <p:strVal val="visible"/>
+                                      </p:to>
+                                    </p:set>
+                                  </p:childTnLst>
+                                </p:cTn>
+                              </p:par>
+                              <p:par>
+                                <p:cTn id="15" presetID="1" presetClass="entr" presetSubtype="0" fill="hold" nodeType="withEffect">
+                                  <p:stCondLst>
+                                    <p:cond delay="0"/>
+                                  </p:stCondLst>
+                                  <p:childTnLst>
+                                    <p:set>
+                                      <p:cBhvr>
+                                        <p:cTn id="16" dur="1" fill="hold">
+                                          <p:stCondLst>
+                                            <p:cond delay="0"/>
+                                          </p:stCondLst>
+                                        </p:cTn>
+                                        <p:tgtEl>
+                                          <p:spTgt spid="3">
+                                            <p:txEl>
+                                              <p:pRg st="5" end="5"/>
+                                            </p:txEl>
+                                          </p:spTgt>
+                                        </p:tgtEl>
+                                        <p:attrNameLst>
+                                          <p:attrName>style.visibility</p:attrName>
+                                        </p:attrNameLst>
+                                      </p:cBhvr>
+                                      <p:to>
+                                        <p:strVal val="visible"/>
+                                      </p:to>
+                                    </p:set>
+                                  </p:childTnLst>
+                                </p:cTn>
+                              </p:par>
+                            </p:childTnLst>
+                          </p:cTn>
+                        </p:par>
+                      </p:childTnLst>
+                    </p:cTn>
+                  </p:par>
+                  <p:par>
+                    <p:cTn id="17" fill="hold">
+                      <p:stCondLst>
+                        <p:cond delay="indefinite"/>
+                      </p:stCondLst>
+                      <p:childTnLst>
+                        <p:par>
+                          <p:cTn id="18" fill="hold">
+                            <p:stCondLst>
+                              <p:cond delay="0"/>
+                            </p:stCondLst>
+                            <p:childTnLst>
+                              <p:par>
+                                <p:cTn id="19" presetID="1" presetClass="entr" presetSubtype="0" fill="hold" nodeType="clickEffect">
+                                  <p:stCondLst>
+                                    <p:cond delay="0"/>
+                                  </p:stCondLst>
+                                  <p:childTnLst>
+                                    <p:set>
+                                      <p:cBhvr>
+                                        <p:cTn id="20" dur="1" fill="hold">
+                                          <p:stCondLst>
+                                            <p:cond delay="0"/>
+                                          </p:stCondLst>
+                                        </p:cTn>
+                                        <p:tgtEl>
+                                          <p:spTgt spid="3">
+                                            <p:txEl>
+                                              <p:pRg st="6" end="6"/>
+                                            </p:txEl>
+                                          </p:spTgt>
+                                        </p:tgtEl>
+                                        <p:attrNameLst>
+                                          <p:attrName>style.visibility</p:attrName>
+                                        </p:attrNameLst>
+                                      </p:cBhvr>
+                                      <p:to>
+                                        <p:strVal val="visible"/>
+                                      </p:to>
+                                    </p:set>
+                                  </p:childTnLst>
+                                </p:cTn>
+                              </p:par>
+                              <p:par>
+                                <p:cTn id="21" presetID="1" presetClass="entr" presetSubtype="0" fill="hold" nodeType="withEffect">
+                                  <p:stCondLst>
+                                    <p:cond delay="0"/>
+                                  </p:stCondLst>
+                                  <p:childTnLst>
+                                    <p:set>
+                                      <p:cBhvr>
+                                        <p:cTn id="22" dur="1" fill="hold">
+                                          <p:stCondLst>
+                                            <p:cond delay="0"/>
+                                          </p:stCondLst>
+                                        </p:cTn>
+                                        <p:tgtEl>
+                                          <p:spTgt spid="3">
+                                            <p:txEl>
+                                              <p:pRg st="7" end="7"/>
+                                            </p:txEl>
+                                          </p:spTgt>
+                                        </p:tgtEl>
+                                        <p:attrNameLst>
+                                          <p:attrName>style.visibility</p:attrName>
+                                        </p:attrNameLst>
+                                      </p:cBhvr>
+                                      <p:to>
+                                        <p:strVal val="visible"/>
+                                      </p:to>
+                                    </p:set>
+                                  </p:childTnLst>
+                                </p:cTn>
+                              </p:par>
+                              <p:par>
+                                <p:cTn id="23" presetID="1" presetClass="entr" presetSubtype="0" fill="hold" nodeType="withEffect">
+                                  <p:stCondLst>
+                                    <p:cond delay="0"/>
+                                  </p:stCondLst>
+                                  <p:childTnLst>
+                                    <p:set>
+                                      <p:cBhvr>
+                                        <p:cTn id="24" dur="1" fill="hold">
+                                          <p:stCondLst>
+                                            <p:cond delay="0"/>
+                                          </p:stCondLst>
+                                        </p:cTn>
+                                        <p:tgtEl>
+                                          <p:spTgt spid="3">
+                                            <p:txEl>
+                                              <p:pRg st="8" end="8"/>
+                                            </p:txEl>
+                                          </p:spTgt>
+                                        </p:tgtEl>
+                                        <p:attrNameLst>
+                                          <p:attrName>style.visibility</p:attrName>
+                                        </p:attrNameLst>
+                                      </p:cBhvr>
+                                      <p:to>
+                                        <p:strVal val="visible"/>
+                                      </p:to>
+                                    </p:set>
+                                  </p:childTnLst>
+                                </p:cTn>
+                              </p:par>
+                            </p:childTnLst>
+                          </p:cTn>
+                        </p:par>
+                      </p:childTnLst>
+                    </p:cTn>
+                  </p:par>
+                </p:childTnLst>
+              </p:cTn>
+              <p:prevCondLst>
+                <p:cond evt="onPrev" delay="0">
+                  <p:tgtEl>
+                    <p:sldTgt/>
+                  </p:tgtEl>
+                </p:cond>
+              </p:prevCondLst>
+              <p:nextCondLst>
+                <p:cond evt="onNext" delay="0">
+                  <p:tgtEl>
+                    <p:sldTgt/>
+                  </p:tgtEl>
+                </p:cond>
+              </p:nextCondLst>
+            </p:seq>
+          </p:childTnLst>
+        </p:cTn>
+      </p:par>
+    </p:tnLst>
+  </p:timing>
+</p:sld>
+</file>
+
+<file path=ppt/slides/slide20.xml><?xml version="1.0" encoding="utf-8"?>
 <p:sld xmlns:a="http://schemas.openxmlformats.org/drawingml/2006/main" xmlns:r="http://schemas.openxmlformats.org/officeDocument/2006/relationships" xmlns:p="http://schemas.openxmlformats.org/presentationml/2006/main">
   <p:cSld>
     <p:spTree>
@@ -12883,7 +14195,7 @@
                 </a:r>
                 <a:r>
                   <a:rPr lang="en-US" b="1" dirty="0"/>
-                  <a:t>for a effects</a:t>
+                  <a:t>for an effect</a:t>
                 </a:r>
               </a:p>
               <a:p>
@@ -13235,158 +14547,7 @@
 </p:sld>
 </file>
 
-<file path=ppt/slides/slide2.xml><?xml version="1.0" encoding="utf-8"?>
-<p:sld xmlns:a="http://schemas.openxmlformats.org/drawingml/2006/main" xmlns:r="http://schemas.openxmlformats.org/officeDocument/2006/relationships" xmlns:p="http://schemas.openxmlformats.org/presentationml/2006/main">
-  <p:cSld>
-    <p:spTree>
-      <p:nvGrpSpPr>
-        <p:cNvPr id="1" name=""/>
-        <p:cNvGrpSpPr/>
-        <p:nvPr/>
-      </p:nvGrpSpPr>
-      <p:grpSpPr>
-        <a:xfrm>
-          <a:off x="0" y="0"/>
-          <a:ext cx="0" cy="0"/>
-          <a:chOff x="0" y="0"/>
-          <a:chExt cx="0" cy="0"/>
-        </a:xfrm>
-      </p:grpSpPr>
-      <p:sp>
-        <p:nvSpPr>
-          <p:cNvPr id="2" name="Title 1"/>
-          <p:cNvSpPr>
-            <a:spLocks noGrp="1"/>
-          </p:cNvSpPr>
-          <p:nvPr>
-            <p:ph type="title"/>
-          </p:nvPr>
-        </p:nvSpPr>
-        <p:spPr/>
-        <p:txBody>
-          <a:bodyPr/>
-          <a:lstStyle/>
-          <a:p>
-            <a:pPr marL="0" lvl="0" indent="0">
-              <a:buNone/>
-            </a:pPr>
-            <a:r>
-              <a:t>Review</a:t>
-            </a:r>
-          </a:p>
-        </p:txBody>
-      </p:sp>
-      <p:sp>
-        <p:nvSpPr>
-          <p:cNvPr id="3" name="Content Placeholder 2"/>
-          <p:cNvSpPr>
-            <a:spLocks noGrp="1"/>
-          </p:cNvSpPr>
-          <p:nvPr>
-            <p:ph idx="1"/>
-          </p:nvPr>
-        </p:nvSpPr>
-        <p:spPr>
-          <a:xfrm>
-            <a:off x="457200" y="1063230"/>
-            <a:ext cx="8229600" cy="3945188"/>
-          </a:xfrm>
-        </p:spPr>
-        <p:txBody>
-          <a:bodyPr>
-            <a:normAutofit fontScale="92500"/>
-          </a:bodyPr>
-          <a:lstStyle/>
-          <a:p>
-            <a:pPr marL="0" lvl="0" indent="0">
-              <a:buNone/>
-            </a:pPr>
-            <a:r>
-              <a:rPr lang="en-US" dirty="0"/>
-              <a:t>Linear models are a flexible and widely used class of models</a:t>
-            </a:r>
-          </a:p>
-          <a:p>
-            <a:pPr lvl="0"/>
-            <a:r>
-              <a:rPr lang="en-US" dirty="0"/>
-              <a:t>Fit model coefficients by </a:t>
-            </a:r>
-            <a:r>
-              <a:rPr lang="en-US" b="1" dirty="0"/>
-              <a:t>least squares</a:t>
-            </a:r>
-            <a:r>
-              <a:rPr lang="en-US" dirty="0"/>
-              <a:t> estimation</a:t>
-            </a:r>
-          </a:p>
-          <a:p>
-            <a:pPr lvl="1"/>
-            <a:r>
-              <a:rPr lang="en-US" dirty="0"/>
-              <a:t>Least squares is a maximum likelihood estimate, </a:t>
-            </a:r>
-          </a:p>
-          <a:p>
-            <a:pPr lvl="1"/>
-            <a:r>
-              <a:rPr lang="en-US" dirty="0"/>
-              <a:t>Produces Normally distributed residuals</a:t>
-            </a:r>
-          </a:p>
-          <a:p>
-            <a:pPr lvl="0"/>
-            <a:r>
-              <a:rPr lang="en-US" dirty="0"/>
-              <a:t>Can use many types of predictor variables, linear and nonlinear</a:t>
-            </a:r>
-          </a:p>
-          <a:p>
-            <a:pPr lvl="1"/>
-            <a:r>
-              <a:rPr lang="en-US" b="1" dirty="0"/>
-              <a:t>Model is linear in parameters</a:t>
-            </a:r>
-            <a:endParaRPr lang="ar-AE" b="1" dirty="0"/>
-          </a:p>
-          <a:p>
-            <a:pPr lvl="0"/>
-            <a:r>
-              <a:rPr lang="en-US" dirty="0"/>
-              <a:t>We prefer the simplest model that does the job</a:t>
-            </a:r>
-          </a:p>
-          <a:p>
-            <a:pPr lvl="1"/>
-            <a:r>
-              <a:rPr lang="en-US" dirty="0"/>
-              <a:t>Parsimonious model has the fewest parameters required to explain the data</a:t>
-            </a:r>
-          </a:p>
-          <a:p>
-            <a:pPr lvl="1"/>
-            <a:r>
-              <a:rPr lang="en-US" dirty="0"/>
-              <a:t>The principle of </a:t>
-            </a:r>
-            <a:r>
-              <a:rPr lang="en-US" b="1" dirty="0"/>
-              <a:t>Occam’s razor</a:t>
-            </a:r>
-            <a:endParaRPr b="1" dirty="0"/>
-          </a:p>
-        </p:txBody>
-      </p:sp>
-    </p:spTree>
-  </p:cSld>
-  <p:clrMapOvr>
-    <a:masterClrMapping/>
-  </p:clrMapOvr>
-</p:sld>
-</file>
-
-<file path=ppt/slides/slide20.xml><?xml version="1.0" encoding="utf-8"?>
+<file path=ppt/slides/slide21.xml><?xml version="1.0" encoding="utf-8"?>
 <p:sld xmlns:a="http://schemas.openxmlformats.org/drawingml/2006/main" xmlns:r="http://schemas.openxmlformats.org/officeDocument/2006/relationships" xmlns:p="http://schemas.openxmlformats.org/presentationml/2006/main">
   <p:cSld>
     <p:spTree>
@@ -13738,7 +14899,7 @@
 </p:sld>
 </file>
 
-<file path=ppt/slides/slide21.xml><?xml version="1.0" encoding="utf-8"?>
+<file path=ppt/slides/slide22.xml><?xml version="1.0" encoding="utf-8"?>
 <p:sld xmlns:a="http://schemas.openxmlformats.org/drawingml/2006/main" xmlns:r="http://schemas.openxmlformats.org/officeDocument/2006/relationships" xmlns:p="http://schemas.openxmlformats.org/presentationml/2006/main">
   <p:cSld>
     <p:spTree>
@@ -13796,7 +14957,7 @@
 </p:sld>
 </file>
 
-<file path=ppt/slides/slide22.xml><?xml version="1.0" encoding="utf-8"?>
+<file path=ppt/slides/slide23.xml><?xml version="1.0" encoding="utf-8"?>
 <p:sld xmlns:a="http://schemas.openxmlformats.org/drawingml/2006/main" xmlns:r="http://schemas.openxmlformats.org/officeDocument/2006/relationships" xmlns:p="http://schemas.openxmlformats.org/presentationml/2006/main">
   <p:cSld>
     <p:spTree>
@@ -14786,7 +15947,7 @@
 </p:sld>
 </file>
 
-<file path=ppt/slides/slide23.xml><?xml version="1.0" encoding="utf-8"?>
+<file path=ppt/slides/slide24.xml><?xml version="1.0" encoding="utf-8"?>
 <p:sld xmlns:a="http://schemas.openxmlformats.org/drawingml/2006/main" xmlns:r="http://schemas.openxmlformats.org/officeDocument/2006/relationships" xmlns:p="http://schemas.openxmlformats.org/presentationml/2006/main">
   <p:cSld>
     <p:spTree>
@@ -15316,7 +16477,7 @@
 </p:sld>
 </file>
 
-<file path=ppt/slides/slide24.xml><?xml version="1.0" encoding="utf-8"?>
+<file path=ppt/slides/slide25.xml><?xml version="1.0" encoding="utf-8"?>
 <p:sld xmlns:a="http://schemas.openxmlformats.org/drawingml/2006/main" xmlns:r="http://schemas.openxmlformats.org/officeDocument/2006/relationships" xmlns:p="http://schemas.openxmlformats.org/presentationml/2006/main">
   <p:cSld>
     <p:spTree>
@@ -15357,8 +16518,8 @@
           </a:p>
         </p:txBody>
       </p:sp>
-      <mc:AlternateContent xmlns:mc="http://schemas.openxmlformats.org/markup-compatibility/2006">
-        <mc:Choice xmlns:a14="http://schemas.microsoft.com/office/drawing/2010/main" Requires="a14">
+      <mc:AlternateContent xmlns:mc="http://schemas.openxmlformats.org/markup-compatibility/2006" xmlns:a14="http://schemas.microsoft.com/office/drawing/2010/main">
+        <mc:Choice Requires="a14">
           <p:sp>
             <p:nvSpPr>
               <p:cNvPr id="3" name="Content Placeholder 2"/>
@@ -16352,7 +17513,7 @@
             </p:txBody>
           </p:sp>
         </mc:Choice>
-        <mc:Fallback>
+        <mc:Fallback xmlns="">
           <p:sp>
             <p:nvSpPr>
               <p:cNvPr id="3" name="Content Placeholder 2"/>
@@ -16615,7 +17776,7 @@
 </p:sld>
 </file>
 
-<file path=ppt/slides/slide25.xml><?xml version="1.0" encoding="utf-8"?>
+<file path=ppt/slides/slide26.xml><?xml version="1.0" encoding="utf-8"?>
 <p:sld xmlns:a="http://schemas.openxmlformats.org/drawingml/2006/main" xmlns:r="http://schemas.openxmlformats.org/officeDocument/2006/relationships" xmlns:p="http://schemas.openxmlformats.org/presentationml/2006/main">
   <p:cSld>
     <p:spTree>
@@ -17076,7 +18237,7 @@
 </p:sld>
 </file>
 
-<file path=ppt/slides/slide26.xml><?xml version="1.0" encoding="utf-8"?>
+<file path=ppt/slides/slide27.xml><?xml version="1.0" encoding="utf-8"?>
 <p:sld xmlns:a="http://schemas.openxmlformats.org/drawingml/2006/main" xmlns:r="http://schemas.openxmlformats.org/officeDocument/2006/relationships" xmlns:p="http://schemas.openxmlformats.org/presentationml/2006/main">
   <p:cSld>
     <p:spTree>
@@ -19334,7 +20495,7 @@
 </p:sld>
 </file>
 
-<file path=ppt/slides/slide27.xml><?xml version="1.0" encoding="utf-8"?>
+<file path=ppt/slides/slide28.xml><?xml version="1.0" encoding="utf-8"?>
 <p:sld xmlns:a="http://schemas.openxmlformats.org/drawingml/2006/main" xmlns:r="http://schemas.openxmlformats.org/officeDocument/2006/relationships" xmlns:p="http://schemas.openxmlformats.org/presentationml/2006/main">
   <p:cSld>
     <p:spTree>
@@ -19831,7 +20992,7 @@
 </p:sld>
 </file>
 
-<file path=ppt/slides/slide28.xml><?xml version="1.0" encoding="utf-8"?>
+<file path=ppt/slides/slide29.xml><?xml version="1.0" encoding="utf-8"?>
 <p:sld xmlns:a="http://schemas.openxmlformats.org/drawingml/2006/main" xmlns:r="http://schemas.openxmlformats.org/officeDocument/2006/relationships" xmlns:p="http://schemas.openxmlformats.org/presentationml/2006/main">
   <p:cSld>
     <p:spTree>
@@ -20857,7 +22018,413 @@
 </p:sld>
 </file>
 
-<file path=ppt/slides/slide29.xml><?xml version="1.0" encoding="utf-8"?>
+<file path=ppt/slides/slide3.xml><?xml version="1.0" encoding="utf-8"?>
+<p:sld xmlns:a="http://schemas.openxmlformats.org/drawingml/2006/main" xmlns:r="http://schemas.openxmlformats.org/officeDocument/2006/relationships" xmlns:p="http://schemas.openxmlformats.org/presentationml/2006/main">
+  <p:cSld>
+    <p:spTree>
+      <p:nvGrpSpPr>
+        <p:cNvPr id="1" name="">
+          <a:extLst>
+            <a:ext uri="{FF2B5EF4-FFF2-40B4-BE49-F238E27FC236}">
+              <a16:creationId xmlns:a16="http://schemas.microsoft.com/office/drawing/2014/main" id="{34FB5E0C-230E-A1DA-22EE-8125D462565F}"/>
+            </a:ext>
+          </a:extLst>
+        </p:cNvPr>
+        <p:cNvGrpSpPr/>
+        <p:nvPr/>
+      </p:nvGrpSpPr>
+      <p:grpSpPr>
+        <a:xfrm>
+          <a:off x="0" y="0"/>
+          <a:ext cx="0" cy="0"/>
+          <a:chOff x="0" y="0"/>
+          <a:chExt cx="0" cy="0"/>
+        </a:xfrm>
+      </p:grpSpPr>
+      <p:sp>
+        <p:nvSpPr>
+          <p:cNvPr id="2" name="Title 1">
+            <a:extLst>
+              <a:ext uri="{FF2B5EF4-FFF2-40B4-BE49-F238E27FC236}">
+                <a16:creationId xmlns:a16="http://schemas.microsoft.com/office/drawing/2014/main" id="{53CB3934-5528-A0FF-93FF-90091BE0A6CA}"/>
+              </a:ext>
+            </a:extLst>
+          </p:cNvPr>
+          <p:cNvSpPr>
+            <a:spLocks noGrp="1"/>
+          </p:cNvSpPr>
+          <p:nvPr>
+            <p:ph type="title"/>
+          </p:nvPr>
+        </p:nvSpPr>
+        <p:spPr/>
+        <p:txBody>
+          <a:bodyPr/>
+          <a:lstStyle/>
+          <a:p>
+            <a:pPr marL="0" lvl="0" indent="0">
+              <a:buNone/>
+            </a:pPr>
+            <a:r>
+              <a:t>Review</a:t>
+            </a:r>
+          </a:p>
+        </p:txBody>
+      </p:sp>
+      <p:sp>
+        <p:nvSpPr>
+          <p:cNvPr id="3" name="Content Placeholder 2">
+            <a:extLst>
+              <a:ext uri="{FF2B5EF4-FFF2-40B4-BE49-F238E27FC236}">
+                <a16:creationId xmlns:a16="http://schemas.microsoft.com/office/drawing/2014/main" id="{F34803B6-BEF1-D7FF-3A7D-CBEBF018D098}"/>
+              </a:ext>
+            </a:extLst>
+          </p:cNvPr>
+          <p:cNvSpPr>
+            <a:spLocks noGrp="1"/>
+          </p:cNvSpPr>
+          <p:nvPr>
+            <p:ph idx="1"/>
+          </p:nvPr>
+        </p:nvSpPr>
+        <p:spPr>
+          <a:xfrm>
+            <a:off x="457200" y="1063230"/>
+            <a:ext cx="8229600" cy="3945188"/>
+          </a:xfrm>
+        </p:spPr>
+        <p:txBody>
+          <a:bodyPr>
+            <a:normAutofit/>
+          </a:bodyPr>
+          <a:lstStyle/>
+          <a:p>
+            <a:pPr marL="0" lvl="0" indent="0">
+              <a:buNone/>
+            </a:pPr>
+            <a:r>
+              <a:rPr lang="en-US" dirty="0"/>
+              <a:t>Linear models are interpretable and idea for inference</a:t>
+            </a:r>
+          </a:p>
+          <a:p>
+            <a:pPr lvl="0"/>
+            <a:r>
+              <a:rPr lang="en-US" dirty="0"/>
+              <a:t>Repose to changes in independent variables is predictable</a:t>
+            </a:r>
+          </a:p>
+          <a:p>
+            <a:pPr lvl="1"/>
+            <a:r>
+              <a:rPr lang="en-US" dirty="0"/>
+              <a:t>Model parameters provide </a:t>
+            </a:r>
+            <a:r>
+              <a:rPr lang="en-US" b="1" dirty="0"/>
+              <a:t>quantitative sensitivity </a:t>
+            </a:r>
+            <a:r>
+              <a:rPr lang="en-US" dirty="0"/>
+              <a:t>to changes in independent variables </a:t>
+            </a:r>
+          </a:p>
+          <a:p>
+            <a:pPr lvl="0"/>
+            <a:r>
+              <a:rPr lang="en-US" dirty="0"/>
+              <a:t>Model fit can be tested</a:t>
+            </a:r>
+          </a:p>
+          <a:p>
+            <a:pPr lvl="1"/>
+            <a:r>
+              <a:rPr lang="en-US" dirty="0"/>
+              <a:t>Reject hypothesis of null model</a:t>
+            </a:r>
+          </a:p>
+          <a:p>
+            <a:pPr lvl="1"/>
+            <a:r>
+              <a:rPr lang="en-US" dirty="0"/>
+              <a:t>Reject hypothesis of non-significant model coefficients </a:t>
+            </a:r>
+          </a:p>
+          <a:p>
+            <a:pPr lvl="1"/>
+            <a:r>
+              <a:rPr lang="en-US" dirty="0"/>
+              <a:t>Compare models by variance explained, properties of residuals and confidence intervals of model parameters</a:t>
+            </a:r>
+          </a:p>
+        </p:txBody>
+      </p:sp>
+    </p:spTree>
+    <p:extLst>
+      <p:ext uri="{BB962C8B-B14F-4D97-AF65-F5344CB8AC3E}">
+        <p14:creationId xmlns:p14="http://schemas.microsoft.com/office/powerpoint/2010/main" val="2300349137"/>
+      </p:ext>
+    </p:extLst>
+  </p:cSld>
+  <p:clrMapOvr>
+    <a:masterClrMapping/>
+  </p:clrMapOvr>
+  <p:timing>
+    <p:tnLst>
+      <p:par>
+        <p:cTn id="1" dur="indefinite" restart="never" nodeType="tmRoot">
+          <p:childTnLst>
+            <p:seq concurrent="1" nextAc="seek">
+              <p:cTn id="2" dur="indefinite" nodeType="mainSeq">
+                <p:childTnLst>
+                  <p:par>
+                    <p:cTn id="3" fill="hold">
+                      <p:stCondLst>
+                        <p:cond delay="indefinite"/>
+                      </p:stCondLst>
+                      <p:childTnLst>
+                        <p:par>
+                          <p:cTn id="4" fill="hold">
+                            <p:stCondLst>
+                              <p:cond delay="0"/>
+                            </p:stCondLst>
+                            <p:childTnLst>
+                              <p:par>
+                                <p:cTn id="5" presetID="1" presetClass="entr" presetSubtype="0" fill="hold" nodeType="clickEffect">
+                                  <p:stCondLst>
+                                    <p:cond delay="0"/>
+                                  </p:stCondLst>
+                                  <p:childTnLst>
+                                    <p:set>
+                                      <p:cBhvr>
+                                        <p:cTn id="6" dur="1" fill="hold">
+                                          <p:stCondLst>
+                                            <p:cond delay="0"/>
+                                          </p:stCondLst>
+                                        </p:cTn>
+                                        <p:tgtEl>
+                                          <p:spTgt spid="3">
+                                            <p:txEl>
+                                              <p:pRg st="1" end="1"/>
+                                            </p:txEl>
+                                          </p:spTgt>
+                                        </p:tgtEl>
+                                        <p:attrNameLst>
+                                          <p:attrName>style.visibility</p:attrName>
+                                        </p:attrNameLst>
+                                      </p:cBhvr>
+                                      <p:to>
+                                        <p:strVal val="visible"/>
+                                      </p:to>
+                                    </p:set>
+                                  </p:childTnLst>
+                                </p:cTn>
+                              </p:par>
+                              <p:par>
+                                <p:cTn id="7" presetID="1" presetClass="entr" presetSubtype="0" fill="hold" nodeType="withEffect">
+                                  <p:stCondLst>
+                                    <p:cond delay="0"/>
+                                  </p:stCondLst>
+                                  <p:childTnLst>
+                                    <p:set>
+                                      <p:cBhvr>
+                                        <p:cTn id="8" dur="1" fill="hold">
+                                          <p:stCondLst>
+                                            <p:cond delay="0"/>
+                                          </p:stCondLst>
+                                        </p:cTn>
+                                        <p:tgtEl>
+                                          <p:spTgt spid="3">
+                                            <p:txEl>
+                                              <p:pRg st="2" end="2"/>
+                                            </p:txEl>
+                                          </p:spTgt>
+                                        </p:tgtEl>
+                                        <p:attrNameLst>
+                                          <p:attrName>style.visibility</p:attrName>
+                                        </p:attrNameLst>
+                                      </p:cBhvr>
+                                      <p:to>
+                                        <p:strVal val="visible"/>
+                                      </p:to>
+                                    </p:set>
+                                  </p:childTnLst>
+                                </p:cTn>
+                              </p:par>
+                            </p:childTnLst>
+                          </p:cTn>
+                        </p:par>
+                      </p:childTnLst>
+                    </p:cTn>
+                  </p:par>
+                  <p:par>
+                    <p:cTn id="9" fill="hold">
+                      <p:stCondLst>
+                        <p:cond delay="indefinite"/>
+                      </p:stCondLst>
+                      <p:childTnLst>
+                        <p:par>
+                          <p:cTn id="10" fill="hold">
+                            <p:stCondLst>
+                              <p:cond delay="0"/>
+                            </p:stCondLst>
+                            <p:childTnLst>
+                              <p:par>
+                                <p:cTn id="11" presetID="1" presetClass="entr" presetSubtype="0" fill="hold" nodeType="clickEffect">
+                                  <p:stCondLst>
+                                    <p:cond delay="0"/>
+                                  </p:stCondLst>
+                                  <p:childTnLst>
+                                    <p:set>
+                                      <p:cBhvr>
+                                        <p:cTn id="12" dur="1" fill="hold">
+                                          <p:stCondLst>
+                                            <p:cond delay="0"/>
+                                          </p:stCondLst>
+                                        </p:cTn>
+                                        <p:tgtEl>
+                                          <p:spTgt spid="3">
+                                            <p:txEl>
+                                              <p:pRg st="3" end="3"/>
+                                            </p:txEl>
+                                          </p:spTgt>
+                                        </p:tgtEl>
+                                        <p:attrNameLst>
+                                          <p:attrName>style.visibility</p:attrName>
+                                        </p:attrNameLst>
+                                      </p:cBhvr>
+                                      <p:to>
+                                        <p:strVal val="visible"/>
+                                      </p:to>
+                                    </p:set>
+                                  </p:childTnLst>
+                                </p:cTn>
+                              </p:par>
+                              <p:par>
+                                <p:cTn id="13" presetID="1" presetClass="entr" presetSubtype="0" fill="hold" nodeType="withEffect">
+                                  <p:stCondLst>
+                                    <p:cond delay="0"/>
+                                  </p:stCondLst>
+                                  <p:childTnLst>
+                                    <p:set>
+                                      <p:cBhvr>
+                                        <p:cTn id="14" dur="1" fill="hold">
+                                          <p:stCondLst>
+                                            <p:cond delay="0"/>
+                                          </p:stCondLst>
+                                        </p:cTn>
+                                        <p:tgtEl>
+                                          <p:spTgt spid="3">
+                                            <p:txEl>
+                                              <p:pRg st="4" end="4"/>
+                                            </p:txEl>
+                                          </p:spTgt>
+                                        </p:tgtEl>
+                                        <p:attrNameLst>
+                                          <p:attrName>style.visibility</p:attrName>
+                                        </p:attrNameLst>
+                                      </p:cBhvr>
+                                      <p:to>
+                                        <p:strVal val="visible"/>
+                                      </p:to>
+                                    </p:set>
+                                  </p:childTnLst>
+                                </p:cTn>
+                              </p:par>
+                              <p:par>
+                                <p:cTn id="15" presetID="1" presetClass="entr" presetSubtype="0" fill="hold" nodeType="withEffect">
+                                  <p:stCondLst>
+                                    <p:cond delay="0"/>
+                                  </p:stCondLst>
+                                  <p:childTnLst>
+                                    <p:set>
+                                      <p:cBhvr>
+                                        <p:cTn id="16" dur="1" fill="hold">
+                                          <p:stCondLst>
+                                            <p:cond delay="0"/>
+                                          </p:stCondLst>
+                                        </p:cTn>
+                                        <p:tgtEl>
+                                          <p:spTgt spid="3">
+                                            <p:txEl>
+                                              <p:pRg st="5" end="5"/>
+                                            </p:txEl>
+                                          </p:spTgt>
+                                        </p:tgtEl>
+                                        <p:attrNameLst>
+                                          <p:attrName>style.visibility</p:attrName>
+                                        </p:attrNameLst>
+                                      </p:cBhvr>
+                                      <p:to>
+                                        <p:strVal val="visible"/>
+                                      </p:to>
+                                    </p:set>
+                                  </p:childTnLst>
+                                </p:cTn>
+                              </p:par>
+                              <p:par>
+                                <p:cTn id="17" presetID="1" presetClass="entr" presetSubtype="0" fill="hold" nodeType="withEffect">
+                                  <p:stCondLst>
+                                    <p:cond delay="0"/>
+                                  </p:stCondLst>
+                                  <p:childTnLst>
+                                    <p:set>
+                                      <p:cBhvr>
+                                        <p:cTn id="18" dur="1" fill="hold">
+                                          <p:stCondLst>
+                                            <p:cond delay="0"/>
+                                          </p:stCondLst>
+                                        </p:cTn>
+                                        <p:tgtEl>
+                                          <p:spTgt spid="3">
+                                            <p:txEl>
+                                              <p:pRg st="6" end="6"/>
+                                            </p:txEl>
+                                          </p:spTgt>
+                                        </p:tgtEl>
+                                        <p:attrNameLst>
+                                          <p:attrName>style.visibility</p:attrName>
+                                        </p:attrNameLst>
+                                      </p:cBhvr>
+                                      <p:to>
+                                        <p:strVal val="visible"/>
+                                      </p:to>
+                                    </p:set>
+                                  </p:childTnLst>
+                                </p:cTn>
+                              </p:par>
+                            </p:childTnLst>
+                          </p:cTn>
+                        </p:par>
+                      </p:childTnLst>
+                    </p:cTn>
+                  </p:par>
+                </p:childTnLst>
+              </p:cTn>
+              <p:prevCondLst>
+                <p:cond evt="onPrev" delay="0">
+                  <p:tgtEl>
+                    <p:sldTgt/>
+                  </p:tgtEl>
+                </p:cond>
+              </p:prevCondLst>
+              <p:nextCondLst>
+                <p:cond evt="onNext" delay="0">
+                  <p:tgtEl>
+                    <p:sldTgt/>
+                  </p:tgtEl>
+                </p:cond>
+              </p:nextCondLst>
+            </p:seq>
+          </p:childTnLst>
+        </p:cTn>
+      </p:par>
+    </p:tnLst>
+  </p:timing>
+</p:sld>
+</file>
+
+<file path=ppt/slides/slide30.xml><?xml version="1.0" encoding="utf-8"?>
 <p:sld xmlns:a="http://schemas.openxmlformats.org/drawingml/2006/main" xmlns:r="http://schemas.openxmlformats.org/officeDocument/2006/relationships" xmlns:p="http://schemas.openxmlformats.org/presentationml/2006/main">
   <p:cSld>
     <p:spTree>
@@ -21884,153 +23451,7 @@
 </p:sld>
 </file>
 
-<file path=ppt/slides/slide3.xml><?xml version="1.0" encoding="utf-8"?>
-<p:sld xmlns:a="http://schemas.openxmlformats.org/drawingml/2006/main" xmlns:r="http://schemas.openxmlformats.org/officeDocument/2006/relationships" xmlns:p="http://schemas.openxmlformats.org/presentationml/2006/main">
-  <p:cSld>
-    <p:spTree>
-      <p:nvGrpSpPr>
-        <p:cNvPr id="1" name="">
-          <a:extLst>
-            <a:ext uri="{FF2B5EF4-FFF2-40B4-BE49-F238E27FC236}">
-              <a16:creationId xmlns:a16="http://schemas.microsoft.com/office/drawing/2014/main" id="{34FB5E0C-230E-A1DA-22EE-8125D462565F}"/>
-            </a:ext>
-          </a:extLst>
-        </p:cNvPr>
-        <p:cNvGrpSpPr/>
-        <p:nvPr/>
-      </p:nvGrpSpPr>
-      <p:grpSpPr>
-        <a:xfrm>
-          <a:off x="0" y="0"/>
-          <a:ext cx="0" cy="0"/>
-          <a:chOff x="0" y="0"/>
-          <a:chExt cx="0" cy="0"/>
-        </a:xfrm>
-      </p:grpSpPr>
-      <p:sp>
-        <p:nvSpPr>
-          <p:cNvPr id="2" name="Title 1">
-            <a:extLst>
-              <a:ext uri="{FF2B5EF4-FFF2-40B4-BE49-F238E27FC236}">
-                <a16:creationId xmlns:a16="http://schemas.microsoft.com/office/drawing/2014/main" id="{53CB3934-5528-A0FF-93FF-90091BE0A6CA}"/>
-              </a:ext>
-            </a:extLst>
-          </p:cNvPr>
-          <p:cNvSpPr>
-            <a:spLocks noGrp="1"/>
-          </p:cNvSpPr>
-          <p:nvPr>
-            <p:ph type="title"/>
-          </p:nvPr>
-        </p:nvSpPr>
-        <p:spPr/>
-        <p:txBody>
-          <a:bodyPr/>
-          <a:lstStyle/>
-          <a:p>
-            <a:pPr marL="0" lvl="0" indent="0">
-              <a:buNone/>
-            </a:pPr>
-            <a:r>
-              <a:t>Review</a:t>
-            </a:r>
-          </a:p>
-        </p:txBody>
-      </p:sp>
-      <p:sp>
-        <p:nvSpPr>
-          <p:cNvPr id="3" name="Content Placeholder 2">
-            <a:extLst>
-              <a:ext uri="{FF2B5EF4-FFF2-40B4-BE49-F238E27FC236}">
-                <a16:creationId xmlns:a16="http://schemas.microsoft.com/office/drawing/2014/main" id="{F34803B6-BEF1-D7FF-3A7D-CBEBF018D098}"/>
-              </a:ext>
-            </a:extLst>
-          </p:cNvPr>
-          <p:cNvSpPr>
-            <a:spLocks noGrp="1"/>
-          </p:cNvSpPr>
-          <p:nvPr>
-            <p:ph idx="1"/>
-          </p:nvPr>
-        </p:nvSpPr>
-        <p:spPr>
-          <a:xfrm>
-            <a:off x="457200" y="1063230"/>
-            <a:ext cx="8229600" cy="3945188"/>
-          </a:xfrm>
-        </p:spPr>
-        <p:txBody>
-          <a:bodyPr>
-            <a:normAutofit/>
-          </a:bodyPr>
-          <a:lstStyle/>
-          <a:p>
-            <a:pPr marL="0" lvl="0" indent="0">
-              <a:buNone/>
-            </a:pPr>
-            <a:r>
-              <a:rPr lang="en-US" dirty="0"/>
-              <a:t>Linear models are interpretable and idea for inference</a:t>
-            </a:r>
-          </a:p>
-          <a:p>
-            <a:pPr lvl="0"/>
-            <a:r>
-              <a:rPr lang="en-US" dirty="0"/>
-              <a:t>Repose to changes in independent variables is predictable</a:t>
-            </a:r>
-          </a:p>
-          <a:p>
-            <a:pPr lvl="1"/>
-            <a:r>
-              <a:rPr lang="en-US" dirty="0"/>
-              <a:t>Model parameters provide quantitative sensitivity to changes in independent variables </a:t>
-            </a:r>
-          </a:p>
-          <a:p>
-            <a:pPr lvl="0"/>
-            <a:r>
-              <a:rPr lang="en-US" dirty="0"/>
-              <a:t>Model fit can be tested</a:t>
-            </a:r>
-          </a:p>
-          <a:p>
-            <a:pPr lvl="1"/>
-            <a:r>
-              <a:rPr lang="en-US" dirty="0"/>
-              <a:t>Reject hypothesis of null model</a:t>
-            </a:r>
-          </a:p>
-          <a:p>
-            <a:pPr lvl="1"/>
-            <a:r>
-              <a:rPr lang="en-US" dirty="0"/>
-              <a:t>Reject hypothesis of non-significant model coefficients </a:t>
-            </a:r>
-          </a:p>
-          <a:p>
-            <a:pPr lvl="1"/>
-            <a:r>
-              <a:rPr lang="en-US" dirty="0"/>
-              <a:t>Compare models by variance explained, properties of residuals and confidence intervals of model parameters</a:t>
-            </a:r>
-          </a:p>
-        </p:txBody>
-      </p:sp>
-    </p:spTree>
-    <p:extLst>
-      <p:ext uri="{BB962C8B-B14F-4D97-AF65-F5344CB8AC3E}">
-        <p14:creationId xmlns:p14="http://schemas.microsoft.com/office/powerpoint/2010/main" val="2300349137"/>
-      </p:ext>
-    </p:extLst>
-  </p:cSld>
-  <p:clrMapOvr>
-    <a:masterClrMapping/>
-  </p:clrMapOvr>
-</p:sld>
-</file>
-
-<file path=ppt/slides/slide30.xml><?xml version="1.0" encoding="utf-8"?>
+<file path=ppt/slides/slide31.xml><?xml version="1.0" encoding="utf-8"?>
 <p:sld xmlns:a="http://schemas.openxmlformats.org/drawingml/2006/main" xmlns:r="http://schemas.openxmlformats.org/officeDocument/2006/relationships" xmlns:p="http://schemas.openxmlformats.org/presentationml/2006/main">
   <p:cSld>
     <p:spTree>
@@ -22835,7 +24256,7 @@
 </p:sld>
 </file>
 
-<file path=ppt/slides/slide31.xml><?xml version="1.0" encoding="utf-8"?>
+<file path=ppt/slides/slide32.xml><?xml version="1.0" encoding="utf-8"?>
 <p:sld xmlns:a="http://schemas.openxmlformats.org/drawingml/2006/main" xmlns:r="http://schemas.openxmlformats.org/officeDocument/2006/relationships" xmlns:p="http://schemas.openxmlformats.org/presentationml/2006/main">
   <p:cSld>
     <p:spTree>
@@ -22884,8 +24305,8 @@
           </a:p>
         </p:txBody>
       </p:sp>
-      <mc:AlternateContent xmlns:mc="http://schemas.openxmlformats.org/markup-compatibility/2006">
-        <mc:Choice xmlns:a14="http://schemas.microsoft.com/office/drawing/2010/main" Requires="a14">
+      <mc:AlternateContent xmlns:mc="http://schemas.openxmlformats.org/markup-compatibility/2006" xmlns:a14="http://schemas.microsoft.com/office/drawing/2010/main">
+        <mc:Choice Requires="a14">
           <p:sp>
             <p:nvSpPr>
               <p:cNvPr id="4" name="Text Placeholder 3"/>
@@ -23343,7 +24764,7 @@
             </p:txBody>
           </p:sp>
         </mc:Choice>
-        <mc:Fallback>
+        <mc:Fallback xmlns="">
           <p:sp>
             <p:nvSpPr>
               <p:cNvPr id="4" name="Text Placeholder 3"/>
@@ -23854,7 +25275,7 @@
 </p:sld>
 </file>
 
-<file path=ppt/slides/slide32.xml><?xml version="1.0" encoding="utf-8"?>
+<file path=ppt/slides/slide33.xml><?xml version="1.0" encoding="utf-8"?>
 <p:sld xmlns:a="http://schemas.openxmlformats.org/drawingml/2006/main" xmlns:r="http://schemas.openxmlformats.org/officeDocument/2006/relationships" xmlns:p="http://schemas.openxmlformats.org/presentationml/2006/main">
   <p:cSld>
     <p:spTree>
@@ -25042,7 +26463,7 @@
 </p:sld>
 </file>
 
-<file path=ppt/slides/slide33.xml><?xml version="1.0" encoding="utf-8"?>
+<file path=ppt/slides/slide34.xml><?xml version="1.0" encoding="utf-8"?>
 <p:sld xmlns:a="http://schemas.openxmlformats.org/drawingml/2006/main" xmlns:r="http://schemas.openxmlformats.org/officeDocument/2006/relationships" xmlns:p="http://schemas.openxmlformats.org/presentationml/2006/main">
   <p:cSld>
     <p:spTree>
@@ -25729,7 +27150,7 @@
 </p:sld>
 </file>
 
-<file path=ppt/slides/slide34.xml><?xml version="1.0" encoding="utf-8"?>
+<file path=ppt/slides/slide35.xml><?xml version="1.0" encoding="utf-8"?>
 <p:sld xmlns:a="http://schemas.openxmlformats.org/drawingml/2006/main" xmlns:r="http://schemas.openxmlformats.org/officeDocument/2006/relationships" xmlns:p="http://schemas.openxmlformats.org/presentationml/2006/main">
   <p:cSld>
     <p:spTree>
@@ -26361,7 +27782,7 @@
 </p:sld>
 </file>
 
-<file path=ppt/slides/slide35.xml><?xml version="1.0" encoding="utf-8"?>
+<file path=ppt/slides/slide36.xml><?xml version="1.0" encoding="utf-8"?>
 <p:sld xmlns:a="http://schemas.openxmlformats.org/drawingml/2006/main" xmlns:r="http://schemas.openxmlformats.org/officeDocument/2006/relationships" xmlns:p="http://schemas.openxmlformats.org/presentationml/2006/main">
   <p:cSld>
     <p:spTree>
@@ -26752,7 +28173,7 @@
 </p:sld>
 </file>
 
-<file path=ppt/slides/slide36.xml><?xml version="1.0" encoding="utf-8"?>
+<file path=ppt/slides/slide37.xml><?xml version="1.0" encoding="utf-8"?>
 <p:sld xmlns:a="http://schemas.openxmlformats.org/drawingml/2006/main" xmlns:r="http://schemas.openxmlformats.org/officeDocument/2006/relationships" xmlns:p="http://schemas.openxmlformats.org/presentationml/2006/main">
   <p:cSld>
     <p:spTree>
@@ -27851,7 +29272,7 @@
 </p:sld>
 </file>
 
-<file path=ppt/slides/slide37.xml><?xml version="1.0" encoding="utf-8"?>
+<file path=ppt/slides/slide38.xml><?xml version="1.0" encoding="utf-8"?>
 <p:sld xmlns:a="http://schemas.openxmlformats.org/drawingml/2006/main" xmlns:r="http://schemas.openxmlformats.org/officeDocument/2006/relationships" xmlns:p="http://schemas.openxmlformats.org/presentationml/2006/main">
   <p:cSld>
     <p:spTree>
@@ -28335,6 +29756,60 @@
                                   </p:childTnLst>
                                 </p:cTn>
                               </p:par>
+                              <p:par>
+                                <p:cTn id="21" presetID="1" presetClass="entr" presetSubtype="0" fill="hold" nodeType="withEffect">
+                                  <p:stCondLst>
+                                    <p:cond delay="0"/>
+                                  </p:stCondLst>
+                                  <p:childTnLst>
+                                    <p:set>
+                                      <p:cBhvr>
+                                        <p:cTn id="22" dur="1" fill="hold">
+                                          <p:stCondLst>
+                                            <p:cond delay="0"/>
+                                          </p:stCondLst>
+                                        </p:cTn>
+                                        <p:tgtEl>
+                                          <p:spTgt spid="11"/>
+                                        </p:tgtEl>
+                                        <p:attrNameLst>
+                                          <p:attrName>style.visibility</p:attrName>
+                                        </p:attrNameLst>
+                                      </p:cBhvr>
+                                      <p:to>
+                                        <p:strVal val="visible"/>
+                                      </p:to>
+                                    </p:set>
+                                  </p:childTnLst>
+                                </p:cTn>
+                              </p:par>
+                              <p:par>
+                                <p:cTn id="23" presetID="1" presetClass="entr" presetSubtype="0" fill="hold" nodeType="withEffect">
+                                  <p:stCondLst>
+                                    <p:cond delay="0"/>
+                                  </p:stCondLst>
+                                  <p:childTnLst>
+                                    <p:set>
+                                      <p:cBhvr>
+                                        <p:cTn id="24" dur="1" fill="hold">
+                                          <p:stCondLst>
+                                            <p:cond delay="0"/>
+                                          </p:stCondLst>
+                                        </p:cTn>
+                                        <p:tgtEl>
+                                          <p:spTgt spid="10"/>
+                                        </p:tgtEl>
+                                        <p:attrNameLst>
+                                          <p:attrName>style.visibility</p:attrName>
+                                        </p:attrNameLst>
+                                      </p:cBhvr>
+                                      <p:to>
+                                        <p:strVal val="visible"/>
+                                      </p:to>
+                                    </p:set>
+                                  </p:childTnLst>
+                                </p:cTn>
+                              </p:par>
                             </p:childTnLst>
                           </p:cTn>
                         </p:par>
@@ -28366,7 +29841,7 @@
 </p:sld>
 </file>
 
-<file path=ppt/slides/slide38.xml><?xml version="1.0" encoding="utf-8"?>
+<file path=ppt/slides/slide39.xml><?xml version="1.0" encoding="utf-8"?>
 <p:sld xmlns:a="http://schemas.openxmlformats.org/drawingml/2006/main" xmlns:r="http://schemas.openxmlformats.org/officeDocument/2006/relationships" xmlns:p="http://schemas.openxmlformats.org/presentationml/2006/main">
   <p:cSld>
     <p:spTree>
@@ -28734,6 +30209,60 @@
                                   </p:childTnLst>
                                 </p:cTn>
                               </p:par>
+                              <p:par>
+                                <p:cTn id="13" presetID="1" presetClass="entr" presetSubtype="0" fill="hold" nodeType="withEffect">
+                                  <p:stCondLst>
+                                    <p:cond delay="0"/>
+                                  </p:stCondLst>
+                                  <p:childTnLst>
+                                    <p:set>
+                                      <p:cBhvr>
+                                        <p:cTn id="14" dur="1" fill="hold">
+                                          <p:stCondLst>
+                                            <p:cond delay="0"/>
+                                          </p:stCondLst>
+                                        </p:cTn>
+                                        <p:tgtEl>
+                                          <p:spTgt spid="11"/>
+                                        </p:tgtEl>
+                                        <p:attrNameLst>
+                                          <p:attrName>style.visibility</p:attrName>
+                                        </p:attrNameLst>
+                                      </p:cBhvr>
+                                      <p:to>
+                                        <p:strVal val="visible"/>
+                                      </p:to>
+                                    </p:set>
+                                  </p:childTnLst>
+                                </p:cTn>
+                              </p:par>
+                              <p:par>
+                                <p:cTn id="15" presetID="1" presetClass="entr" presetSubtype="0" fill="hold" nodeType="withEffect">
+                                  <p:stCondLst>
+                                    <p:cond delay="0"/>
+                                  </p:stCondLst>
+                                  <p:childTnLst>
+                                    <p:set>
+                                      <p:cBhvr>
+                                        <p:cTn id="16" dur="1" fill="hold">
+                                          <p:stCondLst>
+                                            <p:cond delay="0"/>
+                                          </p:stCondLst>
+                                        </p:cTn>
+                                        <p:tgtEl>
+                                          <p:spTgt spid="10"/>
+                                        </p:tgtEl>
+                                        <p:attrNameLst>
+                                          <p:attrName>style.visibility</p:attrName>
+                                        </p:attrNameLst>
+                                      </p:cBhvr>
+                                      <p:to>
+                                        <p:strVal val="visible"/>
+                                      </p:to>
+                                    </p:set>
+                                  </p:childTnLst>
+                                </p:cTn>
+                              </p:par>
                             </p:childTnLst>
                           </p:cTn>
                         </p:par>
@@ -28765,7 +30294,603 @@
 </p:sld>
 </file>
 
-<file path=ppt/slides/slide39.xml><?xml version="1.0" encoding="utf-8"?>
+<file path=ppt/slides/slide4.xml><?xml version="1.0" encoding="utf-8"?>
+<p:sld xmlns:a="http://schemas.openxmlformats.org/drawingml/2006/main" xmlns:r="http://schemas.openxmlformats.org/officeDocument/2006/relationships" xmlns:p="http://schemas.openxmlformats.org/presentationml/2006/main">
+  <p:cSld>
+    <p:spTree>
+      <p:nvGrpSpPr>
+        <p:cNvPr id="1" name=""/>
+        <p:cNvGrpSpPr/>
+        <p:nvPr/>
+      </p:nvGrpSpPr>
+      <p:grpSpPr>
+        <a:xfrm>
+          <a:off x="0" y="0"/>
+          <a:ext cx="0" cy="0"/>
+          <a:chOff x="0" y="0"/>
+          <a:chExt cx="0" cy="0"/>
+        </a:xfrm>
+      </p:grpSpPr>
+      <p:sp>
+        <p:nvSpPr>
+          <p:cNvPr id="2" name="Title 1"/>
+          <p:cNvSpPr>
+            <a:spLocks noGrp="1"/>
+          </p:cNvSpPr>
+          <p:nvPr>
+            <p:ph type="title"/>
+          </p:nvPr>
+        </p:nvSpPr>
+        <p:spPr/>
+        <p:txBody>
+          <a:bodyPr/>
+          <a:lstStyle/>
+          <a:p>
+            <a:pPr marL="0" lvl="0" indent="0">
+              <a:buNone/>
+            </a:pPr>
+            <a:r>
+              <a:rPr dirty="0"/>
+              <a:t>Review</a:t>
+            </a:r>
+          </a:p>
+        </p:txBody>
+      </p:sp>
+      <p:sp>
+        <p:nvSpPr>
+          <p:cNvPr id="3" name="Content Placeholder 2"/>
+          <p:cNvSpPr>
+            <a:spLocks noGrp="1"/>
+          </p:cNvSpPr>
+          <p:nvPr>
+            <p:ph idx="1"/>
+          </p:nvPr>
+        </p:nvSpPr>
+        <p:spPr>
+          <a:xfrm>
+            <a:off x="457200" y="1200151"/>
+            <a:ext cx="8229600" cy="3737370"/>
+          </a:xfrm>
+        </p:spPr>
+        <p:txBody>
+          <a:bodyPr>
+            <a:normAutofit fontScale="85000" lnSpcReduction="20000"/>
+          </a:bodyPr>
+          <a:lstStyle/>
+          <a:p>
+            <a:pPr marL="0" lvl="0" indent="0">
+              <a:buNone/>
+            </a:pPr>
+            <a:r>
+              <a:rPr dirty="0"/>
+              <a:t>When evaluating any machine learning model consider </a:t>
+            </a:r>
+            <a:r>
+              <a:rPr b="1" dirty="0"/>
+              <a:t>all evaluation methods available</a:t>
+            </a:r>
+          </a:p>
+          <a:p>
+            <a:pPr lvl="0"/>
+            <a:r>
+              <a:rPr dirty="0"/>
+              <a:t>No one method best all of the time</a:t>
+            </a:r>
+          </a:p>
+          <a:p>
+            <a:pPr lvl="0"/>
+            <a:r>
+              <a:rPr lang="en-US" dirty="0"/>
+              <a:t>Test for h</a:t>
+            </a:r>
+            <a:r>
+              <a:rPr dirty="0"/>
+              <a:t>omoscedastic Normally distributed residuals</a:t>
+            </a:r>
+            <a:endParaRPr lang="en-US" dirty="0"/>
+          </a:p>
+          <a:p>
+            <a:pPr lvl="1"/>
+            <a:r>
+              <a:rPr lang="en-US" dirty="0"/>
+              <a:t>Residual Plots</a:t>
+            </a:r>
+          </a:p>
+          <a:p>
+            <a:pPr lvl="1"/>
+            <a:r>
+              <a:rPr lang="en-US" dirty="0"/>
+              <a:t>Formal tests – Omnibus, Jarque-Bera, etc. </a:t>
+            </a:r>
+            <a:endParaRPr dirty="0"/>
+          </a:p>
+          <a:p>
+            <a:pPr lvl="0"/>
+            <a:r>
+              <a:rPr lang="en-US" dirty="0"/>
+              <a:t>Are</a:t>
+            </a:r>
+            <a:r>
+              <a:rPr dirty="0"/>
+              <a:t> model and its coefficients </a:t>
+            </a:r>
+            <a:r>
+              <a:rPr lang="en-US" dirty="0"/>
+              <a:t>statistically </a:t>
+            </a:r>
+            <a:r>
+              <a:rPr dirty="0"/>
+              <a:t>significant?</a:t>
+            </a:r>
+          </a:p>
+          <a:p>
+            <a:pPr lvl="1"/>
+            <a:r>
+              <a:rPr dirty="0"/>
+              <a:t>F</a:t>
+            </a:r>
+            <a:r>
+              <a:rPr lang="en-US" dirty="0"/>
+              <a:t>-</a:t>
+            </a:r>
+            <a:r>
+              <a:rPr dirty="0"/>
+              <a:t>test </a:t>
+            </a:r>
+            <a:r>
+              <a:rPr lang="en-US" dirty="0"/>
+              <a:t>on model significance</a:t>
+            </a:r>
+            <a:endParaRPr dirty="0"/>
+          </a:p>
+          <a:p>
+            <a:pPr lvl="1"/>
+            <a:r>
+              <a:rPr dirty="0"/>
+              <a:t>t-test on model parameter </a:t>
+            </a:r>
+            <a:r>
+              <a:rPr lang="en-US" dirty="0"/>
+              <a:t>significance</a:t>
+            </a:r>
+            <a:endParaRPr dirty="0"/>
+          </a:p>
+          <a:p>
+            <a:pPr lvl="0"/>
+            <a:r>
+              <a:rPr b="1" dirty="0"/>
+              <a:t>Different methods highlight different problems</a:t>
+            </a:r>
+            <a:r>
+              <a:rPr dirty="0"/>
+              <a:t> with your model</a:t>
+            </a:r>
+          </a:p>
+          <a:p>
+            <a:pPr lvl="0"/>
+            <a:r>
+              <a:rPr dirty="0"/>
+              <a:t>Don’t forget to check that the </a:t>
+            </a:r>
+            <a:r>
+              <a:rPr b="1" dirty="0"/>
+              <a:t>model must make sense</a:t>
+            </a:r>
+            <a:r>
+              <a:rPr dirty="0"/>
+              <a:t> for your application!</a:t>
+            </a:r>
+          </a:p>
+        </p:txBody>
+      </p:sp>
+    </p:spTree>
+  </p:cSld>
+  <p:clrMapOvr>
+    <a:masterClrMapping/>
+  </p:clrMapOvr>
+  <p:timing>
+    <p:tnLst>
+      <p:par>
+        <p:cTn id="1" dur="indefinite" restart="never" nodeType="tmRoot">
+          <p:childTnLst>
+            <p:seq concurrent="1" nextAc="seek">
+              <p:cTn id="2" dur="indefinite" nodeType="mainSeq">
+                <p:childTnLst>
+                  <p:par>
+                    <p:cTn id="3" fill="hold">
+                      <p:stCondLst>
+                        <p:cond delay="indefinite"/>
+                      </p:stCondLst>
+                      <p:childTnLst>
+                        <p:par>
+                          <p:cTn id="4" fill="hold">
+                            <p:stCondLst>
+                              <p:cond delay="0"/>
+                            </p:stCondLst>
+                            <p:childTnLst>
+                              <p:par>
+                                <p:cTn id="5" presetID="1" presetClass="entr" presetSubtype="0" fill="hold" nodeType="clickEffect">
+                                  <p:stCondLst>
+                                    <p:cond delay="0"/>
+                                  </p:stCondLst>
+                                  <p:childTnLst>
+                                    <p:set>
+                                      <p:cBhvr>
+                                        <p:cTn id="6" dur="1" fill="hold">
+                                          <p:stCondLst>
+                                            <p:cond delay="0"/>
+                                          </p:stCondLst>
+                                        </p:cTn>
+                                        <p:tgtEl>
+                                          <p:spTgt spid="3">
+                                            <p:txEl>
+                                              <p:pRg st="1" end="1"/>
+                                            </p:txEl>
+                                          </p:spTgt>
+                                        </p:tgtEl>
+                                        <p:attrNameLst>
+                                          <p:attrName>style.visibility</p:attrName>
+                                        </p:attrNameLst>
+                                      </p:cBhvr>
+                                      <p:to>
+                                        <p:strVal val="visible"/>
+                                      </p:to>
+                                    </p:set>
+                                  </p:childTnLst>
+                                </p:cTn>
+                              </p:par>
+                            </p:childTnLst>
+                          </p:cTn>
+                        </p:par>
+                      </p:childTnLst>
+                    </p:cTn>
+                  </p:par>
+                  <p:par>
+                    <p:cTn id="7" fill="hold">
+                      <p:stCondLst>
+                        <p:cond delay="indefinite"/>
+                      </p:stCondLst>
+                      <p:childTnLst>
+                        <p:par>
+                          <p:cTn id="8" fill="hold">
+                            <p:stCondLst>
+                              <p:cond delay="0"/>
+                            </p:stCondLst>
+                            <p:childTnLst>
+                              <p:par>
+                                <p:cTn id="9" presetID="1" presetClass="entr" presetSubtype="0" fill="hold" nodeType="clickEffect">
+                                  <p:stCondLst>
+                                    <p:cond delay="0"/>
+                                  </p:stCondLst>
+                                  <p:childTnLst>
+                                    <p:set>
+                                      <p:cBhvr>
+                                        <p:cTn id="10" dur="1" fill="hold">
+                                          <p:stCondLst>
+                                            <p:cond delay="0"/>
+                                          </p:stCondLst>
+                                        </p:cTn>
+                                        <p:tgtEl>
+                                          <p:spTgt spid="3">
+                                            <p:txEl>
+                                              <p:pRg st="2" end="2"/>
+                                            </p:txEl>
+                                          </p:spTgt>
+                                        </p:tgtEl>
+                                        <p:attrNameLst>
+                                          <p:attrName>style.visibility</p:attrName>
+                                        </p:attrNameLst>
+                                      </p:cBhvr>
+                                      <p:to>
+                                        <p:strVal val="visible"/>
+                                      </p:to>
+                                    </p:set>
+                                  </p:childTnLst>
+                                </p:cTn>
+                              </p:par>
+                              <p:par>
+                                <p:cTn id="11" presetID="1" presetClass="entr" presetSubtype="0" fill="hold" nodeType="withEffect">
+                                  <p:stCondLst>
+                                    <p:cond delay="0"/>
+                                  </p:stCondLst>
+                                  <p:childTnLst>
+                                    <p:set>
+                                      <p:cBhvr>
+                                        <p:cTn id="12" dur="1" fill="hold">
+                                          <p:stCondLst>
+                                            <p:cond delay="0"/>
+                                          </p:stCondLst>
+                                        </p:cTn>
+                                        <p:tgtEl>
+                                          <p:spTgt spid="3">
+                                            <p:txEl>
+                                              <p:pRg st="3" end="3"/>
+                                            </p:txEl>
+                                          </p:spTgt>
+                                        </p:tgtEl>
+                                        <p:attrNameLst>
+                                          <p:attrName>style.visibility</p:attrName>
+                                        </p:attrNameLst>
+                                      </p:cBhvr>
+                                      <p:to>
+                                        <p:strVal val="visible"/>
+                                      </p:to>
+                                    </p:set>
+                                  </p:childTnLst>
+                                </p:cTn>
+                              </p:par>
+                              <p:par>
+                                <p:cTn id="13" presetID="1" presetClass="entr" presetSubtype="0" fill="hold" nodeType="withEffect">
+                                  <p:stCondLst>
+                                    <p:cond delay="0"/>
+                                  </p:stCondLst>
+                                  <p:childTnLst>
+                                    <p:set>
+                                      <p:cBhvr>
+                                        <p:cTn id="14" dur="1" fill="hold">
+                                          <p:stCondLst>
+                                            <p:cond delay="0"/>
+                                          </p:stCondLst>
+                                        </p:cTn>
+                                        <p:tgtEl>
+                                          <p:spTgt spid="3">
+                                            <p:txEl>
+                                              <p:pRg st="4" end="4"/>
+                                            </p:txEl>
+                                          </p:spTgt>
+                                        </p:tgtEl>
+                                        <p:attrNameLst>
+                                          <p:attrName>style.visibility</p:attrName>
+                                        </p:attrNameLst>
+                                      </p:cBhvr>
+                                      <p:to>
+                                        <p:strVal val="visible"/>
+                                      </p:to>
+                                    </p:set>
+                                  </p:childTnLst>
+                                </p:cTn>
+                              </p:par>
+                            </p:childTnLst>
+                          </p:cTn>
+                        </p:par>
+                      </p:childTnLst>
+                    </p:cTn>
+                  </p:par>
+                  <p:par>
+                    <p:cTn id="15" fill="hold">
+                      <p:stCondLst>
+                        <p:cond delay="indefinite"/>
+                      </p:stCondLst>
+                      <p:childTnLst>
+                        <p:par>
+                          <p:cTn id="16" fill="hold">
+                            <p:stCondLst>
+                              <p:cond delay="0"/>
+                            </p:stCondLst>
+                            <p:childTnLst>
+                              <p:par>
+                                <p:cTn id="17" presetID="1" presetClass="entr" presetSubtype="0" fill="hold" nodeType="clickEffect">
+                                  <p:stCondLst>
+                                    <p:cond delay="0"/>
+                                  </p:stCondLst>
+                                  <p:childTnLst>
+                                    <p:set>
+                                      <p:cBhvr>
+                                        <p:cTn id="18" dur="1" fill="hold">
+                                          <p:stCondLst>
+                                            <p:cond delay="0"/>
+                                          </p:stCondLst>
+                                        </p:cTn>
+                                        <p:tgtEl>
+                                          <p:spTgt spid="3">
+                                            <p:txEl>
+                                              <p:pRg st="5" end="5"/>
+                                            </p:txEl>
+                                          </p:spTgt>
+                                        </p:tgtEl>
+                                        <p:attrNameLst>
+                                          <p:attrName>style.visibility</p:attrName>
+                                        </p:attrNameLst>
+                                      </p:cBhvr>
+                                      <p:to>
+                                        <p:strVal val="visible"/>
+                                      </p:to>
+                                    </p:set>
+                                  </p:childTnLst>
+                                </p:cTn>
+                              </p:par>
+                              <p:par>
+                                <p:cTn id="19" presetID="1" presetClass="entr" presetSubtype="0" fill="hold" nodeType="withEffect">
+                                  <p:stCondLst>
+                                    <p:cond delay="0"/>
+                                  </p:stCondLst>
+                                  <p:childTnLst>
+                                    <p:set>
+                                      <p:cBhvr>
+                                        <p:cTn id="20" dur="1" fill="hold">
+                                          <p:stCondLst>
+                                            <p:cond delay="0"/>
+                                          </p:stCondLst>
+                                        </p:cTn>
+                                        <p:tgtEl>
+                                          <p:spTgt spid="3">
+                                            <p:txEl>
+                                              <p:pRg st="6" end="6"/>
+                                            </p:txEl>
+                                          </p:spTgt>
+                                        </p:tgtEl>
+                                        <p:attrNameLst>
+                                          <p:attrName>style.visibility</p:attrName>
+                                        </p:attrNameLst>
+                                      </p:cBhvr>
+                                      <p:to>
+                                        <p:strVal val="visible"/>
+                                      </p:to>
+                                    </p:set>
+                                  </p:childTnLst>
+                                </p:cTn>
+                              </p:par>
+                              <p:par>
+                                <p:cTn id="21" presetID="1" presetClass="entr" presetSubtype="0" fill="hold" nodeType="withEffect">
+                                  <p:stCondLst>
+                                    <p:cond delay="0"/>
+                                  </p:stCondLst>
+                                  <p:childTnLst>
+                                    <p:set>
+                                      <p:cBhvr>
+                                        <p:cTn id="22" dur="1" fill="hold">
+                                          <p:stCondLst>
+                                            <p:cond delay="0"/>
+                                          </p:stCondLst>
+                                        </p:cTn>
+                                        <p:tgtEl>
+                                          <p:spTgt spid="3">
+                                            <p:txEl>
+                                              <p:pRg st="7" end="7"/>
+                                            </p:txEl>
+                                          </p:spTgt>
+                                        </p:tgtEl>
+                                        <p:attrNameLst>
+                                          <p:attrName>style.visibility</p:attrName>
+                                        </p:attrNameLst>
+                                      </p:cBhvr>
+                                      <p:to>
+                                        <p:strVal val="visible"/>
+                                      </p:to>
+                                    </p:set>
+                                  </p:childTnLst>
+                                </p:cTn>
+                              </p:par>
+                            </p:childTnLst>
+                          </p:cTn>
+                        </p:par>
+                      </p:childTnLst>
+                    </p:cTn>
+                  </p:par>
+                  <p:par>
+                    <p:cTn id="23" fill="hold">
+                      <p:stCondLst>
+                        <p:cond delay="indefinite"/>
+                      </p:stCondLst>
+                      <p:childTnLst>
+                        <p:par>
+                          <p:cTn id="24" fill="hold">
+                            <p:stCondLst>
+                              <p:cond delay="0"/>
+                            </p:stCondLst>
+                            <p:childTnLst>
+                              <p:par>
+                                <p:cTn id="25" presetID="1" presetClass="entr" presetSubtype="0" fill="hold" nodeType="clickEffect">
+                                  <p:stCondLst>
+                                    <p:cond delay="0"/>
+                                  </p:stCondLst>
+                                  <p:childTnLst>
+                                    <p:set>
+                                      <p:cBhvr>
+                                        <p:cTn id="26" dur="1" fill="hold">
+                                          <p:stCondLst>
+                                            <p:cond delay="0"/>
+                                          </p:stCondLst>
+                                        </p:cTn>
+                                        <p:tgtEl>
+                                          <p:spTgt spid="3">
+                                            <p:txEl>
+                                              <p:pRg st="8" end="8"/>
+                                            </p:txEl>
+                                          </p:spTgt>
+                                        </p:tgtEl>
+                                        <p:attrNameLst>
+                                          <p:attrName>style.visibility</p:attrName>
+                                        </p:attrNameLst>
+                                      </p:cBhvr>
+                                      <p:to>
+                                        <p:strVal val="visible"/>
+                                      </p:to>
+                                    </p:set>
+                                  </p:childTnLst>
+                                </p:cTn>
+                              </p:par>
+                            </p:childTnLst>
+                          </p:cTn>
+                        </p:par>
+                      </p:childTnLst>
+                    </p:cTn>
+                  </p:par>
+                  <p:par>
+                    <p:cTn id="27" fill="hold">
+                      <p:stCondLst>
+                        <p:cond delay="indefinite"/>
+                      </p:stCondLst>
+                      <p:childTnLst>
+                        <p:par>
+                          <p:cTn id="28" fill="hold">
+                            <p:stCondLst>
+                              <p:cond delay="0"/>
+                            </p:stCondLst>
+                            <p:childTnLst>
+                              <p:par>
+                                <p:cTn id="29" presetID="1" presetClass="entr" presetSubtype="0" fill="hold" nodeType="clickEffect">
+                                  <p:stCondLst>
+                                    <p:cond delay="0"/>
+                                  </p:stCondLst>
+                                  <p:childTnLst>
+                                    <p:set>
+                                      <p:cBhvr>
+                                        <p:cTn id="30" dur="1" fill="hold">
+                                          <p:stCondLst>
+                                            <p:cond delay="0"/>
+                                          </p:stCondLst>
+                                        </p:cTn>
+                                        <p:tgtEl>
+                                          <p:spTgt spid="3">
+                                            <p:txEl>
+                                              <p:pRg st="9" end="9"/>
+                                            </p:txEl>
+                                          </p:spTgt>
+                                        </p:tgtEl>
+                                        <p:attrNameLst>
+                                          <p:attrName>style.visibility</p:attrName>
+                                        </p:attrNameLst>
+                                      </p:cBhvr>
+                                      <p:to>
+                                        <p:strVal val="visible"/>
+                                      </p:to>
+                                    </p:set>
+                                  </p:childTnLst>
+                                </p:cTn>
+                              </p:par>
+                            </p:childTnLst>
+                          </p:cTn>
+                        </p:par>
+                      </p:childTnLst>
+                    </p:cTn>
+                  </p:par>
+                </p:childTnLst>
+              </p:cTn>
+              <p:prevCondLst>
+                <p:cond evt="onPrev" delay="0">
+                  <p:tgtEl>
+                    <p:sldTgt/>
+                  </p:tgtEl>
+                </p:cond>
+              </p:prevCondLst>
+              <p:nextCondLst>
+                <p:cond evt="onNext" delay="0">
+                  <p:tgtEl>
+                    <p:sldTgt/>
+                  </p:tgtEl>
+                </p:cond>
+              </p:nextCondLst>
+            </p:seq>
+          </p:childTnLst>
+        </p:cTn>
+      </p:par>
+    </p:tnLst>
+  </p:timing>
+</p:sld>
+</file>
+
+<file path=ppt/slides/slide40.xml><?xml version="1.0" encoding="utf-8"?>
 <p:sld xmlns:a="http://schemas.openxmlformats.org/drawingml/2006/main" xmlns:r="http://schemas.openxmlformats.org/officeDocument/2006/relationships" xmlns:p="http://schemas.openxmlformats.org/presentationml/2006/main">
   <p:cSld>
     <p:spTree>
@@ -29275,7 +31400,7 @@
 </p:sld>
 </file>
 
-<file path=ppt/slides/slide4.xml><?xml version="1.0" encoding="utf-8"?>
+<file path=ppt/slides/slide41.xml><?xml version="1.0" encoding="utf-8"?>
 <p:sld xmlns:a="http://schemas.openxmlformats.org/drawingml/2006/main" xmlns:r="http://schemas.openxmlformats.org/officeDocument/2006/relationships" xmlns:p="http://schemas.openxmlformats.org/presentationml/2006/main">
   <p:cSld>
     <p:spTree>
@@ -29311,186 +31436,13 @@
               <a:buNone/>
             </a:pPr>
             <a:r>
-              <a:rPr dirty="0"/>
-              <a:t>Review</a:t>
+              <a:t>What is Deviance?</a:t>
             </a:r>
           </a:p>
         </p:txBody>
       </p:sp>
-      <p:sp>
-        <p:nvSpPr>
-          <p:cNvPr id="3" name="Content Placeholder 2"/>
-          <p:cNvSpPr>
-            <a:spLocks noGrp="1"/>
-          </p:cNvSpPr>
-          <p:nvPr>
-            <p:ph idx="1"/>
-          </p:nvPr>
-        </p:nvSpPr>
-        <p:spPr>
-          <a:xfrm>
-            <a:off x="457200" y="1200151"/>
-            <a:ext cx="8229600" cy="3737370"/>
-          </a:xfrm>
-        </p:spPr>
-        <p:txBody>
-          <a:bodyPr>
-            <a:normAutofit fontScale="92500" lnSpcReduction="10000"/>
-          </a:bodyPr>
-          <a:lstStyle/>
-          <a:p>
-            <a:pPr marL="0" lvl="0" indent="0">
-              <a:buNone/>
-            </a:pPr>
-            <a:r>
-              <a:rPr dirty="0"/>
-              <a:t>When evaluating any machine learning model consider </a:t>
-            </a:r>
-            <a:r>
-              <a:rPr b="1" dirty="0"/>
-              <a:t>all evaluation methods available</a:t>
-            </a:r>
-          </a:p>
-          <a:p>
-            <a:pPr lvl="0"/>
-            <a:r>
-              <a:rPr dirty="0"/>
-              <a:t>No one method best all of the time</a:t>
-            </a:r>
-          </a:p>
-          <a:p>
-            <a:pPr lvl="0"/>
-            <a:r>
-              <a:rPr lang="en-US" dirty="0"/>
-              <a:t>Test for h</a:t>
-            </a:r>
-            <a:r>
-              <a:rPr dirty="0"/>
-              <a:t>omoscedastic Normally distributed residuals</a:t>
-            </a:r>
-          </a:p>
-          <a:p>
-            <a:pPr lvl="0"/>
-            <a:r>
-              <a:rPr lang="en-US" dirty="0"/>
-              <a:t>Are</a:t>
-            </a:r>
-            <a:r>
-              <a:rPr dirty="0"/>
-              <a:t> model and its coefficients </a:t>
-            </a:r>
-            <a:r>
-              <a:rPr lang="en-US" dirty="0"/>
-              <a:t>statistically </a:t>
-            </a:r>
-            <a:r>
-              <a:rPr dirty="0"/>
-              <a:t>significant?</a:t>
-            </a:r>
-          </a:p>
-          <a:p>
-            <a:pPr lvl="1"/>
-            <a:r>
-              <a:rPr dirty="0"/>
-              <a:t>F test </a:t>
-            </a:r>
-            <a:r>
-              <a:rPr lang="en-US" dirty="0"/>
-              <a:t>on model significance</a:t>
-            </a:r>
-            <a:endParaRPr dirty="0"/>
-          </a:p>
-          <a:p>
-            <a:pPr lvl="1"/>
-            <a:r>
-              <a:rPr dirty="0"/>
-              <a:t>t-test on model parameter </a:t>
-            </a:r>
-            <a:r>
-              <a:rPr lang="en-US" dirty="0"/>
-              <a:t>significance</a:t>
-            </a:r>
-            <a:endParaRPr dirty="0"/>
-          </a:p>
-          <a:p>
-            <a:pPr lvl="0"/>
-            <a:r>
-              <a:rPr b="1" dirty="0"/>
-              <a:t>Different methods highlight different problems</a:t>
-            </a:r>
-            <a:r>
-              <a:rPr dirty="0"/>
-              <a:t> with your model</a:t>
-            </a:r>
-          </a:p>
-          <a:p>
-            <a:pPr lvl="0"/>
-            <a:r>
-              <a:rPr dirty="0"/>
-              <a:t>Don’t forget to check that the </a:t>
-            </a:r>
-            <a:r>
-              <a:rPr b="1" dirty="0"/>
-              <a:t>model must make sense</a:t>
-            </a:r>
-            <a:r>
-              <a:rPr dirty="0"/>
-              <a:t> for your application!</a:t>
-            </a:r>
-          </a:p>
-        </p:txBody>
-      </p:sp>
-    </p:spTree>
-  </p:cSld>
-  <p:clrMapOvr>
-    <a:masterClrMapping/>
-  </p:clrMapOvr>
-</p:sld>
-</file>
-
-<file path=ppt/slides/slide40.xml><?xml version="1.0" encoding="utf-8"?>
-<p:sld xmlns:a="http://schemas.openxmlformats.org/drawingml/2006/main" xmlns:r="http://schemas.openxmlformats.org/officeDocument/2006/relationships" xmlns:p="http://schemas.openxmlformats.org/presentationml/2006/main">
-  <p:cSld>
-    <p:spTree>
-      <p:nvGrpSpPr>
-        <p:cNvPr id="1" name=""/>
-        <p:cNvGrpSpPr/>
-        <p:nvPr/>
-      </p:nvGrpSpPr>
-      <p:grpSpPr>
-        <a:xfrm>
-          <a:off x="0" y="0"/>
-          <a:ext cx="0" cy="0"/>
-          <a:chOff x="0" y="0"/>
-          <a:chExt cx="0" cy="0"/>
-        </a:xfrm>
-      </p:grpSpPr>
-      <p:sp>
-        <p:nvSpPr>
-          <p:cNvPr id="2" name="Title 1"/>
-          <p:cNvSpPr>
-            <a:spLocks noGrp="1"/>
-          </p:cNvSpPr>
-          <p:nvPr>
-            <p:ph type="title"/>
-          </p:nvPr>
-        </p:nvSpPr>
-        <p:spPr/>
-        <p:txBody>
-          <a:bodyPr/>
-          <a:lstStyle/>
-          <a:p>
-            <a:pPr marL="0" lvl="0" indent="0">
-              <a:buNone/>
-            </a:pPr>
-            <a:r>
-              <a:t>What is Deviance?</a:t>
-            </a:r>
-          </a:p>
-        </p:txBody>
-      </p:sp>
-      <mc:AlternateContent xmlns:mc="http://schemas.openxmlformats.org/markup-compatibility/2006">
-        <mc:Choice xmlns:a14="http://schemas.microsoft.com/office/drawing/2010/main" Requires="a14">
+      <mc:AlternateContent xmlns:mc="http://schemas.openxmlformats.org/markup-compatibility/2006" xmlns:a14="http://schemas.microsoft.com/office/drawing/2010/main">
+        <mc:Choice Requires="a14">
           <p:sp>
             <p:nvSpPr>
               <p:cNvPr id="3" name="Content Placeholder 2"/>
@@ -29620,7 +31572,7 @@
             </p:txBody>
           </p:sp>
         </mc:Choice>
-        <mc:Fallback>
+        <mc:Fallback xmlns="">
           <p:sp>
             <p:nvSpPr>
               <p:cNvPr id="3" name="Content Placeholder 2"/>
@@ -29887,7 +31839,7 @@
 </p:sld>
 </file>
 
-<file path=ppt/slides/slide41.xml><?xml version="1.0" encoding="utf-8"?>
+<file path=ppt/slides/slide42.xml><?xml version="1.0" encoding="utf-8"?>
 <p:sld xmlns:a="http://schemas.openxmlformats.org/drawingml/2006/main" xmlns:r="http://schemas.openxmlformats.org/officeDocument/2006/relationships" xmlns:p="http://schemas.openxmlformats.org/presentationml/2006/main">
   <p:cSld>
     <p:spTree>
@@ -29928,8 +31880,8 @@
           </a:p>
         </p:txBody>
       </p:sp>
-      <mc:AlternateContent xmlns:mc="http://schemas.openxmlformats.org/markup-compatibility/2006">
-        <mc:Choice xmlns:a14="http://schemas.microsoft.com/office/drawing/2010/main" Requires="a14">
+      <mc:AlternateContent xmlns:mc="http://schemas.openxmlformats.org/markup-compatibility/2006" xmlns:a14="http://schemas.microsoft.com/office/drawing/2010/main">
+        <mc:Choice Requires="a14">
           <p:sp>
             <p:nvSpPr>
               <p:cNvPr id="3" name="Content Placeholder 2"/>
@@ -30294,7 +32246,7 @@
             </p:txBody>
           </p:sp>
         </mc:Choice>
-        <mc:Fallback>
+        <mc:Fallback xmlns="">
           <p:sp>
             <p:nvSpPr>
               <p:cNvPr id="3" name="Content Placeholder 2"/>
@@ -30637,7 +32589,7 @@
 </p:sld>
 </file>
 
-<file path=ppt/slides/slide42.xml><?xml version="1.0" encoding="utf-8"?>
+<file path=ppt/slides/slide43.xml><?xml version="1.0" encoding="utf-8"?>
 <p:sld xmlns:a="http://schemas.openxmlformats.org/drawingml/2006/main" xmlns:r="http://schemas.openxmlformats.org/officeDocument/2006/relationships" xmlns:p="http://schemas.openxmlformats.org/presentationml/2006/main">
   <p:cSld>
     <p:spTree>
@@ -31537,7 +33489,7 @@
 </p:sld>
 </file>
 
-<file path=ppt/slides/slide43.xml><?xml version="1.0" encoding="utf-8"?>
+<file path=ppt/slides/slide44.xml><?xml version="1.0" encoding="utf-8"?>
 <p:sld xmlns:a="http://schemas.openxmlformats.org/drawingml/2006/main" xmlns:r="http://schemas.openxmlformats.org/officeDocument/2006/relationships" xmlns:p="http://schemas.openxmlformats.org/presentationml/2006/main">
   <p:cSld>
     <p:spTree>
@@ -31578,8 +33530,8 @@
           </a:p>
         </p:txBody>
       </p:sp>
-      <mc:AlternateContent xmlns:mc="http://schemas.openxmlformats.org/markup-compatibility/2006">
-        <mc:Choice xmlns:a14="http://schemas.microsoft.com/office/drawing/2010/main" Requires="a14">
+      <mc:AlternateContent xmlns:mc="http://schemas.openxmlformats.org/markup-compatibility/2006" xmlns:a14="http://schemas.microsoft.com/office/drawing/2010/main">
+        <mc:Choice Requires="a14">
           <p:sp>
             <p:nvSpPr>
               <p:cNvPr id="3" name="Content Placeholder 2"/>
@@ -31828,7 +33780,7 @@
             </p:txBody>
           </p:sp>
         </mc:Choice>
-        <mc:Fallback>
+        <mc:Fallback xmlns="">
           <p:sp>
             <p:nvSpPr>
               <p:cNvPr id="3" name="Content Placeholder 2"/>
@@ -32219,7 +34171,7 @@
 </p:sld>
 </file>
 
-<file path=ppt/slides/slide44.xml><?xml version="1.0" encoding="utf-8"?>
+<file path=ppt/slides/slide45.xml><?xml version="1.0" encoding="utf-8"?>
 <p:sld xmlns:a="http://schemas.openxmlformats.org/drawingml/2006/main" xmlns:r="http://schemas.openxmlformats.org/officeDocument/2006/relationships" xmlns:p="http://schemas.openxmlformats.org/presentationml/2006/main">
   <p:cSld>
     <p:spTree>
@@ -32758,7 +34710,7 @@
 </p:sld>
 </file>
 
-<file path=ppt/slides/slide45.xml><?xml version="1.0" encoding="utf-8"?>
+<file path=ppt/slides/slide46.xml><?xml version="1.0" encoding="utf-8"?>
 <p:sld xmlns:a="http://schemas.openxmlformats.org/drawingml/2006/main" xmlns:r="http://schemas.openxmlformats.org/officeDocument/2006/relationships" xmlns:p="http://schemas.openxmlformats.org/presentationml/2006/main">
   <p:cSld>
     <p:spTree>
@@ -32799,8 +34751,8 @@
           </a:p>
         </p:txBody>
       </p:sp>
-      <mc:AlternateContent xmlns:mc="http://schemas.openxmlformats.org/markup-compatibility/2006">
-        <mc:Choice xmlns:a14="http://schemas.microsoft.com/office/drawing/2010/main" Requires="a14">
+      <mc:AlternateContent xmlns:mc="http://schemas.openxmlformats.org/markup-compatibility/2006" xmlns:a14="http://schemas.microsoft.com/office/drawing/2010/main">
+        <mc:Choice Requires="a14">
           <p:sp>
             <p:nvSpPr>
               <p:cNvPr id="3" name="Content Placeholder 2"/>
@@ -33263,7 +35215,7 @@
             </p:txBody>
           </p:sp>
         </mc:Choice>
-        <mc:Fallback>
+        <mc:Fallback xmlns="">
           <p:sp>
             <p:nvSpPr>
               <p:cNvPr id="3" name="Content Placeholder 2"/>
@@ -33526,7 +35478,7 @@
 </p:sld>
 </file>
 
-<file path=ppt/slides/slide46.xml><?xml version="1.0" encoding="utf-8"?>
+<file path=ppt/slides/slide47.xml><?xml version="1.0" encoding="utf-8"?>
 <p:sld xmlns:a="http://schemas.openxmlformats.org/drawingml/2006/main" xmlns:r="http://schemas.openxmlformats.org/officeDocument/2006/relationships" xmlns:p="http://schemas.openxmlformats.org/presentationml/2006/main">
   <p:cSld>
     <p:spTree>
@@ -33567,8 +35519,8 @@
           </a:p>
         </p:txBody>
       </p:sp>
-      <mc:AlternateContent xmlns:mc="http://schemas.openxmlformats.org/markup-compatibility/2006">
-        <mc:Choice xmlns:a14="http://schemas.microsoft.com/office/drawing/2010/main" Requires="a14">
+      <mc:AlternateContent xmlns:mc="http://schemas.openxmlformats.org/markup-compatibility/2006" xmlns:a14="http://schemas.microsoft.com/office/drawing/2010/main">
+        <mc:Choice Requires="a14">
           <p:sp>
             <p:nvSpPr>
               <p:cNvPr id="3" name="Content Placeholder 2"/>
@@ -34719,7 +36671,7 @@
             </p:txBody>
           </p:sp>
         </mc:Choice>
-        <mc:Fallback>
+        <mc:Fallback xmlns="">
           <p:sp>
             <p:nvSpPr>
               <p:cNvPr id="3" name="Content Placeholder 2"/>
@@ -35004,7 +36956,7 @@
 </p:sld>
 </file>
 
-<file path=ppt/slides/slide47.xml><?xml version="1.0" encoding="utf-8"?>
+<file path=ppt/slides/slide48.xml><?xml version="1.0" encoding="utf-8"?>
 <p:sld xmlns:a="http://schemas.openxmlformats.org/drawingml/2006/main" xmlns:r="http://schemas.openxmlformats.org/officeDocument/2006/relationships" xmlns:p="http://schemas.openxmlformats.org/presentationml/2006/main">
   <p:cSld>
     <p:spTree>
@@ -35045,8 +36997,8 @@
           </a:p>
         </p:txBody>
       </p:sp>
-      <mc:AlternateContent xmlns:mc="http://schemas.openxmlformats.org/markup-compatibility/2006">
-        <mc:Choice xmlns:a14="http://schemas.microsoft.com/office/drawing/2010/main" Requires="a14">
+      <mc:AlternateContent xmlns:mc="http://schemas.openxmlformats.org/markup-compatibility/2006" xmlns:a14="http://schemas.microsoft.com/office/drawing/2010/main">
+        <mc:Choice Requires="a14">
           <p:sp>
             <p:nvSpPr>
               <p:cNvPr id="3" name="Content Placeholder 2"/>
@@ -35660,7 +37612,7 @@
             </p:txBody>
           </p:sp>
         </mc:Choice>
-        <mc:Fallback>
+        <mc:Fallback xmlns="">
           <p:sp>
             <p:nvSpPr>
               <p:cNvPr id="3" name="Content Placeholder 2"/>
@@ -35941,7 +37893,7 @@
 </p:sld>
 </file>
 
-<file path=ppt/slides/slide48.xml><?xml version="1.0" encoding="utf-8"?>
+<file path=ppt/slides/slide49.xml><?xml version="1.0" encoding="utf-8"?>
 <p:sld xmlns:a="http://schemas.openxmlformats.org/drawingml/2006/main" xmlns:r="http://schemas.openxmlformats.org/officeDocument/2006/relationships" xmlns:p="http://schemas.openxmlformats.org/presentationml/2006/main">
   <p:cSld>
     <p:spTree>
@@ -36556,7 +38508,619 @@
 </p:sld>
 </file>
 
-<file path=ppt/slides/slide49.xml><?xml version="1.0" encoding="utf-8"?>
+<file path=ppt/slides/slide5.xml><?xml version="1.0" encoding="utf-8"?>
+<p:sld xmlns:a="http://schemas.openxmlformats.org/drawingml/2006/main" xmlns:r="http://schemas.openxmlformats.org/officeDocument/2006/relationships" xmlns:p="http://schemas.openxmlformats.org/presentationml/2006/main">
+  <p:cSld>
+    <p:spTree>
+      <p:nvGrpSpPr>
+        <p:cNvPr id="1" name=""/>
+        <p:cNvGrpSpPr/>
+        <p:nvPr/>
+      </p:nvGrpSpPr>
+      <p:grpSpPr>
+        <a:xfrm>
+          <a:off x="0" y="0"/>
+          <a:ext cx="0" cy="0"/>
+          <a:chOff x="0" y="0"/>
+          <a:chExt cx="0" cy="0"/>
+        </a:xfrm>
+      </p:grpSpPr>
+      <p:sp>
+        <p:nvSpPr>
+          <p:cNvPr id="2" name="Title 1"/>
+          <p:cNvSpPr>
+            <a:spLocks noGrp="1"/>
+          </p:cNvSpPr>
+          <p:nvPr>
+            <p:ph type="title"/>
+          </p:nvPr>
+        </p:nvSpPr>
+        <p:spPr/>
+        <p:txBody>
+          <a:bodyPr/>
+          <a:lstStyle/>
+          <a:p>
+            <a:pPr marL="0" lvl="0" indent="0">
+              <a:buNone/>
+            </a:pPr>
+            <a:r>
+              <a:t>Review</a:t>
+            </a:r>
+          </a:p>
+        </p:txBody>
+      </p:sp>
+      <p:sp>
+        <p:nvSpPr>
+          <p:cNvPr id="3" name="Content Placeholder 2"/>
+          <p:cNvSpPr>
+            <a:spLocks noGrp="1"/>
+          </p:cNvSpPr>
+          <p:nvPr>
+            <p:ph idx="1"/>
+          </p:nvPr>
+        </p:nvSpPr>
+        <p:spPr>
+          <a:xfrm>
+            <a:off x="457200" y="1200151"/>
+            <a:ext cx="8229600" cy="3737370"/>
+          </a:xfrm>
+        </p:spPr>
+        <p:txBody>
+          <a:bodyPr>
+            <a:normAutofit fontScale="77500" lnSpcReduction="20000"/>
+          </a:bodyPr>
+          <a:lstStyle/>
+          <a:p>
+            <a:pPr marL="0" lvl="0" indent="0">
+              <a:buNone/>
+            </a:pPr>
+            <a:r>
+              <a:rPr dirty="0"/>
+              <a:t>There are a number of assumptions in linear models that you overlook at your peril!</a:t>
+            </a:r>
+          </a:p>
+          <a:p>
+            <a:pPr lvl="0"/>
+            <a:r>
+              <a:rPr dirty="0"/>
+              <a:t>The </a:t>
+            </a:r>
+            <a:r>
+              <a:rPr lang="en-US" dirty="0"/>
+              <a:t>independent</a:t>
+            </a:r>
+            <a:r>
+              <a:rPr dirty="0"/>
+              <a:t> or predictor variables should be </a:t>
+            </a:r>
+            <a:r>
+              <a:rPr b="1" dirty="0"/>
+              <a:t>independent</a:t>
+            </a:r>
+            <a:r>
+              <a:rPr dirty="0"/>
+              <a:t> of one another</a:t>
+            </a:r>
+          </a:p>
+          <a:p>
+            <a:pPr lvl="1"/>
+            <a:r>
+              <a:rPr dirty="0"/>
+              <a:t>This is rarely true in practice</a:t>
+            </a:r>
+          </a:p>
+          <a:p>
+            <a:pPr lvl="1"/>
+            <a:r>
+              <a:rPr b="1" dirty="0"/>
+              <a:t>Multi-collinearity</a:t>
+            </a:r>
+            <a:r>
+              <a:rPr dirty="0"/>
+              <a:t> between features makes the model </a:t>
+            </a:r>
+            <a:r>
+              <a:rPr b="1" dirty="0"/>
+              <a:t>under-determined</a:t>
+            </a:r>
+          </a:p>
+          <a:p>
+            <a:pPr lvl="0"/>
+            <a:r>
+              <a:rPr dirty="0"/>
+              <a:t>We </a:t>
+            </a:r>
+            <a:r>
+              <a:rPr lang="en-US" dirty="0"/>
+              <a:t>want </a:t>
+            </a:r>
+            <a:r>
+              <a:rPr dirty="0"/>
+              <a:t>numeric features or predictors have </a:t>
+            </a:r>
+            <a:r>
+              <a:rPr b="1" dirty="0"/>
+              <a:t>zero mean</a:t>
+            </a:r>
+            <a:r>
+              <a:rPr dirty="0"/>
+              <a:t> and about the </a:t>
+            </a:r>
+            <a:r>
+              <a:rPr b="1" dirty="0"/>
+              <a:t>same scale</a:t>
+            </a:r>
+          </a:p>
+          <a:p>
+            <a:pPr lvl="1"/>
+            <a:r>
+              <a:rPr lang="en-US" dirty="0"/>
+              <a:t>Intercept is the mean of the response variable</a:t>
+            </a:r>
+          </a:p>
+          <a:p>
+            <a:pPr lvl="1"/>
+            <a:r>
+              <a:rPr lang="en-US" dirty="0"/>
+              <a:t>Predictors </a:t>
+            </a:r>
+            <a:r>
+              <a:rPr dirty="0"/>
+              <a:t>with a large numeric range </a:t>
+            </a:r>
+            <a:r>
+              <a:rPr lang="en-US" dirty="0"/>
+              <a:t>must not </a:t>
+            </a:r>
+            <a:r>
+              <a:rPr dirty="0"/>
+              <a:t>dominate training</a:t>
+            </a:r>
+          </a:p>
+          <a:p>
+            <a:pPr lvl="0"/>
+            <a:r>
+              <a:rPr dirty="0"/>
+              <a:t>Values of each predictor or </a:t>
+            </a:r>
+            <a:r>
+              <a:rPr lang="en-US" dirty="0"/>
+              <a:t>independent variables</a:t>
+            </a:r>
+            <a:r>
+              <a:rPr dirty="0"/>
+              <a:t> should be </a:t>
+            </a:r>
+            <a:r>
+              <a:rPr dirty="0" err="1"/>
+              <a:t>iid</a:t>
+            </a:r>
+            <a:endParaRPr dirty="0"/>
+          </a:p>
+          <a:p>
+            <a:pPr lvl="1"/>
+            <a:r>
+              <a:rPr dirty="0"/>
+              <a:t>If variance changes with sample, the coefficient </a:t>
+            </a:r>
+            <a:r>
+              <a:rPr lang="en-US" dirty="0"/>
+              <a:t>can</a:t>
+            </a:r>
+            <a:r>
+              <a:rPr dirty="0"/>
+              <a:t>not</a:t>
+            </a:r>
+            <a:r>
+              <a:rPr lang="en-US" dirty="0"/>
+              <a:t> be</a:t>
+            </a:r>
+            <a:r>
+              <a:rPr dirty="0"/>
+              <a:t> constant</a:t>
+            </a:r>
+          </a:p>
+          <a:p>
+            <a:pPr lvl="1"/>
+            <a:r>
+              <a:rPr dirty="0"/>
+              <a:t>If </a:t>
+            </a:r>
+            <a:r>
+              <a:rPr lang="en-US" dirty="0"/>
+              <a:t>predictor values have </a:t>
+            </a:r>
+            <a:r>
+              <a:rPr b="1" dirty="0"/>
+              <a:t>serial correlation</a:t>
+            </a:r>
+            <a:r>
+              <a:rPr dirty="0"/>
+              <a:t> the </a:t>
+            </a:r>
+            <a:r>
+              <a:rPr dirty="0" err="1"/>
+              <a:t>iid</a:t>
+            </a:r>
+            <a:r>
+              <a:rPr dirty="0"/>
+              <a:t> assumption is violated - use time series models</a:t>
+            </a:r>
+          </a:p>
+        </p:txBody>
+      </p:sp>
+    </p:spTree>
+  </p:cSld>
+  <p:clrMapOvr>
+    <a:masterClrMapping/>
+  </p:clrMapOvr>
+  <p:timing>
+    <p:tnLst>
+      <p:par>
+        <p:cTn id="1" dur="indefinite" restart="never" nodeType="tmRoot">
+          <p:childTnLst>
+            <p:seq concurrent="1" nextAc="seek">
+              <p:cTn id="2" dur="indefinite" nodeType="mainSeq">
+                <p:childTnLst>
+                  <p:par>
+                    <p:cTn id="3" fill="hold">
+                      <p:stCondLst>
+                        <p:cond delay="indefinite"/>
+                      </p:stCondLst>
+                      <p:childTnLst>
+                        <p:par>
+                          <p:cTn id="4" fill="hold">
+                            <p:stCondLst>
+                              <p:cond delay="0"/>
+                            </p:stCondLst>
+                            <p:childTnLst>
+                              <p:par>
+                                <p:cTn id="5" presetID="1" presetClass="entr" presetSubtype="0" fill="hold" nodeType="clickEffect">
+                                  <p:stCondLst>
+                                    <p:cond delay="0"/>
+                                  </p:stCondLst>
+                                  <p:childTnLst>
+                                    <p:set>
+                                      <p:cBhvr>
+                                        <p:cTn id="6" dur="1" fill="hold">
+                                          <p:stCondLst>
+                                            <p:cond delay="0"/>
+                                          </p:stCondLst>
+                                        </p:cTn>
+                                        <p:tgtEl>
+                                          <p:spTgt spid="3">
+                                            <p:txEl>
+                                              <p:pRg st="1" end="1"/>
+                                            </p:txEl>
+                                          </p:spTgt>
+                                        </p:tgtEl>
+                                        <p:attrNameLst>
+                                          <p:attrName>style.visibility</p:attrName>
+                                        </p:attrNameLst>
+                                      </p:cBhvr>
+                                      <p:to>
+                                        <p:strVal val="visible"/>
+                                      </p:to>
+                                    </p:set>
+                                  </p:childTnLst>
+                                </p:cTn>
+                              </p:par>
+                              <p:par>
+                                <p:cTn id="7" presetID="1" presetClass="entr" presetSubtype="0" fill="hold" nodeType="withEffect">
+                                  <p:stCondLst>
+                                    <p:cond delay="0"/>
+                                  </p:stCondLst>
+                                  <p:childTnLst>
+                                    <p:set>
+                                      <p:cBhvr>
+                                        <p:cTn id="8" dur="1" fill="hold">
+                                          <p:stCondLst>
+                                            <p:cond delay="0"/>
+                                          </p:stCondLst>
+                                        </p:cTn>
+                                        <p:tgtEl>
+                                          <p:spTgt spid="3">
+                                            <p:txEl>
+                                              <p:pRg st="2" end="2"/>
+                                            </p:txEl>
+                                          </p:spTgt>
+                                        </p:tgtEl>
+                                        <p:attrNameLst>
+                                          <p:attrName>style.visibility</p:attrName>
+                                        </p:attrNameLst>
+                                      </p:cBhvr>
+                                      <p:to>
+                                        <p:strVal val="visible"/>
+                                      </p:to>
+                                    </p:set>
+                                  </p:childTnLst>
+                                </p:cTn>
+                              </p:par>
+                              <p:par>
+                                <p:cTn id="9" presetID="1" presetClass="entr" presetSubtype="0" fill="hold" nodeType="withEffect">
+                                  <p:stCondLst>
+                                    <p:cond delay="0"/>
+                                  </p:stCondLst>
+                                  <p:childTnLst>
+                                    <p:set>
+                                      <p:cBhvr>
+                                        <p:cTn id="10" dur="1" fill="hold">
+                                          <p:stCondLst>
+                                            <p:cond delay="0"/>
+                                          </p:stCondLst>
+                                        </p:cTn>
+                                        <p:tgtEl>
+                                          <p:spTgt spid="3">
+                                            <p:txEl>
+                                              <p:pRg st="3" end="3"/>
+                                            </p:txEl>
+                                          </p:spTgt>
+                                        </p:tgtEl>
+                                        <p:attrNameLst>
+                                          <p:attrName>style.visibility</p:attrName>
+                                        </p:attrNameLst>
+                                      </p:cBhvr>
+                                      <p:to>
+                                        <p:strVal val="visible"/>
+                                      </p:to>
+                                    </p:set>
+                                  </p:childTnLst>
+                                </p:cTn>
+                              </p:par>
+                            </p:childTnLst>
+                          </p:cTn>
+                        </p:par>
+                      </p:childTnLst>
+                    </p:cTn>
+                  </p:par>
+                  <p:par>
+                    <p:cTn id="11" fill="hold">
+                      <p:stCondLst>
+                        <p:cond delay="indefinite"/>
+                      </p:stCondLst>
+                      <p:childTnLst>
+                        <p:par>
+                          <p:cTn id="12" fill="hold">
+                            <p:stCondLst>
+                              <p:cond delay="0"/>
+                            </p:stCondLst>
+                            <p:childTnLst>
+                              <p:par>
+                                <p:cTn id="13" presetID="1" presetClass="entr" presetSubtype="0" fill="hold" nodeType="clickEffect">
+                                  <p:stCondLst>
+                                    <p:cond delay="0"/>
+                                  </p:stCondLst>
+                                  <p:childTnLst>
+                                    <p:set>
+                                      <p:cBhvr>
+                                        <p:cTn id="14" dur="1" fill="hold">
+                                          <p:stCondLst>
+                                            <p:cond delay="0"/>
+                                          </p:stCondLst>
+                                        </p:cTn>
+                                        <p:tgtEl>
+                                          <p:spTgt spid="3">
+                                            <p:txEl>
+                                              <p:pRg st="4" end="4"/>
+                                            </p:txEl>
+                                          </p:spTgt>
+                                        </p:tgtEl>
+                                        <p:attrNameLst>
+                                          <p:attrName>style.visibility</p:attrName>
+                                        </p:attrNameLst>
+                                      </p:cBhvr>
+                                      <p:to>
+                                        <p:strVal val="visible"/>
+                                      </p:to>
+                                    </p:set>
+                                  </p:childTnLst>
+                                </p:cTn>
+                              </p:par>
+                              <p:par>
+                                <p:cTn id="15" presetID="1" presetClass="entr" presetSubtype="0" fill="hold" nodeType="withEffect">
+                                  <p:stCondLst>
+                                    <p:cond delay="0"/>
+                                  </p:stCondLst>
+                                  <p:childTnLst>
+                                    <p:set>
+                                      <p:cBhvr>
+                                        <p:cTn id="16" dur="1" fill="hold">
+                                          <p:stCondLst>
+                                            <p:cond delay="0"/>
+                                          </p:stCondLst>
+                                        </p:cTn>
+                                        <p:tgtEl>
+                                          <p:spTgt spid="3">
+                                            <p:txEl>
+                                              <p:pRg st="5" end="5"/>
+                                            </p:txEl>
+                                          </p:spTgt>
+                                        </p:tgtEl>
+                                        <p:attrNameLst>
+                                          <p:attrName>style.visibility</p:attrName>
+                                        </p:attrNameLst>
+                                      </p:cBhvr>
+                                      <p:to>
+                                        <p:strVal val="visible"/>
+                                      </p:to>
+                                    </p:set>
+                                  </p:childTnLst>
+                                </p:cTn>
+                              </p:par>
+                              <p:par>
+                                <p:cTn id="17" presetID="1" presetClass="entr" presetSubtype="0" fill="hold" nodeType="withEffect">
+                                  <p:stCondLst>
+                                    <p:cond delay="0"/>
+                                  </p:stCondLst>
+                                  <p:childTnLst>
+                                    <p:set>
+                                      <p:cBhvr>
+                                        <p:cTn id="18" dur="1" fill="hold">
+                                          <p:stCondLst>
+                                            <p:cond delay="0"/>
+                                          </p:stCondLst>
+                                        </p:cTn>
+                                        <p:tgtEl>
+                                          <p:spTgt spid="3">
+                                            <p:txEl>
+                                              <p:pRg st="6" end="6"/>
+                                            </p:txEl>
+                                          </p:spTgt>
+                                        </p:tgtEl>
+                                        <p:attrNameLst>
+                                          <p:attrName>style.visibility</p:attrName>
+                                        </p:attrNameLst>
+                                      </p:cBhvr>
+                                      <p:to>
+                                        <p:strVal val="visible"/>
+                                      </p:to>
+                                    </p:set>
+                                  </p:childTnLst>
+                                </p:cTn>
+                              </p:par>
+                            </p:childTnLst>
+                          </p:cTn>
+                        </p:par>
+                      </p:childTnLst>
+                    </p:cTn>
+                  </p:par>
+                  <p:par>
+                    <p:cTn id="19" fill="hold">
+                      <p:stCondLst>
+                        <p:cond delay="indefinite"/>
+                      </p:stCondLst>
+                      <p:childTnLst>
+                        <p:par>
+                          <p:cTn id="20" fill="hold">
+                            <p:stCondLst>
+                              <p:cond delay="0"/>
+                            </p:stCondLst>
+                            <p:childTnLst>
+                              <p:par>
+                                <p:cTn id="21" presetID="1" presetClass="entr" presetSubtype="0" fill="hold" nodeType="clickEffect">
+                                  <p:stCondLst>
+                                    <p:cond delay="0"/>
+                                  </p:stCondLst>
+                                  <p:childTnLst>
+                                    <p:set>
+                                      <p:cBhvr>
+                                        <p:cTn id="22" dur="1" fill="hold">
+                                          <p:stCondLst>
+                                            <p:cond delay="0"/>
+                                          </p:stCondLst>
+                                        </p:cTn>
+                                        <p:tgtEl>
+                                          <p:spTgt spid="3">
+                                            <p:txEl>
+                                              <p:pRg st="7" end="7"/>
+                                            </p:txEl>
+                                          </p:spTgt>
+                                        </p:tgtEl>
+                                        <p:attrNameLst>
+                                          <p:attrName>style.visibility</p:attrName>
+                                        </p:attrNameLst>
+                                      </p:cBhvr>
+                                      <p:to>
+                                        <p:strVal val="visible"/>
+                                      </p:to>
+                                    </p:set>
+                                  </p:childTnLst>
+                                </p:cTn>
+                              </p:par>
+                              <p:par>
+                                <p:cTn id="23" presetID="1" presetClass="entr" presetSubtype="0" fill="hold" nodeType="withEffect">
+                                  <p:stCondLst>
+                                    <p:cond delay="0"/>
+                                  </p:stCondLst>
+                                  <p:childTnLst>
+                                    <p:set>
+                                      <p:cBhvr>
+                                        <p:cTn id="24" dur="1" fill="hold">
+                                          <p:stCondLst>
+                                            <p:cond delay="0"/>
+                                          </p:stCondLst>
+                                        </p:cTn>
+                                        <p:tgtEl>
+                                          <p:spTgt spid="3">
+                                            <p:txEl>
+                                              <p:pRg st="8" end="8"/>
+                                            </p:txEl>
+                                          </p:spTgt>
+                                        </p:tgtEl>
+                                        <p:attrNameLst>
+                                          <p:attrName>style.visibility</p:attrName>
+                                        </p:attrNameLst>
+                                      </p:cBhvr>
+                                      <p:to>
+                                        <p:strVal val="visible"/>
+                                      </p:to>
+                                    </p:set>
+                                  </p:childTnLst>
+                                </p:cTn>
+                              </p:par>
+                              <p:par>
+                                <p:cTn id="25" presetID="1" presetClass="entr" presetSubtype="0" fill="hold" nodeType="withEffect">
+                                  <p:stCondLst>
+                                    <p:cond delay="0"/>
+                                  </p:stCondLst>
+                                  <p:childTnLst>
+                                    <p:set>
+                                      <p:cBhvr>
+                                        <p:cTn id="26" dur="1" fill="hold">
+                                          <p:stCondLst>
+                                            <p:cond delay="0"/>
+                                          </p:stCondLst>
+                                        </p:cTn>
+                                        <p:tgtEl>
+                                          <p:spTgt spid="3">
+                                            <p:txEl>
+                                              <p:pRg st="9" end="9"/>
+                                            </p:txEl>
+                                          </p:spTgt>
+                                        </p:tgtEl>
+                                        <p:attrNameLst>
+                                          <p:attrName>style.visibility</p:attrName>
+                                        </p:attrNameLst>
+                                      </p:cBhvr>
+                                      <p:to>
+                                        <p:strVal val="visible"/>
+                                      </p:to>
+                                    </p:set>
+                                  </p:childTnLst>
+                                </p:cTn>
+                              </p:par>
+                            </p:childTnLst>
+                          </p:cTn>
+                        </p:par>
+                      </p:childTnLst>
+                    </p:cTn>
+                  </p:par>
+                </p:childTnLst>
+              </p:cTn>
+              <p:prevCondLst>
+                <p:cond evt="onPrev" delay="0">
+                  <p:tgtEl>
+                    <p:sldTgt/>
+                  </p:tgtEl>
+                </p:cond>
+              </p:prevCondLst>
+              <p:nextCondLst>
+                <p:cond evt="onNext" delay="0">
+                  <p:tgtEl>
+                    <p:sldTgt/>
+                  </p:tgtEl>
+                </p:cond>
+              </p:nextCondLst>
+            </p:seq>
+          </p:childTnLst>
+        </p:cTn>
+      </p:par>
+    </p:tnLst>
+  </p:timing>
+</p:sld>
+</file>
+
+<file path=ppt/slides/slide50.xml><?xml version="1.0" encoding="utf-8"?>
 <p:sld xmlns:a="http://schemas.openxmlformats.org/drawingml/2006/main" xmlns:r="http://schemas.openxmlformats.org/officeDocument/2006/relationships" xmlns:p="http://schemas.openxmlformats.org/presentationml/2006/main">
   <p:cSld>
     <p:spTree>
@@ -37086,7 +39650,7 @@
 </p:sld>
 </file>
 
-<file path=ppt/slides/slide5.xml><?xml version="1.0" encoding="utf-8"?>
+<file path=ppt/slides/slide51.xml><?xml version="1.0" encoding="utf-8"?>
 <p:sld xmlns:a="http://schemas.openxmlformats.org/drawingml/2006/main" xmlns:r="http://schemas.openxmlformats.org/officeDocument/2006/relationships" xmlns:p="http://schemas.openxmlformats.org/presentationml/2006/main">
   <p:cSld>
     <p:spTree>
@@ -37122,255 +39686,7 @@
               <a:buNone/>
             </a:pPr>
             <a:r>
-              <a:t>Review</a:t>
-            </a:r>
-          </a:p>
-        </p:txBody>
-      </p:sp>
-      <p:sp>
-        <p:nvSpPr>
-          <p:cNvPr id="3" name="Content Placeholder 2"/>
-          <p:cNvSpPr>
-            <a:spLocks noGrp="1"/>
-          </p:cNvSpPr>
-          <p:nvPr>
-            <p:ph idx="1"/>
-          </p:nvPr>
-        </p:nvSpPr>
-        <p:spPr>
-          <a:xfrm>
-            <a:off x="457200" y="1200151"/>
-            <a:ext cx="8229600" cy="3737370"/>
-          </a:xfrm>
-        </p:spPr>
-        <p:txBody>
-          <a:bodyPr>
-            <a:normAutofit fontScale="77500" lnSpcReduction="20000"/>
-          </a:bodyPr>
-          <a:lstStyle/>
-          <a:p>
-            <a:pPr marL="0" lvl="0" indent="0">
-              <a:buNone/>
-            </a:pPr>
-            <a:r>
               <a:rPr dirty="0"/>
-              <a:t>There are a number of assumptions in linear models that you overlook at your peril!</a:t>
-            </a:r>
-          </a:p>
-          <a:p>
-            <a:pPr lvl="0"/>
-            <a:r>
-              <a:rPr dirty="0"/>
-              <a:t>The </a:t>
-            </a:r>
-            <a:r>
-              <a:rPr lang="en-US" dirty="0"/>
-              <a:t>independent</a:t>
-            </a:r>
-            <a:r>
-              <a:rPr dirty="0"/>
-              <a:t> or predictor variables should be </a:t>
-            </a:r>
-            <a:r>
-              <a:rPr b="1" dirty="0"/>
-              <a:t>independent</a:t>
-            </a:r>
-            <a:r>
-              <a:rPr dirty="0"/>
-              <a:t> of one another</a:t>
-            </a:r>
-          </a:p>
-          <a:p>
-            <a:pPr lvl="1"/>
-            <a:r>
-              <a:rPr dirty="0"/>
-              <a:t>This is rarely true in practice</a:t>
-            </a:r>
-          </a:p>
-          <a:p>
-            <a:pPr lvl="1"/>
-            <a:r>
-              <a:rPr b="1" dirty="0"/>
-              <a:t>Multi-collinearity</a:t>
-            </a:r>
-            <a:r>
-              <a:rPr dirty="0"/>
-              <a:t> between features makes the model </a:t>
-            </a:r>
-            <a:r>
-              <a:rPr b="1" dirty="0"/>
-              <a:t>under-determined</a:t>
-            </a:r>
-          </a:p>
-          <a:p>
-            <a:pPr lvl="0"/>
-            <a:r>
-              <a:rPr dirty="0"/>
-              <a:t>We </a:t>
-            </a:r>
-            <a:r>
-              <a:rPr lang="en-US" dirty="0"/>
-              <a:t>want </a:t>
-            </a:r>
-            <a:r>
-              <a:rPr dirty="0"/>
-              <a:t>numeric features or predictors have </a:t>
-            </a:r>
-            <a:r>
-              <a:rPr b="1" dirty="0"/>
-              <a:t>zero mean</a:t>
-            </a:r>
-            <a:r>
-              <a:rPr dirty="0"/>
-              <a:t> and about the </a:t>
-            </a:r>
-            <a:r>
-              <a:rPr b="1" dirty="0"/>
-              <a:t>same scale</a:t>
-            </a:r>
-          </a:p>
-          <a:p>
-            <a:pPr lvl="1"/>
-            <a:r>
-              <a:rPr lang="en-US" dirty="0"/>
-              <a:t>Intercept is the mean of the response variable</a:t>
-            </a:r>
-          </a:p>
-          <a:p>
-            <a:pPr lvl="1"/>
-            <a:r>
-              <a:rPr lang="en-US" dirty="0"/>
-              <a:t>Predictors </a:t>
-            </a:r>
-            <a:r>
-              <a:rPr dirty="0"/>
-              <a:t>with a large numeric range </a:t>
-            </a:r>
-            <a:r>
-              <a:rPr lang="en-US" dirty="0"/>
-              <a:t>must not </a:t>
-            </a:r>
-            <a:r>
-              <a:rPr dirty="0"/>
-              <a:t>dominate training</a:t>
-            </a:r>
-          </a:p>
-          <a:p>
-            <a:pPr lvl="0"/>
-            <a:r>
-              <a:rPr dirty="0"/>
-              <a:t>Values of each predictor or </a:t>
-            </a:r>
-            <a:r>
-              <a:rPr lang="en-US" dirty="0"/>
-              <a:t>independent variables</a:t>
-            </a:r>
-            <a:r>
-              <a:rPr dirty="0"/>
-              <a:t> should be </a:t>
-            </a:r>
-            <a:r>
-              <a:rPr dirty="0" err="1"/>
-              <a:t>iid</a:t>
-            </a:r>
-            <a:endParaRPr dirty="0"/>
-          </a:p>
-          <a:p>
-            <a:pPr lvl="1"/>
-            <a:r>
-              <a:rPr dirty="0"/>
-              <a:t>If variance changes with sample, the coefficient </a:t>
-            </a:r>
-            <a:r>
-              <a:rPr lang="en-US" dirty="0"/>
-              <a:t>can</a:t>
-            </a:r>
-            <a:r>
-              <a:rPr dirty="0"/>
-              <a:t>not</a:t>
-            </a:r>
-            <a:r>
-              <a:rPr lang="en-US" dirty="0"/>
-              <a:t> be</a:t>
-            </a:r>
-            <a:r>
-              <a:rPr dirty="0"/>
-              <a:t> constant</a:t>
-            </a:r>
-          </a:p>
-          <a:p>
-            <a:pPr lvl="1"/>
-            <a:r>
-              <a:rPr dirty="0"/>
-              <a:t>If </a:t>
-            </a:r>
-            <a:r>
-              <a:rPr lang="en-US" dirty="0"/>
-              <a:t>predictor values have </a:t>
-            </a:r>
-            <a:r>
-              <a:rPr b="1" dirty="0"/>
-              <a:t>serial correlation</a:t>
-            </a:r>
-            <a:r>
-              <a:rPr dirty="0"/>
-              <a:t> the </a:t>
-            </a:r>
-            <a:r>
-              <a:rPr dirty="0" err="1"/>
-              <a:t>iid</a:t>
-            </a:r>
-            <a:r>
-              <a:rPr dirty="0"/>
-              <a:t> assumption is violated - use time series models</a:t>
-            </a:r>
-          </a:p>
-        </p:txBody>
-      </p:sp>
-    </p:spTree>
-  </p:cSld>
-  <p:clrMapOvr>
-    <a:masterClrMapping/>
-  </p:clrMapOvr>
-</p:sld>
-</file>
-
-<file path=ppt/slides/slide50.xml><?xml version="1.0" encoding="utf-8"?>
-<p:sld xmlns:a="http://schemas.openxmlformats.org/drawingml/2006/main" xmlns:r="http://schemas.openxmlformats.org/officeDocument/2006/relationships" xmlns:p="http://schemas.openxmlformats.org/presentationml/2006/main">
-  <p:cSld>
-    <p:spTree>
-      <p:nvGrpSpPr>
-        <p:cNvPr id="1" name=""/>
-        <p:cNvGrpSpPr/>
-        <p:nvPr/>
-      </p:nvGrpSpPr>
-      <p:grpSpPr>
-        <a:xfrm>
-          <a:off x="0" y="0"/>
-          <a:ext cx="0" cy="0"/>
-          <a:chOff x="0" y="0"/>
-          <a:chExt cx="0" cy="0"/>
-        </a:xfrm>
-      </p:grpSpPr>
-      <p:sp>
-        <p:nvSpPr>
-          <p:cNvPr id="2" name="Title 1"/>
-          <p:cNvSpPr>
-            <a:spLocks noGrp="1"/>
-          </p:cNvSpPr>
-          <p:nvPr>
-            <p:ph type="title"/>
-          </p:nvPr>
-        </p:nvSpPr>
-        <p:spPr/>
-        <p:txBody>
-          <a:bodyPr/>
-          <a:lstStyle/>
-          <a:p>
-            <a:pPr marL="0" lvl="0" indent="0">
-              <a:buNone/>
-            </a:pPr>
-            <a:r>
               <a:t>Poisson Regression as GLM</a:t>
             </a:r>
           </a:p>
@@ -37388,10 +39704,15 @@
                 <p:ph idx="1"/>
               </p:nvPr>
             </p:nvSpPr>
-            <p:spPr/>
+            <p:spPr>
+              <a:xfrm>
+                <a:off x="457200" y="1200151"/>
+                <a:ext cx="5145578" cy="3394472"/>
+              </a:xfrm>
+            </p:spPr>
             <p:txBody>
               <a:bodyPr>
-                <a:normAutofit fontScale="92500" lnSpcReduction="20000"/>
+                <a:normAutofit lnSpcReduction="10000"/>
               </a:bodyPr>
               <a:lstStyle/>
               <a:p>
@@ -37399,7 +39720,9 @@
                   <a:buNone/>
                 </a:pPr>
                 <a:r>
-                  <a:rPr lang="en-US" b="1" dirty="0"/>
+                  <a:rPr lang="en-US" b="1" dirty="0">
+                    <a:hlinkClick r:id="rId2"/>
+                  </a:rPr>
                   <a:t>Poisson regression </a:t>
                 </a:r>
                 <a:r>
@@ -37444,6 +39767,597 @@
                 <a:pPr lvl="0"/>
                 <a:r>
                   <a:rPr lang="en-US" dirty="0"/>
+                  <a:t>The probability of </a:t>
+                </a:r>
+                <a14:m>
+                  <m:oMath xmlns:m="http://schemas.openxmlformats.org/officeDocument/2006/math">
+                    <m:r>
+                      <a:rPr lang="en-US" b="0" i="1" smtClean="0">
+                        <a:latin typeface="Cambria Math" panose="02040503050406030204" pitchFamily="18" charset="0"/>
+                      </a:rPr>
+                      <m:t>𝑘</m:t>
+                    </m:r>
+                  </m:oMath>
+                </a14:m>
+                <a:r>
+                  <a:rPr lang="en-US" dirty="0"/>
+                  <a:t> arrivals </a:t>
+                </a:r>
+              </a:p>
+              <a:p>
+                <a:pPr marL="0" lvl="0" indent="0">
+                  <a:buNone/>
+                </a:pPr>
+                <a14:m>
+                  <m:oMathPara xmlns:m="http://schemas.openxmlformats.org/officeDocument/2006/math">
+                    <m:oMathParaPr>
+                      <m:jc m:val="centerGroup"/>
+                    </m:oMathParaPr>
+                    <m:oMath xmlns:m="http://schemas.openxmlformats.org/officeDocument/2006/math">
+                      <m:r>
+                        <a:rPr lang="en-US" b="0" i="1" smtClean="0">
+                          <a:latin typeface="Cambria Math" panose="02040503050406030204" pitchFamily="18" charset="0"/>
+                        </a:rPr>
+                        <m:t>𝑃</m:t>
+                      </m:r>
+                      <m:d>
+                        <m:dPr>
+                          <m:ctrlPr>
+                            <a:rPr lang="en-US" b="0" i="1" smtClean="0">
+                              <a:latin typeface="Cambria Math" panose="02040503050406030204" pitchFamily="18" charset="0"/>
+                            </a:rPr>
+                          </m:ctrlPr>
+                        </m:dPr>
+                        <m:e>
+                          <m:r>
+                            <a:rPr lang="en-US" b="0" i="1" smtClean="0">
+                              <a:latin typeface="Cambria Math" panose="02040503050406030204" pitchFamily="18" charset="0"/>
+                            </a:rPr>
+                            <m:t>𝑘</m:t>
+                          </m:r>
+                        </m:e>
+                      </m:d>
+                      <m:r>
+                        <a:rPr lang="en-US" b="0" i="1" smtClean="0">
+                          <a:latin typeface="Cambria Math" panose="02040503050406030204" pitchFamily="18" charset="0"/>
+                        </a:rPr>
+                        <m:t>=</m:t>
+                      </m:r>
+                      <m:f>
+                        <m:fPr>
+                          <m:ctrlPr>
+                            <a:rPr lang="en-US" b="0" i="1" smtClean="0">
+                              <a:latin typeface="Cambria Math" panose="02040503050406030204" pitchFamily="18" charset="0"/>
+                            </a:rPr>
+                          </m:ctrlPr>
+                        </m:fPr>
+                        <m:num>
+                          <m:sSup>
+                            <m:sSupPr>
+                              <m:ctrlPr>
+                                <a:rPr lang="en-US" b="0" i="1" smtClean="0">
+                                  <a:latin typeface="Cambria Math" panose="02040503050406030204" pitchFamily="18" charset="0"/>
+                                </a:rPr>
+                              </m:ctrlPr>
+                            </m:sSupPr>
+                            <m:e>
+                              <m:r>
+                                <a:rPr lang="en-US" b="0" i="1" smtClean="0">
+                                  <a:latin typeface="Cambria Math" panose="02040503050406030204" pitchFamily="18" charset="0"/>
+                                  <a:ea typeface="Cambria Math" panose="02040503050406030204" pitchFamily="18" charset="0"/>
+                                </a:rPr>
+                                <m:t>𝜆</m:t>
+                              </m:r>
+                            </m:e>
+                            <m:sup>
+                              <m:r>
+                                <a:rPr lang="en-US" b="0" i="1" smtClean="0">
+                                  <a:latin typeface="Cambria Math" panose="02040503050406030204" pitchFamily="18" charset="0"/>
+                                </a:rPr>
+                                <m:t>𝑘</m:t>
+                              </m:r>
+                            </m:sup>
+                          </m:sSup>
+                          <m:sSup>
+                            <m:sSupPr>
+                              <m:ctrlPr>
+                                <a:rPr lang="en-US" b="0" i="1" smtClean="0">
+                                  <a:latin typeface="Cambria Math" panose="02040503050406030204" pitchFamily="18" charset="0"/>
+                                </a:rPr>
+                              </m:ctrlPr>
+                            </m:sSupPr>
+                            <m:e>
+                              <m:r>
+                                <a:rPr lang="en-US" b="0" i="1" smtClean="0">
+                                  <a:latin typeface="Cambria Math" panose="02040503050406030204" pitchFamily="18" charset="0"/>
+                                </a:rPr>
+                                <m:t>𝑒</m:t>
+                              </m:r>
+                            </m:e>
+                            <m:sup>
+                              <m:r>
+                                <a:rPr lang="en-US" b="0" i="1" smtClean="0">
+                                  <a:latin typeface="Cambria Math" panose="02040503050406030204" pitchFamily="18" charset="0"/>
+                                </a:rPr>
+                                <m:t>−</m:t>
+                              </m:r>
+                              <m:r>
+                                <a:rPr lang="en-US" b="0" i="1" smtClean="0">
+                                  <a:latin typeface="Cambria Math" panose="02040503050406030204" pitchFamily="18" charset="0"/>
+                                  <a:ea typeface="Cambria Math" panose="02040503050406030204" pitchFamily="18" charset="0"/>
+                                </a:rPr>
+                                <m:t>𝜆</m:t>
+                              </m:r>
+                            </m:sup>
+                          </m:sSup>
+                        </m:num>
+                        <m:den>
+                          <m:r>
+                            <a:rPr lang="en-US" b="0" i="1" smtClean="0">
+                              <a:latin typeface="Cambria Math" panose="02040503050406030204" pitchFamily="18" charset="0"/>
+                            </a:rPr>
+                            <m:t>𝑘</m:t>
+                          </m:r>
+                          <m:r>
+                            <a:rPr lang="en-US" b="0" i="1" smtClean="0">
+                              <a:latin typeface="Cambria Math" panose="02040503050406030204" pitchFamily="18" charset="0"/>
+                            </a:rPr>
+                            <m:t>!</m:t>
+                          </m:r>
+                        </m:den>
+                      </m:f>
+                    </m:oMath>
+                  </m:oMathPara>
+                </a14:m>
+                <a:endParaRPr dirty="0"/>
+              </a:p>
+            </p:txBody>
+          </p:sp>
+        </mc:Choice>
+        <mc:Fallback xmlns="">
+          <p:sp>
+            <p:nvSpPr>
+              <p:cNvPr id="3" name="Content Placeholder 2"/>
+              <p:cNvSpPr>
+                <a:spLocks noGrp="1" noRot="1" noChangeAspect="1" noMove="1" noResize="1" noEditPoints="1" noAdjustHandles="1" noChangeArrowheads="1" noChangeShapeType="1" noTextEdit="1"/>
+              </p:cNvSpPr>
+              <p:nvPr>
+                <p:ph idx="1"/>
+              </p:nvPr>
+            </p:nvSpPr>
+            <p:spPr>
+              <a:xfrm>
+                <a:off x="457200" y="1200151"/>
+                <a:ext cx="5145578" cy="3394472"/>
+              </a:xfrm>
+              <a:blipFill>
+                <a:blip r:embed="rId3"/>
+                <a:stretch>
+                  <a:fillRect l="-1777" t="-2513" r="-592"/>
+                </a:stretch>
+              </a:blipFill>
+            </p:spPr>
+            <p:txBody>
+              <a:bodyPr/>
+              <a:lstStyle/>
+              <a:p>
+                <a:r>
+                  <a:rPr lang="en-US">
+                    <a:noFill/>
+                  </a:rPr>
+                  <a:t> </a:t>
+                </a:r>
+              </a:p>
+            </p:txBody>
+          </p:sp>
+        </mc:Fallback>
+      </mc:AlternateContent>
+      <p:pic>
+        <p:nvPicPr>
+          <p:cNvPr id="5" name="Picture 4">
+            <a:extLst>
+              <a:ext uri="{FF2B5EF4-FFF2-40B4-BE49-F238E27FC236}">
+                <a16:creationId xmlns:a16="http://schemas.microsoft.com/office/drawing/2014/main" id="{3F55446E-49E6-A461-3A13-564B546B5767}"/>
+              </a:ext>
+            </a:extLst>
+          </p:cNvPr>
+          <p:cNvPicPr>
+            <a:picLocks noChangeAspect="1"/>
+          </p:cNvPicPr>
+          <p:nvPr/>
+        </p:nvPicPr>
+        <p:blipFill>
+          <a:blip r:embed="rId4"/>
+          <a:stretch>
+            <a:fillRect/>
+          </a:stretch>
+        </p:blipFill>
+        <p:spPr>
+          <a:xfrm>
+            <a:off x="5653253" y="1458884"/>
+            <a:ext cx="3439953" cy="2838796"/>
+          </a:xfrm>
+          <a:prstGeom prst="rect">
+            <a:avLst/>
+          </a:prstGeom>
+        </p:spPr>
+      </p:pic>
+      <p:sp>
+        <p:nvSpPr>
+          <p:cNvPr id="6" name="TextBox 5">
+            <a:extLst>
+              <a:ext uri="{FF2B5EF4-FFF2-40B4-BE49-F238E27FC236}">
+                <a16:creationId xmlns:a16="http://schemas.microsoft.com/office/drawing/2014/main" id="{B06ECB91-7EE8-99AE-6A68-8AE1BA9A99F3}"/>
+              </a:ext>
+            </a:extLst>
+          </p:cNvPr>
+          <p:cNvSpPr txBox="1"/>
+          <p:nvPr/>
+        </p:nvSpPr>
+        <p:spPr>
+          <a:xfrm>
+            <a:off x="6080759" y="4253754"/>
+            <a:ext cx="2975957" cy="338554"/>
+          </a:xfrm>
+          <a:prstGeom prst="rect">
+            <a:avLst/>
+          </a:prstGeom>
+          <a:noFill/>
+        </p:spPr>
+        <p:txBody>
+          <a:bodyPr wrap="square" rtlCol="0">
+            <a:spAutoFit/>
+          </a:bodyPr>
+          <a:lstStyle/>
+          <a:p>
+            <a:pPr algn="ctr"/>
+            <a:r>
+              <a:rPr lang="en-US" sz="1600" dirty="0">
+                <a:hlinkClick r:id="rId2"/>
+              </a:rPr>
+              <a:t>Figure from Wiki Commons</a:t>
+            </a:r>
+            <a:endParaRPr lang="en-US" sz="1600" dirty="0"/>
+          </a:p>
+        </p:txBody>
+      </p:sp>
+    </p:spTree>
+  </p:cSld>
+  <p:clrMapOvr>
+    <a:masterClrMapping/>
+  </p:clrMapOvr>
+  <p:timing>
+    <p:tnLst>
+      <p:par>
+        <p:cTn id="1" dur="indefinite" restart="never" nodeType="tmRoot">
+          <p:childTnLst>
+            <p:seq concurrent="1" nextAc="seek">
+              <p:cTn id="2" dur="indefinite" nodeType="mainSeq">
+                <p:childTnLst>
+                  <p:par>
+                    <p:cTn id="3" fill="hold">
+                      <p:stCondLst>
+                        <p:cond delay="indefinite"/>
+                      </p:stCondLst>
+                      <p:childTnLst>
+                        <p:par>
+                          <p:cTn id="4" fill="hold">
+                            <p:stCondLst>
+                              <p:cond delay="0"/>
+                            </p:stCondLst>
+                            <p:childTnLst>
+                              <p:par>
+                                <p:cTn id="5" presetID="1" presetClass="entr" presetSubtype="0" fill="hold" nodeType="clickEffect">
+                                  <p:stCondLst>
+                                    <p:cond delay="0"/>
+                                  </p:stCondLst>
+                                  <p:childTnLst>
+                                    <p:set>
+                                      <p:cBhvr>
+                                        <p:cTn id="6" dur="1" fill="hold">
+                                          <p:stCondLst>
+                                            <p:cond delay="0"/>
+                                          </p:stCondLst>
+                                        </p:cTn>
+                                        <p:tgtEl>
+                                          <p:spTgt spid="3">
+                                            <p:txEl>
+                                              <p:pRg st="1" end="1"/>
+                                            </p:txEl>
+                                          </p:spTgt>
+                                        </p:tgtEl>
+                                        <p:attrNameLst>
+                                          <p:attrName>style.visibility</p:attrName>
+                                        </p:attrNameLst>
+                                      </p:cBhvr>
+                                      <p:to>
+                                        <p:strVal val="visible"/>
+                                      </p:to>
+                                    </p:set>
+                                  </p:childTnLst>
+                                </p:cTn>
+                              </p:par>
+                            </p:childTnLst>
+                          </p:cTn>
+                        </p:par>
+                      </p:childTnLst>
+                    </p:cTn>
+                  </p:par>
+                  <p:par>
+                    <p:cTn id="7" fill="hold">
+                      <p:stCondLst>
+                        <p:cond delay="indefinite"/>
+                      </p:stCondLst>
+                      <p:childTnLst>
+                        <p:par>
+                          <p:cTn id="8" fill="hold">
+                            <p:stCondLst>
+                              <p:cond delay="0"/>
+                            </p:stCondLst>
+                            <p:childTnLst>
+                              <p:par>
+                                <p:cTn id="9" presetID="1" presetClass="entr" presetSubtype="0" fill="hold" nodeType="clickEffect">
+                                  <p:stCondLst>
+                                    <p:cond delay="0"/>
+                                  </p:stCondLst>
+                                  <p:childTnLst>
+                                    <p:set>
+                                      <p:cBhvr>
+                                        <p:cTn id="10" dur="1" fill="hold">
+                                          <p:stCondLst>
+                                            <p:cond delay="0"/>
+                                          </p:stCondLst>
+                                        </p:cTn>
+                                        <p:tgtEl>
+                                          <p:spTgt spid="3">
+                                            <p:txEl>
+                                              <p:pRg st="2" end="2"/>
+                                            </p:txEl>
+                                          </p:spTgt>
+                                        </p:tgtEl>
+                                        <p:attrNameLst>
+                                          <p:attrName>style.visibility</p:attrName>
+                                        </p:attrNameLst>
+                                      </p:cBhvr>
+                                      <p:to>
+                                        <p:strVal val="visible"/>
+                                      </p:to>
+                                    </p:set>
+                                  </p:childTnLst>
+                                </p:cTn>
+                              </p:par>
+                            </p:childTnLst>
+                          </p:cTn>
+                        </p:par>
+                      </p:childTnLst>
+                    </p:cTn>
+                  </p:par>
+                  <p:par>
+                    <p:cTn id="11" fill="hold">
+                      <p:stCondLst>
+                        <p:cond delay="indefinite"/>
+                      </p:stCondLst>
+                      <p:childTnLst>
+                        <p:par>
+                          <p:cTn id="12" fill="hold">
+                            <p:stCondLst>
+                              <p:cond delay="0"/>
+                            </p:stCondLst>
+                            <p:childTnLst>
+                              <p:par>
+                                <p:cTn id="13" presetID="1" presetClass="entr" presetSubtype="0" fill="hold" nodeType="clickEffect">
+                                  <p:stCondLst>
+                                    <p:cond delay="0"/>
+                                  </p:stCondLst>
+                                  <p:childTnLst>
+                                    <p:set>
+                                      <p:cBhvr>
+                                        <p:cTn id="14" dur="1" fill="hold">
+                                          <p:stCondLst>
+                                            <p:cond delay="0"/>
+                                          </p:stCondLst>
+                                        </p:cTn>
+                                        <p:tgtEl>
+                                          <p:spTgt spid="3">
+                                            <p:txEl>
+                                              <p:pRg st="3" end="3"/>
+                                            </p:txEl>
+                                          </p:spTgt>
+                                        </p:tgtEl>
+                                        <p:attrNameLst>
+                                          <p:attrName>style.visibility</p:attrName>
+                                        </p:attrNameLst>
+                                      </p:cBhvr>
+                                      <p:to>
+                                        <p:strVal val="visible"/>
+                                      </p:to>
+                                    </p:set>
+                                  </p:childTnLst>
+                                </p:cTn>
+                              </p:par>
+                              <p:par>
+                                <p:cTn id="15" presetID="1" presetClass="entr" presetSubtype="0" fill="hold" nodeType="withEffect">
+                                  <p:stCondLst>
+                                    <p:cond delay="0"/>
+                                  </p:stCondLst>
+                                  <p:childTnLst>
+                                    <p:set>
+                                      <p:cBhvr>
+                                        <p:cTn id="16" dur="1" fill="hold">
+                                          <p:stCondLst>
+                                            <p:cond delay="0"/>
+                                          </p:stCondLst>
+                                        </p:cTn>
+                                        <p:tgtEl>
+                                          <p:spTgt spid="3">
+                                            <p:txEl>
+                                              <p:pRg st="4" end="4"/>
+                                            </p:txEl>
+                                          </p:spTgt>
+                                        </p:tgtEl>
+                                        <p:attrNameLst>
+                                          <p:attrName>style.visibility</p:attrName>
+                                        </p:attrNameLst>
+                                      </p:cBhvr>
+                                      <p:to>
+                                        <p:strVal val="visible"/>
+                                      </p:to>
+                                    </p:set>
+                                  </p:childTnLst>
+                                </p:cTn>
+                              </p:par>
+                              <p:par>
+                                <p:cTn id="17" presetID="1" presetClass="entr" presetSubtype="0" fill="hold" nodeType="withEffect">
+                                  <p:stCondLst>
+                                    <p:cond delay="0"/>
+                                  </p:stCondLst>
+                                  <p:childTnLst>
+                                    <p:set>
+                                      <p:cBhvr>
+                                        <p:cTn id="18" dur="1" fill="hold">
+                                          <p:stCondLst>
+                                            <p:cond delay="0"/>
+                                          </p:stCondLst>
+                                        </p:cTn>
+                                        <p:tgtEl>
+                                          <p:spTgt spid="5"/>
+                                        </p:tgtEl>
+                                        <p:attrNameLst>
+                                          <p:attrName>style.visibility</p:attrName>
+                                        </p:attrNameLst>
+                                      </p:cBhvr>
+                                      <p:to>
+                                        <p:strVal val="visible"/>
+                                      </p:to>
+                                    </p:set>
+                                  </p:childTnLst>
+                                </p:cTn>
+                              </p:par>
+                            </p:childTnLst>
+                          </p:cTn>
+                        </p:par>
+                      </p:childTnLst>
+                    </p:cTn>
+                  </p:par>
+                </p:childTnLst>
+              </p:cTn>
+              <p:prevCondLst>
+                <p:cond evt="onPrev" delay="0">
+                  <p:tgtEl>
+                    <p:sldTgt/>
+                  </p:tgtEl>
+                </p:cond>
+              </p:prevCondLst>
+              <p:nextCondLst>
+                <p:cond evt="onNext" delay="0">
+                  <p:tgtEl>
+                    <p:sldTgt/>
+                  </p:tgtEl>
+                </p:cond>
+              </p:nextCondLst>
+            </p:seq>
+          </p:childTnLst>
+        </p:cTn>
+      </p:par>
+    </p:tnLst>
+  </p:timing>
+</p:sld>
+</file>
+
+<file path=ppt/slides/slide52.xml><?xml version="1.0" encoding="utf-8"?>
+<p:sld xmlns:a="http://schemas.openxmlformats.org/drawingml/2006/main" xmlns:r="http://schemas.openxmlformats.org/officeDocument/2006/relationships" xmlns:p="http://schemas.openxmlformats.org/presentationml/2006/main">
+  <p:cSld>
+    <p:spTree>
+      <p:nvGrpSpPr>
+        <p:cNvPr id="1" name="">
+          <a:extLst>
+            <a:ext uri="{FF2B5EF4-FFF2-40B4-BE49-F238E27FC236}">
+              <a16:creationId xmlns:a16="http://schemas.microsoft.com/office/drawing/2014/main" id="{365D84FB-4A66-2BBB-BECA-635B46DB2159}"/>
+            </a:ext>
+          </a:extLst>
+        </p:cNvPr>
+        <p:cNvGrpSpPr/>
+        <p:nvPr/>
+      </p:nvGrpSpPr>
+      <p:grpSpPr>
+        <a:xfrm>
+          <a:off x="0" y="0"/>
+          <a:ext cx="0" cy="0"/>
+          <a:chOff x="0" y="0"/>
+          <a:chExt cx="0" cy="0"/>
+        </a:xfrm>
+      </p:grpSpPr>
+      <p:sp>
+        <p:nvSpPr>
+          <p:cNvPr id="2" name="Title 1">
+            <a:extLst>
+              <a:ext uri="{FF2B5EF4-FFF2-40B4-BE49-F238E27FC236}">
+                <a16:creationId xmlns:a16="http://schemas.microsoft.com/office/drawing/2014/main" id="{FE6D2F0B-A2CB-E224-97ED-D66B34D93B94}"/>
+              </a:ext>
+            </a:extLst>
+          </p:cNvPr>
+          <p:cNvSpPr>
+            <a:spLocks noGrp="1"/>
+          </p:cNvSpPr>
+          <p:nvPr>
+            <p:ph type="title"/>
+          </p:nvPr>
+        </p:nvSpPr>
+        <p:spPr/>
+        <p:txBody>
+          <a:bodyPr/>
+          <a:lstStyle/>
+          <a:p>
+            <a:pPr marL="0" lvl="0" indent="0">
+              <a:buNone/>
+            </a:pPr>
+            <a:r>
+              <a:t>Poisson Regression as GLM</a:t>
+            </a:r>
+          </a:p>
+        </p:txBody>
+      </p:sp>
+      <mc:AlternateContent xmlns:mc="http://schemas.openxmlformats.org/markup-compatibility/2006" xmlns:a14="http://schemas.microsoft.com/office/drawing/2010/main">
+        <mc:Choice Requires="a14">
+          <p:sp>
+            <p:nvSpPr>
+              <p:cNvPr id="3" name="Content Placeholder 2">
+                <a:extLst>
+                  <a:ext uri="{FF2B5EF4-FFF2-40B4-BE49-F238E27FC236}">
+                    <a16:creationId xmlns:a16="http://schemas.microsoft.com/office/drawing/2014/main" id="{6AE9AD08-CA48-5C5C-6A10-EA6F7E10E850}"/>
+                  </a:ext>
+                </a:extLst>
+              </p:cNvPr>
+              <p:cNvSpPr>
+                <a:spLocks noGrp="1"/>
+              </p:cNvSpPr>
+              <p:nvPr>
+                <p:ph idx="1"/>
+              </p:nvPr>
+            </p:nvSpPr>
+            <p:spPr/>
+            <p:txBody>
+              <a:bodyPr>
+                <a:normAutofit/>
+              </a:bodyPr>
+              <a:lstStyle/>
+              <a:p>
+                <a:pPr marL="0" lvl="0" indent="0">
+                  <a:buNone/>
+                </a:pPr>
+                <a:r>
+                  <a:rPr lang="en-US" b="1" dirty="0"/>
+                  <a:t>Poisson regression </a:t>
+                </a:r>
+                <a:r>
+                  <a:rPr lang="en-US" dirty="0"/>
+                  <a:t>is example of a GLM</a:t>
+                </a:r>
+              </a:p>
+              <a:p>
+                <a:pPr lvl="0"/>
+                <a:r>
+                  <a:rPr lang="en-US" dirty="0"/>
                   <a:t>Parameter, </a:t>
                 </a:r>
                 <a14:m>
@@ -37473,7 +40387,7 @@
                 <a:pPr lvl="1"/>
                 <a:r>
                   <a:rPr lang="en-US" dirty="0"/>
-                  <a:t>For an infinite sample period </a:t>
+                  <a:t>For a finite sample period </a:t>
                 </a:r>
                 <a14:m>
                   <m:oMath xmlns:m="http://schemas.openxmlformats.org/officeDocument/2006/math">
@@ -37984,7 +40898,13 @@
         <mc:Fallback xmlns="">
           <p:sp>
             <p:nvSpPr>
-              <p:cNvPr id="3" name="Content Placeholder 2"/>
+              <p:cNvPr id="3" name="Content Placeholder 2">
+                <a:extLst>
+                  <a:ext uri="{FF2B5EF4-FFF2-40B4-BE49-F238E27FC236}">
+                    <a16:creationId xmlns:a16="http://schemas.microsoft.com/office/drawing/2014/main" id="{6AE9AD08-CA48-5C5C-6A10-EA6F7E10E850}"/>
+                  </a:ext>
+                </a:extLst>
+              </p:cNvPr>
               <p:cNvSpPr>
                 <a:spLocks noGrp="1" noRot="1" noChangeAspect="1" noMove="1" noResize="1" noEditPoints="1" noAdjustHandles="1" noChangeArrowheads="1" noChangeShapeType="1" noTextEdit="1"/>
               </p:cNvSpPr>
@@ -37996,7 +40916,7 @@
               <a:blipFill>
                 <a:blip r:embed="rId2"/>
                 <a:stretch>
-                  <a:fillRect l="-963" t="-3052"/>
+                  <a:fillRect l="-1111" t="-1436"/>
                 </a:stretch>
               </a:blipFill>
             </p:spPr>
@@ -38016,14 +40936,258 @@
         </mc:Fallback>
       </mc:AlternateContent>
     </p:spTree>
+    <p:extLst>
+      <p:ext uri="{BB962C8B-B14F-4D97-AF65-F5344CB8AC3E}">
+        <p14:creationId xmlns:p14="http://schemas.microsoft.com/office/powerpoint/2010/main" val="719555367"/>
+      </p:ext>
+    </p:extLst>
   </p:cSld>
   <p:clrMapOvr>
     <a:masterClrMapping/>
   </p:clrMapOvr>
+  <p:timing>
+    <p:tnLst>
+      <p:par>
+        <p:cTn id="1" dur="indefinite" restart="never" nodeType="tmRoot">
+          <p:childTnLst>
+            <p:seq concurrent="1" nextAc="seek">
+              <p:cTn id="2" dur="indefinite" nodeType="mainSeq">
+                <p:childTnLst>
+                  <p:par>
+                    <p:cTn id="3" fill="hold">
+                      <p:stCondLst>
+                        <p:cond delay="indefinite"/>
+                      </p:stCondLst>
+                      <p:childTnLst>
+                        <p:par>
+                          <p:cTn id="4" fill="hold">
+                            <p:stCondLst>
+                              <p:cond delay="0"/>
+                            </p:stCondLst>
+                            <p:childTnLst>
+                              <p:par>
+                                <p:cTn id="5" presetID="1" presetClass="entr" presetSubtype="0" fill="hold" nodeType="clickEffect">
+                                  <p:stCondLst>
+                                    <p:cond delay="0"/>
+                                  </p:stCondLst>
+                                  <p:childTnLst>
+                                    <p:set>
+                                      <p:cBhvr>
+                                        <p:cTn id="6" dur="1" fill="hold">
+                                          <p:stCondLst>
+                                            <p:cond delay="0"/>
+                                          </p:stCondLst>
+                                        </p:cTn>
+                                        <p:tgtEl>
+                                          <p:spTgt spid="3">
+                                            <p:txEl>
+                                              <p:pRg st="1" end="1"/>
+                                            </p:txEl>
+                                          </p:spTgt>
+                                        </p:tgtEl>
+                                        <p:attrNameLst>
+                                          <p:attrName>style.visibility</p:attrName>
+                                        </p:attrNameLst>
+                                      </p:cBhvr>
+                                      <p:to>
+                                        <p:strVal val="visible"/>
+                                      </p:to>
+                                    </p:set>
+                                  </p:childTnLst>
+                                </p:cTn>
+                              </p:par>
+                              <p:par>
+                                <p:cTn id="7" presetID="1" presetClass="entr" presetSubtype="0" fill="hold" nodeType="withEffect">
+                                  <p:stCondLst>
+                                    <p:cond delay="0"/>
+                                  </p:stCondLst>
+                                  <p:childTnLst>
+                                    <p:set>
+                                      <p:cBhvr>
+                                        <p:cTn id="8" dur="1" fill="hold">
+                                          <p:stCondLst>
+                                            <p:cond delay="0"/>
+                                          </p:stCondLst>
+                                        </p:cTn>
+                                        <p:tgtEl>
+                                          <p:spTgt spid="3">
+                                            <p:txEl>
+                                              <p:pRg st="2" end="2"/>
+                                            </p:txEl>
+                                          </p:spTgt>
+                                        </p:tgtEl>
+                                        <p:attrNameLst>
+                                          <p:attrName>style.visibility</p:attrName>
+                                        </p:attrNameLst>
+                                      </p:cBhvr>
+                                      <p:to>
+                                        <p:strVal val="visible"/>
+                                      </p:to>
+                                    </p:set>
+                                  </p:childTnLst>
+                                </p:cTn>
+                              </p:par>
+                            </p:childTnLst>
+                          </p:cTn>
+                        </p:par>
+                      </p:childTnLst>
+                    </p:cTn>
+                  </p:par>
+                  <p:par>
+                    <p:cTn id="9" fill="hold">
+                      <p:stCondLst>
+                        <p:cond delay="indefinite"/>
+                      </p:stCondLst>
+                      <p:childTnLst>
+                        <p:par>
+                          <p:cTn id="10" fill="hold">
+                            <p:stCondLst>
+                              <p:cond delay="0"/>
+                            </p:stCondLst>
+                            <p:childTnLst>
+                              <p:par>
+                                <p:cTn id="11" presetID="1" presetClass="entr" presetSubtype="0" fill="hold" nodeType="clickEffect">
+                                  <p:stCondLst>
+                                    <p:cond delay="0"/>
+                                  </p:stCondLst>
+                                  <p:childTnLst>
+                                    <p:set>
+                                      <p:cBhvr>
+                                        <p:cTn id="12" dur="1" fill="hold">
+                                          <p:stCondLst>
+                                            <p:cond delay="0"/>
+                                          </p:stCondLst>
+                                        </p:cTn>
+                                        <p:tgtEl>
+                                          <p:spTgt spid="3">
+                                            <p:txEl>
+                                              <p:pRg st="3" end="3"/>
+                                            </p:txEl>
+                                          </p:spTgt>
+                                        </p:tgtEl>
+                                        <p:attrNameLst>
+                                          <p:attrName>style.visibility</p:attrName>
+                                        </p:attrNameLst>
+                                      </p:cBhvr>
+                                      <p:to>
+                                        <p:strVal val="visible"/>
+                                      </p:to>
+                                    </p:set>
+                                  </p:childTnLst>
+                                </p:cTn>
+                              </p:par>
+                            </p:childTnLst>
+                          </p:cTn>
+                        </p:par>
+                      </p:childTnLst>
+                    </p:cTn>
+                  </p:par>
+                  <p:par>
+                    <p:cTn id="13" fill="hold">
+                      <p:stCondLst>
+                        <p:cond delay="indefinite"/>
+                      </p:stCondLst>
+                      <p:childTnLst>
+                        <p:par>
+                          <p:cTn id="14" fill="hold">
+                            <p:stCondLst>
+                              <p:cond delay="0"/>
+                            </p:stCondLst>
+                            <p:childTnLst>
+                              <p:par>
+                                <p:cTn id="15" presetID="1" presetClass="entr" presetSubtype="0" fill="hold" nodeType="clickEffect">
+                                  <p:stCondLst>
+                                    <p:cond delay="0"/>
+                                  </p:stCondLst>
+                                  <p:childTnLst>
+                                    <p:set>
+                                      <p:cBhvr>
+                                        <p:cTn id="16" dur="1" fill="hold">
+                                          <p:stCondLst>
+                                            <p:cond delay="0"/>
+                                          </p:stCondLst>
+                                        </p:cTn>
+                                        <p:tgtEl>
+                                          <p:spTgt spid="3">
+                                            <p:txEl>
+                                              <p:pRg st="4" end="4"/>
+                                            </p:txEl>
+                                          </p:spTgt>
+                                        </p:tgtEl>
+                                        <p:attrNameLst>
+                                          <p:attrName>style.visibility</p:attrName>
+                                        </p:attrNameLst>
+                                      </p:cBhvr>
+                                      <p:to>
+                                        <p:strVal val="visible"/>
+                                      </p:to>
+                                    </p:set>
+                                  </p:childTnLst>
+                                </p:cTn>
+                              </p:par>
+                              <p:par>
+                                <p:cTn id="17" presetID="1" presetClass="entr" presetSubtype="0" fill="hold" nodeType="withEffect">
+                                  <p:stCondLst>
+                                    <p:cond delay="0"/>
+                                  </p:stCondLst>
+                                  <p:childTnLst>
+                                    <p:set>
+                                      <p:cBhvr>
+                                        <p:cTn id="18" dur="1" fill="hold">
+                                          <p:stCondLst>
+                                            <p:cond delay="0"/>
+                                          </p:stCondLst>
+                                        </p:cTn>
+                                        <p:tgtEl>
+                                          <p:spTgt spid="3">
+                                            <p:txEl>
+                                              <p:pRg st="5" end="5"/>
+                                            </p:txEl>
+                                          </p:spTgt>
+                                        </p:tgtEl>
+                                        <p:attrNameLst>
+                                          <p:attrName>style.visibility</p:attrName>
+                                        </p:attrNameLst>
+                                      </p:cBhvr>
+                                      <p:to>
+                                        <p:strVal val="visible"/>
+                                      </p:to>
+                                    </p:set>
+                                  </p:childTnLst>
+                                </p:cTn>
+                              </p:par>
+                            </p:childTnLst>
+                          </p:cTn>
+                        </p:par>
+                      </p:childTnLst>
+                    </p:cTn>
+                  </p:par>
+                </p:childTnLst>
+              </p:cTn>
+              <p:prevCondLst>
+                <p:cond evt="onPrev" delay="0">
+                  <p:tgtEl>
+                    <p:sldTgt/>
+                  </p:tgtEl>
+                </p:cond>
+              </p:prevCondLst>
+              <p:nextCondLst>
+                <p:cond evt="onNext" delay="0">
+                  <p:tgtEl>
+                    <p:sldTgt/>
+                  </p:tgtEl>
+                </p:cond>
+              </p:nextCondLst>
+            </p:seq>
+          </p:childTnLst>
+        </p:cTn>
+      </p:par>
+    </p:tnLst>
+  </p:timing>
 </p:sld>
 </file>
 
-<file path=ppt/slides/slide51.xml><?xml version="1.0" encoding="utf-8"?>
+<file path=ppt/slides/slide53.xml><?xml version="1.0" encoding="utf-8"?>
 <p:sld xmlns:a="http://schemas.openxmlformats.org/drawingml/2006/main" xmlns:r="http://schemas.openxmlformats.org/officeDocument/2006/relationships" xmlns:p="http://schemas.openxmlformats.org/presentationml/2006/main">
   <p:cSld>
     <p:spTree>
@@ -38612,10 +41776,231 @@
   <p:clrMapOvr>
     <a:masterClrMapping/>
   </p:clrMapOvr>
+  <p:timing>
+    <p:tnLst>
+      <p:par>
+        <p:cTn id="1" dur="indefinite" restart="never" nodeType="tmRoot">
+          <p:childTnLst>
+            <p:seq concurrent="1" nextAc="seek">
+              <p:cTn id="2" dur="indefinite" nodeType="mainSeq">
+                <p:childTnLst>
+                  <p:par>
+                    <p:cTn id="3" fill="hold">
+                      <p:stCondLst>
+                        <p:cond delay="indefinite"/>
+                      </p:stCondLst>
+                      <p:childTnLst>
+                        <p:par>
+                          <p:cTn id="4" fill="hold">
+                            <p:stCondLst>
+                              <p:cond delay="0"/>
+                            </p:stCondLst>
+                            <p:childTnLst>
+                              <p:par>
+                                <p:cTn id="5" presetID="1" presetClass="entr" presetSubtype="0" fill="hold" nodeType="clickEffect">
+                                  <p:stCondLst>
+                                    <p:cond delay="0"/>
+                                  </p:stCondLst>
+                                  <p:childTnLst>
+                                    <p:set>
+                                      <p:cBhvr>
+                                        <p:cTn id="6" dur="1" fill="hold">
+                                          <p:stCondLst>
+                                            <p:cond delay="0"/>
+                                          </p:stCondLst>
+                                        </p:cTn>
+                                        <p:tgtEl>
+                                          <p:spTgt spid="3">
+                                            <p:txEl>
+                                              <p:pRg st="1" end="1"/>
+                                            </p:txEl>
+                                          </p:spTgt>
+                                        </p:tgtEl>
+                                        <p:attrNameLst>
+                                          <p:attrName>style.visibility</p:attrName>
+                                        </p:attrNameLst>
+                                      </p:cBhvr>
+                                      <p:to>
+                                        <p:strVal val="visible"/>
+                                      </p:to>
+                                    </p:set>
+                                  </p:childTnLst>
+                                </p:cTn>
+                              </p:par>
+                            </p:childTnLst>
+                          </p:cTn>
+                        </p:par>
+                      </p:childTnLst>
+                    </p:cTn>
+                  </p:par>
+                  <p:par>
+                    <p:cTn id="7" fill="hold">
+                      <p:stCondLst>
+                        <p:cond delay="indefinite"/>
+                      </p:stCondLst>
+                      <p:childTnLst>
+                        <p:par>
+                          <p:cTn id="8" fill="hold">
+                            <p:stCondLst>
+                              <p:cond delay="0"/>
+                            </p:stCondLst>
+                            <p:childTnLst>
+                              <p:par>
+                                <p:cTn id="9" presetID="1" presetClass="entr" presetSubtype="0" fill="hold" nodeType="clickEffect">
+                                  <p:stCondLst>
+                                    <p:cond delay="0"/>
+                                  </p:stCondLst>
+                                  <p:childTnLst>
+                                    <p:set>
+                                      <p:cBhvr>
+                                        <p:cTn id="10" dur="1" fill="hold">
+                                          <p:stCondLst>
+                                            <p:cond delay="0"/>
+                                          </p:stCondLst>
+                                        </p:cTn>
+                                        <p:tgtEl>
+                                          <p:spTgt spid="3">
+                                            <p:txEl>
+                                              <p:pRg st="2" end="2"/>
+                                            </p:txEl>
+                                          </p:spTgt>
+                                        </p:tgtEl>
+                                        <p:attrNameLst>
+                                          <p:attrName>style.visibility</p:attrName>
+                                        </p:attrNameLst>
+                                      </p:cBhvr>
+                                      <p:to>
+                                        <p:strVal val="visible"/>
+                                      </p:to>
+                                    </p:set>
+                                  </p:childTnLst>
+                                </p:cTn>
+                              </p:par>
+                              <p:par>
+                                <p:cTn id="11" presetID="1" presetClass="entr" presetSubtype="0" fill="hold" nodeType="withEffect">
+                                  <p:stCondLst>
+                                    <p:cond delay="0"/>
+                                  </p:stCondLst>
+                                  <p:childTnLst>
+                                    <p:set>
+                                      <p:cBhvr>
+                                        <p:cTn id="12" dur="1" fill="hold">
+                                          <p:stCondLst>
+                                            <p:cond delay="0"/>
+                                          </p:stCondLst>
+                                        </p:cTn>
+                                        <p:tgtEl>
+                                          <p:spTgt spid="3">
+                                            <p:txEl>
+                                              <p:pRg st="3" end="3"/>
+                                            </p:txEl>
+                                          </p:spTgt>
+                                        </p:tgtEl>
+                                        <p:attrNameLst>
+                                          <p:attrName>style.visibility</p:attrName>
+                                        </p:attrNameLst>
+                                      </p:cBhvr>
+                                      <p:to>
+                                        <p:strVal val="visible"/>
+                                      </p:to>
+                                    </p:set>
+                                  </p:childTnLst>
+                                </p:cTn>
+                              </p:par>
+                              <p:par>
+                                <p:cTn id="13" presetID="1" presetClass="entr" presetSubtype="0" fill="hold" nodeType="withEffect">
+                                  <p:stCondLst>
+                                    <p:cond delay="0"/>
+                                  </p:stCondLst>
+                                  <p:childTnLst>
+                                    <p:set>
+                                      <p:cBhvr>
+                                        <p:cTn id="14" dur="1" fill="hold">
+                                          <p:stCondLst>
+                                            <p:cond delay="0"/>
+                                          </p:stCondLst>
+                                        </p:cTn>
+                                        <p:tgtEl>
+                                          <p:spTgt spid="3">
+                                            <p:txEl>
+                                              <p:pRg st="4" end="4"/>
+                                            </p:txEl>
+                                          </p:spTgt>
+                                        </p:tgtEl>
+                                        <p:attrNameLst>
+                                          <p:attrName>style.visibility</p:attrName>
+                                        </p:attrNameLst>
+                                      </p:cBhvr>
+                                      <p:to>
+                                        <p:strVal val="visible"/>
+                                      </p:to>
+                                    </p:set>
+                                  </p:childTnLst>
+                                </p:cTn>
+                              </p:par>
+                              <p:par>
+                                <p:cTn id="15" presetID="1" presetClass="entr" presetSubtype="0" fill="hold" nodeType="withEffect">
+                                  <p:stCondLst>
+                                    <p:cond delay="0"/>
+                                  </p:stCondLst>
+                                  <p:childTnLst>
+                                    <p:set>
+                                      <p:cBhvr>
+                                        <p:cTn id="16" dur="1" fill="hold">
+                                          <p:stCondLst>
+                                            <p:cond delay="0"/>
+                                          </p:stCondLst>
+                                        </p:cTn>
+                                        <p:tgtEl>
+                                          <p:spTgt spid="3">
+                                            <p:txEl>
+                                              <p:pRg st="5" end="5"/>
+                                            </p:txEl>
+                                          </p:spTgt>
+                                        </p:tgtEl>
+                                        <p:attrNameLst>
+                                          <p:attrName>style.visibility</p:attrName>
+                                        </p:attrNameLst>
+                                      </p:cBhvr>
+                                      <p:to>
+                                        <p:strVal val="visible"/>
+                                      </p:to>
+                                    </p:set>
+                                  </p:childTnLst>
+                                </p:cTn>
+                              </p:par>
+                            </p:childTnLst>
+                          </p:cTn>
+                        </p:par>
+                      </p:childTnLst>
+                    </p:cTn>
+                  </p:par>
+                </p:childTnLst>
+              </p:cTn>
+              <p:prevCondLst>
+                <p:cond evt="onPrev" delay="0">
+                  <p:tgtEl>
+                    <p:sldTgt/>
+                  </p:tgtEl>
+                </p:cond>
+              </p:prevCondLst>
+              <p:nextCondLst>
+                <p:cond evt="onNext" delay="0">
+                  <p:tgtEl>
+                    <p:sldTgt/>
+                  </p:tgtEl>
+                </p:cond>
+              </p:nextCondLst>
+            </p:seq>
+          </p:childTnLst>
+        </p:cTn>
+      </p:par>
+    </p:tnLst>
+  </p:timing>
 </p:sld>
 </file>
 
-<file path=ppt/slides/slide52.xml><?xml version="1.0" encoding="utf-8"?>
+<file path=ppt/slides/slide54.xml><?xml version="1.0" encoding="utf-8"?>
 <p:sld xmlns:a="http://schemas.openxmlformats.org/drawingml/2006/main" xmlns:r="http://schemas.openxmlformats.org/officeDocument/2006/relationships" xmlns:p="http://schemas.openxmlformats.org/presentationml/2006/main">
   <p:cSld>
     <p:spTree>
@@ -38866,10 +42251,214 @@
   <p:clrMapOvr>
     <a:masterClrMapping/>
   </p:clrMapOvr>
+  <p:timing>
+    <p:tnLst>
+      <p:par>
+        <p:cTn id="1" dur="indefinite" restart="never" nodeType="tmRoot">
+          <p:childTnLst>
+            <p:seq concurrent="1" nextAc="seek">
+              <p:cTn id="2" dur="indefinite" nodeType="mainSeq">
+                <p:childTnLst>
+                  <p:par>
+                    <p:cTn id="3" fill="hold">
+                      <p:stCondLst>
+                        <p:cond delay="indefinite"/>
+                      </p:stCondLst>
+                      <p:childTnLst>
+                        <p:par>
+                          <p:cTn id="4" fill="hold">
+                            <p:stCondLst>
+                              <p:cond delay="0"/>
+                            </p:stCondLst>
+                            <p:childTnLst>
+                              <p:par>
+                                <p:cTn id="5" presetID="1" presetClass="entr" presetSubtype="0" fill="hold" nodeType="clickEffect">
+                                  <p:stCondLst>
+                                    <p:cond delay="0"/>
+                                  </p:stCondLst>
+                                  <p:childTnLst>
+                                    <p:set>
+                                      <p:cBhvr>
+                                        <p:cTn id="6" dur="1" fill="hold">
+                                          <p:stCondLst>
+                                            <p:cond delay="0"/>
+                                          </p:stCondLst>
+                                        </p:cTn>
+                                        <p:tgtEl>
+                                          <p:spTgt spid="4">
+                                            <p:txEl>
+                                              <p:pRg st="1" end="1"/>
+                                            </p:txEl>
+                                          </p:spTgt>
+                                        </p:tgtEl>
+                                        <p:attrNameLst>
+                                          <p:attrName>style.visibility</p:attrName>
+                                        </p:attrNameLst>
+                                      </p:cBhvr>
+                                      <p:to>
+                                        <p:strVal val="visible"/>
+                                      </p:to>
+                                    </p:set>
+                                  </p:childTnLst>
+                                </p:cTn>
+                              </p:par>
+                            </p:childTnLst>
+                          </p:cTn>
+                        </p:par>
+                      </p:childTnLst>
+                    </p:cTn>
+                  </p:par>
+                  <p:par>
+                    <p:cTn id="7" fill="hold">
+                      <p:stCondLst>
+                        <p:cond delay="indefinite"/>
+                      </p:stCondLst>
+                      <p:childTnLst>
+                        <p:par>
+                          <p:cTn id="8" fill="hold">
+                            <p:stCondLst>
+                              <p:cond delay="0"/>
+                            </p:stCondLst>
+                            <p:childTnLst>
+                              <p:par>
+                                <p:cTn id="9" presetID="1" presetClass="entr" presetSubtype="0" fill="hold" nodeType="clickEffect">
+                                  <p:stCondLst>
+                                    <p:cond delay="0"/>
+                                  </p:stCondLst>
+                                  <p:childTnLst>
+                                    <p:set>
+                                      <p:cBhvr>
+                                        <p:cTn id="10" dur="1" fill="hold">
+                                          <p:stCondLst>
+                                            <p:cond delay="0"/>
+                                          </p:stCondLst>
+                                        </p:cTn>
+                                        <p:tgtEl>
+                                          <p:spTgt spid="4">
+                                            <p:txEl>
+                                              <p:pRg st="2" end="2"/>
+                                            </p:txEl>
+                                          </p:spTgt>
+                                        </p:tgtEl>
+                                        <p:attrNameLst>
+                                          <p:attrName>style.visibility</p:attrName>
+                                        </p:attrNameLst>
+                                      </p:cBhvr>
+                                      <p:to>
+                                        <p:strVal val="visible"/>
+                                      </p:to>
+                                    </p:set>
+                                  </p:childTnLst>
+                                </p:cTn>
+                              </p:par>
+                              <p:par>
+                                <p:cTn id="11" presetID="1" presetClass="entr" presetSubtype="0" fill="hold" nodeType="withEffect">
+                                  <p:stCondLst>
+                                    <p:cond delay="0"/>
+                                  </p:stCondLst>
+                                  <p:childTnLst>
+                                    <p:set>
+                                      <p:cBhvr>
+                                        <p:cTn id="12" dur="1" fill="hold">
+                                          <p:stCondLst>
+                                            <p:cond delay="0"/>
+                                          </p:stCondLst>
+                                        </p:cTn>
+                                        <p:tgtEl>
+                                          <p:spTgt spid="6"/>
+                                        </p:tgtEl>
+                                        <p:attrNameLst>
+                                          <p:attrName>style.visibility</p:attrName>
+                                        </p:attrNameLst>
+                                      </p:cBhvr>
+                                      <p:to>
+                                        <p:strVal val="visible"/>
+                                      </p:to>
+                                    </p:set>
+                                  </p:childTnLst>
+                                </p:cTn>
+                              </p:par>
+                            </p:childTnLst>
+                          </p:cTn>
+                        </p:par>
+                      </p:childTnLst>
+                    </p:cTn>
+                  </p:par>
+                  <p:par>
+                    <p:cTn id="13" fill="hold">
+                      <p:stCondLst>
+                        <p:cond delay="indefinite"/>
+                      </p:stCondLst>
+                      <p:childTnLst>
+                        <p:par>
+                          <p:cTn id="14" fill="hold">
+                            <p:stCondLst>
+                              <p:cond delay="0"/>
+                            </p:stCondLst>
+                            <p:childTnLst>
+                              <p:par>
+                                <p:cTn id="15" presetID="1" presetClass="entr" presetSubtype="0" fill="hold" nodeType="clickEffect">
+                                  <p:stCondLst>
+                                    <p:cond delay="0"/>
+                                  </p:stCondLst>
+                                  <p:childTnLst>
+                                    <p:set>
+                                      <p:cBhvr>
+                                        <p:cTn id="16" dur="1" fill="hold">
+                                          <p:stCondLst>
+                                            <p:cond delay="0"/>
+                                          </p:stCondLst>
+                                        </p:cTn>
+                                        <p:tgtEl>
+                                          <p:spTgt spid="4">
+                                            <p:txEl>
+                                              <p:pRg st="3" end="3"/>
+                                            </p:txEl>
+                                          </p:spTgt>
+                                        </p:tgtEl>
+                                        <p:attrNameLst>
+                                          <p:attrName>style.visibility</p:attrName>
+                                        </p:attrNameLst>
+                                      </p:cBhvr>
+                                      <p:to>
+                                        <p:strVal val="visible"/>
+                                      </p:to>
+                                    </p:set>
+                                  </p:childTnLst>
+                                </p:cTn>
+                              </p:par>
+                            </p:childTnLst>
+                          </p:cTn>
+                        </p:par>
+                      </p:childTnLst>
+                    </p:cTn>
+                  </p:par>
+                </p:childTnLst>
+              </p:cTn>
+              <p:prevCondLst>
+                <p:cond evt="onPrev" delay="0">
+                  <p:tgtEl>
+                    <p:sldTgt/>
+                  </p:tgtEl>
+                </p:cond>
+              </p:prevCondLst>
+              <p:nextCondLst>
+                <p:cond evt="onNext" delay="0">
+                  <p:tgtEl>
+                    <p:sldTgt/>
+                  </p:tgtEl>
+                </p:cond>
+              </p:nextCondLst>
+            </p:seq>
+          </p:childTnLst>
+        </p:cTn>
+      </p:par>
+    </p:tnLst>
+  </p:timing>
 </p:sld>
 </file>
 
-<file path=ppt/slides/slide53.xml><?xml version="1.0" encoding="utf-8"?>
+<file path=ppt/slides/slide55.xml><?xml version="1.0" encoding="utf-8"?>
 <p:sld xmlns:a="http://schemas.openxmlformats.org/drawingml/2006/main" xmlns:r="http://schemas.openxmlformats.org/officeDocument/2006/relationships" xmlns:p="http://schemas.openxmlformats.org/presentationml/2006/main">
   <p:cSld>
     <p:spTree>
@@ -38993,11 +42582,11 @@
                   <a:buNone/>
                 </a:pPr>
                 <a:r>
-                  <a:rPr lang="en-US" sz="1800" dirty="0" err="1"/>
+                  <a:rPr lang="en-US" dirty="0" err="1"/>
                   <a:t>num_awards</a:t>
                 </a:r>
                 <a:r>
-                  <a:rPr lang="en-US" sz="1800" dirty="0"/>
+                  <a:rPr lang="en-US" dirty="0"/>
                   <a:t> ~ math + C(prog)</a:t>
                 </a:r>
               </a:p>
@@ -39203,8 +42792,8 @@
         </p:nvCxnSpPr>
         <p:spPr>
           <a:xfrm>
-            <a:off x="4729942" y="3707476"/>
-            <a:ext cx="515389" cy="267116"/>
+            <a:off x="4729942" y="3943349"/>
+            <a:ext cx="419793" cy="142356"/>
           </a:xfrm>
           <a:prstGeom prst="straightConnector1">
             <a:avLst/>
@@ -39247,8 +42836,8 @@
         </p:nvCxnSpPr>
         <p:spPr>
           <a:xfrm>
-            <a:off x="4609407" y="3067396"/>
-            <a:ext cx="1425633" cy="695868"/>
+            <a:off x="4609407" y="3129742"/>
+            <a:ext cx="1425633" cy="633522"/>
           </a:xfrm>
           <a:prstGeom prst="straightConnector1">
             <a:avLst/>
@@ -39291,8 +42880,8 @@
         </p:nvCxnSpPr>
         <p:spPr>
           <a:xfrm>
-            <a:off x="4700847" y="3707476"/>
-            <a:ext cx="621645" cy="546655"/>
+            <a:off x="4783975" y="3943349"/>
+            <a:ext cx="286789" cy="310782"/>
           </a:xfrm>
           <a:prstGeom prst="straightConnector1">
             <a:avLst/>
@@ -39424,7 +43013,51 @@
         <p:spPr>
           <a:xfrm>
             <a:off x="4783975" y="2190404"/>
-            <a:ext cx="2481349" cy="552796"/>
+            <a:ext cx="2310938" cy="415636"/>
+          </a:xfrm>
+          <a:prstGeom prst="straightConnector1">
+            <a:avLst/>
+          </a:prstGeom>
+          <a:ln>
+            <a:solidFill>
+              <a:schemeClr val="tx1"/>
+            </a:solidFill>
+            <a:tailEnd type="triangle"/>
+          </a:ln>
+        </p:spPr>
+        <p:style>
+          <a:lnRef idx="2">
+            <a:schemeClr val="accent1"/>
+          </a:lnRef>
+          <a:fillRef idx="0">
+            <a:schemeClr val="accent1"/>
+          </a:fillRef>
+          <a:effectRef idx="1">
+            <a:schemeClr val="accent1"/>
+          </a:effectRef>
+          <a:fontRef idx="minor">
+            <a:schemeClr val="tx1"/>
+          </a:fontRef>
+        </p:style>
+      </p:cxnSp>
+      <p:cxnSp>
+        <p:nvCxnSpPr>
+          <p:cNvPr id="6" name="Straight Arrow Connector 5">
+            <a:extLst>
+              <a:ext uri="{FF2B5EF4-FFF2-40B4-BE49-F238E27FC236}">
+                <a16:creationId xmlns:a16="http://schemas.microsoft.com/office/drawing/2014/main" id="{6615C4BB-171B-73C4-2E73-CD286507A53A}"/>
+              </a:ext>
+            </a:extLst>
+          </p:cNvPr>
+          <p:cNvCxnSpPr>
+            <a:cxnSpLocks/>
+          </p:cNvCxnSpPr>
+          <p:nvPr/>
+        </p:nvCxnSpPr>
+        <p:spPr>
+          <a:xfrm>
+            <a:off x="4783975" y="2190404"/>
+            <a:ext cx="2668385" cy="689956"/>
           </a:xfrm>
           <a:prstGeom prst="straightConnector1">
             <a:avLst/>
@@ -39456,10 +43089,532 @@
   <p:clrMapOvr>
     <a:masterClrMapping/>
   </p:clrMapOvr>
+  <p:timing>
+    <p:tnLst>
+      <p:par>
+        <p:cTn id="1" dur="indefinite" restart="never" nodeType="tmRoot">
+          <p:childTnLst>
+            <p:seq concurrent="1" nextAc="seek">
+              <p:cTn id="2" dur="indefinite" nodeType="mainSeq">
+                <p:childTnLst>
+                  <p:par>
+                    <p:cTn id="3" fill="hold">
+                      <p:stCondLst>
+                        <p:cond delay="indefinite"/>
+                      </p:stCondLst>
+                      <p:childTnLst>
+                        <p:par>
+                          <p:cTn id="4" fill="hold">
+                            <p:stCondLst>
+                              <p:cond delay="0"/>
+                            </p:stCondLst>
+                            <p:childTnLst>
+                              <p:par>
+                                <p:cTn id="5" presetID="1" presetClass="entr" presetSubtype="0" fill="hold" nodeType="clickEffect">
+                                  <p:stCondLst>
+                                    <p:cond delay="0"/>
+                                  </p:stCondLst>
+                                  <p:childTnLst>
+                                    <p:set>
+                                      <p:cBhvr>
+                                        <p:cTn id="6" dur="1" fill="hold">
+                                          <p:stCondLst>
+                                            <p:cond delay="0"/>
+                                          </p:stCondLst>
+                                        </p:cTn>
+                                        <p:tgtEl>
+                                          <p:spTgt spid="8">
+                                            <p:txEl>
+                                              <p:pRg st="2" end="2"/>
+                                            </p:txEl>
+                                          </p:spTgt>
+                                        </p:tgtEl>
+                                        <p:attrNameLst>
+                                          <p:attrName>style.visibility</p:attrName>
+                                        </p:attrNameLst>
+                                      </p:cBhvr>
+                                      <p:to>
+                                        <p:strVal val="visible"/>
+                                      </p:to>
+                                    </p:set>
+                                  </p:childTnLst>
+                                </p:cTn>
+                              </p:par>
+                              <p:par>
+                                <p:cTn id="7" presetID="1" presetClass="entr" presetSubtype="0" fill="hold" nodeType="withEffect">
+                                  <p:stCondLst>
+                                    <p:cond delay="0"/>
+                                  </p:stCondLst>
+                                  <p:childTnLst>
+                                    <p:set>
+                                      <p:cBhvr>
+                                        <p:cTn id="8" dur="1" fill="hold">
+                                          <p:stCondLst>
+                                            <p:cond delay="0"/>
+                                          </p:stCondLst>
+                                        </p:cTn>
+                                        <p:tgtEl>
+                                          <p:spTgt spid="6"/>
+                                        </p:tgtEl>
+                                        <p:attrNameLst>
+                                          <p:attrName>style.visibility</p:attrName>
+                                        </p:attrNameLst>
+                                      </p:cBhvr>
+                                      <p:to>
+                                        <p:strVal val="visible"/>
+                                      </p:to>
+                                    </p:set>
+                                  </p:childTnLst>
+                                </p:cTn>
+                              </p:par>
+                              <p:par>
+                                <p:cTn id="9" presetID="1" presetClass="entr" presetSubtype="0" fill="hold" nodeType="withEffect">
+                                  <p:stCondLst>
+                                    <p:cond delay="0"/>
+                                  </p:stCondLst>
+                                  <p:childTnLst>
+                                    <p:set>
+                                      <p:cBhvr>
+                                        <p:cTn id="10" dur="1" fill="hold">
+                                          <p:stCondLst>
+                                            <p:cond delay="0"/>
+                                          </p:stCondLst>
+                                        </p:cTn>
+                                        <p:tgtEl>
+                                          <p:spTgt spid="32"/>
+                                        </p:tgtEl>
+                                        <p:attrNameLst>
+                                          <p:attrName>style.visibility</p:attrName>
+                                        </p:attrNameLst>
+                                      </p:cBhvr>
+                                      <p:to>
+                                        <p:strVal val="visible"/>
+                                      </p:to>
+                                    </p:set>
+                                  </p:childTnLst>
+                                </p:cTn>
+                              </p:par>
+                              <p:par>
+                                <p:cTn id="11" presetID="1" presetClass="entr" presetSubtype="0" fill="hold" nodeType="withEffect">
+                                  <p:stCondLst>
+                                    <p:cond delay="0"/>
+                                  </p:stCondLst>
+                                  <p:childTnLst>
+                                    <p:set>
+                                      <p:cBhvr>
+                                        <p:cTn id="12" dur="1" fill="hold">
+                                          <p:stCondLst>
+                                            <p:cond delay="0"/>
+                                          </p:stCondLst>
+                                        </p:cTn>
+                                        <p:tgtEl>
+                                          <p:spTgt spid="29"/>
+                                        </p:tgtEl>
+                                        <p:attrNameLst>
+                                          <p:attrName>style.visibility</p:attrName>
+                                        </p:attrNameLst>
+                                      </p:cBhvr>
+                                      <p:to>
+                                        <p:strVal val="visible"/>
+                                      </p:to>
+                                    </p:set>
+                                  </p:childTnLst>
+                                </p:cTn>
+                              </p:par>
+                            </p:childTnLst>
+                          </p:cTn>
+                        </p:par>
+                      </p:childTnLst>
+                    </p:cTn>
+                  </p:par>
+                  <p:par>
+                    <p:cTn id="13" fill="hold">
+                      <p:stCondLst>
+                        <p:cond delay="indefinite"/>
+                      </p:stCondLst>
+                      <p:childTnLst>
+                        <p:par>
+                          <p:cTn id="14" fill="hold">
+                            <p:stCondLst>
+                              <p:cond delay="0"/>
+                            </p:stCondLst>
+                            <p:childTnLst>
+                              <p:par>
+                                <p:cTn id="15" presetID="1" presetClass="entr" presetSubtype="0" fill="hold" nodeType="clickEffect">
+                                  <p:stCondLst>
+                                    <p:cond delay="0"/>
+                                  </p:stCondLst>
+                                  <p:childTnLst>
+                                    <p:set>
+                                      <p:cBhvr>
+                                        <p:cTn id="16" dur="1" fill="hold">
+                                          <p:stCondLst>
+                                            <p:cond delay="0"/>
+                                          </p:stCondLst>
+                                        </p:cTn>
+                                        <p:tgtEl>
+                                          <p:spTgt spid="8">
+                                            <p:txEl>
+                                              <p:pRg st="3" end="3"/>
+                                            </p:txEl>
+                                          </p:spTgt>
+                                        </p:tgtEl>
+                                        <p:attrNameLst>
+                                          <p:attrName>style.visibility</p:attrName>
+                                        </p:attrNameLst>
+                                      </p:cBhvr>
+                                      <p:to>
+                                        <p:strVal val="visible"/>
+                                      </p:to>
+                                    </p:set>
+                                  </p:childTnLst>
+                                </p:cTn>
+                              </p:par>
+                              <p:par>
+                                <p:cTn id="17" presetID="1" presetClass="entr" presetSubtype="0" fill="hold" nodeType="withEffect">
+                                  <p:stCondLst>
+                                    <p:cond delay="0"/>
+                                  </p:stCondLst>
+                                  <p:childTnLst>
+                                    <p:set>
+                                      <p:cBhvr>
+                                        <p:cTn id="18" dur="1" fill="hold">
+                                          <p:stCondLst>
+                                            <p:cond delay="0"/>
+                                          </p:stCondLst>
+                                        </p:cTn>
+                                        <p:tgtEl>
+                                          <p:spTgt spid="9"/>
+                                        </p:tgtEl>
+                                        <p:attrNameLst>
+                                          <p:attrName>style.visibility</p:attrName>
+                                        </p:attrNameLst>
+                                      </p:cBhvr>
+                                      <p:to>
+                                        <p:strVal val="visible"/>
+                                      </p:to>
+                                    </p:set>
+                                  </p:childTnLst>
+                                </p:cTn>
+                              </p:par>
+                            </p:childTnLst>
+                          </p:cTn>
+                        </p:par>
+                      </p:childTnLst>
+                    </p:cTn>
+                  </p:par>
+                  <p:par>
+                    <p:cTn id="19" fill="hold">
+                      <p:stCondLst>
+                        <p:cond delay="indefinite"/>
+                      </p:stCondLst>
+                      <p:childTnLst>
+                        <p:par>
+                          <p:cTn id="20" fill="hold">
+                            <p:stCondLst>
+                              <p:cond delay="0"/>
+                            </p:stCondLst>
+                            <p:childTnLst>
+                              <p:par>
+                                <p:cTn id="21" presetID="1" presetClass="entr" presetSubtype="0" fill="hold" nodeType="clickEffect">
+                                  <p:stCondLst>
+                                    <p:cond delay="0"/>
+                                  </p:stCondLst>
+                                  <p:childTnLst>
+                                    <p:set>
+                                      <p:cBhvr>
+                                        <p:cTn id="22" dur="1" fill="hold">
+                                          <p:stCondLst>
+                                            <p:cond delay="0"/>
+                                          </p:stCondLst>
+                                        </p:cTn>
+                                        <p:tgtEl>
+                                          <p:spTgt spid="8">
+                                            <p:txEl>
+                                              <p:pRg st="4" end="4"/>
+                                            </p:txEl>
+                                          </p:spTgt>
+                                        </p:tgtEl>
+                                        <p:attrNameLst>
+                                          <p:attrName>style.visibility</p:attrName>
+                                        </p:attrNameLst>
+                                      </p:cBhvr>
+                                      <p:to>
+                                        <p:strVal val="visible"/>
+                                      </p:to>
+                                    </p:set>
+                                  </p:childTnLst>
+                                </p:cTn>
+                              </p:par>
+                              <p:par>
+                                <p:cTn id="23" presetID="1" presetClass="entr" presetSubtype="0" fill="hold" nodeType="withEffect">
+                                  <p:stCondLst>
+                                    <p:cond delay="0"/>
+                                  </p:stCondLst>
+                                  <p:childTnLst>
+                                    <p:set>
+                                      <p:cBhvr>
+                                        <p:cTn id="24" dur="1" fill="hold">
+                                          <p:stCondLst>
+                                            <p:cond delay="0"/>
+                                          </p:stCondLst>
+                                        </p:cTn>
+                                        <p:tgtEl>
+                                          <p:spTgt spid="11"/>
+                                        </p:tgtEl>
+                                        <p:attrNameLst>
+                                          <p:attrName>style.visibility</p:attrName>
+                                        </p:attrNameLst>
+                                      </p:cBhvr>
+                                      <p:to>
+                                        <p:strVal val="visible"/>
+                                      </p:to>
+                                    </p:set>
+                                  </p:childTnLst>
+                                </p:cTn>
+                              </p:par>
+                            </p:childTnLst>
+                          </p:cTn>
+                        </p:par>
+                      </p:childTnLst>
+                    </p:cTn>
+                  </p:par>
+                  <p:par>
+                    <p:cTn id="25" fill="hold">
+                      <p:stCondLst>
+                        <p:cond delay="indefinite"/>
+                      </p:stCondLst>
+                      <p:childTnLst>
+                        <p:par>
+                          <p:cTn id="26" fill="hold">
+                            <p:stCondLst>
+                              <p:cond delay="0"/>
+                            </p:stCondLst>
+                            <p:childTnLst>
+                              <p:par>
+                                <p:cTn id="27" presetID="1" presetClass="entr" presetSubtype="0" fill="hold" nodeType="clickEffect">
+                                  <p:stCondLst>
+                                    <p:cond delay="0"/>
+                                  </p:stCondLst>
+                                  <p:childTnLst>
+                                    <p:set>
+                                      <p:cBhvr>
+                                        <p:cTn id="28" dur="1" fill="hold">
+                                          <p:stCondLst>
+                                            <p:cond delay="0"/>
+                                          </p:stCondLst>
+                                        </p:cTn>
+                                        <p:tgtEl>
+                                          <p:spTgt spid="8">
+                                            <p:txEl>
+                                              <p:pRg st="5" end="5"/>
+                                            </p:txEl>
+                                          </p:spTgt>
+                                        </p:tgtEl>
+                                        <p:attrNameLst>
+                                          <p:attrName>style.visibility</p:attrName>
+                                        </p:attrNameLst>
+                                      </p:cBhvr>
+                                      <p:to>
+                                        <p:strVal val="visible"/>
+                                      </p:to>
+                                    </p:set>
+                                  </p:childTnLst>
+                                </p:cTn>
+                              </p:par>
+                              <p:par>
+                                <p:cTn id="29" presetID="1" presetClass="entr" presetSubtype="0" fill="hold" nodeType="withEffect">
+                                  <p:stCondLst>
+                                    <p:cond delay="0"/>
+                                  </p:stCondLst>
+                                  <p:childTnLst>
+                                    <p:set>
+                                      <p:cBhvr>
+                                        <p:cTn id="30" dur="1" fill="hold">
+                                          <p:stCondLst>
+                                            <p:cond delay="0"/>
+                                          </p:stCondLst>
+                                        </p:cTn>
+                                        <p:tgtEl>
+                                          <p:spTgt spid="8">
+                                            <p:txEl>
+                                              <p:pRg st="6" end="6"/>
+                                            </p:txEl>
+                                          </p:spTgt>
+                                        </p:tgtEl>
+                                        <p:attrNameLst>
+                                          <p:attrName>style.visibility</p:attrName>
+                                        </p:attrNameLst>
+                                      </p:cBhvr>
+                                      <p:to>
+                                        <p:strVal val="visible"/>
+                                      </p:to>
+                                    </p:set>
+                                  </p:childTnLst>
+                                </p:cTn>
+                              </p:par>
+                              <p:par>
+                                <p:cTn id="31" presetID="1" presetClass="entr" presetSubtype="0" fill="hold" nodeType="withEffect">
+                                  <p:stCondLst>
+                                    <p:cond delay="0"/>
+                                  </p:stCondLst>
+                                  <p:childTnLst>
+                                    <p:set>
+                                      <p:cBhvr>
+                                        <p:cTn id="32" dur="1" fill="hold">
+                                          <p:stCondLst>
+                                            <p:cond delay="0"/>
+                                          </p:stCondLst>
+                                        </p:cTn>
+                                        <p:tgtEl>
+                                          <p:spTgt spid="10"/>
+                                        </p:tgtEl>
+                                        <p:attrNameLst>
+                                          <p:attrName>style.visibility</p:attrName>
+                                        </p:attrNameLst>
+                                      </p:cBhvr>
+                                      <p:to>
+                                        <p:strVal val="visible"/>
+                                      </p:to>
+                                    </p:set>
+                                  </p:childTnLst>
+                                </p:cTn>
+                              </p:par>
+                              <p:par>
+                                <p:cTn id="33" presetID="1" presetClass="entr" presetSubtype="0" fill="hold" nodeType="withEffect">
+                                  <p:stCondLst>
+                                    <p:cond delay="0"/>
+                                  </p:stCondLst>
+                                  <p:childTnLst>
+                                    <p:set>
+                                      <p:cBhvr>
+                                        <p:cTn id="34" dur="1" fill="hold">
+                                          <p:stCondLst>
+                                            <p:cond delay="0"/>
+                                          </p:stCondLst>
+                                        </p:cTn>
+                                        <p:tgtEl>
+                                          <p:spTgt spid="12"/>
+                                        </p:tgtEl>
+                                        <p:attrNameLst>
+                                          <p:attrName>style.visibility</p:attrName>
+                                        </p:attrNameLst>
+                                      </p:cBhvr>
+                                      <p:to>
+                                        <p:strVal val="visible"/>
+                                      </p:to>
+                                    </p:set>
+                                  </p:childTnLst>
+                                </p:cTn>
+                              </p:par>
+                            </p:childTnLst>
+                          </p:cTn>
+                        </p:par>
+                      </p:childTnLst>
+                    </p:cTn>
+                  </p:par>
+                  <p:par>
+                    <p:cTn id="35" fill="hold">
+                      <p:stCondLst>
+                        <p:cond delay="indefinite"/>
+                      </p:stCondLst>
+                      <p:childTnLst>
+                        <p:par>
+                          <p:cTn id="36" fill="hold">
+                            <p:stCondLst>
+                              <p:cond delay="0"/>
+                            </p:stCondLst>
+                            <p:childTnLst>
+                              <p:par>
+                                <p:cTn id="37" presetID="1" presetClass="entr" presetSubtype="0" fill="hold" nodeType="clickEffect">
+                                  <p:stCondLst>
+                                    <p:cond delay="0"/>
+                                  </p:stCondLst>
+                                  <p:childTnLst>
+                                    <p:set>
+                                      <p:cBhvr>
+                                        <p:cTn id="38" dur="1" fill="hold">
+                                          <p:stCondLst>
+                                            <p:cond delay="0"/>
+                                          </p:stCondLst>
+                                        </p:cTn>
+                                        <p:tgtEl>
+                                          <p:spTgt spid="8">
+                                            <p:txEl>
+                                              <p:pRg st="7" end="7"/>
+                                            </p:txEl>
+                                          </p:spTgt>
+                                        </p:tgtEl>
+                                        <p:attrNameLst>
+                                          <p:attrName>style.visibility</p:attrName>
+                                        </p:attrNameLst>
+                                      </p:cBhvr>
+                                      <p:to>
+                                        <p:strVal val="visible"/>
+                                      </p:to>
+                                    </p:set>
+                                  </p:childTnLst>
+                                </p:cTn>
+                              </p:par>
+                              <p:par>
+                                <p:cTn id="39" presetID="1" presetClass="entr" presetSubtype="0" fill="hold" nodeType="withEffect">
+                                  <p:stCondLst>
+                                    <p:cond delay="0"/>
+                                  </p:stCondLst>
+                                  <p:childTnLst>
+                                    <p:set>
+                                      <p:cBhvr>
+                                        <p:cTn id="40" dur="1" fill="hold">
+                                          <p:stCondLst>
+                                            <p:cond delay="0"/>
+                                          </p:stCondLst>
+                                        </p:cTn>
+                                        <p:tgtEl>
+                                          <p:spTgt spid="19"/>
+                                        </p:tgtEl>
+                                        <p:attrNameLst>
+                                          <p:attrName>style.visibility</p:attrName>
+                                        </p:attrNameLst>
+                                      </p:cBhvr>
+                                      <p:to>
+                                        <p:strVal val="visible"/>
+                                      </p:to>
+                                    </p:set>
+                                  </p:childTnLst>
+                                </p:cTn>
+                              </p:par>
+                            </p:childTnLst>
+                          </p:cTn>
+                        </p:par>
+                      </p:childTnLst>
+                    </p:cTn>
+                  </p:par>
+                </p:childTnLst>
+              </p:cTn>
+              <p:prevCondLst>
+                <p:cond evt="onPrev" delay="0">
+                  <p:tgtEl>
+                    <p:sldTgt/>
+                  </p:tgtEl>
+                </p:cond>
+              </p:prevCondLst>
+              <p:nextCondLst>
+                <p:cond evt="onNext" delay="0">
+                  <p:tgtEl>
+                    <p:sldTgt/>
+                  </p:tgtEl>
+                </p:cond>
+              </p:nextCondLst>
+            </p:seq>
+          </p:childTnLst>
+        </p:cTn>
+      </p:par>
+    </p:tnLst>
+  </p:timing>
 </p:sld>
 </file>
 
-<file path=ppt/slides/slide54.xml><?xml version="1.0" encoding="utf-8"?>
+<file path=ppt/slides/slide56.xml><?xml version="1.0" encoding="utf-8"?>
 <p:sld xmlns:a="http://schemas.openxmlformats.org/drawingml/2006/main" xmlns:r="http://schemas.openxmlformats.org/officeDocument/2006/relationships" xmlns:p="http://schemas.openxmlformats.org/presentationml/2006/main">
   <p:cSld>
     <p:spTree>
@@ -39689,7 +43844,7 @@
 </p:sld>
 </file>
 
-<file path=ppt/slides/slide55.xml><?xml version="1.0" encoding="utf-8"?>
+<file path=ppt/slides/slide57.xml><?xml version="1.0" encoding="utf-8"?>
 <p:sld xmlns:a="http://schemas.openxmlformats.org/drawingml/2006/main" xmlns:r="http://schemas.openxmlformats.org/officeDocument/2006/relationships" xmlns:p="http://schemas.openxmlformats.org/presentationml/2006/main">
   <p:cSld>
     <p:spTree>
@@ -39844,7 +43999,7 @@
 </p:sld>
 </file>
 
-<file path=ppt/slides/slide56.xml><?xml version="1.0" encoding="utf-8"?>
+<file path=ppt/slides/slide58.xml><?xml version="1.0" encoding="utf-8"?>
 <p:sld xmlns:a="http://schemas.openxmlformats.org/drawingml/2006/main" xmlns:r="http://schemas.openxmlformats.org/officeDocument/2006/relationships" xmlns:p="http://schemas.openxmlformats.org/presentationml/2006/main">
   <p:cSld>
     <p:spTree>
@@ -40261,7 +44416,15 @@
             <a:pPr lvl="1"/>
             <a:r>
               <a:rPr dirty="0"/>
-              <a:t>Evaluating Binomial response models</a:t>
+              <a:t>Evaluating </a:t>
+            </a:r>
+            <a:r>
+              <a:rPr lang="en-US" dirty="0"/>
+              <a:t>nonlinear</a:t>
+            </a:r>
+            <a:r>
+              <a:rPr dirty="0"/>
+              <a:t> response models</a:t>
             </a:r>
           </a:p>
           <a:p>
@@ -40779,7 +44942,7 @@
         </p:spPr>
         <p:txBody>
           <a:bodyPr>
-            <a:normAutofit/>
+            <a:normAutofit lnSpcReduction="10000"/>
           </a:bodyPr>
           <a:lstStyle/>
           <a:p>
@@ -40866,6 +45029,25 @@
               <a:rPr dirty="0"/>
               <a:t> the category</a:t>
             </a:r>
+            <a:endParaRPr lang="en-US" dirty="0"/>
+          </a:p>
+          <a:p>
+            <a:pPr marL="342900" lvl="1" indent="0">
+              <a:buNone/>
+            </a:pPr>
+            <a:r>
+              <a:rPr lang="en-US" dirty="0">
+                <a:solidFill>
+                  <a:schemeClr val="tx2"/>
+                </a:solidFill>
+              </a:rPr>
+              <a:t>Note: for high-cardinality categorical variables use embedding algorithms – beyond the scope of this course</a:t>
+            </a:r>
+            <a:endParaRPr dirty="0">
+              <a:solidFill>
+                <a:schemeClr val="tx2"/>
+              </a:solidFill>
+            </a:endParaRPr>
           </a:p>
         </p:txBody>
       </p:sp>
@@ -41022,6 +45204,37 @@
                                           <p:spTgt spid="3">
                                             <p:txEl>
                                               <p:pRg st="4" end="4"/>
+                                            </p:txEl>
+                                          </p:spTgt>
+                                        </p:tgtEl>
+                                        <p:attrNameLst>
+                                          <p:attrName>style.visibility</p:attrName>
+                                        </p:attrNameLst>
+                                      </p:cBhvr>
+                                      <p:to>
+                                        <p:strVal val="visible"/>
+                                      </p:to>
+                                    </p:set>
+                                  </p:childTnLst>
+                                </p:cTn>
+                              </p:par>
+                              <p:par>
+                                <p:cTn id="15" presetID="1" presetClass="entr" presetSubtype="0" fill="hold" nodeType="withEffect">
+                                  <p:stCondLst>
+                                    <p:cond delay="0"/>
+                                  </p:stCondLst>
+                                  <p:childTnLst>
+                                    <p:set>
+                                      <p:cBhvr>
+                                        <p:cTn id="16" dur="1" fill="hold">
+                                          <p:stCondLst>
+                                            <p:cond delay="0"/>
+                                          </p:stCondLst>
+                                        </p:cTn>
+                                        <p:tgtEl>
+                                          <p:spTgt spid="3">
+                                            <p:txEl>
+                                              <p:pRg st="5" end="5"/>
                                             </p:txEl>
                                           </p:spTgt>
                                         </p:tgtEl>

--- a/LectureSlides/09_GeneralizingTheLinearModel.pptx
+++ b/LectureSlides/09_GeneralizingTheLinearModel.pptx
@@ -5,7 +5,7 @@
     <p:sldMasterId id="2147483648" r:id="rId1"/>
   </p:sldMasterIdLst>
   <p:notesMasterIdLst>
-    <p:notesMasterId r:id="rId60"/>
+    <p:notesMasterId r:id="rId64"/>
   </p:notesMasterIdLst>
   <p:sldIdLst>
     <p:sldId id="308" r:id="rId2"/>
@@ -41,31 +41,35 @@
     <p:sldId id="278" r:id="rId32"/>
     <p:sldId id="279" r:id="rId33"/>
     <p:sldId id="319" r:id="rId34"/>
-    <p:sldId id="281" r:id="rId35"/>
-    <p:sldId id="282" r:id="rId36"/>
-    <p:sldId id="283" r:id="rId37"/>
-    <p:sldId id="321" r:id="rId38"/>
-    <p:sldId id="323" r:id="rId39"/>
-    <p:sldId id="324" r:id="rId40"/>
-    <p:sldId id="322" r:id="rId41"/>
-    <p:sldId id="288" r:id="rId42"/>
-    <p:sldId id="289" r:id="rId43"/>
-    <p:sldId id="325" r:id="rId44"/>
-    <p:sldId id="290" r:id="rId45"/>
-    <p:sldId id="291" r:id="rId46"/>
-    <p:sldId id="292" r:id="rId47"/>
-    <p:sldId id="293" r:id="rId48"/>
-    <p:sldId id="294" r:id="rId49"/>
-    <p:sldId id="299" r:id="rId50"/>
-    <p:sldId id="326" r:id="rId51"/>
-    <p:sldId id="302" r:id="rId52"/>
-    <p:sldId id="331" r:id="rId53"/>
-    <p:sldId id="303" r:id="rId54"/>
-    <p:sldId id="304" r:id="rId55"/>
-    <p:sldId id="305" r:id="rId56"/>
-    <p:sldId id="306" r:id="rId57"/>
-    <p:sldId id="327" r:id="rId58"/>
-    <p:sldId id="307" r:id="rId59"/>
+    <p:sldId id="333" r:id="rId35"/>
+    <p:sldId id="281" r:id="rId36"/>
+    <p:sldId id="282" r:id="rId37"/>
+    <p:sldId id="334" r:id="rId38"/>
+    <p:sldId id="283" r:id="rId39"/>
+    <p:sldId id="321" r:id="rId40"/>
+    <p:sldId id="323" r:id="rId41"/>
+    <p:sldId id="324" r:id="rId42"/>
+    <p:sldId id="322" r:id="rId43"/>
+    <p:sldId id="335" r:id="rId44"/>
+    <p:sldId id="288" r:id="rId45"/>
+    <p:sldId id="289" r:id="rId46"/>
+    <p:sldId id="325" r:id="rId47"/>
+    <p:sldId id="290" r:id="rId48"/>
+    <p:sldId id="291" r:id="rId49"/>
+    <p:sldId id="292" r:id="rId50"/>
+    <p:sldId id="293" r:id="rId51"/>
+    <p:sldId id="294" r:id="rId52"/>
+    <p:sldId id="299" r:id="rId53"/>
+    <p:sldId id="326" r:id="rId54"/>
+    <p:sldId id="336" r:id="rId55"/>
+    <p:sldId id="302" r:id="rId56"/>
+    <p:sldId id="331" r:id="rId57"/>
+    <p:sldId id="303" r:id="rId58"/>
+    <p:sldId id="304" r:id="rId59"/>
+    <p:sldId id="305" r:id="rId60"/>
+    <p:sldId id="306" r:id="rId61"/>
+    <p:sldId id="327" r:id="rId62"/>
+    <p:sldId id="307" r:id="rId63"/>
   </p:sldIdLst>
   <p:sldSz cx="9144000" cy="5143500" type="screen16x9"/>
   <p:notesSz cx="6858000" cy="9144000"/>
@@ -621,7 +625,7 @@
           <a:p>
             <a:fld id="{979D3DEE-884F-4AC4-B40C-E4221C7984B1}" type="slidenum">
               <a:rPr lang="en-US" smtClean="0"/>
-              <a:t>57</a:t>
+              <a:t>61</a:t>
             </a:fld>
             <a:endParaRPr lang="en-US"/>
           </a:p>
@@ -705,7 +709,7 @@
           <a:p>
             <a:fld id="{979D3DEE-884F-4AC4-B40C-E4221C7984B1}" type="slidenum">
               <a:rPr lang="en-US" smtClean="0"/>
-              <a:t>58</a:t>
+              <a:t>62</a:t>
             </a:fld>
             <a:endParaRPr lang="en-US"/>
           </a:p>
@@ -5213,8 +5217,8 @@
           </a:p>
         </p:txBody>
       </p:sp>
-      <mc:AlternateContent xmlns:mc="http://schemas.openxmlformats.org/markup-compatibility/2006">
-        <mc:Choice xmlns:a14="http://schemas.microsoft.com/office/drawing/2010/main" Requires="a14">
+      <mc:AlternateContent xmlns:mc="http://schemas.openxmlformats.org/markup-compatibility/2006" xmlns:a14="http://schemas.microsoft.com/office/drawing/2010/main">
+        <mc:Choice Requires="a14">
           <p:sp>
             <p:nvSpPr>
               <p:cNvPr id="3" name="Content Placeholder 2"/>
@@ -5874,7 +5878,7 @@
             </p:txBody>
           </p:sp>
         </mc:Choice>
-        <mc:Fallback>
+        <mc:Fallback xmlns="">
           <p:sp>
             <p:nvSpPr>
               <p:cNvPr id="3" name="Content Placeholder 2"/>
@@ -6649,139 +6653,6 @@
                                         <a:latin typeface="Cambria Math" panose="02040503050406030204" pitchFamily="18" charset="0"/>
                                       </a:rPr>
                                       <m:t>1</m:t>
-                                    </m:r>
-                                  </m:sub>
-                                </m:sSub>
-                              </m:e>
-                            </m:mr>
-                          </m:m>
-                        </m:e>
-                      </m:d>
-                      <m:r>
-                        <a:rPr lang="ar-AE">
-                          <a:latin typeface="Cambria Math" panose="02040503050406030204" pitchFamily="18" charset="0"/>
-                        </a:rPr>
-                        <m:t>=</m:t>
-                      </m:r>
-                      <m:d>
-                        <m:dPr>
-                          <m:begChr m:val="["/>
-                          <m:endChr m:val="]"/>
-                          <m:ctrlPr>
-                            <a:rPr lang="ar-AE" i="1">
-                              <a:latin typeface="Cambria Math" panose="02040503050406030204" pitchFamily="18" charset="0"/>
-                            </a:rPr>
-                          </m:ctrlPr>
-                        </m:dPr>
-                        <m:e>
-                          <m:m>
-                            <m:mPr>
-                              <m:mcs>
-                                <m:mc>
-                                  <m:mcPr>
-                                    <m:count m:val="1"/>
-                                    <m:mcJc m:val="center"/>
-                                  </m:mcPr>
-                                </m:mc>
-                              </m:mcs>
-                              <m:ctrlPr>
-                                <a:rPr lang="ar-AE" i="1">
-                                  <a:latin typeface="Cambria Math" panose="02040503050406030204" pitchFamily="18" charset="0"/>
-                                </a:rPr>
-                              </m:ctrlPr>
-                            </m:mPr>
-                            <m:mr>
-                              <m:e>
-                                <m:sSub>
-                                  <m:sSubPr>
-                                    <m:ctrlPr>
-                                      <a:rPr lang="ar-AE" i="1">
-                                        <a:latin typeface="Cambria Math" panose="02040503050406030204" pitchFamily="18" charset="0"/>
-                                      </a:rPr>
-                                    </m:ctrlPr>
-                                  </m:sSubPr>
-                                  <m:e>
-                                    <m:r>
-                                      <a:rPr lang="ar-AE">
-                                        <a:latin typeface="Cambria Math" panose="02040503050406030204" pitchFamily="18" charset="0"/>
-                                      </a:rPr>
-                                      <m:t>𝜇</m:t>
-                                    </m:r>
-                                  </m:e>
-                                  <m:sub>
-                                    <m:r>
-                                      <a:rPr lang="ar-AE">
-                                        <a:latin typeface="Cambria Math" panose="02040503050406030204" pitchFamily="18" charset="0"/>
-                                      </a:rPr>
-                                      <m:t>1</m:t>
-                                    </m:r>
-                                  </m:sub>
-                                </m:sSub>
-                              </m:e>
-                            </m:mr>
-                            <m:mr>
-                              <m:e>
-                                <m:sSub>
-                                  <m:sSubPr>
-                                    <m:ctrlPr>
-                                      <a:rPr lang="ar-AE" i="1">
-                                        <a:latin typeface="Cambria Math" panose="02040503050406030204" pitchFamily="18" charset="0"/>
-                                      </a:rPr>
-                                    </m:ctrlPr>
-                                  </m:sSubPr>
-                                  <m:e>
-                                    <m:r>
-                                      <a:rPr lang="ar-AE">
-                                        <a:latin typeface="Cambria Math" panose="02040503050406030204" pitchFamily="18" charset="0"/>
-                                      </a:rPr>
-                                      <m:t>𝜇</m:t>
-                                    </m:r>
-                                  </m:e>
-                                  <m:sub>
-                                    <m:r>
-                                      <a:rPr lang="ar-AE">
-                                        <a:latin typeface="Cambria Math" panose="02040503050406030204" pitchFamily="18" charset="0"/>
-                                      </a:rPr>
-                                      <m:t>2</m:t>
-                                    </m:r>
-                                  </m:sub>
-                                </m:sSub>
-                              </m:e>
-                            </m:mr>
-                            <m:mr>
-                              <m:e>
-                                <m:r>
-                                  <a:rPr lang="ar-AE">
-                                    <a:latin typeface="Cambria Math" panose="02040503050406030204" pitchFamily="18" charset="0"/>
-                                  </a:rPr>
-                                  <m:t>⋮</m:t>
-                                </m:r>
-                              </m:e>
-                            </m:mr>
-                            <m:mr>
-                              <m:e>
-                                <m:sSub>
-                                  <m:sSubPr>
-                                    <m:ctrlPr>
-                                      <a:rPr lang="ar-AE" i="1">
-                                        <a:latin typeface="Cambria Math" panose="02040503050406030204" pitchFamily="18" charset="0"/>
-                                      </a:rPr>
-                                    </m:ctrlPr>
-                                  </m:sSubPr>
-                                  <m:e>
-                                    <m:r>
-                                      <a:rPr lang="ar-AE">
-                                        <a:latin typeface="Cambria Math" panose="02040503050406030204" pitchFamily="18" charset="0"/>
-                                      </a:rPr>
-                                      <m:t>𝜇</m:t>
-                                    </m:r>
-                                  </m:e>
-                                  <m:sub>
-                                    <m:r>
-                                      <a:rPr lang="ar-AE">
-                                        <a:latin typeface="Cambria Math" panose="02040503050406030204" pitchFamily="18" charset="0"/>
-                                      </a:rPr>
-                                      <m:t>𝑛</m:t>
                                     </m:r>
                                   </m:sub>
                                 </m:sSub>
@@ -8359,8 +8230,8 @@
           </a:p>
         </p:txBody>
       </p:sp>
-      <mc:AlternateContent xmlns:mc="http://schemas.openxmlformats.org/markup-compatibility/2006">
-        <mc:Choice xmlns:a14="http://schemas.microsoft.com/office/drawing/2010/main" Requires="a14">
+      <mc:AlternateContent xmlns:mc="http://schemas.openxmlformats.org/markup-compatibility/2006" xmlns:a14="http://schemas.microsoft.com/office/drawing/2010/main">
+        <mc:Choice Requires="a14">
           <p:sp>
             <p:nvSpPr>
               <p:cNvPr id="3" name="Content Placeholder 2"/>
@@ -9390,7 +9261,7 @@
             </p:txBody>
           </p:sp>
         </mc:Choice>
-        <mc:Fallback>
+        <mc:Fallback xmlns="">
           <p:sp>
             <p:nvSpPr>
               <p:cNvPr id="3" name="Content Placeholder 2"/>
@@ -14136,13 +14007,14 @@
               <a:buNone/>
             </a:pPr>
             <a:r>
+              <a:rPr dirty="0"/>
               <a:t>Working with Categorical Variables</a:t>
             </a:r>
           </a:p>
         </p:txBody>
       </p:sp>
-      <mc:AlternateContent xmlns:mc="http://schemas.openxmlformats.org/markup-compatibility/2006">
-        <mc:Choice xmlns:a14="http://schemas.microsoft.com/office/drawing/2010/main" Requires="a14">
+      <mc:AlternateContent xmlns:mc="http://schemas.openxmlformats.org/markup-compatibility/2006" xmlns:a14="http://schemas.microsoft.com/office/drawing/2010/main">
+        <mc:Choice Requires="a14">
           <p:sp>
             <p:nvSpPr>
               <p:cNvPr id="3" name="Content Placeholder 2">
@@ -14244,14 +14116,14 @@
               <a:p>
                 <a:r>
                   <a:rPr lang="en-US" dirty="0"/>
-                  <a:t>Example: adjust for the road type for auto safety study</a:t>
+                  <a:t>Example: adjust for the accident characteristics in auto safety study</a:t>
                 </a:r>
                 <a:endParaRPr dirty="0"/>
               </a:p>
             </p:txBody>
           </p:sp>
         </mc:Choice>
-        <mc:Fallback>
+        <mc:Fallback xmlns="">
           <p:sp>
             <p:nvSpPr>
               <p:cNvPr id="3" name="Content Placeholder 2">
@@ -14276,7 +14148,7 @@
               <a:blipFill>
                 <a:blip r:embed="rId2"/>
                 <a:stretch>
-                  <a:fillRect l="-1111" t="-1305" r="-593"/>
+                  <a:fillRect l="-1111" t="-1305" r="-593" b="-1142"/>
                 </a:stretch>
               </a:blipFill>
             </p:spPr>
@@ -14844,7 +14716,7 @@
           <a:p>
             <a:r>
               <a:rPr lang="en-US" sz="2000" dirty="0"/>
-              <a:t>We have eliminated the effect of fuel type</a:t>
+              <a:t>We have adjusted for the effect of fuel type</a:t>
             </a:r>
           </a:p>
           <a:p>
@@ -14896,6 +14768,134 @@
   <p:clrMapOvr>
     <a:masterClrMapping/>
   </p:clrMapOvr>
+  <p:timing>
+    <p:tnLst>
+      <p:par>
+        <p:cTn id="1" dur="indefinite" restart="never" nodeType="tmRoot">
+          <p:childTnLst>
+            <p:seq concurrent="1" nextAc="seek">
+              <p:cTn id="2" dur="indefinite" nodeType="mainSeq">
+                <p:childTnLst>
+                  <p:par>
+                    <p:cTn id="3" fill="hold">
+                      <p:stCondLst>
+                        <p:cond delay="indefinite"/>
+                      </p:stCondLst>
+                      <p:childTnLst>
+                        <p:par>
+                          <p:cTn id="4" fill="hold">
+                            <p:stCondLst>
+                              <p:cond delay="0"/>
+                            </p:stCondLst>
+                            <p:childTnLst>
+                              <p:par>
+                                <p:cTn id="5" presetID="1" presetClass="entr" presetSubtype="0" fill="hold" nodeType="clickEffect">
+                                  <p:stCondLst>
+                                    <p:cond delay="0"/>
+                                  </p:stCondLst>
+                                  <p:childTnLst>
+                                    <p:set>
+                                      <p:cBhvr>
+                                        <p:cTn id="6" dur="1" fill="hold">
+                                          <p:stCondLst>
+                                            <p:cond delay="0"/>
+                                          </p:stCondLst>
+                                        </p:cTn>
+                                        <p:tgtEl>
+                                          <p:spTgt spid="12">
+                                            <p:txEl>
+                                              <p:pRg st="4" end="4"/>
+                                            </p:txEl>
+                                          </p:spTgt>
+                                        </p:tgtEl>
+                                        <p:attrNameLst>
+                                          <p:attrName>style.visibility</p:attrName>
+                                        </p:attrNameLst>
+                                      </p:cBhvr>
+                                      <p:to>
+                                        <p:strVal val="visible"/>
+                                      </p:to>
+                                    </p:set>
+                                  </p:childTnLst>
+                                </p:cTn>
+                              </p:par>
+                            </p:childTnLst>
+                          </p:cTn>
+                        </p:par>
+                      </p:childTnLst>
+                    </p:cTn>
+                  </p:par>
+                  <p:par>
+                    <p:cTn id="7" fill="hold">
+                      <p:stCondLst>
+                        <p:cond delay="indefinite"/>
+                      </p:stCondLst>
+                      <p:childTnLst>
+                        <p:par>
+                          <p:cTn id="8" fill="hold">
+                            <p:stCondLst>
+                              <p:cond delay="0"/>
+                            </p:stCondLst>
+                            <p:childTnLst>
+                              <p:par>
+                                <p:cTn id="9" presetID="1" presetClass="entr" presetSubtype="0" fill="hold" nodeType="clickEffect">
+                                  <p:stCondLst>
+                                    <p:cond delay="0"/>
+                                  </p:stCondLst>
+                                  <p:childTnLst>
+                                    <p:set>
+                                      <p:cBhvr>
+                                        <p:cTn id="10" dur="1" fill="hold">
+                                          <p:stCondLst>
+                                            <p:cond delay="0"/>
+                                          </p:stCondLst>
+                                        </p:cTn>
+                                        <p:tgtEl>
+                                          <p:spTgt spid="12">
+                                            <p:txEl>
+                                              <p:pRg st="5" end="5"/>
+                                            </p:txEl>
+                                          </p:spTgt>
+                                        </p:tgtEl>
+                                        <p:attrNameLst>
+                                          <p:attrName>style.visibility</p:attrName>
+                                        </p:attrNameLst>
+                                      </p:cBhvr>
+                                      <p:to>
+                                        <p:strVal val="visible"/>
+                                      </p:to>
+                                    </p:set>
+                                  </p:childTnLst>
+                                </p:cTn>
+                              </p:par>
+                            </p:childTnLst>
+                          </p:cTn>
+                        </p:par>
+                      </p:childTnLst>
+                    </p:cTn>
+                  </p:par>
+                </p:childTnLst>
+              </p:cTn>
+              <p:prevCondLst>
+                <p:cond evt="onPrev" delay="0">
+                  <p:tgtEl>
+                    <p:sldTgt/>
+                  </p:tgtEl>
+                </p:cond>
+              </p:prevCondLst>
+              <p:nextCondLst>
+                <p:cond evt="onNext" delay="0">
+                  <p:tgtEl>
+                    <p:sldTgt/>
+                  </p:tgtEl>
+                </p:cond>
+              </p:nextCondLst>
+            </p:seq>
+          </p:childTnLst>
+        </p:cTn>
+      </p:par>
+    </p:tnLst>
+  </p:timing>
 </p:sld>
 </file>
 
@@ -26468,6 +26468,70 @@
   <p:cSld>
     <p:spTree>
       <p:nvGrpSpPr>
+        <p:cNvPr id="1" name="">
+          <a:extLst>
+            <a:ext uri="{FF2B5EF4-FFF2-40B4-BE49-F238E27FC236}">
+              <a16:creationId xmlns:a16="http://schemas.microsoft.com/office/drawing/2014/main" id="{DB198EF2-2277-4A29-E2C1-5B4166CB7332}"/>
+            </a:ext>
+          </a:extLst>
+        </p:cNvPr>
+        <p:cNvGrpSpPr/>
+        <p:nvPr/>
+      </p:nvGrpSpPr>
+      <p:grpSpPr>
+        <a:xfrm>
+          <a:off x="0" y="0"/>
+          <a:ext cx="0" cy="0"/>
+          <a:chOff x="0" y="0"/>
+          <a:chExt cx="0" cy="0"/>
+        </a:xfrm>
+      </p:grpSpPr>
+      <p:sp>
+        <p:nvSpPr>
+          <p:cNvPr id="2" name="Title 1">
+            <a:extLst>
+              <a:ext uri="{FF2B5EF4-FFF2-40B4-BE49-F238E27FC236}">
+                <a16:creationId xmlns:a16="http://schemas.microsoft.com/office/drawing/2014/main" id="{429D6C5D-1D2F-653A-7673-AD10C27DA35F}"/>
+              </a:ext>
+            </a:extLst>
+          </p:cNvPr>
+          <p:cNvSpPr>
+            <a:spLocks noGrp="1"/>
+          </p:cNvSpPr>
+          <p:nvPr>
+            <p:ph type="ctrTitle"/>
+          </p:nvPr>
+        </p:nvSpPr>
+        <p:spPr/>
+        <p:txBody>
+          <a:bodyPr/>
+          <a:lstStyle/>
+          <a:p>
+            <a:r>
+              <a:rPr lang="en-US" dirty="0"/>
+              <a:t>Evaluation of Classifiers</a:t>
+            </a:r>
+          </a:p>
+        </p:txBody>
+      </p:sp>
+    </p:spTree>
+    <p:extLst>
+      <p:ext uri="{BB962C8B-B14F-4D97-AF65-F5344CB8AC3E}">
+        <p14:creationId xmlns:p14="http://schemas.microsoft.com/office/powerpoint/2010/main" val="107803866"/>
+      </p:ext>
+    </p:extLst>
+  </p:cSld>
+  <p:clrMapOvr>
+    <a:masterClrMapping/>
+  </p:clrMapOvr>
+</p:sld>
+</file>
+
+<file path=ppt/slides/slide35.xml><?xml version="1.0" encoding="utf-8"?>
+<p:sld xmlns:a="http://schemas.openxmlformats.org/drawingml/2006/main" xmlns:r="http://schemas.openxmlformats.org/officeDocument/2006/relationships" xmlns:p="http://schemas.openxmlformats.org/presentationml/2006/main">
+  <p:cSld>
+    <p:spTree>
+      <p:nvGrpSpPr>
         <p:cNvPr id="1" name=""/>
         <p:cNvGrpSpPr/>
         <p:nvPr/>
@@ -27150,7 +27214,7 @@
 </p:sld>
 </file>
 
-<file path=ppt/slides/slide35.xml><?xml version="1.0" encoding="utf-8"?>
+<file path=ppt/slides/slide36.xml><?xml version="1.0" encoding="utf-8"?>
 <p:sld xmlns:a="http://schemas.openxmlformats.org/drawingml/2006/main" xmlns:r="http://schemas.openxmlformats.org/officeDocument/2006/relationships" xmlns:p="http://schemas.openxmlformats.org/presentationml/2006/main">
   <p:cSld>
     <p:spTree>
@@ -27782,7 +27846,71 @@
 </p:sld>
 </file>
 
-<file path=ppt/slides/slide36.xml><?xml version="1.0" encoding="utf-8"?>
+<file path=ppt/slides/slide37.xml><?xml version="1.0" encoding="utf-8"?>
+<p:sld xmlns:a="http://schemas.openxmlformats.org/drawingml/2006/main" xmlns:r="http://schemas.openxmlformats.org/officeDocument/2006/relationships" xmlns:p="http://schemas.openxmlformats.org/presentationml/2006/main">
+  <p:cSld>
+    <p:spTree>
+      <p:nvGrpSpPr>
+        <p:cNvPr id="1" name="">
+          <a:extLst>
+            <a:ext uri="{FF2B5EF4-FFF2-40B4-BE49-F238E27FC236}">
+              <a16:creationId xmlns:a16="http://schemas.microsoft.com/office/drawing/2014/main" id="{EDC97D13-957C-D3E5-BA0B-5EE0C9A1D3BD}"/>
+            </a:ext>
+          </a:extLst>
+        </p:cNvPr>
+        <p:cNvGrpSpPr/>
+        <p:nvPr/>
+      </p:nvGrpSpPr>
+      <p:grpSpPr>
+        <a:xfrm>
+          <a:off x="0" y="0"/>
+          <a:ext cx="0" cy="0"/>
+          <a:chOff x="0" y="0"/>
+          <a:chExt cx="0" cy="0"/>
+        </a:xfrm>
+      </p:grpSpPr>
+      <p:sp>
+        <p:nvSpPr>
+          <p:cNvPr id="2" name="Title 1">
+            <a:extLst>
+              <a:ext uri="{FF2B5EF4-FFF2-40B4-BE49-F238E27FC236}">
+                <a16:creationId xmlns:a16="http://schemas.microsoft.com/office/drawing/2014/main" id="{58E5AE82-EBA8-387C-32E4-D276F05B3F8F}"/>
+              </a:ext>
+            </a:extLst>
+          </p:cNvPr>
+          <p:cNvSpPr>
+            <a:spLocks noGrp="1"/>
+          </p:cNvSpPr>
+          <p:nvPr>
+            <p:ph type="ctrTitle"/>
+          </p:nvPr>
+        </p:nvSpPr>
+        <p:spPr/>
+        <p:txBody>
+          <a:bodyPr/>
+          <a:lstStyle/>
+          <a:p>
+            <a:r>
+              <a:rPr lang="en-US" dirty="0"/>
+              <a:t>Example: Logistic Regression </a:t>
+            </a:r>
+          </a:p>
+        </p:txBody>
+      </p:sp>
+    </p:spTree>
+    <p:extLst>
+      <p:ext uri="{BB962C8B-B14F-4D97-AF65-F5344CB8AC3E}">
+        <p14:creationId xmlns:p14="http://schemas.microsoft.com/office/powerpoint/2010/main" val="3471828277"/>
+      </p:ext>
+    </p:extLst>
+  </p:cSld>
+  <p:clrMapOvr>
+    <a:masterClrMapping/>
+  </p:clrMapOvr>
+</p:sld>
+</file>
+
+<file path=ppt/slides/slide38.xml><?xml version="1.0" encoding="utf-8"?>
 <p:sld xmlns:a="http://schemas.openxmlformats.org/drawingml/2006/main" xmlns:r="http://schemas.openxmlformats.org/officeDocument/2006/relationships" xmlns:p="http://schemas.openxmlformats.org/presentationml/2006/main">
   <p:cSld>
     <p:spTree>
@@ -28173,7 +28301,7 @@
 </p:sld>
 </file>
 
-<file path=ppt/slides/slide37.xml><?xml version="1.0" encoding="utf-8"?>
+<file path=ppt/slides/slide39.xml><?xml version="1.0" encoding="utf-8"?>
 <p:sld xmlns:a="http://schemas.openxmlformats.org/drawingml/2006/main" xmlns:r="http://schemas.openxmlformats.org/officeDocument/2006/relationships" xmlns:p="http://schemas.openxmlformats.org/presentationml/2006/main">
   <p:cSld>
     <p:spTree>
@@ -29272,7 +29400,603 @@
 </p:sld>
 </file>
 
-<file path=ppt/slides/slide38.xml><?xml version="1.0" encoding="utf-8"?>
+<file path=ppt/slides/slide4.xml><?xml version="1.0" encoding="utf-8"?>
+<p:sld xmlns:a="http://schemas.openxmlformats.org/drawingml/2006/main" xmlns:r="http://schemas.openxmlformats.org/officeDocument/2006/relationships" xmlns:p="http://schemas.openxmlformats.org/presentationml/2006/main">
+  <p:cSld>
+    <p:spTree>
+      <p:nvGrpSpPr>
+        <p:cNvPr id="1" name=""/>
+        <p:cNvGrpSpPr/>
+        <p:nvPr/>
+      </p:nvGrpSpPr>
+      <p:grpSpPr>
+        <a:xfrm>
+          <a:off x="0" y="0"/>
+          <a:ext cx="0" cy="0"/>
+          <a:chOff x="0" y="0"/>
+          <a:chExt cx="0" cy="0"/>
+        </a:xfrm>
+      </p:grpSpPr>
+      <p:sp>
+        <p:nvSpPr>
+          <p:cNvPr id="2" name="Title 1"/>
+          <p:cNvSpPr>
+            <a:spLocks noGrp="1"/>
+          </p:cNvSpPr>
+          <p:nvPr>
+            <p:ph type="title"/>
+          </p:nvPr>
+        </p:nvSpPr>
+        <p:spPr/>
+        <p:txBody>
+          <a:bodyPr/>
+          <a:lstStyle/>
+          <a:p>
+            <a:pPr marL="0" lvl="0" indent="0">
+              <a:buNone/>
+            </a:pPr>
+            <a:r>
+              <a:rPr dirty="0"/>
+              <a:t>Review</a:t>
+            </a:r>
+          </a:p>
+        </p:txBody>
+      </p:sp>
+      <p:sp>
+        <p:nvSpPr>
+          <p:cNvPr id="3" name="Content Placeholder 2"/>
+          <p:cNvSpPr>
+            <a:spLocks noGrp="1"/>
+          </p:cNvSpPr>
+          <p:nvPr>
+            <p:ph idx="1"/>
+          </p:nvPr>
+        </p:nvSpPr>
+        <p:spPr>
+          <a:xfrm>
+            <a:off x="457200" y="1200151"/>
+            <a:ext cx="8229600" cy="3737370"/>
+          </a:xfrm>
+        </p:spPr>
+        <p:txBody>
+          <a:bodyPr>
+            <a:normAutofit fontScale="85000" lnSpcReduction="20000"/>
+          </a:bodyPr>
+          <a:lstStyle/>
+          <a:p>
+            <a:pPr marL="0" lvl="0" indent="0">
+              <a:buNone/>
+            </a:pPr>
+            <a:r>
+              <a:rPr dirty="0"/>
+              <a:t>When evaluating any machine learning model consider </a:t>
+            </a:r>
+            <a:r>
+              <a:rPr b="1" dirty="0"/>
+              <a:t>all evaluation methods available</a:t>
+            </a:r>
+          </a:p>
+          <a:p>
+            <a:pPr lvl="0"/>
+            <a:r>
+              <a:rPr dirty="0"/>
+              <a:t>No one method best all of the time</a:t>
+            </a:r>
+          </a:p>
+          <a:p>
+            <a:pPr lvl="0"/>
+            <a:r>
+              <a:rPr lang="en-US" dirty="0"/>
+              <a:t>Test for h</a:t>
+            </a:r>
+            <a:r>
+              <a:rPr dirty="0"/>
+              <a:t>omoscedastic Normally distributed residuals</a:t>
+            </a:r>
+            <a:endParaRPr lang="en-US" dirty="0"/>
+          </a:p>
+          <a:p>
+            <a:pPr lvl="1"/>
+            <a:r>
+              <a:rPr lang="en-US" dirty="0"/>
+              <a:t>Residual Plots</a:t>
+            </a:r>
+          </a:p>
+          <a:p>
+            <a:pPr lvl="1"/>
+            <a:r>
+              <a:rPr lang="en-US" dirty="0"/>
+              <a:t>Formal tests – Omnibus, Jarque-Bera, etc. </a:t>
+            </a:r>
+            <a:endParaRPr dirty="0"/>
+          </a:p>
+          <a:p>
+            <a:pPr lvl="0"/>
+            <a:r>
+              <a:rPr lang="en-US" dirty="0"/>
+              <a:t>Are</a:t>
+            </a:r>
+            <a:r>
+              <a:rPr dirty="0"/>
+              <a:t> model and its coefficients </a:t>
+            </a:r>
+            <a:r>
+              <a:rPr lang="en-US" dirty="0"/>
+              <a:t>statistically </a:t>
+            </a:r>
+            <a:r>
+              <a:rPr dirty="0"/>
+              <a:t>significant?</a:t>
+            </a:r>
+          </a:p>
+          <a:p>
+            <a:pPr lvl="1"/>
+            <a:r>
+              <a:rPr dirty="0"/>
+              <a:t>F</a:t>
+            </a:r>
+            <a:r>
+              <a:rPr lang="en-US" dirty="0"/>
+              <a:t>-</a:t>
+            </a:r>
+            <a:r>
+              <a:rPr dirty="0"/>
+              <a:t>test </a:t>
+            </a:r>
+            <a:r>
+              <a:rPr lang="en-US" dirty="0"/>
+              <a:t>on model significance</a:t>
+            </a:r>
+            <a:endParaRPr dirty="0"/>
+          </a:p>
+          <a:p>
+            <a:pPr lvl="1"/>
+            <a:r>
+              <a:rPr dirty="0"/>
+              <a:t>t-test on model parameter </a:t>
+            </a:r>
+            <a:r>
+              <a:rPr lang="en-US" dirty="0"/>
+              <a:t>significance</a:t>
+            </a:r>
+            <a:endParaRPr dirty="0"/>
+          </a:p>
+          <a:p>
+            <a:pPr lvl="0"/>
+            <a:r>
+              <a:rPr b="1" dirty="0"/>
+              <a:t>Different methods highlight different problems</a:t>
+            </a:r>
+            <a:r>
+              <a:rPr dirty="0"/>
+              <a:t> with your model</a:t>
+            </a:r>
+          </a:p>
+          <a:p>
+            <a:pPr lvl="0"/>
+            <a:r>
+              <a:rPr dirty="0"/>
+              <a:t>Don’t forget to check that the </a:t>
+            </a:r>
+            <a:r>
+              <a:rPr b="1" dirty="0"/>
+              <a:t>model must make sense</a:t>
+            </a:r>
+            <a:r>
+              <a:rPr dirty="0"/>
+              <a:t> for your application!</a:t>
+            </a:r>
+          </a:p>
+        </p:txBody>
+      </p:sp>
+    </p:spTree>
+  </p:cSld>
+  <p:clrMapOvr>
+    <a:masterClrMapping/>
+  </p:clrMapOvr>
+  <p:timing>
+    <p:tnLst>
+      <p:par>
+        <p:cTn id="1" dur="indefinite" restart="never" nodeType="tmRoot">
+          <p:childTnLst>
+            <p:seq concurrent="1" nextAc="seek">
+              <p:cTn id="2" dur="indefinite" nodeType="mainSeq">
+                <p:childTnLst>
+                  <p:par>
+                    <p:cTn id="3" fill="hold">
+                      <p:stCondLst>
+                        <p:cond delay="indefinite"/>
+                      </p:stCondLst>
+                      <p:childTnLst>
+                        <p:par>
+                          <p:cTn id="4" fill="hold">
+                            <p:stCondLst>
+                              <p:cond delay="0"/>
+                            </p:stCondLst>
+                            <p:childTnLst>
+                              <p:par>
+                                <p:cTn id="5" presetID="1" presetClass="entr" presetSubtype="0" fill="hold" nodeType="clickEffect">
+                                  <p:stCondLst>
+                                    <p:cond delay="0"/>
+                                  </p:stCondLst>
+                                  <p:childTnLst>
+                                    <p:set>
+                                      <p:cBhvr>
+                                        <p:cTn id="6" dur="1" fill="hold">
+                                          <p:stCondLst>
+                                            <p:cond delay="0"/>
+                                          </p:stCondLst>
+                                        </p:cTn>
+                                        <p:tgtEl>
+                                          <p:spTgt spid="3">
+                                            <p:txEl>
+                                              <p:pRg st="1" end="1"/>
+                                            </p:txEl>
+                                          </p:spTgt>
+                                        </p:tgtEl>
+                                        <p:attrNameLst>
+                                          <p:attrName>style.visibility</p:attrName>
+                                        </p:attrNameLst>
+                                      </p:cBhvr>
+                                      <p:to>
+                                        <p:strVal val="visible"/>
+                                      </p:to>
+                                    </p:set>
+                                  </p:childTnLst>
+                                </p:cTn>
+                              </p:par>
+                            </p:childTnLst>
+                          </p:cTn>
+                        </p:par>
+                      </p:childTnLst>
+                    </p:cTn>
+                  </p:par>
+                  <p:par>
+                    <p:cTn id="7" fill="hold">
+                      <p:stCondLst>
+                        <p:cond delay="indefinite"/>
+                      </p:stCondLst>
+                      <p:childTnLst>
+                        <p:par>
+                          <p:cTn id="8" fill="hold">
+                            <p:stCondLst>
+                              <p:cond delay="0"/>
+                            </p:stCondLst>
+                            <p:childTnLst>
+                              <p:par>
+                                <p:cTn id="9" presetID="1" presetClass="entr" presetSubtype="0" fill="hold" nodeType="clickEffect">
+                                  <p:stCondLst>
+                                    <p:cond delay="0"/>
+                                  </p:stCondLst>
+                                  <p:childTnLst>
+                                    <p:set>
+                                      <p:cBhvr>
+                                        <p:cTn id="10" dur="1" fill="hold">
+                                          <p:stCondLst>
+                                            <p:cond delay="0"/>
+                                          </p:stCondLst>
+                                        </p:cTn>
+                                        <p:tgtEl>
+                                          <p:spTgt spid="3">
+                                            <p:txEl>
+                                              <p:pRg st="2" end="2"/>
+                                            </p:txEl>
+                                          </p:spTgt>
+                                        </p:tgtEl>
+                                        <p:attrNameLst>
+                                          <p:attrName>style.visibility</p:attrName>
+                                        </p:attrNameLst>
+                                      </p:cBhvr>
+                                      <p:to>
+                                        <p:strVal val="visible"/>
+                                      </p:to>
+                                    </p:set>
+                                  </p:childTnLst>
+                                </p:cTn>
+                              </p:par>
+                              <p:par>
+                                <p:cTn id="11" presetID="1" presetClass="entr" presetSubtype="0" fill="hold" nodeType="withEffect">
+                                  <p:stCondLst>
+                                    <p:cond delay="0"/>
+                                  </p:stCondLst>
+                                  <p:childTnLst>
+                                    <p:set>
+                                      <p:cBhvr>
+                                        <p:cTn id="12" dur="1" fill="hold">
+                                          <p:stCondLst>
+                                            <p:cond delay="0"/>
+                                          </p:stCondLst>
+                                        </p:cTn>
+                                        <p:tgtEl>
+                                          <p:spTgt spid="3">
+                                            <p:txEl>
+                                              <p:pRg st="3" end="3"/>
+                                            </p:txEl>
+                                          </p:spTgt>
+                                        </p:tgtEl>
+                                        <p:attrNameLst>
+                                          <p:attrName>style.visibility</p:attrName>
+                                        </p:attrNameLst>
+                                      </p:cBhvr>
+                                      <p:to>
+                                        <p:strVal val="visible"/>
+                                      </p:to>
+                                    </p:set>
+                                  </p:childTnLst>
+                                </p:cTn>
+                              </p:par>
+                              <p:par>
+                                <p:cTn id="13" presetID="1" presetClass="entr" presetSubtype="0" fill="hold" nodeType="withEffect">
+                                  <p:stCondLst>
+                                    <p:cond delay="0"/>
+                                  </p:stCondLst>
+                                  <p:childTnLst>
+                                    <p:set>
+                                      <p:cBhvr>
+                                        <p:cTn id="14" dur="1" fill="hold">
+                                          <p:stCondLst>
+                                            <p:cond delay="0"/>
+                                          </p:stCondLst>
+                                        </p:cTn>
+                                        <p:tgtEl>
+                                          <p:spTgt spid="3">
+                                            <p:txEl>
+                                              <p:pRg st="4" end="4"/>
+                                            </p:txEl>
+                                          </p:spTgt>
+                                        </p:tgtEl>
+                                        <p:attrNameLst>
+                                          <p:attrName>style.visibility</p:attrName>
+                                        </p:attrNameLst>
+                                      </p:cBhvr>
+                                      <p:to>
+                                        <p:strVal val="visible"/>
+                                      </p:to>
+                                    </p:set>
+                                  </p:childTnLst>
+                                </p:cTn>
+                              </p:par>
+                            </p:childTnLst>
+                          </p:cTn>
+                        </p:par>
+                      </p:childTnLst>
+                    </p:cTn>
+                  </p:par>
+                  <p:par>
+                    <p:cTn id="15" fill="hold">
+                      <p:stCondLst>
+                        <p:cond delay="indefinite"/>
+                      </p:stCondLst>
+                      <p:childTnLst>
+                        <p:par>
+                          <p:cTn id="16" fill="hold">
+                            <p:stCondLst>
+                              <p:cond delay="0"/>
+                            </p:stCondLst>
+                            <p:childTnLst>
+                              <p:par>
+                                <p:cTn id="17" presetID="1" presetClass="entr" presetSubtype="0" fill="hold" nodeType="clickEffect">
+                                  <p:stCondLst>
+                                    <p:cond delay="0"/>
+                                  </p:stCondLst>
+                                  <p:childTnLst>
+                                    <p:set>
+                                      <p:cBhvr>
+                                        <p:cTn id="18" dur="1" fill="hold">
+                                          <p:stCondLst>
+                                            <p:cond delay="0"/>
+                                          </p:stCondLst>
+                                        </p:cTn>
+                                        <p:tgtEl>
+                                          <p:spTgt spid="3">
+                                            <p:txEl>
+                                              <p:pRg st="5" end="5"/>
+                                            </p:txEl>
+                                          </p:spTgt>
+                                        </p:tgtEl>
+                                        <p:attrNameLst>
+                                          <p:attrName>style.visibility</p:attrName>
+                                        </p:attrNameLst>
+                                      </p:cBhvr>
+                                      <p:to>
+                                        <p:strVal val="visible"/>
+                                      </p:to>
+                                    </p:set>
+                                  </p:childTnLst>
+                                </p:cTn>
+                              </p:par>
+                              <p:par>
+                                <p:cTn id="19" presetID="1" presetClass="entr" presetSubtype="0" fill="hold" nodeType="withEffect">
+                                  <p:stCondLst>
+                                    <p:cond delay="0"/>
+                                  </p:stCondLst>
+                                  <p:childTnLst>
+                                    <p:set>
+                                      <p:cBhvr>
+                                        <p:cTn id="20" dur="1" fill="hold">
+                                          <p:stCondLst>
+                                            <p:cond delay="0"/>
+                                          </p:stCondLst>
+                                        </p:cTn>
+                                        <p:tgtEl>
+                                          <p:spTgt spid="3">
+                                            <p:txEl>
+                                              <p:pRg st="6" end="6"/>
+                                            </p:txEl>
+                                          </p:spTgt>
+                                        </p:tgtEl>
+                                        <p:attrNameLst>
+                                          <p:attrName>style.visibility</p:attrName>
+                                        </p:attrNameLst>
+                                      </p:cBhvr>
+                                      <p:to>
+                                        <p:strVal val="visible"/>
+                                      </p:to>
+                                    </p:set>
+                                  </p:childTnLst>
+                                </p:cTn>
+                              </p:par>
+                              <p:par>
+                                <p:cTn id="21" presetID="1" presetClass="entr" presetSubtype="0" fill="hold" nodeType="withEffect">
+                                  <p:stCondLst>
+                                    <p:cond delay="0"/>
+                                  </p:stCondLst>
+                                  <p:childTnLst>
+                                    <p:set>
+                                      <p:cBhvr>
+                                        <p:cTn id="22" dur="1" fill="hold">
+                                          <p:stCondLst>
+                                            <p:cond delay="0"/>
+                                          </p:stCondLst>
+                                        </p:cTn>
+                                        <p:tgtEl>
+                                          <p:spTgt spid="3">
+                                            <p:txEl>
+                                              <p:pRg st="7" end="7"/>
+                                            </p:txEl>
+                                          </p:spTgt>
+                                        </p:tgtEl>
+                                        <p:attrNameLst>
+                                          <p:attrName>style.visibility</p:attrName>
+                                        </p:attrNameLst>
+                                      </p:cBhvr>
+                                      <p:to>
+                                        <p:strVal val="visible"/>
+                                      </p:to>
+                                    </p:set>
+                                  </p:childTnLst>
+                                </p:cTn>
+                              </p:par>
+                            </p:childTnLst>
+                          </p:cTn>
+                        </p:par>
+                      </p:childTnLst>
+                    </p:cTn>
+                  </p:par>
+                  <p:par>
+                    <p:cTn id="23" fill="hold">
+                      <p:stCondLst>
+                        <p:cond delay="indefinite"/>
+                      </p:stCondLst>
+                      <p:childTnLst>
+                        <p:par>
+                          <p:cTn id="24" fill="hold">
+                            <p:stCondLst>
+                              <p:cond delay="0"/>
+                            </p:stCondLst>
+                            <p:childTnLst>
+                              <p:par>
+                                <p:cTn id="25" presetID="1" presetClass="entr" presetSubtype="0" fill="hold" nodeType="clickEffect">
+                                  <p:stCondLst>
+                                    <p:cond delay="0"/>
+                                  </p:stCondLst>
+                                  <p:childTnLst>
+                                    <p:set>
+                                      <p:cBhvr>
+                                        <p:cTn id="26" dur="1" fill="hold">
+                                          <p:stCondLst>
+                                            <p:cond delay="0"/>
+                                          </p:stCondLst>
+                                        </p:cTn>
+                                        <p:tgtEl>
+                                          <p:spTgt spid="3">
+                                            <p:txEl>
+                                              <p:pRg st="8" end="8"/>
+                                            </p:txEl>
+                                          </p:spTgt>
+                                        </p:tgtEl>
+                                        <p:attrNameLst>
+                                          <p:attrName>style.visibility</p:attrName>
+                                        </p:attrNameLst>
+                                      </p:cBhvr>
+                                      <p:to>
+                                        <p:strVal val="visible"/>
+                                      </p:to>
+                                    </p:set>
+                                  </p:childTnLst>
+                                </p:cTn>
+                              </p:par>
+                            </p:childTnLst>
+                          </p:cTn>
+                        </p:par>
+                      </p:childTnLst>
+                    </p:cTn>
+                  </p:par>
+                  <p:par>
+                    <p:cTn id="27" fill="hold">
+                      <p:stCondLst>
+                        <p:cond delay="indefinite"/>
+                      </p:stCondLst>
+                      <p:childTnLst>
+                        <p:par>
+                          <p:cTn id="28" fill="hold">
+                            <p:stCondLst>
+                              <p:cond delay="0"/>
+                            </p:stCondLst>
+                            <p:childTnLst>
+                              <p:par>
+                                <p:cTn id="29" presetID="1" presetClass="entr" presetSubtype="0" fill="hold" nodeType="clickEffect">
+                                  <p:stCondLst>
+                                    <p:cond delay="0"/>
+                                  </p:stCondLst>
+                                  <p:childTnLst>
+                                    <p:set>
+                                      <p:cBhvr>
+                                        <p:cTn id="30" dur="1" fill="hold">
+                                          <p:stCondLst>
+                                            <p:cond delay="0"/>
+                                          </p:stCondLst>
+                                        </p:cTn>
+                                        <p:tgtEl>
+                                          <p:spTgt spid="3">
+                                            <p:txEl>
+                                              <p:pRg st="9" end="9"/>
+                                            </p:txEl>
+                                          </p:spTgt>
+                                        </p:tgtEl>
+                                        <p:attrNameLst>
+                                          <p:attrName>style.visibility</p:attrName>
+                                        </p:attrNameLst>
+                                      </p:cBhvr>
+                                      <p:to>
+                                        <p:strVal val="visible"/>
+                                      </p:to>
+                                    </p:set>
+                                  </p:childTnLst>
+                                </p:cTn>
+                              </p:par>
+                            </p:childTnLst>
+                          </p:cTn>
+                        </p:par>
+                      </p:childTnLst>
+                    </p:cTn>
+                  </p:par>
+                </p:childTnLst>
+              </p:cTn>
+              <p:prevCondLst>
+                <p:cond evt="onPrev" delay="0">
+                  <p:tgtEl>
+                    <p:sldTgt/>
+                  </p:tgtEl>
+                </p:cond>
+              </p:prevCondLst>
+              <p:nextCondLst>
+                <p:cond evt="onNext" delay="0">
+                  <p:tgtEl>
+                    <p:sldTgt/>
+                  </p:tgtEl>
+                </p:cond>
+              </p:nextCondLst>
+            </p:seq>
+          </p:childTnLst>
+        </p:cTn>
+      </p:par>
+    </p:tnLst>
+  </p:timing>
+</p:sld>
+</file>
+
+<file path=ppt/slides/slide40.xml><?xml version="1.0" encoding="utf-8"?>
 <p:sld xmlns:a="http://schemas.openxmlformats.org/drawingml/2006/main" xmlns:r="http://schemas.openxmlformats.org/officeDocument/2006/relationships" xmlns:p="http://schemas.openxmlformats.org/presentationml/2006/main">
   <p:cSld>
     <p:spTree>
@@ -29841,7 +30565,7 @@
 </p:sld>
 </file>
 
-<file path=ppt/slides/slide39.xml><?xml version="1.0" encoding="utf-8"?>
+<file path=ppt/slides/slide41.xml><?xml version="1.0" encoding="utf-8"?>
 <p:sld xmlns:a="http://schemas.openxmlformats.org/drawingml/2006/main" xmlns:r="http://schemas.openxmlformats.org/officeDocument/2006/relationships" xmlns:p="http://schemas.openxmlformats.org/presentationml/2006/main">
   <p:cSld>
     <p:spTree>
@@ -30294,603 +31018,7 @@
 </p:sld>
 </file>
 
-<file path=ppt/slides/slide4.xml><?xml version="1.0" encoding="utf-8"?>
-<p:sld xmlns:a="http://schemas.openxmlformats.org/drawingml/2006/main" xmlns:r="http://schemas.openxmlformats.org/officeDocument/2006/relationships" xmlns:p="http://schemas.openxmlformats.org/presentationml/2006/main">
-  <p:cSld>
-    <p:spTree>
-      <p:nvGrpSpPr>
-        <p:cNvPr id="1" name=""/>
-        <p:cNvGrpSpPr/>
-        <p:nvPr/>
-      </p:nvGrpSpPr>
-      <p:grpSpPr>
-        <a:xfrm>
-          <a:off x="0" y="0"/>
-          <a:ext cx="0" cy="0"/>
-          <a:chOff x="0" y="0"/>
-          <a:chExt cx="0" cy="0"/>
-        </a:xfrm>
-      </p:grpSpPr>
-      <p:sp>
-        <p:nvSpPr>
-          <p:cNvPr id="2" name="Title 1"/>
-          <p:cNvSpPr>
-            <a:spLocks noGrp="1"/>
-          </p:cNvSpPr>
-          <p:nvPr>
-            <p:ph type="title"/>
-          </p:nvPr>
-        </p:nvSpPr>
-        <p:spPr/>
-        <p:txBody>
-          <a:bodyPr/>
-          <a:lstStyle/>
-          <a:p>
-            <a:pPr marL="0" lvl="0" indent="0">
-              <a:buNone/>
-            </a:pPr>
-            <a:r>
-              <a:rPr dirty="0"/>
-              <a:t>Review</a:t>
-            </a:r>
-          </a:p>
-        </p:txBody>
-      </p:sp>
-      <p:sp>
-        <p:nvSpPr>
-          <p:cNvPr id="3" name="Content Placeholder 2"/>
-          <p:cNvSpPr>
-            <a:spLocks noGrp="1"/>
-          </p:cNvSpPr>
-          <p:nvPr>
-            <p:ph idx="1"/>
-          </p:nvPr>
-        </p:nvSpPr>
-        <p:spPr>
-          <a:xfrm>
-            <a:off x="457200" y="1200151"/>
-            <a:ext cx="8229600" cy="3737370"/>
-          </a:xfrm>
-        </p:spPr>
-        <p:txBody>
-          <a:bodyPr>
-            <a:normAutofit fontScale="85000" lnSpcReduction="20000"/>
-          </a:bodyPr>
-          <a:lstStyle/>
-          <a:p>
-            <a:pPr marL="0" lvl="0" indent="0">
-              <a:buNone/>
-            </a:pPr>
-            <a:r>
-              <a:rPr dirty="0"/>
-              <a:t>When evaluating any machine learning model consider </a:t>
-            </a:r>
-            <a:r>
-              <a:rPr b="1" dirty="0"/>
-              <a:t>all evaluation methods available</a:t>
-            </a:r>
-          </a:p>
-          <a:p>
-            <a:pPr lvl="0"/>
-            <a:r>
-              <a:rPr dirty="0"/>
-              <a:t>No one method best all of the time</a:t>
-            </a:r>
-          </a:p>
-          <a:p>
-            <a:pPr lvl="0"/>
-            <a:r>
-              <a:rPr lang="en-US" dirty="0"/>
-              <a:t>Test for h</a:t>
-            </a:r>
-            <a:r>
-              <a:rPr dirty="0"/>
-              <a:t>omoscedastic Normally distributed residuals</a:t>
-            </a:r>
-            <a:endParaRPr lang="en-US" dirty="0"/>
-          </a:p>
-          <a:p>
-            <a:pPr lvl="1"/>
-            <a:r>
-              <a:rPr lang="en-US" dirty="0"/>
-              <a:t>Residual Plots</a:t>
-            </a:r>
-          </a:p>
-          <a:p>
-            <a:pPr lvl="1"/>
-            <a:r>
-              <a:rPr lang="en-US" dirty="0"/>
-              <a:t>Formal tests – Omnibus, Jarque-Bera, etc. </a:t>
-            </a:r>
-            <a:endParaRPr dirty="0"/>
-          </a:p>
-          <a:p>
-            <a:pPr lvl="0"/>
-            <a:r>
-              <a:rPr lang="en-US" dirty="0"/>
-              <a:t>Are</a:t>
-            </a:r>
-            <a:r>
-              <a:rPr dirty="0"/>
-              <a:t> model and its coefficients </a:t>
-            </a:r>
-            <a:r>
-              <a:rPr lang="en-US" dirty="0"/>
-              <a:t>statistically </a:t>
-            </a:r>
-            <a:r>
-              <a:rPr dirty="0"/>
-              <a:t>significant?</a:t>
-            </a:r>
-          </a:p>
-          <a:p>
-            <a:pPr lvl="1"/>
-            <a:r>
-              <a:rPr dirty="0"/>
-              <a:t>F</a:t>
-            </a:r>
-            <a:r>
-              <a:rPr lang="en-US" dirty="0"/>
-              <a:t>-</a:t>
-            </a:r>
-            <a:r>
-              <a:rPr dirty="0"/>
-              <a:t>test </a:t>
-            </a:r>
-            <a:r>
-              <a:rPr lang="en-US" dirty="0"/>
-              <a:t>on model significance</a:t>
-            </a:r>
-            <a:endParaRPr dirty="0"/>
-          </a:p>
-          <a:p>
-            <a:pPr lvl="1"/>
-            <a:r>
-              <a:rPr dirty="0"/>
-              <a:t>t-test on model parameter </a:t>
-            </a:r>
-            <a:r>
-              <a:rPr lang="en-US" dirty="0"/>
-              <a:t>significance</a:t>
-            </a:r>
-            <a:endParaRPr dirty="0"/>
-          </a:p>
-          <a:p>
-            <a:pPr lvl="0"/>
-            <a:r>
-              <a:rPr b="1" dirty="0"/>
-              <a:t>Different methods highlight different problems</a:t>
-            </a:r>
-            <a:r>
-              <a:rPr dirty="0"/>
-              <a:t> with your model</a:t>
-            </a:r>
-          </a:p>
-          <a:p>
-            <a:pPr lvl="0"/>
-            <a:r>
-              <a:rPr dirty="0"/>
-              <a:t>Don’t forget to check that the </a:t>
-            </a:r>
-            <a:r>
-              <a:rPr b="1" dirty="0"/>
-              <a:t>model must make sense</a:t>
-            </a:r>
-            <a:r>
-              <a:rPr dirty="0"/>
-              <a:t> for your application!</a:t>
-            </a:r>
-          </a:p>
-        </p:txBody>
-      </p:sp>
-    </p:spTree>
-  </p:cSld>
-  <p:clrMapOvr>
-    <a:masterClrMapping/>
-  </p:clrMapOvr>
-  <p:timing>
-    <p:tnLst>
-      <p:par>
-        <p:cTn id="1" dur="indefinite" restart="never" nodeType="tmRoot">
-          <p:childTnLst>
-            <p:seq concurrent="1" nextAc="seek">
-              <p:cTn id="2" dur="indefinite" nodeType="mainSeq">
-                <p:childTnLst>
-                  <p:par>
-                    <p:cTn id="3" fill="hold">
-                      <p:stCondLst>
-                        <p:cond delay="indefinite"/>
-                      </p:stCondLst>
-                      <p:childTnLst>
-                        <p:par>
-                          <p:cTn id="4" fill="hold">
-                            <p:stCondLst>
-                              <p:cond delay="0"/>
-                            </p:stCondLst>
-                            <p:childTnLst>
-                              <p:par>
-                                <p:cTn id="5" presetID="1" presetClass="entr" presetSubtype="0" fill="hold" nodeType="clickEffect">
-                                  <p:stCondLst>
-                                    <p:cond delay="0"/>
-                                  </p:stCondLst>
-                                  <p:childTnLst>
-                                    <p:set>
-                                      <p:cBhvr>
-                                        <p:cTn id="6" dur="1" fill="hold">
-                                          <p:stCondLst>
-                                            <p:cond delay="0"/>
-                                          </p:stCondLst>
-                                        </p:cTn>
-                                        <p:tgtEl>
-                                          <p:spTgt spid="3">
-                                            <p:txEl>
-                                              <p:pRg st="1" end="1"/>
-                                            </p:txEl>
-                                          </p:spTgt>
-                                        </p:tgtEl>
-                                        <p:attrNameLst>
-                                          <p:attrName>style.visibility</p:attrName>
-                                        </p:attrNameLst>
-                                      </p:cBhvr>
-                                      <p:to>
-                                        <p:strVal val="visible"/>
-                                      </p:to>
-                                    </p:set>
-                                  </p:childTnLst>
-                                </p:cTn>
-                              </p:par>
-                            </p:childTnLst>
-                          </p:cTn>
-                        </p:par>
-                      </p:childTnLst>
-                    </p:cTn>
-                  </p:par>
-                  <p:par>
-                    <p:cTn id="7" fill="hold">
-                      <p:stCondLst>
-                        <p:cond delay="indefinite"/>
-                      </p:stCondLst>
-                      <p:childTnLst>
-                        <p:par>
-                          <p:cTn id="8" fill="hold">
-                            <p:stCondLst>
-                              <p:cond delay="0"/>
-                            </p:stCondLst>
-                            <p:childTnLst>
-                              <p:par>
-                                <p:cTn id="9" presetID="1" presetClass="entr" presetSubtype="0" fill="hold" nodeType="clickEffect">
-                                  <p:stCondLst>
-                                    <p:cond delay="0"/>
-                                  </p:stCondLst>
-                                  <p:childTnLst>
-                                    <p:set>
-                                      <p:cBhvr>
-                                        <p:cTn id="10" dur="1" fill="hold">
-                                          <p:stCondLst>
-                                            <p:cond delay="0"/>
-                                          </p:stCondLst>
-                                        </p:cTn>
-                                        <p:tgtEl>
-                                          <p:spTgt spid="3">
-                                            <p:txEl>
-                                              <p:pRg st="2" end="2"/>
-                                            </p:txEl>
-                                          </p:spTgt>
-                                        </p:tgtEl>
-                                        <p:attrNameLst>
-                                          <p:attrName>style.visibility</p:attrName>
-                                        </p:attrNameLst>
-                                      </p:cBhvr>
-                                      <p:to>
-                                        <p:strVal val="visible"/>
-                                      </p:to>
-                                    </p:set>
-                                  </p:childTnLst>
-                                </p:cTn>
-                              </p:par>
-                              <p:par>
-                                <p:cTn id="11" presetID="1" presetClass="entr" presetSubtype="0" fill="hold" nodeType="withEffect">
-                                  <p:stCondLst>
-                                    <p:cond delay="0"/>
-                                  </p:stCondLst>
-                                  <p:childTnLst>
-                                    <p:set>
-                                      <p:cBhvr>
-                                        <p:cTn id="12" dur="1" fill="hold">
-                                          <p:stCondLst>
-                                            <p:cond delay="0"/>
-                                          </p:stCondLst>
-                                        </p:cTn>
-                                        <p:tgtEl>
-                                          <p:spTgt spid="3">
-                                            <p:txEl>
-                                              <p:pRg st="3" end="3"/>
-                                            </p:txEl>
-                                          </p:spTgt>
-                                        </p:tgtEl>
-                                        <p:attrNameLst>
-                                          <p:attrName>style.visibility</p:attrName>
-                                        </p:attrNameLst>
-                                      </p:cBhvr>
-                                      <p:to>
-                                        <p:strVal val="visible"/>
-                                      </p:to>
-                                    </p:set>
-                                  </p:childTnLst>
-                                </p:cTn>
-                              </p:par>
-                              <p:par>
-                                <p:cTn id="13" presetID="1" presetClass="entr" presetSubtype="0" fill="hold" nodeType="withEffect">
-                                  <p:stCondLst>
-                                    <p:cond delay="0"/>
-                                  </p:stCondLst>
-                                  <p:childTnLst>
-                                    <p:set>
-                                      <p:cBhvr>
-                                        <p:cTn id="14" dur="1" fill="hold">
-                                          <p:stCondLst>
-                                            <p:cond delay="0"/>
-                                          </p:stCondLst>
-                                        </p:cTn>
-                                        <p:tgtEl>
-                                          <p:spTgt spid="3">
-                                            <p:txEl>
-                                              <p:pRg st="4" end="4"/>
-                                            </p:txEl>
-                                          </p:spTgt>
-                                        </p:tgtEl>
-                                        <p:attrNameLst>
-                                          <p:attrName>style.visibility</p:attrName>
-                                        </p:attrNameLst>
-                                      </p:cBhvr>
-                                      <p:to>
-                                        <p:strVal val="visible"/>
-                                      </p:to>
-                                    </p:set>
-                                  </p:childTnLst>
-                                </p:cTn>
-                              </p:par>
-                            </p:childTnLst>
-                          </p:cTn>
-                        </p:par>
-                      </p:childTnLst>
-                    </p:cTn>
-                  </p:par>
-                  <p:par>
-                    <p:cTn id="15" fill="hold">
-                      <p:stCondLst>
-                        <p:cond delay="indefinite"/>
-                      </p:stCondLst>
-                      <p:childTnLst>
-                        <p:par>
-                          <p:cTn id="16" fill="hold">
-                            <p:stCondLst>
-                              <p:cond delay="0"/>
-                            </p:stCondLst>
-                            <p:childTnLst>
-                              <p:par>
-                                <p:cTn id="17" presetID="1" presetClass="entr" presetSubtype="0" fill="hold" nodeType="clickEffect">
-                                  <p:stCondLst>
-                                    <p:cond delay="0"/>
-                                  </p:stCondLst>
-                                  <p:childTnLst>
-                                    <p:set>
-                                      <p:cBhvr>
-                                        <p:cTn id="18" dur="1" fill="hold">
-                                          <p:stCondLst>
-                                            <p:cond delay="0"/>
-                                          </p:stCondLst>
-                                        </p:cTn>
-                                        <p:tgtEl>
-                                          <p:spTgt spid="3">
-                                            <p:txEl>
-                                              <p:pRg st="5" end="5"/>
-                                            </p:txEl>
-                                          </p:spTgt>
-                                        </p:tgtEl>
-                                        <p:attrNameLst>
-                                          <p:attrName>style.visibility</p:attrName>
-                                        </p:attrNameLst>
-                                      </p:cBhvr>
-                                      <p:to>
-                                        <p:strVal val="visible"/>
-                                      </p:to>
-                                    </p:set>
-                                  </p:childTnLst>
-                                </p:cTn>
-                              </p:par>
-                              <p:par>
-                                <p:cTn id="19" presetID="1" presetClass="entr" presetSubtype="0" fill="hold" nodeType="withEffect">
-                                  <p:stCondLst>
-                                    <p:cond delay="0"/>
-                                  </p:stCondLst>
-                                  <p:childTnLst>
-                                    <p:set>
-                                      <p:cBhvr>
-                                        <p:cTn id="20" dur="1" fill="hold">
-                                          <p:stCondLst>
-                                            <p:cond delay="0"/>
-                                          </p:stCondLst>
-                                        </p:cTn>
-                                        <p:tgtEl>
-                                          <p:spTgt spid="3">
-                                            <p:txEl>
-                                              <p:pRg st="6" end="6"/>
-                                            </p:txEl>
-                                          </p:spTgt>
-                                        </p:tgtEl>
-                                        <p:attrNameLst>
-                                          <p:attrName>style.visibility</p:attrName>
-                                        </p:attrNameLst>
-                                      </p:cBhvr>
-                                      <p:to>
-                                        <p:strVal val="visible"/>
-                                      </p:to>
-                                    </p:set>
-                                  </p:childTnLst>
-                                </p:cTn>
-                              </p:par>
-                              <p:par>
-                                <p:cTn id="21" presetID="1" presetClass="entr" presetSubtype="0" fill="hold" nodeType="withEffect">
-                                  <p:stCondLst>
-                                    <p:cond delay="0"/>
-                                  </p:stCondLst>
-                                  <p:childTnLst>
-                                    <p:set>
-                                      <p:cBhvr>
-                                        <p:cTn id="22" dur="1" fill="hold">
-                                          <p:stCondLst>
-                                            <p:cond delay="0"/>
-                                          </p:stCondLst>
-                                        </p:cTn>
-                                        <p:tgtEl>
-                                          <p:spTgt spid="3">
-                                            <p:txEl>
-                                              <p:pRg st="7" end="7"/>
-                                            </p:txEl>
-                                          </p:spTgt>
-                                        </p:tgtEl>
-                                        <p:attrNameLst>
-                                          <p:attrName>style.visibility</p:attrName>
-                                        </p:attrNameLst>
-                                      </p:cBhvr>
-                                      <p:to>
-                                        <p:strVal val="visible"/>
-                                      </p:to>
-                                    </p:set>
-                                  </p:childTnLst>
-                                </p:cTn>
-                              </p:par>
-                            </p:childTnLst>
-                          </p:cTn>
-                        </p:par>
-                      </p:childTnLst>
-                    </p:cTn>
-                  </p:par>
-                  <p:par>
-                    <p:cTn id="23" fill="hold">
-                      <p:stCondLst>
-                        <p:cond delay="indefinite"/>
-                      </p:stCondLst>
-                      <p:childTnLst>
-                        <p:par>
-                          <p:cTn id="24" fill="hold">
-                            <p:stCondLst>
-                              <p:cond delay="0"/>
-                            </p:stCondLst>
-                            <p:childTnLst>
-                              <p:par>
-                                <p:cTn id="25" presetID="1" presetClass="entr" presetSubtype="0" fill="hold" nodeType="clickEffect">
-                                  <p:stCondLst>
-                                    <p:cond delay="0"/>
-                                  </p:stCondLst>
-                                  <p:childTnLst>
-                                    <p:set>
-                                      <p:cBhvr>
-                                        <p:cTn id="26" dur="1" fill="hold">
-                                          <p:stCondLst>
-                                            <p:cond delay="0"/>
-                                          </p:stCondLst>
-                                        </p:cTn>
-                                        <p:tgtEl>
-                                          <p:spTgt spid="3">
-                                            <p:txEl>
-                                              <p:pRg st="8" end="8"/>
-                                            </p:txEl>
-                                          </p:spTgt>
-                                        </p:tgtEl>
-                                        <p:attrNameLst>
-                                          <p:attrName>style.visibility</p:attrName>
-                                        </p:attrNameLst>
-                                      </p:cBhvr>
-                                      <p:to>
-                                        <p:strVal val="visible"/>
-                                      </p:to>
-                                    </p:set>
-                                  </p:childTnLst>
-                                </p:cTn>
-                              </p:par>
-                            </p:childTnLst>
-                          </p:cTn>
-                        </p:par>
-                      </p:childTnLst>
-                    </p:cTn>
-                  </p:par>
-                  <p:par>
-                    <p:cTn id="27" fill="hold">
-                      <p:stCondLst>
-                        <p:cond delay="indefinite"/>
-                      </p:stCondLst>
-                      <p:childTnLst>
-                        <p:par>
-                          <p:cTn id="28" fill="hold">
-                            <p:stCondLst>
-                              <p:cond delay="0"/>
-                            </p:stCondLst>
-                            <p:childTnLst>
-                              <p:par>
-                                <p:cTn id="29" presetID="1" presetClass="entr" presetSubtype="0" fill="hold" nodeType="clickEffect">
-                                  <p:stCondLst>
-                                    <p:cond delay="0"/>
-                                  </p:stCondLst>
-                                  <p:childTnLst>
-                                    <p:set>
-                                      <p:cBhvr>
-                                        <p:cTn id="30" dur="1" fill="hold">
-                                          <p:stCondLst>
-                                            <p:cond delay="0"/>
-                                          </p:stCondLst>
-                                        </p:cTn>
-                                        <p:tgtEl>
-                                          <p:spTgt spid="3">
-                                            <p:txEl>
-                                              <p:pRg st="9" end="9"/>
-                                            </p:txEl>
-                                          </p:spTgt>
-                                        </p:tgtEl>
-                                        <p:attrNameLst>
-                                          <p:attrName>style.visibility</p:attrName>
-                                        </p:attrNameLst>
-                                      </p:cBhvr>
-                                      <p:to>
-                                        <p:strVal val="visible"/>
-                                      </p:to>
-                                    </p:set>
-                                  </p:childTnLst>
-                                </p:cTn>
-                              </p:par>
-                            </p:childTnLst>
-                          </p:cTn>
-                        </p:par>
-                      </p:childTnLst>
-                    </p:cTn>
-                  </p:par>
-                </p:childTnLst>
-              </p:cTn>
-              <p:prevCondLst>
-                <p:cond evt="onPrev" delay="0">
-                  <p:tgtEl>
-                    <p:sldTgt/>
-                  </p:tgtEl>
-                </p:cond>
-              </p:prevCondLst>
-              <p:nextCondLst>
-                <p:cond evt="onNext" delay="0">
-                  <p:tgtEl>
-                    <p:sldTgt/>
-                  </p:tgtEl>
-                </p:cond>
-              </p:nextCondLst>
-            </p:seq>
-          </p:childTnLst>
-        </p:cTn>
-      </p:par>
-    </p:tnLst>
-  </p:timing>
-</p:sld>
-</file>
-
-<file path=ppt/slides/slide40.xml><?xml version="1.0" encoding="utf-8"?>
+<file path=ppt/slides/slide42.xml><?xml version="1.0" encoding="utf-8"?>
 <p:sld xmlns:a="http://schemas.openxmlformats.org/drawingml/2006/main" xmlns:r="http://schemas.openxmlformats.org/officeDocument/2006/relationships" xmlns:p="http://schemas.openxmlformats.org/presentationml/2006/main">
   <p:cSld>
     <p:spTree>
@@ -31400,7 +31528,71 @@
 </p:sld>
 </file>
 
-<file path=ppt/slides/slide41.xml><?xml version="1.0" encoding="utf-8"?>
+<file path=ppt/slides/slide43.xml><?xml version="1.0" encoding="utf-8"?>
+<p:sld xmlns:a="http://schemas.openxmlformats.org/drawingml/2006/main" xmlns:r="http://schemas.openxmlformats.org/officeDocument/2006/relationships" xmlns:p="http://schemas.openxmlformats.org/presentationml/2006/main">
+  <p:cSld>
+    <p:spTree>
+      <p:nvGrpSpPr>
+        <p:cNvPr id="1" name="">
+          <a:extLst>
+            <a:ext uri="{FF2B5EF4-FFF2-40B4-BE49-F238E27FC236}">
+              <a16:creationId xmlns:a16="http://schemas.microsoft.com/office/drawing/2014/main" id="{176E9BFB-D04B-0957-AD28-460D78C17333}"/>
+            </a:ext>
+          </a:extLst>
+        </p:cNvPr>
+        <p:cNvGrpSpPr/>
+        <p:nvPr/>
+      </p:nvGrpSpPr>
+      <p:grpSpPr>
+        <a:xfrm>
+          <a:off x="0" y="0"/>
+          <a:ext cx="0" cy="0"/>
+          <a:chOff x="0" y="0"/>
+          <a:chExt cx="0" cy="0"/>
+        </a:xfrm>
+      </p:grpSpPr>
+      <p:sp>
+        <p:nvSpPr>
+          <p:cNvPr id="2" name="Title 1">
+            <a:extLst>
+              <a:ext uri="{FF2B5EF4-FFF2-40B4-BE49-F238E27FC236}">
+                <a16:creationId xmlns:a16="http://schemas.microsoft.com/office/drawing/2014/main" id="{42B67CBD-830B-7AE9-9E29-A0C41F9C5DC4}"/>
+              </a:ext>
+            </a:extLst>
+          </p:cNvPr>
+          <p:cNvSpPr>
+            <a:spLocks noGrp="1"/>
+          </p:cNvSpPr>
+          <p:nvPr>
+            <p:ph type="ctrTitle"/>
+          </p:nvPr>
+        </p:nvSpPr>
+        <p:spPr/>
+        <p:txBody>
+          <a:bodyPr/>
+          <a:lstStyle/>
+          <a:p>
+            <a:r>
+              <a:rPr lang="en-US" dirty="0"/>
+              <a:t>Measuring Deviance</a:t>
+            </a:r>
+          </a:p>
+        </p:txBody>
+      </p:sp>
+    </p:spTree>
+    <p:extLst>
+      <p:ext uri="{BB962C8B-B14F-4D97-AF65-F5344CB8AC3E}">
+        <p14:creationId xmlns:p14="http://schemas.microsoft.com/office/powerpoint/2010/main" val="2160650033"/>
+      </p:ext>
+    </p:extLst>
+  </p:cSld>
+  <p:clrMapOvr>
+    <a:masterClrMapping/>
+  </p:clrMapOvr>
+</p:sld>
+</file>
+
+<file path=ppt/slides/slide44.xml><?xml version="1.0" encoding="utf-8"?>
 <p:sld xmlns:a="http://schemas.openxmlformats.org/drawingml/2006/main" xmlns:r="http://schemas.openxmlformats.org/officeDocument/2006/relationships" xmlns:p="http://schemas.openxmlformats.org/presentationml/2006/main">
   <p:cSld>
     <p:spTree>
@@ -31839,7 +32031,7 @@
 </p:sld>
 </file>
 
-<file path=ppt/slides/slide42.xml><?xml version="1.0" encoding="utf-8"?>
+<file path=ppt/slides/slide45.xml><?xml version="1.0" encoding="utf-8"?>
 <p:sld xmlns:a="http://schemas.openxmlformats.org/drawingml/2006/main" xmlns:r="http://schemas.openxmlformats.org/officeDocument/2006/relationships" xmlns:p="http://schemas.openxmlformats.org/presentationml/2006/main">
   <p:cSld>
     <p:spTree>
@@ -32589,7 +32781,7 @@
 </p:sld>
 </file>
 
-<file path=ppt/slides/slide43.xml><?xml version="1.0" encoding="utf-8"?>
+<file path=ppt/slides/slide46.xml><?xml version="1.0" encoding="utf-8"?>
 <p:sld xmlns:a="http://schemas.openxmlformats.org/drawingml/2006/main" xmlns:r="http://schemas.openxmlformats.org/officeDocument/2006/relationships" xmlns:p="http://schemas.openxmlformats.org/presentationml/2006/main">
   <p:cSld>
     <p:spTree>
@@ -33489,7 +33681,7 @@
 </p:sld>
 </file>
 
-<file path=ppt/slides/slide44.xml><?xml version="1.0" encoding="utf-8"?>
+<file path=ppt/slides/slide47.xml><?xml version="1.0" encoding="utf-8"?>
 <p:sld xmlns:a="http://schemas.openxmlformats.org/drawingml/2006/main" xmlns:r="http://schemas.openxmlformats.org/officeDocument/2006/relationships" xmlns:p="http://schemas.openxmlformats.org/presentationml/2006/main">
   <p:cSld>
     <p:spTree>
@@ -34171,7 +34363,7 @@
 </p:sld>
 </file>
 
-<file path=ppt/slides/slide45.xml><?xml version="1.0" encoding="utf-8"?>
+<file path=ppt/slides/slide48.xml><?xml version="1.0" encoding="utf-8"?>
 <p:sld xmlns:a="http://schemas.openxmlformats.org/drawingml/2006/main" xmlns:r="http://schemas.openxmlformats.org/officeDocument/2006/relationships" xmlns:p="http://schemas.openxmlformats.org/presentationml/2006/main">
   <p:cSld>
     <p:spTree>
@@ -34710,7 +34902,7 @@
 </p:sld>
 </file>
 
-<file path=ppt/slides/slide46.xml><?xml version="1.0" encoding="utf-8"?>
+<file path=ppt/slides/slide49.xml><?xml version="1.0" encoding="utf-8"?>
 <p:sld xmlns:a="http://schemas.openxmlformats.org/drawingml/2006/main" xmlns:r="http://schemas.openxmlformats.org/officeDocument/2006/relationships" xmlns:p="http://schemas.openxmlformats.org/presentationml/2006/main">
   <p:cSld>
     <p:spTree>
@@ -35478,7 +35670,619 @@
 </p:sld>
 </file>
 
-<file path=ppt/slides/slide47.xml><?xml version="1.0" encoding="utf-8"?>
+<file path=ppt/slides/slide5.xml><?xml version="1.0" encoding="utf-8"?>
+<p:sld xmlns:a="http://schemas.openxmlformats.org/drawingml/2006/main" xmlns:r="http://schemas.openxmlformats.org/officeDocument/2006/relationships" xmlns:p="http://schemas.openxmlformats.org/presentationml/2006/main">
+  <p:cSld>
+    <p:spTree>
+      <p:nvGrpSpPr>
+        <p:cNvPr id="1" name=""/>
+        <p:cNvGrpSpPr/>
+        <p:nvPr/>
+      </p:nvGrpSpPr>
+      <p:grpSpPr>
+        <a:xfrm>
+          <a:off x="0" y="0"/>
+          <a:ext cx="0" cy="0"/>
+          <a:chOff x="0" y="0"/>
+          <a:chExt cx="0" cy="0"/>
+        </a:xfrm>
+      </p:grpSpPr>
+      <p:sp>
+        <p:nvSpPr>
+          <p:cNvPr id="2" name="Title 1"/>
+          <p:cNvSpPr>
+            <a:spLocks noGrp="1"/>
+          </p:cNvSpPr>
+          <p:nvPr>
+            <p:ph type="title"/>
+          </p:nvPr>
+        </p:nvSpPr>
+        <p:spPr/>
+        <p:txBody>
+          <a:bodyPr/>
+          <a:lstStyle/>
+          <a:p>
+            <a:pPr marL="0" lvl="0" indent="0">
+              <a:buNone/>
+            </a:pPr>
+            <a:r>
+              <a:t>Review</a:t>
+            </a:r>
+          </a:p>
+        </p:txBody>
+      </p:sp>
+      <p:sp>
+        <p:nvSpPr>
+          <p:cNvPr id="3" name="Content Placeholder 2"/>
+          <p:cNvSpPr>
+            <a:spLocks noGrp="1"/>
+          </p:cNvSpPr>
+          <p:nvPr>
+            <p:ph idx="1"/>
+          </p:nvPr>
+        </p:nvSpPr>
+        <p:spPr>
+          <a:xfrm>
+            <a:off x="457200" y="1200151"/>
+            <a:ext cx="8229600" cy="3737370"/>
+          </a:xfrm>
+        </p:spPr>
+        <p:txBody>
+          <a:bodyPr>
+            <a:normAutofit fontScale="77500" lnSpcReduction="20000"/>
+          </a:bodyPr>
+          <a:lstStyle/>
+          <a:p>
+            <a:pPr marL="0" lvl="0" indent="0">
+              <a:buNone/>
+            </a:pPr>
+            <a:r>
+              <a:rPr dirty="0"/>
+              <a:t>There are a number of assumptions in linear models that you overlook at your peril!</a:t>
+            </a:r>
+          </a:p>
+          <a:p>
+            <a:pPr lvl="0"/>
+            <a:r>
+              <a:rPr dirty="0"/>
+              <a:t>The </a:t>
+            </a:r>
+            <a:r>
+              <a:rPr lang="en-US" dirty="0"/>
+              <a:t>independent</a:t>
+            </a:r>
+            <a:r>
+              <a:rPr dirty="0"/>
+              <a:t> or predictor variables should be </a:t>
+            </a:r>
+            <a:r>
+              <a:rPr b="1" dirty="0"/>
+              <a:t>independent</a:t>
+            </a:r>
+            <a:r>
+              <a:rPr dirty="0"/>
+              <a:t> of one another</a:t>
+            </a:r>
+          </a:p>
+          <a:p>
+            <a:pPr lvl="1"/>
+            <a:r>
+              <a:rPr dirty="0"/>
+              <a:t>This is rarely true in practice</a:t>
+            </a:r>
+          </a:p>
+          <a:p>
+            <a:pPr lvl="1"/>
+            <a:r>
+              <a:rPr b="1" dirty="0"/>
+              <a:t>Multi-collinearity</a:t>
+            </a:r>
+            <a:r>
+              <a:rPr dirty="0"/>
+              <a:t> between features makes the model </a:t>
+            </a:r>
+            <a:r>
+              <a:rPr b="1" dirty="0"/>
+              <a:t>under-determined</a:t>
+            </a:r>
+          </a:p>
+          <a:p>
+            <a:pPr lvl="0"/>
+            <a:r>
+              <a:rPr dirty="0"/>
+              <a:t>We </a:t>
+            </a:r>
+            <a:r>
+              <a:rPr lang="en-US" dirty="0"/>
+              <a:t>want </a:t>
+            </a:r>
+            <a:r>
+              <a:rPr dirty="0"/>
+              <a:t>numeric features or predictors have </a:t>
+            </a:r>
+            <a:r>
+              <a:rPr b="1" dirty="0"/>
+              <a:t>zero mean</a:t>
+            </a:r>
+            <a:r>
+              <a:rPr dirty="0"/>
+              <a:t> and about the </a:t>
+            </a:r>
+            <a:r>
+              <a:rPr b="1" dirty="0"/>
+              <a:t>same scale</a:t>
+            </a:r>
+          </a:p>
+          <a:p>
+            <a:pPr lvl="1"/>
+            <a:r>
+              <a:rPr lang="en-US" dirty="0"/>
+              <a:t>Intercept is the mean of the response variable</a:t>
+            </a:r>
+          </a:p>
+          <a:p>
+            <a:pPr lvl="1"/>
+            <a:r>
+              <a:rPr lang="en-US" dirty="0"/>
+              <a:t>Predictors </a:t>
+            </a:r>
+            <a:r>
+              <a:rPr dirty="0"/>
+              <a:t>with a large numeric range </a:t>
+            </a:r>
+            <a:r>
+              <a:rPr lang="en-US" dirty="0"/>
+              <a:t>must not </a:t>
+            </a:r>
+            <a:r>
+              <a:rPr dirty="0"/>
+              <a:t>dominate training</a:t>
+            </a:r>
+          </a:p>
+          <a:p>
+            <a:pPr lvl="0"/>
+            <a:r>
+              <a:rPr dirty="0"/>
+              <a:t>Values of each predictor or </a:t>
+            </a:r>
+            <a:r>
+              <a:rPr lang="en-US" dirty="0"/>
+              <a:t>independent variables</a:t>
+            </a:r>
+            <a:r>
+              <a:rPr dirty="0"/>
+              <a:t> should be </a:t>
+            </a:r>
+            <a:r>
+              <a:rPr dirty="0" err="1"/>
+              <a:t>iid</a:t>
+            </a:r>
+            <a:endParaRPr dirty="0"/>
+          </a:p>
+          <a:p>
+            <a:pPr lvl="1"/>
+            <a:r>
+              <a:rPr dirty="0"/>
+              <a:t>If variance changes with sample, the coefficient </a:t>
+            </a:r>
+            <a:r>
+              <a:rPr lang="en-US" dirty="0"/>
+              <a:t>can</a:t>
+            </a:r>
+            <a:r>
+              <a:rPr dirty="0"/>
+              <a:t>not</a:t>
+            </a:r>
+            <a:r>
+              <a:rPr lang="en-US" dirty="0"/>
+              <a:t> be</a:t>
+            </a:r>
+            <a:r>
+              <a:rPr dirty="0"/>
+              <a:t> constant</a:t>
+            </a:r>
+          </a:p>
+          <a:p>
+            <a:pPr lvl="1"/>
+            <a:r>
+              <a:rPr dirty="0"/>
+              <a:t>If </a:t>
+            </a:r>
+            <a:r>
+              <a:rPr lang="en-US" dirty="0"/>
+              <a:t>predictor values have </a:t>
+            </a:r>
+            <a:r>
+              <a:rPr b="1" dirty="0"/>
+              <a:t>serial correlation</a:t>
+            </a:r>
+            <a:r>
+              <a:rPr dirty="0"/>
+              <a:t> the </a:t>
+            </a:r>
+            <a:r>
+              <a:rPr dirty="0" err="1"/>
+              <a:t>iid</a:t>
+            </a:r>
+            <a:r>
+              <a:rPr dirty="0"/>
+              <a:t> assumption is violated - use time series models</a:t>
+            </a:r>
+          </a:p>
+        </p:txBody>
+      </p:sp>
+    </p:spTree>
+  </p:cSld>
+  <p:clrMapOvr>
+    <a:masterClrMapping/>
+  </p:clrMapOvr>
+  <p:timing>
+    <p:tnLst>
+      <p:par>
+        <p:cTn id="1" dur="indefinite" restart="never" nodeType="tmRoot">
+          <p:childTnLst>
+            <p:seq concurrent="1" nextAc="seek">
+              <p:cTn id="2" dur="indefinite" nodeType="mainSeq">
+                <p:childTnLst>
+                  <p:par>
+                    <p:cTn id="3" fill="hold">
+                      <p:stCondLst>
+                        <p:cond delay="indefinite"/>
+                      </p:stCondLst>
+                      <p:childTnLst>
+                        <p:par>
+                          <p:cTn id="4" fill="hold">
+                            <p:stCondLst>
+                              <p:cond delay="0"/>
+                            </p:stCondLst>
+                            <p:childTnLst>
+                              <p:par>
+                                <p:cTn id="5" presetID="1" presetClass="entr" presetSubtype="0" fill="hold" nodeType="clickEffect">
+                                  <p:stCondLst>
+                                    <p:cond delay="0"/>
+                                  </p:stCondLst>
+                                  <p:childTnLst>
+                                    <p:set>
+                                      <p:cBhvr>
+                                        <p:cTn id="6" dur="1" fill="hold">
+                                          <p:stCondLst>
+                                            <p:cond delay="0"/>
+                                          </p:stCondLst>
+                                        </p:cTn>
+                                        <p:tgtEl>
+                                          <p:spTgt spid="3">
+                                            <p:txEl>
+                                              <p:pRg st="1" end="1"/>
+                                            </p:txEl>
+                                          </p:spTgt>
+                                        </p:tgtEl>
+                                        <p:attrNameLst>
+                                          <p:attrName>style.visibility</p:attrName>
+                                        </p:attrNameLst>
+                                      </p:cBhvr>
+                                      <p:to>
+                                        <p:strVal val="visible"/>
+                                      </p:to>
+                                    </p:set>
+                                  </p:childTnLst>
+                                </p:cTn>
+                              </p:par>
+                              <p:par>
+                                <p:cTn id="7" presetID="1" presetClass="entr" presetSubtype="0" fill="hold" nodeType="withEffect">
+                                  <p:stCondLst>
+                                    <p:cond delay="0"/>
+                                  </p:stCondLst>
+                                  <p:childTnLst>
+                                    <p:set>
+                                      <p:cBhvr>
+                                        <p:cTn id="8" dur="1" fill="hold">
+                                          <p:stCondLst>
+                                            <p:cond delay="0"/>
+                                          </p:stCondLst>
+                                        </p:cTn>
+                                        <p:tgtEl>
+                                          <p:spTgt spid="3">
+                                            <p:txEl>
+                                              <p:pRg st="2" end="2"/>
+                                            </p:txEl>
+                                          </p:spTgt>
+                                        </p:tgtEl>
+                                        <p:attrNameLst>
+                                          <p:attrName>style.visibility</p:attrName>
+                                        </p:attrNameLst>
+                                      </p:cBhvr>
+                                      <p:to>
+                                        <p:strVal val="visible"/>
+                                      </p:to>
+                                    </p:set>
+                                  </p:childTnLst>
+                                </p:cTn>
+                              </p:par>
+                              <p:par>
+                                <p:cTn id="9" presetID="1" presetClass="entr" presetSubtype="0" fill="hold" nodeType="withEffect">
+                                  <p:stCondLst>
+                                    <p:cond delay="0"/>
+                                  </p:stCondLst>
+                                  <p:childTnLst>
+                                    <p:set>
+                                      <p:cBhvr>
+                                        <p:cTn id="10" dur="1" fill="hold">
+                                          <p:stCondLst>
+                                            <p:cond delay="0"/>
+                                          </p:stCondLst>
+                                        </p:cTn>
+                                        <p:tgtEl>
+                                          <p:spTgt spid="3">
+                                            <p:txEl>
+                                              <p:pRg st="3" end="3"/>
+                                            </p:txEl>
+                                          </p:spTgt>
+                                        </p:tgtEl>
+                                        <p:attrNameLst>
+                                          <p:attrName>style.visibility</p:attrName>
+                                        </p:attrNameLst>
+                                      </p:cBhvr>
+                                      <p:to>
+                                        <p:strVal val="visible"/>
+                                      </p:to>
+                                    </p:set>
+                                  </p:childTnLst>
+                                </p:cTn>
+                              </p:par>
+                            </p:childTnLst>
+                          </p:cTn>
+                        </p:par>
+                      </p:childTnLst>
+                    </p:cTn>
+                  </p:par>
+                  <p:par>
+                    <p:cTn id="11" fill="hold">
+                      <p:stCondLst>
+                        <p:cond delay="indefinite"/>
+                      </p:stCondLst>
+                      <p:childTnLst>
+                        <p:par>
+                          <p:cTn id="12" fill="hold">
+                            <p:stCondLst>
+                              <p:cond delay="0"/>
+                            </p:stCondLst>
+                            <p:childTnLst>
+                              <p:par>
+                                <p:cTn id="13" presetID="1" presetClass="entr" presetSubtype="0" fill="hold" nodeType="clickEffect">
+                                  <p:stCondLst>
+                                    <p:cond delay="0"/>
+                                  </p:stCondLst>
+                                  <p:childTnLst>
+                                    <p:set>
+                                      <p:cBhvr>
+                                        <p:cTn id="14" dur="1" fill="hold">
+                                          <p:stCondLst>
+                                            <p:cond delay="0"/>
+                                          </p:stCondLst>
+                                        </p:cTn>
+                                        <p:tgtEl>
+                                          <p:spTgt spid="3">
+                                            <p:txEl>
+                                              <p:pRg st="4" end="4"/>
+                                            </p:txEl>
+                                          </p:spTgt>
+                                        </p:tgtEl>
+                                        <p:attrNameLst>
+                                          <p:attrName>style.visibility</p:attrName>
+                                        </p:attrNameLst>
+                                      </p:cBhvr>
+                                      <p:to>
+                                        <p:strVal val="visible"/>
+                                      </p:to>
+                                    </p:set>
+                                  </p:childTnLst>
+                                </p:cTn>
+                              </p:par>
+                              <p:par>
+                                <p:cTn id="15" presetID="1" presetClass="entr" presetSubtype="0" fill="hold" nodeType="withEffect">
+                                  <p:stCondLst>
+                                    <p:cond delay="0"/>
+                                  </p:stCondLst>
+                                  <p:childTnLst>
+                                    <p:set>
+                                      <p:cBhvr>
+                                        <p:cTn id="16" dur="1" fill="hold">
+                                          <p:stCondLst>
+                                            <p:cond delay="0"/>
+                                          </p:stCondLst>
+                                        </p:cTn>
+                                        <p:tgtEl>
+                                          <p:spTgt spid="3">
+                                            <p:txEl>
+                                              <p:pRg st="5" end="5"/>
+                                            </p:txEl>
+                                          </p:spTgt>
+                                        </p:tgtEl>
+                                        <p:attrNameLst>
+                                          <p:attrName>style.visibility</p:attrName>
+                                        </p:attrNameLst>
+                                      </p:cBhvr>
+                                      <p:to>
+                                        <p:strVal val="visible"/>
+                                      </p:to>
+                                    </p:set>
+                                  </p:childTnLst>
+                                </p:cTn>
+                              </p:par>
+                              <p:par>
+                                <p:cTn id="17" presetID="1" presetClass="entr" presetSubtype="0" fill="hold" nodeType="withEffect">
+                                  <p:stCondLst>
+                                    <p:cond delay="0"/>
+                                  </p:stCondLst>
+                                  <p:childTnLst>
+                                    <p:set>
+                                      <p:cBhvr>
+                                        <p:cTn id="18" dur="1" fill="hold">
+                                          <p:stCondLst>
+                                            <p:cond delay="0"/>
+                                          </p:stCondLst>
+                                        </p:cTn>
+                                        <p:tgtEl>
+                                          <p:spTgt spid="3">
+                                            <p:txEl>
+                                              <p:pRg st="6" end="6"/>
+                                            </p:txEl>
+                                          </p:spTgt>
+                                        </p:tgtEl>
+                                        <p:attrNameLst>
+                                          <p:attrName>style.visibility</p:attrName>
+                                        </p:attrNameLst>
+                                      </p:cBhvr>
+                                      <p:to>
+                                        <p:strVal val="visible"/>
+                                      </p:to>
+                                    </p:set>
+                                  </p:childTnLst>
+                                </p:cTn>
+                              </p:par>
+                            </p:childTnLst>
+                          </p:cTn>
+                        </p:par>
+                      </p:childTnLst>
+                    </p:cTn>
+                  </p:par>
+                  <p:par>
+                    <p:cTn id="19" fill="hold">
+                      <p:stCondLst>
+                        <p:cond delay="indefinite"/>
+                      </p:stCondLst>
+                      <p:childTnLst>
+                        <p:par>
+                          <p:cTn id="20" fill="hold">
+                            <p:stCondLst>
+                              <p:cond delay="0"/>
+                            </p:stCondLst>
+                            <p:childTnLst>
+                              <p:par>
+                                <p:cTn id="21" presetID="1" presetClass="entr" presetSubtype="0" fill="hold" nodeType="clickEffect">
+                                  <p:stCondLst>
+                                    <p:cond delay="0"/>
+                                  </p:stCondLst>
+                                  <p:childTnLst>
+                                    <p:set>
+                                      <p:cBhvr>
+                                        <p:cTn id="22" dur="1" fill="hold">
+                                          <p:stCondLst>
+                                            <p:cond delay="0"/>
+                                          </p:stCondLst>
+                                        </p:cTn>
+                                        <p:tgtEl>
+                                          <p:spTgt spid="3">
+                                            <p:txEl>
+                                              <p:pRg st="7" end="7"/>
+                                            </p:txEl>
+                                          </p:spTgt>
+                                        </p:tgtEl>
+                                        <p:attrNameLst>
+                                          <p:attrName>style.visibility</p:attrName>
+                                        </p:attrNameLst>
+                                      </p:cBhvr>
+                                      <p:to>
+                                        <p:strVal val="visible"/>
+                                      </p:to>
+                                    </p:set>
+                                  </p:childTnLst>
+                                </p:cTn>
+                              </p:par>
+                              <p:par>
+                                <p:cTn id="23" presetID="1" presetClass="entr" presetSubtype="0" fill="hold" nodeType="withEffect">
+                                  <p:stCondLst>
+                                    <p:cond delay="0"/>
+                                  </p:stCondLst>
+                                  <p:childTnLst>
+                                    <p:set>
+                                      <p:cBhvr>
+                                        <p:cTn id="24" dur="1" fill="hold">
+                                          <p:stCondLst>
+                                            <p:cond delay="0"/>
+                                          </p:stCondLst>
+                                        </p:cTn>
+                                        <p:tgtEl>
+                                          <p:spTgt spid="3">
+                                            <p:txEl>
+                                              <p:pRg st="8" end="8"/>
+                                            </p:txEl>
+                                          </p:spTgt>
+                                        </p:tgtEl>
+                                        <p:attrNameLst>
+                                          <p:attrName>style.visibility</p:attrName>
+                                        </p:attrNameLst>
+                                      </p:cBhvr>
+                                      <p:to>
+                                        <p:strVal val="visible"/>
+                                      </p:to>
+                                    </p:set>
+                                  </p:childTnLst>
+                                </p:cTn>
+                              </p:par>
+                              <p:par>
+                                <p:cTn id="25" presetID="1" presetClass="entr" presetSubtype="0" fill="hold" nodeType="withEffect">
+                                  <p:stCondLst>
+                                    <p:cond delay="0"/>
+                                  </p:stCondLst>
+                                  <p:childTnLst>
+                                    <p:set>
+                                      <p:cBhvr>
+                                        <p:cTn id="26" dur="1" fill="hold">
+                                          <p:stCondLst>
+                                            <p:cond delay="0"/>
+                                          </p:stCondLst>
+                                        </p:cTn>
+                                        <p:tgtEl>
+                                          <p:spTgt spid="3">
+                                            <p:txEl>
+                                              <p:pRg st="9" end="9"/>
+                                            </p:txEl>
+                                          </p:spTgt>
+                                        </p:tgtEl>
+                                        <p:attrNameLst>
+                                          <p:attrName>style.visibility</p:attrName>
+                                        </p:attrNameLst>
+                                      </p:cBhvr>
+                                      <p:to>
+                                        <p:strVal val="visible"/>
+                                      </p:to>
+                                    </p:set>
+                                  </p:childTnLst>
+                                </p:cTn>
+                              </p:par>
+                            </p:childTnLst>
+                          </p:cTn>
+                        </p:par>
+                      </p:childTnLst>
+                    </p:cTn>
+                  </p:par>
+                </p:childTnLst>
+              </p:cTn>
+              <p:prevCondLst>
+                <p:cond evt="onPrev" delay="0">
+                  <p:tgtEl>
+                    <p:sldTgt/>
+                  </p:tgtEl>
+                </p:cond>
+              </p:prevCondLst>
+              <p:nextCondLst>
+                <p:cond evt="onNext" delay="0">
+                  <p:tgtEl>
+                    <p:sldTgt/>
+                  </p:tgtEl>
+                </p:cond>
+              </p:nextCondLst>
+            </p:seq>
+          </p:childTnLst>
+        </p:cTn>
+      </p:par>
+    </p:tnLst>
+  </p:timing>
+</p:sld>
+</file>
+
+<file path=ppt/slides/slide50.xml><?xml version="1.0" encoding="utf-8"?>
 <p:sld xmlns:a="http://schemas.openxmlformats.org/drawingml/2006/main" xmlns:r="http://schemas.openxmlformats.org/officeDocument/2006/relationships" xmlns:p="http://schemas.openxmlformats.org/presentationml/2006/main">
   <p:cSld>
     <p:spTree>
@@ -36956,7 +37760,7 @@
 </p:sld>
 </file>
 
-<file path=ppt/slides/slide48.xml><?xml version="1.0" encoding="utf-8"?>
+<file path=ppt/slides/slide51.xml><?xml version="1.0" encoding="utf-8"?>
 <p:sld xmlns:a="http://schemas.openxmlformats.org/drawingml/2006/main" xmlns:r="http://schemas.openxmlformats.org/officeDocument/2006/relationships" xmlns:p="http://schemas.openxmlformats.org/presentationml/2006/main">
   <p:cSld>
     <p:spTree>
@@ -37893,7 +38697,7 @@
 </p:sld>
 </file>
 
-<file path=ppt/slides/slide49.xml><?xml version="1.0" encoding="utf-8"?>
+<file path=ppt/slides/slide52.xml><?xml version="1.0" encoding="utf-8"?>
 <p:sld xmlns:a="http://schemas.openxmlformats.org/drawingml/2006/main" xmlns:r="http://schemas.openxmlformats.org/officeDocument/2006/relationships" xmlns:p="http://schemas.openxmlformats.org/presentationml/2006/main">
   <p:cSld>
     <p:spTree>
@@ -38508,7 +39312,7 @@
 </p:sld>
 </file>
 
-<file path=ppt/slides/slide5.xml><?xml version="1.0" encoding="utf-8"?>
+<file path=ppt/slides/slide53.xml><?xml version="1.0" encoding="utf-8"?>
 <p:sld xmlns:a="http://schemas.openxmlformats.org/drawingml/2006/main" xmlns:r="http://schemas.openxmlformats.org/officeDocument/2006/relationships" xmlns:p="http://schemas.openxmlformats.org/presentationml/2006/main">
   <p:cSld>
     <p:spTree>
@@ -38544,618 +39348,6 @@
               <a:buNone/>
             </a:pPr>
             <a:r>
-              <a:t>Review</a:t>
-            </a:r>
-          </a:p>
-        </p:txBody>
-      </p:sp>
-      <p:sp>
-        <p:nvSpPr>
-          <p:cNvPr id="3" name="Content Placeholder 2"/>
-          <p:cNvSpPr>
-            <a:spLocks noGrp="1"/>
-          </p:cNvSpPr>
-          <p:nvPr>
-            <p:ph idx="1"/>
-          </p:nvPr>
-        </p:nvSpPr>
-        <p:spPr>
-          <a:xfrm>
-            <a:off x="457200" y="1200151"/>
-            <a:ext cx="8229600" cy="3737370"/>
-          </a:xfrm>
-        </p:spPr>
-        <p:txBody>
-          <a:bodyPr>
-            <a:normAutofit fontScale="77500" lnSpcReduction="20000"/>
-          </a:bodyPr>
-          <a:lstStyle/>
-          <a:p>
-            <a:pPr marL="0" lvl="0" indent="0">
-              <a:buNone/>
-            </a:pPr>
-            <a:r>
-              <a:rPr dirty="0"/>
-              <a:t>There are a number of assumptions in linear models that you overlook at your peril!</a:t>
-            </a:r>
-          </a:p>
-          <a:p>
-            <a:pPr lvl="0"/>
-            <a:r>
-              <a:rPr dirty="0"/>
-              <a:t>The </a:t>
-            </a:r>
-            <a:r>
-              <a:rPr lang="en-US" dirty="0"/>
-              <a:t>independent</a:t>
-            </a:r>
-            <a:r>
-              <a:rPr dirty="0"/>
-              <a:t> or predictor variables should be </a:t>
-            </a:r>
-            <a:r>
-              <a:rPr b="1" dirty="0"/>
-              <a:t>independent</a:t>
-            </a:r>
-            <a:r>
-              <a:rPr dirty="0"/>
-              <a:t> of one another</a:t>
-            </a:r>
-          </a:p>
-          <a:p>
-            <a:pPr lvl="1"/>
-            <a:r>
-              <a:rPr dirty="0"/>
-              <a:t>This is rarely true in practice</a:t>
-            </a:r>
-          </a:p>
-          <a:p>
-            <a:pPr lvl="1"/>
-            <a:r>
-              <a:rPr b="1" dirty="0"/>
-              <a:t>Multi-collinearity</a:t>
-            </a:r>
-            <a:r>
-              <a:rPr dirty="0"/>
-              <a:t> between features makes the model </a:t>
-            </a:r>
-            <a:r>
-              <a:rPr b="1" dirty="0"/>
-              <a:t>under-determined</a:t>
-            </a:r>
-          </a:p>
-          <a:p>
-            <a:pPr lvl="0"/>
-            <a:r>
-              <a:rPr dirty="0"/>
-              <a:t>We </a:t>
-            </a:r>
-            <a:r>
-              <a:rPr lang="en-US" dirty="0"/>
-              <a:t>want </a:t>
-            </a:r>
-            <a:r>
-              <a:rPr dirty="0"/>
-              <a:t>numeric features or predictors have </a:t>
-            </a:r>
-            <a:r>
-              <a:rPr b="1" dirty="0"/>
-              <a:t>zero mean</a:t>
-            </a:r>
-            <a:r>
-              <a:rPr dirty="0"/>
-              <a:t> and about the </a:t>
-            </a:r>
-            <a:r>
-              <a:rPr b="1" dirty="0"/>
-              <a:t>same scale</a:t>
-            </a:r>
-          </a:p>
-          <a:p>
-            <a:pPr lvl="1"/>
-            <a:r>
-              <a:rPr lang="en-US" dirty="0"/>
-              <a:t>Intercept is the mean of the response variable</a:t>
-            </a:r>
-          </a:p>
-          <a:p>
-            <a:pPr lvl="1"/>
-            <a:r>
-              <a:rPr lang="en-US" dirty="0"/>
-              <a:t>Predictors </a:t>
-            </a:r>
-            <a:r>
-              <a:rPr dirty="0"/>
-              <a:t>with a large numeric range </a:t>
-            </a:r>
-            <a:r>
-              <a:rPr lang="en-US" dirty="0"/>
-              <a:t>must not </a:t>
-            </a:r>
-            <a:r>
-              <a:rPr dirty="0"/>
-              <a:t>dominate training</a:t>
-            </a:r>
-          </a:p>
-          <a:p>
-            <a:pPr lvl="0"/>
-            <a:r>
-              <a:rPr dirty="0"/>
-              <a:t>Values of each predictor or </a:t>
-            </a:r>
-            <a:r>
-              <a:rPr lang="en-US" dirty="0"/>
-              <a:t>independent variables</a:t>
-            </a:r>
-            <a:r>
-              <a:rPr dirty="0"/>
-              <a:t> should be </a:t>
-            </a:r>
-            <a:r>
-              <a:rPr dirty="0" err="1"/>
-              <a:t>iid</a:t>
-            </a:r>
-            <a:endParaRPr dirty="0"/>
-          </a:p>
-          <a:p>
-            <a:pPr lvl="1"/>
-            <a:r>
-              <a:rPr dirty="0"/>
-              <a:t>If variance changes with sample, the coefficient </a:t>
-            </a:r>
-            <a:r>
-              <a:rPr lang="en-US" dirty="0"/>
-              <a:t>can</a:t>
-            </a:r>
-            <a:r>
-              <a:rPr dirty="0"/>
-              <a:t>not</a:t>
-            </a:r>
-            <a:r>
-              <a:rPr lang="en-US" dirty="0"/>
-              <a:t> be</a:t>
-            </a:r>
-            <a:r>
-              <a:rPr dirty="0"/>
-              <a:t> constant</a:t>
-            </a:r>
-          </a:p>
-          <a:p>
-            <a:pPr lvl="1"/>
-            <a:r>
-              <a:rPr dirty="0"/>
-              <a:t>If </a:t>
-            </a:r>
-            <a:r>
-              <a:rPr lang="en-US" dirty="0"/>
-              <a:t>predictor values have </a:t>
-            </a:r>
-            <a:r>
-              <a:rPr b="1" dirty="0"/>
-              <a:t>serial correlation</a:t>
-            </a:r>
-            <a:r>
-              <a:rPr dirty="0"/>
-              <a:t> the </a:t>
-            </a:r>
-            <a:r>
-              <a:rPr dirty="0" err="1"/>
-              <a:t>iid</a:t>
-            </a:r>
-            <a:r>
-              <a:rPr dirty="0"/>
-              <a:t> assumption is violated - use time series models</a:t>
-            </a:r>
-          </a:p>
-        </p:txBody>
-      </p:sp>
-    </p:spTree>
-  </p:cSld>
-  <p:clrMapOvr>
-    <a:masterClrMapping/>
-  </p:clrMapOvr>
-  <p:timing>
-    <p:tnLst>
-      <p:par>
-        <p:cTn id="1" dur="indefinite" restart="never" nodeType="tmRoot">
-          <p:childTnLst>
-            <p:seq concurrent="1" nextAc="seek">
-              <p:cTn id="2" dur="indefinite" nodeType="mainSeq">
-                <p:childTnLst>
-                  <p:par>
-                    <p:cTn id="3" fill="hold">
-                      <p:stCondLst>
-                        <p:cond delay="indefinite"/>
-                      </p:stCondLst>
-                      <p:childTnLst>
-                        <p:par>
-                          <p:cTn id="4" fill="hold">
-                            <p:stCondLst>
-                              <p:cond delay="0"/>
-                            </p:stCondLst>
-                            <p:childTnLst>
-                              <p:par>
-                                <p:cTn id="5" presetID="1" presetClass="entr" presetSubtype="0" fill="hold" nodeType="clickEffect">
-                                  <p:stCondLst>
-                                    <p:cond delay="0"/>
-                                  </p:stCondLst>
-                                  <p:childTnLst>
-                                    <p:set>
-                                      <p:cBhvr>
-                                        <p:cTn id="6" dur="1" fill="hold">
-                                          <p:stCondLst>
-                                            <p:cond delay="0"/>
-                                          </p:stCondLst>
-                                        </p:cTn>
-                                        <p:tgtEl>
-                                          <p:spTgt spid="3">
-                                            <p:txEl>
-                                              <p:pRg st="1" end="1"/>
-                                            </p:txEl>
-                                          </p:spTgt>
-                                        </p:tgtEl>
-                                        <p:attrNameLst>
-                                          <p:attrName>style.visibility</p:attrName>
-                                        </p:attrNameLst>
-                                      </p:cBhvr>
-                                      <p:to>
-                                        <p:strVal val="visible"/>
-                                      </p:to>
-                                    </p:set>
-                                  </p:childTnLst>
-                                </p:cTn>
-                              </p:par>
-                              <p:par>
-                                <p:cTn id="7" presetID="1" presetClass="entr" presetSubtype="0" fill="hold" nodeType="withEffect">
-                                  <p:stCondLst>
-                                    <p:cond delay="0"/>
-                                  </p:stCondLst>
-                                  <p:childTnLst>
-                                    <p:set>
-                                      <p:cBhvr>
-                                        <p:cTn id="8" dur="1" fill="hold">
-                                          <p:stCondLst>
-                                            <p:cond delay="0"/>
-                                          </p:stCondLst>
-                                        </p:cTn>
-                                        <p:tgtEl>
-                                          <p:spTgt spid="3">
-                                            <p:txEl>
-                                              <p:pRg st="2" end="2"/>
-                                            </p:txEl>
-                                          </p:spTgt>
-                                        </p:tgtEl>
-                                        <p:attrNameLst>
-                                          <p:attrName>style.visibility</p:attrName>
-                                        </p:attrNameLst>
-                                      </p:cBhvr>
-                                      <p:to>
-                                        <p:strVal val="visible"/>
-                                      </p:to>
-                                    </p:set>
-                                  </p:childTnLst>
-                                </p:cTn>
-                              </p:par>
-                              <p:par>
-                                <p:cTn id="9" presetID="1" presetClass="entr" presetSubtype="0" fill="hold" nodeType="withEffect">
-                                  <p:stCondLst>
-                                    <p:cond delay="0"/>
-                                  </p:stCondLst>
-                                  <p:childTnLst>
-                                    <p:set>
-                                      <p:cBhvr>
-                                        <p:cTn id="10" dur="1" fill="hold">
-                                          <p:stCondLst>
-                                            <p:cond delay="0"/>
-                                          </p:stCondLst>
-                                        </p:cTn>
-                                        <p:tgtEl>
-                                          <p:spTgt spid="3">
-                                            <p:txEl>
-                                              <p:pRg st="3" end="3"/>
-                                            </p:txEl>
-                                          </p:spTgt>
-                                        </p:tgtEl>
-                                        <p:attrNameLst>
-                                          <p:attrName>style.visibility</p:attrName>
-                                        </p:attrNameLst>
-                                      </p:cBhvr>
-                                      <p:to>
-                                        <p:strVal val="visible"/>
-                                      </p:to>
-                                    </p:set>
-                                  </p:childTnLst>
-                                </p:cTn>
-                              </p:par>
-                            </p:childTnLst>
-                          </p:cTn>
-                        </p:par>
-                      </p:childTnLst>
-                    </p:cTn>
-                  </p:par>
-                  <p:par>
-                    <p:cTn id="11" fill="hold">
-                      <p:stCondLst>
-                        <p:cond delay="indefinite"/>
-                      </p:stCondLst>
-                      <p:childTnLst>
-                        <p:par>
-                          <p:cTn id="12" fill="hold">
-                            <p:stCondLst>
-                              <p:cond delay="0"/>
-                            </p:stCondLst>
-                            <p:childTnLst>
-                              <p:par>
-                                <p:cTn id="13" presetID="1" presetClass="entr" presetSubtype="0" fill="hold" nodeType="clickEffect">
-                                  <p:stCondLst>
-                                    <p:cond delay="0"/>
-                                  </p:stCondLst>
-                                  <p:childTnLst>
-                                    <p:set>
-                                      <p:cBhvr>
-                                        <p:cTn id="14" dur="1" fill="hold">
-                                          <p:stCondLst>
-                                            <p:cond delay="0"/>
-                                          </p:stCondLst>
-                                        </p:cTn>
-                                        <p:tgtEl>
-                                          <p:spTgt spid="3">
-                                            <p:txEl>
-                                              <p:pRg st="4" end="4"/>
-                                            </p:txEl>
-                                          </p:spTgt>
-                                        </p:tgtEl>
-                                        <p:attrNameLst>
-                                          <p:attrName>style.visibility</p:attrName>
-                                        </p:attrNameLst>
-                                      </p:cBhvr>
-                                      <p:to>
-                                        <p:strVal val="visible"/>
-                                      </p:to>
-                                    </p:set>
-                                  </p:childTnLst>
-                                </p:cTn>
-                              </p:par>
-                              <p:par>
-                                <p:cTn id="15" presetID="1" presetClass="entr" presetSubtype="0" fill="hold" nodeType="withEffect">
-                                  <p:stCondLst>
-                                    <p:cond delay="0"/>
-                                  </p:stCondLst>
-                                  <p:childTnLst>
-                                    <p:set>
-                                      <p:cBhvr>
-                                        <p:cTn id="16" dur="1" fill="hold">
-                                          <p:stCondLst>
-                                            <p:cond delay="0"/>
-                                          </p:stCondLst>
-                                        </p:cTn>
-                                        <p:tgtEl>
-                                          <p:spTgt spid="3">
-                                            <p:txEl>
-                                              <p:pRg st="5" end="5"/>
-                                            </p:txEl>
-                                          </p:spTgt>
-                                        </p:tgtEl>
-                                        <p:attrNameLst>
-                                          <p:attrName>style.visibility</p:attrName>
-                                        </p:attrNameLst>
-                                      </p:cBhvr>
-                                      <p:to>
-                                        <p:strVal val="visible"/>
-                                      </p:to>
-                                    </p:set>
-                                  </p:childTnLst>
-                                </p:cTn>
-                              </p:par>
-                              <p:par>
-                                <p:cTn id="17" presetID="1" presetClass="entr" presetSubtype="0" fill="hold" nodeType="withEffect">
-                                  <p:stCondLst>
-                                    <p:cond delay="0"/>
-                                  </p:stCondLst>
-                                  <p:childTnLst>
-                                    <p:set>
-                                      <p:cBhvr>
-                                        <p:cTn id="18" dur="1" fill="hold">
-                                          <p:stCondLst>
-                                            <p:cond delay="0"/>
-                                          </p:stCondLst>
-                                        </p:cTn>
-                                        <p:tgtEl>
-                                          <p:spTgt spid="3">
-                                            <p:txEl>
-                                              <p:pRg st="6" end="6"/>
-                                            </p:txEl>
-                                          </p:spTgt>
-                                        </p:tgtEl>
-                                        <p:attrNameLst>
-                                          <p:attrName>style.visibility</p:attrName>
-                                        </p:attrNameLst>
-                                      </p:cBhvr>
-                                      <p:to>
-                                        <p:strVal val="visible"/>
-                                      </p:to>
-                                    </p:set>
-                                  </p:childTnLst>
-                                </p:cTn>
-                              </p:par>
-                            </p:childTnLst>
-                          </p:cTn>
-                        </p:par>
-                      </p:childTnLst>
-                    </p:cTn>
-                  </p:par>
-                  <p:par>
-                    <p:cTn id="19" fill="hold">
-                      <p:stCondLst>
-                        <p:cond delay="indefinite"/>
-                      </p:stCondLst>
-                      <p:childTnLst>
-                        <p:par>
-                          <p:cTn id="20" fill="hold">
-                            <p:stCondLst>
-                              <p:cond delay="0"/>
-                            </p:stCondLst>
-                            <p:childTnLst>
-                              <p:par>
-                                <p:cTn id="21" presetID="1" presetClass="entr" presetSubtype="0" fill="hold" nodeType="clickEffect">
-                                  <p:stCondLst>
-                                    <p:cond delay="0"/>
-                                  </p:stCondLst>
-                                  <p:childTnLst>
-                                    <p:set>
-                                      <p:cBhvr>
-                                        <p:cTn id="22" dur="1" fill="hold">
-                                          <p:stCondLst>
-                                            <p:cond delay="0"/>
-                                          </p:stCondLst>
-                                        </p:cTn>
-                                        <p:tgtEl>
-                                          <p:spTgt spid="3">
-                                            <p:txEl>
-                                              <p:pRg st="7" end="7"/>
-                                            </p:txEl>
-                                          </p:spTgt>
-                                        </p:tgtEl>
-                                        <p:attrNameLst>
-                                          <p:attrName>style.visibility</p:attrName>
-                                        </p:attrNameLst>
-                                      </p:cBhvr>
-                                      <p:to>
-                                        <p:strVal val="visible"/>
-                                      </p:to>
-                                    </p:set>
-                                  </p:childTnLst>
-                                </p:cTn>
-                              </p:par>
-                              <p:par>
-                                <p:cTn id="23" presetID="1" presetClass="entr" presetSubtype="0" fill="hold" nodeType="withEffect">
-                                  <p:stCondLst>
-                                    <p:cond delay="0"/>
-                                  </p:stCondLst>
-                                  <p:childTnLst>
-                                    <p:set>
-                                      <p:cBhvr>
-                                        <p:cTn id="24" dur="1" fill="hold">
-                                          <p:stCondLst>
-                                            <p:cond delay="0"/>
-                                          </p:stCondLst>
-                                        </p:cTn>
-                                        <p:tgtEl>
-                                          <p:spTgt spid="3">
-                                            <p:txEl>
-                                              <p:pRg st="8" end="8"/>
-                                            </p:txEl>
-                                          </p:spTgt>
-                                        </p:tgtEl>
-                                        <p:attrNameLst>
-                                          <p:attrName>style.visibility</p:attrName>
-                                        </p:attrNameLst>
-                                      </p:cBhvr>
-                                      <p:to>
-                                        <p:strVal val="visible"/>
-                                      </p:to>
-                                    </p:set>
-                                  </p:childTnLst>
-                                </p:cTn>
-                              </p:par>
-                              <p:par>
-                                <p:cTn id="25" presetID="1" presetClass="entr" presetSubtype="0" fill="hold" nodeType="withEffect">
-                                  <p:stCondLst>
-                                    <p:cond delay="0"/>
-                                  </p:stCondLst>
-                                  <p:childTnLst>
-                                    <p:set>
-                                      <p:cBhvr>
-                                        <p:cTn id="26" dur="1" fill="hold">
-                                          <p:stCondLst>
-                                            <p:cond delay="0"/>
-                                          </p:stCondLst>
-                                        </p:cTn>
-                                        <p:tgtEl>
-                                          <p:spTgt spid="3">
-                                            <p:txEl>
-                                              <p:pRg st="9" end="9"/>
-                                            </p:txEl>
-                                          </p:spTgt>
-                                        </p:tgtEl>
-                                        <p:attrNameLst>
-                                          <p:attrName>style.visibility</p:attrName>
-                                        </p:attrNameLst>
-                                      </p:cBhvr>
-                                      <p:to>
-                                        <p:strVal val="visible"/>
-                                      </p:to>
-                                    </p:set>
-                                  </p:childTnLst>
-                                </p:cTn>
-                              </p:par>
-                            </p:childTnLst>
-                          </p:cTn>
-                        </p:par>
-                      </p:childTnLst>
-                    </p:cTn>
-                  </p:par>
-                </p:childTnLst>
-              </p:cTn>
-              <p:prevCondLst>
-                <p:cond evt="onPrev" delay="0">
-                  <p:tgtEl>
-                    <p:sldTgt/>
-                  </p:tgtEl>
-                </p:cond>
-              </p:prevCondLst>
-              <p:nextCondLst>
-                <p:cond evt="onNext" delay="0">
-                  <p:tgtEl>
-                    <p:sldTgt/>
-                  </p:tgtEl>
-                </p:cond>
-              </p:nextCondLst>
-            </p:seq>
-          </p:childTnLst>
-        </p:cTn>
-      </p:par>
-    </p:tnLst>
-  </p:timing>
-</p:sld>
-</file>
-
-<file path=ppt/slides/slide50.xml><?xml version="1.0" encoding="utf-8"?>
-<p:sld xmlns:a="http://schemas.openxmlformats.org/drawingml/2006/main" xmlns:r="http://schemas.openxmlformats.org/officeDocument/2006/relationships" xmlns:p="http://schemas.openxmlformats.org/presentationml/2006/main">
-  <p:cSld>
-    <p:spTree>
-      <p:nvGrpSpPr>
-        <p:cNvPr id="1" name=""/>
-        <p:cNvGrpSpPr/>
-        <p:nvPr/>
-      </p:nvGrpSpPr>
-      <p:grpSpPr>
-        <a:xfrm>
-          <a:off x="0" y="0"/>
-          <a:ext cx="0" cy="0"/>
-          <a:chOff x="0" y="0"/>
-          <a:chExt cx="0" cy="0"/>
-        </a:xfrm>
-      </p:grpSpPr>
-      <p:sp>
-        <p:nvSpPr>
-          <p:cNvPr id="2" name="Title 1"/>
-          <p:cNvSpPr>
-            <a:spLocks noGrp="1"/>
-          </p:cNvSpPr>
-          <p:nvPr>
-            <p:ph type="title"/>
-          </p:nvPr>
-        </p:nvSpPr>
-        <p:spPr/>
-        <p:txBody>
-          <a:bodyPr/>
-          <a:lstStyle/>
-          <a:p>
-            <a:pPr marL="0" lvl="0" indent="0">
-              <a:buNone/>
-            </a:pPr>
-            <a:r>
               <a:t>Example of Logistic Regression</a:t>
             </a:r>
           </a:p>
@@ -39187,7 +39379,7 @@
             </p:spPr>
             <p:txBody>
               <a:bodyPr>
-                <a:normAutofit/>
+                <a:normAutofit lnSpcReduction="10000"/>
               </a:bodyPr>
               <a:lstStyle/>
               <a:p>
@@ -39235,7 +39427,7 @@
               <a:p>
                 <a:r>
                   <a:rPr lang="en-US" dirty="0"/>
-                  <a:t>Deviance by itself is hard to interpret</a:t>
+                  <a:t>Deviance by itself is hard to interpret – useful for model selection and comparison</a:t>
                 </a:r>
               </a:p>
               <a:p>
@@ -39318,7 +39510,7 @@
               <a:blipFill>
                 <a:blip r:embed="rId2"/>
                 <a:stretch>
-                  <a:fillRect l="-1961" t="-1331" r="-654"/>
+                  <a:fillRect l="-1961" t="-2329" r="-654"/>
                 </a:stretch>
               </a:blipFill>
             </p:spPr>
@@ -39650,7 +39842,71 @@
 </p:sld>
 </file>
 
-<file path=ppt/slides/slide51.xml><?xml version="1.0" encoding="utf-8"?>
+<file path=ppt/slides/slide54.xml><?xml version="1.0" encoding="utf-8"?>
+<p:sld xmlns:a="http://schemas.openxmlformats.org/drawingml/2006/main" xmlns:r="http://schemas.openxmlformats.org/officeDocument/2006/relationships" xmlns:p="http://schemas.openxmlformats.org/presentationml/2006/main">
+  <p:cSld>
+    <p:spTree>
+      <p:nvGrpSpPr>
+        <p:cNvPr id="1" name="">
+          <a:extLst>
+            <a:ext uri="{FF2B5EF4-FFF2-40B4-BE49-F238E27FC236}">
+              <a16:creationId xmlns:a16="http://schemas.microsoft.com/office/drawing/2014/main" id="{D31AAB80-6C9F-ABEE-2E86-0036A56E6376}"/>
+            </a:ext>
+          </a:extLst>
+        </p:cNvPr>
+        <p:cNvGrpSpPr/>
+        <p:nvPr/>
+      </p:nvGrpSpPr>
+      <p:grpSpPr>
+        <a:xfrm>
+          <a:off x="0" y="0"/>
+          <a:ext cx="0" cy="0"/>
+          <a:chOff x="0" y="0"/>
+          <a:chExt cx="0" cy="0"/>
+        </a:xfrm>
+      </p:grpSpPr>
+      <p:sp>
+        <p:nvSpPr>
+          <p:cNvPr id="2" name="Title 1">
+            <a:extLst>
+              <a:ext uri="{FF2B5EF4-FFF2-40B4-BE49-F238E27FC236}">
+                <a16:creationId xmlns:a16="http://schemas.microsoft.com/office/drawing/2014/main" id="{698C95BC-8703-5204-7E48-D057F879148F}"/>
+              </a:ext>
+            </a:extLst>
+          </p:cNvPr>
+          <p:cNvSpPr>
+            <a:spLocks noGrp="1"/>
+          </p:cNvSpPr>
+          <p:nvPr>
+            <p:ph type="ctrTitle"/>
+          </p:nvPr>
+        </p:nvSpPr>
+        <p:spPr/>
+        <p:txBody>
+          <a:bodyPr/>
+          <a:lstStyle/>
+          <a:p>
+            <a:r>
+              <a:rPr lang="en-US" dirty="0"/>
+              <a:t>Poisson Regression as a GLM</a:t>
+            </a:r>
+          </a:p>
+        </p:txBody>
+      </p:sp>
+    </p:spTree>
+    <p:extLst>
+      <p:ext uri="{BB962C8B-B14F-4D97-AF65-F5344CB8AC3E}">
+        <p14:creationId xmlns:p14="http://schemas.microsoft.com/office/powerpoint/2010/main" val="524424305"/>
+      </p:ext>
+    </p:extLst>
+  </p:cSld>
+  <p:clrMapOvr>
+    <a:masterClrMapping/>
+  </p:clrMapOvr>
+</p:sld>
+</file>
+
+<file path=ppt/slides/slide55.xml><?xml version="1.0" encoding="utf-8"?>
 <p:sld xmlns:a="http://schemas.openxmlformats.org/drawingml/2006/main" xmlns:r="http://schemas.openxmlformats.org/officeDocument/2006/relationships" xmlns:p="http://schemas.openxmlformats.org/presentationml/2006/main">
   <p:cSld>
     <p:spTree>
@@ -40264,7 +40520,7 @@
 </p:sld>
 </file>
 
-<file path=ppt/slides/slide52.xml><?xml version="1.0" encoding="utf-8"?>
+<file path=ppt/slides/slide56.xml><?xml version="1.0" encoding="utf-8"?>
 <p:sld xmlns:a="http://schemas.openxmlformats.org/drawingml/2006/main" xmlns:r="http://schemas.openxmlformats.org/officeDocument/2006/relationships" xmlns:p="http://schemas.openxmlformats.org/presentationml/2006/main">
   <p:cSld>
     <p:spTree>
@@ -41187,7 +41443,7 @@
 </p:sld>
 </file>
 
-<file path=ppt/slides/slide53.xml><?xml version="1.0" encoding="utf-8"?>
+<file path=ppt/slides/slide57.xml><?xml version="1.0" encoding="utf-8"?>
 <p:sld xmlns:a="http://schemas.openxmlformats.org/drawingml/2006/main" xmlns:r="http://schemas.openxmlformats.org/officeDocument/2006/relationships" xmlns:p="http://schemas.openxmlformats.org/presentationml/2006/main">
   <p:cSld>
     <p:spTree>
@@ -42000,7 +42256,7 @@
 </p:sld>
 </file>
 
-<file path=ppt/slides/slide54.xml><?xml version="1.0" encoding="utf-8"?>
+<file path=ppt/slides/slide58.xml><?xml version="1.0" encoding="utf-8"?>
 <p:sld xmlns:a="http://schemas.openxmlformats.org/drawingml/2006/main" xmlns:r="http://schemas.openxmlformats.org/officeDocument/2006/relationships" xmlns:p="http://schemas.openxmlformats.org/presentationml/2006/main">
   <p:cSld>
     <p:spTree>
@@ -42458,7 +42714,7 @@
 </p:sld>
 </file>
 
-<file path=ppt/slides/slide55.xml><?xml version="1.0" encoding="utf-8"?>
+<file path=ppt/slides/slide59.xml><?xml version="1.0" encoding="utf-8"?>
 <p:sld xmlns:a="http://schemas.openxmlformats.org/drawingml/2006/main" xmlns:r="http://schemas.openxmlformats.org/officeDocument/2006/relationships" xmlns:p="http://schemas.openxmlformats.org/presentationml/2006/main">
   <p:cSld>
     <p:spTree>
@@ -43614,7 +43870,71 @@
 </p:sld>
 </file>
 
-<file path=ppt/slides/slide56.xml><?xml version="1.0" encoding="utf-8"?>
+<file path=ppt/slides/slide6.xml><?xml version="1.0" encoding="utf-8"?>
+<p:sld xmlns:a="http://schemas.openxmlformats.org/drawingml/2006/main" xmlns:r="http://schemas.openxmlformats.org/officeDocument/2006/relationships" xmlns:p="http://schemas.openxmlformats.org/presentationml/2006/main">
+  <p:cSld>
+    <p:spTree>
+      <p:nvGrpSpPr>
+        <p:cNvPr id="1" name="">
+          <a:extLst>
+            <a:ext uri="{FF2B5EF4-FFF2-40B4-BE49-F238E27FC236}">
+              <a16:creationId xmlns:a16="http://schemas.microsoft.com/office/drawing/2014/main" id="{4E23FD5D-2916-D92A-E234-E7CBB1C5E71B}"/>
+            </a:ext>
+          </a:extLst>
+        </p:cNvPr>
+        <p:cNvGrpSpPr/>
+        <p:nvPr/>
+      </p:nvGrpSpPr>
+      <p:grpSpPr>
+        <a:xfrm>
+          <a:off x="0" y="0"/>
+          <a:ext cx="0" cy="0"/>
+          <a:chOff x="0" y="0"/>
+          <a:chExt cx="0" cy="0"/>
+        </a:xfrm>
+      </p:grpSpPr>
+      <p:sp>
+        <p:nvSpPr>
+          <p:cNvPr id="2" name="Title 1">
+            <a:extLst>
+              <a:ext uri="{FF2B5EF4-FFF2-40B4-BE49-F238E27FC236}">
+                <a16:creationId xmlns:a16="http://schemas.microsoft.com/office/drawing/2014/main" id="{31EA9C41-4EF1-29A0-34CF-4C4EBDBB4DC6}"/>
+              </a:ext>
+            </a:extLst>
+          </p:cNvPr>
+          <p:cNvSpPr>
+            <a:spLocks noGrp="1"/>
+          </p:cNvSpPr>
+          <p:nvPr>
+            <p:ph type="ctrTitle"/>
+          </p:nvPr>
+        </p:nvSpPr>
+        <p:spPr/>
+        <p:txBody>
+          <a:bodyPr/>
+          <a:lstStyle/>
+          <a:p>
+            <a:r>
+              <a:rPr lang="en-US" dirty="0"/>
+              <a:t>Introduction</a:t>
+            </a:r>
+          </a:p>
+        </p:txBody>
+      </p:sp>
+    </p:spTree>
+    <p:extLst>
+      <p:ext uri="{BB962C8B-B14F-4D97-AF65-F5344CB8AC3E}">
+        <p14:creationId xmlns:p14="http://schemas.microsoft.com/office/powerpoint/2010/main" val="2752065488"/>
+      </p:ext>
+    </p:extLst>
+  </p:cSld>
+  <p:clrMapOvr>
+    <a:masterClrMapping/>
+  </p:clrMapOvr>
+</p:sld>
+</file>
+
+<file path=ppt/slides/slide60.xml><?xml version="1.0" encoding="utf-8"?>
 <p:sld xmlns:a="http://schemas.openxmlformats.org/drawingml/2006/main" xmlns:r="http://schemas.openxmlformats.org/officeDocument/2006/relationships" xmlns:p="http://schemas.openxmlformats.org/presentationml/2006/main">
   <p:cSld>
     <p:spTree>
@@ -43844,7 +44164,7 @@
 </p:sld>
 </file>
 
-<file path=ppt/slides/slide57.xml><?xml version="1.0" encoding="utf-8"?>
+<file path=ppt/slides/slide61.xml><?xml version="1.0" encoding="utf-8"?>
 <p:sld xmlns:a="http://schemas.openxmlformats.org/drawingml/2006/main" xmlns:r="http://schemas.openxmlformats.org/officeDocument/2006/relationships" xmlns:p="http://schemas.openxmlformats.org/presentationml/2006/main">
   <p:cSld>
     <p:spTree>
@@ -43999,7 +44319,7 @@
 </p:sld>
 </file>
 
-<file path=ppt/slides/slide58.xml><?xml version="1.0" encoding="utf-8"?>
+<file path=ppt/slides/slide62.xml><?xml version="1.0" encoding="utf-8"?>
 <p:sld xmlns:a="http://schemas.openxmlformats.org/drawingml/2006/main" xmlns:r="http://schemas.openxmlformats.org/officeDocument/2006/relationships" xmlns:p="http://schemas.openxmlformats.org/presentationml/2006/main">
   <p:cSld>
     <p:spTree>
@@ -44148,70 +44468,6 @@
         </p:txBody>
       </p:sp>
     </p:spTree>
-  </p:cSld>
-  <p:clrMapOvr>
-    <a:masterClrMapping/>
-  </p:clrMapOvr>
-</p:sld>
-</file>
-
-<file path=ppt/slides/slide6.xml><?xml version="1.0" encoding="utf-8"?>
-<p:sld xmlns:a="http://schemas.openxmlformats.org/drawingml/2006/main" xmlns:r="http://schemas.openxmlformats.org/officeDocument/2006/relationships" xmlns:p="http://schemas.openxmlformats.org/presentationml/2006/main">
-  <p:cSld>
-    <p:spTree>
-      <p:nvGrpSpPr>
-        <p:cNvPr id="1" name="">
-          <a:extLst>
-            <a:ext uri="{FF2B5EF4-FFF2-40B4-BE49-F238E27FC236}">
-              <a16:creationId xmlns:a16="http://schemas.microsoft.com/office/drawing/2014/main" id="{4E23FD5D-2916-D92A-E234-E7CBB1C5E71B}"/>
-            </a:ext>
-          </a:extLst>
-        </p:cNvPr>
-        <p:cNvGrpSpPr/>
-        <p:nvPr/>
-      </p:nvGrpSpPr>
-      <p:grpSpPr>
-        <a:xfrm>
-          <a:off x="0" y="0"/>
-          <a:ext cx="0" cy="0"/>
-          <a:chOff x="0" y="0"/>
-          <a:chExt cx="0" cy="0"/>
-        </a:xfrm>
-      </p:grpSpPr>
-      <p:sp>
-        <p:nvSpPr>
-          <p:cNvPr id="2" name="Title 1">
-            <a:extLst>
-              <a:ext uri="{FF2B5EF4-FFF2-40B4-BE49-F238E27FC236}">
-                <a16:creationId xmlns:a16="http://schemas.microsoft.com/office/drawing/2014/main" id="{31EA9C41-4EF1-29A0-34CF-4C4EBDBB4DC6}"/>
-              </a:ext>
-            </a:extLst>
-          </p:cNvPr>
-          <p:cNvSpPr>
-            <a:spLocks noGrp="1"/>
-          </p:cNvSpPr>
-          <p:nvPr>
-            <p:ph type="ctrTitle"/>
-          </p:nvPr>
-        </p:nvSpPr>
-        <p:spPr/>
-        <p:txBody>
-          <a:bodyPr/>
-          <a:lstStyle/>
-          <a:p>
-            <a:r>
-              <a:rPr lang="en-US" dirty="0"/>
-              <a:t>Introduction</a:t>
-            </a:r>
-          </a:p>
-        </p:txBody>
-      </p:sp>
-    </p:spTree>
-    <p:extLst>
-      <p:ext uri="{BB962C8B-B14F-4D97-AF65-F5344CB8AC3E}">
-        <p14:creationId xmlns:p14="http://schemas.microsoft.com/office/powerpoint/2010/main" val="2752065488"/>
-      </p:ext>
-    </p:extLst>
   </p:cSld>
   <p:clrMapOvr>
     <a:masterClrMapping/>
